--- a/docs/FuzzyRecordLinkage.pptx
+++ b/docs/FuzzyRecordLinkage.pptx
@@ -4,6 +4,9 @@
   <p:sldMasterIdLst>
     <p:sldMasterId id="2147483762" r:id="rId1"/>
   </p:sldMasterIdLst>
+  <p:notesMasterIdLst>
+    <p:notesMasterId r:id="rId25"/>
+  </p:notesMasterIdLst>
   <p:sldIdLst>
     <p:sldId id="256" r:id="rId2"/>
     <p:sldId id="257" r:id="rId3"/>
@@ -30,7 +33,7 @@
     <p:sldId id="275" r:id="rId24"/>
   </p:sldIdLst>
   <p:sldSz cx="12192000" cy="6858000"/>
-  <p:notesSz cx="6858000" cy="9144000"/>
+  <p:notesSz cx="6858000" cy="2371725"/>
   <p:defaultTextStyle>
     <a:defPPr>
       <a:defRPr lang="en-US"/>
@@ -137,8 +140,7 @@
 <file path=ppt/revisionInfo.xml><?xml version="1.0" encoding="utf-8"?>
 <p1510:revInfo xmlns:a="http://schemas.openxmlformats.org/drawingml/2006/main" xmlns:r="http://schemas.openxmlformats.org/officeDocument/2006/relationships" xmlns:p1510="http://schemas.microsoft.com/office/powerpoint/2015/10/main">
   <p1510:revLst>
-    <p1510:client id="{261D19E1-FB79-1050-FB00-A4A908B51631}" v="2" dt="2019-02-09T22:00:56.147"/>
-    <p1510:client id="{98072543-28DB-BC34-8070-E4ADB2BEFDBB}" v="698" dt="2019-02-10T00:31:38.131"/>
+    <p1510:client id="{82216CD2-0B5D-477C-30C3-874F10A1EC4F}" v="1" dt="2019-02-11T02:11:54.569"/>
   </p1510:revLst>
 </p1510:revInfo>
 </file>
@@ -11895,7 +11897,7 @@
         <a:lstStyle/>
         <a:p>
           <a:r>
-            <a:rPr lang="en-US" dirty="0"/>
+            <a:rPr lang="en-US"/>
             <a:t>Objective</a:t>
           </a:r>
         </a:p>
@@ -11931,7 +11933,7 @@
         <a:lstStyle/>
         <a:p>
           <a:r>
-            <a:rPr lang="en-US" dirty="0"/>
+            <a:rPr lang="en-US"/>
             <a:t>Requirements</a:t>
           </a:r>
         </a:p>
@@ -11967,7 +11969,7 @@
         <a:lstStyle/>
         <a:p>
           <a:r>
-            <a:rPr lang="en-US" dirty="0"/>
+            <a:rPr lang="en-US"/>
             <a:t>Design Decisions</a:t>
           </a:r>
         </a:p>
@@ -12003,7 +12005,7 @@
         <a:lstStyle/>
         <a:p>
           <a:r>
-            <a:rPr lang="en-US" dirty="0"/>
+            <a:rPr lang="en-US"/>
             <a:t>Design</a:t>
           </a:r>
         </a:p>
@@ -12039,7 +12041,7 @@
         <a:lstStyle/>
         <a:p>
           <a:r>
-            <a:rPr lang="en-US" dirty="0"/>
+            <a:rPr lang="en-US"/>
             <a:t>Implementation</a:t>
           </a:r>
         </a:p>
@@ -12075,7 +12077,7 @@
         <a:lstStyle/>
         <a:p>
           <a:r>
-            <a:rPr lang="en-US" dirty="0"/>
+            <a:rPr lang="en-US"/>
             <a:t>Demo</a:t>
           </a:r>
         </a:p>
@@ -12111,7 +12113,7 @@
         <a:lstStyle/>
         <a:p>
           <a:r>
-            <a:rPr lang="en-US" dirty="0"/>
+            <a:rPr lang="en-US"/>
             <a:t>Testing</a:t>
           </a:r>
         </a:p>
@@ -12147,7 +12149,7 @@
         <a:lstStyle/>
         <a:p>
           <a:r>
-            <a:rPr lang="en-US" dirty="0"/>
+            <a:rPr lang="en-US"/>
             <a:t>Maintainability</a:t>
           </a:r>
         </a:p>
@@ -12183,7 +12185,7 @@
         <a:lstStyle/>
         <a:p>
           <a:r>
-            <a:rPr lang="en-US" dirty="0"/>
+            <a:rPr lang="en-US"/>
             <a:t>Conclusion</a:t>
           </a:r>
         </a:p>
@@ -12219,7 +12221,7 @@
         <a:lstStyle/>
         <a:p>
           <a:r>
-            <a:rPr lang="en-US" dirty="0"/>
+            <a:rPr lang="en-US"/>
             <a:t>The Problem</a:t>
           </a:r>
         </a:p>
@@ -12248,7 +12250,7 @@
         <a:lstStyle/>
         <a:p>
           <a:r>
-            <a:rPr lang="en-US" dirty="0"/>
+            <a:rPr lang="en-US"/>
             <a:t>Achieved Goals</a:t>
           </a:r>
         </a:p>
@@ -12277,7 +12279,7 @@
         <a:lstStyle/>
         <a:p>
           <a:r>
-            <a:rPr lang="en-US" dirty="0"/>
+            <a:rPr lang="en-US"/>
             <a:t>Dependencies</a:t>
           </a:r>
         </a:p>
@@ -12596,12 +12598,12 @@
         <a:lstStyle/>
         <a:p>
           <a:r>
-            <a:rPr lang="en-US" b="0" i="0" dirty="0">
+            <a:rPr lang="en-US" b="0" i="0">
               <a:latin typeface="Century Gothic" panose="020B0502020202020204"/>
             </a:rPr>
             <a:t>Non-match </a:t>
           </a:r>
-          <a:endParaRPr lang="en-US" dirty="0">
+          <a:endParaRPr lang="en-US">
             <a:latin typeface="Century Gothic" panose="020B0502020202020204"/>
           </a:endParaRPr>
         </a:p>
@@ -12637,12 +12639,12 @@
         <a:lstStyle/>
         <a:p>
           <a:r>
-            <a:rPr lang="en-US" b="0" i="0" dirty="0">
+            <a:rPr lang="en-US" b="0" i="0">
               <a:latin typeface="Century Gothic"/>
             </a:rPr>
             <a:t>Potential Match</a:t>
           </a:r>
-          <a:endParaRPr lang="en-US" dirty="0">
+          <a:endParaRPr lang="en-US">
             <a:latin typeface="Century Gothic"/>
           </a:endParaRPr>
         </a:p>
@@ -12678,12 +12680,12 @@
         <a:lstStyle/>
         <a:p>
           <a:r>
-            <a:rPr lang="en-US" b="0" i="0" dirty="0">
+            <a:rPr lang="en-US" b="0" i="0">
               <a:latin typeface="Century Gothic"/>
             </a:rPr>
             <a:t>Match</a:t>
           </a:r>
-          <a:endParaRPr lang="en-US" dirty="0">
+          <a:endParaRPr lang="en-US">
             <a:latin typeface="Century Gothic"/>
           </a:endParaRPr>
         </a:p>
@@ -12719,12 +12721,12 @@
         <a:lstStyle/>
         <a:p>
           <a:r>
-            <a:rPr lang="en-US" b="0" i="0" dirty="0">
+            <a:rPr lang="en-US" b="0" i="0">
               <a:latin typeface="Century Gothic"/>
             </a:rPr>
             <a:t>[ 0, 70)</a:t>
           </a:r>
-          <a:endParaRPr lang="en-US" dirty="0">
+          <a:endParaRPr lang="en-US">
             <a:latin typeface="Century Gothic"/>
           </a:endParaRPr>
         </a:p>
@@ -12753,12 +12755,12 @@
         <a:lstStyle/>
         <a:p>
           <a:r>
-            <a:rPr lang="en-US" b="0" i="0" dirty="0">
+            <a:rPr lang="en-US" b="0" i="0">
               <a:latin typeface="Century Gothic"/>
             </a:rPr>
             <a:t>[70, 90)</a:t>
           </a:r>
-          <a:endParaRPr lang="en-US" dirty="0">
+          <a:endParaRPr lang="en-US">
             <a:latin typeface="Century Gothic"/>
           </a:endParaRPr>
         </a:p>
@@ -12787,12 +12789,12 @@
         <a:lstStyle/>
         <a:p>
           <a:r>
-            <a:rPr lang="en-US" b="0" i="0" dirty="0">
+            <a:rPr lang="en-US" b="0" i="0">
               <a:latin typeface="Century Gothic"/>
             </a:rPr>
             <a:t>[ 90, 100]</a:t>
           </a:r>
-          <a:endParaRPr lang="en-US" dirty="0">
+          <a:endParaRPr lang="en-US">
             <a:latin typeface="Century Gothic"/>
           </a:endParaRPr>
         </a:p>
@@ -13402,7 +13404,7 @@
         <a:lstStyle/>
         <a:p>
           <a:r>
-            <a:rPr lang="en-US" dirty="0"/>
+            <a:rPr lang="en-US"/>
             <a:t>Apache's Commons-CSV Library</a:t>
           </a:r>
         </a:p>
@@ -13438,7 +13440,7 @@
         <a:lstStyle/>
         <a:p>
           <a:r>
-            <a:rPr lang="en-US" dirty="0"/>
+            <a:rPr lang="en-US"/>
             <a:t>Phonetic Encoding</a:t>
           </a:r>
         </a:p>
@@ -13474,7 +13476,7 @@
         <a:lstStyle/>
         <a:p>
           <a:r>
-            <a:rPr lang="en-US" dirty="0"/>
+            <a:rPr lang="en-US"/>
             <a:t>Apache's Commons-Codec Library</a:t>
           </a:r>
         </a:p>
@@ -13510,7 +13512,7 @@
         <a:lstStyle/>
         <a:p>
           <a:r>
-            <a:rPr lang="en-US" dirty="0"/>
+            <a:rPr lang="en-US"/>
             <a:t>Json Parsing</a:t>
           </a:r>
         </a:p>
@@ -13546,11 +13548,11 @@
         <a:lstStyle/>
         <a:p>
           <a:r>
-            <a:rPr lang="en-US" dirty="0" err="1"/>
+            <a:rPr lang="en-US" err="1"/>
             <a:t>Org.json's</a:t>
           </a:r>
           <a:r>
-            <a:rPr lang="en-US" dirty="0"/>
+            <a:rPr lang="en-US"/>
             <a:t> JSON library</a:t>
           </a:r>
         </a:p>
@@ -13586,10 +13588,10 @@
         <a:lstStyle/>
         <a:p>
           <a:r>
-            <a:rPr lang="en-US" dirty="0"/>
+            <a:rPr lang="en-US"/>
             <a:t>CSV Parsing</a:t>
           </a:r>
-          <a:endParaRPr lang="en-US" sz="3000" dirty="0">
+          <a:endParaRPr lang="en-US" sz="3000">
             <a:solidFill>
               <a:srgbClr val="010000"/>
             </a:solidFill>
@@ -13749,7 +13751,7 @@
         <a:lstStyle/>
         <a:p>
           <a:r>
-            <a:rPr lang="en-US" sz="3000" dirty="0">
+            <a:rPr lang="en-US" sz="3000">
               <a:latin typeface="Corbel"/>
             </a:rPr>
             <a:t>Unit Testing</a:t>
@@ -13787,25 +13789,25 @@
         <a:lstStyle/>
         <a:p>
           <a:r>
-            <a:rPr lang="en-US" sz="3000" dirty="0" err="1">
+            <a:rPr lang="en-US" sz="3000" err="1">
               <a:latin typeface="Corbel"/>
             </a:rPr>
             <a:t>Xdrop's</a:t>
           </a:r>
           <a:r>
-            <a:rPr lang="en-US" sz="3000" dirty="0">
+            <a:rPr lang="en-US" sz="3000">
               <a:latin typeface="Corbel"/>
             </a:rPr>
             <a:t> </a:t>
           </a:r>
           <a:r>
-            <a:rPr lang="en-US" sz="3000" dirty="0" err="1">
+            <a:rPr lang="en-US" sz="3000" err="1">
               <a:latin typeface="Corbel"/>
             </a:rPr>
             <a:t>FuzzyWuzzy</a:t>
           </a:r>
           <a:r>
-            <a:rPr lang="en-US" sz="3000" dirty="0">
+            <a:rPr lang="en-US" sz="3000">
               <a:latin typeface="Corbel"/>
             </a:rPr>
             <a:t> Library</a:t>
@@ -13829,13 +13831,13 @@
         <a:lstStyle/>
         <a:p>
           <a:r>
-            <a:rPr lang="en-US" sz="3000" dirty="0" err="1">
+            <a:rPr lang="en-US" sz="3000" err="1">
               <a:latin typeface="Corbel"/>
             </a:rPr>
             <a:t>Levenshtein</a:t>
           </a:r>
           <a:r>
-            <a:rPr lang="en-US" sz="3000" dirty="0">
+            <a:rPr lang="en-US" sz="3000">
               <a:latin typeface="Corbel"/>
             </a:rPr>
             <a:t> Distance Ratio</a:t>
@@ -13859,7 +13861,7 @@
         <a:lstStyle/>
         <a:p>
           <a:r>
-            <a:rPr lang="en-US" sz="3000" dirty="0">
+            <a:rPr lang="en-US" sz="3000">
               <a:latin typeface="Corbel"/>
             </a:rPr>
             <a:t>Junit's JUnit Library</a:t>
@@ -13984,7 +13986,7 @@
         <a:lstStyle/>
         <a:p>
           <a:r>
-            <a:rPr lang="en-US" dirty="0"/>
+            <a:rPr lang="en-US"/>
             <a:t>Readability</a:t>
           </a:r>
         </a:p>
@@ -14020,7 +14022,7 @@
         <a:lstStyle/>
         <a:p>
           <a:r>
-            <a:rPr lang="en-US" dirty="0"/>
+            <a:rPr lang="en-US"/>
             <a:t>Comprehensive Documentation</a:t>
           </a:r>
         </a:p>
@@ -14056,7 +14058,7 @@
         <a:lstStyle/>
         <a:p>
           <a:r>
-            <a:rPr lang="en-US" dirty="0"/>
+            <a:rPr lang="en-US"/>
             <a:t>Object Oriented Design</a:t>
           </a:r>
         </a:p>
@@ -14182,7 +14184,7 @@
         <a:lstStyle/>
         <a:p>
           <a:r>
-            <a:rPr lang="en-US" dirty="0"/>
+            <a:rPr lang="en-US"/>
             <a:t>Simplicity</a:t>
           </a:r>
         </a:p>
@@ -14211,7 +14213,7 @@
         <a:lstStyle/>
         <a:p>
           <a:r>
-            <a:rPr lang="en-US" dirty="0"/>
+            <a:rPr lang="en-US"/>
             <a:t>Readability</a:t>
           </a:r>
         </a:p>
@@ -14240,7 +14242,7 @@
         <a:lstStyle/>
         <a:p>
           <a:r>
-            <a:rPr lang="en-US" dirty="0"/>
+            <a:rPr lang="en-US"/>
             <a:t>Maintainability</a:t>
           </a:r>
         </a:p>
@@ -14349,13 +14351,13 @@
         <a:lstStyle/>
         <a:p>
           <a:r>
-            <a:rPr lang="en-US" b="0" i="0" dirty="0">
+            <a:rPr lang="en-US" b="0" i="0">
               <a:latin typeface="Calibri Light"/>
               <a:cs typeface="Calibri Light"/>
             </a:rPr>
             <a:t>Java is used as the language to create the functionality.</a:t>
           </a:r>
-          <a:endParaRPr lang="en-US" dirty="0">
+          <a:endParaRPr lang="en-US">
             <a:latin typeface="Calibri Light"/>
             <a:cs typeface="Calibri Light"/>
           </a:endParaRPr>
@@ -14395,13 +14397,13 @@
         <a:lstStyle/>
         <a:p>
           <a:r>
-            <a:rPr lang="en-US" b="0" i="0" dirty="0">
+            <a:rPr lang="en-US" b="0" i="0">
               <a:latin typeface="Calibri Light"/>
               <a:cs typeface="Calibri Light"/>
             </a:rPr>
             <a:t>Only freely distributed, open-source dependencies are used. </a:t>
           </a:r>
-          <a:endParaRPr lang="en-US" dirty="0">
+          <a:endParaRPr lang="en-US">
             <a:latin typeface="Calibri Light"/>
             <a:cs typeface="Calibri Light"/>
           </a:endParaRPr>
@@ -14870,7 +14872,6 @@
             <a:rPr lang="en-US"/>
             <a:t> Build automation tool</a:t>
           </a:r>
-          <a:endParaRPr lang="en-US" dirty="0"/>
         </a:p>
       </dgm:t>
     </dgm:pt>
@@ -15305,7 +15306,7 @@
 <dgm:dataModel xmlns:dgm="http://schemas.openxmlformats.org/drawingml/2006/diagram" xmlns:a="http://schemas.openxmlformats.org/drawingml/2006/main">
   <dgm:ptLst>
     <dgm:pt modelId="{9A33F798-73F0-4E39-BCBB-BE2F96C874AB}" type="doc">
-      <dgm:prSet loTypeId="urn:microsoft.com/office/officeart/2016/7/layout/ChevronBlockProcess" loCatId="process" qsTypeId="urn:microsoft.com/office/officeart/2005/8/quickstyle/simple4" qsCatId="simple" csTypeId="urn:microsoft.com/office/officeart/2005/8/colors/colorful2" csCatId="colorful" phldr="1"/>
+      <dgm:prSet loTypeId="urn:microsoft.com/office/officeart/2005/8/layout/hList1" loCatId="list" qsTypeId="urn:microsoft.com/office/officeart/2005/8/quickstyle/simple5" qsCatId="simple" csTypeId="urn:microsoft.com/office/officeart/2005/8/colors/colorful2" csCatId="colorful" phldr="1"/>
       <dgm:spPr/>
       <dgm:t>
         <a:bodyPr/>
@@ -15540,7 +15541,7 @@
         <a:p>
           <a:r>
             <a:rPr lang="en-US" dirty="0"/>
-            <a:t>Ex. </a:t>
+            <a:t>Ex. </a:t>
           </a:r>
         </a:p>
       </dgm:t>
@@ -15641,7 +15642,7 @@
         <a:p>
           <a:r>
             <a:rPr lang="en-US" dirty="0"/>
-            <a:t>Ex. </a:t>
+            <a:t>Ex. </a:t>
           </a:r>
         </a:p>
       </dgm:t>
@@ -15725,25 +15726,13 @@
     <dgm:pt modelId="{40BD49A3-A003-4ACB-931E-762F51A11B54}" type="sibTrans" cxnId="{0BAB61C7-C24A-448F-8541-2EF371655DA5}">
       <dgm:prSet/>
       <dgm:spPr/>
-    </dgm:pt>
-    <dgm:pt modelId="{57DE55B2-9BAD-4B8A-A921-EEE609B84DD1}">
-      <dgm:prSet/>
-      <dgm:spPr/>
       <dgm:t>
         <a:bodyPr/>
         <a:lstStyle/>
         <a:p>
-          <a:endParaRPr lang="en-US" sz="2600" dirty="0"/>
+          <a:endParaRPr lang="en-US"/>
         </a:p>
       </dgm:t>
-    </dgm:pt>
-    <dgm:pt modelId="{C47F8E2D-2949-4972-8D4E-825B30D9B705}" type="parTrans" cxnId="{A36AC470-991C-43C2-AD04-072A270E0310}">
-      <dgm:prSet/>
-      <dgm:spPr/>
-    </dgm:pt>
-    <dgm:pt modelId="{A645658A-20EC-4B23-B280-F86485045950}" type="sibTrans" cxnId="{A36AC470-991C-43C2-AD04-072A270E0310}">
-      <dgm:prSet/>
-      <dgm:spPr/>
     </dgm:pt>
     <dgm:pt modelId="{DC57DD83-24B6-4392-896F-615A9004EF52}">
       <dgm:prSet/>
@@ -15766,6 +15755,13 @@
     <dgm:pt modelId="{8BEB0FD9-60AD-4E31-89EF-1ED101707245}" type="sibTrans" cxnId="{58C4AEDE-4F68-4B5E-A1A3-F86BAB85E06C}">
       <dgm:prSet/>
       <dgm:spPr/>
+      <dgm:t>
+        <a:bodyPr/>
+        <a:lstStyle/>
+        <a:p>
+          <a:endParaRPr lang="en-US"/>
+        </a:p>
+      </dgm:t>
     </dgm:pt>
     <dgm:pt modelId="{485DB323-1653-4700-A799-ECBB45EE54EF}">
       <dgm:prSet/>
@@ -15788,6 +15784,13 @@
     <dgm:pt modelId="{0038B60B-6A59-4197-BA4F-572A3AA8C174}" type="sibTrans" cxnId="{6E4C191C-8001-4855-A857-88B6EC5189AC}">
       <dgm:prSet/>
       <dgm:spPr/>
+      <dgm:t>
+        <a:bodyPr/>
+        <a:lstStyle/>
+        <a:p>
+          <a:endParaRPr lang="en-US"/>
+        </a:p>
+      </dgm:t>
     </dgm:pt>
     <dgm:pt modelId="{E13F8F78-6BF5-42F0-ADCC-1BACBAF24E90}">
       <dgm:prSet/>
@@ -15797,7 +15800,7 @@
         <a:lstStyle/>
         <a:p>
           <a:r>
-            <a:rPr lang="en-US" sz="2800" dirty="0"/>
+            <a:rPr lang="en-US" sz="2400" dirty="0"/>
             <a:t>123 North State Street</a:t>
           </a:r>
         </a:p>
@@ -15810,8 +15813,15 @@
     <dgm:pt modelId="{11829295-140C-4A55-9418-F416F0008F66}" type="sibTrans" cxnId="{02DF1A0D-6C47-40FC-9036-CA3EC5DACEB3}">
       <dgm:prSet/>
       <dgm:spPr/>
+      <dgm:t>
+        <a:bodyPr/>
+        <a:lstStyle/>
+        <a:p>
+          <a:endParaRPr lang="en-US"/>
+        </a:p>
+      </dgm:t>
     </dgm:pt>
-    <dgm:pt modelId="{11A8655E-F779-40DC-ADD5-5E89063778D5}">
+    <dgm:pt modelId="{011A92D3-C33E-4CBD-9902-9DAB26715962}">
       <dgm:prSet/>
       <dgm:spPr/>
       <dgm:t>
@@ -15822,15 +15832,72 @@
         </a:p>
       </dgm:t>
     </dgm:pt>
-    <dgm:pt modelId="{E1B03BEA-838D-4FFB-8E41-910CD7648273}" type="parTrans" cxnId="{AFC01E00-928E-4925-A531-5E3DCABB28F3}">
+    <dgm:pt modelId="{1E03D00A-BAE6-4A75-B075-EBE70C9B98A5}" type="parTrans" cxnId="{DED017D9-1FB5-4839-BCF2-32EB43C558FB}">
       <dgm:prSet/>
       <dgm:spPr/>
     </dgm:pt>
-    <dgm:pt modelId="{E588C967-7394-47C9-B704-4CD2E3F40A18}" type="sibTrans" cxnId="{AFC01E00-928E-4925-A531-5E3DCABB28F3}">
+    <dgm:pt modelId="{9BD721C2-CE9B-4E18-B6D0-CAC18889A810}" type="sibTrans" cxnId="{DED017D9-1FB5-4839-BCF2-32EB43C558FB}">
       <dgm:prSet/>
       <dgm:spPr/>
     </dgm:pt>
-    <dgm:pt modelId="{FB403E24-C319-4928-BFDA-3AE59C609B6E}" type="pres">
+    <dgm:pt modelId="{8FDCF87E-1266-4979-925D-413296D2D1E9}">
+      <dgm:prSet/>
+      <dgm:spPr/>
+      <dgm:t>
+        <a:bodyPr/>
+        <a:lstStyle/>
+        <a:p>
+          <a:endParaRPr lang="en-US" sz="2800"/>
+        </a:p>
+      </dgm:t>
+    </dgm:pt>
+    <dgm:pt modelId="{4C3F5F58-D524-47EB-9989-AB6B8DF981D4}" type="parTrans" cxnId="{B1FBC38A-C529-4224-9377-B55D45661D30}">
+      <dgm:prSet/>
+      <dgm:spPr/>
+    </dgm:pt>
+    <dgm:pt modelId="{E35FD387-9AAF-4139-A3FC-183C9026831C}" type="sibTrans" cxnId="{B1FBC38A-C529-4224-9377-B55D45661D30}">
+      <dgm:prSet/>
+      <dgm:spPr/>
+    </dgm:pt>
+    <dgm:pt modelId="{3DEE27D9-A78B-4CAC-A13B-8884A899977E}">
+      <dgm:prSet/>
+      <dgm:spPr/>
+      <dgm:t>
+        <a:bodyPr/>
+        <a:lstStyle/>
+        <a:p>
+          <a:endParaRPr lang="en-US" sz="2800" dirty="0"/>
+        </a:p>
+      </dgm:t>
+    </dgm:pt>
+    <dgm:pt modelId="{986C6C71-7E44-40D9-982C-48D87E2C480C}" type="parTrans" cxnId="{93672900-FE52-47AC-BF20-AC643327BA01}">
+      <dgm:prSet/>
+      <dgm:spPr/>
+    </dgm:pt>
+    <dgm:pt modelId="{CFB9735A-81B8-4EBA-9E70-D68BA5448CB5}" type="sibTrans" cxnId="{93672900-FE52-47AC-BF20-AC643327BA01}">
+      <dgm:prSet/>
+      <dgm:spPr/>
+    </dgm:pt>
+    <dgm:pt modelId="{3B3EC97F-AC5F-45E2-9D66-DE049273FCA7}">
+      <dgm:prSet/>
+      <dgm:spPr/>
+      <dgm:t>
+        <a:bodyPr/>
+        <a:lstStyle/>
+        <a:p>
+          <a:endParaRPr lang="en-US" sz="2800" dirty="0"/>
+        </a:p>
+      </dgm:t>
+    </dgm:pt>
+    <dgm:pt modelId="{A4CC823E-9112-4210-A564-4ABE122057A2}" type="parTrans" cxnId="{1AAFB4AE-A20D-4E4B-BE28-765BC2AD8245}">
+      <dgm:prSet/>
+      <dgm:spPr/>
+    </dgm:pt>
+    <dgm:pt modelId="{0B121BD3-2786-42F2-A5C3-53BB01E50588}" type="sibTrans" cxnId="{1AAFB4AE-A20D-4E4B-BE28-765BC2AD8245}">
+      <dgm:prSet/>
+      <dgm:spPr/>
+    </dgm:pt>
+    <dgm:pt modelId="{D890A9F5-32A5-499E-AE4A-53FCE0632068}" type="pres">
       <dgm:prSet presAssocID="{9A33F798-73F0-4E39-BCBB-BE2F96C874AB}" presName="Name0" presStyleCnt="0">
         <dgm:presLayoutVars>
           <dgm:dir/>
@@ -15840,146 +15907,162 @@
       </dgm:prSet>
       <dgm:spPr/>
     </dgm:pt>
-    <dgm:pt modelId="{950C2077-3263-401B-ABF1-FDFE2DAFC6F7}" type="pres">
+    <dgm:pt modelId="{74C086D6-DE2A-4FFA-A0DA-EFE64CFE9214}" type="pres">
       <dgm:prSet presAssocID="{12E9E40F-AE85-42D0-8D39-23AC9AFD73C3}" presName="composite" presStyleCnt="0"/>
       <dgm:spPr/>
     </dgm:pt>
-    <dgm:pt modelId="{A6359751-46CD-4381-910F-8DCCC35D1B87}" type="pres">
+    <dgm:pt modelId="{E5406326-FBB7-404D-9842-5E50458CA793}" type="pres">
       <dgm:prSet presAssocID="{12E9E40F-AE85-42D0-8D39-23AC9AFD73C3}" presName="parTx" presStyleLbl="alignNode1" presStyleIdx="0" presStyleCnt="4">
         <dgm:presLayoutVars>
           <dgm:chMax val="0"/>
           <dgm:chPref val="0"/>
+          <dgm:bulletEnabled val="1"/>
         </dgm:presLayoutVars>
       </dgm:prSet>
       <dgm:spPr/>
     </dgm:pt>
-    <dgm:pt modelId="{22B1D367-372A-4F0B-90D4-878ABC3231A6}" type="pres">
+    <dgm:pt modelId="{F9C3E665-B8BB-4E61-BAC8-B3A52C325D35}" type="pres">
       <dgm:prSet presAssocID="{12E9E40F-AE85-42D0-8D39-23AC9AFD73C3}" presName="desTx" presStyleLbl="alignAccFollowNode1" presStyleIdx="0" presStyleCnt="4">
-        <dgm:presLayoutVars/>
+        <dgm:presLayoutVars>
+          <dgm:bulletEnabled val="1"/>
+        </dgm:presLayoutVars>
       </dgm:prSet>
       <dgm:spPr/>
     </dgm:pt>
-    <dgm:pt modelId="{B0F8CDB1-C2B1-4228-BCA2-ADEEAE35AAE1}" type="pres">
+    <dgm:pt modelId="{E97B6C7F-874E-4A68-BEF2-D2F3A4C7892C}" type="pres">
       <dgm:prSet presAssocID="{29F4B3CD-B196-486A-B152-5D8E9EDA162F}" presName="space" presStyleCnt="0"/>
       <dgm:spPr/>
     </dgm:pt>
-    <dgm:pt modelId="{B32F2769-4F10-40C4-9EBA-D9385E5BF907}" type="pres">
+    <dgm:pt modelId="{706CD688-EA0B-486A-A27F-67EBCE568BD3}" type="pres">
       <dgm:prSet presAssocID="{DBBAABE8-9CDE-4C0C-9BC7-C1DA874D7202}" presName="composite" presStyleCnt="0"/>
       <dgm:spPr/>
     </dgm:pt>
-    <dgm:pt modelId="{8E668663-EAC7-4C63-8A1B-4CC234B5BDB1}" type="pres">
+    <dgm:pt modelId="{F42C6B58-D9EE-448A-948D-50CDFC4BDCA9}" type="pres">
       <dgm:prSet presAssocID="{DBBAABE8-9CDE-4C0C-9BC7-C1DA874D7202}" presName="parTx" presStyleLbl="alignNode1" presStyleIdx="1" presStyleCnt="4">
         <dgm:presLayoutVars>
           <dgm:chMax val="0"/>
           <dgm:chPref val="0"/>
+          <dgm:bulletEnabled val="1"/>
         </dgm:presLayoutVars>
       </dgm:prSet>
       <dgm:spPr/>
     </dgm:pt>
-    <dgm:pt modelId="{37A930D6-309C-4A24-A493-FE698F45A226}" type="pres">
+    <dgm:pt modelId="{AD9DE300-977E-4F8C-9E3C-5D6C98F0CBE0}" type="pres">
       <dgm:prSet presAssocID="{DBBAABE8-9CDE-4C0C-9BC7-C1DA874D7202}" presName="desTx" presStyleLbl="alignAccFollowNode1" presStyleIdx="1" presStyleCnt="4">
-        <dgm:presLayoutVars/>
+        <dgm:presLayoutVars>
+          <dgm:bulletEnabled val="1"/>
+        </dgm:presLayoutVars>
       </dgm:prSet>
       <dgm:spPr/>
     </dgm:pt>
-    <dgm:pt modelId="{4E9EC2AA-6395-458D-AD71-BAE4632AFEFC}" type="pres">
+    <dgm:pt modelId="{05801D30-8F59-49F1-9422-106F69D41908}" type="pres">
       <dgm:prSet presAssocID="{A8C6837D-32E8-4DF1-B080-2EF5A678A927}" presName="space" presStyleCnt="0"/>
       <dgm:spPr/>
     </dgm:pt>
-    <dgm:pt modelId="{392595AC-6CB6-4911-9C16-6B5CEEAED0C2}" type="pres">
+    <dgm:pt modelId="{6D85ED57-6F0C-4C16-AFF9-598173B2C154}" type="pres">
       <dgm:prSet presAssocID="{F6473B38-4A9E-48DC-83EA-216AC9E20AB1}" presName="composite" presStyleCnt="0"/>
       <dgm:spPr/>
     </dgm:pt>
-    <dgm:pt modelId="{C16B4BFE-F133-421F-A0E9-D1FCAA5F555D}" type="pres">
+    <dgm:pt modelId="{A9488153-CE7A-4FE3-887C-2CFC8E597351}" type="pres">
       <dgm:prSet presAssocID="{F6473B38-4A9E-48DC-83EA-216AC9E20AB1}" presName="parTx" presStyleLbl="alignNode1" presStyleIdx="2" presStyleCnt="4">
         <dgm:presLayoutVars>
           <dgm:chMax val="0"/>
           <dgm:chPref val="0"/>
+          <dgm:bulletEnabled val="1"/>
         </dgm:presLayoutVars>
       </dgm:prSet>
       <dgm:spPr/>
     </dgm:pt>
-    <dgm:pt modelId="{4ECA84B0-2EE2-49A4-83D1-BB76CEBF0141}" type="pres">
+    <dgm:pt modelId="{CE2966C5-A7A0-404F-8C3A-2B9C75C5BC41}" type="pres">
       <dgm:prSet presAssocID="{F6473B38-4A9E-48DC-83EA-216AC9E20AB1}" presName="desTx" presStyleLbl="alignAccFollowNode1" presStyleIdx="2" presStyleCnt="4">
-        <dgm:presLayoutVars/>
+        <dgm:presLayoutVars>
+          <dgm:bulletEnabled val="1"/>
+        </dgm:presLayoutVars>
       </dgm:prSet>
       <dgm:spPr/>
     </dgm:pt>
-    <dgm:pt modelId="{3D40DA74-5D98-40F5-802A-DD1DB0BB9CC5}" type="pres">
+    <dgm:pt modelId="{DB260D10-C14A-4F13-B8BF-213C3BA58CE4}" type="pres">
       <dgm:prSet presAssocID="{1BFB567F-F3C2-471A-8844-72E3C4594082}" presName="space" presStyleCnt="0"/>
       <dgm:spPr/>
     </dgm:pt>
-    <dgm:pt modelId="{FA2DD4C9-D55C-4D84-BFBA-5DBDCA00E020}" type="pres">
+    <dgm:pt modelId="{2010B631-EC61-4399-AD97-7EBDEE84AC81}" type="pres">
       <dgm:prSet presAssocID="{2B771E11-42C5-42AF-B727-BC25F5AABC0E}" presName="composite" presStyleCnt="0"/>
       <dgm:spPr/>
     </dgm:pt>
-    <dgm:pt modelId="{3EF28675-B936-4184-AC81-23D5B485381F}" type="pres">
+    <dgm:pt modelId="{C002646F-ED7E-4E38-BE1B-E290CE09F2CD}" type="pres">
       <dgm:prSet presAssocID="{2B771E11-42C5-42AF-B727-BC25F5AABC0E}" presName="parTx" presStyleLbl="alignNode1" presStyleIdx="3" presStyleCnt="4">
         <dgm:presLayoutVars>
           <dgm:chMax val="0"/>
           <dgm:chPref val="0"/>
+          <dgm:bulletEnabled val="1"/>
         </dgm:presLayoutVars>
       </dgm:prSet>
       <dgm:spPr/>
     </dgm:pt>
-    <dgm:pt modelId="{F71CD58C-220C-4B5B-9366-7BD356E2E394}" type="pres">
+    <dgm:pt modelId="{F6A86B51-9EDB-46C6-9470-D3F22EDEADA5}" type="pres">
       <dgm:prSet presAssocID="{2B771E11-42C5-42AF-B727-BC25F5AABC0E}" presName="desTx" presStyleLbl="alignAccFollowNode1" presStyleIdx="3" presStyleCnt="4">
-        <dgm:presLayoutVars/>
+        <dgm:presLayoutVars>
+          <dgm:bulletEnabled val="1"/>
+        </dgm:presLayoutVars>
       </dgm:prSet>
       <dgm:spPr/>
     </dgm:pt>
   </dgm:ptLst>
   <dgm:cxnLst>
-    <dgm:cxn modelId="{AFC01E00-928E-4925-A531-5E3DCABB28F3}" srcId="{59653905-158C-41FF-AF10-4F22B503A69D}" destId="{11A8655E-F779-40DC-ADD5-5E89063778D5}" srcOrd="1" destOrd="0" parTransId="{E1B03BEA-838D-4FFB-8E41-910CD7648273}" sibTransId="{E588C967-7394-47C9-B704-4CD2E3F40A18}"/>
-    <dgm:cxn modelId="{02DF1A0D-6C47-40FC-9036-CA3EC5DACEB3}" srcId="{59653905-158C-41FF-AF10-4F22B503A69D}" destId="{E13F8F78-6BF5-42F0-ADCC-1BACBAF24E90}" srcOrd="2" destOrd="0" parTransId="{6C5C9EBE-1B5E-4594-BA98-E41D37852873}" sibTransId="{11829295-140C-4A55-9418-F416F0008F66}"/>
+    <dgm:cxn modelId="{93672900-FE52-47AC-BF20-AC643327BA01}" srcId="{DC57DD83-24B6-4392-896F-615A9004EF52}" destId="{3DEE27D9-A78B-4CAC-A13B-8884A899977E}" srcOrd="1" destOrd="0" parTransId="{986C6C71-7E44-40D9-982C-48D87E2C480C}" sibTransId="{CFB9735A-81B8-4EBA-9E70-D68BA5448CB5}"/>
+    <dgm:cxn modelId="{594DF803-4BD9-4FDE-91EB-0FE538CBC6E5}" type="presOf" srcId="{E13F8F78-6BF5-42F0-ADCC-1BACBAF24E90}" destId="{F6A86B51-9EDB-46C6-9470-D3F22EDEADA5}" srcOrd="0" destOrd="5" presId="urn:microsoft.com/office/officeart/2005/8/layout/hList1"/>
+    <dgm:cxn modelId="{02DF1A0D-6C47-40FC-9036-CA3EC5DACEB3}" srcId="{59653905-158C-41FF-AF10-4F22B503A69D}" destId="{E13F8F78-6BF5-42F0-ADCC-1BACBAF24E90}" srcOrd="1" destOrd="0" parTransId="{6C5C9EBE-1B5E-4594-BA98-E41D37852873}" sibTransId="{11829295-140C-4A55-9418-F416F0008F66}"/>
     <dgm:cxn modelId="{B8788C16-519C-402E-BE88-6FB649C96A91}" srcId="{9A33F798-73F0-4E39-BCBB-BE2F96C874AB}" destId="{DBBAABE8-9CDE-4C0C-9BC7-C1DA874D7202}" srcOrd="1" destOrd="0" parTransId="{E3CA33A8-81CC-4A4C-BF88-4699CC34389A}" sibTransId="{A8C6837D-32E8-4DF1-B080-2EF5A678A927}"/>
+    <dgm:cxn modelId="{D96EFF16-AD4D-4313-B89B-8F0DBC83B477}" type="presOf" srcId="{D6B7659B-3DE8-43EE-9682-4AA873F380CD}" destId="{F9C3E665-B8BB-4E61-BAC8-B3A52C325D35}" srcOrd="0" destOrd="0" presId="urn:microsoft.com/office/officeart/2005/8/layout/hList1"/>
     <dgm:cxn modelId="{6E4C191C-8001-4855-A857-88B6EC5189AC}" srcId="{59653905-158C-41FF-AF10-4F22B503A69D}" destId="{485DB323-1653-4700-A799-ECBB45EE54EF}" srcOrd="0" destOrd="0" parTransId="{CF1F9659-FA11-4BD9-BB9D-5C2590CC7508}" sibTransId="{0038B60B-6A59-4197-BA4F-572A3AA8C174}"/>
-    <dgm:cxn modelId="{6AC11124-3050-4835-945C-5B4D63C0CA32}" type="presOf" srcId="{DC57DD83-24B6-4392-896F-615A9004EF52}" destId="{4ECA84B0-2EE2-49A4-83D1-BB76CEBF0141}" srcOrd="0" destOrd="2" presId="urn:microsoft.com/office/officeart/2016/7/layout/ChevronBlockProcess"/>
-    <dgm:cxn modelId="{804BE526-59B2-4A9B-B09A-AA4D786E5D13}" type="presOf" srcId="{D6B7659B-3DE8-43EE-9682-4AA873F380CD}" destId="{22B1D367-372A-4F0B-90D4-878ABC3231A6}" srcOrd="0" destOrd="0" presId="urn:microsoft.com/office/officeart/2016/7/layout/ChevronBlockProcess"/>
-    <dgm:cxn modelId="{9D692132-3A2F-4C8F-B265-A596BD504D2A}" type="presOf" srcId="{57DE55B2-9BAD-4B8A-A921-EEE609B84DD1}" destId="{4ECA84B0-2EE2-49A4-83D1-BB76CEBF0141}" srcOrd="0" destOrd="3" presId="urn:microsoft.com/office/officeart/2016/7/layout/ChevronBlockProcess"/>
+    <dgm:cxn modelId="{B9EE8025-4CDC-4A59-A1C2-B04349FA18C0}" type="presOf" srcId="{59653905-158C-41FF-AF10-4F22B503A69D}" destId="{F6A86B51-9EDB-46C6-9470-D3F22EDEADA5}" srcOrd="0" destOrd="1" presId="urn:microsoft.com/office/officeart/2005/8/layout/hList1"/>
     <dgm:cxn modelId="{9D945138-FFF3-454E-9E11-3E60F472D936}" srcId="{90D11216-EB89-4A94-AED7-0E9B0F1FF885}" destId="{59653905-158C-41FF-AF10-4F22B503A69D}" srcOrd="0" destOrd="0" parTransId="{B36BA61E-95A1-4728-9C4E-621BC470FD3B}" sibTransId="{A9125A51-564A-4574-BB64-3D2A8D8A62E5}"/>
-    <dgm:cxn modelId="{B5B55C60-527A-4640-8824-1E78D68153BF}" type="presOf" srcId="{37DC62FE-2ABE-4AD6-93AA-F80586F110A2}" destId="{4ECA84B0-2EE2-49A4-83D1-BB76CEBF0141}" srcOrd="0" destOrd="1" presId="urn:microsoft.com/office/officeart/2016/7/layout/ChevronBlockProcess"/>
+    <dgm:cxn modelId="{6B20D15D-3879-46D9-8847-E1A61EB1B7BC}" type="presOf" srcId="{543E22F9-882B-454C-AFD5-90F453B8B51F}" destId="{CE2966C5-A7A0-404F-8C3A-2B9C75C5BC41}" srcOrd="0" destOrd="5" presId="urn:microsoft.com/office/officeart/2005/8/layout/hList1"/>
+    <dgm:cxn modelId="{0D821E5F-26AF-482F-A7D4-4C7FF0B736E1}" type="presOf" srcId="{37DC62FE-2ABE-4AD6-93AA-F80586F110A2}" destId="{CE2966C5-A7A0-404F-8C3A-2B9C75C5BC41}" srcOrd="0" destOrd="1" presId="urn:microsoft.com/office/officeart/2005/8/layout/hList1"/>
+    <dgm:cxn modelId="{190C9D67-6C36-4AF3-8BDC-19DB584E6F90}" type="presOf" srcId="{9A33F798-73F0-4E39-BCBB-BE2F96C874AB}" destId="{D890A9F5-32A5-499E-AE4A-53FCE0632068}" srcOrd="0" destOrd="0" presId="urn:microsoft.com/office/officeart/2005/8/layout/hList1"/>
     <dgm:cxn modelId="{3CFB5648-393D-4483-9D4D-A59676428704}" srcId="{A3DAB37E-1D38-4EA3-A35D-F8EBF3270212}" destId="{37DC62FE-2ABE-4AD6-93AA-F80586F110A2}" srcOrd="0" destOrd="0" parTransId="{33C65AA8-6A7D-4867-A2CA-81B6C90A3432}" sibTransId="{DF880965-C9C5-43B0-8832-F9B751623F6E}"/>
+    <dgm:cxn modelId="{38213369-DDC5-4736-84EA-90CD54C033BB}" type="presOf" srcId="{8FDCF87E-1266-4979-925D-413296D2D1E9}" destId="{CE2966C5-A7A0-404F-8C3A-2B9C75C5BC41}" srcOrd="0" destOrd="3" presId="urn:microsoft.com/office/officeart/2005/8/layout/hList1"/>
     <dgm:cxn modelId="{367F1E6A-DF42-4EC5-9473-C671F651F267}" srcId="{12E9E40F-AE85-42D0-8D39-23AC9AFD73C3}" destId="{D6B7659B-3DE8-43EE-9682-4AA873F380CD}" srcOrd="0" destOrd="0" parTransId="{ABF65A47-BB82-4E8E-B936-6C9B51D05156}" sibTransId="{BD7C6D29-CA53-416F-9095-B765E3AE052B}"/>
     <dgm:cxn modelId="{22A6224A-F34C-48D1-BBB7-B7A6F0A18B01}" srcId="{9A33F798-73F0-4E39-BCBB-BE2F96C874AB}" destId="{12E9E40F-AE85-42D0-8D39-23AC9AFD73C3}" srcOrd="0" destOrd="0" parTransId="{830E02AD-8148-4585-A084-CE1063FD440E}" sibTransId="{29F4B3CD-B196-486A-B152-5D8E9EDA162F}"/>
     <dgm:cxn modelId="{D8E85B4C-B4C8-4645-9A89-665F1AAAC04D}" srcId="{2B771E11-42C5-42AF-B727-BC25F5AABC0E}" destId="{90D11216-EB89-4A94-AED7-0E9B0F1FF885}" srcOrd="0" destOrd="0" parTransId="{3A588C0D-8922-4FC3-8B09-C7D69F3BD2E5}" sibTransId="{3BE81EE2-EC0C-41FC-92E2-A86B76F296FC}"/>
     <dgm:cxn modelId="{DF40736C-6BEA-4E6B-9319-21E7933C4C16}" srcId="{F6473B38-4A9E-48DC-83EA-216AC9E20AB1}" destId="{A3DAB37E-1D38-4EA3-A35D-F8EBF3270212}" srcOrd="0" destOrd="0" parTransId="{FF406367-D378-4C9B-B275-8E92049031BA}" sibTransId="{D6FC47F6-D289-4E71-9B25-D0A08D2185EF}"/>
     <dgm:cxn modelId="{084B894D-5382-4E74-92CD-EE0392EA20FD}" srcId="{D6B7659B-3DE8-43EE-9682-4AA873F380CD}" destId="{A0E5E432-0764-457D-9B7C-96633990B90B}" srcOrd="0" destOrd="0" parTransId="{A2923AC6-780C-4871-A997-D1498CDC4AFC}" sibTransId="{FDB76A24-255C-4E56-A0C6-5AF7EFFF1439}"/>
-    <dgm:cxn modelId="{A36AC470-991C-43C2-AD04-072A270E0310}" srcId="{A3DAB37E-1D38-4EA3-A35D-F8EBF3270212}" destId="{57DE55B2-9BAD-4B8A-A921-EEE609B84DD1}" srcOrd="1" destOrd="0" parTransId="{C47F8E2D-2949-4972-8D4E-825B30D9B705}" sibTransId="{A645658A-20EC-4B23-B280-F86485045950}"/>
-    <dgm:cxn modelId="{476C7D54-01F8-4C76-A7B0-B7D5A3DEC12E}" type="presOf" srcId="{DBBAABE8-9CDE-4C0C-9BC7-C1DA874D7202}" destId="{8E668663-EAC7-4C63-8A1B-4CC234B5BDB1}" srcOrd="0" destOrd="0" presId="urn:microsoft.com/office/officeart/2016/7/layout/ChevronBlockProcess"/>
-    <dgm:cxn modelId="{2E6FB28D-E7EC-4CE7-AEBB-106123A2B88A}" type="presOf" srcId="{11A8655E-F779-40DC-ADD5-5E89063778D5}" destId="{F71CD58C-220C-4B5B-9366-7BD356E2E394}" srcOrd="0" destOrd="3" presId="urn:microsoft.com/office/officeart/2016/7/layout/ChevronBlockProcess"/>
-    <dgm:cxn modelId="{99CCDA9B-65B0-4490-8FAA-DBA85526B414}" type="presOf" srcId="{9A33F798-73F0-4E39-BCBB-BE2F96C874AB}" destId="{FB403E24-C319-4928-BFDA-3AE59C609B6E}" srcOrd="0" destOrd="0" presId="urn:microsoft.com/office/officeart/2016/7/layout/ChevronBlockProcess"/>
-    <dgm:cxn modelId="{3236A7AC-3B31-4512-AFC4-17404F3FF958}" type="presOf" srcId="{A3DAB37E-1D38-4EA3-A35D-F8EBF3270212}" destId="{4ECA84B0-2EE2-49A4-83D1-BB76CEBF0141}" srcOrd="0" destOrd="0" presId="urn:microsoft.com/office/officeart/2016/7/layout/ChevronBlockProcess"/>
-    <dgm:cxn modelId="{C23C53AE-A5C7-43F9-A24B-A986A02145DF}" type="presOf" srcId="{485DB323-1653-4700-A799-ECBB45EE54EF}" destId="{F71CD58C-220C-4B5B-9366-7BD356E2E394}" srcOrd="0" destOrd="2" presId="urn:microsoft.com/office/officeart/2016/7/layout/ChevronBlockProcess"/>
+    <dgm:cxn modelId="{73EE3658-FC28-441B-89F7-A0C1A69EDC58}" type="presOf" srcId="{3DEE27D9-A78B-4CAC-A13B-8884A899977E}" destId="{CE2966C5-A7A0-404F-8C3A-2B9C75C5BC41}" srcOrd="0" destOrd="4" presId="urn:microsoft.com/office/officeart/2005/8/layout/hList1"/>
+    <dgm:cxn modelId="{EF8C6B7A-39BF-4452-9455-81DA3C9313BF}" type="presOf" srcId="{A0E5E432-0764-457D-9B7C-96633990B90B}" destId="{F9C3E665-B8BB-4E61-BAC8-B3A52C325D35}" srcOrd="0" destOrd="1" presId="urn:microsoft.com/office/officeart/2005/8/layout/hList1"/>
+    <dgm:cxn modelId="{F8A63184-C481-4525-AB10-3DC2AA3832D1}" type="presOf" srcId="{485DB323-1653-4700-A799-ECBB45EE54EF}" destId="{F6A86B51-9EDB-46C6-9470-D3F22EDEADA5}" srcOrd="0" destOrd="2" presId="urn:microsoft.com/office/officeart/2005/8/layout/hList1"/>
+    <dgm:cxn modelId="{9025E486-3B2F-4D92-80BE-58AEE214790C}" type="presOf" srcId="{12E9E40F-AE85-42D0-8D39-23AC9AFD73C3}" destId="{E5406326-FBB7-404D-9842-5E50458CA793}" srcOrd="0" destOrd="0" presId="urn:microsoft.com/office/officeart/2005/8/layout/hList1"/>
+    <dgm:cxn modelId="{7FAD428A-8981-4D39-9CD3-DB33098C2EF5}" type="presOf" srcId="{A3DAB37E-1D38-4EA3-A35D-F8EBF3270212}" destId="{CE2966C5-A7A0-404F-8C3A-2B9C75C5BC41}" srcOrd="0" destOrd="0" presId="urn:microsoft.com/office/officeart/2005/8/layout/hList1"/>
+    <dgm:cxn modelId="{0C70A68A-1BCE-4093-A7D9-990DA266C1F6}" type="presOf" srcId="{DC57DD83-24B6-4392-896F-615A9004EF52}" destId="{CE2966C5-A7A0-404F-8C3A-2B9C75C5BC41}" srcOrd="0" destOrd="2" presId="urn:microsoft.com/office/officeart/2005/8/layout/hList1"/>
+    <dgm:cxn modelId="{B1FBC38A-C529-4224-9377-B55D45661D30}" srcId="{DC57DD83-24B6-4392-896F-615A9004EF52}" destId="{8FDCF87E-1266-4979-925D-413296D2D1E9}" srcOrd="0" destOrd="0" parTransId="{4C3F5F58-D524-47EB-9989-AB6B8DF981D4}" sibTransId="{E35FD387-9AAF-4139-A3FC-183C9026831C}"/>
+    <dgm:cxn modelId="{4FF45492-1F8C-47ED-820B-629BEF843A8F}" type="presOf" srcId="{011A92D3-C33E-4CBD-9902-9DAB26715962}" destId="{F6A86B51-9EDB-46C6-9470-D3F22EDEADA5}" srcOrd="0" destOrd="3" presId="urn:microsoft.com/office/officeart/2005/8/layout/hList1"/>
+    <dgm:cxn modelId="{63E20BA0-FF75-4C7C-8DD6-878C4334BF8B}" type="presOf" srcId="{F6473B38-4A9E-48DC-83EA-216AC9E20AB1}" destId="{A9488153-CE7A-4FE3-887C-2CFC8E597351}" srcOrd="0" destOrd="0" presId="urn:microsoft.com/office/officeart/2005/8/layout/hList1"/>
+    <dgm:cxn modelId="{1AAFB4AE-A20D-4E4B-BE28-765BC2AD8245}" srcId="{485DB323-1653-4700-A799-ECBB45EE54EF}" destId="{3B3EC97F-AC5F-45E2-9D66-DE049273FCA7}" srcOrd="1" destOrd="0" parTransId="{A4CC823E-9112-4210-A564-4ABE122057A2}" sibTransId="{0B121BD3-2786-42F2-A5C3-53BB01E50588}"/>
     <dgm:cxn modelId="{E25587B7-BD4E-46BA-91DC-C5919149DAF3}" srcId="{DBBAABE8-9CDE-4C0C-9BC7-C1DA874D7202}" destId="{1A41C15E-E50B-4849-89E9-096CA31308CA}" srcOrd="0" destOrd="0" parTransId="{D8A366EE-4403-4A80-94E3-9EB807717ACD}" sibTransId="{3780D81E-C3CF-4FF0-8BEE-FBBD891160AD}"/>
-    <dgm:cxn modelId="{93C35EB9-0132-4A16-9D78-4F4AF856034C}" type="presOf" srcId="{90D11216-EB89-4A94-AED7-0E9B0F1FF885}" destId="{F71CD58C-220C-4B5B-9366-7BD356E2E394}" srcOrd="0" destOrd="0" presId="urn:microsoft.com/office/officeart/2016/7/layout/ChevronBlockProcess"/>
-    <dgm:cxn modelId="{FF8B87BD-AC47-40DA-919E-63FBAF9CFB37}" type="presOf" srcId="{A0E5E432-0764-457D-9B7C-96633990B90B}" destId="{22B1D367-372A-4F0B-90D4-878ABC3231A6}" srcOrd="0" destOrd="1" presId="urn:microsoft.com/office/officeart/2016/7/layout/ChevronBlockProcess"/>
-    <dgm:cxn modelId="{0BAB61C7-C24A-448F-8541-2EF371655DA5}" srcId="{57DE55B2-9BAD-4B8A-A921-EEE609B84DD1}" destId="{543E22F9-882B-454C-AFD5-90F453B8B51F}" srcOrd="0" destOrd="0" parTransId="{6A1B0A01-2EFF-4C95-87EA-D6642DC4C56D}" sibTransId="{40BD49A3-A003-4ACB-931E-762F51A11B54}"/>
-    <dgm:cxn modelId="{0792AAD1-00CE-44F9-A80E-7D794D72B73C}" type="presOf" srcId="{543E22F9-882B-454C-AFD5-90F453B8B51F}" destId="{4ECA84B0-2EE2-49A4-83D1-BB76CEBF0141}" srcOrd="0" destOrd="4" presId="urn:microsoft.com/office/officeart/2016/7/layout/ChevronBlockProcess"/>
-    <dgm:cxn modelId="{976757D2-EF17-4310-8404-DCD49386C597}" type="presOf" srcId="{59653905-158C-41FF-AF10-4F22B503A69D}" destId="{F71CD58C-220C-4B5B-9366-7BD356E2E394}" srcOrd="0" destOrd="1" presId="urn:microsoft.com/office/officeart/2016/7/layout/ChevronBlockProcess"/>
+    <dgm:cxn modelId="{9B112EC1-F1B6-434E-87B4-ED5161ED4C89}" type="presOf" srcId="{1A41C15E-E50B-4849-89E9-096CA31308CA}" destId="{AD9DE300-977E-4F8C-9E3C-5D6C98F0CBE0}" srcOrd="0" destOrd="0" presId="urn:microsoft.com/office/officeart/2005/8/layout/hList1"/>
+    <dgm:cxn modelId="{0BAB61C7-C24A-448F-8541-2EF371655DA5}" srcId="{37DC62FE-2ABE-4AD6-93AA-F80586F110A2}" destId="{543E22F9-882B-454C-AFD5-90F453B8B51F}" srcOrd="1" destOrd="0" parTransId="{6A1B0A01-2EFF-4C95-87EA-D6642DC4C56D}" sibTransId="{40BD49A3-A003-4ACB-931E-762F51A11B54}"/>
+    <dgm:cxn modelId="{DED017D9-1FB5-4839-BCF2-32EB43C558FB}" srcId="{485DB323-1653-4700-A799-ECBB45EE54EF}" destId="{011A92D3-C33E-4CBD-9902-9DAB26715962}" srcOrd="0" destOrd="0" parTransId="{1E03D00A-BAE6-4A75-B075-EBE70C9B98A5}" sibTransId="{9BD721C2-CE9B-4E18-B6D0-CAC18889A810}"/>
+    <dgm:cxn modelId="{8C4A86D9-AEF9-460E-B821-225197AD380F}" type="presOf" srcId="{DBBAABE8-9CDE-4C0C-9BC7-C1DA874D7202}" destId="{F42C6B58-D9EE-448A-948D-50CDFC4BDCA9}" srcOrd="0" destOrd="0" presId="urn:microsoft.com/office/officeart/2005/8/layout/hList1"/>
     <dgm:cxn modelId="{58C4AEDE-4F68-4B5E-A1A3-F86BAB85E06C}" srcId="{37DC62FE-2ABE-4AD6-93AA-F80586F110A2}" destId="{DC57DD83-24B6-4392-896F-615A9004EF52}" srcOrd="0" destOrd="0" parTransId="{2464073E-82A1-4A46-8AC2-859FFE70F01D}" sibTransId="{8BEB0FD9-60AD-4E31-89EF-1ED101707245}"/>
-    <dgm:cxn modelId="{8C016AE1-3747-466A-ACD4-90FC0E1651E6}" type="presOf" srcId="{1A41C15E-E50B-4849-89E9-096CA31308CA}" destId="{37A930D6-309C-4A24-A493-FE698F45A226}" srcOrd="0" destOrd="0" presId="urn:microsoft.com/office/officeart/2016/7/layout/ChevronBlockProcess"/>
+    <dgm:cxn modelId="{79DF2ADF-8A74-455A-9B39-63BB00211DF2}" type="presOf" srcId="{90D11216-EB89-4A94-AED7-0E9B0F1FF885}" destId="{F6A86B51-9EDB-46C6-9470-D3F22EDEADA5}" srcOrd="0" destOrd="0" presId="urn:microsoft.com/office/officeart/2005/8/layout/hList1"/>
     <dgm:cxn modelId="{432CCEE7-85FD-405B-97C9-5DFFE65FFB42}" srcId="{9A33F798-73F0-4E39-BCBB-BE2F96C874AB}" destId="{2B771E11-42C5-42AF-B727-BC25F5AABC0E}" srcOrd="3" destOrd="0" parTransId="{92854025-EE1F-49DE-B6DB-0FC2AD26F855}" sibTransId="{3A6D3C0E-E148-4AB9-B2A0-DF07D11F5A98}"/>
-    <dgm:cxn modelId="{A42113EF-531A-4069-89D7-8ED7FFCA523B}" type="presOf" srcId="{2B771E11-42C5-42AF-B727-BC25F5AABC0E}" destId="{3EF28675-B936-4184-AC81-23D5B485381F}" srcOrd="0" destOrd="0" presId="urn:microsoft.com/office/officeart/2016/7/layout/ChevronBlockProcess"/>
-    <dgm:cxn modelId="{99D05CF0-B628-4A7B-84BA-F37C49530EB8}" type="presOf" srcId="{E13F8F78-6BF5-42F0-ADCC-1BACBAF24E90}" destId="{F71CD58C-220C-4B5B-9366-7BD356E2E394}" srcOrd="0" destOrd="4" presId="urn:microsoft.com/office/officeart/2016/7/layout/ChevronBlockProcess"/>
-    <dgm:cxn modelId="{6E2F27F4-3C2D-44C6-BCFB-F80BB1E5643C}" type="presOf" srcId="{F6473B38-4A9E-48DC-83EA-216AC9E20AB1}" destId="{C16B4BFE-F133-421F-A0E9-D1FCAA5F555D}" srcOrd="0" destOrd="0" presId="urn:microsoft.com/office/officeart/2016/7/layout/ChevronBlockProcess"/>
+    <dgm:cxn modelId="{2B0026EA-E1EE-4962-B63A-B368FD8B2EFC}" type="presOf" srcId="{3B3EC97F-AC5F-45E2-9D66-DE049273FCA7}" destId="{F6A86B51-9EDB-46C6-9470-D3F22EDEADA5}" srcOrd="0" destOrd="4" presId="urn:microsoft.com/office/officeart/2005/8/layout/hList1"/>
     <dgm:cxn modelId="{203F89F8-AD34-4F36-958C-8D360BCD720B}" srcId="{9A33F798-73F0-4E39-BCBB-BE2F96C874AB}" destId="{F6473B38-4A9E-48DC-83EA-216AC9E20AB1}" srcOrd="2" destOrd="0" parTransId="{F9EFDB20-890D-43BC-90DE-B5B004483BD2}" sibTransId="{1BFB567F-F3C2-471A-8844-72E3C4594082}"/>
-    <dgm:cxn modelId="{0C0216FB-DB71-4BE3-B7AA-08852E5B7D98}" type="presOf" srcId="{12E9E40F-AE85-42D0-8D39-23AC9AFD73C3}" destId="{A6359751-46CD-4381-910F-8DCCC35D1B87}" srcOrd="0" destOrd="0" presId="urn:microsoft.com/office/officeart/2016/7/layout/ChevronBlockProcess"/>
-    <dgm:cxn modelId="{A323EA74-8FDA-4182-8E20-AA1DDCBBEE88}" type="presParOf" srcId="{FB403E24-C319-4928-BFDA-3AE59C609B6E}" destId="{950C2077-3263-401B-ABF1-FDFE2DAFC6F7}" srcOrd="0" destOrd="0" presId="urn:microsoft.com/office/officeart/2016/7/layout/ChevronBlockProcess"/>
-    <dgm:cxn modelId="{84EF4739-B017-4ADD-A79A-0F00FD2C535D}" type="presParOf" srcId="{950C2077-3263-401B-ABF1-FDFE2DAFC6F7}" destId="{A6359751-46CD-4381-910F-8DCCC35D1B87}" srcOrd="0" destOrd="0" presId="urn:microsoft.com/office/officeart/2016/7/layout/ChevronBlockProcess"/>
-    <dgm:cxn modelId="{94723D1D-EF4A-4828-8416-964B0C29D9DA}" type="presParOf" srcId="{950C2077-3263-401B-ABF1-FDFE2DAFC6F7}" destId="{22B1D367-372A-4F0B-90D4-878ABC3231A6}" srcOrd="1" destOrd="0" presId="urn:microsoft.com/office/officeart/2016/7/layout/ChevronBlockProcess"/>
-    <dgm:cxn modelId="{4DC3FCCD-1727-4319-923D-2EEA366FFBFC}" type="presParOf" srcId="{FB403E24-C319-4928-BFDA-3AE59C609B6E}" destId="{B0F8CDB1-C2B1-4228-BCA2-ADEEAE35AAE1}" srcOrd="1" destOrd="0" presId="urn:microsoft.com/office/officeart/2016/7/layout/ChevronBlockProcess"/>
-    <dgm:cxn modelId="{CC2E880B-5BA4-446D-BEEF-58A7442D53E7}" type="presParOf" srcId="{FB403E24-C319-4928-BFDA-3AE59C609B6E}" destId="{B32F2769-4F10-40C4-9EBA-D9385E5BF907}" srcOrd="2" destOrd="0" presId="urn:microsoft.com/office/officeart/2016/7/layout/ChevronBlockProcess"/>
-    <dgm:cxn modelId="{C0F12DDF-5E2A-4616-8D4E-96607E77CD47}" type="presParOf" srcId="{B32F2769-4F10-40C4-9EBA-D9385E5BF907}" destId="{8E668663-EAC7-4C63-8A1B-4CC234B5BDB1}" srcOrd="0" destOrd="0" presId="urn:microsoft.com/office/officeart/2016/7/layout/ChevronBlockProcess"/>
-    <dgm:cxn modelId="{DAE1C274-B8EB-4ECD-8D1E-D63CE7298C2A}" type="presParOf" srcId="{B32F2769-4F10-40C4-9EBA-D9385E5BF907}" destId="{37A930D6-309C-4A24-A493-FE698F45A226}" srcOrd="1" destOrd="0" presId="urn:microsoft.com/office/officeart/2016/7/layout/ChevronBlockProcess"/>
-    <dgm:cxn modelId="{D172134E-00E3-4308-8530-FF52ABEFE272}" type="presParOf" srcId="{FB403E24-C319-4928-BFDA-3AE59C609B6E}" destId="{4E9EC2AA-6395-458D-AD71-BAE4632AFEFC}" srcOrd="3" destOrd="0" presId="urn:microsoft.com/office/officeart/2016/7/layout/ChevronBlockProcess"/>
-    <dgm:cxn modelId="{5B153EEA-BC3A-457D-A5C8-39E641733B94}" type="presParOf" srcId="{FB403E24-C319-4928-BFDA-3AE59C609B6E}" destId="{392595AC-6CB6-4911-9C16-6B5CEEAED0C2}" srcOrd="4" destOrd="0" presId="urn:microsoft.com/office/officeart/2016/7/layout/ChevronBlockProcess"/>
-    <dgm:cxn modelId="{66D05CDC-6E79-4244-B9FB-8CD32805D5F1}" type="presParOf" srcId="{392595AC-6CB6-4911-9C16-6B5CEEAED0C2}" destId="{C16B4BFE-F133-421F-A0E9-D1FCAA5F555D}" srcOrd="0" destOrd="0" presId="urn:microsoft.com/office/officeart/2016/7/layout/ChevronBlockProcess"/>
-    <dgm:cxn modelId="{58DF3C21-7ED9-44AA-8FDD-47EB4312F307}" type="presParOf" srcId="{392595AC-6CB6-4911-9C16-6B5CEEAED0C2}" destId="{4ECA84B0-2EE2-49A4-83D1-BB76CEBF0141}" srcOrd="1" destOrd="0" presId="urn:microsoft.com/office/officeart/2016/7/layout/ChevronBlockProcess"/>
-    <dgm:cxn modelId="{53FA832F-B30F-4188-843A-D438038BE7E5}" type="presParOf" srcId="{FB403E24-C319-4928-BFDA-3AE59C609B6E}" destId="{3D40DA74-5D98-40F5-802A-DD1DB0BB9CC5}" srcOrd="5" destOrd="0" presId="urn:microsoft.com/office/officeart/2016/7/layout/ChevronBlockProcess"/>
-    <dgm:cxn modelId="{003AC160-3641-48CD-BAB8-975AFB1B6888}" type="presParOf" srcId="{FB403E24-C319-4928-BFDA-3AE59C609B6E}" destId="{FA2DD4C9-D55C-4D84-BFBA-5DBDCA00E020}" srcOrd="6" destOrd="0" presId="urn:microsoft.com/office/officeart/2016/7/layout/ChevronBlockProcess"/>
-    <dgm:cxn modelId="{17FD6B58-6330-4297-95B2-23CE0D76A8DF}" type="presParOf" srcId="{FA2DD4C9-D55C-4D84-BFBA-5DBDCA00E020}" destId="{3EF28675-B936-4184-AC81-23D5B485381F}" srcOrd="0" destOrd="0" presId="urn:microsoft.com/office/officeart/2016/7/layout/ChevronBlockProcess"/>
-    <dgm:cxn modelId="{CF597603-C1EC-4D9F-84B7-0B66F98FEABA}" type="presParOf" srcId="{FA2DD4C9-D55C-4D84-BFBA-5DBDCA00E020}" destId="{F71CD58C-220C-4B5B-9366-7BD356E2E394}" srcOrd="1" destOrd="0" presId="urn:microsoft.com/office/officeart/2016/7/layout/ChevronBlockProcess"/>
+    <dgm:cxn modelId="{A7A1E6FB-ECA6-4BC6-96A8-03BE22462804}" type="presOf" srcId="{2B771E11-42C5-42AF-B727-BC25F5AABC0E}" destId="{C002646F-ED7E-4E38-BE1B-E290CE09F2CD}" srcOrd="0" destOrd="0" presId="urn:microsoft.com/office/officeart/2005/8/layout/hList1"/>
+    <dgm:cxn modelId="{67031112-3DC1-41E8-A3FD-13C07EC08D5E}" type="presParOf" srcId="{D890A9F5-32A5-499E-AE4A-53FCE0632068}" destId="{74C086D6-DE2A-4FFA-A0DA-EFE64CFE9214}" srcOrd="0" destOrd="0" presId="urn:microsoft.com/office/officeart/2005/8/layout/hList1"/>
+    <dgm:cxn modelId="{E5D1B16E-6E01-4D17-A037-94F9D4CA649C}" type="presParOf" srcId="{74C086D6-DE2A-4FFA-A0DA-EFE64CFE9214}" destId="{E5406326-FBB7-404D-9842-5E50458CA793}" srcOrd="0" destOrd="0" presId="urn:microsoft.com/office/officeart/2005/8/layout/hList1"/>
+    <dgm:cxn modelId="{3A9635B0-8CA3-41B1-9317-C72BB02F7FE9}" type="presParOf" srcId="{74C086D6-DE2A-4FFA-A0DA-EFE64CFE9214}" destId="{F9C3E665-B8BB-4E61-BAC8-B3A52C325D35}" srcOrd="1" destOrd="0" presId="urn:microsoft.com/office/officeart/2005/8/layout/hList1"/>
+    <dgm:cxn modelId="{7704FF7D-2D3C-433E-A32E-0DF09203D8E1}" type="presParOf" srcId="{D890A9F5-32A5-499E-AE4A-53FCE0632068}" destId="{E97B6C7F-874E-4A68-BEF2-D2F3A4C7892C}" srcOrd="1" destOrd="0" presId="urn:microsoft.com/office/officeart/2005/8/layout/hList1"/>
+    <dgm:cxn modelId="{E5A41245-955C-4087-82E2-86E78A91772D}" type="presParOf" srcId="{D890A9F5-32A5-499E-AE4A-53FCE0632068}" destId="{706CD688-EA0B-486A-A27F-67EBCE568BD3}" srcOrd="2" destOrd="0" presId="urn:microsoft.com/office/officeart/2005/8/layout/hList1"/>
+    <dgm:cxn modelId="{5D26F7DA-9BC0-4E9B-8DC4-6B5A585B7CA2}" type="presParOf" srcId="{706CD688-EA0B-486A-A27F-67EBCE568BD3}" destId="{F42C6B58-D9EE-448A-948D-50CDFC4BDCA9}" srcOrd="0" destOrd="0" presId="urn:microsoft.com/office/officeart/2005/8/layout/hList1"/>
+    <dgm:cxn modelId="{0E921289-0703-4780-8E8B-F2CC7F1601B9}" type="presParOf" srcId="{706CD688-EA0B-486A-A27F-67EBCE568BD3}" destId="{AD9DE300-977E-4F8C-9E3C-5D6C98F0CBE0}" srcOrd="1" destOrd="0" presId="urn:microsoft.com/office/officeart/2005/8/layout/hList1"/>
+    <dgm:cxn modelId="{31828DA3-2A7B-4F06-8CB8-DBB3A1BF5BB1}" type="presParOf" srcId="{D890A9F5-32A5-499E-AE4A-53FCE0632068}" destId="{05801D30-8F59-49F1-9422-106F69D41908}" srcOrd="3" destOrd="0" presId="urn:microsoft.com/office/officeart/2005/8/layout/hList1"/>
+    <dgm:cxn modelId="{DFB6AD41-9A51-44A8-9A85-5457059E3D5E}" type="presParOf" srcId="{D890A9F5-32A5-499E-AE4A-53FCE0632068}" destId="{6D85ED57-6F0C-4C16-AFF9-598173B2C154}" srcOrd="4" destOrd="0" presId="urn:microsoft.com/office/officeart/2005/8/layout/hList1"/>
+    <dgm:cxn modelId="{8F86B39E-02E1-4625-BE6A-067434E54B91}" type="presParOf" srcId="{6D85ED57-6F0C-4C16-AFF9-598173B2C154}" destId="{A9488153-CE7A-4FE3-887C-2CFC8E597351}" srcOrd="0" destOrd="0" presId="urn:microsoft.com/office/officeart/2005/8/layout/hList1"/>
+    <dgm:cxn modelId="{DDFF8D22-CB24-4189-8A4F-911D216B46F5}" type="presParOf" srcId="{6D85ED57-6F0C-4C16-AFF9-598173B2C154}" destId="{CE2966C5-A7A0-404F-8C3A-2B9C75C5BC41}" srcOrd="1" destOrd="0" presId="urn:microsoft.com/office/officeart/2005/8/layout/hList1"/>
+    <dgm:cxn modelId="{ED1E169B-D00B-4647-97BF-8204111C2C6C}" type="presParOf" srcId="{D890A9F5-32A5-499E-AE4A-53FCE0632068}" destId="{DB260D10-C14A-4F13-B8BF-213C3BA58CE4}" srcOrd="5" destOrd="0" presId="urn:microsoft.com/office/officeart/2005/8/layout/hList1"/>
+    <dgm:cxn modelId="{CD6896E6-E952-4A34-B29E-BC64BD6D689A}" type="presParOf" srcId="{D890A9F5-32A5-499E-AE4A-53FCE0632068}" destId="{2010B631-EC61-4399-AD97-7EBDEE84AC81}" srcOrd="6" destOrd="0" presId="urn:microsoft.com/office/officeart/2005/8/layout/hList1"/>
+    <dgm:cxn modelId="{CC294A56-A34C-4EB6-8DDF-52994FA5F292}" type="presParOf" srcId="{2010B631-EC61-4399-AD97-7EBDEE84AC81}" destId="{C002646F-ED7E-4E38-BE1B-E290CE09F2CD}" srcOrd="0" destOrd="0" presId="urn:microsoft.com/office/officeart/2005/8/layout/hList1"/>
+    <dgm:cxn modelId="{15092F40-2FEC-4A82-9EB2-5A134894A41B}" type="presParOf" srcId="{2010B631-EC61-4399-AD97-7EBDEE84AC81}" destId="{F6A86B51-9EDB-46C6-9470-D3F22EDEADA5}" srcOrd="1" destOrd="0" presId="urn:microsoft.com/office/officeart/2005/8/layout/hList1"/>
   </dgm:cxnLst>
   <dgm:bg/>
   <dgm:whole/>
@@ -16013,7 +16096,7 @@
         <a:lstStyle/>
         <a:p>
           <a:r>
-            <a:rPr lang="en-US" b="1" dirty="0"/>
+            <a:rPr lang="en-US" b="1"/>
             <a:t>Initial complexity</a:t>
           </a:r>
         </a:p>
@@ -16049,7 +16132,7 @@
         <a:lstStyle/>
         <a:p>
           <a:r>
-            <a:rPr lang="en-US" dirty="0"/>
+            <a:rPr lang="en-US"/>
             <a:t>O(n*m) </a:t>
           </a:r>
         </a:p>
@@ -16085,11 +16168,11 @@
         <a:lstStyle/>
         <a:p>
           <a:r>
-            <a:rPr lang="en-US" dirty="0"/>
+            <a:rPr lang="en-US"/>
             <a:t>Master data set– 21,450 </a:t>
           </a:r>
           <a:r>
-            <a:rPr lang="en-US" sz="3800" dirty="0"/>
+            <a:rPr lang="en-US" sz="3800"/>
             <a:t>records</a:t>
           </a:r>
         </a:p>
@@ -16125,7 +16208,7 @@
         <a:lstStyle/>
         <a:p>
           <a:r>
-            <a:rPr lang="en-US" dirty="0"/>
+            <a:rPr lang="en-US"/>
             <a:t>634,598,250 comparisons!</a:t>
           </a:r>
         </a:p>
@@ -16161,7 +16244,7 @@
         <a:lstStyle/>
         <a:p>
           <a:r>
-            <a:rPr lang="en-US" b="1" dirty="0"/>
+            <a:rPr lang="en-US" b="1"/>
             <a:t>Time</a:t>
           </a:r>
         </a:p>
@@ -16197,7 +16280,7 @@
         <a:lstStyle/>
         <a:p>
           <a:r>
-            <a:rPr lang="en-US" dirty="0"/>
+            <a:rPr lang="en-US"/>
             <a:t>Over 25 minutes!</a:t>
           </a:r>
         </a:p>
@@ -16233,11 +16316,11 @@
         <a:lstStyle/>
         <a:p>
           <a:r>
-            <a:rPr lang="en-US" dirty="0"/>
+            <a:rPr lang="en-US"/>
             <a:t>Match data set– </a:t>
           </a:r>
           <a:r>
-            <a:rPr lang="en-US" sz="3800" dirty="0"/>
+            <a:rPr lang="en-US" sz="3800"/>
             <a:t>29,585 records</a:t>
           </a:r>
         </a:p>
@@ -16386,7 +16469,7 @@
         <a:lstStyle/>
         <a:p>
           <a:r>
-            <a:rPr lang="en-US" b="1" dirty="0"/>
+            <a:rPr lang="en-US" b="1"/>
             <a:t>Indexing approach</a:t>
           </a:r>
         </a:p>
@@ -16422,7 +16505,7 @@
         <a:lstStyle/>
         <a:p>
           <a:r>
-            <a:rPr lang="en-US" dirty="0"/>
+            <a:rPr lang="en-US"/>
             <a:t>Group similar records together by phonetic encoding</a:t>
           </a:r>
         </a:p>
@@ -16450,42 +16533,6 @@
         </a:p>
       </dgm:t>
     </dgm:pt>
-    <dgm:pt modelId="{D2EB243B-56D4-4C21-BEBA-84D4D8C5B04F}">
-      <dgm:prSet/>
-      <dgm:spPr/>
-      <dgm:t>
-        <a:bodyPr/>
-        <a:lstStyle/>
-        <a:p>
-          <a:r>
-            <a:rPr lang="en-US" dirty="0"/>
-            <a:t>841,138 comparisons!</a:t>
-          </a:r>
-        </a:p>
-      </dgm:t>
-    </dgm:pt>
-    <dgm:pt modelId="{ACA7E1F0-205E-49B6-97FB-4C24F6F3E2EA}" type="parTrans" cxnId="{5698B2BD-B3BB-4D3C-AAB5-241119932A1B}">
-      <dgm:prSet/>
-      <dgm:spPr/>
-      <dgm:t>
-        <a:bodyPr/>
-        <a:lstStyle/>
-        <a:p>
-          <a:endParaRPr lang="en-US"/>
-        </a:p>
-      </dgm:t>
-    </dgm:pt>
-    <dgm:pt modelId="{0953A6C3-10F1-4DD3-B0F2-497D8CA6C1A8}" type="sibTrans" cxnId="{5698B2BD-B3BB-4D3C-AAB5-241119932A1B}">
-      <dgm:prSet/>
-      <dgm:spPr/>
-      <dgm:t>
-        <a:bodyPr/>
-        <a:lstStyle/>
-        <a:p>
-          <a:endParaRPr lang="en-US"/>
-        </a:p>
-      </dgm:t>
-    </dgm:pt>
     <dgm:pt modelId="{D7FA8A6B-C41F-43A6-8855-71DFCFD7DD7D}">
       <dgm:prSet/>
       <dgm:spPr/>
@@ -16494,7 +16541,7 @@
         <a:lstStyle/>
         <a:p>
           <a:r>
-            <a:rPr lang="en-US" b="1" dirty="0"/>
+            <a:rPr lang="en-US" b="1"/>
             <a:t>Time</a:t>
           </a:r>
         </a:p>
@@ -16530,7 +16577,7 @@
         <a:lstStyle/>
         <a:p>
           <a:r>
-            <a:rPr lang="en-US" dirty="0"/>
+            <a:rPr lang="en-US"/>
             <a:t>~1 second</a:t>
           </a:r>
         </a:p>
@@ -16566,7 +16613,7 @@
         <a:lstStyle/>
         <a:p>
           <a:r>
-            <a:rPr lang="en-US" dirty="0"/>
+            <a:rPr lang="en-US"/>
             <a:t>Reduced # of comparisons by 99.9%</a:t>
           </a:r>
         </a:p>
@@ -16588,8 +16635,8 @@
         <a:lstStyle/>
         <a:p>
           <a:r>
-            <a:rPr lang="en-US" dirty="0"/>
-            <a:t>Apache Commons Codec package used</a:t>
+            <a:rPr lang="en-US"/>
+            <a:t>841,138 comparisons!</a:t>
           </a:r>
         </a:p>
       </dgm:t>
@@ -16677,7 +16724,7 @@
   </dgm:ptLst>
   <dgm:cxnLst>
     <dgm:cxn modelId="{10AC0502-66E8-4B5F-B10D-8255CF729D24}" type="presOf" srcId="{D7FA8A6B-C41F-43A6-8855-71DFCFD7DD7D}" destId="{CD016DED-FA7E-46E5-B0BC-6A3075303239}" srcOrd="0" destOrd="0" presId="urn:microsoft.com/office/officeart/2005/8/layout/list1"/>
-    <dgm:cxn modelId="{609D8520-4541-43BB-89D2-CDDEB827DD82}" type="presOf" srcId="{3C6F1876-88E5-4907-A216-5984FEB66708}" destId="{DE8DE6D8-14BD-45F6-ADA5-75DB365F2306}" srcOrd="0" destOrd="3" presId="urn:microsoft.com/office/officeart/2005/8/layout/list1"/>
+    <dgm:cxn modelId="{609D8520-4541-43BB-89D2-CDDEB827DD82}" type="presOf" srcId="{3C6F1876-88E5-4907-A216-5984FEB66708}" destId="{DE8DE6D8-14BD-45F6-ADA5-75DB365F2306}" srcOrd="0" destOrd="2" presId="urn:microsoft.com/office/officeart/2005/8/layout/list1"/>
     <dgm:cxn modelId="{C2AF8F43-09CC-499D-BE52-23AFBE966B3C}" type="presOf" srcId="{CF8470B9-6873-47AB-9D13-0730DAEA484E}" destId="{07B3EA0B-0A65-415B-9037-DA23320F68C7}" srcOrd="0" destOrd="0" presId="urn:microsoft.com/office/officeart/2005/8/layout/list1"/>
     <dgm:cxn modelId="{792E7C6D-00D2-402A-94E6-B2BD37D16285}" type="presOf" srcId="{B3881ADE-F701-474B-9982-F51ACA0D9176}" destId="{DE8DE6D8-14BD-45F6-ADA5-75DB365F2306}" srcOrd="0" destOrd="0" presId="urn:microsoft.com/office/officeart/2005/8/layout/list1"/>
     <dgm:cxn modelId="{F6F40953-0C9E-4B52-91FD-159FCE080BF0}" type="presOf" srcId="{04818EA6-BF42-4913-A2EF-FD668A22406F}" destId="{2D1A5D77-D321-4EA6-831A-54EB7084FDD5}" srcOrd="0" destOrd="0" presId="urn:microsoft.com/office/officeart/2005/8/layout/list1"/>
@@ -16689,9 +16736,7 @@
     <dgm:cxn modelId="{A9504CAD-446E-4339-BE93-6B1D99DD2BD5}" srcId="{04818EA6-BF42-4913-A2EF-FD668A22406F}" destId="{26A16223-2C50-4602-86A6-82D3020CFE67}" srcOrd="1" destOrd="0" parTransId="{D905DD75-0BB8-4125-AA0A-528E03AA3119}" sibTransId="{DE836D2C-69BC-417C-BD9B-4DE6F708CC92}"/>
     <dgm:cxn modelId="{0569DCB5-A407-4D4B-9EE2-F36E1E165239}" type="presOf" srcId="{26A16223-2C50-4602-86A6-82D3020CFE67}" destId="{DE8DE6D8-14BD-45F6-ADA5-75DB365F2306}" srcOrd="0" destOrd="1" presId="urn:microsoft.com/office/officeart/2005/8/layout/list1"/>
     <dgm:cxn modelId="{617C0CB7-24B2-40EA-A87F-9F2B3AE6AA7C}" srcId="{04818EA6-BF42-4913-A2EF-FD668A22406F}" destId="{B3881ADE-F701-474B-9982-F51ACA0D9176}" srcOrd="0" destOrd="0" parTransId="{FFAA0859-8D1A-413E-B486-41003787AB4B}" sibTransId="{44B6708A-2CFE-45C9-837F-B898F733E7F0}"/>
-    <dgm:cxn modelId="{D5C7D1B9-0CF0-4D93-9B61-6ED3F5CF380F}" type="presOf" srcId="{D2EB243B-56D4-4C21-BEBA-84D4D8C5B04F}" destId="{DE8DE6D8-14BD-45F6-ADA5-75DB365F2306}" srcOrd="0" destOrd="2" presId="urn:microsoft.com/office/officeart/2005/8/layout/list1"/>
-    <dgm:cxn modelId="{5698B2BD-B3BB-4D3C-AAB5-241119932A1B}" srcId="{04818EA6-BF42-4913-A2EF-FD668A22406F}" destId="{D2EB243B-56D4-4C21-BEBA-84D4D8C5B04F}" srcOrd="2" destOrd="0" parTransId="{ACA7E1F0-205E-49B6-97FB-4C24F6F3E2EA}" sibTransId="{0953A6C3-10F1-4DD3-B0F2-497D8CA6C1A8}"/>
-    <dgm:cxn modelId="{542A12D1-F2E8-4AFE-BB33-B1447F6DBE5F}" srcId="{04818EA6-BF42-4913-A2EF-FD668A22406F}" destId="{3C6F1876-88E5-4907-A216-5984FEB66708}" srcOrd="3" destOrd="0" parTransId="{6F1E8A3E-1192-4A4F-89D0-0DFFBC0A9570}" sibTransId="{F38EB8C7-DA6D-409A-8F8A-8BB5083782B4}"/>
+    <dgm:cxn modelId="{542A12D1-F2E8-4AFE-BB33-B1447F6DBE5F}" srcId="{04818EA6-BF42-4913-A2EF-FD668A22406F}" destId="{3C6F1876-88E5-4907-A216-5984FEB66708}" srcOrd="2" destOrd="0" parTransId="{6F1E8A3E-1192-4A4F-89D0-0DFFBC0A9570}" sibTransId="{F38EB8C7-DA6D-409A-8F8A-8BB5083782B4}"/>
     <dgm:cxn modelId="{DEE115E9-18CB-4ACA-BCAA-BBBEDFF84E77}" type="presOf" srcId="{BCCE0815-F183-49E6-AA82-039B101F8BFE}" destId="{A61FF901-1758-4F6A-8885-6C3E316EB6CC}" srcOrd="0" destOrd="0" presId="urn:microsoft.com/office/officeart/2005/8/layout/list1"/>
     <dgm:cxn modelId="{2C1A2C89-2D5A-48C6-9298-362999D959AF}" type="presParOf" srcId="{A61FF901-1758-4F6A-8885-6C3E316EB6CC}" destId="{E8B3649B-5621-4B78-95F6-255C4D66529B}" srcOrd="0" destOrd="0" presId="urn:microsoft.com/office/officeart/2005/8/layout/list1"/>
     <dgm:cxn modelId="{46D1D793-51F6-4086-AE90-F9F30D987CF9}" type="presParOf" srcId="{E8B3649B-5621-4B78-95F6-255C4D66529B}" destId="{2D1A5D77-D321-4EA6-831A-54EB7084FDD5}" srcOrd="0" destOrd="0" presId="urn:microsoft.com/office/officeart/2005/8/layout/list1"/>
@@ -16719,7 +16764,7 @@
 <dgm:dataModel xmlns:dgm="http://schemas.openxmlformats.org/drawingml/2006/diagram" xmlns:a="http://schemas.openxmlformats.org/drawingml/2006/main">
   <dgm:ptLst>
     <dgm:pt modelId="{A3F3E29B-A89E-493D-943F-76C7AD429A3B}" type="doc">
-      <dgm:prSet loTypeId="urn:microsoft.com/office/officeart/2005/8/layout/hierarchy3" loCatId="hierarchy" qsTypeId="urn:microsoft.com/office/officeart/2005/8/quickstyle/simple4" qsCatId="simple" csTypeId="urn:microsoft.com/office/officeart/2005/8/colors/colorful2" csCatId="colorful" phldr="1"/>
+      <dgm:prSet loTypeId="urn:microsoft.com/office/officeart/2005/8/layout/lProcess1" loCatId="process" qsTypeId="urn:microsoft.com/office/officeart/2005/8/quickstyle/simple4" qsCatId="simple" csTypeId="urn:microsoft.com/office/officeart/2005/8/colors/colorful2" csCatId="colorful" phldr="1"/>
       <dgm:spPr/>
       <dgm:t>
         <a:bodyPr/>
@@ -16737,7 +16782,7 @@
         <a:lstStyle/>
         <a:p>
           <a:r>
-            <a:rPr lang="en-US" dirty="0">
+            <a:rPr lang="en-US">
               <a:latin typeface="Century Gothic" panose="020B0502020202020204"/>
             </a:rPr>
             <a:t>Similarity Metric</a:t>
@@ -16775,13 +16820,13 @@
         <a:lstStyle/>
         <a:p>
           <a:r>
-            <a:rPr lang="en-US" dirty="0" err="1">
+            <a:rPr lang="en-US" err="1">
               <a:latin typeface="Century Gothic" panose="020B0502020202020204"/>
             </a:rPr>
             <a:t>Levenshtein</a:t>
           </a:r>
           <a:r>
-            <a:rPr lang="en-US" dirty="0">
+            <a:rPr lang="en-US">
               <a:latin typeface="Century Gothic" panose="020B0502020202020204"/>
             </a:rPr>
             <a:t> Distance</a:t>
@@ -16819,7 +16864,7 @@
         <a:lstStyle/>
         <a:p>
           <a:r>
-            <a:rPr lang="en-US" dirty="0">
+            <a:rPr lang="en-US">
               <a:latin typeface="Century Gothic" panose="020B0502020202020204"/>
             </a:rPr>
             <a:t>Ratio between 0 – 100</a:t>
@@ -16857,7 +16902,7 @@
         <a:lstStyle/>
         <a:p>
           <a:r>
-            <a:rPr lang="en-US" dirty="0">
+            <a:rPr lang="en-US">
               <a:latin typeface="Century Gothic" panose="020B0502020202020204"/>
             </a:rPr>
             <a:t>Weights per field</a:t>
@@ -16895,7 +16940,7 @@
         <a:lstStyle/>
         <a:p>
           <a:r>
-            <a:rPr lang="en-US" dirty="0">
+            <a:rPr lang="en-US">
               <a:latin typeface="Century Gothic" panose="020B0502020202020204"/>
             </a:rPr>
             <a:t>Sum of weights equal to 1</a:t>
@@ -16933,12 +16978,12 @@
         <a:lstStyle/>
         <a:p>
           <a:r>
-            <a:rPr lang="en-US" sz="3400" dirty="0">
+            <a:rPr lang="en-US" sz="3400">
               <a:latin typeface="Century Gothic" panose="020B0502020202020204"/>
             </a:rPr>
             <a:t>Confidence</a:t>
           </a:r>
-          <a:endParaRPr lang="en-US" dirty="0">
+          <a:endParaRPr lang="en-US">
             <a:latin typeface="Century Gothic" panose="020B0502020202020204"/>
           </a:endParaRPr>
         </a:p>
@@ -16974,13 +17019,13 @@
         <a:lstStyle/>
         <a:p>
           <a:r>
-            <a:rPr lang="en-US" dirty="0">
+            <a:rPr lang="en-US">
               <a:solidFill>
                 <a:srgbClr val="000000"/>
               </a:solidFill>
               <a:latin typeface="Century Gothic" panose="020B0502020202020204"/>
             </a:rPr>
-            <a:t>Sum of each field's similarity * each field's weight</a:t>
+            <a:t>Sum of each field's similarity *weight</a:t>
           </a:r>
         </a:p>
       </dgm:t>
@@ -17015,7 +17060,7 @@
         <a:lstStyle/>
         <a:p>
           <a:r>
-            <a:rPr lang="en-US" dirty="0">
+            <a:rPr lang="en-US">
               <a:latin typeface="Century Gothic" panose="020B0502020202020204"/>
             </a:rPr>
             <a:t>A score of 100 is a perfect match</a:t>
@@ -17053,7 +17098,7 @@
         <a:lstStyle/>
         <a:p>
           <a:r>
-            <a:rPr lang="en-US" dirty="0">
+            <a:rPr lang="en-US">
               <a:latin typeface="Century Gothic" panose="020B0502020202020204"/>
             </a:rPr>
             <a:t>Weights</a:t>
@@ -17069,145 +17114,121 @@
       <dgm:prSet/>
       <dgm:spPr/>
     </dgm:pt>
-    <dgm:pt modelId="{2D1BBFFB-F2A5-4D0E-B69D-B550338136D1}" type="pres">
-      <dgm:prSet presAssocID="{A3F3E29B-A89E-493D-943F-76C7AD429A3B}" presName="diagram" presStyleCnt="0">
+    <dgm:pt modelId="{8C660FB0-F113-4893-AEB2-E531D53BC56C}" type="pres">
+      <dgm:prSet presAssocID="{A3F3E29B-A89E-493D-943F-76C7AD429A3B}" presName="Name0" presStyleCnt="0">
         <dgm:presLayoutVars>
-          <dgm:chPref val="1"/>
           <dgm:dir/>
-          <dgm:animOne val="branch"/>
           <dgm:animLvl val="lvl"/>
-          <dgm:resizeHandles/>
+          <dgm:resizeHandles val="exact"/>
         </dgm:presLayoutVars>
       </dgm:prSet>
       <dgm:spPr/>
     </dgm:pt>
-    <dgm:pt modelId="{F93526C7-9E2D-4D77-AB13-65B0C57A2394}" type="pres">
-      <dgm:prSet presAssocID="{41B3F900-9B09-4AD0-8F68-D83DEDFD17B6}" presName="root" presStyleCnt="0"/>
+    <dgm:pt modelId="{1EB0C80F-579F-4DA8-B06A-91C921C237EC}" type="pres">
+      <dgm:prSet presAssocID="{41B3F900-9B09-4AD0-8F68-D83DEDFD17B6}" presName="vertFlow" presStyleCnt="0"/>
       <dgm:spPr/>
     </dgm:pt>
-    <dgm:pt modelId="{1FB59C52-AA8D-453B-ADA4-324107A11A3C}" type="pres">
-      <dgm:prSet presAssocID="{41B3F900-9B09-4AD0-8F68-D83DEDFD17B6}" presName="rootComposite" presStyleCnt="0"/>
+    <dgm:pt modelId="{0B66F640-564D-441D-A5AD-C0C40062C324}" type="pres">
+      <dgm:prSet presAssocID="{41B3F900-9B09-4AD0-8F68-D83DEDFD17B6}" presName="header" presStyleLbl="node1" presStyleIdx="0" presStyleCnt="3"/>
       <dgm:spPr/>
     </dgm:pt>
-    <dgm:pt modelId="{CA34B27D-F68C-4335-A54C-C6EBC4A07C19}" type="pres">
-      <dgm:prSet presAssocID="{41B3F900-9B09-4AD0-8F68-D83DEDFD17B6}" presName="rootText" presStyleLbl="node1" presStyleIdx="0" presStyleCnt="3"/>
+    <dgm:pt modelId="{F7B44F27-8D32-48FF-8826-BD05CF95E4AE}" type="pres">
+      <dgm:prSet presAssocID="{08A62E85-3D11-48F7-85EE-EB1453AC3F09}" presName="parTrans" presStyleLbl="sibTrans2D1" presStyleIdx="0" presStyleCnt="6"/>
       <dgm:spPr/>
     </dgm:pt>
-    <dgm:pt modelId="{FB4DBC1E-F0D6-457C-9376-083E591E37BE}" type="pres">
-      <dgm:prSet presAssocID="{41B3F900-9B09-4AD0-8F68-D83DEDFD17B6}" presName="rootConnector" presStyleLbl="node1" presStyleIdx="0" presStyleCnt="3"/>
-      <dgm:spPr/>
-    </dgm:pt>
-    <dgm:pt modelId="{E16BC818-8399-4840-9A16-0236C860D692}" type="pres">
-      <dgm:prSet presAssocID="{41B3F900-9B09-4AD0-8F68-D83DEDFD17B6}" presName="childShape" presStyleCnt="0"/>
-      <dgm:spPr/>
-    </dgm:pt>
-    <dgm:pt modelId="{C59C66FA-01E1-41A7-92D8-15BB8E5E53F6}" type="pres">
-      <dgm:prSet presAssocID="{08A62E85-3D11-48F7-85EE-EB1453AC3F09}" presName="Name13" presStyleLbl="parChTrans1D2" presStyleIdx="0" presStyleCnt="6"/>
-      <dgm:spPr/>
-    </dgm:pt>
-    <dgm:pt modelId="{9EAD244F-510E-46F8-B155-3DA7F1A41447}" type="pres">
-      <dgm:prSet presAssocID="{02F52AEC-FAB7-4326-B5E5-043A9F74382B}" presName="childText" presStyleLbl="bgAcc1" presStyleIdx="0" presStyleCnt="6">
+    <dgm:pt modelId="{6FDF8A16-CCFA-4B31-91B6-8CA6DA9C939B}" type="pres">
+      <dgm:prSet presAssocID="{02F52AEC-FAB7-4326-B5E5-043A9F74382B}" presName="child" presStyleLbl="alignAccFollowNode1" presStyleIdx="0" presStyleCnt="6">
         <dgm:presLayoutVars>
+          <dgm:chMax val="0"/>
           <dgm:bulletEnabled val="1"/>
         </dgm:presLayoutVars>
       </dgm:prSet>
       <dgm:spPr/>
     </dgm:pt>
-    <dgm:pt modelId="{D1657C92-8441-4EF5-827C-5C1561E8C24A}" type="pres">
-      <dgm:prSet presAssocID="{2EE53EA6-9336-45B5-8C32-4C309933B17D}" presName="Name13" presStyleLbl="parChTrans1D2" presStyleIdx="1" presStyleCnt="6"/>
+    <dgm:pt modelId="{3EBF592A-E30A-45DE-9EDD-356D40AF341D}" type="pres">
+      <dgm:prSet presAssocID="{1CE3042F-66C9-4A7B-9B82-7EEC7F3F3345}" presName="sibTrans" presStyleLbl="sibTrans2D1" presStyleIdx="1" presStyleCnt="6"/>
       <dgm:spPr/>
     </dgm:pt>
-    <dgm:pt modelId="{698D9B55-4024-4D18-9439-70703E82CF19}" type="pres">
-      <dgm:prSet presAssocID="{BF8F0CC6-E046-4D90-9A11-BE9F51717AC7}" presName="childText" presStyleLbl="bgAcc1" presStyleIdx="1" presStyleCnt="6">
+    <dgm:pt modelId="{075F371C-8A38-4E55-8551-896D7E61BD98}" type="pres">
+      <dgm:prSet presAssocID="{BF8F0CC6-E046-4D90-9A11-BE9F51717AC7}" presName="child" presStyleLbl="alignAccFollowNode1" presStyleIdx="1" presStyleCnt="6">
         <dgm:presLayoutVars>
+          <dgm:chMax val="0"/>
           <dgm:bulletEnabled val="1"/>
         </dgm:presLayoutVars>
       </dgm:prSet>
       <dgm:spPr/>
     </dgm:pt>
-    <dgm:pt modelId="{B289F77A-2C52-447B-A75F-B282A17552D1}" type="pres">
-      <dgm:prSet presAssocID="{13F81D10-01D7-40B0-BA7C-5FCE1540D30D}" presName="root" presStyleCnt="0"/>
+    <dgm:pt modelId="{681E85F9-7F05-47AF-8EC2-21BF259C8D1D}" type="pres">
+      <dgm:prSet presAssocID="{41B3F900-9B09-4AD0-8F68-D83DEDFD17B6}" presName="hSp" presStyleCnt="0"/>
       <dgm:spPr/>
     </dgm:pt>
-    <dgm:pt modelId="{576BE4E5-C8E1-48F1-996A-51C6A85857A2}" type="pres">
-      <dgm:prSet presAssocID="{13F81D10-01D7-40B0-BA7C-5FCE1540D30D}" presName="rootComposite" presStyleCnt="0"/>
+    <dgm:pt modelId="{1ED19F9E-10F0-4927-B169-9067368339C0}" type="pres">
+      <dgm:prSet presAssocID="{13F81D10-01D7-40B0-BA7C-5FCE1540D30D}" presName="vertFlow" presStyleCnt="0"/>
       <dgm:spPr/>
     </dgm:pt>
-    <dgm:pt modelId="{373A6233-BD54-491A-B735-4F57111A2826}" type="pres">
-      <dgm:prSet presAssocID="{13F81D10-01D7-40B0-BA7C-5FCE1540D30D}" presName="rootText" presStyleLbl="node1" presStyleIdx="1" presStyleCnt="3"/>
+    <dgm:pt modelId="{2A6CC642-ED98-477F-800C-E6B8666570A2}" type="pres">
+      <dgm:prSet presAssocID="{13F81D10-01D7-40B0-BA7C-5FCE1540D30D}" presName="header" presStyleLbl="node1" presStyleIdx="1" presStyleCnt="3"/>
       <dgm:spPr/>
     </dgm:pt>
-    <dgm:pt modelId="{82BD44BA-4553-4208-8EE2-240BB0F4629C}" type="pres">
-      <dgm:prSet presAssocID="{13F81D10-01D7-40B0-BA7C-5FCE1540D30D}" presName="rootConnector" presStyleLbl="node1" presStyleIdx="1" presStyleCnt="3"/>
+    <dgm:pt modelId="{34EFB7F3-3D94-4ACA-BB41-7CF507BC2021}" type="pres">
+      <dgm:prSet presAssocID="{0D277EE3-6A3D-4846-BF2F-16443DE3595F}" presName="parTrans" presStyleLbl="sibTrans2D1" presStyleIdx="2" presStyleCnt="6"/>
       <dgm:spPr/>
     </dgm:pt>
-    <dgm:pt modelId="{FD656192-449D-4166-8A73-6064D2007161}" type="pres">
-      <dgm:prSet presAssocID="{13F81D10-01D7-40B0-BA7C-5FCE1540D30D}" presName="childShape" presStyleCnt="0"/>
-      <dgm:spPr/>
-    </dgm:pt>
-    <dgm:pt modelId="{A1CB3702-22E7-4793-9C65-BF0E602925DC}" type="pres">
-      <dgm:prSet presAssocID="{0D277EE3-6A3D-4846-BF2F-16443DE3595F}" presName="Name13" presStyleLbl="parChTrans1D2" presStyleIdx="2" presStyleCnt="6"/>
-      <dgm:spPr/>
-    </dgm:pt>
-    <dgm:pt modelId="{987D11C0-A42D-476F-BFBD-73066FE8139E}" type="pres">
-      <dgm:prSet presAssocID="{D04CA83C-4B84-49AD-B26D-5071A61E184C}" presName="childText" presStyleLbl="bgAcc1" presStyleIdx="2" presStyleCnt="6">
+    <dgm:pt modelId="{B609AAB9-0315-4ECC-8A96-AD7827E02F8F}" type="pres">
+      <dgm:prSet presAssocID="{D04CA83C-4B84-49AD-B26D-5071A61E184C}" presName="child" presStyleLbl="alignAccFollowNode1" presStyleIdx="2" presStyleCnt="6">
         <dgm:presLayoutVars>
+          <dgm:chMax val="0"/>
           <dgm:bulletEnabled val="1"/>
         </dgm:presLayoutVars>
       </dgm:prSet>
       <dgm:spPr/>
     </dgm:pt>
-    <dgm:pt modelId="{6BFFBC29-1762-4CC5-8A81-29CCF2EDAC4D}" type="pres">
-      <dgm:prSet presAssocID="{70C8F0A4-7A5B-49DB-8935-38589693484D}" presName="Name13" presStyleLbl="parChTrans1D2" presStyleIdx="3" presStyleCnt="6"/>
+    <dgm:pt modelId="{24B1C36D-6622-401D-9D69-1D125DD8F20D}" type="pres">
+      <dgm:prSet presAssocID="{CA739E3C-4156-426F-BA15-27E243C08A89}" presName="sibTrans" presStyleLbl="sibTrans2D1" presStyleIdx="3" presStyleCnt="6"/>
       <dgm:spPr/>
     </dgm:pt>
-    <dgm:pt modelId="{D58FA286-8B85-4B78-9323-912B776C5BB1}" type="pres">
-      <dgm:prSet presAssocID="{69C7D1E2-159C-464A-86EC-620BDEE625D5}" presName="childText" presStyleLbl="bgAcc1" presStyleIdx="3" presStyleCnt="6">
+    <dgm:pt modelId="{DBE052A0-552E-4CF4-869D-0B9EB1893BF1}" type="pres">
+      <dgm:prSet presAssocID="{69C7D1E2-159C-464A-86EC-620BDEE625D5}" presName="child" presStyleLbl="alignAccFollowNode1" presStyleIdx="3" presStyleCnt="6">
         <dgm:presLayoutVars>
+          <dgm:chMax val="0"/>
           <dgm:bulletEnabled val="1"/>
         </dgm:presLayoutVars>
       </dgm:prSet>
       <dgm:spPr/>
     </dgm:pt>
-    <dgm:pt modelId="{EBD2BD6A-4AA8-4AB5-93D6-A6B0A878744F}" type="pres">
-      <dgm:prSet presAssocID="{9295ACC8-CBB7-4EC3-8DBA-FA1FEC946D82}" presName="root" presStyleCnt="0"/>
+    <dgm:pt modelId="{8F3B1D5C-5294-4347-9CCB-5E9CD0BDC4C0}" type="pres">
+      <dgm:prSet presAssocID="{13F81D10-01D7-40B0-BA7C-5FCE1540D30D}" presName="hSp" presStyleCnt="0"/>
       <dgm:spPr/>
     </dgm:pt>
-    <dgm:pt modelId="{4FA6683B-E3D3-42E6-9A4F-2FAE282863E0}" type="pres">
-      <dgm:prSet presAssocID="{9295ACC8-CBB7-4EC3-8DBA-FA1FEC946D82}" presName="rootComposite" presStyleCnt="0"/>
+    <dgm:pt modelId="{2C0FC90E-D3DC-4900-92E3-01CB83DCDB53}" type="pres">
+      <dgm:prSet presAssocID="{9295ACC8-CBB7-4EC3-8DBA-FA1FEC946D82}" presName="vertFlow" presStyleCnt="0"/>
       <dgm:spPr/>
     </dgm:pt>
-    <dgm:pt modelId="{DEDB9FE1-40E3-4F2C-8F2F-63EC39AAA7A2}" type="pres">
-      <dgm:prSet presAssocID="{9295ACC8-CBB7-4EC3-8DBA-FA1FEC946D82}" presName="rootText" presStyleLbl="node1" presStyleIdx="2" presStyleCnt="3"/>
+    <dgm:pt modelId="{FE29B2E6-0DFD-4E8D-8A1D-A3FEE9155C59}" type="pres">
+      <dgm:prSet presAssocID="{9295ACC8-CBB7-4EC3-8DBA-FA1FEC946D82}" presName="header" presStyleLbl="node1" presStyleIdx="2" presStyleCnt="3"/>
       <dgm:spPr/>
     </dgm:pt>
-    <dgm:pt modelId="{D6E5F6BC-BB97-4CEC-BF52-901D55C97978}" type="pres">
-      <dgm:prSet presAssocID="{9295ACC8-CBB7-4EC3-8DBA-FA1FEC946D82}" presName="rootConnector" presStyleLbl="node1" presStyleIdx="2" presStyleCnt="3"/>
+    <dgm:pt modelId="{F27FDEDF-EFBC-406B-845C-1BC921088F27}" type="pres">
+      <dgm:prSet presAssocID="{9EFE582D-7587-46E9-80D8-BF90418ACF8D}" presName="parTrans" presStyleLbl="sibTrans2D1" presStyleIdx="4" presStyleCnt="6"/>
       <dgm:spPr/>
     </dgm:pt>
-    <dgm:pt modelId="{B916D87C-68CD-4058-B704-320C0ACE9440}" type="pres">
-      <dgm:prSet presAssocID="{9295ACC8-CBB7-4EC3-8DBA-FA1FEC946D82}" presName="childShape" presStyleCnt="0"/>
-      <dgm:spPr/>
-    </dgm:pt>
-    <dgm:pt modelId="{801A3F91-A3BB-43A5-946E-78A7FC616E07}" type="pres">
-      <dgm:prSet presAssocID="{9EFE582D-7587-46E9-80D8-BF90418ACF8D}" presName="Name13" presStyleLbl="parChTrans1D2" presStyleIdx="4" presStyleCnt="6"/>
-      <dgm:spPr/>
-    </dgm:pt>
-    <dgm:pt modelId="{FC0A8545-B1E7-4886-B301-B5DC9513741B}" type="pres">
-      <dgm:prSet presAssocID="{6415F561-0558-452E-9360-65B86A550ED8}" presName="childText" presStyleLbl="bgAcc1" presStyleIdx="4" presStyleCnt="6">
+    <dgm:pt modelId="{147C6C62-E4C1-4262-ABF0-82E969C3FF31}" type="pres">
+      <dgm:prSet presAssocID="{6415F561-0558-452E-9360-65B86A550ED8}" presName="child" presStyleLbl="alignAccFollowNode1" presStyleIdx="4" presStyleCnt="6">
         <dgm:presLayoutVars>
+          <dgm:chMax val="0"/>
           <dgm:bulletEnabled val="1"/>
         </dgm:presLayoutVars>
       </dgm:prSet>
       <dgm:spPr/>
     </dgm:pt>
-    <dgm:pt modelId="{C105D1A1-BFE6-4EA4-AA0C-3F37135E55EA}" type="pres">
-      <dgm:prSet presAssocID="{CFE3861A-7F9F-47E3-8251-C99AE3B142B4}" presName="Name13" presStyleLbl="parChTrans1D2" presStyleIdx="5" presStyleCnt="6"/>
+    <dgm:pt modelId="{280C6913-0113-4971-8841-173AD483A080}" type="pres">
+      <dgm:prSet presAssocID="{7543C322-B7FB-462B-98BE-E88A55DF8CB0}" presName="sibTrans" presStyleLbl="sibTrans2D1" presStyleIdx="5" presStyleCnt="6"/>
       <dgm:spPr/>
     </dgm:pt>
-    <dgm:pt modelId="{2AD232D8-5676-4004-AD16-05DB14DE102C}" type="pres">
-      <dgm:prSet presAssocID="{F43DBB25-2F6C-40A5-8836-DC703C0EBBC9}" presName="childText" presStyleLbl="bgAcc1" presStyleIdx="5" presStyleCnt="6">
+    <dgm:pt modelId="{67132EA2-E65B-47AF-8306-9F33DDC80205}" type="pres">
+      <dgm:prSet presAssocID="{F43DBB25-2F6C-40A5-8836-DC703C0EBBC9}" presName="child" presStyleLbl="alignAccFollowNode1" presStyleIdx="5" presStyleCnt="6">
         <dgm:presLayoutVars>
+          <dgm:chMax val="0"/>
           <dgm:bulletEnabled val="1"/>
         </dgm:presLayoutVars>
       </dgm:prSet>
@@ -17216,60 +17237,50 @@
   </dgm:ptLst>
   <dgm:cxnLst>
     <dgm:cxn modelId="{639D7E03-A291-4221-A037-B584E6CC4E21}" srcId="{A3F3E29B-A89E-493D-943F-76C7AD429A3B}" destId="{13F81D10-01D7-40B0-BA7C-5FCE1540D30D}" srcOrd="1" destOrd="0" parTransId="{A26CB54A-A138-48E8-B2DC-BE153488A89F}" sibTransId="{66E70B63-6ED8-489A-8FE3-7A8DFFD1C1FE}"/>
+    <dgm:cxn modelId="{CBA9D504-634E-402F-A3AC-F3AB60B91D01}" type="presOf" srcId="{A3F3E29B-A89E-493D-943F-76C7AD429A3B}" destId="{8C660FB0-F113-4893-AEB2-E531D53BC56C}" srcOrd="0" destOrd="0" presId="urn:microsoft.com/office/officeart/2005/8/layout/lProcess1"/>
+    <dgm:cxn modelId="{80854B0C-2C07-4F6A-B1AA-5F77069F89FF}" type="presOf" srcId="{02F52AEC-FAB7-4326-B5E5-043A9F74382B}" destId="{6FDF8A16-CCFA-4B31-91B6-8CA6DA9C939B}" srcOrd="0" destOrd="0" presId="urn:microsoft.com/office/officeart/2005/8/layout/lProcess1"/>
+    <dgm:cxn modelId="{4EB04A0E-12A2-4FC3-A560-F456CA1076B6}" type="presOf" srcId="{6415F561-0558-452E-9360-65B86A550ED8}" destId="{147C6C62-E4C1-4262-ABF0-82E969C3FF31}" srcOrd="0" destOrd="0" presId="urn:microsoft.com/office/officeart/2005/8/layout/lProcess1"/>
+    <dgm:cxn modelId="{BA0B4A11-0733-4ABE-93A5-EC9A57EA093B}" type="presOf" srcId="{08A62E85-3D11-48F7-85EE-EB1453AC3F09}" destId="{F7B44F27-8D32-48FF-8826-BD05CF95E4AE}" srcOrd="0" destOrd="0" presId="urn:microsoft.com/office/officeart/2005/8/layout/lProcess1"/>
     <dgm:cxn modelId="{E1ACA712-28B5-4F3D-85A6-CCC1886025EB}" srcId="{41B3F900-9B09-4AD0-8F68-D83DEDFD17B6}" destId="{BF8F0CC6-E046-4D90-9A11-BE9F51717AC7}" srcOrd="1" destOrd="0" parTransId="{2EE53EA6-9336-45B5-8C32-4C309933B17D}" sibTransId="{DFF4CE7D-DB7F-48E3-A576-29E33915BC8C}"/>
     <dgm:cxn modelId="{5FFBB313-E8BA-4E0B-A8B5-9EE53F0D488B}" srcId="{9295ACC8-CBB7-4EC3-8DBA-FA1FEC946D82}" destId="{F43DBB25-2F6C-40A5-8836-DC703C0EBBC9}" srcOrd="1" destOrd="0" parTransId="{CFE3861A-7F9F-47E3-8251-C99AE3B142B4}" sibTransId="{7512428F-6935-44E9-92F3-EA12858840DE}"/>
     <dgm:cxn modelId="{5B8AE51F-1F4B-400A-B654-60E94E7597AD}" srcId="{41B3F900-9B09-4AD0-8F68-D83DEDFD17B6}" destId="{02F52AEC-FAB7-4326-B5E5-043A9F74382B}" srcOrd="0" destOrd="0" parTransId="{08A62E85-3D11-48F7-85EE-EB1453AC3F09}" sibTransId="{1CE3042F-66C9-4A7B-9B82-7EEC7F3F3345}"/>
-    <dgm:cxn modelId="{79236822-8016-4D5A-8151-C7FA536E4DAE}" type="presOf" srcId="{D04CA83C-4B84-49AD-B26D-5071A61E184C}" destId="{987D11C0-A42D-476F-BFBD-73066FE8139E}" srcOrd="0" destOrd="0" presId="urn:microsoft.com/office/officeart/2005/8/layout/hierarchy3"/>
+    <dgm:cxn modelId="{B2380B23-72D0-431F-B236-CCCAC279F36A}" type="presOf" srcId="{D04CA83C-4B84-49AD-B26D-5071A61E184C}" destId="{B609AAB9-0315-4ECC-8A96-AD7827E02F8F}" srcOrd="0" destOrd="0" presId="urn:microsoft.com/office/officeart/2005/8/layout/lProcess1"/>
     <dgm:cxn modelId="{7BE81E23-AEAF-4E1E-9DD3-8D6F987D1BCC}" srcId="{13F81D10-01D7-40B0-BA7C-5FCE1540D30D}" destId="{69C7D1E2-159C-464A-86EC-620BDEE625D5}" srcOrd="1" destOrd="0" parTransId="{70C8F0A4-7A5B-49DB-8935-38589693484D}" sibTransId="{D9B7275D-AD8B-4E46-8781-2E10A351D43F}"/>
     <dgm:cxn modelId="{46A19D25-ABA6-482C-8A44-E085BB6E813B}" srcId="{13F81D10-01D7-40B0-BA7C-5FCE1540D30D}" destId="{D04CA83C-4B84-49AD-B26D-5071A61E184C}" srcOrd="0" destOrd="0" parTransId="{0D277EE3-6A3D-4846-BF2F-16443DE3595F}" sibTransId="{CA739E3C-4156-426F-BA15-27E243C08A89}"/>
-    <dgm:cxn modelId="{3DA3362F-D487-4B57-9424-10459A50BC63}" type="presOf" srcId="{F43DBB25-2F6C-40A5-8836-DC703C0EBBC9}" destId="{2AD232D8-5676-4004-AD16-05DB14DE102C}" srcOrd="0" destOrd="0" presId="urn:microsoft.com/office/officeart/2005/8/layout/hierarchy3"/>
-    <dgm:cxn modelId="{770A4433-356E-4529-B230-A7A6ECA0B72C}" type="presOf" srcId="{0D277EE3-6A3D-4846-BF2F-16443DE3595F}" destId="{A1CB3702-22E7-4793-9C65-BF0E602925DC}" srcOrd="0" destOrd="0" presId="urn:microsoft.com/office/officeart/2005/8/layout/hierarchy3"/>
-    <dgm:cxn modelId="{90D0ED35-A44D-48D1-A3C6-1AFFBFBC06A6}" type="presOf" srcId="{9295ACC8-CBB7-4EC3-8DBA-FA1FEC946D82}" destId="{DEDB9FE1-40E3-4F2C-8F2F-63EC39AAA7A2}" srcOrd="0" destOrd="0" presId="urn:microsoft.com/office/officeart/2005/8/layout/hierarchy3"/>
-    <dgm:cxn modelId="{85A20B5C-5956-48F5-B368-0B8C10FD8EBA}" type="presOf" srcId="{02F52AEC-FAB7-4326-B5E5-043A9F74382B}" destId="{9EAD244F-510E-46F8-B155-3DA7F1A41447}" srcOrd="0" destOrd="0" presId="urn:microsoft.com/office/officeart/2005/8/layout/hierarchy3"/>
-    <dgm:cxn modelId="{4160D55F-BD7D-4831-A6E5-613D25A9D54D}" type="presOf" srcId="{13F81D10-01D7-40B0-BA7C-5FCE1540D30D}" destId="{373A6233-BD54-491A-B735-4F57111A2826}" srcOrd="0" destOrd="0" presId="urn:microsoft.com/office/officeart/2005/8/layout/hierarchy3"/>
-    <dgm:cxn modelId="{98266260-AFCF-4B51-A134-8F90E2209D88}" type="presOf" srcId="{41B3F900-9B09-4AD0-8F68-D83DEDFD17B6}" destId="{FB4DBC1E-F0D6-457C-9376-083E591E37BE}" srcOrd="1" destOrd="0" presId="urn:microsoft.com/office/officeart/2005/8/layout/hierarchy3"/>
-    <dgm:cxn modelId="{3F1CA662-D63E-4E6E-90B9-9767B44D8727}" type="presOf" srcId="{6415F561-0558-452E-9360-65B86A550ED8}" destId="{FC0A8545-B1E7-4886-B301-B5DC9513741B}" srcOrd="0" destOrd="0" presId="urn:microsoft.com/office/officeart/2005/8/layout/hierarchy3"/>
-    <dgm:cxn modelId="{A42CA662-6699-4FA2-AF68-7070AB209E37}" type="presOf" srcId="{9295ACC8-CBB7-4EC3-8DBA-FA1FEC946D82}" destId="{D6E5F6BC-BB97-4CEC-BF52-901D55C97978}" srcOrd="1" destOrd="0" presId="urn:microsoft.com/office/officeart/2005/8/layout/hierarchy3"/>
-    <dgm:cxn modelId="{4B56634F-26F0-4281-9420-7B9EDF68DD49}" type="presOf" srcId="{A3F3E29B-A89E-493D-943F-76C7AD429A3B}" destId="{2D1BBFFB-F2A5-4D0E-B69D-B550338136D1}" srcOrd="0" destOrd="0" presId="urn:microsoft.com/office/officeart/2005/8/layout/hierarchy3"/>
-    <dgm:cxn modelId="{F2617156-3232-4233-87A0-C87916E5BFAA}" type="presOf" srcId="{BF8F0CC6-E046-4D90-9A11-BE9F51717AC7}" destId="{698D9B55-4024-4D18-9439-70703E82CF19}" srcOrd="0" destOrd="0" presId="urn:microsoft.com/office/officeart/2005/8/layout/hierarchy3"/>
-    <dgm:cxn modelId="{DA47FC78-EFC8-4AE6-9A1C-32CDD9C4B85C}" type="presOf" srcId="{9EFE582D-7587-46E9-80D8-BF90418ACF8D}" destId="{801A3F91-A3BB-43A5-946E-78A7FC616E07}" srcOrd="0" destOrd="0" presId="urn:microsoft.com/office/officeart/2005/8/layout/hierarchy3"/>
-    <dgm:cxn modelId="{93E94C8F-1CED-4715-B575-403E0DD52BC0}" type="presOf" srcId="{13F81D10-01D7-40B0-BA7C-5FCE1540D30D}" destId="{82BD44BA-4553-4208-8EE2-240BB0F4629C}" srcOrd="1" destOrd="0" presId="urn:microsoft.com/office/officeart/2005/8/layout/hierarchy3"/>
-    <dgm:cxn modelId="{881150A1-E225-4B81-B5B0-967A5F611577}" type="presOf" srcId="{CFE3861A-7F9F-47E3-8251-C99AE3B142B4}" destId="{C105D1A1-BFE6-4EA4-AA0C-3F37135E55EA}" srcOrd="0" destOrd="0" presId="urn:microsoft.com/office/officeart/2005/8/layout/hierarchy3"/>
+    <dgm:cxn modelId="{7581C946-867B-4688-A566-C5D69C4EE81F}" type="presOf" srcId="{7543C322-B7FB-462B-98BE-E88A55DF8CB0}" destId="{280C6913-0113-4971-8841-173AD483A080}" srcOrd="0" destOrd="0" presId="urn:microsoft.com/office/officeart/2005/8/layout/lProcess1"/>
+    <dgm:cxn modelId="{A57D5347-8C62-4300-8117-49B72F1A55D7}" type="presOf" srcId="{BF8F0CC6-E046-4D90-9A11-BE9F51717AC7}" destId="{075F371C-8A38-4E55-8551-896D7E61BD98}" srcOrd="0" destOrd="0" presId="urn:microsoft.com/office/officeart/2005/8/layout/lProcess1"/>
+    <dgm:cxn modelId="{E2D3F267-B415-4530-BEF4-4AFEB5CE1A71}" type="presOf" srcId="{F43DBB25-2F6C-40A5-8836-DC703C0EBBC9}" destId="{67132EA2-E65B-47AF-8306-9F33DDC80205}" srcOrd="0" destOrd="0" presId="urn:microsoft.com/office/officeart/2005/8/layout/lProcess1"/>
+    <dgm:cxn modelId="{0CB8FF6F-37CB-4E2F-8F65-84EF66230E1F}" type="presOf" srcId="{CA739E3C-4156-426F-BA15-27E243C08A89}" destId="{24B1C36D-6622-401D-9D69-1D125DD8F20D}" srcOrd="0" destOrd="0" presId="urn:microsoft.com/office/officeart/2005/8/layout/lProcess1"/>
+    <dgm:cxn modelId="{EF4F6276-2336-4155-AD4D-1BB58C21BC46}" type="presOf" srcId="{1CE3042F-66C9-4A7B-9B82-7EEC7F3F3345}" destId="{3EBF592A-E30A-45DE-9EDD-356D40AF341D}" srcOrd="0" destOrd="0" presId="urn:microsoft.com/office/officeart/2005/8/layout/lProcess1"/>
+    <dgm:cxn modelId="{6FB9F487-1A58-4CBD-B691-693C21763AC3}" type="presOf" srcId="{41B3F900-9B09-4AD0-8F68-D83DEDFD17B6}" destId="{0B66F640-564D-441D-A5AD-C0C40062C324}" srcOrd="0" destOrd="0" presId="urn:microsoft.com/office/officeart/2005/8/layout/lProcess1"/>
+    <dgm:cxn modelId="{83906E8A-3073-44CC-92E5-AB1F5A0EF2AD}" type="presOf" srcId="{13F81D10-01D7-40B0-BA7C-5FCE1540D30D}" destId="{2A6CC642-ED98-477F-800C-E6B8666570A2}" srcOrd="0" destOrd="0" presId="urn:microsoft.com/office/officeart/2005/8/layout/lProcess1"/>
+    <dgm:cxn modelId="{9B87B992-C26F-4F2A-B999-9B91DAE0E271}" type="presOf" srcId="{9EFE582D-7587-46E9-80D8-BF90418ACF8D}" destId="{F27FDEDF-EFBC-406B-845C-1BC921088F27}" srcOrd="0" destOrd="0" presId="urn:microsoft.com/office/officeart/2005/8/layout/lProcess1"/>
+    <dgm:cxn modelId="{A1184CA0-2D9D-41A0-828D-C48C0E1373BF}" type="presOf" srcId="{9295ACC8-CBB7-4EC3-8DBA-FA1FEC946D82}" destId="{FE29B2E6-0DFD-4E8D-8A1D-A3FEE9155C59}" srcOrd="0" destOrd="0" presId="urn:microsoft.com/office/officeart/2005/8/layout/lProcess1"/>
+    <dgm:cxn modelId="{7A7A4FAC-685D-421B-B1D3-BC23BE249D98}" type="presOf" srcId="{0D277EE3-6A3D-4846-BF2F-16443DE3595F}" destId="{34EFB7F3-3D94-4ACA-BB41-7CF507BC2021}" srcOrd="0" destOrd="0" presId="urn:microsoft.com/office/officeart/2005/8/layout/lProcess1"/>
     <dgm:cxn modelId="{F44A5FBC-E5FA-4153-BFBE-516538963A93}" srcId="{A3F3E29B-A89E-493D-943F-76C7AD429A3B}" destId="{41B3F900-9B09-4AD0-8F68-D83DEDFD17B6}" srcOrd="0" destOrd="0" parTransId="{BA6E48B5-A906-4CBC-B8A8-16894F48A9D4}" sibTransId="{72FFA9DA-1C67-4A7A-A5B7-D5FF45A8DFC4}"/>
-    <dgm:cxn modelId="{0F8B3FC9-7081-4A00-88B6-DF4D9A1A7F7D}" type="presOf" srcId="{2EE53EA6-9336-45B5-8C32-4C309933B17D}" destId="{D1657C92-8441-4EF5-827C-5C1561E8C24A}" srcOrd="0" destOrd="0" presId="urn:microsoft.com/office/officeart/2005/8/layout/hierarchy3"/>
-    <dgm:cxn modelId="{08A729DA-971D-494D-B42B-6491EAB205AE}" type="presOf" srcId="{70C8F0A4-7A5B-49DB-8935-38589693484D}" destId="{6BFFBC29-1762-4CC5-8A81-29CCF2EDAC4D}" srcOrd="0" destOrd="0" presId="urn:microsoft.com/office/officeart/2005/8/layout/hierarchy3"/>
-    <dgm:cxn modelId="{262EDADA-695B-4B9C-985D-EC09D3B1C3A3}" type="presOf" srcId="{08A62E85-3D11-48F7-85EE-EB1453AC3F09}" destId="{C59C66FA-01E1-41A7-92D8-15BB8E5E53F6}" srcOrd="0" destOrd="0" presId="urn:microsoft.com/office/officeart/2005/8/layout/hierarchy3"/>
-    <dgm:cxn modelId="{E33083E3-5EF9-4522-A757-213C8C5E3C18}" type="presOf" srcId="{41B3F900-9B09-4AD0-8F68-D83DEDFD17B6}" destId="{CA34B27D-F68C-4335-A54C-C6EBC4A07C19}" srcOrd="0" destOrd="0" presId="urn:microsoft.com/office/officeart/2005/8/layout/hierarchy3"/>
+    <dgm:cxn modelId="{8D451EC2-2EFB-4EEF-A852-E6CD4DC2FBBB}" type="presOf" srcId="{69C7D1E2-159C-464A-86EC-620BDEE625D5}" destId="{DBE052A0-552E-4CF4-869D-0B9EB1893BF1}" srcOrd="0" destOrd="0" presId="urn:microsoft.com/office/officeart/2005/8/layout/lProcess1"/>
     <dgm:cxn modelId="{EE2D88E9-A5F6-46B1-AEFD-31D41483194A}" srcId="{9295ACC8-CBB7-4EC3-8DBA-FA1FEC946D82}" destId="{6415F561-0558-452E-9360-65B86A550ED8}" srcOrd="0" destOrd="0" parTransId="{9EFE582D-7587-46E9-80D8-BF90418ACF8D}" sibTransId="{7543C322-B7FB-462B-98BE-E88A55DF8CB0}"/>
     <dgm:cxn modelId="{FB002EF8-FD09-4207-B96B-FE992D412AAD}" srcId="{A3F3E29B-A89E-493D-943F-76C7AD429A3B}" destId="{9295ACC8-CBB7-4EC3-8DBA-FA1FEC946D82}" srcOrd="2" destOrd="0" parTransId="{27142496-36B1-4AA3-8FA7-A4ADC5A48FAB}" sibTransId="{F02B0405-9D7C-4F79-9B9F-4B872CC8E027}"/>
-    <dgm:cxn modelId="{9BB466FD-E191-4A31-94CD-D759BD64E4AF}" type="presOf" srcId="{69C7D1E2-159C-464A-86EC-620BDEE625D5}" destId="{D58FA286-8B85-4B78-9323-912B776C5BB1}" srcOrd="0" destOrd="0" presId="urn:microsoft.com/office/officeart/2005/8/layout/hierarchy3"/>
-    <dgm:cxn modelId="{101DA7D9-1BF8-4662-83E0-5C3EF3136FB2}" type="presParOf" srcId="{2D1BBFFB-F2A5-4D0E-B69D-B550338136D1}" destId="{F93526C7-9E2D-4D77-AB13-65B0C57A2394}" srcOrd="0" destOrd="0" presId="urn:microsoft.com/office/officeart/2005/8/layout/hierarchy3"/>
-    <dgm:cxn modelId="{62618F7E-101F-4656-89F2-C19ACEF35470}" type="presParOf" srcId="{F93526C7-9E2D-4D77-AB13-65B0C57A2394}" destId="{1FB59C52-AA8D-453B-ADA4-324107A11A3C}" srcOrd="0" destOrd="0" presId="urn:microsoft.com/office/officeart/2005/8/layout/hierarchy3"/>
-    <dgm:cxn modelId="{4105452D-E543-4A19-A53D-31E46634E271}" type="presParOf" srcId="{1FB59C52-AA8D-453B-ADA4-324107A11A3C}" destId="{CA34B27D-F68C-4335-A54C-C6EBC4A07C19}" srcOrd="0" destOrd="0" presId="urn:microsoft.com/office/officeart/2005/8/layout/hierarchy3"/>
-    <dgm:cxn modelId="{46168432-6135-4CE7-9F5A-5018386EDC96}" type="presParOf" srcId="{1FB59C52-AA8D-453B-ADA4-324107A11A3C}" destId="{FB4DBC1E-F0D6-457C-9376-083E591E37BE}" srcOrd="1" destOrd="0" presId="urn:microsoft.com/office/officeart/2005/8/layout/hierarchy3"/>
-    <dgm:cxn modelId="{8C18D4B7-4816-4F94-824C-900C365042D5}" type="presParOf" srcId="{F93526C7-9E2D-4D77-AB13-65B0C57A2394}" destId="{E16BC818-8399-4840-9A16-0236C860D692}" srcOrd="1" destOrd="0" presId="urn:microsoft.com/office/officeart/2005/8/layout/hierarchy3"/>
-    <dgm:cxn modelId="{573A0688-047E-4541-8B69-731CC527E926}" type="presParOf" srcId="{E16BC818-8399-4840-9A16-0236C860D692}" destId="{C59C66FA-01E1-41A7-92D8-15BB8E5E53F6}" srcOrd="0" destOrd="0" presId="urn:microsoft.com/office/officeart/2005/8/layout/hierarchy3"/>
-    <dgm:cxn modelId="{CECAFCF2-1B8D-4309-9E4E-4090D62143B8}" type="presParOf" srcId="{E16BC818-8399-4840-9A16-0236C860D692}" destId="{9EAD244F-510E-46F8-B155-3DA7F1A41447}" srcOrd="1" destOrd="0" presId="urn:microsoft.com/office/officeart/2005/8/layout/hierarchy3"/>
-    <dgm:cxn modelId="{F9CA595B-4660-43B0-AD27-915486BE4554}" type="presParOf" srcId="{E16BC818-8399-4840-9A16-0236C860D692}" destId="{D1657C92-8441-4EF5-827C-5C1561E8C24A}" srcOrd="2" destOrd="0" presId="urn:microsoft.com/office/officeart/2005/8/layout/hierarchy3"/>
-    <dgm:cxn modelId="{CF4AA5F3-BA29-4913-969C-C7461EC540E2}" type="presParOf" srcId="{E16BC818-8399-4840-9A16-0236C860D692}" destId="{698D9B55-4024-4D18-9439-70703E82CF19}" srcOrd="3" destOrd="0" presId="urn:microsoft.com/office/officeart/2005/8/layout/hierarchy3"/>
-    <dgm:cxn modelId="{682D9DF2-DC4E-447E-833D-D76DC470E867}" type="presParOf" srcId="{2D1BBFFB-F2A5-4D0E-B69D-B550338136D1}" destId="{B289F77A-2C52-447B-A75F-B282A17552D1}" srcOrd="1" destOrd="0" presId="urn:microsoft.com/office/officeart/2005/8/layout/hierarchy3"/>
-    <dgm:cxn modelId="{0B606BF8-8F14-42B0-9832-7E32784AB392}" type="presParOf" srcId="{B289F77A-2C52-447B-A75F-B282A17552D1}" destId="{576BE4E5-C8E1-48F1-996A-51C6A85857A2}" srcOrd="0" destOrd="0" presId="urn:microsoft.com/office/officeart/2005/8/layout/hierarchy3"/>
-    <dgm:cxn modelId="{0D8BB0FF-223B-452E-A001-80A618FEEC19}" type="presParOf" srcId="{576BE4E5-C8E1-48F1-996A-51C6A85857A2}" destId="{373A6233-BD54-491A-B735-4F57111A2826}" srcOrd="0" destOrd="0" presId="urn:microsoft.com/office/officeart/2005/8/layout/hierarchy3"/>
-    <dgm:cxn modelId="{6B768DD1-AD23-49D7-9275-719C8AAB0194}" type="presParOf" srcId="{576BE4E5-C8E1-48F1-996A-51C6A85857A2}" destId="{82BD44BA-4553-4208-8EE2-240BB0F4629C}" srcOrd="1" destOrd="0" presId="urn:microsoft.com/office/officeart/2005/8/layout/hierarchy3"/>
-    <dgm:cxn modelId="{B52FD3C4-56A3-40F9-AC03-63822295B14F}" type="presParOf" srcId="{B289F77A-2C52-447B-A75F-B282A17552D1}" destId="{FD656192-449D-4166-8A73-6064D2007161}" srcOrd="1" destOrd="0" presId="urn:microsoft.com/office/officeart/2005/8/layout/hierarchy3"/>
-    <dgm:cxn modelId="{15737608-08D8-409C-ADA5-C9756034280C}" type="presParOf" srcId="{FD656192-449D-4166-8A73-6064D2007161}" destId="{A1CB3702-22E7-4793-9C65-BF0E602925DC}" srcOrd="0" destOrd="0" presId="urn:microsoft.com/office/officeart/2005/8/layout/hierarchy3"/>
-    <dgm:cxn modelId="{A1072E26-21FD-44F5-B085-FE76774D1D49}" type="presParOf" srcId="{FD656192-449D-4166-8A73-6064D2007161}" destId="{987D11C0-A42D-476F-BFBD-73066FE8139E}" srcOrd="1" destOrd="0" presId="urn:microsoft.com/office/officeart/2005/8/layout/hierarchy3"/>
-    <dgm:cxn modelId="{9CB258BD-04CA-4707-9939-B7315E152AEF}" type="presParOf" srcId="{FD656192-449D-4166-8A73-6064D2007161}" destId="{6BFFBC29-1762-4CC5-8A81-29CCF2EDAC4D}" srcOrd="2" destOrd="0" presId="urn:microsoft.com/office/officeart/2005/8/layout/hierarchy3"/>
-    <dgm:cxn modelId="{C8B78559-E29F-4838-917E-8ED895B51789}" type="presParOf" srcId="{FD656192-449D-4166-8A73-6064D2007161}" destId="{D58FA286-8B85-4B78-9323-912B776C5BB1}" srcOrd="3" destOrd="0" presId="urn:microsoft.com/office/officeart/2005/8/layout/hierarchy3"/>
-    <dgm:cxn modelId="{94D8FE55-54AD-4148-82B2-71EF15E2EA6D}" type="presParOf" srcId="{2D1BBFFB-F2A5-4D0E-B69D-B550338136D1}" destId="{EBD2BD6A-4AA8-4AB5-93D6-A6B0A878744F}" srcOrd="2" destOrd="0" presId="urn:microsoft.com/office/officeart/2005/8/layout/hierarchy3"/>
-    <dgm:cxn modelId="{3EA4A9D6-F699-4160-9B89-B780538CE4AF}" type="presParOf" srcId="{EBD2BD6A-4AA8-4AB5-93D6-A6B0A878744F}" destId="{4FA6683B-E3D3-42E6-9A4F-2FAE282863E0}" srcOrd="0" destOrd="0" presId="urn:microsoft.com/office/officeart/2005/8/layout/hierarchy3"/>
-    <dgm:cxn modelId="{280E0342-6B55-4B8B-8E51-ECFE39FDB52B}" type="presParOf" srcId="{4FA6683B-E3D3-42E6-9A4F-2FAE282863E0}" destId="{DEDB9FE1-40E3-4F2C-8F2F-63EC39AAA7A2}" srcOrd="0" destOrd="0" presId="urn:microsoft.com/office/officeart/2005/8/layout/hierarchy3"/>
-    <dgm:cxn modelId="{2E545B90-76D3-4F84-9244-3B0EC2E810A4}" type="presParOf" srcId="{4FA6683B-E3D3-42E6-9A4F-2FAE282863E0}" destId="{D6E5F6BC-BB97-4CEC-BF52-901D55C97978}" srcOrd="1" destOrd="0" presId="urn:microsoft.com/office/officeart/2005/8/layout/hierarchy3"/>
-    <dgm:cxn modelId="{4BB57625-3C15-4E85-ABD4-CC9C1270224E}" type="presParOf" srcId="{EBD2BD6A-4AA8-4AB5-93D6-A6B0A878744F}" destId="{B916D87C-68CD-4058-B704-320C0ACE9440}" srcOrd="1" destOrd="0" presId="urn:microsoft.com/office/officeart/2005/8/layout/hierarchy3"/>
-    <dgm:cxn modelId="{8BE1B354-D188-4421-AB3F-EA532430FF71}" type="presParOf" srcId="{B916D87C-68CD-4058-B704-320C0ACE9440}" destId="{801A3F91-A3BB-43A5-946E-78A7FC616E07}" srcOrd="0" destOrd="0" presId="urn:microsoft.com/office/officeart/2005/8/layout/hierarchy3"/>
-    <dgm:cxn modelId="{9B849619-D9DC-4CFE-8540-9285412CCF80}" type="presParOf" srcId="{B916D87C-68CD-4058-B704-320C0ACE9440}" destId="{FC0A8545-B1E7-4886-B301-B5DC9513741B}" srcOrd="1" destOrd="0" presId="urn:microsoft.com/office/officeart/2005/8/layout/hierarchy3"/>
-    <dgm:cxn modelId="{034A9842-2026-465D-AF88-BAF20C6B09E5}" type="presParOf" srcId="{B916D87C-68CD-4058-B704-320C0ACE9440}" destId="{C105D1A1-BFE6-4EA4-AA0C-3F37135E55EA}" srcOrd="2" destOrd="0" presId="urn:microsoft.com/office/officeart/2005/8/layout/hierarchy3"/>
-    <dgm:cxn modelId="{8BF1477E-A194-41AB-B4B0-C76690177FD9}" type="presParOf" srcId="{B916D87C-68CD-4058-B704-320C0ACE9440}" destId="{2AD232D8-5676-4004-AD16-05DB14DE102C}" srcOrd="3" destOrd="0" presId="urn:microsoft.com/office/officeart/2005/8/layout/hierarchy3"/>
+    <dgm:cxn modelId="{4BAD9A82-4A0F-4A02-A6F1-1F555633401B}" type="presParOf" srcId="{8C660FB0-F113-4893-AEB2-E531D53BC56C}" destId="{1EB0C80F-579F-4DA8-B06A-91C921C237EC}" srcOrd="0" destOrd="0" presId="urn:microsoft.com/office/officeart/2005/8/layout/lProcess1"/>
+    <dgm:cxn modelId="{847B2B78-6D24-4675-B024-A146893CD61C}" type="presParOf" srcId="{1EB0C80F-579F-4DA8-B06A-91C921C237EC}" destId="{0B66F640-564D-441D-A5AD-C0C40062C324}" srcOrd="0" destOrd="0" presId="urn:microsoft.com/office/officeart/2005/8/layout/lProcess1"/>
+    <dgm:cxn modelId="{0D15869F-EEDE-4720-A92F-B78DC8B0794C}" type="presParOf" srcId="{1EB0C80F-579F-4DA8-B06A-91C921C237EC}" destId="{F7B44F27-8D32-48FF-8826-BD05CF95E4AE}" srcOrd="1" destOrd="0" presId="urn:microsoft.com/office/officeart/2005/8/layout/lProcess1"/>
+    <dgm:cxn modelId="{A247970B-1DA3-4D85-947F-AEDF58D0C159}" type="presParOf" srcId="{1EB0C80F-579F-4DA8-B06A-91C921C237EC}" destId="{6FDF8A16-CCFA-4B31-91B6-8CA6DA9C939B}" srcOrd="2" destOrd="0" presId="urn:microsoft.com/office/officeart/2005/8/layout/lProcess1"/>
+    <dgm:cxn modelId="{D7C9F9A9-3F01-4A2C-B12B-2992B64D728D}" type="presParOf" srcId="{1EB0C80F-579F-4DA8-B06A-91C921C237EC}" destId="{3EBF592A-E30A-45DE-9EDD-356D40AF341D}" srcOrd="3" destOrd="0" presId="urn:microsoft.com/office/officeart/2005/8/layout/lProcess1"/>
+    <dgm:cxn modelId="{9BF39D1D-C176-4F41-B7E9-85EC1F5FA779}" type="presParOf" srcId="{1EB0C80F-579F-4DA8-B06A-91C921C237EC}" destId="{075F371C-8A38-4E55-8551-896D7E61BD98}" srcOrd="4" destOrd="0" presId="urn:microsoft.com/office/officeart/2005/8/layout/lProcess1"/>
+    <dgm:cxn modelId="{F0073369-E6C9-4DF0-A7D5-F47260F4FE6E}" type="presParOf" srcId="{8C660FB0-F113-4893-AEB2-E531D53BC56C}" destId="{681E85F9-7F05-47AF-8EC2-21BF259C8D1D}" srcOrd="1" destOrd="0" presId="urn:microsoft.com/office/officeart/2005/8/layout/lProcess1"/>
+    <dgm:cxn modelId="{B0AA7A75-5B05-4A7D-8F50-1BA23C66A9C7}" type="presParOf" srcId="{8C660FB0-F113-4893-AEB2-E531D53BC56C}" destId="{1ED19F9E-10F0-4927-B169-9067368339C0}" srcOrd="2" destOrd="0" presId="urn:microsoft.com/office/officeart/2005/8/layout/lProcess1"/>
+    <dgm:cxn modelId="{C71B6A58-5F1D-440D-8B05-F8EA1B1C62AF}" type="presParOf" srcId="{1ED19F9E-10F0-4927-B169-9067368339C0}" destId="{2A6CC642-ED98-477F-800C-E6B8666570A2}" srcOrd="0" destOrd="0" presId="urn:microsoft.com/office/officeart/2005/8/layout/lProcess1"/>
+    <dgm:cxn modelId="{61A34C0F-AC62-4BAB-AAA6-671270A36485}" type="presParOf" srcId="{1ED19F9E-10F0-4927-B169-9067368339C0}" destId="{34EFB7F3-3D94-4ACA-BB41-7CF507BC2021}" srcOrd="1" destOrd="0" presId="urn:microsoft.com/office/officeart/2005/8/layout/lProcess1"/>
+    <dgm:cxn modelId="{FEFA2911-9829-493C-826D-626FAE211ECB}" type="presParOf" srcId="{1ED19F9E-10F0-4927-B169-9067368339C0}" destId="{B609AAB9-0315-4ECC-8A96-AD7827E02F8F}" srcOrd="2" destOrd="0" presId="urn:microsoft.com/office/officeart/2005/8/layout/lProcess1"/>
+    <dgm:cxn modelId="{900A3706-A79C-4F03-9603-2E7456586EA4}" type="presParOf" srcId="{1ED19F9E-10F0-4927-B169-9067368339C0}" destId="{24B1C36D-6622-401D-9D69-1D125DD8F20D}" srcOrd="3" destOrd="0" presId="urn:microsoft.com/office/officeart/2005/8/layout/lProcess1"/>
+    <dgm:cxn modelId="{DBAC96EC-CB0F-4539-8B40-6FD229A2F4A9}" type="presParOf" srcId="{1ED19F9E-10F0-4927-B169-9067368339C0}" destId="{DBE052A0-552E-4CF4-869D-0B9EB1893BF1}" srcOrd="4" destOrd="0" presId="urn:microsoft.com/office/officeart/2005/8/layout/lProcess1"/>
+    <dgm:cxn modelId="{AA5F8ACF-2915-478B-BA61-F1F09FC7134D}" type="presParOf" srcId="{8C660FB0-F113-4893-AEB2-E531D53BC56C}" destId="{8F3B1D5C-5294-4347-9CCB-5E9CD0BDC4C0}" srcOrd="3" destOrd="0" presId="urn:microsoft.com/office/officeart/2005/8/layout/lProcess1"/>
+    <dgm:cxn modelId="{B7125D6F-5453-4197-BFA5-68E5726DCDB2}" type="presParOf" srcId="{8C660FB0-F113-4893-AEB2-E531D53BC56C}" destId="{2C0FC90E-D3DC-4900-92E3-01CB83DCDB53}" srcOrd="4" destOrd="0" presId="urn:microsoft.com/office/officeart/2005/8/layout/lProcess1"/>
+    <dgm:cxn modelId="{E0E33EC0-9C4E-42EB-AEBD-F956799FA869}" type="presParOf" srcId="{2C0FC90E-D3DC-4900-92E3-01CB83DCDB53}" destId="{FE29B2E6-0DFD-4E8D-8A1D-A3FEE9155C59}" srcOrd="0" destOrd="0" presId="urn:microsoft.com/office/officeart/2005/8/layout/lProcess1"/>
+    <dgm:cxn modelId="{06609C69-B9D2-4C82-BEE7-CDED80A50150}" type="presParOf" srcId="{2C0FC90E-D3DC-4900-92E3-01CB83DCDB53}" destId="{F27FDEDF-EFBC-406B-845C-1BC921088F27}" srcOrd="1" destOrd="0" presId="urn:microsoft.com/office/officeart/2005/8/layout/lProcess1"/>
+    <dgm:cxn modelId="{C0056F64-C2CC-48EA-9C47-01A7F6FA50CC}" type="presParOf" srcId="{2C0FC90E-D3DC-4900-92E3-01CB83DCDB53}" destId="{147C6C62-E4C1-4262-ABF0-82E969C3FF31}" srcOrd="2" destOrd="0" presId="urn:microsoft.com/office/officeart/2005/8/layout/lProcess1"/>
+    <dgm:cxn modelId="{B169A5FD-715E-4B27-95D7-16B2A217ABC8}" type="presParOf" srcId="{2C0FC90E-D3DC-4900-92E3-01CB83DCDB53}" destId="{280C6913-0113-4971-8841-173AD483A080}" srcOrd="3" destOrd="0" presId="urn:microsoft.com/office/officeart/2005/8/layout/lProcess1"/>
+    <dgm:cxn modelId="{3D0AACD7-BFAC-4C14-B8A1-6B79467C790E}" type="presParOf" srcId="{2C0FC90E-D3DC-4900-92E3-01CB83DCDB53}" destId="{67132EA2-E65B-47AF-8306-9F33DDC80205}" srcOrd="4" destOrd="0" presId="urn:microsoft.com/office/officeart/2005/8/layout/lProcess1"/>
   </dgm:cxnLst>
   <dgm:bg/>
   <dgm:whole/>
@@ -17385,7 +17396,7 @@
             <a:buNone/>
           </a:pPr>
           <a:r>
-            <a:rPr lang="en-US" sz="1900" kern="1200" dirty="0"/>
+            <a:rPr lang="en-US" sz="1900" kern="1200"/>
             <a:t>Objective</a:t>
           </a:r>
         </a:p>
@@ -17491,7 +17502,7 @@
             <a:buNone/>
           </a:pPr>
           <a:r>
-            <a:rPr lang="en-US" sz="1900" kern="1200" dirty="0"/>
+            <a:rPr lang="en-US" sz="1900" kern="1200"/>
             <a:t>The Problem</a:t>
           </a:r>
         </a:p>
@@ -17597,7 +17608,7 @@
             <a:buNone/>
           </a:pPr>
           <a:r>
-            <a:rPr lang="en-US" sz="1900" kern="1200" dirty="0"/>
+            <a:rPr lang="en-US" sz="1900" kern="1200"/>
             <a:t>Requirements</a:t>
           </a:r>
         </a:p>
@@ -17703,7 +17714,7 @@
             <a:buNone/>
           </a:pPr>
           <a:r>
-            <a:rPr lang="en-US" sz="1900" kern="1200" dirty="0"/>
+            <a:rPr lang="en-US" sz="1900" kern="1200"/>
             <a:t>Design Decisions</a:t>
           </a:r>
         </a:p>
@@ -17809,7 +17820,7 @@
             <a:buNone/>
           </a:pPr>
           <a:r>
-            <a:rPr lang="en-US" sz="1900" kern="1200" dirty="0"/>
+            <a:rPr lang="en-US" sz="1900" kern="1200"/>
             <a:t>Design</a:t>
           </a:r>
         </a:p>
@@ -17915,7 +17926,7 @@
             <a:buNone/>
           </a:pPr>
           <a:r>
-            <a:rPr lang="en-US" sz="1900" kern="1200" dirty="0"/>
+            <a:rPr lang="en-US" sz="1900" kern="1200"/>
             <a:t>Implementation</a:t>
           </a:r>
         </a:p>
@@ -18021,7 +18032,7 @@
             <a:buNone/>
           </a:pPr>
           <a:r>
-            <a:rPr lang="en-US" sz="1900" kern="1200" dirty="0"/>
+            <a:rPr lang="en-US" sz="1900" kern="1200"/>
             <a:t>Dependencies</a:t>
           </a:r>
         </a:p>
@@ -18127,7 +18138,7 @@
             <a:buNone/>
           </a:pPr>
           <a:r>
-            <a:rPr lang="en-US" sz="1900" kern="1200" dirty="0"/>
+            <a:rPr lang="en-US" sz="1900" kern="1200"/>
             <a:t>Demo</a:t>
           </a:r>
         </a:p>
@@ -18233,7 +18244,7 @@
             <a:buNone/>
           </a:pPr>
           <a:r>
-            <a:rPr lang="en-US" sz="1900" kern="1200" dirty="0"/>
+            <a:rPr lang="en-US" sz="1900" kern="1200"/>
             <a:t>Testing</a:t>
           </a:r>
         </a:p>
@@ -18339,7 +18350,7 @@
             <a:buNone/>
           </a:pPr>
           <a:r>
-            <a:rPr lang="en-US" sz="1900" kern="1200" dirty="0"/>
+            <a:rPr lang="en-US" sz="1900" kern="1200"/>
             <a:t>Maintainability</a:t>
           </a:r>
         </a:p>
@@ -18445,7 +18456,7 @@
             <a:buNone/>
           </a:pPr>
           <a:r>
-            <a:rPr lang="en-US" sz="1900" kern="1200" dirty="0"/>
+            <a:rPr lang="en-US" sz="1900" kern="1200"/>
             <a:t>Achieved Goals</a:t>
           </a:r>
         </a:p>
@@ -18551,7 +18562,7 @@
             <a:buNone/>
           </a:pPr>
           <a:r>
-            <a:rPr lang="en-US" sz="1900" kern="1200" dirty="0"/>
+            <a:rPr lang="en-US" sz="1900" kern="1200"/>
             <a:t>Conclusion</a:t>
           </a:r>
         </a:p>
@@ -18677,12 +18688,12 @@
             <a:buNone/>
           </a:pPr>
           <a:r>
-            <a:rPr lang="en-US" sz="3300" b="0" i="0" kern="1200" dirty="0">
+            <a:rPr lang="en-US" sz="3300" b="0" i="0" kern="1200">
               <a:latin typeface="Century Gothic" panose="020B0502020202020204"/>
             </a:rPr>
             <a:t>Non-match </a:t>
           </a:r>
-          <a:endParaRPr lang="en-US" sz="3300" kern="1200" dirty="0">
+          <a:endParaRPr lang="en-US" sz="3300" kern="1200">
             <a:latin typeface="Century Gothic" panose="020B0502020202020204"/>
           </a:endParaRPr>
         </a:p>
@@ -18761,12 +18772,12 @@
             <a:buChar char="•"/>
           </a:pPr>
           <a:r>
-            <a:rPr lang="en-US" sz="3300" b="0" i="0" kern="1200" dirty="0">
+            <a:rPr lang="en-US" sz="3300" b="0" i="0" kern="1200">
               <a:latin typeface="Century Gothic"/>
             </a:rPr>
             <a:t>[ 0, 70)</a:t>
           </a:r>
-          <a:endParaRPr lang="en-US" sz="3300" kern="1200" dirty="0">
+          <a:endParaRPr lang="en-US" sz="3300" kern="1200">
             <a:latin typeface="Century Gothic"/>
           </a:endParaRPr>
         </a:p>
@@ -18880,12 +18891,12 @@
             <a:buNone/>
           </a:pPr>
           <a:r>
-            <a:rPr lang="en-US" sz="3300" b="0" i="0" kern="1200" dirty="0">
+            <a:rPr lang="en-US" sz="3300" b="0" i="0" kern="1200">
               <a:latin typeface="Century Gothic"/>
             </a:rPr>
             <a:t>Potential Match</a:t>
           </a:r>
-          <a:endParaRPr lang="en-US" sz="3300" kern="1200" dirty="0">
+          <a:endParaRPr lang="en-US" sz="3300" kern="1200">
             <a:latin typeface="Century Gothic"/>
           </a:endParaRPr>
         </a:p>
@@ -18964,12 +18975,12 @@
             <a:buChar char="•"/>
           </a:pPr>
           <a:r>
-            <a:rPr lang="en-US" sz="3300" b="0" i="0" kern="1200" dirty="0">
+            <a:rPr lang="en-US" sz="3300" b="0" i="0" kern="1200">
               <a:latin typeface="Century Gothic"/>
             </a:rPr>
             <a:t>[70, 90)</a:t>
           </a:r>
-          <a:endParaRPr lang="en-US" sz="3300" kern="1200" dirty="0">
+          <a:endParaRPr lang="en-US" sz="3300" kern="1200">
             <a:latin typeface="Century Gothic"/>
           </a:endParaRPr>
         </a:p>
@@ -19083,12 +19094,12 @@
             <a:buNone/>
           </a:pPr>
           <a:r>
-            <a:rPr lang="en-US" sz="3300" b="0" i="0" kern="1200" dirty="0">
+            <a:rPr lang="en-US" sz="3300" b="0" i="0" kern="1200">
               <a:latin typeface="Century Gothic"/>
             </a:rPr>
             <a:t>Match</a:t>
           </a:r>
-          <a:endParaRPr lang="en-US" sz="3300" kern="1200" dirty="0">
+          <a:endParaRPr lang="en-US" sz="3300" kern="1200">
             <a:latin typeface="Century Gothic"/>
           </a:endParaRPr>
         </a:p>
@@ -19167,12 +19178,12 @@
             <a:buChar char="•"/>
           </a:pPr>
           <a:r>
-            <a:rPr lang="en-US" sz="3300" b="0" i="0" kern="1200" dirty="0">
+            <a:rPr lang="en-US" sz="3300" b="0" i="0" kern="1200">
               <a:latin typeface="Century Gothic"/>
             </a:rPr>
             <a:t>[ 90, 100]</a:t>
           </a:r>
-          <a:endParaRPr lang="en-US" sz="3300" kern="1200" dirty="0">
+          <a:endParaRPr lang="en-US" sz="3300" kern="1200">
             <a:latin typeface="Century Gothic"/>
           </a:endParaRPr>
         </a:p>
@@ -20050,10 +20061,10 @@
             <a:buNone/>
           </a:pPr>
           <a:r>
-            <a:rPr lang="en-US" sz="2300" kern="1200" dirty="0"/>
+            <a:rPr lang="en-US" sz="2300" kern="1200"/>
             <a:t>CSV Parsing</a:t>
           </a:r>
-          <a:endParaRPr lang="en-US" sz="2300" kern="1200" dirty="0">
+          <a:endParaRPr lang="en-US" sz="2300" kern="1200">
             <a:solidFill>
               <a:srgbClr val="010000"/>
             </a:solidFill>
@@ -20135,7 +20146,7 @@
             <a:buChar char="•"/>
           </a:pPr>
           <a:r>
-            <a:rPr lang="en-US" sz="2300" kern="1200" dirty="0"/>
+            <a:rPr lang="en-US" sz="2300" kern="1200"/>
             <a:t>Apache's Commons-CSV Library</a:t>
           </a:r>
         </a:p>
@@ -20249,7 +20260,7 @@
             <a:buNone/>
           </a:pPr>
           <a:r>
-            <a:rPr lang="en-US" sz="2300" kern="1200" dirty="0"/>
+            <a:rPr lang="en-US" sz="2300" kern="1200"/>
             <a:t>Phonetic Encoding</a:t>
           </a:r>
         </a:p>
@@ -20328,7 +20339,7 @@
             <a:buChar char="•"/>
           </a:pPr>
           <a:r>
-            <a:rPr lang="en-US" sz="2300" kern="1200" dirty="0"/>
+            <a:rPr lang="en-US" sz="2300" kern="1200"/>
             <a:t>Apache's Commons-Codec Library</a:t>
           </a:r>
         </a:p>
@@ -20442,7 +20453,7 @@
             <a:buNone/>
           </a:pPr>
           <a:r>
-            <a:rPr lang="en-US" sz="2300" kern="1200" dirty="0"/>
+            <a:rPr lang="en-US" sz="2300" kern="1200"/>
             <a:t>Json Parsing</a:t>
           </a:r>
         </a:p>
@@ -20521,11 +20532,11 @@
             <a:buChar char="•"/>
           </a:pPr>
           <a:r>
-            <a:rPr lang="en-US" sz="2300" kern="1200" dirty="0" err="1"/>
+            <a:rPr lang="en-US" sz="2300" kern="1200" err="1"/>
             <a:t>Org.json's</a:t>
           </a:r>
           <a:r>
-            <a:rPr lang="en-US" sz="2300" kern="1200" dirty="0"/>
+            <a:rPr lang="en-US" sz="2300" kern="1200"/>
             <a:t> JSON library</a:t>
           </a:r>
         </a:p>
@@ -20651,7 +20662,7 @@
             <a:buNone/>
           </a:pPr>
           <a:r>
-            <a:rPr lang="en-US" sz="2100" kern="1200" dirty="0">
+            <a:rPr lang="en-US" sz="2100" kern="1200">
               <a:latin typeface="Corbel"/>
             </a:rPr>
             <a:t>Unit Testing</a:t>
@@ -20732,7 +20743,7 @@
             <a:buChar char="•"/>
           </a:pPr>
           <a:r>
-            <a:rPr lang="en-US" sz="2100" kern="1200" dirty="0">
+            <a:rPr lang="en-US" sz="2100" kern="1200">
               <a:latin typeface="Corbel"/>
             </a:rPr>
             <a:t>Junit's JUnit Library</a:t>
@@ -20848,13 +20859,13 @@
             <a:buNone/>
           </a:pPr>
           <a:r>
-            <a:rPr lang="en-US" sz="2100" kern="1200" dirty="0" err="1">
+            <a:rPr lang="en-US" sz="2100" kern="1200" err="1">
               <a:latin typeface="Corbel"/>
             </a:rPr>
             <a:t>Levenshtein</a:t>
           </a:r>
           <a:r>
-            <a:rPr lang="en-US" sz="2100" kern="1200" dirty="0">
+            <a:rPr lang="en-US" sz="2100" kern="1200">
               <a:latin typeface="Corbel"/>
             </a:rPr>
             <a:t> Distance Ratio</a:t>
@@ -20935,25 +20946,25 @@
             <a:buChar char="•"/>
           </a:pPr>
           <a:r>
-            <a:rPr lang="en-US" sz="2100" kern="1200" dirty="0" err="1">
+            <a:rPr lang="en-US" sz="2100" kern="1200" err="1">
               <a:latin typeface="Corbel"/>
             </a:rPr>
             <a:t>Xdrop's</a:t>
           </a:r>
           <a:r>
-            <a:rPr lang="en-US" sz="2100" kern="1200" dirty="0">
+            <a:rPr lang="en-US" sz="2100" kern="1200">
               <a:latin typeface="Corbel"/>
             </a:rPr>
             <a:t> </a:t>
           </a:r>
           <a:r>
-            <a:rPr lang="en-US" sz="2100" kern="1200" dirty="0" err="1">
+            <a:rPr lang="en-US" sz="2100" kern="1200" err="1">
               <a:latin typeface="Corbel"/>
             </a:rPr>
             <a:t>FuzzyWuzzy</a:t>
           </a:r>
           <a:r>
-            <a:rPr lang="en-US" sz="2100" kern="1200" dirty="0">
+            <a:rPr lang="en-US" sz="2100" kern="1200">
               <a:latin typeface="Corbel"/>
             </a:rPr>
             <a:t> Library</a:t>
@@ -21076,7 +21087,7 @@
             <a:buNone/>
           </a:pPr>
           <a:r>
-            <a:rPr lang="en-US" sz="5200" kern="1200" dirty="0"/>
+            <a:rPr lang="en-US" sz="5200" kern="1200"/>
             <a:t>Readability</a:t>
           </a:r>
         </a:p>
@@ -21185,7 +21196,7 @@
             <a:buNone/>
           </a:pPr>
           <a:r>
-            <a:rPr lang="en-US" sz="5200" kern="1200" dirty="0"/>
+            <a:rPr lang="en-US" sz="5200" kern="1200"/>
             <a:t>Object Oriented Design</a:t>
           </a:r>
         </a:p>
@@ -21294,7 +21305,7 @@
             <a:buNone/>
           </a:pPr>
           <a:r>
-            <a:rPr lang="en-US" sz="5200" kern="1200" dirty="0"/>
+            <a:rPr lang="en-US" sz="5200" kern="1200"/>
             <a:t>Comprehensive Documentation</a:t>
           </a:r>
         </a:p>
@@ -21412,7 +21423,7 @@
             <a:buNone/>
           </a:pPr>
           <a:r>
-            <a:rPr lang="en-US" sz="3500" kern="1200" dirty="0"/>
+            <a:rPr lang="en-US" sz="3500" kern="1200"/>
             <a:t>Simplicity</a:t>
           </a:r>
         </a:p>
@@ -21518,7 +21529,7 @@
             <a:buNone/>
           </a:pPr>
           <a:r>
-            <a:rPr lang="en-US" sz="3500" kern="1200" dirty="0"/>
+            <a:rPr lang="en-US" sz="3500" kern="1200"/>
             <a:t>Readability</a:t>
           </a:r>
         </a:p>
@@ -21624,7 +21635,7 @@
             <a:buNone/>
           </a:pPr>
           <a:r>
-            <a:rPr lang="en-US" sz="3500" kern="1200" dirty="0"/>
+            <a:rPr lang="en-US" sz="3500" kern="1200"/>
             <a:t>Maintainability</a:t>
           </a:r>
         </a:p>
@@ -21715,13 +21726,13 @@
             <a:buNone/>
           </a:pPr>
           <a:r>
-            <a:rPr lang="en-US" sz="2600" b="0" i="0" kern="1200" dirty="0">
+            <a:rPr lang="en-US" sz="2600" b="0" i="0" kern="1200">
               <a:latin typeface="Calibri Light"/>
               <a:cs typeface="Calibri Light"/>
             </a:rPr>
             <a:t>Java is used as the language to create the functionality.</a:t>
           </a:r>
-          <a:endParaRPr lang="en-US" sz="2600" kern="1200" dirty="0">
+          <a:endParaRPr lang="en-US" sz="2600" kern="1200">
             <a:latin typeface="Calibri Light"/>
             <a:cs typeface="Calibri Light"/>
           </a:endParaRPr>
@@ -22001,13 +22012,13 @@
             <a:buNone/>
           </a:pPr>
           <a:r>
-            <a:rPr lang="en-US" sz="2600" b="0" i="0" kern="1200" dirty="0">
+            <a:rPr lang="en-US" sz="2600" b="0" i="0" kern="1200">
               <a:latin typeface="Calibri Light"/>
               <a:cs typeface="Calibri Light"/>
             </a:rPr>
             <a:t>Only freely distributed, open-source dependencies are used. </a:t>
           </a:r>
-          <a:endParaRPr lang="en-US" sz="2600" kern="1200" dirty="0">
+          <a:endParaRPr lang="en-US" sz="2600" kern="1200">
             <a:latin typeface="Calibri Light"/>
             <a:cs typeface="Calibri Light"/>
           </a:endParaRPr>
@@ -23178,7 +23189,6 @@
             <a:rPr lang="en-US" sz="5600" kern="1200"/>
             <a:t> Build automation tool</a:t>
           </a:r>
-          <a:endParaRPr lang="en-US" sz="5600" kern="1200" dirty="0"/>
         </a:p>
       </dsp:txBody>
       <dsp:txXfrm>
@@ -24091,20 +24101,18 @@
       <dsp:cNvGrpSpPr/>
     </dsp:nvGrpSpPr>
     <dsp:grpSpPr/>
-    <dsp:sp modelId="{A6359751-46CD-4381-910F-8DCCC35D1B87}">
+    <dsp:sp modelId="{E5406326-FBB7-404D-9842-5E50458CA793}">
       <dsp:nvSpPr>
         <dsp:cNvPr id="0" name=""/>
         <dsp:cNvSpPr/>
       </dsp:nvSpPr>
       <dsp:spPr>
         <a:xfrm>
-          <a:off x="11085" y="129804"/>
-          <a:ext cx="2436862" cy="731058"/>
+          <a:off x="3952" y="215346"/>
+          <a:ext cx="2376667" cy="576000"/>
         </a:xfrm>
-        <a:prstGeom prst="chevron">
-          <a:avLst>
-            <a:gd name="adj" fmla="val 30000"/>
-          </a:avLst>
+        <a:prstGeom prst="rect">
+          <a:avLst/>
         </a:prstGeom>
         <a:gradFill rotWithShape="0">
           <a:gsLst>
@@ -24157,9 +24165,9 @@
           <a:prstDash val="solid"/>
         </a:ln>
         <a:effectLst>
-          <a:outerShdw blurRad="50800" dist="15875" dir="5400000" algn="ctr" rotWithShape="0">
+          <a:outerShdw blurRad="88900" dist="27940" dir="5400000" algn="ctr" rotWithShape="0">
             <a:srgbClr val="000000">
-              <a:alpha val="68000"/>
+              <a:alpha val="63000"/>
             </a:srgbClr>
           </a:outerShdw>
         </a:effectLst>
@@ -24171,7 +24179,7 @@
         <a:fillRef idx="3">
           <a:scrgbClr r="0" g="0" b="0"/>
         </a:fillRef>
-        <a:effectRef idx="2">
+        <a:effectRef idx="3">
           <a:scrgbClr r="0" g="0" b="0"/>
         </a:effectRef>
         <a:fontRef idx="minor">
@@ -24179,12 +24187,12 @@
         </a:fontRef>
       </dsp:style>
       <dsp:txBody>
-        <a:bodyPr spcFirstLastPara="0" vert="horz" wrap="square" lIns="90265" tIns="90265" rIns="90265" bIns="90265" numCol="1" spcCol="1270" anchor="ctr" anchorCtr="0">
+        <a:bodyPr spcFirstLastPara="0" vert="horz" wrap="square" lIns="142240" tIns="81280" rIns="142240" bIns="81280" numCol="1" spcCol="1270" anchor="ctr" anchorCtr="0">
           <a:noAutofit/>
         </a:bodyPr>
         <a:lstStyle/>
         <a:p>
-          <a:pPr marL="0" lvl="0" indent="0" algn="ctr" defTabSz="1244600">
+          <a:pPr marL="0" lvl="0" indent="0" algn="ctr" defTabSz="889000">
             <a:lnSpc>
               <a:spcPct val="90000"/>
             </a:lnSpc>
@@ -24197,25 +24205,25 @@
             <a:buNone/>
           </a:pPr>
           <a:r>
-            <a:rPr lang="en-US" sz="2800" kern="1200" dirty="0"/>
+            <a:rPr lang="en-US" sz="2000" kern="1200" dirty="0"/>
             <a:t>Remove</a:t>
           </a:r>
         </a:p>
       </dsp:txBody>
       <dsp:txXfrm>
-        <a:off x="230402" y="129804"/>
-        <a:ext cx="1998228" cy="731058"/>
+        <a:off x="3952" y="215346"/>
+        <a:ext cx="2376667" cy="576000"/>
       </dsp:txXfrm>
     </dsp:sp>
-    <dsp:sp modelId="{22B1D367-372A-4F0B-90D4-878ABC3231A6}">
+    <dsp:sp modelId="{F9C3E665-B8BB-4E61-BAC8-B3A52C325D35}">
       <dsp:nvSpPr>
         <dsp:cNvPr id="0" name=""/>
         <dsp:cNvSpPr/>
       </dsp:nvSpPr>
       <dsp:spPr>
         <a:xfrm>
-          <a:off x="11085" y="860863"/>
-          <a:ext cx="2217545" cy="2432015"/>
+          <a:off x="3952" y="791346"/>
+          <a:ext cx="2376667" cy="3033305"/>
         </a:xfrm>
         <a:prstGeom prst="rect">
           <a:avLst/>
@@ -24243,7 +24251,13 @@
           </a:solidFill>
           <a:prstDash val="solid"/>
         </a:ln>
-        <a:effectLst/>
+        <a:effectLst>
+          <a:outerShdw blurRad="50800" dist="15875" dir="5400000" algn="ctr" rotWithShape="0">
+            <a:srgbClr val="000000">
+              <a:alpha val="68000"/>
+            </a:srgbClr>
+          </a:outerShdw>
+        </a:effectLst>
       </dsp:spPr>
       <dsp:style>
         <a:lnRef idx="1">
@@ -24252,36 +24266,18 @@
         <a:fillRef idx="1">
           <a:scrgbClr r="0" g="0" b="0"/>
         </a:fillRef>
-        <a:effectRef idx="0">
+        <a:effectRef idx="2">
           <a:scrgbClr r="0" g="0" b="0"/>
         </a:effectRef>
         <a:fontRef idx="minor"/>
       </dsp:style>
       <dsp:txBody>
-        <a:bodyPr spcFirstLastPara="0" vert="horz" wrap="square" lIns="175235" tIns="175235" rIns="175235" bIns="350471" numCol="1" spcCol="1270" anchor="t" anchorCtr="0">
+        <a:bodyPr spcFirstLastPara="0" vert="horz" wrap="square" lIns="106680" tIns="106680" rIns="142240" bIns="160020" numCol="1" spcCol="1270" anchor="t" anchorCtr="0">
           <a:noAutofit/>
         </a:bodyPr>
         <a:lstStyle/>
         <a:p>
-          <a:pPr marL="0" lvl="0" indent="0" algn="l" defTabSz="889000">
-            <a:lnSpc>
-              <a:spcPct val="90000"/>
-            </a:lnSpc>
-            <a:spcBef>
-              <a:spcPct val="0"/>
-            </a:spcBef>
-            <a:spcAft>
-              <a:spcPct val="35000"/>
-            </a:spcAft>
-            <a:buNone/>
-          </a:pPr>
-          <a:r>
-            <a:rPr lang="en-US" sz="2000" kern="1200" dirty="0"/>
-            <a:t>Unwanted characters </a:t>
-          </a:r>
-        </a:p>
-        <a:p>
-          <a:pPr marL="171450" lvl="1" indent="-171450" algn="l" defTabSz="711200">
+          <a:pPr marL="228600" lvl="1" indent="-228600" algn="l" defTabSz="889000">
             <a:lnSpc>
               <a:spcPct val="90000"/>
             </a:lnSpc>
@@ -24294,30 +24290,46 @@
             <a:buChar char="•"/>
           </a:pPr>
           <a:r>
-            <a:rPr lang="en-US" sz="1600" kern="1200" dirty="0"/>
+            <a:rPr lang="en-US" sz="2000" kern="1200" dirty="0"/>
+            <a:t>Unwanted characters </a:t>
+          </a:r>
+        </a:p>
+        <a:p>
+          <a:pPr marL="457200" lvl="2" indent="-228600" algn="l" defTabSz="889000">
+            <a:lnSpc>
+              <a:spcPct val="90000"/>
+            </a:lnSpc>
+            <a:spcBef>
+              <a:spcPct val="0"/>
+            </a:spcBef>
+            <a:spcAft>
+              <a:spcPct val="15000"/>
+            </a:spcAft>
+            <a:buChar char="•"/>
+          </a:pPr>
+          <a:r>
+            <a:rPr lang="en-US" sz="2000" kern="1200" dirty="0"/>
             <a:t>Punctuation, tabs, new lines</a:t>
           </a:r>
         </a:p>
       </dsp:txBody>
       <dsp:txXfrm>
-        <a:off x="11085" y="860863"/>
-        <a:ext cx="2217545" cy="2432015"/>
+        <a:off x="3952" y="791346"/>
+        <a:ext cx="2376667" cy="3033305"/>
       </dsp:txXfrm>
     </dsp:sp>
-    <dsp:sp modelId="{8E668663-EAC7-4C63-8A1B-4CC234B5BDB1}">
+    <dsp:sp modelId="{F42C6B58-D9EE-448A-948D-50CDFC4BDCA9}">
       <dsp:nvSpPr>
         <dsp:cNvPr id="0" name=""/>
         <dsp:cNvSpPr/>
       </dsp:nvSpPr>
       <dsp:spPr>
         <a:xfrm>
-          <a:off x="2399868" y="129804"/>
-          <a:ext cx="2436862" cy="731058"/>
+          <a:off x="2713353" y="215346"/>
+          <a:ext cx="2376667" cy="576000"/>
         </a:xfrm>
-        <a:prstGeom prst="chevron">
-          <a:avLst>
-            <a:gd name="adj" fmla="val 30000"/>
-          </a:avLst>
+        <a:prstGeom prst="rect">
+          <a:avLst/>
         </a:prstGeom>
         <a:gradFill rotWithShape="0">
           <a:gsLst>
@@ -24370,9 +24382,9 @@
           <a:prstDash val="solid"/>
         </a:ln>
         <a:effectLst>
-          <a:outerShdw blurRad="50800" dist="15875" dir="5400000" algn="ctr" rotWithShape="0">
+          <a:outerShdw blurRad="88900" dist="27940" dir="5400000" algn="ctr" rotWithShape="0">
             <a:srgbClr val="000000">
-              <a:alpha val="68000"/>
+              <a:alpha val="63000"/>
             </a:srgbClr>
           </a:outerShdw>
         </a:effectLst>
@@ -24384,7 +24396,7 @@
         <a:fillRef idx="3">
           <a:scrgbClr r="0" g="0" b="0"/>
         </a:fillRef>
-        <a:effectRef idx="2">
+        <a:effectRef idx="3">
           <a:scrgbClr r="0" g="0" b="0"/>
         </a:effectRef>
         <a:fontRef idx="minor">
@@ -24392,12 +24404,12 @@
         </a:fontRef>
       </dsp:style>
       <dsp:txBody>
-        <a:bodyPr spcFirstLastPara="0" vert="horz" wrap="square" lIns="90265" tIns="90265" rIns="90265" bIns="90265" numCol="1" spcCol="1270" anchor="ctr" anchorCtr="0">
+        <a:bodyPr spcFirstLastPara="0" vert="horz" wrap="square" lIns="142240" tIns="81280" rIns="142240" bIns="81280" numCol="1" spcCol="1270" anchor="ctr" anchorCtr="0">
           <a:noAutofit/>
         </a:bodyPr>
         <a:lstStyle/>
         <a:p>
-          <a:pPr marL="0" lvl="0" indent="0" algn="ctr" defTabSz="1244600">
+          <a:pPr marL="0" lvl="0" indent="0" algn="ctr" defTabSz="889000">
             <a:lnSpc>
               <a:spcPct val="90000"/>
             </a:lnSpc>
@@ -24410,25 +24422,25 @@
             <a:buNone/>
           </a:pPr>
           <a:r>
-            <a:rPr lang="en-US" sz="2800" kern="1200" dirty="0"/>
+            <a:rPr lang="en-US" sz="2000" kern="1200" dirty="0"/>
             <a:t>Trim</a:t>
           </a:r>
         </a:p>
       </dsp:txBody>
       <dsp:txXfrm>
-        <a:off x="2619185" y="129804"/>
-        <a:ext cx="1998228" cy="731058"/>
+        <a:off x="2713353" y="215346"/>
+        <a:ext cx="2376667" cy="576000"/>
       </dsp:txXfrm>
     </dsp:sp>
-    <dsp:sp modelId="{37A930D6-309C-4A24-A493-FE698F45A226}">
+    <dsp:sp modelId="{AD9DE300-977E-4F8C-9E3C-5D6C98F0CBE0}">
       <dsp:nvSpPr>
         <dsp:cNvPr id="0" name=""/>
         <dsp:cNvSpPr/>
       </dsp:nvSpPr>
       <dsp:spPr>
         <a:xfrm>
-          <a:off x="2399868" y="860863"/>
-          <a:ext cx="2217545" cy="2432015"/>
+          <a:off x="2713353" y="791346"/>
+          <a:ext cx="2376667" cy="3033305"/>
         </a:xfrm>
         <a:prstGeom prst="rect">
           <a:avLst/>
@@ -24456,7 +24468,13 @@
           </a:solidFill>
           <a:prstDash val="solid"/>
         </a:ln>
-        <a:effectLst/>
+        <a:effectLst>
+          <a:outerShdw blurRad="50800" dist="15875" dir="5400000" algn="ctr" rotWithShape="0">
+            <a:srgbClr val="000000">
+              <a:alpha val="68000"/>
+            </a:srgbClr>
+          </a:outerShdw>
+        </a:effectLst>
       </dsp:spPr>
       <dsp:style>
         <a:lnRef idx="1">
@@ -24465,18 +24483,18 @@
         <a:fillRef idx="1">
           <a:scrgbClr r="0" g="0" b="0"/>
         </a:fillRef>
-        <a:effectRef idx="0">
+        <a:effectRef idx="2">
           <a:scrgbClr r="0" g="0" b="0"/>
         </a:effectRef>
         <a:fontRef idx="minor"/>
       </dsp:style>
       <dsp:txBody>
-        <a:bodyPr spcFirstLastPara="0" vert="horz" wrap="square" lIns="175235" tIns="175235" rIns="175235" bIns="350471" numCol="1" spcCol="1270" anchor="t" anchorCtr="0">
+        <a:bodyPr spcFirstLastPara="0" vert="horz" wrap="square" lIns="106680" tIns="106680" rIns="142240" bIns="160020" numCol="1" spcCol="1270" anchor="t" anchorCtr="0">
           <a:noAutofit/>
         </a:bodyPr>
         <a:lstStyle/>
         <a:p>
-          <a:pPr marL="0" lvl="0" indent="0" algn="l" defTabSz="889000">
+          <a:pPr marL="228600" lvl="1" indent="-228600" algn="l" defTabSz="889000">
             <a:lnSpc>
               <a:spcPct val="90000"/>
             </a:lnSpc>
@@ -24484,9 +24502,9 @@
               <a:spcPct val="0"/>
             </a:spcBef>
             <a:spcAft>
-              <a:spcPct val="35000"/>
+              <a:spcPct val="15000"/>
             </a:spcAft>
-            <a:buNone/>
+            <a:buChar char="•"/>
           </a:pPr>
           <a:r>
             <a:rPr lang="en-US" sz="2000" kern="1200" dirty="0"/>
@@ -24495,24 +24513,22 @@
         </a:p>
       </dsp:txBody>
       <dsp:txXfrm>
-        <a:off x="2399868" y="860863"/>
-        <a:ext cx="2217545" cy="2432015"/>
+        <a:off x="2713353" y="791346"/>
+        <a:ext cx="2376667" cy="3033305"/>
       </dsp:txXfrm>
     </dsp:sp>
-    <dsp:sp modelId="{C16B4BFE-F133-421F-A0E9-D1FCAA5F555D}">
+    <dsp:sp modelId="{A9488153-CE7A-4FE3-887C-2CFC8E597351}">
       <dsp:nvSpPr>
         <dsp:cNvPr id="0" name=""/>
         <dsp:cNvSpPr/>
       </dsp:nvSpPr>
       <dsp:spPr>
         <a:xfrm>
-          <a:off x="4788651" y="129804"/>
-          <a:ext cx="2436862" cy="731058"/>
+          <a:off x="5422754" y="215346"/>
+          <a:ext cx="2376667" cy="576000"/>
         </a:xfrm>
-        <a:prstGeom prst="chevron">
-          <a:avLst>
-            <a:gd name="adj" fmla="val 30000"/>
-          </a:avLst>
+        <a:prstGeom prst="rect">
+          <a:avLst/>
         </a:prstGeom>
         <a:gradFill rotWithShape="0">
           <a:gsLst>
@@ -24565,9 +24581,9 @@
           <a:prstDash val="solid"/>
         </a:ln>
         <a:effectLst>
-          <a:outerShdw blurRad="50800" dist="15875" dir="5400000" algn="ctr" rotWithShape="0">
+          <a:outerShdw blurRad="88900" dist="27940" dir="5400000" algn="ctr" rotWithShape="0">
             <a:srgbClr val="000000">
-              <a:alpha val="68000"/>
+              <a:alpha val="63000"/>
             </a:srgbClr>
           </a:outerShdw>
         </a:effectLst>
@@ -24579,7 +24595,7 @@
         <a:fillRef idx="3">
           <a:scrgbClr r="0" g="0" b="0"/>
         </a:fillRef>
-        <a:effectRef idx="2">
+        <a:effectRef idx="3">
           <a:scrgbClr r="0" g="0" b="0"/>
         </a:effectRef>
         <a:fontRef idx="minor">
@@ -24587,12 +24603,12 @@
         </a:fontRef>
       </dsp:style>
       <dsp:txBody>
-        <a:bodyPr spcFirstLastPara="0" vert="horz" wrap="square" lIns="90265" tIns="90265" rIns="90265" bIns="90265" numCol="1" spcCol="1270" anchor="ctr" anchorCtr="0">
+        <a:bodyPr spcFirstLastPara="0" vert="horz" wrap="square" lIns="142240" tIns="81280" rIns="142240" bIns="81280" numCol="1" spcCol="1270" anchor="ctr" anchorCtr="0">
           <a:noAutofit/>
         </a:bodyPr>
         <a:lstStyle/>
         <a:p>
-          <a:pPr marL="0" lvl="0" indent="0" algn="ctr" defTabSz="1244600">
+          <a:pPr marL="0" lvl="0" indent="0" algn="ctr" defTabSz="889000">
             <a:lnSpc>
               <a:spcPct val="90000"/>
             </a:lnSpc>
@@ -24605,25 +24621,25 @@
             <a:buNone/>
           </a:pPr>
           <a:r>
-            <a:rPr lang="en-US" sz="2800" kern="1200" dirty="0"/>
+            <a:rPr lang="en-US" sz="2000" kern="1200" dirty="0"/>
             <a:t>Combine</a:t>
           </a:r>
         </a:p>
       </dsp:txBody>
       <dsp:txXfrm>
-        <a:off x="5007968" y="129804"/>
-        <a:ext cx="1998228" cy="731058"/>
+        <a:off x="5422754" y="215346"/>
+        <a:ext cx="2376667" cy="576000"/>
       </dsp:txXfrm>
     </dsp:sp>
-    <dsp:sp modelId="{4ECA84B0-2EE2-49A4-83D1-BB76CEBF0141}">
+    <dsp:sp modelId="{CE2966C5-A7A0-404F-8C3A-2B9C75C5BC41}">
       <dsp:nvSpPr>
         <dsp:cNvPr id="0" name=""/>
         <dsp:cNvSpPr/>
       </dsp:nvSpPr>
       <dsp:spPr>
         <a:xfrm>
-          <a:off x="4788651" y="860863"/>
-          <a:ext cx="2217545" cy="2432015"/>
+          <a:off x="5422754" y="791346"/>
+          <a:ext cx="2376667" cy="3033305"/>
         </a:xfrm>
         <a:prstGeom prst="rect">
           <a:avLst/>
@@ -24651,7 +24667,13 @@
           </a:solidFill>
           <a:prstDash val="solid"/>
         </a:ln>
-        <a:effectLst/>
+        <a:effectLst>
+          <a:outerShdw blurRad="50800" dist="15875" dir="5400000" algn="ctr" rotWithShape="0">
+            <a:srgbClr val="000000">
+              <a:alpha val="68000"/>
+            </a:srgbClr>
+          </a:outerShdw>
+        </a:effectLst>
       </dsp:spPr>
       <dsp:style>
         <a:lnRef idx="1">
@@ -24660,36 +24682,18 @@
         <a:fillRef idx="1">
           <a:scrgbClr r="0" g="0" b="0"/>
         </a:fillRef>
-        <a:effectRef idx="0">
+        <a:effectRef idx="2">
           <a:scrgbClr r="0" g="0" b="0"/>
         </a:effectRef>
         <a:fontRef idx="minor"/>
       </dsp:style>
       <dsp:txBody>
-        <a:bodyPr spcFirstLastPara="0" vert="horz" wrap="square" lIns="175235" tIns="175235" rIns="175235" bIns="350471" numCol="1" spcCol="1270" anchor="t" anchorCtr="0">
+        <a:bodyPr spcFirstLastPara="0" vert="horz" wrap="square" lIns="106680" tIns="106680" rIns="142240" bIns="160020" numCol="1" spcCol="1270" anchor="t" anchorCtr="0">
           <a:noAutofit/>
         </a:bodyPr>
         <a:lstStyle/>
         <a:p>
-          <a:pPr marL="0" lvl="0" indent="0" algn="l" defTabSz="889000">
-            <a:lnSpc>
-              <a:spcPct val="90000"/>
-            </a:lnSpc>
-            <a:spcBef>
-              <a:spcPct val="0"/>
-            </a:spcBef>
-            <a:spcAft>
-              <a:spcPct val="35000"/>
-            </a:spcAft>
-            <a:buNone/>
-          </a:pPr>
-          <a:r>
-            <a:rPr lang="en-US" sz="2000" kern="1200" dirty="0"/>
-            <a:t>Related fields into a single field </a:t>
-          </a:r>
-        </a:p>
-        <a:p>
-          <a:pPr marL="171450" lvl="1" indent="-171450" algn="l" defTabSz="711200">
+          <a:pPr marL="228600" lvl="1" indent="-228600" algn="l" defTabSz="889000">
             <a:lnSpc>
               <a:spcPct val="90000"/>
             </a:lnSpc>
@@ -24702,12 +24706,12 @@
             <a:buChar char="•"/>
           </a:pPr>
           <a:r>
-            <a:rPr lang="en-US" sz="1600" kern="1200" dirty="0"/>
-            <a:t>Ex. </a:t>
+            <a:rPr lang="en-US" sz="2000" kern="1200" dirty="0"/>
+            <a:t>Related fields into a single field </a:t>
           </a:r>
         </a:p>
         <a:p>
-          <a:pPr marL="342900" lvl="2" indent="-171450" algn="l" defTabSz="711200">
+          <a:pPr marL="457200" lvl="2" indent="-228600" algn="l" defTabSz="889000">
             <a:lnSpc>
               <a:spcPct val="90000"/>
             </a:lnSpc>
@@ -24720,27 +24724,12 @@
             <a:buChar char="•"/>
           </a:pPr>
           <a:r>
-            <a:rPr lang="en-US" sz="1600" kern="1200" dirty="0"/>
-            <a:t>Address_1 &amp; Address_2 </a:t>
+            <a:rPr lang="en-US" sz="2000" kern="1200" dirty="0"/>
+            <a:t>Ex. </a:t>
           </a:r>
         </a:p>
         <a:p>
-          <a:pPr marL="171450" lvl="1" indent="-171450" algn="l" defTabSz="711200">
-            <a:lnSpc>
-              <a:spcPct val="90000"/>
-            </a:lnSpc>
-            <a:spcBef>
-              <a:spcPct val="0"/>
-            </a:spcBef>
-            <a:spcAft>
-              <a:spcPct val="15000"/>
-            </a:spcAft>
-            <a:buChar char="•"/>
-          </a:pPr>
-          <a:endParaRPr lang="en-US" sz="1600" kern="1200" dirty="0"/>
-        </a:p>
-        <a:p>
-          <a:pPr marL="342900" lvl="2" indent="-171450" algn="l" defTabSz="711200">
+          <a:pPr marL="685800" lvl="3" indent="-228600" algn="l" defTabSz="889000">
             <a:lnSpc>
               <a:spcPct val="90000"/>
             </a:lnSpc>
@@ -24753,30 +24742,76 @@
             <a:buChar char="•"/>
           </a:pPr>
           <a:r>
-            <a:rPr lang="en-US" sz="1600" kern="1200" dirty="0"/>
+            <a:rPr lang="en-US" sz="2000" kern="1200" dirty="0"/>
+            <a:t>Address_1 &amp; Address_2 </a:t>
+          </a:r>
+        </a:p>
+        <a:p>
+          <a:pPr marL="914400" lvl="4" indent="-228600" algn="l" defTabSz="889000">
+            <a:lnSpc>
+              <a:spcPct val="90000"/>
+            </a:lnSpc>
+            <a:spcBef>
+              <a:spcPct val="0"/>
+            </a:spcBef>
+            <a:spcAft>
+              <a:spcPct val="15000"/>
+            </a:spcAft>
+            <a:buChar char="•"/>
+          </a:pPr>
+          <a:endParaRPr lang="en-US" sz="2000" kern="1200"/>
+        </a:p>
+        <a:p>
+          <a:pPr marL="914400" lvl="4" indent="-228600" algn="l" defTabSz="889000">
+            <a:lnSpc>
+              <a:spcPct val="90000"/>
+            </a:lnSpc>
+            <a:spcBef>
+              <a:spcPct val="0"/>
+            </a:spcBef>
+            <a:spcAft>
+              <a:spcPct val="15000"/>
+            </a:spcAft>
+            <a:buChar char="•"/>
+          </a:pPr>
+          <a:endParaRPr lang="en-US" sz="2000" kern="1200" dirty="0"/>
+        </a:p>
+        <a:p>
+          <a:pPr marL="685800" lvl="3" indent="-228600" algn="l" defTabSz="889000">
+            <a:lnSpc>
+              <a:spcPct val="90000"/>
+            </a:lnSpc>
+            <a:spcBef>
+              <a:spcPct val="0"/>
+            </a:spcBef>
+            <a:spcAft>
+              <a:spcPct val="15000"/>
+            </a:spcAft>
+            <a:buChar char="•"/>
+          </a:pPr>
+          <a:r>
+            <a:rPr lang="en-US" sz="2000" kern="1200" dirty="0"/>
             <a:t>Address</a:t>
           </a:r>
         </a:p>
       </dsp:txBody>
       <dsp:txXfrm>
-        <a:off x="4788651" y="860863"/>
-        <a:ext cx="2217545" cy="2432015"/>
+        <a:off x="5422754" y="791346"/>
+        <a:ext cx="2376667" cy="3033305"/>
       </dsp:txXfrm>
     </dsp:sp>
-    <dsp:sp modelId="{3EF28675-B936-4184-AC81-23D5B485381F}">
+    <dsp:sp modelId="{C002646F-ED7E-4E38-BE1B-E290CE09F2CD}">
       <dsp:nvSpPr>
         <dsp:cNvPr id="0" name=""/>
         <dsp:cNvSpPr/>
       </dsp:nvSpPr>
       <dsp:spPr>
         <a:xfrm>
-          <a:off x="7177434" y="129804"/>
-          <a:ext cx="2436862" cy="731058"/>
+          <a:off x="8132155" y="215346"/>
+          <a:ext cx="2376667" cy="576000"/>
         </a:xfrm>
-        <a:prstGeom prst="chevron">
-          <a:avLst>
-            <a:gd name="adj" fmla="val 30000"/>
-          </a:avLst>
+        <a:prstGeom prst="rect">
+          <a:avLst/>
         </a:prstGeom>
         <a:gradFill rotWithShape="0">
           <a:gsLst>
@@ -24829,9 +24864,9 @@
           <a:prstDash val="solid"/>
         </a:ln>
         <a:effectLst>
-          <a:outerShdw blurRad="50800" dist="15875" dir="5400000" algn="ctr" rotWithShape="0">
+          <a:outerShdw blurRad="88900" dist="27940" dir="5400000" algn="ctr" rotWithShape="0">
             <a:srgbClr val="000000">
-              <a:alpha val="68000"/>
+              <a:alpha val="63000"/>
             </a:srgbClr>
           </a:outerShdw>
         </a:effectLst>
@@ -24843,7 +24878,7 @@
         <a:fillRef idx="3">
           <a:scrgbClr r="0" g="0" b="0"/>
         </a:fillRef>
-        <a:effectRef idx="2">
+        <a:effectRef idx="3">
           <a:scrgbClr r="0" g="0" b="0"/>
         </a:effectRef>
         <a:fontRef idx="minor">
@@ -24851,12 +24886,12 @@
         </a:fontRef>
       </dsp:style>
       <dsp:txBody>
-        <a:bodyPr spcFirstLastPara="0" vert="horz" wrap="square" lIns="90265" tIns="90265" rIns="90265" bIns="90265" numCol="1" spcCol="1270" anchor="ctr" anchorCtr="0">
+        <a:bodyPr spcFirstLastPara="0" vert="horz" wrap="square" lIns="142240" tIns="81280" rIns="142240" bIns="81280" numCol="1" spcCol="1270" anchor="ctr" anchorCtr="0">
           <a:noAutofit/>
         </a:bodyPr>
         <a:lstStyle/>
         <a:p>
-          <a:pPr marL="0" lvl="0" indent="0" algn="ctr" defTabSz="1244600">
+          <a:pPr marL="0" lvl="0" indent="0" algn="ctr" defTabSz="889000">
             <a:lnSpc>
               <a:spcPct val="90000"/>
             </a:lnSpc>
@@ -24869,25 +24904,25 @@
             <a:buNone/>
           </a:pPr>
           <a:r>
-            <a:rPr lang="en-US" sz="2800" kern="1200" dirty="0"/>
+            <a:rPr lang="en-US" sz="2000" kern="1200" dirty="0"/>
             <a:t>Standardize</a:t>
           </a:r>
         </a:p>
       </dsp:txBody>
       <dsp:txXfrm>
-        <a:off x="7396751" y="129804"/>
-        <a:ext cx="1998228" cy="731058"/>
+        <a:off x="8132155" y="215346"/>
+        <a:ext cx="2376667" cy="576000"/>
       </dsp:txXfrm>
     </dsp:sp>
-    <dsp:sp modelId="{F71CD58C-220C-4B5B-9366-7BD356E2E394}">
+    <dsp:sp modelId="{F6A86B51-9EDB-46C6-9470-D3F22EDEADA5}">
       <dsp:nvSpPr>
         <dsp:cNvPr id="0" name=""/>
         <dsp:cNvSpPr/>
       </dsp:nvSpPr>
       <dsp:spPr>
         <a:xfrm>
-          <a:off x="7177434" y="860863"/>
-          <a:ext cx="2217545" cy="2432015"/>
+          <a:off x="8132155" y="791346"/>
+          <a:ext cx="2376667" cy="3033305"/>
         </a:xfrm>
         <a:prstGeom prst="rect">
           <a:avLst/>
@@ -24915,7 +24950,13 @@
           </a:solidFill>
           <a:prstDash val="solid"/>
         </a:ln>
-        <a:effectLst/>
+        <a:effectLst>
+          <a:outerShdw blurRad="50800" dist="15875" dir="5400000" algn="ctr" rotWithShape="0">
+            <a:srgbClr val="000000">
+              <a:alpha val="68000"/>
+            </a:srgbClr>
+          </a:outerShdw>
+        </a:effectLst>
       </dsp:spPr>
       <dsp:style>
         <a:lnRef idx="1">
@@ -24924,36 +24965,18 @@
         <a:fillRef idx="1">
           <a:scrgbClr r="0" g="0" b="0"/>
         </a:fillRef>
-        <a:effectRef idx="0">
+        <a:effectRef idx="2">
           <a:scrgbClr r="0" g="0" b="0"/>
         </a:effectRef>
         <a:fontRef idx="minor"/>
       </dsp:style>
       <dsp:txBody>
-        <a:bodyPr spcFirstLastPara="0" vert="horz" wrap="square" lIns="175235" tIns="175235" rIns="175235" bIns="350471" numCol="1" spcCol="1270" anchor="t" anchorCtr="0">
+        <a:bodyPr spcFirstLastPara="0" vert="horz" wrap="square" lIns="106680" tIns="106680" rIns="142240" bIns="160020" numCol="1" spcCol="1270" anchor="t" anchorCtr="0">
           <a:noAutofit/>
         </a:bodyPr>
         <a:lstStyle/>
         <a:p>
-          <a:pPr marL="0" lvl="0" indent="0" algn="l" defTabSz="889000">
-            <a:lnSpc>
-              <a:spcPct val="90000"/>
-            </a:lnSpc>
-            <a:spcBef>
-              <a:spcPct val="0"/>
-            </a:spcBef>
-            <a:spcAft>
-              <a:spcPct val="35000"/>
-            </a:spcAft>
-            <a:buNone/>
-          </a:pPr>
-          <a:r>
-            <a:rPr lang="en-US" sz="2000" kern="1200" dirty="0"/>
-            <a:t>Common address abbreviations</a:t>
-          </a:r>
-        </a:p>
-        <a:p>
-          <a:pPr marL="171450" lvl="1" indent="-171450" algn="l" defTabSz="711200">
+          <a:pPr marL="228600" lvl="1" indent="-228600" algn="l" defTabSz="889000">
             <a:lnSpc>
               <a:spcPct val="90000"/>
             </a:lnSpc>
@@ -24966,12 +24989,12 @@
             <a:buChar char="•"/>
           </a:pPr>
           <a:r>
-            <a:rPr lang="en-US" sz="1600" kern="1200" dirty="0"/>
-            <a:t>Ex. </a:t>
+            <a:rPr lang="en-US" sz="2000" kern="1200" dirty="0"/>
+            <a:t>Common address abbreviations</a:t>
           </a:r>
         </a:p>
         <a:p>
-          <a:pPr marL="342900" lvl="2" indent="-171450" algn="l" defTabSz="711200">
+          <a:pPr marL="457200" lvl="2" indent="-228600" algn="l" defTabSz="889000">
             <a:lnSpc>
               <a:spcPct val="90000"/>
             </a:lnSpc>
@@ -24984,27 +25007,12 @@
             <a:buChar char="•"/>
           </a:pPr>
           <a:r>
-            <a:rPr lang="en-US" sz="1600" kern="1200" dirty="0"/>
-            <a:t>123 N State St</a:t>
+            <a:rPr lang="en-US" sz="2000" kern="1200" dirty="0"/>
+            <a:t>Ex. </a:t>
           </a:r>
         </a:p>
         <a:p>
-          <a:pPr marL="342900" lvl="2" indent="-171450" algn="l" defTabSz="711200">
-            <a:lnSpc>
-              <a:spcPct val="90000"/>
-            </a:lnSpc>
-            <a:spcBef>
-              <a:spcPct val="0"/>
-            </a:spcBef>
-            <a:spcAft>
-              <a:spcPct val="15000"/>
-            </a:spcAft>
-            <a:buChar char="•"/>
-          </a:pPr>
-          <a:endParaRPr lang="en-US" sz="1600" kern="1200" dirty="0"/>
-        </a:p>
-        <a:p>
-          <a:pPr marL="342900" lvl="2" indent="-171450" algn="l" defTabSz="711200">
+          <a:pPr marL="685800" lvl="3" indent="-228600" algn="l" defTabSz="889000">
             <a:lnSpc>
               <a:spcPct val="90000"/>
             </a:lnSpc>
@@ -25017,14 +25025,62 @@
             <a:buChar char="•"/>
           </a:pPr>
           <a:r>
-            <a:rPr lang="en-US" sz="1600" kern="1200" dirty="0"/>
+            <a:rPr lang="en-US" sz="2000" kern="1200" dirty="0"/>
+            <a:t>123 N State St</a:t>
+          </a:r>
+        </a:p>
+        <a:p>
+          <a:pPr marL="914400" lvl="4" indent="-228600" algn="l" defTabSz="889000">
+            <a:lnSpc>
+              <a:spcPct val="90000"/>
+            </a:lnSpc>
+            <a:spcBef>
+              <a:spcPct val="0"/>
+            </a:spcBef>
+            <a:spcAft>
+              <a:spcPct val="15000"/>
+            </a:spcAft>
+            <a:buChar char="•"/>
+          </a:pPr>
+          <a:endParaRPr lang="en-US" sz="2000" kern="1200" dirty="0"/>
+        </a:p>
+        <a:p>
+          <a:pPr marL="914400" lvl="4" indent="-228600" algn="l" defTabSz="889000">
+            <a:lnSpc>
+              <a:spcPct val="90000"/>
+            </a:lnSpc>
+            <a:spcBef>
+              <a:spcPct val="0"/>
+            </a:spcBef>
+            <a:spcAft>
+              <a:spcPct val="15000"/>
+            </a:spcAft>
+            <a:buChar char="•"/>
+          </a:pPr>
+          <a:endParaRPr lang="en-US" sz="2000" kern="1200" dirty="0"/>
+        </a:p>
+        <a:p>
+          <a:pPr marL="685800" lvl="3" indent="-228600" algn="l" defTabSz="889000">
+            <a:lnSpc>
+              <a:spcPct val="90000"/>
+            </a:lnSpc>
+            <a:spcBef>
+              <a:spcPct val="0"/>
+            </a:spcBef>
+            <a:spcAft>
+              <a:spcPct val="15000"/>
+            </a:spcAft>
+            <a:buChar char="•"/>
+          </a:pPr>
+          <a:r>
+            <a:rPr lang="en-US" sz="2000" kern="1200" dirty="0"/>
             <a:t>123 North State Street</a:t>
           </a:r>
         </a:p>
       </dsp:txBody>
       <dsp:txXfrm>
-        <a:off x="7177434" y="860863"/>
-        <a:ext cx="2217545" cy="2432015"/>
+        <a:off x="8132155" y="791346"/>
+        <a:ext cx="2376667" cy="3033305"/>
       </dsp:txXfrm>
     </dsp:sp>
   </dsp:spTree>
@@ -25105,7 +25161,7 @@
             <a:buChar char="•"/>
           </a:pPr>
           <a:r>
-            <a:rPr lang="en-US" sz="2900" kern="1200" dirty="0"/>
+            <a:rPr lang="en-US" sz="2900" kern="1200"/>
             <a:t>O(n*m) </a:t>
           </a:r>
         </a:p>
@@ -25123,7 +25179,7 @@
             <a:buChar char="•"/>
           </a:pPr>
           <a:r>
-            <a:rPr lang="en-US" sz="2900" kern="1200" dirty="0"/>
+            <a:rPr lang="en-US" sz="2900" kern="1200"/>
             <a:t>Master data set– 21,450 records</a:t>
           </a:r>
         </a:p>
@@ -25141,7 +25197,7 @@
             <a:buChar char="•"/>
           </a:pPr>
           <a:r>
-            <a:rPr lang="en-US" sz="2900" kern="1200" dirty="0"/>
+            <a:rPr lang="en-US" sz="2900" kern="1200"/>
             <a:t>Match data set– 29,585 records</a:t>
           </a:r>
         </a:p>
@@ -25159,7 +25215,7 @@
             <a:buChar char="•"/>
           </a:pPr>
           <a:r>
-            <a:rPr lang="en-US" sz="2900" kern="1200" dirty="0"/>
+            <a:rPr lang="en-US" sz="2900" kern="1200"/>
             <a:t>634,598,250 comparisons!</a:t>
           </a:r>
         </a:p>
@@ -25265,7 +25321,7 @@
             <a:buNone/>
           </a:pPr>
           <a:r>
-            <a:rPr lang="en-US" sz="2900" b="1" kern="1200" dirty="0"/>
+            <a:rPr lang="en-US" sz="2900" b="1" kern="1200"/>
             <a:t>Initial complexity</a:t>
           </a:r>
         </a:p>
@@ -25341,7 +25397,7 @@
             <a:buChar char="•"/>
           </a:pPr>
           <a:r>
-            <a:rPr lang="en-US" sz="2900" kern="1200" dirty="0"/>
+            <a:rPr lang="en-US" sz="2900" kern="1200"/>
             <a:t>Over 25 minutes!</a:t>
           </a:r>
         </a:p>
@@ -25447,7 +25503,7 @@
             <a:buNone/>
           </a:pPr>
           <a:r>
-            <a:rPr lang="en-US" sz="2900" b="1" kern="1200" dirty="0"/>
+            <a:rPr lang="en-US" sz="2900" b="1" kern="1200"/>
             <a:t>Time</a:t>
           </a:r>
         </a:p>
@@ -25476,8 +25532,8 @@
       </dsp:nvSpPr>
       <dsp:spPr>
         <a:xfrm>
-          <a:off x="0" y="505105"/>
-          <a:ext cx="6817995" cy="2891700"/>
+          <a:off x="0" y="670143"/>
+          <a:ext cx="6817995" cy="2513700"/>
         </a:xfrm>
         <a:prstGeom prst="rect">
           <a:avLst/>
@@ -25517,12 +25573,12 @@
         <a:fontRef idx="minor"/>
       </dsp:style>
       <dsp:txBody>
-        <a:bodyPr spcFirstLastPara="0" vert="horz" wrap="square" lIns="529152" tIns="562356" rIns="529152" bIns="192024" numCol="1" spcCol="1270" anchor="t" anchorCtr="0">
+        <a:bodyPr spcFirstLastPara="0" vert="horz" wrap="square" lIns="529152" tIns="583184" rIns="529152" bIns="199136" numCol="1" spcCol="1270" anchor="t" anchorCtr="0">
           <a:noAutofit/>
         </a:bodyPr>
         <a:lstStyle/>
         <a:p>
-          <a:pPr marL="228600" lvl="1" indent="-228600" algn="l" defTabSz="1200150">
+          <a:pPr marL="285750" lvl="1" indent="-285750" algn="l" defTabSz="1244600">
             <a:lnSpc>
               <a:spcPct val="90000"/>
             </a:lnSpc>
@@ -25535,12 +25591,12 @@
             <a:buChar char="•"/>
           </a:pPr>
           <a:r>
-            <a:rPr lang="en-US" sz="2700" kern="1200" dirty="0"/>
+            <a:rPr lang="en-US" sz="2800" kern="1200"/>
             <a:t>Group similar records together by phonetic encoding</a:t>
           </a:r>
         </a:p>
         <a:p>
-          <a:pPr marL="228600" lvl="1" indent="-228600" algn="l" defTabSz="1200150">
+          <a:pPr marL="285750" lvl="1" indent="-285750" algn="l" defTabSz="1244600">
             <a:lnSpc>
               <a:spcPct val="90000"/>
             </a:lnSpc>
@@ -25553,12 +25609,12 @@
             <a:buChar char="•"/>
           </a:pPr>
           <a:r>
-            <a:rPr lang="en-US" sz="2700" kern="1200" dirty="0"/>
-            <a:t>Apache Commons Codec package used</a:t>
+            <a:rPr lang="en-US" sz="2800" kern="1200"/>
+            <a:t>841,138 comparisons!</a:t>
           </a:r>
         </a:p>
         <a:p>
-          <a:pPr marL="228600" lvl="1" indent="-228600" algn="l" defTabSz="1200150">
+          <a:pPr marL="285750" lvl="1" indent="-285750" algn="l" defTabSz="1244600">
             <a:lnSpc>
               <a:spcPct val="90000"/>
             </a:lnSpc>
@@ -25571,32 +25627,14 @@
             <a:buChar char="•"/>
           </a:pPr>
           <a:r>
-            <a:rPr lang="en-US" sz="2700" kern="1200" dirty="0"/>
-            <a:t>841,138 comparisons!</a:t>
-          </a:r>
-        </a:p>
-        <a:p>
-          <a:pPr marL="228600" lvl="1" indent="-228600" algn="l" defTabSz="1200150">
-            <a:lnSpc>
-              <a:spcPct val="90000"/>
-            </a:lnSpc>
-            <a:spcBef>
-              <a:spcPct val="0"/>
-            </a:spcBef>
-            <a:spcAft>
-              <a:spcPct val="15000"/>
-            </a:spcAft>
-            <a:buChar char="•"/>
-          </a:pPr>
-          <a:r>
-            <a:rPr lang="en-US" sz="2700" kern="1200" dirty="0"/>
+            <a:rPr lang="en-US" sz="2800" kern="1200"/>
             <a:t>Reduced # of comparisons by 99.9%</a:t>
           </a:r>
         </a:p>
       </dsp:txBody>
       <dsp:txXfrm>
-        <a:off x="0" y="505105"/>
-        <a:ext cx="6817995" cy="2891700"/>
+        <a:off x="0" y="670143"/>
+        <a:ext cx="6817995" cy="2513700"/>
       </dsp:txXfrm>
     </dsp:sp>
     <dsp:sp modelId="{028E6A7E-23BA-4F12-8DC1-7FD956608DDD}">
@@ -25606,8 +25644,8 @@
       </dsp:nvSpPr>
       <dsp:spPr>
         <a:xfrm>
-          <a:off x="340899" y="106585"/>
-          <a:ext cx="4772596" cy="797040"/>
+          <a:off x="340899" y="256863"/>
+          <a:ext cx="4772596" cy="826560"/>
         </a:xfrm>
         <a:prstGeom prst="roundRect">
           <a:avLst/>
@@ -25682,7 +25720,7 @@
         </a:bodyPr>
         <a:lstStyle/>
         <a:p>
-          <a:pPr marL="0" lvl="0" indent="0" algn="l" defTabSz="1200150">
+          <a:pPr marL="0" lvl="0" indent="0" algn="l" defTabSz="1244600">
             <a:lnSpc>
               <a:spcPct val="90000"/>
             </a:lnSpc>
@@ -25695,14 +25733,14 @@
             <a:buNone/>
           </a:pPr>
           <a:r>
-            <a:rPr lang="en-US" sz="2700" b="1" kern="1200" dirty="0"/>
+            <a:rPr lang="en-US" sz="2800" b="1" kern="1200"/>
             <a:t>Indexing approach</a:t>
           </a:r>
         </a:p>
       </dsp:txBody>
       <dsp:txXfrm>
-        <a:off x="379807" y="145493"/>
-        <a:ext cx="4694780" cy="719224"/>
+        <a:off x="381248" y="297212"/>
+        <a:ext cx="4691898" cy="745862"/>
       </dsp:txXfrm>
     </dsp:sp>
     <dsp:sp modelId="{07B3EA0B-0A65-415B-9037-DA23320F68C7}">
@@ -25712,8 +25750,8 @@
       </dsp:nvSpPr>
       <dsp:spPr>
         <a:xfrm>
-          <a:off x="0" y="3941126"/>
-          <a:ext cx="6817995" cy="1148175"/>
+          <a:off x="0" y="3748323"/>
+          <a:ext cx="6817995" cy="1190700"/>
         </a:xfrm>
         <a:prstGeom prst="rect">
           <a:avLst/>
@@ -25753,12 +25791,12 @@
         <a:fontRef idx="minor"/>
       </dsp:style>
       <dsp:txBody>
-        <a:bodyPr spcFirstLastPara="0" vert="horz" wrap="square" lIns="529152" tIns="562356" rIns="529152" bIns="192024" numCol="1" spcCol="1270" anchor="t" anchorCtr="0">
+        <a:bodyPr spcFirstLastPara="0" vert="horz" wrap="square" lIns="529152" tIns="583184" rIns="529152" bIns="199136" numCol="1" spcCol="1270" anchor="t" anchorCtr="0">
           <a:noAutofit/>
         </a:bodyPr>
         <a:lstStyle/>
         <a:p>
-          <a:pPr marL="228600" lvl="1" indent="-228600" algn="l" defTabSz="1200150">
+          <a:pPr marL="285750" lvl="1" indent="-285750" algn="l" defTabSz="1244600">
             <a:lnSpc>
               <a:spcPct val="90000"/>
             </a:lnSpc>
@@ -25771,14 +25809,14 @@
             <a:buChar char="•"/>
           </a:pPr>
           <a:r>
-            <a:rPr lang="en-US" sz="2700" kern="1200" dirty="0"/>
+            <a:rPr lang="en-US" sz="2800" kern="1200"/>
             <a:t>~1 second</a:t>
           </a:r>
         </a:p>
       </dsp:txBody>
       <dsp:txXfrm>
-        <a:off x="0" y="3941126"/>
-        <a:ext cx="6817995" cy="1148175"/>
+        <a:off x="0" y="3748323"/>
+        <a:ext cx="6817995" cy="1190700"/>
       </dsp:txXfrm>
     </dsp:sp>
     <dsp:sp modelId="{6A9ADE83-535F-402B-8DB7-34B1937E93A9}">
@@ -25788,8 +25826,8 @@
       </dsp:nvSpPr>
       <dsp:spPr>
         <a:xfrm>
-          <a:off x="340899" y="3542605"/>
-          <a:ext cx="4772596" cy="797040"/>
+          <a:off x="340899" y="3335043"/>
+          <a:ext cx="4772596" cy="826560"/>
         </a:xfrm>
         <a:prstGeom prst="roundRect">
           <a:avLst/>
@@ -25864,7 +25902,7 @@
         </a:bodyPr>
         <a:lstStyle/>
         <a:p>
-          <a:pPr marL="0" lvl="0" indent="0" algn="l" defTabSz="1200150">
+          <a:pPr marL="0" lvl="0" indent="0" algn="l" defTabSz="1244600">
             <a:lnSpc>
               <a:spcPct val="90000"/>
             </a:lnSpc>
@@ -25877,14 +25915,14 @@
             <a:buNone/>
           </a:pPr>
           <a:r>
-            <a:rPr lang="en-US" sz="2700" b="1" kern="1200" dirty="0"/>
+            <a:rPr lang="en-US" sz="2800" b="1" kern="1200"/>
             <a:t>Time</a:t>
           </a:r>
         </a:p>
       </dsp:txBody>
       <dsp:txXfrm>
-        <a:off x="379807" y="3581513"/>
-        <a:ext cx="4694780" cy="719224"/>
+        <a:off x="381248" y="3375392"/>
+        <a:ext cx="4691898" cy="745862"/>
       </dsp:txXfrm>
     </dsp:sp>
   </dsp:spTree>
@@ -25899,15 +25937,15 @@
       <dsp:cNvGrpSpPr/>
     </dsp:nvGrpSpPr>
     <dsp:grpSpPr/>
-    <dsp:sp modelId="{CA34B27D-F68C-4335-A54C-C6EBC4A07C19}">
+    <dsp:sp modelId="{0B66F640-564D-441D-A5AD-C0C40062C324}">
       <dsp:nvSpPr>
         <dsp:cNvPr id="0" name=""/>
         <dsp:cNvSpPr/>
       </dsp:nvSpPr>
       <dsp:spPr>
         <a:xfrm>
-          <a:off x="3332273" y="221"/>
-          <a:ext cx="2454281" cy="1227140"/>
+          <a:off x="798" y="508352"/>
+          <a:ext cx="3544572" cy="886143"/>
         </a:xfrm>
         <a:prstGeom prst="roundRect">
           <a:avLst>
@@ -25979,12 +26017,12 @@
         </a:fontRef>
       </dsp:style>
       <dsp:txBody>
-        <a:bodyPr spcFirstLastPara="0" vert="horz" wrap="square" lIns="57150" tIns="38100" rIns="57150" bIns="38100" numCol="1" spcCol="1270" anchor="ctr" anchorCtr="0">
+        <a:bodyPr spcFirstLastPara="0" vert="horz" wrap="square" lIns="45720" tIns="45720" rIns="45720" bIns="45720" numCol="1" spcCol="1270" anchor="ctr" anchorCtr="0">
           <a:noAutofit/>
         </a:bodyPr>
         <a:lstStyle/>
         <a:p>
-          <a:pPr marL="0" lvl="0" indent="0" algn="ctr" defTabSz="1333500">
+          <a:pPr marL="0" lvl="0" indent="0" algn="ctr" defTabSz="1600200">
             <a:lnSpc>
               <a:spcPct val="90000"/>
             </a:lnSpc>
@@ -25997,7 +26035,7 @@
             <a:buNone/>
           </a:pPr>
           <a:r>
-            <a:rPr lang="en-US" sz="3000" kern="1200" dirty="0">
+            <a:rPr lang="en-US" sz="3600" kern="1200">
               <a:latin typeface="Century Gothic" panose="020B0502020202020204"/>
             </a:rPr>
             <a:t>Similarity Metric</a:t>
@@ -26005,76 +26043,100 @@
         </a:p>
       </dsp:txBody>
       <dsp:txXfrm>
-        <a:off x="3368215" y="36163"/>
-        <a:ext cx="2382397" cy="1155256"/>
+        <a:off x="26752" y="534306"/>
+        <a:ext cx="3492664" cy="834235"/>
       </dsp:txXfrm>
     </dsp:sp>
-    <dsp:sp modelId="{C59C66FA-01E1-41A7-92D8-15BB8E5E53F6}">
+    <dsp:sp modelId="{F7B44F27-8D32-48FF-8826-BD05CF95E4AE}">
+      <dsp:nvSpPr>
+        <dsp:cNvPr id="0" name=""/>
+        <dsp:cNvSpPr/>
+      </dsp:nvSpPr>
+      <dsp:spPr>
+        <a:xfrm rot="5400000">
+          <a:off x="1695547" y="1472033"/>
+          <a:ext cx="155075" cy="155075"/>
+        </a:xfrm>
+        <a:prstGeom prst="rightArrow">
+          <a:avLst>
+            <a:gd name="adj1" fmla="val 66700"/>
+            <a:gd name="adj2" fmla="val 50000"/>
+          </a:avLst>
+        </a:prstGeom>
+        <a:gradFill rotWithShape="0">
+          <a:gsLst>
+            <a:gs pos="0">
+              <a:schemeClr val="accent2">
+                <a:hueOff val="0"/>
+                <a:satOff val="0"/>
+                <a:lumOff val="0"/>
+                <a:alphaOff val="0"/>
+                <a:tint val="85000"/>
+                <a:shade val="98000"/>
+                <a:satMod val="110000"/>
+                <a:lumMod val="103000"/>
+              </a:schemeClr>
+            </a:gs>
+            <a:gs pos="50000">
+              <a:schemeClr val="accent2">
+                <a:hueOff val="0"/>
+                <a:satOff val="0"/>
+                <a:lumOff val="0"/>
+                <a:alphaOff val="0"/>
+                <a:shade val="85000"/>
+                <a:satMod val="105000"/>
+                <a:lumMod val="100000"/>
+              </a:schemeClr>
+            </a:gs>
+            <a:gs pos="100000">
+              <a:schemeClr val="accent2">
+                <a:hueOff val="0"/>
+                <a:satOff val="0"/>
+                <a:lumOff val="0"/>
+                <a:alphaOff val="0"/>
+                <a:shade val="60000"/>
+                <a:satMod val="120000"/>
+                <a:lumMod val="100000"/>
+              </a:schemeClr>
+            </a:gs>
+          </a:gsLst>
+          <a:lin ang="5400000" scaled="0"/>
+        </a:gradFill>
+        <a:ln>
+          <a:noFill/>
+        </a:ln>
+        <a:effectLst>
+          <a:outerShdw blurRad="50800" dist="15875" dir="5400000" algn="ctr" rotWithShape="0">
+            <a:srgbClr val="000000">
+              <a:alpha val="68000"/>
+            </a:srgbClr>
+          </a:outerShdw>
+        </a:effectLst>
+      </dsp:spPr>
+      <dsp:style>
+        <a:lnRef idx="0">
+          <a:scrgbClr r="0" g="0" b="0"/>
+        </a:lnRef>
+        <a:fillRef idx="3">
+          <a:scrgbClr r="0" g="0" b="0"/>
+        </a:fillRef>
+        <a:effectRef idx="2">
+          <a:scrgbClr r="0" g="0" b="0"/>
+        </a:effectRef>
+        <a:fontRef idx="minor">
+          <a:schemeClr val="lt1"/>
+        </a:fontRef>
+      </dsp:style>
+    </dsp:sp>
+    <dsp:sp modelId="{6FDF8A16-CCFA-4B31-91B6-8CA6DA9C939B}">
       <dsp:nvSpPr>
         <dsp:cNvPr id="0" name=""/>
         <dsp:cNvSpPr/>
       </dsp:nvSpPr>
       <dsp:spPr>
         <a:xfrm>
-          <a:off x="3577701" y="1227362"/>
-          <a:ext cx="245428" cy="920355"/>
-        </a:xfrm>
-        <a:custGeom>
-          <a:avLst/>
-          <a:gdLst/>
-          <a:ahLst/>
-          <a:cxnLst/>
-          <a:rect l="0" t="0" r="0" b="0"/>
-          <a:pathLst>
-            <a:path>
-              <a:moveTo>
-                <a:pt x="0" y="0"/>
-              </a:moveTo>
-              <a:lnTo>
-                <a:pt x="0" y="920355"/>
-              </a:lnTo>
-              <a:lnTo>
-                <a:pt x="245428" y="920355"/>
-              </a:lnTo>
-            </a:path>
-          </a:pathLst>
-        </a:custGeom>
-        <a:noFill/>
-        <a:ln w="9525" cap="flat" cmpd="sng" algn="ctr">
-          <a:solidFill>
-            <a:schemeClr val="accent3">
-              <a:hueOff val="0"/>
-              <a:satOff val="0"/>
-              <a:lumOff val="0"/>
-              <a:alphaOff val="0"/>
-            </a:schemeClr>
-          </a:solidFill>
-          <a:prstDash val="solid"/>
-        </a:ln>
-        <a:effectLst/>
-      </dsp:spPr>
-      <dsp:style>
-        <a:lnRef idx="1">
-          <a:scrgbClr r="0" g="0" b="0"/>
-        </a:lnRef>
-        <a:fillRef idx="0">
-          <a:scrgbClr r="0" g="0" b="0"/>
-        </a:fillRef>
-        <a:effectRef idx="0">
-          <a:scrgbClr r="0" g="0" b="0"/>
-        </a:effectRef>
-        <a:fontRef idx="minor"/>
-      </dsp:style>
-    </dsp:sp>
-    <dsp:sp modelId="{9EAD244F-510E-46F8-B155-3DA7F1A41447}">
-      <dsp:nvSpPr>
-        <dsp:cNvPr id="0" name=""/>
-        <dsp:cNvSpPr/>
-      </dsp:nvSpPr>
-      <dsp:spPr>
-        <a:xfrm>
-          <a:off x="3823129" y="1534147"/>
-          <a:ext cx="1963424" cy="1227140"/>
+          <a:off x="798" y="1704645"/>
+          <a:ext cx="3544572" cy="886143"/>
         </a:xfrm>
         <a:prstGeom prst="roundRect">
           <a:avLst>
@@ -26082,7 +26144,8 @@
           </a:avLst>
         </a:prstGeom>
         <a:solidFill>
-          <a:schemeClr val="lt1">
+          <a:schemeClr val="accent2">
+            <a:tint val="40000"/>
             <a:alpha val="90000"/>
             <a:hueOff val="0"/>
             <a:satOff val="0"/>
@@ -26093,6 +26156,8 @@
         <a:ln w="9525" cap="flat" cmpd="sng" algn="ctr">
           <a:solidFill>
             <a:schemeClr val="accent2">
+              <a:tint val="40000"/>
+              <a:alpha val="90000"/>
               <a:hueOff val="0"/>
               <a:satOff val="0"/>
               <a:lumOff val="0"/>
@@ -26116,12 +26181,12 @@
         <a:fontRef idx="minor"/>
       </dsp:style>
       <dsp:txBody>
-        <a:bodyPr spcFirstLastPara="0" vert="horz" wrap="square" lIns="38100" tIns="25400" rIns="38100" bIns="25400" numCol="1" spcCol="1270" anchor="ctr" anchorCtr="0">
+        <a:bodyPr spcFirstLastPara="0" vert="horz" wrap="square" lIns="35560" tIns="35560" rIns="35560" bIns="35560" numCol="1" spcCol="1270" anchor="ctr" anchorCtr="0">
           <a:noAutofit/>
         </a:bodyPr>
         <a:lstStyle/>
         <a:p>
-          <a:pPr marL="0" lvl="0" indent="0" algn="ctr" defTabSz="889000">
+          <a:pPr marL="0" lvl="0" indent="0" algn="ctr" defTabSz="1244600">
             <a:lnSpc>
               <a:spcPct val="90000"/>
             </a:lnSpc>
@@ -26134,13 +26199,13 @@
             <a:buNone/>
           </a:pPr>
           <a:r>
-            <a:rPr lang="en-US" sz="2000" kern="1200" dirty="0" err="1">
+            <a:rPr lang="en-US" sz="2800" kern="1200" err="1">
               <a:latin typeface="Century Gothic" panose="020B0502020202020204"/>
             </a:rPr>
             <a:t>Levenshtein</a:t>
           </a:r>
           <a:r>
-            <a:rPr lang="en-US" sz="2000" kern="1200" dirty="0">
+            <a:rPr lang="en-US" sz="2800" kern="1200">
               <a:latin typeface="Century Gothic" panose="020B0502020202020204"/>
             </a:rPr>
             <a:t> Distance</a:t>
@@ -26148,76 +26213,100 @@
         </a:p>
       </dsp:txBody>
       <dsp:txXfrm>
-        <a:off x="3859071" y="1570089"/>
-        <a:ext cx="1891540" cy="1155256"/>
+        <a:off x="26752" y="1730599"/>
+        <a:ext cx="3492664" cy="834235"/>
       </dsp:txXfrm>
     </dsp:sp>
-    <dsp:sp modelId="{D1657C92-8441-4EF5-827C-5C1561E8C24A}">
+    <dsp:sp modelId="{3EBF592A-E30A-45DE-9EDD-356D40AF341D}">
+      <dsp:nvSpPr>
+        <dsp:cNvPr id="0" name=""/>
+        <dsp:cNvSpPr/>
+      </dsp:nvSpPr>
+      <dsp:spPr>
+        <a:xfrm rot="5400000">
+          <a:off x="1695547" y="2668326"/>
+          <a:ext cx="155075" cy="155075"/>
+        </a:xfrm>
+        <a:prstGeom prst="rightArrow">
+          <a:avLst>
+            <a:gd name="adj1" fmla="val 66700"/>
+            <a:gd name="adj2" fmla="val 50000"/>
+          </a:avLst>
+        </a:prstGeom>
+        <a:gradFill rotWithShape="0">
+          <a:gsLst>
+            <a:gs pos="0">
+              <a:schemeClr val="accent2">
+                <a:hueOff val="947128"/>
+                <a:satOff val="4941"/>
+                <a:lumOff val="-1412"/>
+                <a:alphaOff val="0"/>
+                <a:tint val="85000"/>
+                <a:shade val="98000"/>
+                <a:satMod val="110000"/>
+                <a:lumMod val="103000"/>
+              </a:schemeClr>
+            </a:gs>
+            <a:gs pos="50000">
+              <a:schemeClr val="accent2">
+                <a:hueOff val="947128"/>
+                <a:satOff val="4941"/>
+                <a:lumOff val="-1412"/>
+                <a:alphaOff val="0"/>
+                <a:shade val="85000"/>
+                <a:satMod val="105000"/>
+                <a:lumMod val="100000"/>
+              </a:schemeClr>
+            </a:gs>
+            <a:gs pos="100000">
+              <a:schemeClr val="accent2">
+                <a:hueOff val="947128"/>
+                <a:satOff val="4941"/>
+                <a:lumOff val="-1412"/>
+                <a:alphaOff val="0"/>
+                <a:shade val="60000"/>
+                <a:satMod val="120000"/>
+                <a:lumMod val="100000"/>
+              </a:schemeClr>
+            </a:gs>
+          </a:gsLst>
+          <a:lin ang="5400000" scaled="0"/>
+        </a:gradFill>
+        <a:ln>
+          <a:noFill/>
+        </a:ln>
+        <a:effectLst>
+          <a:outerShdw blurRad="50800" dist="15875" dir="5400000" algn="ctr" rotWithShape="0">
+            <a:srgbClr val="000000">
+              <a:alpha val="68000"/>
+            </a:srgbClr>
+          </a:outerShdw>
+        </a:effectLst>
+      </dsp:spPr>
+      <dsp:style>
+        <a:lnRef idx="0">
+          <a:scrgbClr r="0" g="0" b="0"/>
+        </a:lnRef>
+        <a:fillRef idx="3">
+          <a:scrgbClr r="0" g="0" b="0"/>
+        </a:fillRef>
+        <a:effectRef idx="2">
+          <a:scrgbClr r="0" g="0" b="0"/>
+        </a:effectRef>
+        <a:fontRef idx="minor">
+          <a:schemeClr val="lt1"/>
+        </a:fontRef>
+      </dsp:style>
+    </dsp:sp>
+    <dsp:sp modelId="{075F371C-8A38-4E55-8551-896D7E61BD98}">
       <dsp:nvSpPr>
         <dsp:cNvPr id="0" name=""/>
         <dsp:cNvSpPr/>
       </dsp:nvSpPr>
       <dsp:spPr>
         <a:xfrm>
-          <a:off x="3577701" y="1227362"/>
-          <a:ext cx="245428" cy="2454281"/>
-        </a:xfrm>
-        <a:custGeom>
-          <a:avLst/>
-          <a:gdLst/>
-          <a:ahLst/>
-          <a:cxnLst/>
-          <a:rect l="0" t="0" r="0" b="0"/>
-          <a:pathLst>
-            <a:path>
-              <a:moveTo>
-                <a:pt x="0" y="0"/>
-              </a:moveTo>
-              <a:lnTo>
-                <a:pt x="0" y="2454281"/>
-              </a:lnTo>
-              <a:lnTo>
-                <a:pt x="245428" y="2454281"/>
-              </a:lnTo>
-            </a:path>
-          </a:pathLst>
-        </a:custGeom>
-        <a:noFill/>
-        <a:ln w="9525" cap="flat" cmpd="sng" algn="ctr">
-          <a:solidFill>
-            <a:schemeClr val="accent3">
-              <a:hueOff val="0"/>
-              <a:satOff val="0"/>
-              <a:lumOff val="0"/>
-              <a:alphaOff val="0"/>
-            </a:schemeClr>
-          </a:solidFill>
-          <a:prstDash val="solid"/>
-        </a:ln>
-        <a:effectLst/>
-      </dsp:spPr>
-      <dsp:style>
-        <a:lnRef idx="1">
-          <a:scrgbClr r="0" g="0" b="0"/>
-        </a:lnRef>
-        <a:fillRef idx="0">
-          <a:scrgbClr r="0" g="0" b="0"/>
-        </a:fillRef>
-        <a:effectRef idx="0">
-          <a:scrgbClr r="0" g="0" b="0"/>
-        </a:effectRef>
-        <a:fontRef idx="minor"/>
-      </dsp:style>
-    </dsp:sp>
-    <dsp:sp modelId="{698D9B55-4024-4D18-9439-70703E82CF19}">
-      <dsp:nvSpPr>
-        <dsp:cNvPr id="0" name=""/>
-        <dsp:cNvSpPr/>
-      </dsp:nvSpPr>
-      <dsp:spPr>
-        <a:xfrm>
-          <a:off x="3823129" y="3068072"/>
-          <a:ext cx="1963424" cy="1227140"/>
+          <a:off x="798" y="2900939"/>
+          <a:ext cx="3544572" cy="886143"/>
         </a:xfrm>
         <a:prstGeom prst="roundRect">
           <a:avLst>
@@ -26225,20 +26314,23 @@
           </a:avLst>
         </a:prstGeom>
         <a:solidFill>
-          <a:schemeClr val="lt1">
+          <a:schemeClr val="accent2">
+            <a:tint val="40000"/>
             <a:alpha val="90000"/>
-            <a:hueOff val="0"/>
-            <a:satOff val="0"/>
-            <a:lumOff val="0"/>
+            <a:hueOff val="673773"/>
+            <a:satOff val="-399"/>
+            <a:lumOff val="-96"/>
             <a:alphaOff val="0"/>
           </a:schemeClr>
         </a:solidFill>
         <a:ln w="9525" cap="flat" cmpd="sng" algn="ctr">
           <a:solidFill>
             <a:schemeClr val="accent2">
-              <a:hueOff val="947128"/>
-              <a:satOff val="4941"/>
-              <a:lumOff val="-1412"/>
+              <a:tint val="40000"/>
+              <a:alpha val="90000"/>
+              <a:hueOff val="673773"/>
+              <a:satOff val="-399"/>
+              <a:lumOff val="-96"/>
               <a:alphaOff val="0"/>
             </a:schemeClr>
           </a:solidFill>
@@ -26259,12 +26351,12 @@
         <a:fontRef idx="minor"/>
       </dsp:style>
       <dsp:txBody>
-        <a:bodyPr spcFirstLastPara="0" vert="horz" wrap="square" lIns="38100" tIns="25400" rIns="38100" bIns="25400" numCol="1" spcCol="1270" anchor="ctr" anchorCtr="0">
+        <a:bodyPr spcFirstLastPara="0" vert="horz" wrap="square" lIns="35560" tIns="35560" rIns="35560" bIns="35560" numCol="1" spcCol="1270" anchor="ctr" anchorCtr="0">
           <a:noAutofit/>
         </a:bodyPr>
         <a:lstStyle/>
         <a:p>
-          <a:pPr marL="0" lvl="0" indent="0" algn="ctr" defTabSz="889000">
+          <a:pPr marL="0" lvl="0" indent="0" algn="ctr" defTabSz="1244600">
             <a:lnSpc>
               <a:spcPct val="90000"/>
             </a:lnSpc>
@@ -26277,7 +26369,7 @@
             <a:buNone/>
           </a:pPr>
           <a:r>
-            <a:rPr lang="en-US" sz="2000" kern="1200" dirty="0">
+            <a:rPr lang="en-US" sz="2800" kern="1200">
               <a:latin typeface="Century Gothic" panose="020B0502020202020204"/>
             </a:rPr>
             <a:t>Ratio between 0 – 100</a:t>
@@ -26285,19 +26377,19 @@
         </a:p>
       </dsp:txBody>
       <dsp:txXfrm>
-        <a:off x="3859071" y="3104014"/>
-        <a:ext cx="1891540" cy="1155256"/>
+        <a:off x="26752" y="2926893"/>
+        <a:ext cx="3492664" cy="834235"/>
       </dsp:txXfrm>
     </dsp:sp>
-    <dsp:sp modelId="{373A6233-BD54-491A-B735-4F57111A2826}">
+    <dsp:sp modelId="{2A6CC642-ED98-477F-800C-E6B8666570A2}">
       <dsp:nvSpPr>
         <dsp:cNvPr id="0" name=""/>
         <dsp:cNvSpPr/>
       </dsp:nvSpPr>
       <dsp:spPr>
         <a:xfrm>
-          <a:off x="6400124" y="221"/>
-          <a:ext cx="2454281" cy="1227140"/>
+          <a:off x="4041611" y="508352"/>
+          <a:ext cx="3544572" cy="886143"/>
         </a:xfrm>
         <a:prstGeom prst="roundRect">
           <a:avLst>
@@ -26369,12 +26461,12 @@
         </a:fontRef>
       </dsp:style>
       <dsp:txBody>
-        <a:bodyPr spcFirstLastPara="0" vert="horz" wrap="square" lIns="57150" tIns="38100" rIns="57150" bIns="38100" numCol="1" spcCol="1270" anchor="ctr" anchorCtr="0">
+        <a:bodyPr spcFirstLastPara="0" vert="horz" wrap="square" lIns="45720" tIns="45720" rIns="45720" bIns="45720" numCol="1" spcCol="1270" anchor="ctr" anchorCtr="0">
           <a:noAutofit/>
         </a:bodyPr>
         <a:lstStyle/>
         <a:p>
-          <a:pPr marL="0" lvl="0" indent="0" algn="ctr" defTabSz="1333500">
+          <a:pPr marL="0" lvl="0" indent="0" algn="ctr" defTabSz="1600200">
             <a:lnSpc>
               <a:spcPct val="90000"/>
             </a:lnSpc>
@@ -26387,7 +26479,7 @@
             <a:buNone/>
           </a:pPr>
           <a:r>
-            <a:rPr lang="en-US" sz="3000" kern="1200" dirty="0">
+            <a:rPr lang="en-US" sz="3600" kern="1200">
               <a:latin typeface="Century Gothic" panose="020B0502020202020204"/>
             </a:rPr>
             <a:t>Weights</a:t>
@@ -26395,76 +26487,100 @@
         </a:p>
       </dsp:txBody>
       <dsp:txXfrm>
-        <a:off x="6436066" y="36163"/>
-        <a:ext cx="2382397" cy="1155256"/>
+        <a:off x="4067565" y="534306"/>
+        <a:ext cx="3492664" cy="834235"/>
       </dsp:txXfrm>
     </dsp:sp>
-    <dsp:sp modelId="{A1CB3702-22E7-4793-9C65-BF0E602925DC}">
+    <dsp:sp modelId="{34EFB7F3-3D94-4ACA-BB41-7CF507BC2021}">
+      <dsp:nvSpPr>
+        <dsp:cNvPr id="0" name=""/>
+        <dsp:cNvSpPr/>
+      </dsp:nvSpPr>
+      <dsp:spPr>
+        <a:xfrm rot="5400000">
+          <a:off x="5736360" y="1472033"/>
+          <a:ext cx="155075" cy="155075"/>
+        </a:xfrm>
+        <a:prstGeom prst="rightArrow">
+          <a:avLst>
+            <a:gd name="adj1" fmla="val 66700"/>
+            <a:gd name="adj2" fmla="val 50000"/>
+          </a:avLst>
+        </a:prstGeom>
+        <a:gradFill rotWithShape="0">
+          <a:gsLst>
+            <a:gs pos="0">
+              <a:schemeClr val="accent2">
+                <a:hueOff val="1894255"/>
+                <a:satOff val="9883"/>
+                <a:lumOff val="-2823"/>
+                <a:alphaOff val="0"/>
+                <a:tint val="85000"/>
+                <a:shade val="98000"/>
+                <a:satMod val="110000"/>
+                <a:lumMod val="103000"/>
+              </a:schemeClr>
+            </a:gs>
+            <a:gs pos="50000">
+              <a:schemeClr val="accent2">
+                <a:hueOff val="1894255"/>
+                <a:satOff val="9883"/>
+                <a:lumOff val="-2823"/>
+                <a:alphaOff val="0"/>
+                <a:shade val="85000"/>
+                <a:satMod val="105000"/>
+                <a:lumMod val="100000"/>
+              </a:schemeClr>
+            </a:gs>
+            <a:gs pos="100000">
+              <a:schemeClr val="accent2">
+                <a:hueOff val="1894255"/>
+                <a:satOff val="9883"/>
+                <a:lumOff val="-2823"/>
+                <a:alphaOff val="0"/>
+                <a:shade val="60000"/>
+                <a:satMod val="120000"/>
+                <a:lumMod val="100000"/>
+              </a:schemeClr>
+            </a:gs>
+          </a:gsLst>
+          <a:lin ang="5400000" scaled="0"/>
+        </a:gradFill>
+        <a:ln>
+          <a:noFill/>
+        </a:ln>
+        <a:effectLst>
+          <a:outerShdw blurRad="50800" dist="15875" dir="5400000" algn="ctr" rotWithShape="0">
+            <a:srgbClr val="000000">
+              <a:alpha val="68000"/>
+            </a:srgbClr>
+          </a:outerShdw>
+        </a:effectLst>
+      </dsp:spPr>
+      <dsp:style>
+        <a:lnRef idx="0">
+          <a:scrgbClr r="0" g="0" b="0"/>
+        </a:lnRef>
+        <a:fillRef idx="3">
+          <a:scrgbClr r="0" g="0" b="0"/>
+        </a:fillRef>
+        <a:effectRef idx="2">
+          <a:scrgbClr r="0" g="0" b="0"/>
+        </a:effectRef>
+        <a:fontRef idx="minor">
+          <a:schemeClr val="lt1"/>
+        </a:fontRef>
+      </dsp:style>
+    </dsp:sp>
+    <dsp:sp modelId="{B609AAB9-0315-4ECC-8A96-AD7827E02F8F}">
       <dsp:nvSpPr>
         <dsp:cNvPr id="0" name=""/>
         <dsp:cNvSpPr/>
       </dsp:nvSpPr>
       <dsp:spPr>
         <a:xfrm>
-          <a:off x="6645552" y="1227362"/>
-          <a:ext cx="245428" cy="920355"/>
-        </a:xfrm>
-        <a:custGeom>
-          <a:avLst/>
-          <a:gdLst/>
-          <a:ahLst/>
-          <a:cxnLst/>
-          <a:rect l="0" t="0" r="0" b="0"/>
-          <a:pathLst>
-            <a:path>
-              <a:moveTo>
-                <a:pt x="0" y="0"/>
-              </a:moveTo>
-              <a:lnTo>
-                <a:pt x="0" y="920355"/>
-              </a:lnTo>
-              <a:lnTo>
-                <a:pt x="245428" y="920355"/>
-              </a:lnTo>
-            </a:path>
-          </a:pathLst>
-        </a:custGeom>
-        <a:noFill/>
-        <a:ln w="9525" cap="flat" cmpd="sng" algn="ctr">
-          <a:solidFill>
-            <a:schemeClr val="accent3">
-              <a:hueOff val="0"/>
-              <a:satOff val="0"/>
-              <a:lumOff val="0"/>
-              <a:alphaOff val="0"/>
-            </a:schemeClr>
-          </a:solidFill>
-          <a:prstDash val="solid"/>
-        </a:ln>
-        <a:effectLst/>
-      </dsp:spPr>
-      <dsp:style>
-        <a:lnRef idx="1">
-          <a:scrgbClr r="0" g="0" b="0"/>
-        </a:lnRef>
-        <a:fillRef idx="0">
-          <a:scrgbClr r="0" g="0" b="0"/>
-        </a:fillRef>
-        <a:effectRef idx="0">
-          <a:scrgbClr r="0" g="0" b="0"/>
-        </a:effectRef>
-        <a:fontRef idx="minor"/>
-      </dsp:style>
-    </dsp:sp>
-    <dsp:sp modelId="{987D11C0-A42D-476F-BFBD-73066FE8139E}">
-      <dsp:nvSpPr>
-        <dsp:cNvPr id="0" name=""/>
-        <dsp:cNvSpPr/>
-      </dsp:nvSpPr>
-      <dsp:spPr>
-        <a:xfrm>
-          <a:off x="6890980" y="1534147"/>
-          <a:ext cx="1963424" cy="1227140"/>
+          <a:off x="4041611" y="1704645"/>
+          <a:ext cx="3544572" cy="886143"/>
         </a:xfrm>
         <a:prstGeom prst="roundRect">
           <a:avLst>
@@ -26472,20 +26588,23 @@
           </a:avLst>
         </a:prstGeom>
         <a:solidFill>
-          <a:schemeClr val="lt1">
+          <a:schemeClr val="accent2">
+            <a:tint val="40000"/>
             <a:alpha val="90000"/>
-            <a:hueOff val="0"/>
-            <a:satOff val="0"/>
-            <a:lumOff val="0"/>
+            <a:hueOff val="1347545"/>
+            <a:satOff val="-798"/>
+            <a:lumOff val="-193"/>
             <a:alphaOff val="0"/>
           </a:schemeClr>
         </a:solidFill>
         <a:ln w="9525" cap="flat" cmpd="sng" algn="ctr">
           <a:solidFill>
             <a:schemeClr val="accent2">
-              <a:hueOff val="1894255"/>
-              <a:satOff val="9883"/>
-              <a:lumOff val="-2823"/>
+              <a:tint val="40000"/>
+              <a:alpha val="90000"/>
+              <a:hueOff val="1347545"/>
+              <a:satOff val="-798"/>
+              <a:lumOff val="-193"/>
               <a:alphaOff val="0"/>
             </a:schemeClr>
           </a:solidFill>
@@ -26506,12 +26625,12 @@
         <a:fontRef idx="minor"/>
       </dsp:style>
       <dsp:txBody>
-        <a:bodyPr spcFirstLastPara="0" vert="horz" wrap="square" lIns="38100" tIns="25400" rIns="38100" bIns="25400" numCol="1" spcCol="1270" anchor="ctr" anchorCtr="0">
+        <a:bodyPr spcFirstLastPara="0" vert="horz" wrap="square" lIns="35560" tIns="35560" rIns="35560" bIns="35560" numCol="1" spcCol="1270" anchor="ctr" anchorCtr="0">
           <a:noAutofit/>
         </a:bodyPr>
         <a:lstStyle/>
         <a:p>
-          <a:pPr marL="0" lvl="0" indent="0" algn="ctr" defTabSz="889000">
+          <a:pPr marL="0" lvl="0" indent="0" algn="ctr" defTabSz="1244600">
             <a:lnSpc>
               <a:spcPct val="90000"/>
             </a:lnSpc>
@@ -26524,7 +26643,7 @@
             <a:buNone/>
           </a:pPr>
           <a:r>
-            <a:rPr lang="en-US" sz="2000" kern="1200" dirty="0">
+            <a:rPr lang="en-US" sz="2800" kern="1200">
               <a:latin typeface="Century Gothic" panose="020B0502020202020204"/>
             </a:rPr>
             <a:t>Weights per field</a:t>
@@ -26532,76 +26651,100 @@
         </a:p>
       </dsp:txBody>
       <dsp:txXfrm>
-        <a:off x="6926922" y="1570089"/>
-        <a:ext cx="1891540" cy="1155256"/>
+        <a:off x="4067565" y="1730599"/>
+        <a:ext cx="3492664" cy="834235"/>
       </dsp:txXfrm>
     </dsp:sp>
-    <dsp:sp modelId="{6BFFBC29-1762-4CC5-8A81-29CCF2EDAC4D}">
+    <dsp:sp modelId="{24B1C36D-6622-401D-9D69-1D125DD8F20D}">
+      <dsp:nvSpPr>
+        <dsp:cNvPr id="0" name=""/>
+        <dsp:cNvSpPr/>
+      </dsp:nvSpPr>
+      <dsp:spPr>
+        <a:xfrm rot="5400000">
+          <a:off x="5736360" y="2668326"/>
+          <a:ext cx="155075" cy="155075"/>
+        </a:xfrm>
+        <a:prstGeom prst="rightArrow">
+          <a:avLst>
+            <a:gd name="adj1" fmla="val 66700"/>
+            <a:gd name="adj2" fmla="val 50000"/>
+          </a:avLst>
+        </a:prstGeom>
+        <a:gradFill rotWithShape="0">
+          <a:gsLst>
+            <a:gs pos="0">
+              <a:schemeClr val="accent2">
+                <a:hueOff val="2841383"/>
+                <a:satOff val="14824"/>
+                <a:lumOff val="-4235"/>
+                <a:alphaOff val="0"/>
+                <a:tint val="85000"/>
+                <a:shade val="98000"/>
+                <a:satMod val="110000"/>
+                <a:lumMod val="103000"/>
+              </a:schemeClr>
+            </a:gs>
+            <a:gs pos="50000">
+              <a:schemeClr val="accent2">
+                <a:hueOff val="2841383"/>
+                <a:satOff val="14824"/>
+                <a:lumOff val="-4235"/>
+                <a:alphaOff val="0"/>
+                <a:shade val="85000"/>
+                <a:satMod val="105000"/>
+                <a:lumMod val="100000"/>
+              </a:schemeClr>
+            </a:gs>
+            <a:gs pos="100000">
+              <a:schemeClr val="accent2">
+                <a:hueOff val="2841383"/>
+                <a:satOff val="14824"/>
+                <a:lumOff val="-4235"/>
+                <a:alphaOff val="0"/>
+                <a:shade val="60000"/>
+                <a:satMod val="120000"/>
+                <a:lumMod val="100000"/>
+              </a:schemeClr>
+            </a:gs>
+          </a:gsLst>
+          <a:lin ang="5400000" scaled="0"/>
+        </a:gradFill>
+        <a:ln>
+          <a:noFill/>
+        </a:ln>
+        <a:effectLst>
+          <a:outerShdw blurRad="50800" dist="15875" dir="5400000" algn="ctr" rotWithShape="0">
+            <a:srgbClr val="000000">
+              <a:alpha val="68000"/>
+            </a:srgbClr>
+          </a:outerShdw>
+        </a:effectLst>
+      </dsp:spPr>
+      <dsp:style>
+        <a:lnRef idx="0">
+          <a:scrgbClr r="0" g="0" b="0"/>
+        </a:lnRef>
+        <a:fillRef idx="3">
+          <a:scrgbClr r="0" g="0" b="0"/>
+        </a:fillRef>
+        <a:effectRef idx="2">
+          <a:scrgbClr r="0" g="0" b="0"/>
+        </a:effectRef>
+        <a:fontRef idx="minor">
+          <a:schemeClr val="lt1"/>
+        </a:fontRef>
+      </dsp:style>
+    </dsp:sp>
+    <dsp:sp modelId="{DBE052A0-552E-4CF4-869D-0B9EB1893BF1}">
       <dsp:nvSpPr>
         <dsp:cNvPr id="0" name=""/>
         <dsp:cNvSpPr/>
       </dsp:nvSpPr>
       <dsp:spPr>
         <a:xfrm>
-          <a:off x="6645552" y="1227362"/>
-          <a:ext cx="245428" cy="2454281"/>
-        </a:xfrm>
-        <a:custGeom>
-          <a:avLst/>
-          <a:gdLst/>
-          <a:ahLst/>
-          <a:cxnLst/>
-          <a:rect l="0" t="0" r="0" b="0"/>
-          <a:pathLst>
-            <a:path>
-              <a:moveTo>
-                <a:pt x="0" y="0"/>
-              </a:moveTo>
-              <a:lnTo>
-                <a:pt x="0" y="2454281"/>
-              </a:lnTo>
-              <a:lnTo>
-                <a:pt x="245428" y="2454281"/>
-              </a:lnTo>
-            </a:path>
-          </a:pathLst>
-        </a:custGeom>
-        <a:noFill/>
-        <a:ln w="9525" cap="flat" cmpd="sng" algn="ctr">
-          <a:solidFill>
-            <a:schemeClr val="accent3">
-              <a:hueOff val="0"/>
-              <a:satOff val="0"/>
-              <a:lumOff val="0"/>
-              <a:alphaOff val="0"/>
-            </a:schemeClr>
-          </a:solidFill>
-          <a:prstDash val="solid"/>
-        </a:ln>
-        <a:effectLst/>
-      </dsp:spPr>
-      <dsp:style>
-        <a:lnRef idx="1">
-          <a:scrgbClr r="0" g="0" b="0"/>
-        </a:lnRef>
-        <a:fillRef idx="0">
-          <a:scrgbClr r="0" g="0" b="0"/>
-        </a:fillRef>
-        <a:effectRef idx="0">
-          <a:scrgbClr r="0" g="0" b="0"/>
-        </a:effectRef>
-        <a:fontRef idx="minor"/>
-      </dsp:style>
-    </dsp:sp>
-    <dsp:sp modelId="{D58FA286-8B85-4B78-9323-912B776C5BB1}">
-      <dsp:nvSpPr>
-        <dsp:cNvPr id="0" name=""/>
-        <dsp:cNvSpPr/>
-      </dsp:nvSpPr>
-      <dsp:spPr>
-        <a:xfrm>
-          <a:off x="6890980" y="3068072"/>
-          <a:ext cx="1963424" cy="1227140"/>
+          <a:off x="4041611" y="2900939"/>
+          <a:ext cx="3544572" cy="886143"/>
         </a:xfrm>
         <a:prstGeom prst="roundRect">
           <a:avLst>
@@ -26609,20 +26752,23 @@
           </a:avLst>
         </a:prstGeom>
         <a:solidFill>
-          <a:schemeClr val="lt1">
+          <a:schemeClr val="accent2">
+            <a:tint val="40000"/>
             <a:alpha val="90000"/>
-            <a:hueOff val="0"/>
-            <a:satOff val="0"/>
-            <a:lumOff val="0"/>
+            <a:hueOff val="2021318"/>
+            <a:satOff val="-1198"/>
+            <a:lumOff val="-289"/>
             <a:alphaOff val="0"/>
           </a:schemeClr>
         </a:solidFill>
         <a:ln w="9525" cap="flat" cmpd="sng" algn="ctr">
           <a:solidFill>
             <a:schemeClr val="accent2">
-              <a:hueOff val="2841383"/>
-              <a:satOff val="14824"/>
-              <a:lumOff val="-4235"/>
+              <a:tint val="40000"/>
+              <a:alpha val="90000"/>
+              <a:hueOff val="2021318"/>
+              <a:satOff val="-1198"/>
+              <a:lumOff val="-289"/>
               <a:alphaOff val="0"/>
             </a:schemeClr>
           </a:solidFill>
@@ -26643,12 +26789,12 @@
         <a:fontRef idx="minor"/>
       </dsp:style>
       <dsp:txBody>
-        <a:bodyPr spcFirstLastPara="0" vert="horz" wrap="square" lIns="38100" tIns="25400" rIns="38100" bIns="25400" numCol="1" spcCol="1270" anchor="ctr" anchorCtr="0">
+        <a:bodyPr spcFirstLastPara="0" vert="horz" wrap="square" lIns="35560" tIns="35560" rIns="35560" bIns="35560" numCol="1" spcCol="1270" anchor="ctr" anchorCtr="0">
           <a:noAutofit/>
         </a:bodyPr>
         <a:lstStyle/>
         <a:p>
-          <a:pPr marL="0" lvl="0" indent="0" algn="ctr" defTabSz="889000">
+          <a:pPr marL="0" lvl="0" indent="0" algn="ctr" defTabSz="1244600">
             <a:lnSpc>
               <a:spcPct val="90000"/>
             </a:lnSpc>
@@ -26661,7 +26807,7 @@
             <a:buNone/>
           </a:pPr>
           <a:r>
-            <a:rPr lang="en-US" sz="2000" kern="1200" dirty="0">
+            <a:rPr lang="en-US" sz="2800" kern="1200">
               <a:latin typeface="Century Gothic" panose="020B0502020202020204"/>
             </a:rPr>
             <a:t>Sum of weights equal to 1</a:t>
@@ -26669,19 +26815,19 @@
         </a:p>
       </dsp:txBody>
       <dsp:txXfrm>
-        <a:off x="6926922" y="3104014"/>
-        <a:ext cx="1891540" cy="1155256"/>
+        <a:off x="4067565" y="2926893"/>
+        <a:ext cx="3492664" cy="834235"/>
       </dsp:txXfrm>
     </dsp:sp>
-    <dsp:sp modelId="{DEDB9FE1-40E3-4F2C-8F2F-63EC39AAA7A2}">
+    <dsp:sp modelId="{FE29B2E6-0DFD-4E8D-8A1D-A3FEE9155C59}">
       <dsp:nvSpPr>
         <dsp:cNvPr id="0" name=""/>
         <dsp:cNvSpPr/>
       </dsp:nvSpPr>
       <dsp:spPr>
         <a:xfrm>
-          <a:off x="9467975" y="221"/>
-          <a:ext cx="2454281" cy="1227140"/>
+          <a:off x="8082424" y="508352"/>
+          <a:ext cx="3544572" cy="886143"/>
         </a:xfrm>
         <a:prstGeom prst="roundRect">
           <a:avLst>
@@ -26753,12 +26899,12 @@
         </a:fontRef>
       </dsp:style>
       <dsp:txBody>
-        <a:bodyPr spcFirstLastPara="0" vert="horz" wrap="square" lIns="57150" tIns="38100" rIns="57150" bIns="38100" numCol="1" spcCol="1270" anchor="ctr" anchorCtr="0">
+        <a:bodyPr spcFirstLastPara="0" vert="horz" wrap="square" lIns="45720" tIns="45720" rIns="45720" bIns="45720" numCol="1" spcCol="1270" anchor="ctr" anchorCtr="0">
           <a:noAutofit/>
         </a:bodyPr>
         <a:lstStyle/>
         <a:p>
-          <a:pPr marL="0" lvl="0" indent="0" algn="ctr" defTabSz="1333500">
+          <a:pPr marL="0" lvl="0" indent="0" algn="ctr" defTabSz="1600200">
             <a:lnSpc>
               <a:spcPct val="90000"/>
             </a:lnSpc>
@@ -26771,7 +26917,7 @@
             <a:buNone/>
           </a:pPr>
           <a:r>
-            <a:rPr lang="en-US" sz="3000" kern="1200" dirty="0">
+            <a:rPr lang="en-US" sz="3600" kern="1200">
               <a:latin typeface="Century Gothic" panose="020B0502020202020204"/>
             </a:rPr>
             <a:t>Confidence</a:t>
@@ -26779,76 +26925,100 @@
         </a:p>
       </dsp:txBody>
       <dsp:txXfrm>
-        <a:off x="9503917" y="36163"/>
-        <a:ext cx="2382397" cy="1155256"/>
+        <a:off x="8108378" y="534306"/>
+        <a:ext cx="3492664" cy="834235"/>
       </dsp:txXfrm>
     </dsp:sp>
-    <dsp:sp modelId="{801A3F91-A3BB-43A5-946E-78A7FC616E07}">
+    <dsp:sp modelId="{F27FDEDF-EFBC-406B-845C-1BC921088F27}">
+      <dsp:nvSpPr>
+        <dsp:cNvPr id="0" name=""/>
+        <dsp:cNvSpPr/>
+      </dsp:nvSpPr>
+      <dsp:spPr>
+        <a:xfrm rot="5400000">
+          <a:off x="9777173" y="1472033"/>
+          <a:ext cx="155075" cy="155075"/>
+        </a:xfrm>
+        <a:prstGeom prst="rightArrow">
+          <a:avLst>
+            <a:gd name="adj1" fmla="val 66700"/>
+            <a:gd name="adj2" fmla="val 50000"/>
+          </a:avLst>
+        </a:prstGeom>
+        <a:gradFill rotWithShape="0">
+          <a:gsLst>
+            <a:gs pos="0">
+              <a:schemeClr val="accent2">
+                <a:hueOff val="3788511"/>
+                <a:satOff val="19766"/>
+                <a:lumOff val="-5646"/>
+                <a:alphaOff val="0"/>
+                <a:tint val="85000"/>
+                <a:shade val="98000"/>
+                <a:satMod val="110000"/>
+                <a:lumMod val="103000"/>
+              </a:schemeClr>
+            </a:gs>
+            <a:gs pos="50000">
+              <a:schemeClr val="accent2">
+                <a:hueOff val="3788511"/>
+                <a:satOff val="19766"/>
+                <a:lumOff val="-5646"/>
+                <a:alphaOff val="0"/>
+                <a:shade val="85000"/>
+                <a:satMod val="105000"/>
+                <a:lumMod val="100000"/>
+              </a:schemeClr>
+            </a:gs>
+            <a:gs pos="100000">
+              <a:schemeClr val="accent2">
+                <a:hueOff val="3788511"/>
+                <a:satOff val="19766"/>
+                <a:lumOff val="-5646"/>
+                <a:alphaOff val="0"/>
+                <a:shade val="60000"/>
+                <a:satMod val="120000"/>
+                <a:lumMod val="100000"/>
+              </a:schemeClr>
+            </a:gs>
+          </a:gsLst>
+          <a:lin ang="5400000" scaled="0"/>
+        </a:gradFill>
+        <a:ln>
+          <a:noFill/>
+        </a:ln>
+        <a:effectLst>
+          <a:outerShdw blurRad="50800" dist="15875" dir="5400000" algn="ctr" rotWithShape="0">
+            <a:srgbClr val="000000">
+              <a:alpha val="68000"/>
+            </a:srgbClr>
+          </a:outerShdw>
+        </a:effectLst>
+      </dsp:spPr>
+      <dsp:style>
+        <a:lnRef idx="0">
+          <a:scrgbClr r="0" g="0" b="0"/>
+        </a:lnRef>
+        <a:fillRef idx="3">
+          <a:scrgbClr r="0" g="0" b="0"/>
+        </a:fillRef>
+        <a:effectRef idx="2">
+          <a:scrgbClr r="0" g="0" b="0"/>
+        </a:effectRef>
+        <a:fontRef idx="minor">
+          <a:schemeClr val="lt1"/>
+        </a:fontRef>
+      </dsp:style>
+    </dsp:sp>
+    <dsp:sp modelId="{147C6C62-E4C1-4262-ABF0-82E969C3FF31}">
       <dsp:nvSpPr>
         <dsp:cNvPr id="0" name=""/>
         <dsp:cNvSpPr/>
       </dsp:nvSpPr>
       <dsp:spPr>
         <a:xfrm>
-          <a:off x="9713403" y="1227362"/>
-          <a:ext cx="245428" cy="920355"/>
-        </a:xfrm>
-        <a:custGeom>
-          <a:avLst/>
-          <a:gdLst/>
-          <a:ahLst/>
-          <a:cxnLst/>
-          <a:rect l="0" t="0" r="0" b="0"/>
-          <a:pathLst>
-            <a:path>
-              <a:moveTo>
-                <a:pt x="0" y="0"/>
-              </a:moveTo>
-              <a:lnTo>
-                <a:pt x="0" y="920355"/>
-              </a:lnTo>
-              <a:lnTo>
-                <a:pt x="245428" y="920355"/>
-              </a:lnTo>
-            </a:path>
-          </a:pathLst>
-        </a:custGeom>
-        <a:noFill/>
-        <a:ln w="9525" cap="flat" cmpd="sng" algn="ctr">
-          <a:solidFill>
-            <a:schemeClr val="accent3">
-              <a:hueOff val="0"/>
-              <a:satOff val="0"/>
-              <a:lumOff val="0"/>
-              <a:alphaOff val="0"/>
-            </a:schemeClr>
-          </a:solidFill>
-          <a:prstDash val="solid"/>
-        </a:ln>
-        <a:effectLst/>
-      </dsp:spPr>
-      <dsp:style>
-        <a:lnRef idx="1">
-          <a:scrgbClr r="0" g="0" b="0"/>
-        </a:lnRef>
-        <a:fillRef idx="0">
-          <a:scrgbClr r="0" g="0" b="0"/>
-        </a:fillRef>
-        <a:effectRef idx="0">
-          <a:scrgbClr r="0" g="0" b="0"/>
-        </a:effectRef>
-        <a:fontRef idx="minor"/>
-      </dsp:style>
-    </dsp:sp>
-    <dsp:sp modelId="{FC0A8545-B1E7-4886-B301-B5DC9513741B}">
-      <dsp:nvSpPr>
-        <dsp:cNvPr id="0" name=""/>
-        <dsp:cNvSpPr/>
-      </dsp:nvSpPr>
-      <dsp:spPr>
-        <a:xfrm>
-          <a:off x="9958832" y="1534147"/>
-          <a:ext cx="1963424" cy="1227140"/>
+          <a:off x="8082424" y="1704645"/>
+          <a:ext cx="3544572" cy="886143"/>
         </a:xfrm>
         <a:prstGeom prst="roundRect">
           <a:avLst>
@@ -26856,20 +27026,23 @@
           </a:avLst>
         </a:prstGeom>
         <a:solidFill>
-          <a:schemeClr val="lt1">
+          <a:schemeClr val="accent2">
+            <a:tint val="40000"/>
             <a:alpha val="90000"/>
-            <a:hueOff val="0"/>
-            <a:satOff val="0"/>
-            <a:lumOff val="0"/>
+            <a:hueOff val="2695091"/>
+            <a:satOff val="-1597"/>
+            <a:lumOff val="-386"/>
             <a:alphaOff val="0"/>
           </a:schemeClr>
         </a:solidFill>
         <a:ln w="9525" cap="flat" cmpd="sng" algn="ctr">
           <a:solidFill>
             <a:schemeClr val="accent2">
-              <a:hueOff val="3788511"/>
-              <a:satOff val="19766"/>
-              <a:lumOff val="-5646"/>
+              <a:tint val="40000"/>
+              <a:alpha val="90000"/>
+              <a:hueOff val="2695091"/>
+              <a:satOff val="-1597"/>
+              <a:lumOff val="-386"/>
               <a:alphaOff val="0"/>
             </a:schemeClr>
           </a:solidFill>
@@ -26890,12 +27063,12 @@
         <a:fontRef idx="minor"/>
       </dsp:style>
       <dsp:txBody>
-        <a:bodyPr spcFirstLastPara="0" vert="horz" wrap="square" lIns="38100" tIns="25400" rIns="38100" bIns="25400" numCol="1" spcCol="1270" anchor="ctr" anchorCtr="0">
+        <a:bodyPr spcFirstLastPara="0" vert="horz" wrap="square" lIns="35560" tIns="35560" rIns="35560" bIns="35560" numCol="1" spcCol="1270" anchor="ctr" anchorCtr="0">
           <a:noAutofit/>
         </a:bodyPr>
         <a:lstStyle/>
         <a:p>
-          <a:pPr marL="0" lvl="0" indent="0" algn="ctr" defTabSz="889000">
+          <a:pPr marL="0" lvl="0" indent="0" algn="ctr" defTabSz="1244600">
             <a:lnSpc>
               <a:spcPct val="90000"/>
             </a:lnSpc>
@@ -26908,87 +27081,111 @@
             <a:buNone/>
           </a:pPr>
           <a:r>
-            <a:rPr lang="en-US" sz="2000" kern="1200" dirty="0">
+            <a:rPr lang="en-US" sz="2800" kern="1200">
               <a:solidFill>
                 <a:srgbClr val="000000"/>
               </a:solidFill>
               <a:latin typeface="Century Gothic" panose="020B0502020202020204"/>
             </a:rPr>
-            <a:t>Sum of each field's similarity * each field's weight</a:t>
+            <a:t>Sum of each field's similarity *weight</a:t>
           </a:r>
         </a:p>
       </dsp:txBody>
       <dsp:txXfrm>
-        <a:off x="9994774" y="1570089"/>
-        <a:ext cx="1891540" cy="1155256"/>
+        <a:off x="8108378" y="1730599"/>
+        <a:ext cx="3492664" cy="834235"/>
       </dsp:txXfrm>
     </dsp:sp>
-    <dsp:sp modelId="{C105D1A1-BFE6-4EA4-AA0C-3F37135E55EA}">
+    <dsp:sp modelId="{280C6913-0113-4971-8841-173AD483A080}">
+      <dsp:nvSpPr>
+        <dsp:cNvPr id="0" name=""/>
+        <dsp:cNvSpPr/>
+      </dsp:nvSpPr>
+      <dsp:spPr>
+        <a:xfrm rot="5400000">
+          <a:off x="9777173" y="2668326"/>
+          <a:ext cx="155075" cy="155075"/>
+        </a:xfrm>
+        <a:prstGeom prst="rightArrow">
+          <a:avLst>
+            <a:gd name="adj1" fmla="val 66700"/>
+            <a:gd name="adj2" fmla="val 50000"/>
+          </a:avLst>
+        </a:prstGeom>
+        <a:gradFill rotWithShape="0">
+          <a:gsLst>
+            <a:gs pos="0">
+              <a:schemeClr val="accent2">
+                <a:hueOff val="4735638"/>
+                <a:satOff val="24707"/>
+                <a:lumOff val="-7058"/>
+                <a:alphaOff val="0"/>
+                <a:tint val="85000"/>
+                <a:shade val="98000"/>
+                <a:satMod val="110000"/>
+                <a:lumMod val="103000"/>
+              </a:schemeClr>
+            </a:gs>
+            <a:gs pos="50000">
+              <a:schemeClr val="accent2">
+                <a:hueOff val="4735638"/>
+                <a:satOff val="24707"/>
+                <a:lumOff val="-7058"/>
+                <a:alphaOff val="0"/>
+                <a:shade val="85000"/>
+                <a:satMod val="105000"/>
+                <a:lumMod val="100000"/>
+              </a:schemeClr>
+            </a:gs>
+            <a:gs pos="100000">
+              <a:schemeClr val="accent2">
+                <a:hueOff val="4735638"/>
+                <a:satOff val="24707"/>
+                <a:lumOff val="-7058"/>
+                <a:alphaOff val="0"/>
+                <a:shade val="60000"/>
+                <a:satMod val="120000"/>
+                <a:lumMod val="100000"/>
+              </a:schemeClr>
+            </a:gs>
+          </a:gsLst>
+          <a:lin ang="5400000" scaled="0"/>
+        </a:gradFill>
+        <a:ln>
+          <a:noFill/>
+        </a:ln>
+        <a:effectLst>
+          <a:outerShdw blurRad="50800" dist="15875" dir="5400000" algn="ctr" rotWithShape="0">
+            <a:srgbClr val="000000">
+              <a:alpha val="68000"/>
+            </a:srgbClr>
+          </a:outerShdw>
+        </a:effectLst>
+      </dsp:spPr>
+      <dsp:style>
+        <a:lnRef idx="0">
+          <a:scrgbClr r="0" g="0" b="0"/>
+        </a:lnRef>
+        <a:fillRef idx="3">
+          <a:scrgbClr r="0" g="0" b="0"/>
+        </a:fillRef>
+        <a:effectRef idx="2">
+          <a:scrgbClr r="0" g="0" b="0"/>
+        </a:effectRef>
+        <a:fontRef idx="minor">
+          <a:schemeClr val="lt1"/>
+        </a:fontRef>
+      </dsp:style>
+    </dsp:sp>
+    <dsp:sp modelId="{67132EA2-E65B-47AF-8306-9F33DDC80205}">
       <dsp:nvSpPr>
         <dsp:cNvPr id="0" name=""/>
         <dsp:cNvSpPr/>
       </dsp:nvSpPr>
       <dsp:spPr>
         <a:xfrm>
-          <a:off x="9713403" y="1227362"/>
-          <a:ext cx="245428" cy="2454281"/>
-        </a:xfrm>
-        <a:custGeom>
-          <a:avLst/>
-          <a:gdLst/>
-          <a:ahLst/>
-          <a:cxnLst/>
-          <a:rect l="0" t="0" r="0" b="0"/>
-          <a:pathLst>
-            <a:path>
-              <a:moveTo>
-                <a:pt x="0" y="0"/>
-              </a:moveTo>
-              <a:lnTo>
-                <a:pt x="0" y="2454281"/>
-              </a:lnTo>
-              <a:lnTo>
-                <a:pt x="245428" y="2454281"/>
-              </a:lnTo>
-            </a:path>
-          </a:pathLst>
-        </a:custGeom>
-        <a:noFill/>
-        <a:ln w="9525" cap="flat" cmpd="sng" algn="ctr">
-          <a:solidFill>
-            <a:schemeClr val="accent3">
-              <a:hueOff val="0"/>
-              <a:satOff val="0"/>
-              <a:lumOff val="0"/>
-              <a:alphaOff val="0"/>
-            </a:schemeClr>
-          </a:solidFill>
-          <a:prstDash val="solid"/>
-        </a:ln>
-        <a:effectLst/>
-      </dsp:spPr>
-      <dsp:style>
-        <a:lnRef idx="1">
-          <a:scrgbClr r="0" g="0" b="0"/>
-        </a:lnRef>
-        <a:fillRef idx="0">
-          <a:scrgbClr r="0" g="0" b="0"/>
-        </a:fillRef>
-        <a:effectRef idx="0">
-          <a:scrgbClr r="0" g="0" b="0"/>
-        </a:effectRef>
-        <a:fontRef idx="minor"/>
-      </dsp:style>
-    </dsp:sp>
-    <dsp:sp modelId="{2AD232D8-5676-4004-AD16-05DB14DE102C}">
-      <dsp:nvSpPr>
-        <dsp:cNvPr id="0" name=""/>
-        <dsp:cNvSpPr/>
-      </dsp:nvSpPr>
-      <dsp:spPr>
-        <a:xfrm>
-          <a:off x="9958832" y="3068072"/>
-          <a:ext cx="1963424" cy="1227140"/>
+          <a:off x="8082424" y="2900939"/>
+          <a:ext cx="3544572" cy="886143"/>
         </a:xfrm>
         <a:prstGeom prst="roundRect">
           <a:avLst>
@@ -26996,20 +27193,23 @@
           </a:avLst>
         </a:prstGeom>
         <a:solidFill>
-          <a:schemeClr val="lt1">
+          <a:schemeClr val="accent2">
+            <a:tint val="40000"/>
             <a:alpha val="90000"/>
-            <a:hueOff val="0"/>
-            <a:satOff val="0"/>
-            <a:lumOff val="0"/>
+            <a:hueOff val="3368864"/>
+            <a:satOff val="-1996"/>
+            <a:lumOff val="-482"/>
             <a:alphaOff val="0"/>
           </a:schemeClr>
         </a:solidFill>
         <a:ln w="9525" cap="flat" cmpd="sng" algn="ctr">
           <a:solidFill>
             <a:schemeClr val="accent2">
-              <a:hueOff val="4735638"/>
-              <a:satOff val="24707"/>
-              <a:lumOff val="-7058"/>
+              <a:tint val="40000"/>
+              <a:alpha val="90000"/>
+              <a:hueOff val="3368864"/>
+              <a:satOff val="-1996"/>
+              <a:lumOff val="-482"/>
               <a:alphaOff val="0"/>
             </a:schemeClr>
           </a:solidFill>
@@ -27030,12 +27230,12 @@
         <a:fontRef idx="minor"/>
       </dsp:style>
       <dsp:txBody>
-        <a:bodyPr spcFirstLastPara="0" vert="horz" wrap="square" lIns="38100" tIns="25400" rIns="38100" bIns="25400" numCol="1" spcCol="1270" anchor="ctr" anchorCtr="0">
+        <a:bodyPr spcFirstLastPara="0" vert="horz" wrap="square" lIns="35560" tIns="35560" rIns="35560" bIns="35560" numCol="1" spcCol="1270" anchor="ctr" anchorCtr="0">
           <a:noAutofit/>
         </a:bodyPr>
         <a:lstStyle/>
         <a:p>
-          <a:pPr marL="0" lvl="0" indent="0" algn="ctr" defTabSz="889000">
+          <a:pPr marL="0" lvl="0" indent="0" algn="ctr" defTabSz="1244600">
             <a:lnSpc>
               <a:spcPct val="90000"/>
             </a:lnSpc>
@@ -27048,7 +27248,7 @@
             <a:buNone/>
           </a:pPr>
           <a:r>
-            <a:rPr lang="en-US" sz="2000" kern="1200" dirty="0">
+            <a:rPr lang="en-US" sz="2800" kern="1200">
               <a:latin typeface="Century Gothic" panose="020B0502020202020204"/>
             </a:rPr>
             <a:t>A score of 100 is a perfect match</a:t>
@@ -27056,8 +27256,8 @@
         </a:p>
       </dsp:txBody>
       <dsp:txXfrm>
-        <a:off x="9994774" y="3104014"/>
-        <a:ext cx="1891540" cy="1155256"/>
+        <a:off x="8108378" y="2926893"/>
+        <a:ext cx="3492664" cy="834235"/>
       </dsp:txXfrm>
     </dsp:sp>
   </dsp:spTree>
@@ -29962,15 +30162,56 @@
 </file>
 
 <file path=ppt/diagrams/layout6.xml><?xml version="1.0" encoding="utf-8"?>
-<dgm:layoutDef xmlns:dgm="http://schemas.openxmlformats.org/drawingml/2006/diagram" xmlns:a="http://schemas.openxmlformats.org/drawingml/2006/main" uniqueId="urn:microsoft.com/office/officeart/2016/7/layout/ChevronBlockProcess">
-  <dgm:title val="Chevron Block Process"/>
-  <dgm:desc val="Use to show a progression; a timeline; sequential steps in a task, process, or workflow; or to emphasize movement or direction. Level 1 text appears inside an arrow shape while Level 2 text appears below the arrow shapes."/>
+<dgm:layoutDef xmlns:dgm="http://schemas.openxmlformats.org/drawingml/2006/diagram" xmlns:a="http://schemas.openxmlformats.org/drawingml/2006/main" uniqueId="urn:microsoft.com/office/officeart/2005/8/layout/hList1">
+  <dgm:title val=""/>
+  <dgm:desc val=""/>
   <dgm:catLst>
-    <dgm:cat type="process" pri="500"/>
+    <dgm:cat type="list" pri="5000"/>
+    <dgm:cat type="convert" pri="5000"/>
   </dgm:catLst>
-  <dgm:sampData useDef="1">
+  <dgm:sampData>
     <dgm:dataModel>
-      <dgm:ptLst/>
+      <dgm:ptLst>
+        <dgm:pt modelId="0" type="doc"/>
+        <dgm:pt modelId="1">
+          <dgm:prSet phldr="1"/>
+        </dgm:pt>
+        <dgm:pt modelId="11">
+          <dgm:prSet phldr="1"/>
+        </dgm:pt>
+        <dgm:pt modelId="12">
+          <dgm:prSet phldr="1"/>
+        </dgm:pt>
+        <dgm:pt modelId="2">
+          <dgm:prSet phldr="1"/>
+        </dgm:pt>
+        <dgm:pt modelId="21">
+          <dgm:prSet phldr="1"/>
+        </dgm:pt>
+        <dgm:pt modelId="22">
+          <dgm:prSet phldr="1"/>
+        </dgm:pt>
+        <dgm:pt modelId="3">
+          <dgm:prSet phldr="1"/>
+        </dgm:pt>
+        <dgm:pt modelId="31">
+          <dgm:prSet phldr="1"/>
+        </dgm:pt>
+        <dgm:pt modelId="32">
+          <dgm:prSet phldr="1"/>
+        </dgm:pt>
+      </dgm:ptLst>
+      <dgm:cxnLst>
+        <dgm:cxn modelId="4" srcId="0" destId="1" srcOrd="0" destOrd="0"/>
+        <dgm:cxn modelId="5" srcId="0" destId="2" srcOrd="1" destOrd="0"/>
+        <dgm:cxn modelId="6" srcId="0" destId="3" srcOrd="2" destOrd="0"/>
+        <dgm:cxn modelId="13" srcId="1" destId="11" srcOrd="0" destOrd="0"/>
+        <dgm:cxn modelId="14" srcId="1" destId="12" srcOrd="1" destOrd="0"/>
+        <dgm:cxn modelId="23" srcId="2" destId="21" srcOrd="0" destOrd="0"/>
+        <dgm:cxn modelId="24" srcId="2" destId="22" srcOrd="1" destOrd="0"/>
+        <dgm:cxn modelId="33" srcId="3" destId="31" srcOrd="0" destOrd="0"/>
+        <dgm:cxn modelId="34" srcId="3" destId="32" srcOrd="1" destOrd="0"/>
+      </dgm:cxnLst>
       <dgm:bg/>
       <dgm:whole/>
     </dgm:dataModel>
@@ -29979,8 +30220,12 @@
     <dgm:dataModel>
       <dgm:ptLst>
         <dgm:pt modelId="0" type="doc"/>
-        <dgm:pt modelId="1"/>
-        <dgm:pt modelId="2"/>
+        <dgm:pt modelId="1">
+          <dgm:prSet phldr="1"/>
+        </dgm:pt>
+        <dgm:pt modelId="2">
+          <dgm:prSet phldr="1"/>
+        </dgm:pt>
       </dgm:ptLst>
       <dgm:cxnLst>
         <dgm:cxn modelId="3" srcId="0" destId="1" srcOrd="0" destOrd="0"/>
@@ -29994,10 +30239,18 @@
     <dgm:dataModel>
       <dgm:ptLst>
         <dgm:pt modelId="0" type="doc"/>
-        <dgm:pt modelId="1"/>
-        <dgm:pt modelId="2"/>
-        <dgm:pt modelId="3"/>
-        <dgm:pt modelId="4"/>
+        <dgm:pt modelId="1">
+          <dgm:prSet phldr="1"/>
+        </dgm:pt>
+        <dgm:pt modelId="2">
+          <dgm:prSet phldr="1"/>
+        </dgm:pt>
+        <dgm:pt modelId="3">
+          <dgm:prSet phldr="1"/>
+        </dgm:pt>
+        <dgm:pt modelId="4">
+          <dgm:prSet phldr="1"/>
+        </dgm:pt>
       </dgm:ptLst>
       <dgm:cxnLst>
         <dgm:cxn modelId="5" srcId="0" destId="1" srcOrd="0" destOrd="0"/>
@@ -30030,49 +30283,37 @@
     </dgm:shape>
     <dgm:presOf/>
     <dgm:constrLst>
-      <dgm:constr type="h" for="ch" forName="composite" refType="h" fact="0.6"/>
-      <dgm:constr type="h" for="des" forName="composite" op="equ"/>
+      <dgm:constr type="h" for="ch" forName="composite" refType="h"/>
       <dgm:constr type="w" for="ch" forName="composite" refType="w"/>
       <dgm:constr type="w" for="des" forName="parTx"/>
       <dgm:constr type="h" for="des" forName="parTx" op="equ"/>
       <dgm:constr type="w" for="des" forName="desTx"/>
-      <dgm:constr type="primFontSz" for="des" forName="parTx" val="28"/>
-      <dgm:constr type="primFontSz" for="des" forName="desTx" refType="primFontSz" refFor="des" refForName="parTx" op="lte" fact="0.75"/>
       <dgm:constr type="h" for="des" forName="desTx" op="equ"/>
-      <dgm:constr type="w" for="ch" forName="space" refType="w" op="equ" fact="-0.005"/>
+      <dgm:constr type="primFontSz" for="des" forName="parTx" val="65"/>
+      <dgm:constr type="secFontSz" for="des" forName="desTx" refType="primFontSz" refFor="des" refForName="parTx" op="equ"/>
+      <dgm:constr type="h" for="des" forName="parTx" refType="primFontSz" refFor="des" refForName="parTx" fact="0.8"/>
+      <dgm:constr type="h" for="des" forName="desTx" refType="primFontSz" refFor="des" refForName="parTx" fact="1.22"/>
+      <dgm:constr type="w" for="ch" forName="space" refType="w" refFor="ch" refForName="composite" op="equ" fact="0.14"/>
     </dgm:constrLst>
     <dgm:ruleLst>
       <dgm:rule type="w" for="ch" forName="composite" val="0" fact="NaN" max="NaN"/>
+      <dgm:rule type="primFontSz" for="des" forName="parTx" val="5" fact="NaN" max="NaN"/>
     </dgm:ruleLst>
-    <dgm:forEach name="Name6" axis="ch" ptType="node">
+    <dgm:forEach name="Name4" axis="ch" ptType="node">
       <dgm:layoutNode name="composite">
         <dgm:alg type="composite"/>
         <dgm:shape xmlns:r="http://schemas.openxmlformats.org/officeDocument/2006/relationships" r:blip="">
           <dgm:adjLst/>
         </dgm:shape>
         <dgm:presOf/>
-        <dgm:choose name="Name7">
-          <dgm:if name="Name8" func="var" arg="dir" op="equ" val="norm">
-            <dgm:constrLst>
-              <dgm:constr type="l" for="ch" forName="parTx"/>
-              <dgm:constr type="w" for="ch" forName="parTx" refType="w"/>
-              <dgm:constr type="t" for="ch" forName="parTx"/>
-              <dgm:constr type="l" for="ch" forName="desTx"/>
-              <dgm:constr type="w" for="ch" forName="desTx" refType="w" refFor="ch" refForName="parTx" fact="0.91"/>
-              <dgm:constr type="t" for="ch" forName="desTx" refType="h" refFor="ch" refForName="parTx"/>
-            </dgm:constrLst>
-          </dgm:if>
-          <dgm:else name="Name9">
-            <dgm:constrLst>
-              <dgm:constr type="l" for="ch" forName="parTx"/>
-              <dgm:constr type="w" for="ch" forName="parTx" refType="w"/>
-              <dgm:constr type="t" for="ch" forName="parTx"/>
-              <dgm:constr type="l" for="ch" forName="desTx" refType="w" fact="0.09"/>
-              <dgm:constr type="w" for="ch" forName="desTx" refType="w" refFor="ch" refForName="parTx" fact="0.91"/>
-              <dgm:constr type="t" for="ch" forName="desTx" refType="h" refFor="ch" refForName="parTx"/>
-            </dgm:constrLst>
-          </dgm:else>
-        </dgm:choose>
+        <dgm:constrLst>
+          <dgm:constr type="l" for="ch" forName="parTx"/>
+          <dgm:constr type="w" for="ch" forName="parTx" refType="w"/>
+          <dgm:constr type="t" for="ch" forName="parTx"/>
+          <dgm:constr type="l" for="ch" forName="desTx"/>
+          <dgm:constr type="w" for="ch" forName="desTx" refType="w" refFor="ch" refForName="parTx"/>
+          <dgm:constr type="t" for="ch" forName="desTx" refType="h" refFor="ch" refForName="parTx"/>
+        </dgm:constrLst>
         <dgm:ruleLst>
           <dgm:rule type="h" val="INF" fact="NaN" max="NaN"/>
         </dgm:ruleLst>
@@ -30080,78 +30321,48 @@
           <dgm:varLst>
             <dgm:chMax val="0"/>
             <dgm:chPref val="0"/>
+            <dgm:bulletEnabled val="1"/>
           </dgm:varLst>
           <dgm:alg type="tx"/>
-          <dgm:choose name="Name10">
-            <dgm:if name="Name11" func="var" arg="dir" op="equ" val="norm">
-              <dgm:shape xmlns:r="http://schemas.openxmlformats.org/officeDocument/2006/relationships" type="chevron" r:blip="">
-                <dgm:adjLst>
-                  <dgm:adj idx="1" val="0.3"/>
-                </dgm:adjLst>
-              </dgm:shape>
-            </dgm:if>
-            <dgm:else name="Name12">
-              <dgm:shape xmlns:r="http://schemas.openxmlformats.org/officeDocument/2006/relationships" rot="180" type="chevron" r:blip="">
-                <dgm:adjLst/>
-              </dgm:shape>
-            </dgm:else>
-          </dgm:choose>
+          <dgm:shape xmlns:r="http://schemas.openxmlformats.org/officeDocument/2006/relationships" type="rect" r:blip="">
+            <dgm:adjLst/>
+          </dgm:shape>
           <dgm:presOf axis="self" ptType="node"/>
-          <dgm:choose name="Name13">
-            <dgm:if name="Name14" func="var" arg="dir" op="equ" val="norm">
-              <dgm:constrLst>
-                <dgm:constr type="h" refType="w" op="lte" fact="0.3"/>
-                <dgm:constr type="h"/>
-                <dgm:constr type="tMarg" refType="w" fact="0.105"/>
-                <dgm:constr type="bMarg" refType="w" fact="0.105"/>
-                <dgm:constr type="lMarg" refType="w" fact="0.105"/>
-                <dgm:constr type="rMarg" refType="w" fact="0.105"/>
-              </dgm:constrLst>
-            </dgm:if>
-            <dgm:else name="Name15">
-              <dgm:constrLst>
-                <dgm:constr type="h" refType="w" op="lte" fact="0.3"/>
-                <dgm:constr type="h"/>
-                <dgm:constr type="tMarg" refType="w" fact="0.105"/>
-                <dgm:constr type="bMarg" refType="w" fact="0.105"/>
-                <dgm:constr type="lMarg" refType="w" fact="0.105"/>
-                <dgm:constr type="rMarg" refType="w" fact="0.105"/>
-              </dgm:constrLst>
-            </dgm:else>
-          </dgm:choose>
+          <dgm:constrLst>
+            <dgm:constr type="h" refType="w" op="lte" fact="0.4"/>
+            <dgm:constr type="h"/>
+            <dgm:constr type="tMarg" refType="primFontSz" fact="0.32"/>
+            <dgm:constr type="bMarg" refType="primFontSz" fact="0.32"/>
+          </dgm:constrLst>
           <dgm:ruleLst>
             <dgm:rule type="h" val="INF" fact="NaN" max="NaN"/>
-            <dgm:rule type="primFontSz" val="14" fact="NaN" max="NaN"/>
           </dgm:ruleLst>
         </dgm:layoutNode>
         <dgm:layoutNode name="desTx" styleLbl="alignAccFollowNode1">
-          <dgm:varLst/>
+          <dgm:varLst>
+            <dgm:bulletEnabled val="1"/>
+          </dgm:varLst>
           <dgm:alg type="tx">
-            <dgm:param type="stBulletLvl" val="0"/>
-            <dgm:param type="txAnchorVert" val="t"/>
-            <dgm:param type="parTxLTRAlign" val="l"/>
-            <dgm:param type="shpTxLTRAlignCh" val="l"/>
-            <dgm:param type="parTxRTLAlign" val="r"/>
-            <dgm:param type="shpTxRTLAlignCh" val="r"/>
+            <dgm:param type="stBulletLvl" val="1"/>
           </dgm:alg>
           <dgm:shape xmlns:r="http://schemas.openxmlformats.org/officeDocument/2006/relationships" type="rect" r:blip="">
             <dgm:adjLst/>
           </dgm:shape>
           <dgm:presOf axis="des" ptType="node"/>
           <dgm:constrLst>
-            <dgm:constr type="primFontSz" val="20"/>
-            <dgm:constr type="tMarg" refType="w" fact="0.224"/>
-            <dgm:constr type="bMarg" refType="w" fact="0.448"/>
-            <dgm:constr type="lMarg" refType="w" fact="0.224"/>
-            <dgm:constr type="rMarg" refType="w" fact="0.224"/>
+            <dgm:constr type="secFontSz" val="65"/>
+            <dgm:constr type="primFontSz" refType="secFontSz"/>
+            <dgm:constr type="h"/>
+            <dgm:constr type="lMarg" refType="primFontSz" fact="0.42"/>
+            <dgm:constr type="tMarg" refType="primFontSz" fact="0.42"/>
+            <dgm:constr type="bMarg" refType="primFontSz" fact="0.63"/>
           </dgm:constrLst>
           <dgm:ruleLst>
             <dgm:rule type="h" val="INF" fact="NaN" max="NaN"/>
-            <dgm:rule type="primFontSz" val="11" fact="NaN" max="NaN"/>
           </dgm:ruleLst>
         </dgm:layoutNode>
       </dgm:layoutNode>
-      <dgm:forEach name="Name19" axis="followSib" ptType="sibTrans" cnt="1">
+      <dgm:forEach name="Name5" axis="followSib" ptType="sibTrans" cnt="1">
         <dgm:layoutNode name="space">
           <dgm:alg type="sp"/>
           <dgm:shape xmlns:r="http://schemas.openxmlformats.org/officeDocument/2006/relationships" r:blip="">
@@ -30618,26 +30829,17 @@
 </file>
 
 <file path=ppt/diagrams/layout9.xml><?xml version="1.0" encoding="utf-8"?>
-<dgm:layoutDef xmlns:dgm="http://schemas.openxmlformats.org/drawingml/2006/diagram" xmlns:a="http://schemas.openxmlformats.org/drawingml/2006/main" uniqueId="urn:microsoft.com/office/officeart/2005/8/layout/hierarchy3">
+<dgm:layoutDef xmlns:dgm="http://schemas.openxmlformats.org/drawingml/2006/diagram" xmlns:a="http://schemas.openxmlformats.org/drawingml/2006/main" uniqueId="urn:microsoft.com/office/officeart/2005/8/layout/lProcess1">
   <dgm:title val=""/>
   <dgm:desc val=""/>
   <dgm:catLst>
-    <dgm:cat type="hierarchy" pri="7000"/>
-    <dgm:cat type="list" pri="23000"/>
-    <dgm:cat type="relationship" pri="15000"/>
-    <dgm:cat type="convert" pri="7000"/>
+    <dgm:cat type="process" pri="15000"/>
   </dgm:catLst>
   <dgm:sampData>
     <dgm:dataModel>
       <dgm:ptLst>
         <dgm:pt modelId="0" type="doc"/>
         <dgm:pt modelId="1">
-          <dgm:prSet phldr="1"/>
-        </dgm:pt>
-        <dgm:pt modelId="11">
-          <dgm:prSet phldr="1"/>
-        </dgm:pt>
-        <dgm:pt modelId="12">
           <dgm:prSet phldr="1"/>
         </dgm:pt>
         <dgm:pt modelId="2">
@@ -30649,14 +30851,20 @@
         <dgm:pt modelId="22">
           <dgm:prSet phldr="1"/>
         </dgm:pt>
+        <dgm:pt modelId="3">
+          <dgm:prSet phldr="1"/>
+        </dgm:pt>
+        <dgm:pt modelId="31">
+          <dgm:prSet phldr="1"/>
+        </dgm:pt>
       </dgm:ptLst>
       <dgm:cxnLst>
         <dgm:cxn modelId="4" srcId="0" destId="1" srcOrd="0" destOrd="0"/>
-        <dgm:cxn modelId="5" srcId="1" destId="11" srcOrd="0" destOrd="0"/>
-        <dgm:cxn modelId="6" srcId="1" destId="12" srcOrd="1" destOrd="0"/>
-        <dgm:cxn modelId="7" srcId="0" destId="2" srcOrd="1" destOrd="0"/>
-        <dgm:cxn modelId="8" srcId="2" destId="21" srcOrd="0" destOrd="0"/>
-        <dgm:cxn modelId="9" srcId="2" destId="22" srcOrd="1" destOrd="0"/>
+        <dgm:cxn modelId="5" srcId="0" destId="2" srcOrd="0" destOrd="0"/>
+        <dgm:cxn modelId="6" srcId="1" destId="3" srcOrd="1" destOrd="0"/>
+        <dgm:cxn modelId="23" srcId="2" destId="21" srcOrd="0" destOrd="0"/>
+        <dgm:cxn modelId="24" srcId="2" destId="22" srcOrd="1" destOrd="0"/>
+        <dgm:cxn modelId="33" srcId="1" destId="31" srcOrd="0" destOrd="0"/>
       </dgm:cxnLst>
       <dgm:bg/>
       <dgm:whole/>
@@ -30669,13 +30877,13 @@
         <dgm:pt modelId="1"/>
         <dgm:pt modelId="11"/>
         <dgm:pt modelId="2"/>
-        <dgm:pt modelId="21"/>
+        <dgm:pt modelId="22"/>
       </dgm:ptLst>
       <dgm:cxnLst>
-        <dgm:cxn modelId="4" srcId="0" destId="1" srcOrd="0" destOrd="0"/>
-        <dgm:cxn modelId="5" srcId="0" destId="2" srcOrd="1" destOrd="0"/>
-        <dgm:cxn modelId="13" srcId="1" destId="11" srcOrd="0" destOrd="0"/>
-        <dgm:cxn modelId="23" srcId="2" destId="21" srcOrd="0" destOrd="0"/>
+        <dgm:cxn modelId="3" srcId="0" destId="1" srcOrd="0" destOrd="0"/>
+        <dgm:cxn modelId="4" srcId="0" destId="2" srcOrd="0" destOrd="0"/>
+        <dgm:cxn modelId="5" srcId="1" destId="11" srcOrd="0" destOrd="0"/>
+        <dgm:cxn modelId="6" srcId="2" destId="22" srcOrd="0" destOrd="0"/>
       </dgm:cxnLst>
       <dgm:bg/>
       <dgm:whole/>
@@ -30699,32 +30907,38 @@
         <dgm:cxn modelId="6" srcId="0" destId="2" srcOrd="1" destOrd="0"/>
         <dgm:cxn modelId="7" srcId="0" destId="3" srcOrd="2" destOrd="0"/>
         <dgm:cxn modelId="8" srcId="0" destId="4" srcOrd="3" destOrd="0"/>
-        <dgm:cxn modelId="13" srcId="1" destId="11" srcOrd="0" destOrd="0"/>
-        <dgm:cxn modelId="23" srcId="2" destId="21" srcOrd="0" destOrd="0"/>
-        <dgm:cxn modelId="33" srcId="3" destId="31" srcOrd="0" destOrd="0"/>
-        <dgm:cxn modelId="43" srcId="4" destId="41" srcOrd="0" destOrd="0"/>
+        <dgm:cxn modelId="51" srcId="1" destId="11" srcOrd="0" destOrd="0"/>
+        <dgm:cxn modelId="61" srcId="2" destId="21" srcOrd="0" destOrd="0"/>
+        <dgm:cxn modelId="71" srcId="3" destId="31" srcOrd="0" destOrd="0"/>
+        <dgm:cxn modelId="81" srcId="4" destId="41" srcOrd="0" destOrd="0"/>
       </dgm:cxnLst>
       <dgm:bg/>
       <dgm:whole/>
     </dgm:dataModel>
   </dgm:clrData>
-  <dgm:layoutNode name="diagram">
+  <dgm:layoutNode name="Name0">
     <dgm:varLst>
-      <dgm:chPref val="1"/>
       <dgm:dir/>
-      <dgm:animOne val="branch"/>
       <dgm:animLvl val="lvl"/>
-      <dgm:resizeHandles/>
+      <dgm:resizeHandles val="exact"/>
     </dgm:varLst>
-    <dgm:choose name="Name0">
-      <dgm:if name="Name1" func="var" arg="dir" op="equ" val="norm">
-        <dgm:alg type="hierChild">
+    <dgm:choose name="Name1">
+      <dgm:if name="Name2" func="var" arg="dir" op="equ" val="norm">
+        <dgm:alg type="lin">
           <dgm:param type="linDir" val="fromL"/>
+          <dgm:param type="vertAlign" val="mid"/>
+          <dgm:param type="nodeHorzAlign" val="l"/>
+          <dgm:param type="nodeVertAlign" val="t"/>
+          <dgm:param type="fallback" val="2D"/>
         </dgm:alg>
       </dgm:if>
-      <dgm:else name="Name2">
-        <dgm:alg type="hierChild">
+      <dgm:else name="Name3">
+        <dgm:alg type="lin">
           <dgm:param type="linDir" val="fromR"/>
+          <dgm:param type="vertAlign" val="mid"/>
+          <dgm:param type="nodeHorzAlign" val="r"/>
+          <dgm:param type="nodeVertAlign" val="t"/>
+          <dgm:param type="fallback" val="2D"/>
         </dgm:alg>
       </dgm:else>
     </dgm:choose>
@@ -30733,177 +30947,144 @@
     </dgm:shape>
     <dgm:presOf/>
     <dgm:constrLst>
-      <dgm:constr type="primFontSz" for="des" forName="rootText" op="equ" val="65"/>
-      <dgm:constr type="primFontSz" for="des" forName="childText" op="equ" val="65"/>
-      <dgm:constr type="w" for="des" forName="rootComposite" refType="w"/>
-      <dgm:constr type="h" for="des" forName="rootComposite" refType="w" fact="0.5"/>
-      <dgm:constr type="w" for="des" forName="childText" refType="w" refFor="des" refForName="rootComposite" fact="0.8"/>
-      <dgm:constr type="h" for="des" forName="childText" refType="h" refFor="des" refForName="rootComposite"/>
-      <dgm:constr type="sibSp" refType="w" refFor="des" refForName="rootComposite" fact="0.25"/>
-      <dgm:constr type="sibSp" for="des" forName="childShape" refType="h" refFor="des" refForName="childText" fact="0.25"/>
-      <dgm:constr type="sp" for="des" forName="root" refType="h" refFor="des" refForName="childText" fact="0.25"/>
+      <dgm:constr type="h" for="des" forName="header" refType="h"/>
+      <dgm:constr type="w" for="des" forName="header" refType="h" refFor="des" refForName="header" op="equ" fact="4"/>
+      <dgm:constr type="h" for="des" forName="child" refType="h" refFor="des" refForName="header" op="equ"/>
+      <dgm:constr type="w" for="des" forName="child" refType="w" refFor="des" refForName="header" op="equ"/>
+      <dgm:constr type="w" for="ch" forName="hSp" refType="w" refFor="des" refForName="header" op="equ" fact="0.14"/>
+      <dgm:constr type="h" for="des" forName="parTrans" refType="h" refFor="des" refForName="header" op="equ" fact="0.35"/>
+      <dgm:constr type="h" for="des" forName="sibTrans" refType="h" refFor="des" refForName="parTrans" op="equ"/>
+      <dgm:constr type="primFontSz" for="des" forName="child" op="equ" val="65"/>
+      <dgm:constr type="primFontSz" for="des" forName="header" op="equ" val="65"/>
     </dgm:constrLst>
     <dgm:ruleLst/>
-    <dgm:forEach name="Name3" axis="ch">
-      <dgm:forEach name="Name4" axis="self" ptType="node" cnt="1">
-        <dgm:layoutNode name="root">
-          <dgm:choose name="Name5">
-            <dgm:if name="Name6" func="var" arg="dir" op="equ" val="norm">
-              <dgm:alg type="hierRoot">
-                <dgm:param type="hierAlign" val="tL"/>
-              </dgm:alg>
-            </dgm:if>
-            <dgm:else name="Name7">
-              <dgm:alg type="hierRoot">
-                <dgm:param type="hierAlign" val="tR"/>
-              </dgm:alg>
-            </dgm:else>
-          </dgm:choose>
-          <dgm:shape xmlns:r="http://schemas.openxmlformats.org/officeDocument/2006/relationships" r:blip="">
-            <dgm:adjLst/>
+    <dgm:forEach name="Name4" axis="ch" ptType="node">
+      <dgm:layoutNode name="vertFlow">
+        <dgm:choose name="Name5">
+          <dgm:if name="Name6" func="var" arg="dir" op="equ" val="norm">
+            <dgm:alg type="lin">
+              <dgm:param type="linDir" val="fromT"/>
+              <dgm:param type="nodeHorzAlign" val="ctr"/>
+              <dgm:param type="nodeVertAlign" val="t"/>
+              <dgm:param type="fallback" val="2D"/>
+            </dgm:alg>
+          </dgm:if>
+          <dgm:else name="Name7">
+            <dgm:alg type="lin">
+              <dgm:param type="linDir" val="fromT"/>
+              <dgm:param type="nodeHorzAlign" val="ctr"/>
+              <dgm:param type="nodeVertAlign" val="t"/>
+              <dgm:param type="fallback" val="2D"/>
+            </dgm:alg>
+          </dgm:else>
+        </dgm:choose>
+        <dgm:shape xmlns:r="http://schemas.openxmlformats.org/officeDocument/2006/relationships" r:blip="">
+          <dgm:adjLst/>
+        </dgm:shape>
+        <dgm:presOf/>
+        <dgm:constrLst/>
+        <dgm:ruleLst/>
+        <dgm:layoutNode name="header" styleLbl="node1">
+          <dgm:alg type="tx"/>
+          <dgm:shape xmlns:r="http://schemas.openxmlformats.org/officeDocument/2006/relationships" type="roundRect" r:blip="">
+            <dgm:adjLst>
+              <dgm:adj idx="1" val="0.1"/>
+            </dgm:adjLst>
           </dgm:shape>
-          <dgm:presOf/>
+          <dgm:presOf axis="self"/>
           <dgm:constrLst>
-            <dgm:constr type="alignOff" val="0.2"/>
+            <dgm:constr type="tMarg" refType="primFontSz" fact="0.1"/>
+            <dgm:constr type="bMarg" refType="primFontSz" fact="0.1"/>
+            <dgm:constr type="lMarg" refType="primFontSz" fact="0.1"/>
+            <dgm:constr type="rMarg" refType="primFontSz" fact="0.1"/>
           </dgm:constrLst>
-          <dgm:ruleLst/>
-          <dgm:layoutNode name="rootComposite">
-            <dgm:alg type="composite"/>
-            <dgm:shape xmlns:r="http://schemas.openxmlformats.org/officeDocument/2006/relationships" r:blip="">
+          <dgm:ruleLst>
+            <dgm:rule type="primFontSz" val="5" fact="NaN" max="NaN"/>
+          </dgm:ruleLst>
+        </dgm:layoutNode>
+        <dgm:forEach name="Name8" axis="ch" ptType="parTrans" cnt="1">
+          <dgm:layoutNode name="parTrans" styleLbl="sibTrans2D1">
+            <dgm:alg type="conn">
+              <dgm:param type="begPts" val="auto"/>
+              <dgm:param type="endPts" val="auto"/>
+            </dgm:alg>
+            <dgm:shape xmlns:r="http://schemas.openxmlformats.org/officeDocument/2006/relationships" type="conn" r:blip="">
               <dgm:adjLst/>
             </dgm:shape>
-            <dgm:presOf axis="self" ptType="node" cnt="1"/>
-            <dgm:choose name="Name8">
-              <dgm:if name="Name9" func="var" arg="dir" op="equ" val="norm">
-                <dgm:constrLst>
-                  <dgm:constr type="l" for="ch" forName="rootText"/>
-                  <dgm:constr type="t" for="ch" forName="rootText"/>
-                  <dgm:constr type="w" for="ch" forName="rootText" refType="w"/>
-                  <dgm:constr type="h" for="ch" forName="rootText" refType="h"/>
-                  <dgm:constr type="l" for="ch" forName="rootConnector"/>
-                  <dgm:constr type="t" for="ch" forName="rootConnector"/>
-                  <dgm:constr type="w" for="ch" forName="rootConnector" refType="w" refFor="ch" refForName="rootText" fact="0.2"/>
-                  <dgm:constr type="h" for="ch" forName="rootConnector" refType="h" refFor="ch" refForName="rootText"/>
-                </dgm:constrLst>
-              </dgm:if>
-              <dgm:else name="Name10">
-                <dgm:constrLst>
-                  <dgm:constr type="l" for="ch" forName="rootText"/>
-                  <dgm:constr type="t" for="ch" forName="rootText"/>
-                  <dgm:constr type="w" for="ch" forName="rootText" refType="w"/>
-                  <dgm:constr type="h" for="ch" forName="rootText" refType="h"/>
-                  <dgm:constr type="r" for="ch" forName="rootConnector" refType="w"/>
-                  <dgm:constr type="t" for="ch" forName="rootConnector"/>
-                  <dgm:constr type="w" for="ch" forName="rootConnector" refType="w" refFor="ch" refForName="rootText" fact="0.2"/>
-                  <dgm:constr type="h" for="ch" forName="rootConnector" refType="h" refFor="ch" refForName="rootText"/>
-                </dgm:constrLst>
-              </dgm:else>
-            </dgm:choose>
+            <dgm:presOf axis="self"/>
+            <dgm:constrLst>
+              <dgm:constr type="w" refType="h"/>
+              <dgm:constr type="connDist"/>
+              <dgm:constr type="wArH" refType="h" fact="0.25"/>
+              <dgm:constr type="hArH" refType="wArH" fact="2"/>
+              <dgm:constr type="stemThick" refType="hArH" fact="0.667"/>
+              <dgm:constr type="begPad" refType="connDist" fact="0.25"/>
+              <dgm:constr type="endPad" refType="connDist" fact="0.25"/>
+            </dgm:constrLst>
             <dgm:ruleLst/>
-            <dgm:layoutNode name="rootText" styleLbl="node1">
-              <dgm:alg type="tx"/>
-              <dgm:shape xmlns:r="http://schemas.openxmlformats.org/officeDocument/2006/relationships" type="roundRect" r:blip="">
-                <dgm:adjLst>
-                  <dgm:adj idx="1" val="0.1"/>
-                </dgm:adjLst>
+          </dgm:layoutNode>
+        </dgm:forEach>
+        <dgm:forEach name="Name9" axis="ch" ptType="node">
+          <dgm:layoutNode name="child" styleLbl="alignAccFollowNode1">
+            <dgm:varLst>
+              <dgm:chMax val="0"/>
+              <dgm:bulletEnabled val="1"/>
+            </dgm:varLst>
+            <dgm:alg type="tx"/>
+            <dgm:shape xmlns:r="http://schemas.openxmlformats.org/officeDocument/2006/relationships" type="roundRect" r:blip="">
+              <dgm:adjLst>
+                <dgm:adj idx="1" val="0.1"/>
+              </dgm:adjLst>
+            </dgm:shape>
+            <dgm:presOf axis="desOrSelf" ptType="node"/>
+            <dgm:constrLst>
+              <dgm:constr type="tMarg" refType="primFontSz" fact="0.1"/>
+              <dgm:constr type="bMarg" refType="primFontSz" fact="0.1"/>
+              <dgm:constr type="lMarg" refType="primFontSz" fact="0.1"/>
+              <dgm:constr type="rMarg" refType="primFontSz" fact="0.1"/>
+            </dgm:constrLst>
+            <dgm:ruleLst>
+              <dgm:rule type="primFontSz" val="5" fact="NaN" max="NaN"/>
+            </dgm:ruleLst>
+          </dgm:layoutNode>
+          <dgm:forEach name="Name10" axis="followSib" ptType="sibTrans" cnt="1">
+            <dgm:layoutNode name="sibTrans" styleLbl="sibTrans2D1">
+              <dgm:alg type="conn">
+                <dgm:param type="begPts" val="auto"/>
+                <dgm:param type="endPts" val="auto"/>
+              </dgm:alg>
+              <dgm:shape xmlns:r="http://schemas.openxmlformats.org/officeDocument/2006/relationships" type="conn" r:blip="">
+                <dgm:adjLst/>
               </dgm:shape>
-              <dgm:presOf axis="self" ptType="node" cnt="1"/>
+              <dgm:presOf axis="self"/>
               <dgm:constrLst>
-                <dgm:constr type="tMarg" refType="primFontSz" fact="0.1"/>
-                <dgm:constr type="bMarg" refType="primFontSz" fact="0.1"/>
-                <dgm:constr type="lMarg" refType="primFontSz" fact="0.15"/>
-                <dgm:constr type="rMarg" refType="primFontSz" fact="0.15"/>
+                <dgm:constr type="w" refType="h"/>
+                <dgm:constr type="connDist"/>
+                <dgm:constr type="wArH" refType="h" fact="0.25"/>
+                <dgm:constr type="hArH" refType="wArH" fact="2"/>
+                <dgm:constr type="stemThick" refType="hArH" fact="0.667"/>
+                <dgm:constr type="begPad" refType="w" fact="0.25"/>
+                <dgm:constr type="endPad" refType="w" fact="0.25"/>
               </dgm:constrLst>
-              <dgm:ruleLst>
-                <dgm:rule type="primFontSz" val="5" fact="NaN" max="NaN"/>
-              </dgm:ruleLst>
-            </dgm:layoutNode>
-            <dgm:layoutNode name="rootConnector" moveWith="rootText">
-              <dgm:alg type="sp"/>
-              <dgm:shape xmlns:r="http://schemas.openxmlformats.org/officeDocument/2006/relationships" type="roundRect" r:blip="" hideGeom="1">
-                <dgm:adjLst>
-                  <dgm:adj idx="1" val="0.1"/>
-                </dgm:adjLst>
-              </dgm:shape>
-              <dgm:presOf axis="self" ptType="node" cnt="1"/>
-              <dgm:constrLst/>
               <dgm:ruleLst/>
             </dgm:layoutNode>
-          </dgm:layoutNode>
-          <dgm:layoutNode name="childShape">
-            <dgm:alg type="hierChild">
-              <dgm:param type="chAlign" val="l"/>
-              <dgm:param type="linDir" val="fromT"/>
-            </dgm:alg>
+          </dgm:forEach>
+        </dgm:forEach>
+      </dgm:layoutNode>
+      <dgm:choose name="Name11">
+        <dgm:if name="Name12" axis="self" ptType="node" func="revPos" op="gte" val="2">
+          <dgm:layoutNode name="hSp">
+            <dgm:alg type="sp"/>
             <dgm:shape xmlns:r="http://schemas.openxmlformats.org/officeDocument/2006/relationships" r:blip="">
               <dgm:adjLst/>
             </dgm:shape>
             <dgm:presOf/>
             <dgm:constrLst/>
             <dgm:ruleLst/>
-            <dgm:forEach name="Name11" axis="ch">
-              <dgm:forEach name="Name12" axis="self" ptType="parTrans" cnt="1">
-                <dgm:layoutNode name="Name13">
-                  <dgm:choose name="Name14">
-                    <dgm:if name="Name15" func="var" arg="dir" op="equ" val="norm">
-                      <dgm:alg type="conn">
-                        <dgm:param type="dim" val="1D"/>
-                        <dgm:param type="endSty" val="noArr"/>
-                        <dgm:param type="connRout" val="bend"/>
-                        <dgm:param type="srcNode" val="rootConnector"/>
-                        <dgm:param type="begPts" val="bCtr"/>
-                        <dgm:param type="endPts" val="midL"/>
-                      </dgm:alg>
-                    </dgm:if>
-                    <dgm:else name="Name16">
-                      <dgm:alg type="conn">
-                        <dgm:param type="dim" val="1D"/>
-                        <dgm:param type="endSty" val="noArr"/>
-                        <dgm:param type="connRout" val="bend"/>
-                        <dgm:param type="srcNode" val="rootConnector"/>
-                        <dgm:param type="begPts" val="bCtr"/>
-                        <dgm:param type="endPts" val="midR"/>
-                      </dgm:alg>
-                    </dgm:else>
-                  </dgm:choose>
-                  <dgm:shape xmlns:r="http://schemas.openxmlformats.org/officeDocument/2006/relationships" type="conn" r:blip="">
-                    <dgm:adjLst/>
-                  </dgm:shape>
-                  <dgm:presOf axis="self"/>
-                  <dgm:constrLst>
-                    <dgm:constr type="begPad"/>
-                    <dgm:constr type="endPad"/>
-                  </dgm:constrLst>
-                  <dgm:ruleLst/>
-                </dgm:layoutNode>
-              </dgm:forEach>
-              <dgm:forEach name="Name17" axis="self" ptType="node">
-                <dgm:layoutNode name="childText" styleLbl="bgAcc1">
-                  <dgm:varLst>
-                    <dgm:bulletEnabled val="1"/>
-                  </dgm:varLst>
-                  <dgm:alg type="tx"/>
-                  <dgm:shape xmlns:r="http://schemas.openxmlformats.org/officeDocument/2006/relationships" type="roundRect" r:blip="">
-                    <dgm:adjLst>
-                      <dgm:adj idx="1" val="0.1"/>
-                    </dgm:adjLst>
-                  </dgm:shape>
-                  <dgm:presOf axis="self desOrSelf" ptType="node node" st="1 1" cnt="1 0"/>
-                  <dgm:constrLst>
-                    <dgm:constr type="tMarg" refType="primFontSz" fact="0.1"/>
-                    <dgm:constr type="bMarg" refType="primFontSz" fact="0.1"/>
-                    <dgm:constr type="lMarg" refType="primFontSz" fact="0.15"/>
-                    <dgm:constr type="rMarg" refType="primFontSz" fact="0.15"/>
-                  </dgm:constrLst>
-                  <dgm:ruleLst>
-                    <dgm:rule type="primFontSz" val="5" fact="NaN" max="NaN"/>
-                  </dgm:ruleLst>
-                </dgm:layoutNode>
-              </dgm:forEach>
-            </dgm:forEach>
           </dgm:layoutNode>
-        </dgm:layoutNode>
-      </dgm:forEach>
+        </dgm:if>
+        <dgm:else name="Name13"/>
+      </dgm:choose>
     </dgm:forEach>
   </dgm:layoutNode>
 </dgm:layoutDef>
@@ -42367,11 +42548,11 @@
 </file>
 
 <file path=ppt/diagrams/quickStyle6.xml><?xml version="1.0" encoding="utf-8"?>
-<dgm:styleDef xmlns:dgm="http://schemas.openxmlformats.org/drawingml/2006/diagram" xmlns:a="http://schemas.openxmlformats.org/drawingml/2006/main" uniqueId="urn:microsoft.com/office/officeart/2005/8/quickstyle/simple4">
+<dgm:styleDef xmlns:dgm="http://schemas.openxmlformats.org/drawingml/2006/diagram" xmlns:a="http://schemas.openxmlformats.org/drawingml/2006/main" uniqueId="urn:microsoft.com/office/officeart/2005/8/quickstyle/simple5">
   <dgm:title val=""/>
   <dgm:desc val=""/>
   <dgm:catLst>
-    <dgm:cat type="simple" pri="10400"/>
+    <dgm:cat type="simple" pri="10500"/>
   </dgm:catLst>
   <dgm:scene3d>
     <a:camera prst="orthographicFront"/>
@@ -42391,7 +42572,7 @@
       <a:fillRef idx="3">
         <a:scrgbClr r="0" g="0" b="0"/>
       </a:fillRef>
-      <a:effectRef idx="2">
+      <a:effectRef idx="3">
         <a:scrgbClr r="0" g="0" b="0"/>
       </a:effectRef>
       <a:fontRef idx="minor">
@@ -42407,13 +42588,13 @@
     <dgm:sp3d/>
     <dgm:txPr/>
     <dgm:style>
-      <a:lnRef idx="1">
+      <a:lnRef idx="0">
         <a:scrgbClr r="0" g="0" b="0"/>
       </a:lnRef>
       <a:fillRef idx="3">
         <a:scrgbClr r="0" g="0" b="0"/>
       </a:fillRef>
-      <a:effectRef idx="2">
+      <a:effectRef idx="3">
         <a:scrgbClr r="0" g="0" b="0"/>
       </a:effectRef>
       <a:fontRef idx="minor">
@@ -42435,7 +42616,7 @@
       <a:fillRef idx="3">
         <a:scrgbClr r="0" g="0" b="0"/>
       </a:fillRef>
-      <a:effectRef idx="0">
+      <a:effectRef idx="3">
         <a:scrgbClr r="0" g="0" b="0"/>
       </a:effectRef>
       <a:fontRef idx="minor">
@@ -42457,7 +42638,7 @@
       <a:fillRef idx="3">
         <a:scrgbClr r="0" g="0" b="0"/>
       </a:fillRef>
-      <a:effectRef idx="2">
+      <a:effectRef idx="3">
         <a:scrgbClr r="0" g="0" b="0"/>
       </a:effectRef>
       <a:fontRef idx="minor">
@@ -42479,7 +42660,7 @@
       <a:fillRef idx="3">
         <a:scrgbClr r="0" g="0" b="0"/>
       </a:fillRef>
-      <a:effectRef idx="2">
+      <a:effectRef idx="3">
         <a:scrgbClr r="0" g="0" b="0"/>
       </a:effectRef>
       <a:fontRef idx="minor">
@@ -42501,7 +42682,7 @@
       <a:fillRef idx="3">
         <a:scrgbClr r="0" g="0" b="0"/>
       </a:fillRef>
-      <a:effectRef idx="2">
+      <a:effectRef idx="3">
         <a:scrgbClr r="0" g="0" b="0"/>
       </a:effectRef>
       <a:fontRef idx="minor">
@@ -42523,7 +42704,7 @@
       <a:fillRef idx="3">
         <a:scrgbClr r="0" g="0" b="0"/>
       </a:fillRef>
-      <a:effectRef idx="2">
+      <a:effectRef idx="3">
         <a:scrgbClr r="0" g="0" b="0"/>
       </a:effectRef>
       <a:fontRef idx="minor">
@@ -42545,7 +42726,7 @@
       <a:fillRef idx="3">
         <a:scrgbClr r="0" g="0" b="0"/>
       </a:fillRef>
-      <a:effectRef idx="2">
+      <a:effectRef idx="3">
         <a:scrgbClr r="0" g="0" b="0"/>
       </a:effectRef>
       <a:fontRef idx="minor">
@@ -42567,7 +42748,7 @@
       <a:fillRef idx="1">
         <a:scrgbClr r="0" g="0" b="0"/>
       </a:fillRef>
-      <a:effectRef idx="2">
+      <a:effectRef idx="3">
         <a:scrgbClr r="0" g="0" b="0"/>
       </a:effectRef>
       <a:fontRef idx="minor"/>
@@ -42587,7 +42768,7 @@
       <a:fillRef idx="1">
         <a:scrgbClr r="0" g="0" b="0"/>
       </a:fillRef>
-      <a:effectRef idx="2">
+      <a:effectRef idx="3">
         <a:scrgbClr r="0" g="0" b="0"/>
       </a:effectRef>
       <a:fontRef idx="minor"/>
@@ -42607,7 +42788,7 @@
       <a:fillRef idx="1">
         <a:scrgbClr r="0" g="0" b="0"/>
       </a:fillRef>
-      <a:effectRef idx="2">
+      <a:effectRef idx="3">
         <a:scrgbClr r="0" g="0" b="0"/>
       </a:effectRef>
       <a:fontRef idx="minor"/>
@@ -42627,7 +42808,7 @@
       <a:fillRef idx="3">
         <a:scrgbClr r="0" g="0" b="0"/>
       </a:fillRef>
-      <a:effectRef idx="2">
+      <a:effectRef idx="3">
         <a:scrgbClr r="0" g="0" b="0"/>
       </a:effectRef>
       <a:fontRef idx="minor">
@@ -42649,7 +42830,7 @@
       <a:fillRef idx="3">
         <a:scrgbClr r="0" g="0" b="0"/>
       </a:fillRef>
-      <a:effectRef idx="2">
+      <a:effectRef idx="3">
         <a:scrgbClr r="0" g="0" b="0"/>
       </a:effectRef>
       <a:fontRef idx="minor">
@@ -42671,7 +42852,7 @@
       <a:fillRef idx="3">
         <a:scrgbClr r="0" g="0" b="0"/>
       </a:fillRef>
-      <a:effectRef idx="2">
+      <a:effectRef idx="3">
         <a:scrgbClr r="0" g="0" b="0"/>
       </a:effectRef>
       <a:fontRef idx="minor">
@@ -42707,10 +42888,10 @@
     <dgm:sp3d/>
     <dgm:txPr/>
     <dgm:style>
-      <a:lnRef idx="2">
-        <a:scrgbClr r="0" g="0" b="0"/>
-      </a:lnRef>
-      <a:fillRef idx="1">
+      <a:lnRef idx="1">
+        <a:scrgbClr r="0" g="0" b="0"/>
+      </a:lnRef>
+      <a:fillRef idx="0">
         <a:scrgbClr r="0" g="0" b="0"/>
       </a:fillRef>
       <a:effectRef idx="1">
@@ -42733,7 +42914,7 @@
       <a:fillRef idx="3">
         <a:scrgbClr r="0" g="0" b="0"/>
       </a:fillRef>
-      <a:effectRef idx="2">
+      <a:effectRef idx="3">
         <a:scrgbClr r="0" g="0" b="0"/>
       </a:effectRef>
       <a:fontRef idx="minor">
@@ -42755,7 +42936,7 @@
       <a:fillRef idx="3">
         <a:scrgbClr r="0" g="0" b="0"/>
       </a:fillRef>
-      <a:effectRef idx="2">
+      <a:effectRef idx="3">
         <a:scrgbClr r="0" g="0" b="0"/>
       </a:effectRef>
       <a:fontRef idx="minor">
@@ -42777,7 +42958,7 @@
       <a:fillRef idx="3">
         <a:scrgbClr r="0" g="0" b="0"/>
       </a:fillRef>
-      <a:effectRef idx="2">
+      <a:effectRef idx="3">
         <a:scrgbClr r="0" g="0" b="0"/>
       </a:effectRef>
       <a:fontRef idx="minor">
@@ -42799,7 +42980,7 @@
       <a:fillRef idx="3">
         <a:scrgbClr r="0" g="0" b="0"/>
       </a:fillRef>
-      <a:effectRef idx="2">
+      <a:effectRef idx="3">
         <a:scrgbClr r="0" g="0" b="0"/>
       </a:effectRef>
       <a:fontRef idx="minor">
@@ -42821,7 +43002,7 @@
       <a:fillRef idx="3">
         <a:scrgbClr r="0" g="0" b="0"/>
       </a:fillRef>
-      <a:effectRef idx="2">
+      <a:effectRef idx="3">
         <a:scrgbClr r="0" g="0" b="0"/>
       </a:effectRef>
       <a:fontRef idx="minor">
@@ -42843,7 +43024,7 @@
       <a:fillRef idx="3">
         <a:scrgbClr r="0" g="0" b="0"/>
       </a:fillRef>
-      <a:effectRef idx="2">
+      <a:effectRef idx="3">
         <a:scrgbClr r="0" g="0" b="0"/>
       </a:effectRef>
       <a:fontRef idx="minor">
@@ -42865,7 +43046,7 @@
       <a:fillRef idx="3">
         <a:scrgbClr r="0" g="0" b="0"/>
       </a:fillRef>
-      <a:effectRef idx="2">
+      <a:effectRef idx="3">
         <a:scrgbClr r="0" g="0" b="0"/>
       </a:effectRef>
       <a:fontRef idx="minor">
@@ -42881,13 +43062,13 @@
     <dgm:sp3d/>
     <dgm:txPr/>
     <dgm:style>
-      <a:lnRef idx="1">
+      <a:lnRef idx="0">
         <a:scrgbClr r="0" g="0" b="0"/>
       </a:lnRef>
       <a:fillRef idx="3">
         <a:scrgbClr r="0" g="0" b="0"/>
       </a:fillRef>
-      <a:effectRef idx="2">
+      <a:effectRef idx="3">
         <a:scrgbClr r="0" g="0" b="0"/>
       </a:effectRef>
       <a:fontRef idx="minor">
@@ -42903,13 +43084,13 @@
     <dgm:sp3d/>
     <dgm:txPr/>
     <dgm:style>
-      <a:lnRef idx="1">
+      <a:lnRef idx="0">
         <a:scrgbClr r="0" g="0" b="0"/>
       </a:lnRef>
       <a:fillRef idx="3">
         <a:scrgbClr r="0" g="0" b="0"/>
       </a:fillRef>
-      <a:effectRef idx="2">
+      <a:effectRef idx="3">
         <a:scrgbClr r="0" g="0" b="0"/>
       </a:effectRef>
       <a:fontRef idx="minor">
@@ -42925,10 +43106,150 @@
     <dgm:sp3d/>
     <dgm:txPr/>
     <dgm:style>
+      <a:lnRef idx="2">
+        <a:scrgbClr r="0" g="0" b="0"/>
+      </a:lnRef>
+      <a:fillRef idx="0">
+        <a:scrgbClr r="0" g="0" b="0"/>
+      </a:fillRef>
+      <a:effectRef idx="0">
+        <a:scrgbClr r="0" g="0" b="0"/>
+      </a:effectRef>
+      <a:fontRef idx="minor"/>
+    </dgm:style>
+  </dgm:styleLbl>
+  <dgm:styleLbl name="parChTrans1D2">
+    <dgm:scene3d>
+      <a:camera prst="orthographicFront"/>
+      <a:lightRig rig="threePt" dir="t"/>
+    </dgm:scene3d>
+    <dgm:sp3d/>
+    <dgm:txPr/>
+    <dgm:style>
+      <a:lnRef idx="2">
+        <a:scrgbClr r="0" g="0" b="0"/>
+      </a:lnRef>
+      <a:fillRef idx="0">
+        <a:scrgbClr r="0" g="0" b="0"/>
+      </a:fillRef>
+      <a:effectRef idx="0">
+        <a:scrgbClr r="0" g="0" b="0"/>
+      </a:effectRef>
+      <a:fontRef idx="minor"/>
+    </dgm:style>
+  </dgm:styleLbl>
+  <dgm:styleLbl name="parChTrans1D3">
+    <dgm:scene3d>
+      <a:camera prst="orthographicFront"/>
+      <a:lightRig rig="threePt" dir="t"/>
+    </dgm:scene3d>
+    <dgm:sp3d/>
+    <dgm:txPr/>
+    <dgm:style>
+      <a:lnRef idx="2">
+        <a:scrgbClr r="0" g="0" b="0"/>
+      </a:lnRef>
+      <a:fillRef idx="0">
+        <a:scrgbClr r="0" g="0" b="0"/>
+      </a:fillRef>
+      <a:effectRef idx="0">
+        <a:scrgbClr r="0" g="0" b="0"/>
+      </a:effectRef>
+      <a:fontRef idx="minor"/>
+    </dgm:style>
+  </dgm:styleLbl>
+  <dgm:styleLbl name="parChTrans1D4">
+    <dgm:scene3d>
+      <a:camera prst="orthographicFront"/>
+      <a:lightRig rig="threePt" dir="t"/>
+    </dgm:scene3d>
+    <dgm:sp3d/>
+    <dgm:txPr/>
+    <dgm:style>
+      <a:lnRef idx="2">
+        <a:scrgbClr r="0" g="0" b="0"/>
+      </a:lnRef>
+      <a:fillRef idx="0">
+        <a:scrgbClr r="0" g="0" b="0"/>
+      </a:fillRef>
+      <a:effectRef idx="0">
+        <a:scrgbClr r="0" g="0" b="0"/>
+      </a:effectRef>
+      <a:fontRef idx="minor"/>
+    </dgm:style>
+  </dgm:styleLbl>
+  <dgm:styleLbl name="fgAcc1">
+    <dgm:scene3d>
+      <a:camera prst="orthographicFront"/>
+      <a:lightRig rig="threePt" dir="t"/>
+    </dgm:scene3d>
+    <dgm:sp3d/>
+    <dgm:txPr/>
+    <dgm:style>
       <a:lnRef idx="1">
         <a:scrgbClr r="0" g="0" b="0"/>
       </a:lnRef>
-      <a:fillRef idx="0">
+      <a:fillRef idx="1">
+        <a:scrgbClr r="0" g="0" b="0"/>
+      </a:fillRef>
+      <a:effectRef idx="2">
+        <a:scrgbClr r="0" g="0" b="0"/>
+      </a:effectRef>
+      <a:fontRef idx="minor"/>
+    </dgm:style>
+  </dgm:styleLbl>
+  <dgm:styleLbl name="conFgAcc1">
+    <dgm:scene3d>
+      <a:camera prst="orthographicFront"/>
+      <a:lightRig rig="threePt" dir="t"/>
+    </dgm:scene3d>
+    <dgm:sp3d/>
+    <dgm:txPr/>
+    <dgm:style>
+      <a:lnRef idx="1">
+        <a:scrgbClr r="0" g="0" b="0"/>
+      </a:lnRef>
+      <a:fillRef idx="1">
+        <a:scrgbClr r="0" g="0" b="0"/>
+      </a:fillRef>
+      <a:effectRef idx="2">
+        <a:scrgbClr r="0" g="0" b="0"/>
+      </a:effectRef>
+      <a:fontRef idx="minor"/>
+    </dgm:style>
+  </dgm:styleLbl>
+  <dgm:styleLbl name="alignAcc1">
+    <dgm:scene3d>
+      <a:camera prst="orthographicFront"/>
+      <a:lightRig rig="threePt" dir="t"/>
+    </dgm:scene3d>
+    <dgm:sp3d/>
+    <dgm:txPr/>
+    <dgm:style>
+      <a:lnRef idx="1">
+        <a:scrgbClr r="0" g="0" b="0"/>
+      </a:lnRef>
+      <a:fillRef idx="1">
+        <a:scrgbClr r="0" g="0" b="0"/>
+      </a:fillRef>
+      <a:effectRef idx="2">
+        <a:scrgbClr r="0" g="0" b="0"/>
+      </a:effectRef>
+      <a:fontRef idx="minor"/>
+    </dgm:style>
+  </dgm:styleLbl>
+  <dgm:styleLbl name="trAlignAcc1">
+    <dgm:scene3d>
+      <a:camera prst="orthographicFront"/>
+      <a:lightRig rig="threePt" dir="t"/>
+    </dgm:scene3d>
+    <dgm:sp3d/>
+    <dgm:txPr/>
+    <dgm:style>
+      <a:lnRef idx="1">
+        <a:scrgbClr r="0" g="0" b="0"/>
+      </a:lnRef>
+      <a:fillRef idx="1">
         <a:scrgbClr r="0" g="0" b="0"/>
       </a:fillRef>
       <a:effectRef idx="0">
@@ -42937,7 +43258,7 @@
       <a:fontRef idx="minor"/>
     </dgm:style>
   </dgm:styleLbl>
-  <dgm:styleLbl name="parChTrans1D2">
+  <dgm:styleLbl name="bgAcc1">
     <dgm:scene3d>
       <a:camera prst="orthographicFront"/>
       <a:lightRig rig="threePt" dir="t"/>
@@ -42948,7 +43269,267 @@
       <a:lnRef idx="1">
         <a:scrgbClr r="0" g="0" b="0"/>
       </a:lnRef>
-      <a:fillRef idx="0">
+      <a:fillRef idx="1">
+        <a:scrgbClr r="0" g="0" b="0"/>
+      </a:fillRef>
+      <a:effectRef idx="2">
+        <a:scrgbClr r="0" g="0" b="0"/>
+      </a:effectRef>
+      <a:fontRef idx="minor"/>
+    </dgm:style>
+  </dgm:styleLbl>
+  <dgm:styleLbl name="solidFgAcc1">
+    <dgm:scene3d>
+      <a:camera prst="orthographicFront"/>
+      <a:lightRig rig="threePt" dir="t"/>
+    </dgm:scene3d>
+    <dgm:sp3d/>
+    <dgm:txPr/>
+    <dgm:style>
+      <a:lnRef idx="1">
+        <a:scrgbClr r="0" g="0" b="0"/>
+      </a:lnRef>
+      <a:fillRef idx="1">
+        <a:scrgbClr r="0" g="0" b="0"/>
+      </a:fillRef>
+      <a:effectRef idx="2">
+        <a:scrgbClr r="0" g="0" b="0"/>
+      </a:effectRef>
+      <a:fontRef idx="minor"/>
+    </dgm:style>
+  </dgm:styleLbl>
+  <dgm:styleLbl name="solidAlignAcc1">
+    <dgm:scene3d>
+      <a:camera prst="orthographicFront"/>
+      <a:lightRig rig="threePt" dir="t"/>
+    </dgm:scene3d>
+    <dgm:sp3d/>
+    <dgm:txPr/>
+    <dgm:style>
+      <a:lnRef idx="1">
+        <a:scrgbClr r="0" g="0" b="0"/>
+      </a:lnRef>
+      <a:fillRef idx="1">
+        <a:scrgbClr r="0" g="0" b="0"/>
+      </a:fillRef>
+      <a:effectRef idx="3">
+        <a:scrgbClr r="0" g="0" b="0"/>
+      </a:effectRef>
+      <a:fontRef idx="minor"/>
+    </dgm:style>
+  </dgm:styleLbl>
+  <dgm:styleLbl name="solidBgAcc1">
+    <dgm:scene3d>
+      <a:camera prst="orthographicFront"/>
+      <a:lightRig rig="threePt" dir="t"/>
+    </dgm:scene3d>
+    <dgm:sp3d/>
+    <dgm:txPr/>
+    <dgm:style>
+      <a:lnRef idx="1">
+        <a:scrgbClr r="0" g="0" b="0"/>
+      </a:lnRef>
+      <a:fillRef idx="1">
+        <a:scrgbClr r="0" g="0" b="0"/>
+      </a:fillRef>
+      <a:effectRef idx="3">
+        <a:scrgbClr r="0" g="0" b="0"/>
+      </a:effectRef>
+      <a:fontRef idx="minor"/>
+    </dgm:style>
+  </dgm:styleLbl>
+  <dgm:styleLbl name="fgAccFollowNode1">
+    <dgm:scene3d>
+      <a:camera prst="orthographicFront"/>
+      <a:lightRig rig="threePt" dir="t"/>
+    </dgm:scene3d>
+    <dgm:sp3d/>
+    <dgm:txPr/>
+    <dgm:style>
+      <a:lnRef idx="1">
+        <a:scrgbClr r="0" g="0" b="0"/>
+      </a:lnRef>
+      <a:fillRef idx="1">
+        <a:scrgbClr r="0" g="0" b="0"/>
+      </a:fillRef>
+      <a:effectRef idx="2">
+        <a:scrgbClr r="0" g="0" b="0"/>
+      </a:effectRef>
+      <a:fontRef idx="minor"/>
+    </dgm:style>
+  </dgm:styleLbl>
+  <dgm:styleLbl name="alignAccFollowNode1">
+    <dgm:scene3d>
+      <a:camera prst="orthographicFront"/>
+      <a:lightRig rig="threePt" dir="t"/>
+    </dgm:scene3d>
+    <dgm:sp3d/>
+    <dgm:txPr/>
+    <dgm:style>
+      <a:lnRef idx="1">
+        <a:scrgbClr r="0" g="0" b="0"/>
+      </a:lnRef>
+      <a:fillRef idx="1">
+        <a:scrgbClr r="0" g="0" b="0"/>
+      </a:fillRef>
+      <a:effectRef idx="2">
+        <a:scrgbClr r="0" g="0" b="0"/>
+      </a:effectRef>
+      <a:fontRef idx="minor"/>
+    </dgm:style>
+  </dgm:styleLbl>
+  <dgm:styleLbl name="bgAccFollowNode1">
+    <dgm:scene3d>
+      <a:camera prst="orthographicFront"/>
+      <a:lightRig rig="threePt" dir="t"/>
+    </dgm:scene3d>
+    <dgm:sp3d/>
+    <dgm:txPr/>
+    <dgm:style>
+      <a:lnRef idx="1">
+        <a:scrgbClr r="0" g="0" b="0"/>
+      </a:lnRef>
+      <a:fillRef idx="1">
+        <a:scrgbClr r="0" g="0" b="0"/>
+      </a:fillRef>
+      <a:effectRef idx="2">
+        <a:scrgbClr r="0" g="0" b="0"/>
+      </a:effectRef>
+      <a:fontRef idx="minor"/>
+    </dgm:style>
+  </dgm:styleLbl>
+  <dgm:styleLbl name="fgAcc0">
+    <dgm:scene3d>
+      <a:camera prst="orthographicFront"/>
+      <a:lightRig rig="threePt" dir="t"/>
+    </dgm:scene3d>
+    <dgm:sp3d/>
+    <dgm:txPr/>
+    <dgm:style>
+      <a:lnRef idx="1">
+        <a:scrgbClr r="0" g="0" b="0"/>
+      </a:lnRef>
+      <a:fillRef idx="1">
+        <a:scrgbClr r="0" g="0" b="0"/>
+      </a:fillRef>
+      <a:effectRef idx="2">
+        <a:scrgbClr r="0" g="0" b="0"/>
+      </a:effectRef>
+      <a:fontRef idx="minor"/>
+    </dgm:style>
+  </dgm:styleLbl>
+  <dgm:styleLbl name="fgAcc2">
+    <dgm:scene3d>
+      <a:camera prst="orthographicFront"/>
+      <a:lightRig rig="threePt" dir="t"/>
+    </dgm:scene3d>
+    <dgm:sp3d/>
+    <dgm:txPr/>
+    <dgm:style>
+      <a:lnRef idx="1">
+        <a:scrgbClr r="0" g="0" b="0"/>
+      </a:lnRef>
+      <a:fillRef idx="1">
+        <a:scrgbClr r="0" g="0" b="0"/>
+      </a:fillRef>
+      <a:effectRef idx="2">
+        <a:scrgbClr r="0" g="0" b="0"/>
+      </a:effectRef>
+      <a:fontRef idx="minor"/>
+    </dgm:style>
+  </dgm:styleLbl>
+  <dgm:styleLbl name="fgAcc3">
+    <dgm:scene3d>
+      <a:camera prst="orthographicFront"/>
+      <a:lightRig rig="threePt" dir="t"/>
+    </dgm:scene3d>
+    <dgm:sp3d/>
+    <dgm:txPr/>
+    <dgm:style>
+      <a:lnRef idx="1">
+        <a:scrgbClr r="0" g="0" b="0"/>
+      </a:lnRef>
+      <a:fillRef idx="1">
+        <a:scrgbClr r="0" g="0" b="0"/>
+      </a:fillRef>
+      <a:effectRef idx="2">
+        <a:scrgbClr r="0" g="0" b="0"/>
+      </a:effectRef>
+      <a:fontRef idx="minor"/>
+    </dgm:style>
+  </dgm:styleLbl>
+  <dgm:styleLbl name="fgAcc4">
+    <dgm:scene3d>
+      <a:camera prst="orthographicFront"/>
+      <a:lightRig rig="threePt" dir="t"/>
+    </dgm:scene3d>
+    <dgm:sp3d/>
+    <dgm:txPr/>
+    <dgm:style>
+      <a:lnRef idx="1">
+        <a:scrgbClr r="0" g="0" b="0"/>
+      </a:lnRef>
+      <a:fillRef idx="1">
+        <a:scrgbClr r="0" g="0" b="0"/>
+      </a:fillRef>
+      <a:effectRef idx="2">
+        <a:scrgbClr r="0" g="0" b="0"/>
+      </a:effectRef>
+      <a:fontRef idx="minor"/>
+    </dgm:style>
+  </dgm:styleLbl>
+  <dgm:styleLbl name="bgShp">
+    <dgm:scene3d>
+      <a:camera prst="orthographicFront"/>
+      <a:lightRig rig="threePt" dir="t"/>
+    </dgm:scene3d>
+    <dgm:sp3d/>
+    <dgm:txPr/>
+    <dgm:style>
+      <a:lnRef idx="0">
+        <a:scrgbClr r="0" g="0" b="0"/>
+      </a:lnRef>
+      <a:fillRef idx="1">
+        <a:scrgbClr r="0" g="0" b="0"/>
+      </a:fillRef>
+      <a:effectRef idx="2">
+        <a:scrgbClr r="0" g="0" b="0"/>
+      </a:effectRef>
+      <a:fontRef idx="minor"/>
+    </dgm:style>
+  </dgm:styleLbl>
+  <dgm:styleLbl name="dkBgShp">
+    <dgm:scene3d>
+      <a:camera prst="orthographicFront"/>
+      <a:lightRig rig="threePt" dir="t"/>
+    </dgm:scene3d>
+    <dgm:sp3d/>
+    <dgm:txPr/>
+    <dgm:style>
+      <a:lnRef idx="0">
+        <a:scrgbClr r="0" g="0" b="0"/>
+      </a:lnRef>
+      <a:fillRef idx="1">
+        <a:scrgbClr r="0" g="0" b="0"/>
+      </a:fillRef>
+      <a:effectRef idx="3">
+        <a:scrgbClr r="0" g="0" b="0"/>
+      </a:effectRef>
+      <a:fontRef idx="minor"/>
+    </dgm:style>
+  </dgm:styleLbl>
+  <dgm:styleLbl name="trBgShp">
+    <dgm:scene3d>
+      <a:camera prst="orthographicFront"/>
+      <a:lightRig rig="threePt" dir="t"/>
+    </dgm:scene3d>
+    <dgm:sp3d/>
+    <dgm:txPr/>
+    <dgm:style>
+      <a:lnRef idx="0">
+        <a:scrgbClr r="0" g="0" b="0"/>
+      </a:lnRef>
+      <a:fillRef idx="1">
         <a:scrgbClr r="0" g="0" b="0"/>
       </a:fillRef>
       <a:effectRef idx="0">
@@ -42957,347 +43538,7 @@
       <a:fontRef idx="minor"/>
     </dgm:style>
   </dgm:styleLbl>
-  <dgm:styleLbl name="parChTrans1D3">
-    <dgm:scene3d>
-      <a:camera prst="orthographicFront"/>
-      <a:lightRig rig="threePt" dir="t"/>
-    </dgm:scene3d>
-    <dgm:sp3d/>
-    <dgm:txPr/>
-    <dgm:style>
-      <a:lnRef idx="1">
-        <a:scrgbClr r="0" g="0" b="0"/>
-      </a:lnRef>
-      <a:fillRef idx="0">
-        <a:scrgbClr r="0" g="0" b="0"/>
-      </a:fillRef>
-      <a:effectRef idx="0">
-        <a:scrgbClr r="0" g="0" b="0"/>
-      </a:effectRef>
-      <a:fontRef idx="minor"/>
-    </dgm:style>
-  </dgm:styleLbl>
-  <dgm:styleLbl name="parChTrans1D4">
-    <dgm:scene3d>
-      <a:camera prst="orthographicFront"/>
-      <a:lightRig rig="threePt" dir="t"/>
-    </dgm:scene3d>
-    <dgm:sp3d/>
-    <dgm:txPr/>
-    <dgm:style>
-      <a:lnRef idx="1">
-        <a:scrgbClr r="0" g="0" b="0"/>
-      </a:lnRef>
-      <a:fillRef idx="0">
-        <a:scrgbClr r="0" g="0" b="0"/>
-      </a:fillRef>
-      <a:effectRef idx="0">
-        <a:scrgbClr r="0" g="0" b="0"/>
-      </a:effectRef>
-      <a:fontRef idx="minor"/>
-    </dgm:style>
-  </dgm:styleLbl>
-  <dgm:styleLbl name="fgAcc1">
-    <dgm:scene3d>
-      <a:camera prst="orthographicFront"/>
-      <a:lightRig rig="threePt" dir="t"/>
-    </dgm:scene3d>
-    <dgm:sp3d/>
-    <dgm:txPr/>
-    <dgm:style>
-      <a:lnRef idx="1">
-        <a:scrgbClr r="0" g="0" b="0"/>
-      </a:lnRef>
-      <a:fillRef idx="1">
-        <a:scrgbClr r="0" g="0" b="0"/>
-      </a:fillRef>
-      <a:effectRef idx="0">
-        <a:scrgbClr r="0" g="0" b="0"/>
-      </a:effectRef>
-      <a:fontRef idx="minor"/>
-    </dgm:style>
-  </dgm:styleLbl>
-  <dgm:styleLbl name="conFgAcc1">
-    <dgm:scene3d>
-      <a:camera prst="orthographicFront"/>
-      <a:lightRig rig="threePt" dir="t"/>
-    </dgm:scene3d>
-    <dgm:sp3d/>
-    <dgm:txPr/>
-    <dgm:style>
-      <a:lnRef idx="1">
-        <a:scrgbClr r="0" g="0" b="0"/>
-      </a:lnRef>
-      <a:fillRef idx="1">
-        <a:scrgbClr r="0" g="0" b="0"/>
-      </a:fillRef>
-      <a:effectRef idx="0">
-        <a:scrgbClr r="0" g="0" b="0"/>
-      </a:effectRef>
-      <a:fontRef idx="minor"/>
-    </dgm:style>
-  </dgm:styleLbl>
-  <dgm:styleLbl name="alignAcc1">
-    <dgm:scene3d>
-      <a:camera prst="orthographicFront"/>
-      <a:lightRig rig="threePt" dir="t"/>
-    </dgm:scene3d>
-    <dgm:sp3d/>
-    <dgm:txPr/>
-    <dgm:style>
-      <a:lnRef idx="1">
-        <a:scrgbClr r="0" g="0" b="0"/>
-      </a:lnRef>
-      <a:fillRef idx="1">
-        <a:scrgbClr r="0" g="0" b="0"/>
-      </a:fillRef>
-      <a:effectRef idx="0">
-        <a:scrgbClr r="0" g="0" b="0"/>
-      </a:effectRef>
-      <a:fontRef idx="minor"/>
-    </dgm:style>
-  </dgm:styleLbl>
-  <dgm:styleLbl name="trAlignAcc1">
-    <dgm:scene3d>
-      <a:camera prst="orthographicFront"/>
-      <a:lightRig rig="threePt" dir="t"/>
-    </dgm:scene3d>
-    <dgm:sp3d/>
-    <dgm:txPr/>
-    <dgm:style>
-      <a:lnRef idx="1">
-        <a:scrgbClr r="0" g="0" b="0"/>
-      </a:lnRef>
-      <a:fillRef idx="1">
-        <a:scrgbClr r="0" g="0" b="0"/>
-      </a:fillRef>
-      <a:effectRef idx="0">
-        <a:scrgbClr r="0" g="0" b="0"/>
-      </a:effectRef>
-      <a:fontRef idx="minor"/>
-    </dgm:style>
-  </dgm:styleLbl>
-  <dgm:styleLbl name="bgAcc1">
-    <dgm:scene3d>
-      <a:camera prst="orthographicFront"/>
-      <a:lightRig rig="threePt" dir="t"/>
-    </dgm:scene3d>
-    <dgm:sp3d/>
-    <dgm:txPr/>
-    <dgm:style>
-      <a:lnRef idx="1">
-        <a:scrgbClr r="0" g="0" b="0"/>
-      </a:lnRef>
-      <a:fillRef idx="1">
-        <a:scrgbClr r="0" g="0" b="0"/>
-      </a:fillRef>
-      <a:effectRef idx="0">
-        <a:scrgbClr r="0" g="0" b="0"/>
-      </a:effectRef>
-      <a:fontRef idx="minor"/>
-    </dgm:style>
-  </dgm:styleLbl>
-  <dgm:styleLbl name="solidFgAcc1">
-    <dgm:scene3d>
-      <a:camera prst="orthographicFront"/>
-      <a:lightRig rig="threePt" dir="t"/>
-    </dgm:scene3d>
-    <dgm:sp3d/>
-    <dgm:txPr/>
-    <dgm:style>
-      <a:lnRef idx="1">
-        <a:scrgbClr r="0" g="0" b="0"/>
-      </a:lnRef>
-      <a:fillRef idx="1">
-        <a:scrgbClr r="0" g="0" b="0"/>
-      </a:fillRef>
-      <a:effectRef idx="0">
-        <a:scrgbClr r="0" g="0" b="0"/>
-      </a:effectRef>
-      <a:fontRef idx="minor"/>
-    </dgm:style>
-  </dgm:styleLbl>
-  <dgm:styleLbl name="solidAlignAcc1">
-    <dgm:scene3d>
-      <a:camera prst="orthographicFront"/>
-      <a:lightRig rig="threePt" dir="t"/>
-    </dgm:scene3d>
-    <dgm:sp3d/>
-    <dgm:txPr/>
-    <dgm:style>
-      <a:lnRef idx="1">
-        <a:scrgbClr r="0" g="0" b="0"/>
-      </a:lnRef>
-      <a:fillRef idx="1">
-        <a:scrgbClr r="0" g="0" b="0"/>
-      </a:fillRef>
-      <a:effectRef idx="0">
-        <a:scrgbClr r="0" g="0" b="0"/>
-      </a:effectRef>
-      <a:fontRef idx="minor"/>
-    </dgm:style>
-  </dgm:styleLbl>
-  <dgm:styleLbl name="solidBgAcc1">
-    <dgm:scene3d>
-      <a:camera prst="orthographicFront"/>
-      <a:lightRig rig="threePt" dir="t"/>
-    </dgm:scene3d>
-    <dgm:sp3d/>
-    <dgm:txPr/>
-    <dgm:style>
-      <a:lnRef idx="1">
-        <a:scrgbClr r="0" g="0" b="0"/>
-      </a:lnRef>
-      <a:fillRef idx="1">
-        <a:scrgbClr r="0" g="0" b="0"/>
-      </a:fillRef>
-      <a:effectRef idx="0">
-        <a:scrgbClr r="0" g="0" b="0"/>
-      </a:effectRef>
-      <a:fontRef idx="minor"/>
-    </dgm:style>
-  </dgm:styleLbl>
-  <dgm:styleLbl name="fgAccFollowNode1">
-    <dgm:scene3d>
-      <a:camera prst="orthographicFront"/>
-      <a:lightRig rig="threePt" dir="t"/>
-    </dgm:scene3d>
-    <dgm:sp3d/>
-    <dgm:txPr/>
-    <dgm:style>
-      <a:lnRef idx="1">
-        <a:scrgbClr r="0" g="0" b="0"/>
-      </a:lnRef>
-      <a:fillRef idx="1">
-        <a:scrgbClr r="0" g="0" b="0"/>
-      </a:fillRef>
-      <a:effectRef idx="0">
-        <a:scrgbClr r="0" g="0" b="0"/>
-      </a:effectRef>
-      <a:fontRef idx="minor"/>
-    </dgm:style>
-  </dgm:styleLbl>
-  <dgm:styleLbl name="alignAccFollowNode1">
-    <dgm:scene3d>
-      <a:camera prst="orthographicFront"/>
-      <a:lightRig rig="threePt" dir="t"/>
-    </dgm:scene3d>
-    <dgm:sp3d/>
-    <dgm:txPr/>
-    <dgm:style>
-      <a:lnRef idx="1">
-        <a:scrgbClr r="0" g="0" b="0"/>
-      </a:lnRef>
-      <a:fillRef idx="1">
-        <a:scrgbClr r="0" g="0" b="0"/>
-      </a:fillRef>
-      <a:effectRef idx="0">
-        <a:scrgbClr r="0" g="0" b="0"/>
-      </a:effectRef>
-      <a:fontRef idx="minor"/>
-    </dgm:style>
-  </dgm:styleLbl>
-  <dgm:styleLbl name="bgAccFollowNode1">
-    <dgm:scene3d>
-      <a:camera prst="orthographicFront"/>
-      <a:lightRig rig="threePt" dir="t"/>
-    </dgm:scene3d>
-    <dgm:sp3d/>
-    <dgm:txPr/>
-    <dgm:style>
-      <a:lnRef idx="1">
-        <a:scrgbClr r="0" g="0" b="0"/>
-      </a:lnRef>
-      <a:fillRef idx="1">
-        <a:scrgbClr r="0" g="0" b="0"/>
-      </a:fillRef>
-      <a:effectRef idx="0">
-        <a:scrgbClr r="0" g="0" b="0"/>
-      </a:effectRef>
-      <a:fontRef idx="minor"/>
-    </dgm:style>
-  </dgm:styleLbl>
-  <dgm:styleLbl name="fgAcc0">
-    <dgm:scene3d>
-      <a:camera prst="orthographicFront"/>
-      <a:lightRig rig="threePt" dir="t"/>
-    </dgm:scene3d>
-    <dgm:sp3d/>
-    <dgm:txPr/>
-    <dgm:style>
-      <a:lnRef idx="1">
-        <a:scrgbClr r="0" g="0" b="0"/>
-      </a:lnRef>
-      <a:fillRef idx="1">
-        <a:scrgbClr r="0" g="0" b="0"/>
-      </a:fillRef>
-      <a:effectRef idx="0">
-        <a:scrgbClr r="0" g="0" b="0"/>
-      </a:effectRef>
-      <a:fontRef idx="minor"/>
-    </dgm:style>
-  </dgm:styleLbl>
-  <dgm:styleLbl name="fgAcc2">
-    <dgm:scene3d>
-      <a:camera prst="orthographicFront"/>
-      <a:lightRig rig="threePt" dir="t"/>
-    </dgm:scene3d>
-    <dgm:sp3d/>
-    <dgm:txPr/>
-    <dgm:style>
-      <a:lnRef idx="1">
-        <a:scrgbClr r="0" g="0" b="0"/>
-      </a:lnRef>
-      <a:fillRef idx="1">
-        <a:scrgbClr r="0" g="0" b="0"/>
-      </a:fillRef>
-      <a:effectRef idx="0">
-        <a:scrgbClr r="0" g="0" b="0"/>
-      </a:effectRef>
-      <a:fontRef idx="minor"/>
-    </dgm:style>
-  </dgm:styleLbl>
-  <dgm:styleLbl name="fgAcc3">
-    <dgm:scene3d>
-      <a:camera prst="orthographicFront"/>
-      <a:lightRig rig="threePt" dir="t"/>
-    </dgm:scene3d>
-    <dgm:sp3d/>
-    <dgm:txPr/>
-    <dgm:style>
-      <a:lnRef idx="1">
-        <a:scrgbClr r="0" g="0" b="0"/>
-      </a:lnRef>
-      <a:fillRef idx="1">
-        <a:scrgbClr r="0" g="0" b="0"/>
-      </a:fillRef>
-      <a:effectRef idx="0">
-        <a:scrgbClr r="0" g="0" b="0"/>
-      </a:effectRef>
-      <a:fontRef idx="minor"/>
-    </dgm:style>
-  </dgm:styleLbl>
-  <dgm:styleLbl name="fgAcc4">
-    <dgm:scene3d>
-      <a:camera prst="orthographicFront"/>
-      <a:lightRig rig="threePt" dir="t"/>
-    </dgm:scene3d>
-    <dgm:sp3d/>
-    <dgm:txPr/>
-    <dgm:style>
-      <a:lnRef idx="1">
-        <a:scrgbClr r="0" g="0" b="0"/>
-      </a:lnRef>
-      <a:fillRef idx="1">
-        <a:scrgbClr r="0" g="0" b="0"/>
-      </a:fillRef>
-      <a:effectRef idx="0">
-        <a:scrgbClr r="0" g="0" b="0"/>
-      </a:effectRef>
-      <a:fontRef idx="minor"/>
-    </dgm:style>
-  </dgm:styleLbl>
-  <dgm:styleLbl name="bgShp">
+  <dgm:styleLbl name="fgShp">
     <dgm:scene3d>
       <a:camera prst="orthographicFront"/>
       <a:lightRig rig="threePt" dir="t"/>
@@ -43308,70 +43549,10 @@
       <a:lnRef idx="0">
         <a:scrgbClr r="0" g="0" b="0"/>
       </a:lnRef>
-      <a:fillRef idx="1">
-        <a:scrgbClr r="0" g="0" b="0"/>
-      </a:fillRef>
-      <a:effectRef idx="2">
-        <a:scrgbClr r="0" g="0" b="0"/>
-      </a:effectRef>
-      <a:fontRef idx="minor"/>
-    </dgm:style>
-  </dgm:styleLbl>
-  <dgm:styleLbl name="dkBgShp">
-    <dgm:scene3d>
-      <a:camera prst="orthographicFront"/>
-      <a:lightRig rig="threePt" dir="t"/>
-    </dgm:scene3d>
-    <dgm:sp3d/>
-    <dgm:txPr/>
-    <dgm:style>
-      <a:lnRef idx="0">
-        <a:scrgbClr r="0" g="0" b="0"/>
-      </a:lnRef>
-      <a:fillRef idx="1">
-        <a:scrgbClr r="0" g="0" b="0"/>
-      </a:fillRef>
-      <a:effectRef idx="2">
-        <a:scrgbClr r="0" g="0" b="0"/>
-      </a:effectRef>
-      <a:fontRef idx="minor"/>
-    </dgm:style>
-  </dgm:styleLbl>
-  <dgm:styleLbl name="trBgShp">
-    <dgm:scene3d>
-      <a:camera prst="orthographicFront"/>
-      <a:lightRig rig="threePt" dir="t"/>
-    </dgm:scene3d>
-    <dgm:sp3d/>
-    <dgm:txPr/>
-    <dgm:style>
-      <a:lnRef idx="0">
-        <a:scrgbClr r="0" g="0" b="0"/>
-      </a:lnRef>
-      <a:fillRef idx="1">
-        <a:scrgbClr r="0" g="0" b="0"/>
-      </a:fillRef>
-      <a:effectRef idx="0">
-        <a:scrgbClr r="0" g="0" b="0"/>
-      </a:effectRef>
-      <a:fontRef idx="minor"/>
-    </dgm:style>
-  </dgm:styleLbl>
-  <dgm:styleLbl name="fgShp">
-    <dgm:scene3d>
-      <a:camera prst="orthographicFront"/>
-      <a:lightRig rig="threePt" dir="t"/>
-    </dgm:scene3d>
-    <dgm:sp3d/>
-    <dgm:txPr/>
-    <dgm:style>
-      <a:lnRef idx="0">
-        <a:scrgbClr r="0" g="0" b="0"/>
-      </a:lnRef>
       <a:fillRef idx="3">
         <a:scrgbClr r="0" g="0" b="0"/>
       </a:fillRef>
-      <a:effectRef idx="2">
+      <a:effectRef idx="3">
         <a:scrgbClr r="0" g="0" b="0"/>
       </a:effectRef>
       <a:fontRef idx="minor"/>
@@ -46500,6 +46681,441 @@
     </dgm:style>
   </dgm:styleLbl>
 </dgm:styleDef>
+</file>
+
+<file path=ppt/notesMasters/notesMaster1.xml><?xml version="1.0" encoding="utf-8"?>
+<p:notesMaster xmlns:a="http://schemas.openxmlformats.org/drawingml/2006/main" xmlns:r="http://schemas.openxmlformats.org/officeDocument/2006/relationships" xmlns:p="http://schemas.openxmlformats.org/presentationml/2006/main">
+  <p:cSld>
+    <p:bg>
+      <p:bgRef idx="1001">
+        <a:schemeClr val="bg1"/>
+      </p:bgRef>
+    </p:bg>
+    <p:spTree>
+      <p:nvGrpSpPr>
+        <p:cNvPr id="1" name=""/>
+        <p:cNvGrpSpPr/>
+        <p:nvPr/>
+      </p:nvGrpSpPr>
+      <p:grpSpPr>
+        <a:xfrm>
+          <a:off x="0" y="0"/>
+          <a:ext cx="0" cy="0"/>
+          <a:chOff x="0" y="0"/>
+          <a:chExt cx="0" cy="0"/>
+        </a:xfrm>
+      </p:grpSpPr>
+      <p:sp>
+        <p:nvSpPr>
+          <p:cNvPr id="2" name="Header Placeholder 1"/>
+          <p:cNvSpPr>
+            <a:spLocks noGrp="1"/>
+          </p:cNvSpPr>
+          <p:nvPr>
+            <p:ph type="hdr" sz="quarter"/>
+          </p:nvPr>
+        </p:nvSpPr>
+        <p:spPr>
+          <a:xfrm>
+            <a:off x="0" y="0"/>
+            <a:ext cx="2971800" cy="458788"/>
+          </a:xfrm>
+          <a:prstGeom prst="rect">
+            <a:avLst/>
+          </a:prstGeom>
+        </p:spPr>
+        <p:txBody>
+          <a:bodyPr vert="horz" lIns="91440" tIns="45720" rIns="91440" bIns="45720" rtlCol="0"/>
+          <a:lstStyle>
+            <a:lvl1pPr algn="l">
+              <a:defRPr sz="1200"/>
+            </a:lvl1pPr>
+          </a:lstStyle>
+          <a:p>
+            <a:endParaRPr lang="en-US"/>
+          </a:p>
+        </p:txBody>
+      </p:sp>
+      <p:sp>
+        <p:nvSpPr>
+          <p:cNvPr id="3" name="Date Placeholder 2"/>
+          <p:cNvSpPr>
+            <a:spLocks noGrp="1"/>
+          </p:cNvSpPr>
+          <p:nvPr>
+            <p:ph type="dt" idx="1"/>
+          </p:nvPr>
+        </p:nvSpPr>
+        <p:spPr>
+          <a:xfrm>
+            <a:off x="3884613" y="0"/>
+            <a:ext cx="2971800" cy="458788"/>
+          </a:xfrm>
+          <a:prstGeom prst="rect">
+            <a:avLst/>
+          </a:prstGeom>
+        </p:spPr>
+        <p:txBody>
+          <a:bodyPr vert="horz" lIns="91440" tIns="45720" rIns="91440" bIns="45720" rtlCol="0"/>
+          <a:lstStyle>
+            <a:lvl1pPr algn="r">
+              <a:defRPr sz="1200"/>
+            </a:lvl1pPr>
+          </a:lstStyle>
+          <a:p>
+            <a:fld id="{56731ED0-DD9C-442B-8AC3-97D41B5157C2}" type="datetimeFigureOut">
+              <a:rPr lang="en-US"/>
+              <a:t>2/10/2019</a:t>
+            </a:fld>
+            <a:endParaRPr lang="en-US"/>
+          </a:p>
+        </p:txBody>
+      </p:sp>
+      <p:sp>
+        <p:nvSpPr>
+          <p:cNvPr id="4" name="Slide Image Placeholder 3"/>
+          <p:cNvSpPr>
+            <a:spLocks noGrp="1" noRot="1" noChangeAspect="1"/>
+          </p:cNvSpPr>
+          <p:nvPr>
+            <p:ph type="sldImg" idx="2"/>
+          </p:nvPr>
+        </p:nvSpPr>
+        <p:spPr>
+          <a:xfrm>
+            <a:off x="685800" y="1143000"/>
+            <a:ext cx="5486400" cy="3086100"/>
+          </a:xfrm>
+          <a:prstGeom prst="rect">
+            <a:avLst/>
+          </a:prstGeom>
+          <a:noFill/>
+          <a:ln w="12700">
+            <a:solidFill>
+              <a:prstClr val="black"/>
+            </a:solidFill>
+          </a:ln>
+        </p:spPr>
+        <p:txBody>
+          <a:bodyPr vert="horz" lIns="91440" tIns="45720" rIns="91440" bIns="45720" rtlCol="0" anchor="ctr"/>
+          <a:lstStyle/>
+          <a:p>
+            <a:endParaRPr lang="en-US"/>
+          </a:p>
+        </p:txBody>
+      </p:sp>
+      <p:sp>
+        <p:nvSpPr>
+          <p:cNvPr id="5" name="Notes Placeholder 4"/>
+          <p:cNvSpPr>
+            <a:spLocks noGrp="1"/>
+          </p:cNvSpPr>
+          <p:nvPr>
+            <p:ph type="body" sz="quarter" idx="3"/>
+          </p:nvPr>
+        </p:nvSpPr>
+        <p:spPr>
+          <a:xfrm>
+            <a:off x="685800" y="4400550"/>
+            <a:ext cx="5486400" cy="3600450"/>
+          </a:xfrm>
+          <a:prstGeom prst="rect">
+            <a:avLst/>
+          </a:prstGeom>
+        </p:spPr>
+        <p:txBody>
+          <a:bodyPr vert="horz" lIns="91440" tIns="45720" rIns="91440" bIns="45720" rtlCol="0"/>
+          <a:lstStyle/>
+          <a:p>
+            <a:pPr lvl="0"/>
+            <a:r>
+              <a:rPr lang="en-US"/>
+              <a:t>Click to edit Master text styles</a:t>
+            </a:r>
+          </a:p>
+          <a:p>
+            <a:pPr lvl="1"/>
+            <a:r>
+              <a:rPr lang="en-US"/>
+              <a:t>Second level</a:t>
+            </a:r>
+          </a:p>
+          <a:p>
+            <a:pPr lvl="2"/>
+            <a:r>
+              <a:rPr lang="en-US"/>
+              <a:t>Third level</a:t>
+            </a:r>
+          </a:p>
+          <a:p>
+            <a:pPr lvl="3"/>
+            <a:r>
+              <a:rPr lang="en-US"/>
+              <a:t>Fourth level</a:t>
+            </a:r>
+          </a:p>
+          <a:p>
+            <a:pPr lvl="4"/>
+            <a:r>
+              <a:rPr lang="en-US"/>
+              <a:t>Fifth level</a:t>
+            </a:r>
+          </a:p>
+        </p:txBody>
+      </p:sp>
+      <p:sp>
+        <p:nvSpPr>
+          <p:cNvPr id="6" name="Footer Placeholder 5"/>
+          <p:cNvSpPr>
+            <a:spLocks noGrp="1"/>
+          </p:cNvSpPr>
+          <p:nvPr>
+            <p:ph type="ftr" sz="quarter" idx="4"/>
+          </p:nvPr>
+        </p:nvSpPr>
+        <p:spPr>
+          <a:xfrm>
+            <a:off x="0" y="8685213"/>
+            <a:ext cx="2971800" cy="458787"/>
+          </a:xfrm>
+          <a:prstGeom prst="rect">
+            <a:avLst/>
+          </a:prstGeom>
+        </p:spPr>
+        <p:txBody>
+          <a:bodyPr vert="horz" lIns="91440" tIns="45720" rIns="91440" bIns="45720" rtlCol="0" anchor="b"/>
+          <a:lstStyle>
+            <a:lvl1pPr algn="l">
+              <a:defRPr sz="1200"/>
+            </a:lvl1pPr>
+          </a:lstStyle>
+          <a:p>
+            <a:endParaRPr lang="en-US"/>
+          </a:p>
+        </p:txBody>
+      </p:sp>
+      <p:sp>
+        <p:nvSpPr>
+          <p:cNvPr id="7" name="Slide Number Placeholder 6"/>
+          <p:cNvSpPr>
+            <a:spLocks noGrp="1"/>
+          </p:cNvSpPr>
+          <p:nvPr>
+            <p:ph type="sldNum" sz="quarter" idx="5"/>
+          </p:nvPr>
+        </p:nvSpPr>
+        <p:spPr>
+          <a:xfrm>
+            <a:off x="3884613" y="8685213"/>
+            <a:ext cx="2971800" cy="458787"/>
+          </a:xfrm>
+          <a:prstGeom prst="rect">
+            <a:avLst/>
+          </a:prstGeom>
+        </p:spPr>
+        <p:txBody>
+          <a:bodyPr vert="horz" lIns="91440" tIns="45720" rIns="91440" bIns="45720" rtlCol="0" anchor="b"/>
+          <a:lstStyle>
+            <a:lvl1pPr algn="r">
+              <a:defRPr sz="1200"/>
+            </a:lvl1pPr>
+          </a:lstStyle>
+          <a:p>
+            <a:fld id="{A6A2F694-2DAC-417B-91B2-2791DD09F1C2}" type="slidenum">
+              <a:rPr lang="en-US"/>
+              <a:t>‹#›</a:t>
+            </a:fld>
+            <a:endParaRPr lang="en-US"/>
+          </a:p>
+        </p:txBody>
+      </p:sp>
+    </p:spTree>
+    <p:extLst>
+      <p:ext uri="{BB962C8B-B14F-4D97-AF65-F5344CB8AC3E}">
+        <p14:creationId xmlns:p14="http://schemas.microsoft.com/office/powerpoint/2010/main" val="2681070405"/>
+      </p:ext>
+    </p:extLst>
+  </p:cSld>
+  <p:clrMap bg1="lt1" tx1="dk1" bg2="lt2" tx2="dk2" accent1="accent1" accent2="accent2" accent3="accent3" accent4="accent4" accent5="accent5" accent6="accent6" hlink="hlink" folHlink="folHlink"/>
+  <p:notesStyle>
+    <a:lvl1pPr marL="0" algn="l" defTabSz="914400" rtl="0" eaLnBrk="1" latinLnBrk="0" hangingPunct="1">
+      <a:defRPr sz="1200" kern="1200">
+        <a:solidFill>
+          <a:schemeClr val="tx1"/>
+        </a:solidFill>
+        <a:latin typeface="+mn-lt"/>
+        <a:ea typeface="+mn-ea"/>
+        <a:cs typeface="+mn-cs"/>
+      </a:defRPr>
+    </a:lvl1pPr>
+    <a:lvl2pPr marL="457200" algn="l" defTabSz="914400" rtl="0" eaLnBrk="1" latinLnBrk="0" hangingPunct="1">
+      <a:defRPr sz="1200" kern="1200">
+        <a:solidFill>
+          <a:schemeClr val="tx1"/>
+        </a:solidFill>
+        <a:latin typeface="+mn-lt"/>
+        <a:ea typeface="+mn-ea"/>
+        <a:cs typeface="+mn-cs"/>
+      </a:defRPr>
+    </a:lvl2pPr>
+    <a:lvl3pPr marL="914400" algn="l" defTabSz="914400" rtl="0" eaLnBrk="1" latinLnBrk="0" hangingPunct="1">
+      <a:defRPr sz="1200" kern="1200">
+        <a:solidFill>
+          <a:schemeClr val="tx1"/>
+        </a:solidFill>
+        <a:latin typeface="+mn-lt"/>
+        <a:ea typeface="+mn-ea"/>
+        <a:cs typeface="+mn-cs"/>
+      </a:defRPr>
+    </a:lvl3pPr>
+    <a:lvl4pPr marL="1371600" algn="l" defTabSz="914400" rtl="0" eaLnBrk="1" latinLnBrk="0" hangingPunct="1">
+      <a:defRPr sz="1200" kern="1200">
+        <a:solidFill>
+          <a:schemeClr val="tx1"/>
+        </a:solidFill>
+        <a:latin typeface="+mn-lt"/>
+        <a:ea typeface="+mn-ea"/>
+        <a:cs typeface="+mn-cs"/>
+      </a:defRPr>
+    </a:lvl4pPr>
+    <a:lvl5pPr marL="1828800" algn="l" defTabSz="914400" rtl="0" eaLnBrk="1" latinLnBrk="0" hangingPunct="1">
+      <a:defRPr sz="1200" kern="1200">
+        <a:solidFill>
+          <a:schemeClr val="tx1"/>
+        </a:solidFill>
+        <a:latin typeface="+mn-lt"/>
+        <a:ea typeface="+mn-ea"/>
+        <a:cs typeface="+mn-cs"/>
+      </a:defRPr>
+    </a:lvl5pPr>
+    <a:lvl6pPr marL="2286000" algn="l" defTabSz="914400" rtl="0" eaLnBrk="1" latinLnBrk="0" hangingPunct="1">
+      <a:defRPr sz="1200" kern="1200">
+        <a:solidFill>
+          <a:schemeClr val="tx1"/>
+        </a:solidFill>
+        <a:latin typeface="+mn-lt"/>
+        <a:ea typeface="+mn-ea"/>
+        <a:cs typeface="+mn-cs"/>
+      </a:defRPr>
+    </a:lvl6pPr>
+    <a:lvl7pPr marL="2743200" algn="l" defTabSz="914400" rtl="0" eaLnBrk="1" latinLnBrk="0" hangingPunct="1">
+      <a:defRPr sz="1200" kern="1200">
+        <a:solidFill>
+          <a:schemeClr val="tx1"/>
+        </a:solidFill>
+        <a:latin typeface="+mn-lt"/>
+        <a:ea typeface="+mn-ea"/>
+        <a:cs typeface="+mn-cs"/>
+      </a:defRPr>
+    </a:lvl7pPr>
+    <a:lvl8pPr marL="3200400" algn="l" defTabSz="914400" rtl="0" eaLnBrk="1" latinLnBrk="0" hangingPunct="1">
+      <a:defRPr sz="1200" kern="1200">
+        <a:solidFill>
+          <a:schemeClr val="tx1"/>
+        </a:solidFill>
+        <a:latin typeface="+mn-lt"/>
+        <a:ea typeface="+mn-ea"/>
+        <a:cs typeface="+mn-cs"/>
+      </a:defRPr>
+    </a:lvl8pPr>
+    <a:lvl9pPr marL="3657600" algn="l" defTabSz="914400" rtl="0" eaLnBrk="1" latinLnBrk="0" hangingPunct="1">
+      <a:defRPr sz="1200" kern="1200">
+        <a:solidFill>
+          <a:schemeClr val="tx1"/>
+        </a:solidFill>
+        <a:latin typeface="+mn-lt"/>
+        <a:ea typeface="+mn-ea"/>
+        <a:cs typeface="+mn-cs"/>
+      </a:defRPr>
+    </a:lvl9pPr>
+  </p:notesStyle>
+</p:notesMaster>
+</file>
+
+<file path=ppt/notesSlides/notesSlide1.xml><?xml version="1.0" encoding="utf-8"?>
+<p:notes xmlns:a="http://schemas.openxmlformats.org/drawingml/2006/main" xmlns:r="http://schemas.openxmlformats.org/officeDocument/2006/relationships" xmlns:p="http://schemas.openxmlformats.org/presentationml/2006/main">
+  <p:cSld>
+    <p:spTree>
+      <p:nvGrpSpPr>
+        <p:cNvPr id="1" name=""/>
+        <p:cNvGrpSpPr/>
+        <p:nvPr/>
+      </p:nvGrpSpPr>
+      <p:grpSpPr>
+        <a:xfrm>
+          <a:off x="0" y="0"/>
+          <a:ext cx="0" cy="0"/>
+          <a:chOff x="0" y="0"/>
+          <a:chExt cx="0" cy="0"/>
+        </a:xfrm>
+      </p:grpSpPr>
+      <p:sp>
+        <p:nvSpPr>
+          <p:cNvPr id="2" name="Slide Image Placeholder 1"/>
+          <p:cNvSpPr>
+            <a:spLocks noGrp="1" noRot="1" noChangeAspect="1"/>
+          </p:cNvSpPr>
+          <p:nvPr>
+            <p:ph type="sldImg"/>
+          </p:nvPr>
+        </p:nvSpPr>
+        <p:spPr/>
+      </p:sp>
+      <p:sp>
+        <p:nvSpPr>
+          <p:cNvPr id="3" name="Notes Placeholder 2"/>
+          <p:cNvSpPr>
+            <a:spLocks noGrp="1"/>
+          </p:cNvSpPr>
+          <p:nvPr>
+            <p:ph type="body" idx="1"/>
+          </p:nvPr>
+        </p:nvSpPr>
+        <p:spPr/>
+        <p:txBody>
+          <a:bodyPr/>
+          <a:lstStyle/>
+          <a:p>
+            <a:endParaRPr lang="en-US" dirty="0">
+              <a:cs typeface="Calibri"/>
+            </a:endParaRPr>
+          </a:p>
+        </p:txBody>
+      </p:sp>
+      <p:sp>
+        <p:nvSpPr>
+          <p:cNvPr id="4" name="Slide Number Placeholder 3"/>
+          <p:cNvSpPr>
+            <a:spLocks noGrp="1"/>
+          </p:cNvSpPr>
+          <p:nvPr>
+            <p:ph type="sldNum" sz="quarter" idx="5"/>
+          </p:nvPr>
+        </p:nvSpPr>
+        <p:spPr/>
+        <p:txBody>
+          <a:bodyPr/>
+          <a:lstStyle/>
+          <a:p>
+            <a:fld id="{A6A2F694-2DAC-417B-91B2-2791DD09F1C2}" type="slidenum">
+              <a:rPr lang="en-US"/>
+              <a:t>‹#›</a:t>
+            </a:fld>
+            <a:endParaRPr lang="en-US"/>
+          </a:p>
+        </p:txBody>
+      </p:sp>
+    </p:spTree>
+    <p:extLst>
+      <p:ext uri="{BB962C8B-B14F-4D97-AF65-F5344CB8AC3E}">
+        <p14:creationId xmlns:p14="http://schemas.microsoft.com/office/powerpoint/2010/main" val="4168014749"/>
+      </p:ext>
+    </p:extLst>
+  </p:cSld>
+  <p:clrMapOvr>
+    <a:masterClrMapping/>
+  </p:clrMapOvr>
+</p:notes>
 </file>
 
 <file path=ppt/slideLayouts/slideLayout1.xml><?xml version="1.0" encoding="utf-8"?>
@@ -46587,7 +47203,7 @@
           </a:lstStyle>
           <a:p>
             <a:r>
-              <a:rPr lang="en-US" dirty="0"/>
+              <a:rPr lang="en-US"/>
               <a:t>Click to edit Master title style</a:t>
             </a:r>
           </a:p>
@@ -46653,7 +47269,7 @@
           </a:lstStyle>
           <a:p>
             <a:r>
-              <a:rPr lang="en-US" dirty="0"/>
+              <a:rPr lang="en-US"/>
               <a:t>Click to edit Master subtitle style</a:t>
             </a:r>
           </a:p>
@@ -46676,7 +47292,7 @@
           <a:p>
             <a:fld id="{846CE7D5-CF57-46EF-B807-FDD0502418D4}" type="datetimeFigureOut">
               <a:rPr lang="en-US" smtClean="0"/>
-              <a:t>2/9/2019</a:t>
+              <a:t>2/10/2019</a:t>
             </a:fld>
             <a:endParaRPr lang="en-US"/>
           </a:p>
@@ -46734,6 +47350,9 @@
   <p:clrMapOvr>
     <a:masterClrMapping/>
   </p:clrMapOvr>
+  <p:transition spd="med">
+    <p:push dir="u"/>
+  </p:transition>
 </p:sldLayout>
 </file>
 
@@ -46770,7 +47389,7 @@
           <a:lstStyle/>
           <a:p>
             <a:r>
-              <a:rPr lang="en-US" dirty="0"/>
+              <a:rPr lang="en-US"/>
               <a:t>Click to edit Master title style</a:t>
             </a:r>
           </a:p>
@@ -46793,35 +47412,35 @@
           <a:p>
             <a:pPr lvl="0"/>
             <a:r>
-              <a:rPr lang="en-US" dirty="0"/>
+              <a:rPr lang="en-US"/>
               <a:t>Click to edit Master text styles</a:t>
             </a:r>
           </a:p>
           <a:p>
             <a:pPr lvl="1"/>
             <a:r>
-              <a:rPr lang="en-US" dirty="0"/>
+              <a:rPr lang="en-US"/>
               <a:t>Second level</a:t>
             </a:r>
           </a:p>
           <a:p>
             <a:pPr lvl="2"/>
             <a:r>
-              <a:rPr lang="en-US" dirty="0"/>
+              <a:rPr lang="en-US"/>
               <a:t>Third level</a:t>
             </a:r>
           </a:p>
           <a:p>
             <a:pPr lvl="3"/>
             <a:r>
-              <a:rPr lang="en-US" dirty="0"/>
+              <a:rPr lang="en-US"/>
               <a:t>Fourth level</a:t>
             </a:r>
           </a:p>
           <a:p>
             <a:pPr lvl="4"/>
             <a:r>
-              <a:rPr lang="en-US" dirty="0"/>
+              <a:rPr lang="en-US"/>
               <a:t>Fifth level</a:t>
             </a:r>
           </a:p>
@@ -46844,7 +47463,7 @@
           <a:p>
             <a:fld id="{846CE7D5-CF57-46EF-B807-FDD0502418D4}" type="datetimeFigureOut">
               <a:rPr lang="en-US" smtClean="0"/>
-              <a:t>2/9/2019</a:t>
+              <a:t>2/10/2019</a:t>
             </a:fld>
             <a:endParaRPr lang="en-US"/>
           </a:p>
@@ -46902,6 +47521,9 @@
   <p:clrMapOvr>
     <a:masterClrMapping/>
   </p:clrMapOvr>
+  <p:transition spd="med">
+    <p:push dir="u"/>
+  </p:transition>
 </p:sldLayout>
 </file>
 
@@ -46981,7 +47603,7 @@
           <a:lstStyle/>
           <a:p>
             <a:r>
-              <a:rPr lang="en-US" dirty="0"/>
+              <a:rPr lang="en-US"/>
               <a:t>Click to edit Master title style</a:t>
             </a:r>
           </a:p>
@@ -47009,35 +47631,35 @@
           <a:p>
             <a:pPr lvl="0"/>
             <a:r>
-              <a:rPr lang="en-US" dirty="0"/>
+              <a:rPr lang="en-US"/>
               <a:t>Click to edit Master text styles</a:t>
             </a:r>
           </a:p>
           <a:p>
             <a:pPr lvl="1"/>
             <a:r>
-              <a:rPr lang="en-US" dirty="0"/>
+              <a:rPr lang="en-US"/>
               <a:t>Second level</a:t>
             </a:r>
           </a:p>
           <a:p>
             <a:pPr lvl="2"/>
             <a:r>
-              <a:rPr lang="en-US" dirty="0"/>
+              <a:rPr lang="en-US"/>
               <a:t>Third level</a:t>
             </a:r>
           </a:p>
           <a:p>
             <a:pPr lvl="3"/>
             <a:r>
-              <a:rPr lang="en-US" dirty="0"/>
+              <a:rPr lang="en-US"/>
               <a:t>Fourth level</a:t>
             </a:r>
           </a:p>
           <a:p>
             <a:pPr lvl="4"/>
             <a:r>
-              <a:rPr lang="en-US" dirty="0"/>
+              <a:rPr lang="en-US"/>
               <a:t>Fifth level</a:t>
             </a:r>
           </a:p>
@@ -47065,7 +47687,7 @@
           <a:p>
             <a:fld id="{846CE7D5-CF57-46EF-B807-FDD0502418D4}" type="datetimeFigureOut">
               <a:rPr lang="en-US" smtClean="0"/>
-              <a:t>2/9/2019</a:t>
+              <a:t>2/10/2019</a:t>
             </a:fld>
             <a:endParaRPr lang="en-US"/>
           </a:p>
@@ -47133,6 +47755,9 @@
   <p:clrMapOvr>
     <a:masterClrMapping/>
   </p:clrMapOvr>
+  <p:transition spd="med">
+    <p:push dir="u"/>
+  </p:transition>
 </p:sldLayout>
 </file>
 
@@ -47169,7 +47794,7 @@
           <a:lstStyle/>
           <a:p>
             <a:r>
-              <a:rPr lang="en-US" dirty="0"/>
+              <a:rPr lang="en-US"/>
               <a:t>Click to edit Master title style</a:t>
             </a:r>
           </a:p>
@@ -47192,35 +47817,35 @@
           <a:p>
             <a:pPr lvl="0"/>
             <a:r>
-              <a:rPr lang="en-US" dirty="0"/>
+              <a:rPr lang="en-US"/>
               <a:t>Click to edit Master text styles</a:t>
             </a:r>
           </a:p>
           <a:p>
             <a:pPr lvl="1"/>
             <a:r>
-              <a:rPr lang="en-US" dirty="0"/>
+              <a:rPr lang="en-US"/>
               <a:t>Second level</a:t>
             </a:r>
           </a:p>
           <a:p>
             <a:pPr lvl="2"/>
             <a:r>
-              <a:rPr lang="en-US" dirty="0"/>
+              <a:rPr lang="en-US"/>
               <a:t>Third level</a:t>
             </a:r>
           </a:p>
           <a:p>
             <a:pPr lvl="3"/>
             <a:r>
-              <a:rPr lang="en-US" dirty="0"/>
+              <a:rPr lang="en-US"/>
               <a:t>Fourth level</a:t>
             </a:r>
           </a:p>
           <a:p>
             <a:pPr lvl="4"/>
             <a:r>
-              <a:rPr lang="en-US" dirty="0"/>
+              <a:rPr lang="en-US"/>
               <a:t>Fifth level</a:t>
             </a:r>
           </a:p>
@@ -47243,7 +47868,7 @@
           <a:p>
             <a:fld id="{846CE7D5-CF57-46EF-B807-FDD0502418D4}" type="datetimeFigureOut">
               <a:rPr lang="en-US" smtClean="0"/>
-              <a:t>2/9/2019</a:t>
+              <a:t>2/10/2019</a:t>
             </a:fld>
             <a:endParaRPr lang="en-US"/>
           </a:p>
@@ -47301,6 +47926,9 @@
   <p:clrMapOvr>
     <a:masterClrMapping/>
   </p:clrMapOvr>
+  <p:transition spd="med">
+    <p:push dir="u"/>
+  </p:transition>
 </p:sldLayout>
 </file>
 
@@ -47398,7 +48026,7 @@
           </a:lstStyle>
           <a:p>
             <a:r>
-              <a:rPr lang="en-US" dirty="0"/>
+              <a:rPr lang="en-US"/>
               <a:t>Click to edit Master title style</a:t>
             </a:r>
           </a:p>
@@ -47517,7 +48145,7 @@
           <a:p>
             <a:pPr lvl="0"/>
             <a:r>
-              <a:rPr lang="en-US" dirty="0"/>
+              <a:rPr lang="en-US"/>
               <a:t>Click to edit Master text styles</a:t>
             </a:r>
           </a:p>
@@ -47548,7 +48176,7 @@
           <a:p>
             <a:fld id="{846CE7D5-CF57-46EF-B807-FDD0502418D4}" type="datetimeFigureOut">
               <a:rPr lang="en-US" smtClean="0"/>
-              <a:t>2/9/2019</a:t>
+              <a:t>2/10/2019</a:t>
             </a:fld>
             <a:endParaRPr lang="en-US"/>
           </a:p>
@@ -47622,6 +48250,9 @@
   <p:clrMapOvr>
     <a:overrideClrMapping bg1="lt1" tx1="dk1" bg2="lt2" tx2="dk2" accent1="accent1" accent2="accent2" accent3="accent3" accent4="accent4" accent5="accent5" accent6="accent6" hlink="hlink" folHlink="folHlink"/>
   </p:clrMapOvr>
+  <p:transition spd="med">
+    <p:push dir="u"/>
+  </p:transition>
 </p:sldLayout>
 </file>
 
@@ -47658,7 +48289,7 @@
           <a:lstStyle/>
           <a:p>
             <a:r>
-              <a:rPr lang="en-US" dirty="0"/>
+              <a:rPr lang="en-US"/>
               <a:t>Click to edit Master title style</a:t>
             </a:r>
           </a:p>
@@ -47714,35 +48345,35 @@
           <a:p>
             <a:pPr lvl="0"/>
             <a:r>
-              <a:rPr lang="en-US" dirty="0"/>
+              <a:rPr lang="en-US"/>
               <a:t>Click to edit Master text styles</a:t>
             </a:r>
           </a:p>
           <a:p>
             <a:pPr lvl="1"/>
             <a:r>
-              <a:rPr lang="en-US" dirty="0"/>
+              <a:rPr lang="en-US"/>
               <a:t>Second level</a:t>
             </a:r>
           </a:p>
           <a:p>
             <a:pPr lvl="2"/>
             <a:r>
-              <a:rPr lang="en-US" dirty="0"/>
+              <a:rPr lang="en-US"/>
               <a:t>Third level</a:t>
             </a:r>
           </a:p>
           <a:p>
             <a:pPr lvl="3"/>
             <a:r>
-              <a:rPr lang="en-US" dirty="0"/>
+              <a:rPr lang="en-US"/>
               <a:t>Fourth level</a:t>
             </a:r>
           </a:p>
           <a:p>
             <a:pPr lvl="4"/>
             <a:r>
-              <a:rPr lang="en-US" dirty="0"/>
+              <a:rPr lang="en-US"/>
               <a:t>Fifth level</a:t>
             </a:r>
           </a:p>
@@ -47798,35 +48429,35 @@
           <a:p>
             <a:pPr lvl="0"/>
             <a:r>
-              <a:rPr lang="en-US" dirty="0"/>
+              <a:rPr lang="en-US"/>
               <a:t>Click to edit Master text styles</a:t>
             </a:r>
           </a:p>
           <a:p>
             <a:pPr lvl="1"/>
             <a:r>
-              <a:rPr lang="en-US" dirty="0"/>
+              <a:rPr lang="en-US"/>
               <a:t>Second level</a:t>
             </a:r>
           </a:p>
           <a:p>
             <a:pPr lvl="2"/>
             <a:r>
-              <a:rPr lang="en-US" dirty="0"/>
+              <a:rPr lang="en-US"/>
               <a:t>Third level</a:t>
             </a:r>
           </a:p>
           <a:p>
             <a:pPr lvl="3"/>
             <a:r>
-              <a:rPr lang="en-US" dirty="0"/>
+              <a:rPr lang="en-US"/>
               <a:t>Fourth level</a:t>
             </a:r>
           </a:p>
           <a:p>
             <a:pPr lvl="4"/>
             <a:r>
-              <a:rPr lang="en-US" dirty="0"/>
+              <a:rPr lang="en-US"/>
               <a:t>Fifth level</a:t>
             </a:r>
           </a:p>
@@ -47849,7 +48480,7 @@
           <a:p>
             <a:fld id="{846CE7D5-CF57-46EF-B807-FDD0502418D4}" type="datetimeFigureOut">
               <a:rPr lang="en-US" smtClean="0"/>
-              <a:t>2/9/2019</a:t>
+              <a:t>2/10/2019</a:t>
             </a:fld>
             <a:endParaRPr lang="en-US"/>
           </a:p>
@@ -47907,6 +48538,9 @@
   <p:clrMapOvr>
     <a:masterClrMapping/>
   </p:clrMapOvr>
+  <p:transition spd="med">
+    <p:push dir="u"/>
+  </p:transition>
 </p:sldLayout>
 </file>
 
@@ -47943,7 +48577,7 @@
           <a:lstStyle/>
           <a:p>
             <a:r>
-              <a:rPr lang="en-US" dirty="0"/>
+              <a:rPr lang="en-US"/>
               <a:t>Click to edit Master title style</a:t>
             </a:r>
           </a:p>
@@ -48010,7 +48644,7 @@
           <a:p>
             <a:pPr lvl="0"/>
             <a:r>
-              <a:rPr lang="en-US" dirty="0"/>
+              <a:rPr lang="en-US"/>
               <a:t>Click to edit Master text styles</a:t>
             </a:r>
           </a:p>
@@ -48066,35 +48700,35 @@
           <a:p>
             <a:pPr lvl="0"/>
             <a:r>
-              <a:rPr lang="en-US" dirty="0"/>
+              <a:rPr lang="en-US"/>
               <a:t>Click to edit Master text styles</a:t>
             </a:r>
           </a:p>
           <a:p>
             <a:pPr lvl="1"/>
             <a:r>
-              <a:rPr lang="en-US" dirty="0"/>
+              <a:rPr lang="en-US"/>
               <a:t>Second level</a:t>
             </a:r>
           </a:p>
           <a:p>
             <a:pPr lvl="2"/>
             <a:r>
-              <a:rPr lang="en-US" dirty="0"/>
+              <a:rPr lang="en-US"/>
               <a:t>Third level</a:t>
             </a:r>
           </a:p>
           <a:p>
             <a:pPr lvl="3"/>
             <a:r>
-              <a:rPr lang="en-US" dirty="0"/>
+              <a:rPr lang="en-US"/>
               <a:t>Fourth level</a:t>
             </a:r>
           </a:p>
           <a:p>
             <a:pPr lvl="4"/>
             <a:r>
-              <a:rPr lang="en-US" dirty="0"/>
+              <a:rPr lang="en-US"/>
               <a:t>Fifth level</a:t>
             </a:r>
           </a:p>
@@ -48161,7 +48795,7 @@
           <a:p>
             <a:pPr lvl="0"/>
             <a:r>
-              <a:rPr lang="en-US" dirty="0"/>
+              <a:rPr lang="en-US"/>
               <a:t>Click to edit Master text styles</a:t>
             </a:r>
           </a:p>
@@ -48217,35 +48851,35 @@
           <a:p>
             <a:pPr lvl="0"/>
             <a:r>
-              <a:rPr lang="en-US" dirty="0"/>
+              <a:rPr lang="en-US"/>
               <a:t>Click to edit Master text styles</a:t>
             </a:r>
           </a:p>
           <a:p>
             <a:pPr lvl="1"/>
             <a:r>
-              <a:rPr lang="en-US" dirty="0"/>
+              <a:rPr lang="en-US"/>
               <a:t>Second level</a:t>
             </a:r>
           </a:p>
           <a:p>
             <a:pPr lvl="2"/>
             <a:r>
-              <a:rPr lang="en-US" dirty="0"/>
+              <a:rPr lang="en-US"/>
               <a:t>Third level</a:t>
             </a:r>
           </a:p>
           <a:p>
             <a:pPr lvl="3"/>
             <a:r>
-              <a:rPr lang="en-US" dirty="0"/>
+              <a:rPr lang="en-US"/>
               <a:t>Fourth level</a:t>
             </a:r>
           </a:p>
           <a:p>
             <a:pPr lvl="4"/>
             <a:r>
-              <a:rPr lang="en-US" dirty="0"/>
+              <a:rPr lang="en-US"/>
               <a:t>Fifth level</a:t>
             </a:r>
           </a:p>
@@ -48268,7 +48902,7 @@
           <a:p>
             <a:fld id="{846CE7D5-CF57-46EF-B807-FDD0502418D4}" type="datetimeFigureOut">
               <a:rPr lang="en-US" smtClean="0"/>
-              <a:t>2/9/2019</a:t>
+              <a:t>2/10/2019</a:t>
             </a:fld>
             <a:endParaRPr lang="en-US"/>
           </a:p>
@@ -48326,6 +48960,9 @@
   <p:clrMapOvr>
     <a:masterClrMapping/>
   </p:clrMapOvr>
+  <p:transition spd="med">
+    <p:push dir="u"/>
+  </p:transition>
 </p:sldLayout>
 </file>
 
@@ -48362,7 +48999,7 @@
           <a:lstStyle/>
           <a:p>
             <a:r>
-              <a:rPr lang="en-US" dirty="0"/>
+              <a:rPr lang="en-US"/>
               <a:t>Click to edit Master title style</a:t>
             </a:r>
           </a:p>
@@ -48385,7 +49022,7 @@
           <a:p>
             <a:fld id="{846CE7D5-CF57-46EF-B807-FDD0502418D4}" type="datetimeFigureOut">
               <a:rPr lang="en-US" smtClean="0"/>
-              <a:t>2/9/2019</a:t>
+              <a:t>2/10/2019</a:t>
             </a:fld>
             <a:endParaRPr lang="en-US"/>
           </a:p>
@@ -48443,6 +49080,9 @@
   <p:clrMapOvr>
     <a:masterClrMapping/>
   </p:clrMapOvr>
+  <p:transition spd="med">
+    <p:push dir="u"/>
+  </p:transition>
 </p:sldLayout>
 </file>
 
@@ -48480,7 +49120,7 @@
           <a:p>
             <a:fld id="{846CE7D5-CF57-46EF-B807-FDD0502418D4}" type="datetimeFigureOut">
               <a:rPr lang="en-US" smtClean="0"/>
-              <a:t>2/9/2019</a:t>
+              <a:t>2/10/2019</a:t>
             </a:fld>
             <a:endParaRPr lang="en-US"/>
           </a:p>
@@ -48538,6 +49178,9 @@
   <p:clrMapOvr>
     <a:masterClrMapping/>
   </p:clrMapOvr>
+  <p:transition spd="med">
+    <p:push dir="u"/>
+  </p:transition>
 </p:sldLayout>
 </file>
 
@@ -48574,7 +49217,7 @@
           <a:lstStyle/>
           <a:p>
             <a:r>
-              <a:rPr lang="en-US" dirty="0"/>
+              <a:rPr lang="en-US"/>
               <a:t>Click to edit Master title style</a:t>
             </a:r>
           </a:p>
@@ -48630,35 +49273,35 @@
           <a:p>
             <a:pPr lvl="0"/>
             <a:r>
-              <a:rPr lang="en-US" dirty="0"/>
+              <a:rPr lang="en-US"/>
               <a:t>Click to edit Master text styles</a:t>
             </a:r>
           </a:p>
           <a:p>
             <a:pPr lvl="1"/>
             <a:r>
-              <a:rPr lang="en-US" dirty="0"/>
+              <a:rPr lang="en-US"/>
               <a:t>Second level</a:t>
             </a:r>
           </a:p>
           <a:p>
             <a:pPr lvl="2"/>
             <a:r>
-              <a:rPr lang="en-US" dirty="0"/>
+              <a:rPr lang="en-US"/>
               <a:t>Third level</a:t>
             </a:r>
           </a:p>
           <a:p>
             <a:pPr lvl="3"/>
             <a:r>
-              <a:rPr lang="en-US" dirty="0"/>
+              <a:rPr lang="en-US"/>
               <a:t>Fourth level</a:t>
             </a:r>
           </a:p>
           <a:p>
             <a:pPr lvl="4"/>
             <a:r>
-              <a:rPr lang="en-US" dirty="0"/>
+              <a:rPr lang="en-US"/>
               <a:t>Fifth level</a:t>
             </a:r>
           </a:p>
@@ -48728,7 +49371,7 @@
           <a:p>
             <a:pPr lvl="0"/>
             <a:r>
-              <a:rPr lang="en-US" dirty="0"/>
+              <a:rPr lang="en-US"/>
               <a:t>Click to edit Master text styles</a:t>
             </a:r>
           </a:p>
@@ -48751,7 +49394,7 @@
           <a:p>
             <a:fld id="{846CE7D5-CF57-46EF-B807-FDD0502418D4}" type="datetimeFigureOut">
               <a:rPr lang="en-US" smtClean="0"/>
-              <a:t>2/9/2019</a:t>
+              <a:t>2/10/2019</a:t>
             </a:fld>
             <a:endParaRPr lang="en-US"/>
           </a:p>
@@ -48809,6 +49452,9 @@
   <p:clrMapOvr>
     <a:masterClrMapping/>
   </p:clrMapOvr>
+  <p:transition spd="med">
+    <p:push dir="u"/>
+  </p:transition>
 </p:sldLayout>
 </file>
 
@@ -48845,7 +49491,7 @@
           <a:lstStyle/>
           <a:p>
             <a:r>
-              <a:rPr lang="en-US" dirty="0"/>
+              <a:rPr lang="en-US"/>
               <a:t>Click to edit Master title style</a:t>
             </a:r>
           </a:p>
@@ -48921,7 +49567,7 @@
           </a:lstStyle>
           <a:p>
             <a:r>
-              <a:rPr lang="en-US" dirty="0"/>
+              <a:rPr lang="en-US"/>
               <a:t>Click icon to add picture</a:t>
             </a:r>
           </a:p>
@@ -48991,7 +49637,7 @@
           <a:p>
             <a:pPr lvl="0"/>
             <a:r>
-              <a:rPr lang="en-US" dirty="0"/>
+              <a:rPr lang="en-US"/>
               <a:t>Click to edit Master text styles</a:t>
             </a:r>
           </a:p>
@@ -49014,7 +49660,7 @@
           <a:p>
             <a:fld id="{846CE7D5-CF57-46EF-B807-FDD0502418D4}" type="datetimeFigureOut">
               <a:rPr lang="en-US" smtClean="0"/>
-              <a:t>2/9/2019</a:t>
+              <a:t>2/10/2019</a:t>
             </a:fld>
             <a:endParaRPr lang="en-US"/>
           </a:p>
@@ -49072,6 +49718,9 @@
   <p:clrMapOvr>
     <a:masterClrMapping/>
   </p:clrMapOvr>
+  <p:transition spd="med">
+    <p:push dir="u"/>
+  </p:transition>
 </p:sldLayout>
 </file>
 
@@ -49161,7 +49810,7 @@
           <a:lstStyle/>
           <a:p>
             <a:r>
-              <a:rPr lang="en-US" dirty="0"/>
+              <a:rPr lang="en-US"/>
               <a:t>Click to edit Master title style</a:t>
             </a:r>
           </a:p>
@@ -49194,35 +49843,35 @@
           <a:p>
             <a:pPr lvl="0"/>
             <a:r>
-              <a:rPr lang="en-US" dirty="0"/>
+              <a:rPr lang="en-US"/>
               <a:t>Click to edit Master text styles</a:t>
             </a:r>
           </a:p>
           <a:p>
             <a:pPr lvl="1"/>
             <a:r>
-              <a:rPr lang="en-US" dirty="0"/>
+              <a:rPr lang="en-US"/>
               <a:t>Second level</a:t>
             </a:r>
           </a:p>
           <a:p>
             <a:pPr lvl="2"/>
             <a:r>
-              <a:rPr lang="en-US" dirty="0"/>
+              <a:rPr lang="en-US"/>
               <a:t>Third level</a:t>
             </a:r>
           </a:p>
           <a:p>
             <a:pPr lvl="3"/>
             <a:r>
-              <a:rPr lang="en-US" dirty="0"/>
+              <a:rPr lang="en-US"/>
               <a:t>Fourth level</a:t>
             </a:r>
           </a:p>
           <a:p>
             <a:pPr lvl="4"/>
             <a:r>
-              <a:rPr lang="en-US" dirty="0"/>
+              <a:rPr lang="en-US"/>
               <a:t>Fifth level</a:t>
             </a:r>
           </a:p>
@@ -49261,7 +49910,7 @@
           <a:p>
             <a:fld id="{846CE7D5-CF57-46EF-B807-FDD0502418D4}" type="datetimeFigureOut">
               <a:rPr lang="en-US" smtClean="0"/>
-              <a:t>2/9/2019</a:t>
+              <a:t>2/10/2019</a:t>
             </a:fld>
             <a:endParaRPr lang="en-US"/>
           </a:p>
@@ -49362,6 +50011,9 @@
     <p:sldLayoutId id="2147483772" r:id="rId10"/>
     <p:sldLayoutId id="2147483773" r:id="rId11"/>
   </p:sldLayoutIdLst>
+  <p:transition spd="med">
+    <p:push dir="u"/>
+  </p:transition>
   <p:txStyles>
     <p:titleStyle>
       <a:lvl1pPr algn="l" defTabSz="914400" rtl="0" eaLnBrk="1" latinLnBrk="0" hangingPunct="1">
@@ -49871,7 +50523,7 @@
           <a:p>
             <a:pPr algn="l"/>
             <a:r>
-              <a:rPr lang="en-US" sz="8000" dirty="0"/>
+              <a:rPr lang="en-US" sz="8000"/>
               <a:t>Fuzzy Record Linkage</a:t>
             </a:r>
           </a:p>
@@ -49901,7 +50553,7 @@
           <a:p>
             <a:pPr algn="r"/>
             <a:r>
-              <a:rPr lang="en-US" sz="2800" dirty="0"/>
+              <a:rPr lang="en-US" sz="2800"/>
               <a:t>By Gregory Smith &amp; Axel Solano</a:t>
             </a:r>
           </a:p>
@@ -49917,6 +50569,9 @@
   <p:clrMapOvr>
     <a:masterClrMapping/>
   </p:clrMapOvr>
+  <p:transition spd="med">
+    <p:push dir="u"/>
+  </p:transition>
 </p:sld>
 </file>
 
@@ -50021,6 +50676,9 @@
   <p:clrMapOvr>
     <a:masterClrMapping/>
   </p:clrMapOvr>
+  <p:transition spd="med">
+    <p:push dir="u"/>
+  </p:transition>
 </p:sld>
 </file>
 
@@ -50082,7 +50740,7 @@
               <a:t>Implementation</a:t>
             </a:r>
             <a:br>
-              <a:rPr lang="en-US" sz="2000" dirty="0"/>
+              <a:rPr lang="en-US" sz="2000"/>
             </a:br>
             <a:r>
               <a:rPr lang="en-US" sz="2000" dirty="0"/>
@@ -50108,14 +50766,14 @@
             <p:ph idx="1"/>
             <p:extLst>
               <p:ext uri="{D42A27DB-BD31-4B8C-83A1-F6EECF244321}">
-                <p14:modId xmlns:p14="http://schemas.microsoft.com/office/powerpoint/2010/main" val="2818637514"/>
+                <p14:modId xmlns:p14="http://schemas.microsoft.com/office/powerpoint/2010/main" val="502280367"/>
               </p:ext>
             </p:extLst>
           </p:nvPr>
         </p:nvGraphicFramePr>
         <p:xfrm>
-          <a:off x="1286934" y="2324100"/>
-          <a:ext cx="9625383" cy="3422683"/>
+          <a:off x="987921" y="2189062"/>
+          <a:ext cx="10512775" cy="4039999"/>
         </p:xfrm>
         <a:graphic>
           <a:graphicData uri="http://schemas.openxmlformats.org/drawingml/2006/diagram">
@@ -50123,6 +50781,126 @@
           </a:graphicData>
         </a:graphic>
       </p:graphicFrame>
+      <p:sp>
+        <p:nvSpPr>
+          <p:cNvPr id="277" name="Arrow: Down 276">
+            <a:extLst>
+              <a:ext uri="{FF2B5EF4-FFF2-40B4-BE49-F238E27FC236}">
+                <a16:creationId xmlns:a16="http://schemas.microsoft.com/office/drawing/2014/main" id="{E9A3C151-2FED-416A-BCC5-9167FB06C0A1}"/>
+              </a:ext>
+            </a:extLst>
+          </p:cNvPr>
+          <p:cNvSpPr/>
+          <p:nvPr/>
+        </p:nvSpPr>
+        <p:spPr>
+          <a:xfrm>
+            <a:off x="7184772" y="4618124"/>
+            <a:ext cx="947620" cy="621522"/>
+          </a:xfrm>
+          <a:prstGeom prst="downArrow">
+            <a:avLst/>
+          </a:prstGeom>
+          <a:solidFill>
+            <a:schemeClr val="bg1"/>
+          </a:solidFill>
+          <a:ln>
+            <a:solidFill>
+              <a:schemeClr val="bg2">
+                <a:lumMod val="60000"/>
+                <a:lumOff val="40000"/>
+              </a:schemeClr>
+            </a:solidFill>
+          </a:ln>
+        </p:spPr>
+        <p:style>
+          <a:lnRef idx="2">
+            <a:schemeClr val="accent1">
+              <a:shade val="50000"/>
+            </a:schemeClr>
+          </a:lnRef>
+          <a:fillRef idx="1">
+            <a:schemeClr val="accent1"/>
+          </a:fillRef>
+          <a:effectRef idx="0">
+            <a:schemeClr val="accent1"/>
+          </a:effectRef>
+          <a:fontRef idx="minor">
+            <a:schemeClr val="lt1"/>
+          </a:fontRef>
+        </p:style>
+        <p:txBody>
+          <a:bodyPr rtlCol="0" anchor="ctr"/>
+          <a:lstStyle/>
+          <a:p>
+            <a:pPr algn="ctr"/>
+            <a:r>
+              <a:rPr lang="en-US" dirty="0"/>
+              <a:t>TO</a:t>
+            </a:r>
+          </a:p>
+        </p:txBody>
+      </p:sp>
+      <p:sp>
+        <p:nvSpPr>
+          <p:cNvPr id="315" name="Arrow: Down 314">
+            <a:extLst>
+              <a:ext uri="{FF2B5EF4-FFF2-40B4-BE49-F238E27FC236}">
+                <a16:creationId xmlns:a16="http://schemas.microsoft.com/office/drawing/2014/main" id="{9DD5ED7F-FF54-4E68-BB91-7EB9083D3498}"/>
+              </a:ext>
+            </a:extLst>
+          </p:cNvPr>
+          <p:cNvSpPr/>
+          <p:nvPr/>
+        </p:nvSpPr>
+        <p:spPr>
+          <a:xfrm>
+            <a:off x="9943405" y="4589187"/>
+            <a:ext cx="947620" cy="621522"/>
+          </a:xfrm>
+          <a:prstGeom prst="downArrow">
+            <a:avLst/>
+          </a:prstGeom>
+          <a:solidFill>
+            <a:schemeClr val="bg1"/>
+          </a:solidFill>
+          <a:ln>
+            <a:solidFill>
+              <a:schemeClr val="bg2">
+                <a:lumMod val="60000"/>
+                <a:lumOff val="40000"/>
+              </a:schemeClr>
+            </a:solidFill>
+          </a:ln>
+        </p:spPr>
+        <p:style>
+          <a:lnRef idx="2">
+            <a:schemeClr val="accent1">
+              <a:shade val="50000"/>
+            </a:schemeClr>
+          </a:lnRef>
+          <a:fillRef idx="1">
+            <a:schemeClr val="accent1"/>
+          </a:fillRef>
+          <a:effectRef idx="0">
+            <a:schemeClr val="accent1"/>
+          </a:effectRef>
+          <a:fontRef idx="minor">
+            <a:schemeClr val="lt1"/>
+          </a:fontRef>
+        </p:style>
+        <p:txBody>
+          <a:bodyPr rtlCol="0" anchor="ctr"/>
+          <a:lstStyle/>
+          <a:p>
+            <a:pPr algn="ctr"/>
+            <a:r>
+              <a:rPr lang="en-US" dirty="0"/>
+              <a:t>TO</a:t>
+            </a:r>
+          </a:p>
+        </p:txBody>
+      </p:sp>
     </p:spTree>
     <p:extLst>
       <p:ext uri="{BB962C8B-B14F-4D97-AF65-F5344CB8AC3E}">
@@ -50133,6 +50911,9 @@
   <p:clrMapOvr>
     <a:overrideClrMapping bg1="dk1" tx1="lt1" bg2="dk2" tx2="lt2" accent1="accent1" accent2="accent2" accent3="accent3" accent4="accent4" accent5="accent5" accent6="accent6" hlink="hlink" folHlink="folHlink"/>
   </p:clrMapOvr>
+  <p:transition spd="med">
+    <p:push/>
+  </p:transition>
 </p:sld>
 </file>
 
@@ -50206,17 +50987,17 @@
           <a:lstStyle/>
           <a:p>
             <a:r>
-              <a:rPr lang="en-US" u="sng" dirty="0" err="1"/>
+              <a:rPr lang="en-US" u="sng" err="1"/>
               <a:t>ImplementatiOn</a:t>
             </a:r>
             <a:br>
-              <a:rPr lang="en-US" sz="4800" u="sng" dirty="0"/>
+              <a:rPr lang="en-US" sz="4800" u="sng"/>
             </a:br>
             <a:r>
-              <a:rPr lang="en-US" sz="2000" dirty="0"/>
+              <a:rPr lang="en-US" sz="2000"/>
               <a:t>                                                          Indexing</a:t>
             </a:r>
-            <a:endParaRPr lang="en-US" dirty="0"/>
+            <a:endParaRPr lang="en-US"/>
           </a:p>
         </p:txBody>
       </p:sp>
@@ -50248,7 +51029,7 @@
           </a:bodyPr>
           <a:lstStyle/>
           <a:p>
-            <a:endParaRPr lang="en-US" dirty="0">
+            <a:endParaRPr lang="en-US">
               <a:solidFill>
                 <a:schemeClr val="tx1"/>
               </a:solidFill>
@@ -50311,6 +51092,9 @@
   <p:clrMapOvr>
     <a:overrideClrMapping bg1="dk1" tx1="lt1" bg2="dk2" tx2="lt2" accent1="accent1" accent2="accent2" accent3="accent3" accent4="accent4" accent5="accent5" accent6="accent6" hlink="hlink" folHlink="folHlink"/>
   </p:clrMapOvr>
+  <p:transition spd="med">
+    <p:push/>
+  </p:transition>
 </p:sld>
 </file>
 
@@ -50384,14 +51168,14 @@
           <a:lstStyle/>
           <a:p>
             <a:r>
-              <a:rPr lang="en-US" u="sng" dirty="0"/>
+              <a:rPr lang="en-US" u="sng"/>
               <a:t>Implementation</a:t>
             </a:r>
             <a:br>
-              <a:rPr lang="en-US" sz="4800" u="sng" dirty="0"/>
+              <a:rPr lang="en-US" sz="4800" u="sng"/>
             </a:br>
             <a:r>
-              <a:rPr lang="en-US" sz="2000" dirty="0"/>
+              <a:rPr lang="en-US" sz="2000"/>
               <a:t>                                                         Indexing</a:t>
             </a:r>
           </a:p>
@@ -50425,7 +51209,7 @@
           </a:bodyPr>
           <a:lstStyle/>
           <a:p>
-            <a:endParaRPr lang="en-US" dirty="0">
+            <a:endParaRPr lang="en-US">
               <a:solidFill>
                 <a:schemeClr val="tx1"/>
               </a:solidFill>
@@ -50463,7 +51247,7 @@
           <p:nvPr>
             <p:extLst>
               <p:ext uri="{D42A27DB-BD31-4B8C-83A1-F6EECF244321}">
-                <p14:modId xmlns:p14="http://schemas.microsoft.com/office/powerpoint/2010/main" val="4155134928"/>
+                <p14:modId xmlns:p14="http://schemas.microsoft.com/office/powerpoint/2010/main" val="229395436"/>
               </p:ext>
             </p:extLst>
           </p:nvPr>
@@ -50488,6 +51272,9 @@
   <p:clrMapOvr>
     <a:overrideClrMapping bg1="dk1" tx1="lt1" bg2="dk2" tx2="lt2" accent1="accent1" accent2="accent2" accent3="accent3" accent4="accent4" accent5="accent5" accent6="accent6" hlink="hlink" folHlink="folHlink"/>
   </p:clrMapOvr>
+  <p:transition spd="med">
+    <p:push/>
+  </p:transition>
 </p:sld>
 </file>
 
@@ -50545,17 +51332,17 @@
           <a:lstStyle/>
           <a:p>
             <a:r>
-              <a:rPr lang="en-US" u="sng" dirty="0"/>
+              <a:rPr lang="en-US" u="sng"/>
               <a:t>Implementation</a:t>
             </a:r>
             <a:br>
-              <a:rPr lang="en-US" dirty="0"/>
+              <a:rPr lang="en-US"/>
             </a:br>
             <a:r>
-              <a:rPr lang="en-US" sz="2000" dirty="0"/>
+              <a:rPr lang="en-US" sz="2000"/>
               <a:t>                  Record pair comparison</a:t>
             </a:r>
-            <a:endParaRPr lang="en-US" dirty="0"/>
+            <a:endParaRPr lang="en-US"/>
           </a:p>
         </p:txBody>
       </p:sp>
@@ -50575,14 +51362,14 @@
             <p:ph idx="1"/>
             <p:extLst>
               <p:ext uri="{D42A27DB-BD31-4B8C-83A1-F6EECF244321}">
-                <p14:modId xmlns:p14="http://schemas.microsoft.com/office/powerpoint/2010/main" val="1054657236"/>
+                <p14:modId xmlns:p14="http://schemas.microsoft.com/office/powerpoint/2010/main" val="712132601"/>
               </p:ext>
             </p:extLst>
           </p:nvPr>
         </p:nvGraphicFramePr>
         <p:xfrm>
-          <a:off x="-1668828" y="2173749"/>
-          <a:ext cx="15254530" cy="4295435"/>
+          <a:off x="289223" y="2058002"/>
+          <a:ext cx="11627796" cy="4295435"/>
         </p:xfrm>
         <a:graphic>
           <a:graphicData uri="http://schemas.openxmlformats.org/drawingml/2006/diagram">
@@ -50600,6 +51387,9 @@
   <p:clrMapOvr>
     <a:masterClrMapping/>
   </p:clrMapOvr>
+  <p:transition spd="med">
+    <p:push/>
+  </p:transition>
 </p:sld>
 </file>
 
@@ -50662,11 +51452,11 @@
               </a:lnSpc>
             </a:pPr>
             <a:r>
-              <a:rPr lang="en-US" sz="4800" u="sng" dirty="0"/>
+              <a:rPr lang="en-US" sz="4800" u="sng"/>
               <a:t>Implementation</a:t>
             </a:r>
             <a:br>
-              <a:rPr lang="en-US" sz="2000" dirty="0"/>
+              <a:rPr lang="en-US" sz="2000"/>
             </a:br>
             <a:r>
               <a:rPr lang="en-US" sz="2000"/>
@@ -50716,6 +51506,9 @@
   <p:clrMapOvr>
     <a:overrideClrMapping bg1="dk1" tx1="lt1" bg2="dk2" tx2="lt2" accent1="accent1" accent2="accent2" accent3="accent3" accent4="accent4" accent5="accent5" accent6="accent6" hlink="hlink" folHlink="folHlink"/>
   </p:clrMapOvr>
+  <p:transition spd="med">
+    <p:push/>
+  </p:transition>
 </p:sld>
 </file>
 
@@ -50773,14 +51566,14 @@
           <a:lstStyle/>
           <a:p>
             <a:r>
-              <a:rPr lang="en-US" u="sng" dirty="0"/>
+              <a:rPr lang="en-US" u="sng"/>
               <a:t>Implementation</a:t>
             </a:r>
             <a:br>
-              <a:rPr lang="en-US" dirty="0"/>
+              <a:rPr lang="en-US"/>
             </a:br>
             <a:r>
-              <a:rPr lang="en-US" sz="2000" dirty="0"/>
+              <a:rPr lang="en-US" sz="2000"/>
               <a:t>                                                  Evaluation</a:t>
             </a:r>
           </a:p>
@@ -50827,6 +51620,9 @@
   <p:clrMapOvr>
     <a:masterClrMapping/>
   </p:clrMapOvr>
+  <p:transition spd="med">
+    <p:push/>
+  </p:transition>
 </p:sld>
 </file>
 
@@ -50961,6 +51757,9 @@
   <p:clrMapOvr>
     <a:masterClrMapping/>
   </p:clrMapOvr>
+  <p:transition spd="med">
+    <p:push dir="u"/>
+  </p:transition>
 </p:sld>
 </file>
 
@@ -51141,7 +51940,7 @@
               </a:lnSpc>
             </a:pPr>
             <a:r>
-              <a:rPr lang="en-US" i="0" spc="150" dirty="0">
+              <a:rPr lang="en-US" i="0" spc="150">
                 <a:solidFill>
                   <a:schemeClr val="tx2"/>
                 </a:solidFill>
@@ -51335,6 +52134,9 @@
   <p:clrMapOvr>
     <a:overrideClrMapping bg1="lt1" tx1="dk1" bg2="lt2" tx2="dk2" accent1="accent1" accent2="accent2" accent3="accent3" accent4="accent4" accent5="accent5" accent6="accent6" hlink="hlink" folHlink="folHlink"/>
   </p:clrMapOvr>
+  <p:transition spd="med">
+    <p:push dir="u"/>
+  </p:transition>
 </p:sld>
 </file>
 
@@ -51518,7 +52320,7 @@
           <a:lstStyle/>
           <a:p>
             <a:r>
-              <a:rPr lang="en-US" dirty="0">
+              <a:rPr lang="en-US">
                 <a:solidFill>
                   <a:schemeClr val="tx2"/>
                 </a:solidFill>
@@ -51587,7 +52389,7 @@
           <a:lstStyle/>
           <a:p>
             <a:pPr algn="ctr"/>
-            <a:endParaRPr lang="en-US" dirty="0">
+            <a:endParaRPr lang="en-US">
               <a:solidFill>
                 <a:schemeClr val="tx2"/>
               </a:solidFill>
@@ -51635,6 +52437,9 @@
   <p:clrMapOvr>
     <a:overrideClrMapping bg1="lt1" tx1="dk1" bg2="lt2" tx2="dk2" accent1="accent1" accent2="accent2" accent3="accent3" accent4="accent4" accent5="accent5" accent6="accent6" hlink="hlink" folHlink="folHlink"/>
   </p:clrMapOvr>
+  <p:transition spd="med">
+    <p:push/>
+  </p:transition>
 </p:sld>
 </file>
 
@@ -51794,6 +52599,9 @@
   <p:clrMapOvr>
     <a:masterClrMapping/>
   </p:clrMapOvr>
+  <p:transition spd="med">
+    <p:push dir="u"/>
+  </p:transition>
 </p:sld>
 </file>
 
@@ -51843,7 +52651,7 @@
           <a:lstStyle/>
           <a:p>
             <a:r>
-              <a:rPr lang="en-US" sz="4800" dirty="0"/>
+              <a:rPr lang="en-US"/>
               <a:t>Testing</a:t>
             </a:r>
           </a:p>
@@ -51930,6 +52738,9 @@
   <p:clrMapOvr>
     <a:masterClrMapping/>
   </p:clrMapOvr>
+  <p:transition spd="med">
+    <p:push dir="u"/>
+  </p:transition>
 </p:sld>
 </file>
 
@@ -52034,6 +52845,9 @@
   <p:clrMapOvr>
     <a:masterClrMapping/>
   </p:clrMapOvr>
+  <p:transition spd="med">
+    <p:push dir="u"/>
+  </p:transition>
 </p:sld>
 </file>
 
@@ -52142,6 +52956,9 @@
   <p:clrMapOvr>
     <a:masterClrMapping/>
   </p:clrMapOvr>
+  <p:transition spd="med">
+    <p:push dir="u"/>
+  </p:transition>
 </p:sld>
 </file>
 
@@ -52186,7 +53003,7 @@
           <a:lstStyle/>
           <a:p>
             <a:r>
-              <a:rPr lang="en-US" sz="4800" dirty="0"/>
+              <a:rPr lang="en-US" sz="4800"/>
               <a:t>Conclusion</a:t>
             </a:r>
           </a:p>
@@ -52244,6 +53061,9 @@
   <p:clrMapOvr>
     <a:masterClrMapping/>
   </p:clrMapOvr>
+  <p:transition spd="med">
+    <p:push dir="u"/>
+  </p:transition>
 </p:sld>
 </file>
 
@@ -52288,7 +53108,7 @@
           <a:lstStyle/>
           <a:p>
             <a:r>
-              <a:rPr lang="en-US" sz="4800" dirty="0"/>
+              <a:rPr lang="en-US" sz="4800"/>
               <a:t>Client info</a:t>
             </a:r>
           </a:p>
@@ -52318,7 +53138,7 @@
         </p:blipFill>
         <p:spPr>
           <a:xfrm>
-            <a:off x="2674079" y="2188807"/>
+            <a:off x="2590735" y="4772464"/>
             <a:ext cx="7021878" cy="1290758"/>
           </a:xfrm>
           <a:prstGeom prst="rect">
@@ -52344,7 +53164,7 @@
         </p:nvSpPr>
         <p:spPr>
           <a:xfrm>
-            <a:off x="2767639" y="3876640"/>
+            <a:off x="2743827" y="2566952"/>
             <a:ext cx="6697782" cy="2006012"/>
           </a:xfrm>
         </p:spPr>
@@ -52354,31 +53174,21 @@
           </a:bodyPr>
           <a:lstStyle/>
           <a:p>
-            <a:pPr marL="285750" indent="-285750" algn="ctr">
-              <a:buFont typeface="Arial" pitchFamily="2" charset="2"/>
-              <a:buChar char="•"/>
-            </a:pPr>
+            <a:pPr algn="ctr"/>
             <a:r>
-              <a:rPr lang="en-US" sz="3000" dirty="0"/>
+              <a:rPr lang="en-US" sz="3000"/>
               <a:t>Local company based in Kalamazoo, MI</a:t>
             </a:r>
-            <a:endParaRPr lang="en-US" dirty="0"/>
           </a:p>
           <a:p>
-            <a:pPr algn="ctr">
-              <a:buFont typeface="Arial" pitchFamily="2" charset="2"/>
-              <a:buChar char="•"/>
-            </a:pPr>
+            <a:pPr algn="ctr"/>
             <a:r>
-              <a:rPr lang="en-US" sz="3000" dirty="0"/>
+              <a:rPr lang="en-US" sz="3000"/>
               <a:t> Master data management platform</a:t>
             </a:r>
           </a:p>
           <a:p>
-            <a:pPr marL="285750" indent="-285750" algn="ctr">
-              <a:buFont typeface="Arial" pitchFamily="2" charset="2"/>
-              <a:buChar char="•"/>
-            </a:pPr>
+            <a:pPr algn="ctr"/>
             <a:r>
               <a:rPr lang="en-US" sz="3000" dirty="0">
                 <a:solidFill>
@@ -52410,6 +53220,9 @@
   <p:clrMapOvr>
     <a:masterClrMapping/>
   </p:clrMapOvr>
+  <p:transition spd="med">
+    <p:push dir="u"/>
+  </p:transition>
 </p:sld>
 </file>
 
@@ -52536,7 +53349,7 @@
                         <a:buNone/>
                       </a:pPr>
                       <a:r>
-                        <a:rPr lang="en-US" sz="3000" b="1" dirty="0"/>
+                        <a:rPr lang="en-US" sz="3000" b="1"/>
                         <a:t>Data Set A</a:t>
                       </a:r>
                     </a:p>
@@ -52599,7 +53412,7 @@
                         <a:buNone/>
                       </a:pPr>
                       <a:r>
-                        <a:rPr lang="en-US" b="1" dirty="0"/>
+                        <a:rPr lang="en-US" b="1"/>
                         <a:t>Last Name</a:t>
                       </a:r>
                     </a:p>
@@ -52613,7 +53426,7 @@
                     <a:p>
                       <a:pPr algn="ctr"/>
                       <a:r>
-                        <a:rPr lang="en-US" b="1" dirty="0"/>
+                        <a:rPr lang="en-US" b="1"/>
                         <a:t>First Name</a:t>
                       </a:r>
                     </a:p>
@@ -52627,7 +53440,7 @@
                     <a:p>
                       <a:pPr algn="ctr"/>
                       <a:r>
-                        <a:rPr lang="en-US" b="1" dirty="0"/>
+                        <a:rPr lang="en-US" b="1"/>
                         <a:t>City</a:t>
                       </a:r>
                     </a:p>
@@ -52641,7 +53454,7 @@
                     <a:p>
                       <a:pPr algn="ctr"/>
                       <a:r>
-                        <a:rPr lang="en-US" b="1" dirty="0"/>
+                        <a:rPr lang="en-US" b="1"/>
                         <a:t>Phone</a:t>
                       </a:r>
                     </a:p>
@@ -52657,7 +53470,7 @@
                         <a:buNone/>
                       </a:pPr>
                       <a:r>
-                        <a:rPr lang="en-US" b="1" dirty="0"/>
+                        <a:rPr lang="en-US" b="1"/>
                         <a:t>Unique ID</a:t>
                       </a:r>
                     </a:p>
@@ -52677,7 +53490,7 @@
                     <a:lstStyle/>
                     <a:p>
                       <a:r>
-                        <a:rPr lang="en-US" dirty="0"/>
+                        <a:rPr lang="en-US"/>
                         <a:t>Doe</a:t>
                       </a:r>
                     </a:p>
@@ -52690,7 +53503,7 @@
                     <a:lstStyle/>
                     <a:p>
                       <a:r>
-                        <a:rPr lang="en-US" dirty="0"/>
+                        <a:rPr lang="en-US"/>
                         <a:t>John</a:t>
                       </a:r>
                     </a:p>
@@ -52703,7 +53516,7 @@
                     <a:lstStyle/>
                     <a:p>
                       <a:r>
-                        <a:rPr lang="en-US" dirty="0"/>
+                        <a:rPr lang="en-US"/>
                         <a:t>Grand Rapids</a:t>
                       </a:r>
                     </a:p>
@@ -52716,7 +53529,7 @@
                     <a:lstStyle/>
                     <a:p>
                       <a:r>
-                        <a:rPr lang="en-US" dirty="0"/>
+                        <a:rPr lang="en-US"/>
                         <a:t>(616) 123-4567</a:t>
                       </a:r>
                     </a:p>
@@ -52732,7 +53545,7 @@
                         <a:buNone/>
                       </a:pPr>
                       <a:r>
-                        <a:rPr lang="en-US" dirty="0"/>
+                        <a:rPr lang="en-US"/>
                         <a:t>11111</a:t>
                       </a:r>
                     </a:p>
@@ -52752,7 +53565,7 @@
                     <a:lstStyle/>
                     <a:p>
                       <a:r>
-                        <a:rPr lang="en-US" dirty="0"/>
+                        <a:rPr lang="en-US"/>
                         <a:t>Johnson</a:t>
                       </a:r>
                     </a:p>
@@ -52768,7 +53581,7 @@
                         <a:buNone/>
                       </a:pPr>
                       <a:r>
-                        <a:rPr lang="en-US" dirty="0"/>
+                        <a:rPr lang="en-US"/>
                         <a:t>William</a:t>
                       </a:r>
                     </a:p>
@@ -52781,7 +53594,7 @@
                     <a:lstStyle/>
                     <a:p>
                       <a:r>
-                        <a:rPr lang="en-US" dirty="0"/>
+                        <a:rPr lang="en-US"/>
                         <a:t>Kalamazoo</a:t>
                       </a:r>
                     </a:p>
@@ -52794,7 +53607,7 @@
                     <a:lstStyle/>
                     <a:p>
                       <a:r>
-                        <a:rPr lang="en-US" dirty="0"/>
+                        <a:rPr lang="en-US"/>
                         <a:t>(269) 456-7890</a:t>
                       </a:r>
                     </a:p>
@@ -52810,7 +53623,7 @@
                         <a:buNone/>
                       </a:pPr>
                       <a:r>
-                        <a:rPr lang="en-US" dirty="0"/>
+                        <a:rPr lang="en-US"/>
                         <a:t>22222</a:t>
                       </a:r>
                     </a:p>
@@ -52833,7 +53646,7 @@
                         <a:buNone/>
                       </a:pPr>
                       <a:r>
-                        <a:rPr lang="en-US" dirty="0"/>
+                        <a:rPr lang="en-US"/>
                         <a:t>Miller</a:t>
                       </a:r>
                     </a:p>
@@ -52849,7 +53662,7 @@
                         <a:buNone/>
                       </a:pPr>
                       <a:r>
-                        <a:rPr lang="en-US" dirty="0"/>
+                        <a:rPr lang="en-US"/>
                         <a:t>Mike</a:t>
                       </a:r>
                     </a:p>
@@ -52865,7 +53678,7 @@
                         <a:buNone/>
                       </a:pPr>
                       <a:r>
-                        <a:rPr lang="en-US" dirty="0"/>
+                        <a:rPr lang="en-US"/>
                         <a:t>Detroit</a:t>
                       </a:r>
                     </a:p>
@@ -52881,7 +53694,7 @@
                         <a:buNone/>
                       </a:pPr>
                       <a:r>
-                        <a:rPr lang="en-US" dirty="0"/>
+                        <a:rPr lang="en-US"/>
                         <a:t>(313) 987-6543</a:t>
                       </a:r>
                     </a:p>
@@ -52897,7 +53710,7 @@
                         <a:buNone/>
                       </a:pPr>
                       <a:r>
-                        <a:rPr lang="en-US" dirty="0"/>
+                        <a:rPr lang="en-US"/>
                         <a:t>33333</a:t>
                       </a:r>
                     </a:p>
@@ -52991,7 +53804,7 @@
                         <a:buNone/>
                       </a:pPr>
                       <a:r>
-                        <a:rPr lang="en-US" sz="3000" dirty="0"/>
+                        <a:rPr lang="en-US" sz="3000"/>
                         <a:t>Data Set B</a:t>
                       </a:r>
                     </a:p>
@@ -53054,7 +53867,7 @@
                         <a:buNone/>
                       </a:pPr>
                       <a:r>
-                        <a:rPr lang="en-US" b="1" dirty="0"/>
+                        <a:rPr lang="en-US" b="1"/>
                         <a:t>Last Name</a:t>
                       </a:r>
                     </a:p>
@@ -53068,7 +53881,7 @@
                     <a:p>
                       <a:pPr algn="ctr"/>
                       <a:r>
-                        <a:rPr lang="en-US" b="1" dirty="0"/>
+                        <a:rPr lang="en-US" b="1"/>
                         <a:t>First Name</a:t>
                       </a:r>
                     </a:p>
@@ -53082,7 +53895,7 @@
                     <a:p>
                       <a:pPr algn="ctr"/>
                       <a:r>
-                        <a:rPr lang="en-US" b="1" dirty="0"/>
+                        <a:rPr lang="en-US" b="1"/>
                         <a:t>City</a:t>
                       </a:r>
                     </a:p>
@@ -53096,7 +53909,7 @@
                     <a:p>
                       <a:pPr algn="ctr"/>
                       <a:r>
-                        <a:rPr lang="en-US" b="1" dirty="0"/>
+                        <a:rPr lang="en-US" b="1"/>
                         <a:t>Phone</a:t>
                       </a:r>
                     </a:p>
@@ -53112,7 +53925,7 @@
                         <a:buNone/>
                       </a:pPr>
                       <a:r>
-                        <a:rPr lang="en-US" b="1" dirty="0"/>
+                        <a:rPr lang="en-US" b="1"/>
                         <a:t>Unique ID</a:t>
                       </a:r>
                     </a:p>
@@ -53132,7 +53945,7 @@
                     <a:lstStyle/>
                     <a:p>
                       <a:r>
-                        <a:rPr lang="en-US" dirty="0"/>
+                        <a:rPr lang="en-US"/>
                         <a:t>Doe</a:t>
                       </a:r>
                     </a:p>
@@ -53145,7 +53958,7 @@
                     <a:lstStyle/>
                     <a:p>
                       <a:r>
-                        <a:rPr lang="en-US" dirty="0"/>
+                        <a:rPr lang="en-US"/>
                         <a:t>John</a:t>
                       </a:r>
                     </a:p>
@@ -53159,7 +53972,7 @@
                     <a:p>
                       <a:pPr algn="ctr"/>
                       <a:r>
-                        <a:rPr lang="en-US" dirty="0"/>
+                        <a:rPr lang="en-US"/>
                         <a:t>-</a:t>
                       </a:r>
                     </a:p>
@@ -53172,7 +53985,7 @@
                     <a:lstStyle/>
                     <a:p>
                       <a:r>
-                        <a:rPr lang="en-US" dirty="0"/>
+                        <a:rPr lang="en-US"/>
                         <a:t>(616) 123-4567</a:t>
                       </a:r>
                     </a:p>
@@ -53188,7 +54001,7 @@
                         <a:buNone/>
                       </a:pPr>
                       <a:r>
-                        <a:rPr lang="en-US" dirty="0"/>
+                        <a:rPr lang="en-US"/>
                         <a:t>-</a:t>
                       </a:r>
                     </a:p>
@@ -53208,7 +54021,7 @@
                     <a:lstStyle/>
                     <a:p>
                       <a:r>
-                        <a:rPr lang="en-US" dirty="0"/>
+                        <a:rPr lang="en-US"/>
                         <a:t>Johnson</a:t>
                       </a:r>
                     </a:p>
@@ -53224,7 +54037,7 @@
                         <a:buNone/>
                       </a:pPr>
                       <a:r>
-                        <a:rPr lang="en-US" dirty="0"/>
+                        <a:rPr lang="en-US"/>
                         <a:t>Will</a:t>
                       </a:r>
                     </a:p>
@@ -53237,7 +54050,7 @@
                     <a:lstStyle/>
                     <a:p>
                       <a:r>
-                        <a:rPr lang="en-US" dirty="0"/>
+                        <a:rPr lang="en-US"/>
                         <a:t>Kalamazoo</a:t>
                       </a:r>
                     </a:p>
@@ -53250,7 +54063,7 @@
                     <a:lstStyle/>
                     <a:p>
                       <a:r>
-                        <a:rPr lang="en-US" dirty="0"/>
+                        <a:rPr lang="en-US"/>
                         <a:t>(269) 456-7890</a:t>
                       </a:r>
                     </a:p>
@@ -53266,7 +54079,7 @@
                         <a:buNone/>
                       </a:pPr>
                       <a:r>
-                        <a:rPr lang="en-US" dirty="0"/>
+                        <a:rPr lang="en-US"/>
                         <a:t>-</a:t>
                       </a:r>
                     </a:p>
@@ -53289,7 +54102,7 @@
                         <a:buNone/>
                       </a:pPr>
                       <a:r>
-                        <a:rPr lang="en-US" dirty="0"/>
+                        <a:rPr lang="en-US"/>
                         <a:t>Miller</a:t>
                       </a:r>
                     </a:p>
@@ -53305,7 +54118,7 @@
                         <a:buNone/>
                       </a:pPr>
                       <a:r>
-                        <a:rPr lang="en-US" dirty="0"/>
+                        <a:rPr lang="en-US"/>
                         <a:t>Mike</a:t>
                       </a:r>
                     </a:p>
@@ -53321,7 +54134,7 @@
                         <a:buNone/>
                       </a:pPr>
                       <a:r>
-                        <a:rPr lang="en-US" dirty="0"/>
+                        <a:rPr lang="en-US"/>
                         <a:t>Chicago</a:t>
                       </a:r>
                     </a:p>
@@ -53337,7 +54150,7 @@
                         <a:buNone/>
                       </a:pPr>
                       <a:r>
-                        <a:rPr lang="en-US" dirty="0"/>
+                        <a:rPr lang="en-US"/>
                         <a:t>(313) 987-6543</a:t>
                       </a:r>
                     </a:p>
@@ -53353,7 +54166,7 @@
                         <a:buNone/>
                       </a:pPr>
                       <a:r>
-                        <a:rPr lang="en-US" dirty="0"/>
+                        <a:rPr lang="en-US"/>
                         <a:t>-</a:t>
                       </a:r>
                     </a:p>
@@ -53380,6 +54193,9 @@
   <p:clrMapOvr>
     <a:masterClrMapping/>
   </p:clrMapOvr>
+  <p:transition spd="med">
+    <p:push dir="u"/>
+  </p:transition>
 </p:sld>
 </file>
 
@@ -53647,7 +54463,7 @@
               <a:buNone/>
             </a:pPr>
             <a:r>
-              <a:rPr lang="en-US" sz="2800" dirty="0">
+              <a:rPr lang="en-US" sz="2800">
                 <a:solidFill>
                   <a:schemeClr val="tx2"/>
                 </a:solidFill>
@@ -53655,7 +54471,7 @@
               <a:t>Given a master dataset and matching datasets, </a:t>
             </a:r>
             <a:r>
-              <a:rPr lang="en-US" sz="3000" dirty="0">
+              <a:rPr lang="en-US" sz="3000">
                 <a:solidFill>
                   <a:schemeClr val="tx2"/>
                 </a:solidFill>
@@ -53663,7 +54479,7 @@
               <a:t>generate</a:t>
             </a:r>
             <a:r>
-              <a:rPr lang="en-US" sz="2800" dirty="0">
+              <a:rPr lang="en-US" sz="2800">
                 <a:solidFill>
                   <a:schemeClr val="tx2"/>
                 </a:solidFill>
@@ -53743,6 +54559,9 @@
   <p:clrMapOvr>
     <a:overrideClrMapping bg1="lt1" tx1="dk1" bg2="lt2" tx2="dk2" accent1="accent1" accent2="accent2" accent3="accent3" accent4="accent4" accent5="accent5" accent6="accent6" hlink="hlink" folHlink="folHlink"/>
   </p:clrMapOvr>
+  <p:transition spd="med">
+    <p:push dir="u"/>
+  </p:transition>
 </p:sld>
 </file>
 
@@ -53800,7 +54619,7 @@
           <a:lstStyle/>
           <a:p>
             <a:r>
-              <a:rPr lang="en-US" dirty="0"/>
+              <a:rPr lang="en-US"/>
               <a:t>Requirements</a:t>
             </a:r>
           </a:p>
@@ -53847,6 +54666,9 @@
   <p:clrMapOvr>
     <a:masterClrMapping/>
   </p:clrMapOvr>
+  <p:transition spd="med">
+    <p:push dir="u"/>
+  </p:transition>
 </p:sld>
 </file>
 
@@ -53951,6 +54773,9 @@
   <p:clrMapOvr>
     <a:masterClrMapping/>
   </p:clrMapOvr>
+  <p:transition spd="med">
+    <p:push dir="u"/>
+  </p:transition>
 </p:sld>
 </file>
 
@@ -54055,6 +54880,9 @@
   <p:clrMapOvr>
     <a:masterClrMapping/>
   </p:clrMapOvr>
+  <p:transition spd="med">
+    <p:push dir="u"/>
+  </p:transition>
 </p:sld>
 </file>
 
@@ -54506,6 +55334,9 @@
   <p:clrMapOvr>
     <a:masterClrMapping/>
   </p:clrMapOvr>
+  <p:transition spd="med">
+    <p:push dir="u"/>
+  </p:transition>
 </p:sld>
 </file>
 
@@ -54769,4 +55600,299 @@
     </a:ext>
   </a:extLst>
 </a:theme>
+</file>
+
+<file path=ppt/theme/theme2.xml><?xml version="1.0" encoding="utf-8"?>
+<a:theme xmlns:a="http://schemas.openxmlformats.org/drawingml/2006/main" name="Office Theme">
+  <a:themeElements>
+    <a:clrScheme name="Office">
+      <a:dk1>
+        <a:sysClr val="windowText" lastClr="000000"/>
+      </a:dk1>
+      <a:lt1>
+        <a:sysClr val="window" lastClr="FFFFFF"/>
+      </a:lt1>
+      <a:dk2>
+        <a:srgbClr val="44546A"/>
+      </a:dk2>
+      <a:lt2>
+        <a:srgbClr val="E7E6E6"/>
+      </a:lt2>
+      <a:accent1>
+        <a:srgbClr val="4472C4"/>
+      </a:accent1>
+      <a:accent2>
+        <a:srgbClr val="ED7D31"/>
+      </a:accent2>
+      <a:accent3>
+        <a:srgbClr val="A5A5A5"/>
+      </a:accent3>
+      <a:accent4>
+        <a:srgbClr val="FFC000"/>
+      </a:accent4>
+      <a:accent5>
+        <a:srgbClr val="5B9BD5"/>
+      </a:accent5>
+      <a:accent6>
+        <a:srgbClr val="70AD47"/>
+      </a:accent6>
+      <a:hlink>
+        <a:srgbClr val="0563C1"/>
+      </a:hlink>
+      <a:folHlink>
+        <a:srgbClr val="954F72"/>
+      </a:folHlink>
+    </a:clrScheme>
+    <a:fontScheme name="Office">
+      <a:majorFont>
+        <a:latin typeface="Calibri Light" panose="020F0302020204030204"/>
+        <a:ea typeface=""/>
+        <a:cs typeface=""/>
+        <a:font script="Jpan" typeface="游ゴシック Light"/>
+        <a:font script="Hang" typeface="맑은 고딕"/>
+        <a:font script="Hans" typeface="等线 Light"/>
+        <a:font script="Hant" typeface="新細明體"/>
+        <a:font script="Arab" typeface="Times New Roman"/>
+        <a:font script="Hebr" typeface="Times New Roman"/>
+        <a:font script="Thai" typeface="Angsana New"/>
+        <a:font script="Ethi" typeface="Nyala"/>
+        <a:font script="Beng" typeface="Vrinda"/>
+        <a:font script="Gujr" typeface="Shruti"/>
+        <a:font script="Khmr" typeface="MoolBoran"/>
+        <a:font script="Knda" typeface="Tunga"/>
+        <a:font script="Guru" typeface="Raavi"/>
+        <a:font script="Cans" typeface="Euphemia"/>
+        <a:font script="Cher" typeface="Plantagenet Cherokee"/>
+        <a:font script="Yiii" typeface="Microsoft Yi Baiti"/>
+        <a:font script="Tibt" typeface="Microsoft Himalaya"/>
+        <a:font script="Thaa" typeface="MV Boli"/>
+        <a:font script="Deva" typeface="Mangal"/>
+        <a:font script="Telu" typeface="Gautami"/>
+        <a:font script="Taml" typeface="Latha"/>
+        <a:font script="Syrc" typeface="Estrangelo Edessa"/>
+        <a:font script="Orya" typeface="Kalinga"/>
+        <a:font script="Mlym" typeface="Kartika"/>
+        <a:font script="Laoo" typeface="DokChampa"/>
+        <a:font script="Sinh" typeface="Iskoola Pota"/>
+        <a:font script="Mong" typeface="Mongolian Baiti"/>
+        <a:font script="Viet" typeface="Times New Roman"/>
+        <a:font script="Uigh" typeface="Microsoft Uighur"/>
+        <a:font script="Geor" typeface="Sylfaen"/>
+        <a:font script="Armn" typeface="Arial"/>
+        <a:font script="Bugi" typeface="Leelawadee UI"/>
+        <a:font script="Bopo" typeface="Microsoft JhengHei"/>
+        <a:font script="Java" typeface="Javanese Text"/>
+        <a:font script="Lisu" typeface="Segoe UI"/>
+        <a:font script="Mymr" typeface="Myanmar Text"/>
+        <a:font script="Nkoo" typeface="Ebrima"/>
+        <a:font script="Olck" typeface="Nirmala UI"/>
+        <a:font script="Osma" typeface="Ebrima"/>
+        <a:font script="Phag" typeface="Phagspa"/>
+        <a:font script="Syrn" typeface="Estrangelo Edessa"/>
+        <a:font script="Syrj" typeface="Estrangelo Edessa"/>
+        <a:font script="Syre" typeface="Estrangelo Edessa"/>
+        <a:font script="Sora" typeface="Nirmala UI"/>
+        <a:font script="Tale" typeface="Microsoft Tai Le"/>
+        <a:font script="Talu" typeface="Microsoft New Tai Lue"/>
+        <a:font script="Tfng" typeface="Ebrima"/>
+      </a:majorFont>
+      <a:minorFont>
+        <a:latin typeface="Calibri" panose="020F0502020204030204"/>
+        <a:ea typeface=""/>
+        <a:cs typeface=""/>
+        <a:font script="Jpan" typeface="游ゴシック"/>
+        <a:font script="Hang" typeface="맑은 고딕"/>
+        <a:font script="Hans" typeface="等线"/>
+        <a:font script="Hant" typeface="新細明體"/>
+        <a:font script="Arab" typeface="Arial"/>
+        <a:font script="Hebr" typeface="Arial"/>
+        <a:font script="Thai" typeface="Cordia New"/>
+        <a:font script="Ethi" typeface="Nyala"/>
+        <a:font script="Beng" typeface="Vrinda"/>
+        <a:font script="Gujr" typeface="Shruti"/>
+        <a:font script="Khmr" typeface="DaunPenh"/>
+        <a:font script="Knda" typeface="Tunga"/>
+        <a:font script="Guru" typeface="Raavi"/>
+        <a:font script="Cans" typeface="Euphemia"/>
+        <a:font script="Cher" typeface="Plantagenet Cherokee"/>
+        <a:font script="Yiii" typeface="Microsoft Yi Baiti"/>
+        <a:font script="Tibt" typeface="Microsoft Himalaya"/>
+        <a:font script="Thaa" typeface="MV Boli"/>
+        <a:font script="Deva" typeface="Mangal"/>
+        <a:font script="Telu" typeface="Gautami"/>
+        <a:font script="Taml" typeface="Latha"/>
+        <a:font script="Syrc" typeface="Estrangelo Edessa"/>
+        <a:font script="Orya" typeface="Kalinga"/>
+        <a:font script="Mlym" typeface="Kartika"/>
+        <a:font script="Laoo" typeface="DokChampa"/>
+        <a:font script="Sinh" typeface="Iskoola Pota"/>
+        <a:font script="Mong" typeface="Mongolian Baiti"/>
+        <a:font script="Viet" typeface="Arial"/>
+        <a:font script="Uigh" typeface="Microsoft Uighur"/>
+        <a:font script="Geor" typeface="Sylfaen"/>
+        <a:font script="Armn" typeface="Arial"/>
+        <a:font script="Bugi" typeface="Leelawadee UI"/>
+        <a:font script="Bopo" typeface="Microsoft JhengHei"/>
+        <a:font script="Java" typeface="Javanese Text"/>
+        <a:font script="Lisu" typeface="Segoe UI"/>
+        <a:font script="Mymr" typeface="Myanmar Text"/>
+        <a:font script="Nkoo" typeface="Ebrima"/>
+        <a:font script="Olck" typeface="Nirmala UI"/>
+        <a:font script="Osma" typeface="Ebrima"/>
+        <a:font script="Phag" typeface="Phagspa"/>
+        <a:font script="Syrn" typeface="Estrangelo Edessa"/>
+        <a:font script="Syrj" typeface="Estrangelo Edessa"/>
+        <a:font script="Syre" typeface="Estrangelo Edessa"/>
+        <a:font script="Sora" typeface="Nirmala UI"/>
+        <a:font script="Tale" typeface="Microsoft Tai Le"/>
+        <a:font script="Talu" typeface="Microsoft New Tai Lue"/>
+        <a:font script="Tfng" typeface="Ebrima"/>
+      </a:minorFont>
+    </a:fontScheme>
+    <a:fmtScheme name="Office">
+      <a:fillStyleLst>
+        <a:solidFill>
+          <a:schemeClr val="phClr"/>
+        </a:solidFill>
+        <a:gradFill rotWithShape="1">
+          <a:gsLst>
+            <a:gs pos="0">
+              <a:schemeClr val="phClr">
+                <a:lumMod val="110000"/>
+                <a:satMod val="105000"/>
+                <a:tint val="67000"/>
+              </a:schemeClr>
+            </a:gs>
+            <a:gs pos="50000">
+              <a:schemeClr val="phClr">
+                <a:lumMod val="105000"/>
+                <a:satMod val="103000"/>
+                <a:tint val="73000"/>
+              </a:schemeClr>
+            </a:gs>
+            <a:gs pos="100000">
+              <a:schemeClr val="phClr">
+                <a:lumMod val="105000"/>
+                <a:satMod val="109000"/>
+                <a:tint val="81000"/>
+              </a:schemeClr>
+            </a:gs>
+          </a:gsLst>
+          <a:lin ang="5400000" scaled="0"/>
+        </a:gradFill>
+        <a:gradFill rotWithShape="1">
+          <a:gsLst>
+            <a:gs pos="0">
+              <a:schemeClr val="phClr">
+                <a:satMod val="103000"/>
+                <a:lumMod val="102000"/>
+                <a:tint val="94000"/>
+              </a:schemeClr>
+            </a:gs>
+            <a:gs pos="50000">
+              <a:schemeClr val="phClr">
+                <a:satMod val="110000"/>
+                <a:lumMod val="100000"/>
+                <a:shade val="100000"/>
+              </a:schemeClr>
+            </a:gs>
+            <a:gs pos="100000">
+              <a:schemeClr val="phClr">
+                <a:lumMod val="99000"/>
+                <a:satMod val="120000"/>
+                <a:shade val="78000"/>
+              </a:schemeClr>
+            </a:gs>
+          </a:gsLst>
+          <a:lin ang="5400000" scaled="0"/>
+        </a:gradFill>
+      </a:fillStyleLst>
+      <a:lnStyleLst>
+        <a:ln w="6350" cap="flat" cmpd="sng" algn="ctr">
+          <a:solidFill>
+            <a:schemeClr val="phClr"/>
+          </a:solidFill>
+          <a:prstDash val="solid"/>
+          <a:miter lim="800000"/>
+        </a:ln>
+        <a:ln w="12700" cap="flat" cmpd="sng" algn="ctr">
+          <a:solidFill>
+            <a:schemeClr val="phClr"/>
+          </a:solidFill>
+          <a:prstDash val="solid"/>
+          <a:miter lim="800000"/>
+        </a:ln>
+        <a:ln w="19050" cap="flat" cmpd="sng" algn="ctr">
+          <a:solidFill>
+            <a:schemeClr val="phClr"/>
+          </a:solidFill>
+          <a:prstDash val="solid"/>
+          <a:miter lim="800000"/>
+        </a:ln>
+      </a:lnStyleLst>
+      <a:effectStyleLst>
+        <a:effectStyle>
+          <a:effectLst/>
+        </a:effectStyle>
+        <a:effectStyle>
+          <a:effectLst/>
+        </a:effectStyle>
+        <a:effectStyle>
+          <a:effectLst>
+            <a:outerShdw blurRad="57150" dist="19050" dir="5400000" algn="ctr" rotWithShape="0">
+              <a:srgbClr val="000000">
+                <a:alpha val="63000"/>
+              </a:srgbClr>
+            </a:outerShdw>
+          </a:effectLst>
+        </a:effectStyle>
+      </a:effectStyleLst>
+      <a:bgFillStyleLst>
+        <a:solidFill>
+          <a:schemeClr val="phClr"/>
+        </a:solidFill>
+        <a:solidFill>
+          <a:schemeClr val="phClr">
+            <a:tint val="95000"/>
+            <a:satMod val="170000"/>
+          </a:schemeClr>
+        </a:solidFill>
+        <a:gradFill rotWithShape="1">
+          <a:gsLst>
+            <a:gs pos="0">
+              <a:schemeClr val="phClr">
+                <a:tint val="93000"/>
+                <a:satMod val="150000"/>
+                <a:shade val="98000"/>
+                <a:lumMod val="102000"/>
+              </a:schemeClr>
+            </a:gs>
+            <a:gs pos="50000">
+              <a:schemeClr val="phClr">
+                <a:tint val="98000"/>
+                <a:satMod val="130000"/>
+                <a:shade val="90000"/>
+                <a:lumMod val="103000"/>
+              </a:schemeClr>
+            </a:gs>
+            <a:gs pos="100000">
+              <a:schemeClr val="phClr">
+                <a:shade val="63000"/>
+                <a:satMod val="120000"/>
+              </a:schemeClr>
+            </a:gs>
+          </a:gsLst>
+          <a:lin ang="5400000" scaled="0"/>
+        </a:gradFill>
+      </a:bgFillStyleLst>
+    </a:fmtScheme>
+  </a:themeElements>
+  <a:objectDefaults/>
+  <a:extraClrSchemeLst/>
+  <a:extLst>
+    <a:ext uri="{05A4C25C-085E-4340-85A3-A5531E510DB2}">
+      <thm15:themeFamily xmlns:thm15="http://schemas.microsoft.com/office/thememl/2012/main" name="Office Theme" id="{62F939B6-93AF-4DB8-9C6B-D6C7DFDC589F}" vid="{4A3C46E8-61CC-4603-A589-7422A47A8E4A}"/>
+    </a:ext>
+  </a:extLst>
+</a:theme>
 </file>
--- a/docs/FuzzyRecordLinkage.pptx
+++ b/docs/FuzzyRecordLinkage.pptx
@@ -4838,6 +4838,788 @@
 </file>
 
 <file path=ppt/diagrams/colors15.xml><?xml version="1.0" encoding="utf-8"?>
+<dgm:colorsDef xmlns:dgm="http://schemas.openxmlformats.org/drawingml/2006/diagram" xmlns:a="http://schemas.openxmlformats.org/drawingml/2006/main" uniqueId="urn:microsoft.com/office/officeart/2005/8/colors/colorful2">
+  <dgm:title val=""/>
+  <dgm:desc val=""/>
+  <dgm:catLst>
+    <dgm:cat type="colorful" pri="10200"/>
+  </dgm:catLst>
+  <dgm:styleLbl name="node0">
+    <dgm:fillClrLst meth="repeat">
+      <a:schemeClr val="accent1"/>
+    </dgm:fillClrLst>
+    <dgm:linClrLst meth="repeat">
+      <a:schemeClr val="lt1"/>
+    </dgm:linClrLst>
+    <dgm:effectClrLst/>
+    <dgm:txLinClrLst/>
+    <dgm:txFillClrLst/>
+    <dgm:txEffectClrLst/>
+  </dgm:styleLbl>
+  <dgm:styleLbl name="node1">
+    <dgm:fillClrLst>
+      <a:schemeClr val="accent2"/>
+      <a:schemeClr val="accent3"/>
+    </dgm:fillClrLst>
+    <dgm:linClrLst meth="repeat">
+      <a:schemeClr val="lt1"/>
+    </dgm:linClrLst>
+    <dgm:effectClrLst/>
+    <dgm:txLinClrLst/>
+    <dgm:txFillClrLst/>
+    <dgm:txEffectClrLst/>
+  </dgm:styleLbl>
+  <dgm:styleLbl name="alignNode1">
+    <dgm:fillClrLst>
+      <a:schemeClr val="accent2"/>
+      <a:schemeClr val="accent3"/>
+    </dgm:fillClrLst>
+    <dgm:linClrLst>
+      <a:schemeClr val="accent2"/>
+      <a:schemeClr val="accent3"/>
+    </dgm:linClrLst>
+    <dgm:effectClrLst/>
+    <dgm:txLinClrLst/>
+    <dgm:txFillClrLst/>
+    <dgm:txEffectClrLst/>
+  </dgm:styleLbl>
+  <dgm:styleLbl name="lnNode1">
+    <dgm:fillClrLst>
+      <a:schemeClr val="accent2"/>
+      <a:schemeClr val="accent3"/>
+    </dgm:fillClrLst>
+    <dgm:linClrLst meth="repeat">
+      <a:schemeClr val="lt1"/>
+    </dgm:linClrLst>
+    <dgm:effectClrLst/>
+    <dgm:txLinClrLst/>
+    <dgm:txFillClrLst/>
+    <dgm:txEffectClrLst/>
+  </dgm:styleLbl>
+  <dgm:styleLbl name="vennNode1">
+    <dgm:fillClrLst>
+      <a:schemeClr val="accent2">
+        <a:alpha val="50000"/>
+      </a:schemeClr>
+      <a:schemeClr val="accent3">
+        <a:alpha val="50000"/>
+      </a:schemeClr>
+    </dgm:fillClrLst>
+    <dgm:linClrLst meth="repeat">
+      <a:schemeClr val="lt1"/>
+    </dgm:linClrLst>
+    <dgm:effectClrLst/>
+    <dgm:txLinClrLst/>
+    <dgm:txFillClrLst/>
+    <dgm:txEffectClrLst/>
+  </dgm:styleLbl>
+  <dgm:styleLbl name="node2">
+    <dgm:fillClrLst>
+      <a:schemeClr val="accent3"/>
+    </dgm:fillClrLst>
+    <dgm:linClrLst meth="repeat">
+      <a:schemeClr val="lt1"/>
+    </dgm:linClrLst>
+    <dgm:effectClrLst/>
+    <dgm:txLinClrLst/>
+    <dgm:txFillClrLst/>
+    <dgm:txEffectClrLst/>
+  </dgm:styleLbl>
+  <dgm:styleLbl name="node3">
+    <dgm:fillClrLst>
+      <a:schemeClr val="accent4"/>
+    </dgm:fillClrLst>
+    <dgm:linClrLst meth="repeat">
+      <a:schemeClr val="lt1"/>
+    </dgm:linClrLst>
+    <dgm:effectClrLst/>
+    <dgm:txLinClrLst/>
+    <dgm:txFillClrLst/>
+    <dgm:txEffectClrLst/>
+  </dgm:styleLbl>
+  <dgm:styleLbl name="node4">
+    <dgm:fillClrLst>
+      <a:schemeClr val="accent5"/>
+    </dgm:fillClrLst>
+    <dgm:linClrLst meth="repeat">
+      <a:schemeClr val="lt1"/>
+    </dgm:linClrLst>
+    <dgm:effectClrLst/>
+    <dgm:txLinClrLst/>
+    <dgm:txFillClrLst/>
+    <dgm:txEffectClrLst/>
+  </dgm:styleLbl>
+  <dgm:styleLbl name="fgImgPlace1">
+    <dgm:fillClrLst>
+      <a:schemeClr val="accent2">
+        <a:tint val="50000"/>
+      </a:schemeClr>
+      <a:schemeClr val="accent3">
+        <a:tint val="50000"/>
+      </a:schemeClr>
+    </dgm:fillClrLst>
+    <dgm:linClrLst meth="repeat">
+      <a:schemeClr val="lt1"/>
+    </dgm:linClrLst>
+    <dgm:effectClrLst/>
+    <dgm:txLinClrLst/>
+    <dgm:txFillClrLst meth="repeat">
+      <a:schemeClr val="lt1"/>
+    </dgm:txFillClrLst>
+    <dgm:txEffectClrLst/>
+  </dgm:styleLbl>
+  <dgm:styleLbl name="alignImgPlace1">
+    <dgm:fillClrLst>
+      <a:schemeClr val="accent2">
+        <a:tint val="50000"/>
+      </a:schemeClr>
+      <a:schemeClr val="accent3">
+        <a:tint val="20000"/>
+      </a:schemeClr>
+    </dgm:fillClrLst>
+    <dgm:linClrLst meth="repeat">
+      <a:schemeClr val="lt1"/>
+    </dgm:linClrLst>
+    <dgm:effectClrLst/>
+    <dgm:txLinClrLst/>
+    <dgm:txFillClrLst meth="repeat">
+      <a:schemeClr val="lt1"/>
+    </dgm:txFillClrLst>
+    <dgm:txEffectClrLst/>
+  </dgm:styleLbl>
+  <dgm:styleLbl name="bgImgPlace1">
+    <dgm:fillClrLst>
+      <a:schemeClr val="accent2">
+        <a:tint val="50000"/>
+      </a:schemeClr>
+      <a:schemeClr val="accent3">
+        <a:tint val="20000"/>
+      </a:schemeClr>
+    </dgm:fillClrLst>
+    <dgm:linClrLst meth="repeat">
+      <a:schemeClr val="lt1"/>
+    </dgm:linClrLst>
+    <dgm:effectClrLst/>
+    <dgm:txLinClrLst/>
+    <dgm:txFillClrLst meth="repeat">
+      <a:schemeClr val="lt1"/>
+    </dgm:txFillClrLst>
+    <dgm:txEffectClrLst/>
+  </dgm:styleLbl>
+  <dgm:styleLbl name="sibTrans2D1">
+    <dgm:fillClrLst>
+      <a:schemeClr val="accent2"/>
+      <a:schemeClr val="accent3"/>
+    </dgm:fillClrLst>
+    <dgm:linClrLst meth="repeat">
+      <a:schemeClr val="lt1"/>
+    </dgm:linClrLst>
+    <dgm:effectClrLst/>
+    <dgm:txLinClrLst/>
+    <dgm:txFillClrLst/>
+    <dgm:txEffectClrLst/>
+  </dgm:styleLbl>
+  <dgm:styleLbl name="fgSibTrans2D1">
+    <dgm:fillClrLst>
+      <a:schemeClr val="accent2"/>
+      <a:schemeClr val="accent3"/>
+    </dgm:fillClrLst>
+    <dgm:linClrLst meth="repeat">
+      <a:schemeClr val="lt1"/>
+    </dgm:linClrLst>
+    <dgm:effectClrLst/>
+    <dgm:txLinClrLst/>
+    <dgm:txFillClrLst meth="repeat">
+      <a:schemeClr val="lt1"/>
+    </dgm:txFillClrLst>
+    <dgm:txEffectClrLst/>
+  </dgm:styleLbl>
+  <dgm:styleLbl name="bgSibTrans2D1">
+    <dgm:fillClrLst>
+      <a:schemeClr val="accent2"/>
+      <a:schemeClr val="accent3"/>
+    </dgm:fillClrLst>
+    <dgm:linClrLst meth="repeat">
+      <a:schemeClr val="lt1"/>
+    </dgm:linClrLst>
+    <dgm:effectClrLst/>
+    <dgm:txLinClrLst/>
+    <dgm:txFillClrLst meth="repeat">
+      <a:schemeClr val="lt1"/>
+    </dgm:txFillClrLst>
+    <dgm:txEffectClrLst/>
+  </dgm:styleLbl>
+  <dgm:styleLbl name="sibTrans1D1">
+    <dgm:fillClrLst/>
+    <dgm:linClrLst>
+      <a:schemeClr val="accent2"/>
+      <a:schemeClr val="accent3"/>
+    </dgm:linClrLst>
+    <dgm:effectClrLst/>
+    <dgm:txLinClrLst/>
+    <dgm:txFillClrLst meth="repeat">
+      <a:schemeClr val="tx1"/>
+    </dgm:txFillClrLst>
+    <dgm:txEffectClrLst/>
+  </dgm:styleLbl>
+  <dgm:styleLbl name="callout">
+    <dgm:fillClrLst meth="repeat">
+      <a:schemeClr val="accent2"/>
+    </dgm:fillClrLst>
+    <dgm:linClrLst meth="repeat">
+      <a:schemeClr val="accent2">
+        <a:tint val="50000"/>
+      </a:schemeClr>
+    </dgm:linClrLst>
+    <dgm:effectClrLst/>
+    <dgm:txLinClrLst/>
+    <dgm:txFillClrLst meth="repeat">
+      <a:schemeClr val="tx1"/>
+    </dgm:txFillClrLst>
+    <dgm:txEffectClrLst/>
+  </dgm:styleLbl>
+  <dgm:styleLbl name="asst0">
+    <dgm:fillClrLst meth="repeat">
+      <a:schemeClr val="accent2"/>
+    </dgm:fillClrLst>
+    <dgm:linClrLst meth="repeat">
+      <a:schemeClr val="lt1">
+        <a:shade val="80000"/>
+      </a:schemeClr>
+    </dgm:linClrLst>
+    <dgm:effectClrLst/>
+    <dgm:txLinClrLst/>
+    <dgm:txFillClrLst/>
+    <dgm:txEffectClrLst/>
+  </dgm:styleLbl>
+  <dgm:styleLbl name="asst1">
+    <dgm:fillClrLst meth="repeat">
+      <a:schemeClr val="accent3"/>
+    </dgm:fillClrLst>
+    <dgm:linClrLst meth="repeat">
+      <a:schemeClr val="lt1">
+        <a:shade val="80000"/>
+      </a:schemeClr>
+    </dgm:linClrLst>
+    <dgm:effectClrLst/>
+    <dgm:txLinClrLst/>
+    <dgm:txFillClrLst/>
+    <dgm:txEffectClrLst/>
+  </dgm:styleLbl>
+  <dgm:styleLbl name="asst2">
+    <dgm:fillClrLst>
+      <a:schemeClr val="accent4"/>
+    </dgm:fillClrLst>
+    <dgm:linClrLst meth="repeat">
+      <a:schemeClr val="lt1"/>
+    </dgm:linClrLst>
+    <dgm:effectClrLst/>
+    <dgm:txLinClrLst/>
+    <dgm:txFillClrLst/>
+    <dgm:txEffectClrLst/>
+  </dgm:styleLbl>
+  <dgm:styleLbl name="asst3">
+    <dgm:fillClrLst>
+      <a:schemeClr val="accent5"/>
+    </dgm:fillClrLst>
+    <dgm:linClrLst meth="repeat">
+      <a:schemeClr val="lt1"/>
+    </dgm:linClrLst>
+    <dgm:effectClrLst/>
+    <dgm:txLinClrLst/>
+    <dgm:txFillClrLst/>
+    <dgm:txEffectClrLst/>
+  </dgm:styleLbl>
+  <dgm:styleLbl name="asst4">
+    <dgm:fillClrLst>
+      <a:schemeClr val="accent6"/>
+    </dgm:fillClrLst>
+    <dgm:linClrLst meth="repeat">
+      <a:schemeClr val="lt1"/>
+    </dgm:linClrLst>
+    <dgm:effectClrLst/>
+    <dgm:txLinClrLst/>
+    <dgm:txFillClrLst/>
+    <dgm:txEffectClrLst/>
+  </dgm:styleLbl>
+  <dgm:styleLbl name="parChTrans2D1">
+    <dgm:fillClrLst meth="repeat">
+      <a:schemeClr val="accent2"/>
+    </dgm:fillClrLst>
+    <dgm:linClrLst meth="repeat">
+      <a:schemeClr val="lt1"/>
+    </dgm:linClrLst>
+    <dgm:effectClrLst/>
+    <dgm:txLinClrLst/>
+    <dgm:txFillClrLst meth="repeat">
+      <a:schemeClr val="lt1"/>
+    </dgm:txFillClrLst>
+    <dgm:txEffectClrLst/>
+  </dgm:styleLbl>
+  <dgm:styleLbl name="parChTrans2D2">
+    <dgm:fillClrLst meth="repeat">
+      <a:schemeClr val="accent3"/>
+    </dgm:fillClrLst>
+    <dgm:linClrLst meth="repeat">
+      <a:schemeClr val="lt1"/>
+    </dgm:linClrLst>
+    <dgm:effectClrLst/>
+    <dgm:txLinClrLst/>
+    <dgm:txFillClrLst/>
+    <dgm:txEffectClrLst/>
+  </dgm:styleLbl>
+  <dgm:styleLbl name="parChTrans2D3">
+    <dgm:fillClrLst meth="repeat">
+      <a:schemeClr val="accent4"/>
+    </dgm:fillClrLst>
+    <dgm:linClrLst meth="repeat">
+      <a:schemeClr val="lt1"/>
+    </dgm:linClrLst>
+    <dgm:effectClrLst/>
+    <dgm:txLinClrLst/>
+    <dgm:txFillClrLst/>
+    <dgm:txEffectClrLst/>
+  </dgm:styleLbl>
+  <dgm:styleLbl name="parChTrans2D4">
+    <dgm:fillClrLst meth="repeat">
+      <a:schemeClr val="accent5"/>
+    </dgm:fillClrLst>
+    <dgm:linClrLst meth="repeat">
+      <a:schemeClr val="lt1"/>
+    </dgm:linClrLst>
+    <dgm:effectClrLst/>
+    <dgm:txLinClrLst/>
+    <dgm:txFillClrLst meth="repeat">
+      <a:schemeClr val="lt1"/>
+    </dgm:txFillClrLst>
+    <dgm:txEffectClrLst/>
+  </dgm:styleLbl>
+  <dgm:styleLbl name="parChTrans1D1">
+    <dgm:fillClrLst meth="repeat">
+      <a:schemeClr val="accent2"/>
+    </dgm:fillClrLst>
+    <dgm:linClrLst meth="repeat">
+      <a:schemeClr val="accent2"/>
+    </dgm:linClrLst>
+    <dgm:effectClrLst/>
+    <dgm:txLinClrLst/>
+    <dgm:txFillClrLst meth="repeat">
+      <a:schemeClr val="tx1"/>
+    </dgm:txFillClrLst>
+    <dgm:txEffectClrLst/>
+  </dgm:styleLbl>
+  <dgm:styleLbl name="parChTrans1D2">
+    <dgm:fillClrLst meth="repeat">
+      <a:schemeClr val="accent2">
+        <a:tint val="90000"/>
+      </a:schemeClr>
+    </dgm:fillClrLst>
+    <dgm:linClrLst meth="repeat">
+      <a:schemeClr val="accent3"/>
+    </dgm:linClrLst>
+    <dgm:effectClrLst/>
+    <dgm:txLinClrLst/>
+    <dgm:txFillClrLst meth="repeat">
+      <a:schemeClr val="tx1"/>
+    </dgm:txFillClrLst>
+    <dgm:txEffectClrLst/>
+  </dgm:styleLbl>
+  <dgm:styleLbl name="parChTrans1D3">
+    <dgm:fillClrLst meth="repeat">
+      <a:schemeClr val="accent2">
+        <a:tint val="70000"/>
+      </a:schemeClr>
+    </dgm:fillClrLst>
+    <dgm:linClrLst meth="repeat">
+      <a:schemeClr val="accent4"/>
+    </dgm:linClrLst>
+    <dgm:effectClrLst/>
+    <dgm:txLinClrLst/>
+    <dgm:txFillClrLst meth="repeat">
+      <a:schemeClr val="tx1"/>
+    </dgm:txFillClrLst>
+    <dgm:txEffectClrLst/>
+  </dgm:styleLbl>
+  <dgm:styleLbl name="parChTrans1D4">
+    <dgm:fillClrLst meth="repeat">
+      <a:schemeClr val="accent2">
+        <a:tint val="50000"/>
+      </a:schemeClr>
+    </dgm:fillClrLst>
+    <dgm:linClrLst meth="repeat">
+      <a:schemeClr val="accent5"/>
+    </dgm:linClrLst>
+    <dgm:effectClrLst/>
+    <dgm:txLinClrLst/>
+    <dgm:txFillClrLst meth="repeat">
+      <a:schemeClr val="tx1"/>
+    </dgm:txFillClrLst>
+    <dgm:txEffectClrLst/>
+  </dgm:styleLbl>
+  <dgm:styleLbl name="fgAcc1">
+    <dgm:fillClrLst meth="repeat">
+      <a:schemeClr val="lt1">
+        <a:alpha val="90000"/>
+      </a:schemeClr>
+    </dgm:fillClrLst>
+    <dgm:linClrLst>
+      <a:schemeClr val="accent2"/>
+      <a:schemeClr val="accent3"/>
+    </dgm:linClrLst>
+    <dgm:effectClrLst/>
+    <dgm:txLinClrLst/>
+    <dgm:txFillClrLst meth="repeat">
+      <a:schemeClr val="dk1"/>
+    </dgm:txFillClrLst>
+    <dgm:txEffectClrLst/>
+  </dgm:styleLbl>
+  <dgm:styleLbl name="conFgAcc1">
+    <dgm:fillClrLst meth="repeat">
+      <a:schemeClr val="lt1">
+        <a:alpha val="90000"/>
+      </a:schemeClr>
+    </dgm:fillClrLst>
+    <dgm:linClrLst>
+      <a:schemeClr val="accent2"/>
+      <a:schemeClr val="accent3"/>
+    </dgm:linClrLst>
+    <dgm:effectClrLst/>
+    <dgm:txLinClrLst/>
+    <dgm:txFillClrLst meth="repeat">
+      <a:schemeClr val="dk1"/>
+    </dgm:txFillClrLst>
+    <dgm:txEffectClrLst/>
+  </dgm:styleLbl>
+  <dgm:styleLbl name="alignAcc1">
+    <dgm:fillClrLst meth="repeat">
+      <a:schemeClr val="lt1">
+        <a:alpha val="90000"/>
+      </a:schemeClr>
+    </dgm:fillClrLst>
+    <dgm:linClrLst>
+      <a:schemeClr val="accent2"/>
+      <a:schemeClr val="accent3"/>
+    </dgm:linClrLst>
+    <dgm:effectClrLst/>
+    <dgm:txLinClrLst/>
+    <dgm:txFillClrLst meth="repeat">
+      <a:schemeClr val="dk1"/>
+    </dgm:txFillClrLst>
+    <dgm:txEffectClrLst/>
+  </dgm:styleLbl>
+  <dgm:styleLbl name="trAlignAcc1">
+    <dgm:fillClrLst meth="repeat">
+      <a:schemeClr val="lt1">
+        <a:alpha val="40000"/>
+      </a:schemeClr>
+    </dgm:fillClrLst>
+    <dgm:linClrLst meth="repeat">
+      <a:schemeClr val="accent2"/>
+    </dgm:linClrLst>
+    <dgm:effectClrLst/>
+    <dgm:txLinClrLst/>
+    <dgm:txFillClrLst meth="repeat">
+      <a:schemeClr val="dk1"/>
+    </dgm:txFillClrLst>
+    <dgm:txEffectClrLst/>
+  </dgm:styleLbl>
+  <dgm:styleLbl name="bgAcc1">
+    <dgm:fillClrLst meth="repeat">
+      <a:schemeClr val="lt1">
+        <a:alpha val="90000"/>
+      </a:schemeClr>
+    </dgm:fillClrLst>
+    <dgm:linClrLst>
+      <a:schemeClr val="accent2"/>
+      <a:schemeClr val="accent3"/>
+    </dgm:linClrLst>
+    <dgm:effectClrLst/>
+    <dgm:txLinClrLst/>
+    <dgm:txFillClrLst meth="repeat">
+      <a:schemeClr val="dk1"/>
+    </dgm:txFillClrLst>
+    <dgm:txEffectClrLst/>
+  </dgm:styleLbl>
+  <dgm:styleLbl name="solidFgAcc1">
+    <dgm:fillClrLst meth="repeat">
+      <a:schemeClr val="lt1"/>
+    </dgm:fillClrLst>
+    <dgm:linClrLst>
+      <a:schemeClr val="accent2"/>
+      <a:schemeClr val="accent3"/>
+    </dgm:linClrLst>
+    <dgm:effectClrLst/>
+    <dgm:txLinClrLst/>
+    <dgm:txFillClrLst meth="repeat">
+      <a:schemeClr val="dk1"/>
+    </dgm:txFillClrLst>
+    <dgm:txEffectClrLst/>
+  </dgm:styleLbl>
+  <dgm:styleLbl name="solidAlignAcc1">
+    <dgm:fillClrLst meth="repeat">
+      <a:schemeClr val="lt1"/>
+    </dgm:fillClrLst>
+    <dgm:linClrLst>
+      <a:schemeClr val="accent2"/>
+      <a:schemeClr val="accent3"/>
+    </dgm:linClrLst>
+    <dgm:effectClrLst/>
+    <dgm:txLinClrLst/>
+    <dgm:txFillClrLst meth="repeat">
+      <a:schemeClr val="dk1"/>
+    </dgm:txFillClrLst>
+    <dgm:txEffectClrLst/>
+  </dgm:styleLbl>
+  <dgm:styleLbl name="solidBgAcc1">
+    <dgm:fillClrLst meth="repeat">
+      <a:schemeClr val="lt1"/>
+    </dgm:fillClrLst>
+    <dgm:linClrLst>
+      <a:schemeClr val="accent2"/>
+      <a:schemeClr val="accent3"/>
+    </dgm:linClrLst>
+    <dgm:effectClrLst/>
+    <dgm:txLinClrLst/>
+    <dgm:txFillClrLst meth="repeat">
+      <a:schemeClr val="dk1"/>
+    </dgm:txFillClrLst>
+    <dgm:txEffectClrLst/>
+  </dgm:styleLbl>
+  <dgm:styleLbl name="fgAccFollowNode1">
+    <dgm:fillClrLst>
+      <a:schemeClr val="accent2">
+        <a:tint val="40000"/>
+        <a:alpha val="90000"/>
+      </a:schemeClr>
+      <a:schemeClr val="accent3">
+        <a:tint val="40000"/>
+        <a:alpha val="90000"/>
+      </a:schemeClr>
+    </dgm:fillClrLst>
+    <dgm:linClrLst>
+      <a:schemeClr val="accent2">
+        <a:tint val="40000"/>
+        <a:alpha val="90000"/>
+      </a:schemeClr>
+      <a:schemeClr val="accent3">
+        <a:tint val="40000"/>
+        <a:alpha val="90000"/>
+      </a:schemeClr>
+    </dgm:linClrLst>
+    <dgm:effectClrLst/>
+    <dgm:txLinClrLst/>
+    <dgm:txFillClrLst meth="repeat">
+      <a:schemeClr val="dk1"/>
+    </dgm:txFillClrLst>
+    <dgm:txEffectClrLst/>
+  </dgm:styleLbl>
+  <dgm:styleLbl name="alignAccFollowNode1">
+    <dgm:fillClrLst>
+      <a:schemeClr val="accent2">
+        <a:tint val="40000"/>
+        <a:alpha val="90000"/>
+      </a:schemeClr>
+      <a:schemeClr val="accent3">
+        <a:tint val="40000"/>
+        <a:alpha val="90000"/>
+      </a:schemeClr>
+    </dgm:fillClrLst>
+    <dgm:linClrLst>
+      <a:schemeClr val="accent2">
+        <a:tint val="40000"/>
+        <a:alpha val="90000"/>
+      </a:schemeClr>
+      <a:schemeClr val="accent3">
+        <a:tint val="40000"/>
+        <a:alpha val="90000"/>
+      </a:schemeClr>
+    </dgm:linClrLst>
+    <dgm:effectClrLst/>
+    <dgm:txLinClrLst/>
+    <dgm:txFillClrLst meth="repeat">
+      <a:schemeClr val="dk1"/>
+    </dgm:txFillClrLst>
+    <dgm:txEffectClrLst/>
+  </dgm:styleLbl>
+  <dgm:styleLbl name="bgAccFollowNode1">
+    <dgm:fillClrLst>
+      <a:schemeClr val="accent2">
+        <a:tint val="40000"/>
+        <a:alpha val="90000"/>
+      </a:schemeClr>
+      <a:schemeClr val="accent3">
+        <a:tint val="40000"/>
+        <a:alpha val="90000"/>
+      </a:schemeClr>
+    </dgm:fillClrLst>
+    <dgm:linClrLst>
+      <a:schemeClr val="accent2">
+        <a:tint val="40000"/>
+        <a:alpha val="90000"/>
+      </a:schemeClr>
+      <a:schemeClr val="accent3">
+        <a:tint val="40000"/>
+        <a:alpha val="90000"/>
+      </a:schemeClr>
+    </dgm:linClrLst>
+    <dgm:effectClrLst/>
+    <dgm:txLinClrLst/>
+    <dgm:txFillClrLst meth="repeat">
+      <a:schemeClr val="dk1"/>
+    </dgm:txFillClrLst>
+    <dgm:txEffectClrLst/>
+  </dgm:styleLbl>
+  <dgm:styleLbl name="fgAcc0">
+    <dgm:fillClrLst meth="repeat">
+      <a:schemeClr val="lt1">
+        <a:alpha val="90000"/>
+      </a:schemeClr>
+    </dgm:fillClrLst>
+    <dgm:linClrLst>
+      <a:schemeClr val="accent1"/>
+    </dgm:linClrLst>
+    <dgm:effectClrLst/>
+    <dgm:txLinClrLst/>
+    <dgm:txFillClrLst meth="repeat">
+      <a:schemeClr val="dk1"/>
+    </dgm:txFillClrLst>
+    <dgm:txEffectClrLst/>
+  </dgm:styleLbl>
+  <dgm:styleLbl name="fgAcc2">
+    <dgm:fillClrLst meth="repeat">
+      <a:schemeClr val="lt1">
+        <a:alpha val="90000"/>
+      </a:schemeClr>
+    </dgm:fillClrLst>
+    <dgm:linClrLst>
+      <a:schemeClr val="accent3"/>
+    </dgm:linClrLst>
+    <dgm:effectClrLst/>
+    <dgm:txLinClrLst/>
+    <dgm:txFillClrLst meth="repeat">
+      <a:schemeClr val="dk1"/>
+    </dgm:txFillClrLst>
+    <dgm:txEffectClrLst/>
+  </dgm:styleLbl>
+  <dgm:styleLbl name="fgAcc3">
+    <dgm:fillClrLst meth="repeat">
+      <a:schemeClr val="lt1">
+        <a:alpha val="90000"/>
+      </a:schemeClr>
+    </dgm:fillClrLst>
+    <dgm:linClrLst>
+      <a:schemeClr val="accent4"/>
+    </dgm:linClrLst>
+    <dgm:effectClrLst/>
+    <dgm:txLinClrLst/>
+    <dgm:txFillClrLst meth="repeat">
+      <a:schemeClr val="dk1"/>
+    </dgm:txFillClrLst>
+    <dgm:txEffectClrLst/>
+  </dgm:styleLbl>
+  <dgm:styleLbl name="fgAcc4">
+    <dgm:fillClrLst meth="repeat">
+      <a:schemeClr val="lt1">
+        <a:alpha val="90000"/>
+      </a:schemeClr>
+    </dgm:fillClrLst>
+    <dgm:linClrLst>
+      <a:schemeClr val="accent5"/>
+    </dgm:linClrLst>
+    <dgm:effectClrLst/>
+    <dgm:txLinClrLst/>
+    <dgm:txFillClrLst meth="repeat">
+      <a:schemeClr val="dk1"/>
+    </dgm:txFillClrLst>
+    <dgm:txEffectClrLst/>
+  </dgm:styleLbl>
+  <dgm:styleLbl name="bgShp">
+    <dgm:fillClrLst meth="repeat">
+      <a:schemeClr val="accent2">
+        <a:tint val="40000"/>
+      </a:schemeClr>
+    </dgm:fillClrLst>
+    <dgm:linClrLst meth="repeat">
+      <a:schemeClr val="dk1"/>
+    </dgm:linClrLst>
+    <dgm:effectClrLst/>
+    <dgm:txLinClrLst/>
+    <dgm:txFillClrLst meth="repeat">
+      <a:schemeClr val="dk1"/>
+    </dgm:txFillClrLst>
+    <dgm:txEffectClrLst/>
+  </dgm:styleLbl>
+  <dgm:styleLbl name="dkBgShp">
+    <dgm:fillClrLst meth="repeat">
+      <a:schemeClr val="accent2">
+        <a:shade val="90000"/>
+      </a:schemeClr>
+    </dgm:fillClrLst>
+    <dgm:linClrLst meth="repeat">
+      <a:schemeClr val="dk1"/>
+    </dgm:linClrLst>
+    <dgm:effectClrLst/>
+    <dgm:txLinClrLst/>
+    <dgm:txFillClrLst meth="repeat">
+      <a:schemeClr val="lt1"/>
+    </dgm:txFillClrLst>
+    <dgm:txEffectClrLst/>
+  </dgm:styleLbl>
+  <dgm:styleLbl name="trBgShp">
+    <dgm:fillClrLst meth="repeat">
+      <a:schemeClr val="accent2">
+        <a:tint val="50000"/>
+        <a:alpha val="40000"/>
+      </a:schemeClr>
+    </dgm:fillClrLst>
+    <dgm:linClrLst meth="repeat">
+      <a:schemeClr val="accent2"/>
+    </dgm:linClrLst>
+    <dgm:effectClrLst/>
+    <dgm:txLinClrLst/>
+    <dgm:txFillClrLst meth="repeat">
+      <a:schemeClr val="lt1"/>
+    </dgm:txFillClrLst>
+    <dgm:txEffectClrLst/>
+  </dgm:styleLbl>
+  <dgm:styleLbl name="fgShp">
+    <dgm:fillClrLst meth="repeat">
+      <a:schemeClr val="accent2">
+        <a:tint val="40000"/>
+      </a:schemeClr>
+    </dgm:fillClrLst>
+    <dgm:linClrLst meth="repeat">
+      <a:schemeClr val="lt1"/>
+    </dgm:linClrLst>
+    <dgm:effectClrLst/>
+    <dgm:txLinClrLst/>
+    <dgm:txFillClrLst meth="repeat">
+      <a:schemeClr val="dk1"/>
+    </dgm:txFillClrLst>
+    <dgm:txEffectClrLst/>
+  </dgm:styleLbl>
+  <dgm:styleLbl name="revTx">
+    <dgm:fillClrLst meth="repeat">
+      <a:schemeClr val="lt1">
+        <a:alpha val="0"/>
+      </a:schemeClr>
+    </dgm:fillClrLst>
+    <dgm:linClrLst meth="repeat">
+      <a:schemeClr val="dk1">
+        <a:alpha val="0"/>
+      </a:schemeClr>
+    </dgm:linClrLst>
+    <dgm:effectClrLst/>
+    <dgm:txLinClrLst/>
+    <dgm:txFillClrLst meth="repeat">
+      <a:schemeClr val="tx1"/>
+    </dgm:txFillClrLst>
+    <dgm:txEffectClrLst/>
+  </dgm:styleLbl>
+</dgm:colorsDef>
+</file>
+
+<file path=ppt/diagrams/colors16.xml><?xml version="1.0" encoding="utf-8"?>
 <dgm:colorsDef xmlns:dgm="http://schemas.openxmlformats.org/drawingml/2006/diagram" xmlns:a="http://schemas.openxmlformats.org/drawingml/2006/main" uniqueId="urn:microsoft.com/office/officeart/2005/8/colors/colorful2">
   <dgm:title val=""/>
   <dgm:desc val=""/>
@@ -12293,6 +13075,28 @@
       <dgm:prSet/>
       <dgm:spPr/>
     </dgm:pt>
+    <dgm:pt modelId="{DAD69198-A90B-41E7-BB71-4A93FE5C10B0}">
+      <dgm:prSet/>
+      <dgm:spPr/>
+      <dgm:t>
+        <a:bodyPr/>
+        <a:lstStyle/>
+        <a:p>
+          <a:r>
+            <a:rPr lang="en-US"/>
+            <a:t>Client Info</a:t>
+          </a:r>
+        </a:p>
+      </dgm:t>
+    </dgm:pt>
+    <dgm:pt modelId="{C3FE5EA8-182F-4C69-9066-0ACFEAAD8CD6}" type="parTrans" cxnId="{C3464257-C00D-4C27-AD08-36427C84B716}">
+      <dgm:prSet/>
+      <dgm:spPr/>
+    </dgm:pt>
+    <dgm:pt modelId="{D0755BD3-C11D-40D1-AD40-737D542FEC0D}" type="sibTrans" cxnId="{C3464257-C00D-4C27-AD08-36427C84B716}">
+      <dgm:prSet/>
+      <dgm:spPr/>
+    </dgm:pt>
     <dgm:pt modelId="{DDC7CEC3-F757-43A0-A2FA-ABA576BB655C}" type="pres">
       <dgm:prSet presAssocID="{14FB87C3-FCC9-46D8-8275-62A0B38C812D}" presName="Name0" presStyleCnt="0">
         <dgm:presLayoutVars>
@@ -12308,7 +13112,7 @@
       <dgm:spPr/>
     </dgm:pt>
     <dgm:pt modelId="{8D870C57-7ADF-4ADA-A8C8-8067E4E1AA9C}" type="pres">
-      <dgm:prSet presAssocID="{310F1D7F-1D49-4066-B0E4-252021FCA9F6}" presName="parentText" presStyleLbl="node1" presStyleIdx="0" presStyleCnt="12">
+      <dgm:prSet presAssocID="{310F1D7F-1D49-4066-B0E4-252021FCA9F6}" presName="parentText" presStyleLbl="node1" presStyleIdx="0" presStyleCnt="13">
         <dgm:presLayoutVars>
           <dgm:chMax val="1"/>
           <dgm:bulletEnabled val="1"/>
@@ -12325,7 +13129,7 @@
       <dgm:spPr/>
     </dgm:pt>
     <dgm:pt modelId="{633C4CDB-68EC-42E6-B16A-F56E8CD12621}" type="pres">
-      <dgm:prSet presAssocID="{2CC6C2C5-D55C-4EEF-8D26-B4133761C3CE}" presName="parentText" presStyleLbl="node1" presStyleIdx="1" presStyleCnt="12">
+      <dgm:prSet presAssocID="{2CC6C2C5-D55C-4EEF-8D26-B4133761C3CE}" presName="parentText" presStyleLbl="node1" presStyleIdx="1" presStyleCnt="13">
         <dgm:presLayoutVars>
           <dgm:chMax val="1"/>
           <dgm:bulletEnabled val="1"/>
@@ -12337,12 +13141,29 @@
       <dgm:prSet presAssocID="{91B78EC8-447F-4C16-9AED-232EAF1AE76A}" presName="sp" presStyleCnt="0"/>
       <dgm:spPr/>
     </dgm:pt>
+    <dgm:pt modelId="{E2534CFB-8A1E-4A17-8074-765FDD9D13CC}" type="pres">
+      <dgm:prSet presAssocID="{DAD69198-A90B-41E7-BB71-4A93FE5C10B0}" presName="linNode" presStyleCnt="0"/>
+      <dgm:spPr/>
+    </dgm:pt>
+    <dgm:pt modelId="{57C4D296-1E03-4909-9EA2-4B856D90D53A}" type="pres">
+      <dgm:prSet presAssocID="{DAD69198-A90B-41E7-BB71-4A93FE5C10B0}" presName="parentText" presStyleLbl="node1" presStyleIdx="2" presStyleCnt="13">
+        <dgm:presLayoutVars>
+          <dgm:chMax val="1"/>
+          <dgm:bulletEnabled val="1"/>
+        </dgm:presLayoutVars>
+      </dgm:prSet>
+      <dgm:spPr/>
+    </dgm:pt>
+    <dgm:pt modelId="{2C27EFC7-70CE-47E1-8645-C509BB159075}" type="pres">
+      <dgm:prSet presAssocID="{D0755BD3-C11D-40D1-AD40-737D542FEC0D}" presName="sp" presStyleCnt="0"/>
+      <dgm:spPr/>
+    </dgm:pt>
     <dgm:pt modelId="{D28886D8-08ED-439D-970B-3A7BD0531C69}" type="pres">
       <dgm:prSet presAssocID="{68EB87DB-0581-4640-9ADB-562EA677AF1B}" presName="linNode" presStyleCnt="0"/>
       <dgm:spPr/>
     </dgm:pt>
     <dgm:pt modelId="{6588EB65-C784-423D-AE18-E3CF6265C1D6}" type="pres">
-      <dgm:prSet presAssocID="{68EB87DB-0581-4640-9ADB-562EA677AF1B}" presName="parentText" presStyleLbl="node1" presStyleIdx="2" presStyleCnt="12">
+      <dgm:prSet presAssocID="{68EB87DB-0581-4640-9ADB-562EA677AF1B}" presName="parentText" presStyleLbl="node1" presStyleIdx="3" presStyleCnt="13">
         <dgm:presLayoutVars>
           <dgm:chMax val="1"/>
           <dgm:bulletEnabled val="1"/>
@@ -12359,7 +13180,7 @@
       <dgm:spPr/>
     </dgm:pt>
     <dgm:pt modelId="{70189A93-22F1-4B00-BD68-876AE5271AAE}" type="pres">
-      <dgm:prSet presAssocID="{5260635D-9975-408F-AB5B-D0D381D7298C}" presName="parentText" presStyleLbl="node1" presStyleIdx="3" presStyleCnt="12">
+      <dgm:prSet presAssocID="{5260635D-9975-408F-AB5B-D0D381D7298C}" presName="parentText" presStyleLbl="node1" presStyleIdx="4" presStyleCnt="13">
         <dgm:presLayoutVars>
           <dgm:chMax val="1"/>
           <dgm:bulletEnabled val="1"/>
@@ -12376,7 +13197,7 @@
       <dgm:spPr/>
     </dgm:pt>
     <dgm:pt modelId="{EE701881-66BD-4374-B4D0-2A2095722C05}" type="pres">
-      <dgm:prSet presAssocID="{AF7FACE5-68CF-4FE4-8DF4-E6F7BAC961AA}" presName="parentText" presStyleLbl="node1" presStyleIdx="4" presStyleCnt="12">
+      <dgm:prSet presAssocID="{AF7FACE5-68CF-4FE4-8DF4-E6F7BAC961AA}" presName="parentText" presStyleLbl="node1" presStyleIdx="5" presStyleCnt="13">
         <dgm:presLayoutVars>
           <dgm:chMax val="1"/>
           <dgm:bulletEnabled val="1"/>
@@ -12393,7 +13214,7 @@
       <dgm:spPr/>
     </dgm:pt>
     <dgm:pt modelId="{356775C3-4D34-450A-8B44-7D86E93032A5}" type="pres">
-      <dgm:prSet presAssocID="{AA3D64A1-5984-4150-B0E2-C7D4729E9C34}" presName="parentText" presStyleLbl="node1" presStyleIdx="5" presStyleCnt="12">
+      <dgm:prSet presAssocID="{AA3D64A1-5984-4150-B0E2-C7D4729E9C34}" presName="parentText" presStyleLbl="node1" presStyleIdx="6" presStyleCnt="13">
         <dgm:presLayoutVars>
           <dgm:chMax val="1"/>
           <dgm:bulletEnabled val="1"/>
@@ -12410,7 +13231,7 @@
       <dgm:spPr/>
     </dgm:pt>
     <dgm:pt modelId="{D22C1773-3F60-41BD-805D-C07FE4D5F633}" type="pres">
-      <dgm:prSet presAssocID="{344A5502-55A6-4C83-8A8C-E66CF4DEB2FB}" presName="parentText" presStyleLbl="node1" presStyleIdx="6" presStyleCnt="12">
+      <dgm:prSet presAssocID="{344A5502-55A6-4C83-8A8C-E66CF4DEB2FB}" presName="parentText" presStyleLbl="node1" presStyleIdx="7" presStyleCnt="13">
         <dgm:presLayoutVars>
           <dgm:chMax val="1"/>
           <dgm:bulletEnabled val="1"/>
@@ -12427,7 +13248,7 @@
       <dgm:spPr/>
     </dgm:pt>
     <dgm:pt modelId="{18232ADC-C076-49B0-9CD3-41278FA6D915}" type="pres">
-      <dgm:prSet presAssocID="{D26A42DB-657A-427C-BD7E-4C842922F6EE}" presName="parentText" presStyleLbl="node1" presStyleIdx="7" presStyleCnt="12">
+      <dgm:prSet presAssocID="{D26A42DB-657A-427C-BD7E-4C842922F6EE}" presName="parentText" presStyleLbl="node1" presStyleIdx="8" presStyleCnt="13">
         <dgm:presLayoutVars>
           <dgm:chMax val="1"/>
           <dgm:bulletEnabled val="1"/>
@@ -12444,7 +13265,7 @@
       <dgm:spPr/>
     </dgm:pt>
     <dgm:pt modelId="{C2175BCC-CBB7-4BF3-9511-2D8C3F0FE10F}" type="pres">
-      <dgm:prSet presAssocID="{84F6B20A-49A4-4704-AB4E-7D86696A7A35}" presName="parentText" presStyleLbl="node1" presStyleIdx="8" presStyleCnt="12">
+      <dgm:prSet presAssocID="{84F6B20A-49A4-4704-AB4E-7D86696A7A35}" presName="parentText" presStyleLbl="node1" presStyleIdx="9" presStyleCnt="13">
         <dgm:presLayoutVars>
           <dgm:chMax val="1"/>
           <dgm:bulletEnabled val="1"/>
@@ -12461,7 +13282,7 @@
       <dgm:spPr/>
     </dgm:pt>
     <dgm:pt modelId="{1A5ED826-5D00-4CB2-87B5-BEC5EC62E772}" type="pres">
-      <dgm:prSet presAssocID="{40DB2B9C-1F19-441D-9344-82B86306084E}" presName="parentText" presStyleLbl="node1" presStyleIdx="9" presStyleCnt="12">
+      <dgm:prSet presAssocID="{40DB2B9C-1F19-441D-9344-82B86306084E}" presName="parentText" presStyleLbl="node1" presStyleIdx="10" presStyleCnt="13">
         <dgm:presLayoutVars>
           <dgm:chMax val="1"/>
           <dgm:bulletEnabled val="1"/>
@@ -12478,7 +13299,7 @@
       <dgm:spPr/>
     </dgm:pt>
     <dgm:pt modelId="{9A56D476-57EC-4DAE-8286-533FD3497850}" type="pres">
-      <dgm:prSet presAssocID="{D56B39B8-DE0D-4BE9-BED1-5379BDDE6463}" presName="parentText" presStyleLbl="node1" presStyleIdx="10" presStyleCnt="12">
+      <dgm:prSet presAssocID="{D56B39B8-DE0D-4BE9-BED1-5379BDDE6463}" presName="parentText" presStyleLbl="node1" presStyleIdx="11" presStyleCnt="13">
         <dgm:presLayoutVars>
           <dgm:chMax val="1"/>
           <dgm:bulletEnabled val="1"/>
@@ -12495,7 +13316,7 @@
       <dgm:spPr/>
     </dgm:pt>
     <dgm:pt modelId="{DD9B7236-1E08-409A-9F65-F940323D19C0}" type="pres">
-      <dgm:prSet presAssocID="{137C00AF-E6EB-4901-9912-841632B7FB80}" presName="parentText" presStyleLbl="node1" presStyleIdx="11" presStyleCnt="12">
+      <dgm:prSet presAssocID="{137C00AF-E6EB-4901-9912-841632B7FB80}" presName="parentText" presStyleLbl="node1" presStyleIdx="12" presStyleCnt="13">
         <dgm:presLayoutVars>
           <dgm:chMax val="1"/>
           <dgm:bulletEnabled val="1"/>
@@ -12509,61 +13330,66 @@
     <dgm:cxn modelId="{8B83A21A-6C64-4F95-9DB0-999A9A9986C5}" srcId="{14FB87C3-FCC9-46D8-8275-62A0B38C812D}" destId="{2CC6C2C5-D55C-4EEF-8D26-B4133761C3CE}" srcOrd="1" destOrd="0" parTransId="{DF01D3C5-54B8-4540-B3E5-D809033B3BB9}" sibTransId="{91B78EC8-447F-4C16-9AED-232EAF1AE76A}"/>
     <dgm:cxn modelId="{0913CB21-1232-4D42-B149-F4EBFED6C27A}" type="presOf" srcId="{14FB87C3-FCC9-46D8-8275-62A0B38C812D}" destId="{DDC7CEC3-F757-43A0-A2FA-ABA576BB655C}" srcOrd="0" destOrd="0" presId="urn:microsoft.com/office/officeart/2005/8/layout/vList5"/>
     <dgm:cxn modelId="{1900DD31-7666-4C0B-9F72-942FC413D72F}" type="presOf" srcId="{AF7FACE5-68CF-4FE4-8DF4-E6F7BAC961AA}" destId="{EE701881-66BD-4374-B4D0-2A2095722C05}" srcOrd="0" destOrd="0" presId="urn:microsoft.com/office/officeart/2005/8/layout/vList5"/>
-    <dgm:cxn modelId="{B5412D67-DDE7-4B75-8F6D-2F4FDB9654A5}" srcId="{14FB87C3-FCC9-46D8-8275-62A0B38C812D}" destId="{D56B39B8-DE0D-4BE9-BED1-5379BDDE6463}" srcOrd="10" destOrd="0" parTransId="{6F9BF4E9-3AEA-42A3-932A-43D910CE989D}" sibTransId="{FCB22A08-CACA-4AC8-9F7E-48C50CBB6C3A}"/>
+    <dgm:cxn modelId="{B5412D67-DDE7-4B75-8F6D-2F4FDB9654A5}" srcId="{14FB87C3-FCC9-46D8-8275-62A0B38C812D}" destId="{D56B39B8-DE0D-4BE9-BED1-5379BDDE6463}" srcOrd="11" destOrd="0" parTransId="{6F9BF4E9-3AEA-42A3-932A-43D910CE989D}" sibTransId="{FCB22A08-CACA-4AC8-9F7E-48C50CBB6C3A}"/>
+    <dgm:cxn modelId="{99C2346E-2AF5-46B1-AD6A-2A2B020A67D6}" type="presOf" srcId="{DAD69198-A90B-41E7-BB71-4A93FE5C10B0}" destId="{57C4D296-1E03-4909-9EA2-4B856D90D53A}" srcOrd="0" destOrd="0" presId="urn:microsoft.com/office/officeart/2005/8/layout/vList5"/>
     <dgm:cxn modelId="{0073C250-C1F0-4EEE-B9C1-5AD31FCCDA88}" type="presOf" srcId="{40DB2B9C-1F19-441D-9344-82B86306084E}" destId="{1A5ED826-5D00-4CB2-87B5-BEC5EC62E772}" srcOrd="0" destOrd="0" presId="urn:microsoft.com/office/officeart/2005/8/layout/vList5"/>
     <dgm:cxn modelId="{D287EC70-487E-4DA9-A6FD-F904B6DDE86B}" type="presOf" srcId="{2CC6C2C5-D55C-4EEF-8D26-B4133761C3CE}" destId="{633C4CDB-68EC-42E6-B16A-F56E8CD12621}" srcOrd="0" destOrd="0" presId="urn:microsoft.com/office/officeart/2005/8/layout/vList5"/>
-    <dgm:cxn modelId="{2F567151-8DD8-4D39-9F13-D0CBB08EA15E}" srcId="{14FB87C3-FCC9-46D8-8275-62A0B38C812D}" destId="{137C00AF-E6EB-4901-9912-841632B7FB80}" srcOrd="11" destOrd="0" parTransId="{E1393884-C83C-4452-AB0B-DCE03292BC2D}" sibTransId="{8CB68216-67C1-45E1-A862-DBB3FF873EEA}"/>
-    <dgm:cxn modelId="{7ACFF67F-D3A4-4060-B947-E6851538528E}" srcId="{14FB87C3-FCC9-46D8-8275-62A0B38C812D}" destId="{AA3D64A1-5984-4150-B0E2-C7D4729E9C34}" srcOrd="5" destOrd="0" parTransId="{A8801D20-7991-464C-B1B5-8A8F0FB26E2E}" sibTransId="{8B4AAB5F-F23A-4E49-8E27-64F73672C4BE}"/>
+    <dgm:cxn modelId="{2F567151-8DD8-4D39-9F13-D0CBB08EA15E}" srcId="{14FB87C3-FCC9-46D8-8275-62A0B38C812D}" destId="{137C00AF-E6EB-4901-9912-841632B7FB80}" srcOrd="12" destOrd="0" parTransId="{E1393884-C83C-4452-AB0B-DCE03292BC2D}" sibTransId="{8CB68216-67C1-45E1-A862-DBB3FF873EEA}"/>
+    <dgm:cxn modelId="{C3464257-C00D-4C27-AD08-36427C84B716}" srcId="{14FB87C3-FCC9-46D8-8275-62A0B38C812D}" destId="{DAD69198-A90B-41E7-BB71-4A93FE5C10B0}" srcOrd="2" destOrd="0" parTransId="{C3FE5EA8-182F-4C69-9066-0ACFEAAD8CD6}" sibTransId="{D0755BD3-C11D-40D1-AD40-737D542FEC0D}"/>
+    <dgm:cxn modelId="{7ACFF67F-D3A4-4060-B947-E6851538528E}" srcId="{14FB87C3-FCC9-46D8-8275-62A0B38C812D}" destId="{AA3D64A1-5984-4150-B0E2-C7D4729E9C34}" srcOrd="6" destOrd="0" parTransId="{A8801D20-7991-464C-B1B5-8A8F0FB26E2E}" sibTransId="{8B4AAB5F-F23A-4E49-8E27-64F73672C4BE}"/>
     <dgm:cxn modelId="{89335083-20B8-4122-955E-7B57119D3634}" type="presOf" srcId="{AA3D64A1-5984-4150-B0E2-C7D4729E9C34}" destId="{356775C3-4D34-450A-8B44-7D86E93032A5}" srcOrd="0" destOrd="0" presId="urn:microsoft.com/office/officeart/2005/8/layout/vList5"/>
     <dgm:cxn modelId="{1A9AD089-EAAE-4805-B682-3AD6DB9C7D59}" type="presOf" srcId="{137C00AF-E6EB-4901-9912-841632B7FB80}" destId="{DD9B7236-1E08-409A-9F65-F940323D19C0}" srcOrd="0" destOrd="0" presId="urn:microsoft.com/office/officeart/2005/8/layout/vList5"/>
     <dgm:cxn modelId="{8478FF94-29E0-413E-AC4D-68D43C1AAEDD}" type="presOf" srcId="{D26A42DB-657A-427C-BD7E-4C842922F6EE}" destId="{18232ADC-C076-49B0-9CD3-41278FA6D915}" srcOrd="0" destOrd="0" presId="urn:microsoft.com/office/officeart/2005/8/layout/vList5"/>
-    <dgm:cxn modelId="{0F83389D-7870-4B15-B409-73AC08D80842}" srcId="{14FB87C3-FCC9-46D8-8275-62A0B38C812D}" destId="{344A5502-55A6-4C83-8A8C-E66CF4DEB2FB}" srcOrd="6" destOrd="0" parTransId="{D2408721-9B5B-4C7C-A49E-1991462F9D53}" sibTransId="{19D54727-54EA-47EE-BA21-240A9AED2799}"/>
+    <dgm:cxn modelId="{0F83389D-7870-4B15-B409-73AC08D80842}" srcId="{14FB87C3-FCC9-46D8-8275-62A0B38C812D}" destId="{344A5502-55A6-4C83-8A8C-E66CF4DEB2FB}" srcOrd="7" destOrd="0" parTransId="{D2408721-9B5B-4C7C-A49E-1991462F9D53}" sibTransId="{19D54727-54EA-47EE-BA21-240A9AED2799}"/>
     <dgm:cxn modelId="{C1E987C1-5591-4D9B-9070-3B2615AEA3D7}" type="presOf" srcId="{344A5502-55A6-4C83-8A8C-E66CF4DEB2FB}" destId="{D22C1773-3F60-41BD-805D-C07FE4D5F633}" srcOrd="0" destOrd="0" presId="urn:microsoft.com/office/officeart/2005/8/layout/vList5"/>
-    <dgm:cxn modelId="{56DF10C2-04A4-4935-BB08-44EBD597AF70}" srcId="{14FB87C3-FCC9-46D8-8275-62A0B38C812D}" destId="{68EB87DB-0581-4640-9ADB-562EA677AF1B}" srcOrd="2" destOrd="0" parTransId="{B9E493AD-D727-4CC2-8143-AC96A6539E18}" sibTransId="{41DCBC56-0FEF-4008-B83C-9C070D8BD2D1}"/>
+    <dgm:cxn modelId="{56DF10C2-04A4-4935-BB08-44EBD597AF70}" srcId="{14FB87C3-FCC9-46D8-8275-62A0B38C812D}" destId="{68EB87DB-0581-4640-9ADB-562EA677AF1B}" srcOrd="3" destOrd="0" parTransId="{B9E493AD-D727-4CC2-8143-AC96A6539E18}" sibTransId="{41DCBC56-0FEF-4008-B83C-9C070D8BD2D1}"/>
     <dgm:cxn modelId="{E072A2CA-F860-4DFD-90B3-842350386A50}" type="presOf" srcId="{310F1D7F-1D49-4066-B0E4-252021FCA9F6}" destId="{8D870C57-7ADF-4ADA-A8C8-8067E4E1AA9C}" srcOrd="0" destOrd="0" presId="urn:microsoft.com/office/officeart/2005/8/layout/vList5"/>
-    <dgm:cxn modelId="{0BAA96D4-7D28-4359-B70B-D19BDF874322}" srcId="{14FB87C3-FCC9-46D8-8275-62A0B38C812D}" destId="{84F6B20A-49A4-4704-AB4E-7D86696A7A35}" srcOrd="8" destOrd="0" parTransId="{FDA44E1B-5F78-4948-ACC3-3D246362422C}" sibTransId="{2B59BDDE-5441-467A-B7C4-2EC5ED17C959}"/>
+    <dgm:cxn modelId="{0BAA96D4-7D28-4359-B70B-D19BDF874322}" srcId="{14FB87C3-FCC9-46D8-8275-62A0B38C812D}" destId="{84F6B20A-49A4-4704-AB4E-7D86696A7A35}" srcOrd="9" destOrd="0" parTransId="{FDA44E1B-5F78-4948-ACC3-3D246362422C}" sibTransId="{2B59BDDE-5441-467A-B7C4-2EC5ED17C959}"/>
     <dgm:cxn modelId="{B31D17D9-3CDD-4EBA-A0D4-3CED8F0F397B}" type="presOf" srcId="{84F6B20A-49A4-4704-AB4E-7D86696A7A35}" destId="{C2175BCC-CBB7-4BF3-9511-2D8C3F0FE10F}" srcOrd="0" destOrd="0" presId="urn:microsoft.com/office/officeart/2005/8/layout/vList5"/>
-    <dgm:cxn modelId="{2DBEFAE0-A30A-4DD7-9E27-DD151F95C50C}" srcId="{14FB87C3-FCC9-46D8-8275-62A0B38C812D}" destId="{AF7FACE5-68CF-4FE4-8DF4-E6F7BAC961AA}" srcOrd="4" destOrd="0" parTransId="{E5D9E631-9CF3-493E-AA21-17856051287C}" sibTransId="{3D9F8171-423A-4C13-B3E4-C4AFBAA55974}"/>
+    <dgm:cxn modelId="{2DBEFAE0-A30A-4DD7-9E27-DD151F95C50C}" srcId="{14FB87C3-FCC9-46D8-8275-62A0B38C812D}" destId="{AF7FACE5-68CF-4FE4-8DF4-E6F7BAC961AA}" srcOrd="5" destOrd="0" parTransId="{E5D9E631-9CF3-493E-AA21-17856051287C}" sibTransId="{3D9F8171-423A-4C13-B3E4-C4AFBAA55974}"/>
     <dgm:cxn modelId="{58A598EE-6AEF-45A2-8C38-DCF0C47AECC8}" type="presOf" srcId="{D56B39B8-DE0D-4BE9-BED1-5379BDDE6463}" destId="{9A56D476-57EC-4DAE-8286-533FD3497850}" srcOrd="0" destOrd="0" presId="urn:microsoft.com/office/officeart/2005/8/layout/vList5"/>
-    <dgm:cxn modelId="{7D5C36F2-7A86-4DBD-8587-B2AEE7659A18}" srcId="{14FB87C3-FCC9-46D8-8275-62A0B38C812D}" destId="{D26A42DB-657A-427C-BD7E-4C842922F6EE}" srcOrd="7" destOrd="0" parTransId="{9DD14044-67E1-4828-8063-12842CF77B22}" sibTransId="{91E4F36B-3DEC-4777-9FA9-DA73E7951DDC}"/>
+    <dgm:cxn modelId="{7D5C36F2-7A86-4DBD-8587-B2AEE7659A18}" srcId="{14FB87C3-FCC9-46D8-8275-62A0B38C812D}" destId="{D26A42DB-657A-427C-BD7E-4C842922F6EE}" srcOrd="8" destOrd="0" parTransId="{9DD14044-67E1-4828-8063-12842CF77B22}" sibTransId="{91E4F36B-3DEC-4777-9FA9-DA73E7951DDC}"/>
     <dgm:cxn modelId="{4B4E35F4-5883-47C7-AF91-3D24792A3F81}" type="presOf" srcId="{5260635D-9975-408F-AB5B-D0D381D7298C}" destId="{70189A93-22F1-4B00-BD68-876AE5271AAE}" srcOrd="0" destOrd="0" presId="urn:microsoft.com/office/officeart/2005/8/layout/vList5"/>
-    <dgm:cxn modelId="{B038AAF7-8EF1-4C3D-94D9-D885E9BB26DA}" srcId="{14FB87C3-FCC9-46D8-8275-62A0B38C812D}" destId="{5260635D-9975-408F-AB5B-D0D381D7298C}" srcOrd="3" destOrd="0" parTransId="{BEE9DE2A-FD41-43E2-B215-438512AE3407}" sibTransId="{3E005A74-2A07-436B-AEB0-AF32FDA4D238}"/>
+    <dgm:cxn modelId="{B038AAF7-8EF1-4C3D-94D9-D885E9BB26DA}" srcId="{14FB87C3-FCC9-46D8-8275-62A0B38C812D}" destId="{5260635D-9975-408F-AB5B-D0D381D7298C}" srcOrd="4" destOrd="0" parTransId="{BEE9DE2A-FD41-43E2-B215-438512AE3407}" sibTransId="{3E005A74-2A07-436B-AEB0-AF32FDA4D238}"/>
     <dgm:cxn modelId="{74B075FA-A62A-488B-BD10-A6815CB257D4}" srcId="{14FB87C3-FCC9-46D8-8275-62A0B38C812D}" destId="{310F1D7F-1D49-4066-B0E4-252021FCA9F6}" srcOrd="0" destOrd="0" parTransId="{A38DAFCA-121C-493D-86CA-6013D34F4A6D}" sibTransId="{DFDDE746-FC5E-4BF4-9DCB-F7ACCB1A9399}"/>
-    <dgm:cxn modelId="{F4970BFF-2591-4EFC-B0B1-181FE5CD5793}" srcId="{14FB87C3-FCC9-46D8-8275-62A0B38C812D}" destId="{40DB2B9C-1F19-441D-9344-82B86306084E}" srcOrd="9" destOrd="0" parTransId="{C7AC878B-CD17-448F-89B2-CE269A4DC9B7}" sibTransId="{0E9130F9-B3D7-4EEB-A383-9206D26FD21C}"/>
+    <dgm:cxn modelId="{F4970BFF-2591-4EFC-B0B1-181FE5CD5793}" srcId="{14FB87C3-FCC9-46D8-8275-62A0B38C812D}" destId="{40DB2B9C-1F19-441D-9344-82B86306084E}" srcOrd="10" destOrd="0" parTransId="{C7AC878B-CD17-448F-89B2-CE269A4DC9B7}" sibTransId="{0E9130F9-B3D7-4EEB-A383-9206D26FD21C}"/>
     <dgm:cxn modelId="{56A673C8-04CF-46A9-AB51-45BFF6466C2E}" type="presParOf" srcId="{DDC7CEC3-F757-43A0-A2FA-ABA576BB655C}" destId="{5C3D3754-B04A-4F7C-BE78-28E6689AEAB7}" srcOrd="0" destOrd="0" presId="urn:microsoft.com/office/officeart/2005/8/layout/vList5"/>
     <dgm:cxn modelId="{F019D5A2-AEBE-4A08-93FB-6404016221A8}" type="presParOf" srcId="{5C3D3754-B04A-4F7C-BE78-28E6689AEAB7}" destId="{8D870C57-7ADF-4ADA-A8C8-8067E4E1AA9C}" srcOrd="0" destOrd="0" presId="urn:microsoft.com/office/officeart/2005/8/layout/vList5"/>
     <dgm:cxn modelId="{BE5C0848-4D0B-4986-984D-072C602222E2}" type="presParOf" srcId="{DDC7CEC3-F757-43A0-A2FA-ABA576BB655C}" destId="{5AC9C6CD-DA56-4DF2-B23E-5ABE9380D47F}" srcOrd="1" destOrd="0" presId="urn:microsoft.com/office/officeart/2005/8/layout/vList5"/>
     <dgm:cxn modelId="{3C7EF957-E685-4FF6-9A58-5B4B2B72ED89}" type="presParOf" srcId="{DDC7CEC3-F757-43A0-A2FA-ABA576BB655C}" destId="{E58F2B74-9B63-45C4-86A6-BF61144D30AE}" srcOrd="2" destOrd="0" presId="urn:microsoft.com/office/officeart/2005/8/layout/vList5"/>
     <dgm:cxn modelId="{2D670CDF-1457-474B-A60C-D9533E444321}" type="presParOf" srcId="{E58F2B74-9B63-45C4-86A6-BF61144D30AE}" destId="{633C4CDB-68EC-42E6-B16A-F56E8CD12621}" srcOrd="0" destOrd="0" presId="urn:microsoft.com/office/officeart/2005/8/layout/vList5"/>
     <dgm:cxn modelId="{FF52F3A7-CD7F-440D-94FE-1FB45C0F3214}" type="presParOf" srcId="{DDC7CEC3-F757-43A0-A2FA-ABA576BB655C}" destId="{D7720D65-7302-4C6B-A304-FDB3DA618C8C}" srcOrd="3" destOrd="0" presId="urn:microsoft.com/office/officeart/2005/8/layout/vList5"/>
-    <dgm:cxn modelId="{69946404-A7C9-4EB8-B071-7BF95D90D337}" type="presParOf" srcId="{DDC7CEC3-F757-43A0-A2FA-ABA576BB655C}" destId="{D28886D8-08ED-439D-970B-3A7BD0531C69}" srcOrd="4" destOrd="0" presId="urn:microsoft.com/office/officeart/2005/8/layout/vList5"/>
+    <dgm:cxn modelId="{290B28E9-8491-4938-9192-349790C446C1}" type="presParOf" srcId="{DDC7CEC3-F757-43A0-A2FA-ABA576BB655C}" destId="{E2534CFB-8A1E-4A17-8074-765FDD9D13CC}" srcOrd="4" destOrd="0" presId="urn:microsoft.com/office/officeart/2005/8/layout/vList5"/>
+    <dgm:cxn modelId="{168A2C8B-4367-4B3E-A2EE-CCD8027A0319}" type="presParOf" srcId="{E2534CFB-8A1E-4A17-8074-765FDD9D13CC}" destId="{57C4D296-1E03-4909-9EA2-4B856D90D53A}" srcOrd="0" destOrd="0" presId="urn:microsoft.com/office/officeart/2005/8/layout/vList5"/>
+    <dgm:cxn modelId="{70B02882-8282-426B-8B72-7033F0574074}" type="presParOf" srcId="{DDC7CEC3-F757-43A0-A2FA-ABA576BB655C}" destId="{2C27EFC7-70CE-47E1-8645-C509BB159075}" srcOrd="5" destOrd="0" presId="urn:microsoft.com/office/officeart/2005/8/layout/vList5"/>
+    <dgm:cxn modelId="{69946404-A7C9-4EB8-B071-7BF95D90D337}" type="presParOf" srcId="{DDC7CEC3-F757-43A0-A2FA-ABA576BB655C}" destId="{D28886D8-08ED-439D-970B-3A7BD0531C69}" srcOrd="6" destOrd="0" presId="urn:microsoft.com/office/officeart/2005/8/layout/vList5"/>
     <dgm:cxn modelId="{ACF2C7FC-5FD0-4CCB-B0F1-3751200B718D}" type="presParOf" srcId="{D28886D8-08ED-439D-970B-3A7BD0531C69}" destId="{6588EB65-C784-423D-AE18-E3CF6265C1D6}" srcOrd="0" destOrd="0" presId="urn:microsoft.com/office/officeart/2005/8/layout/vList5"/>
-    <dgm:cxn modelId="{034A8A4F-87F3-4A0F-9429-5D1FE9811D0C}" type="presParOf" srcId="{DDC7CEC3-F757-43A0-A2FA-ABA576BB655C}" destId="{77CDB951-6A93-4226-AA54-1DD2858A277D}" srcOrd="5" destOrd="0" presId="urn:microsoft.com/office/officeart/2005/8/layout/vList5"/>
-    <dgm:cxn modelId="{694536CE-94A6-40AC-8432-B797B5574C4A}" type="presParOf" srcId="{DDC7CEC3-F757-43A0-A2FA-ABA576BB655C}" destId="{B4EDADA8-1BE8-47E0-9FA7-FDCA8750565E}" srcOrd="6" destOrd="0" presId="urn:microsoft.com/office/officeart/2005/8/layout/vList5"/>
+    <dgm:cxn modelId="{034A8A4F-87F3-4A0F-9429-5D1FE9811D0C}" type="presParOf" srcId="{DDC7CEC3-F757-43A0-A2FA-ABA576BB655C}" destId="{77CDB951-6A93-4226-AA54-1DD2858A277D}" srcOrd="7" destOrd="0" presId="urn:microsoft.com/office/officeart/2005/8/layout/vList5"/>
+    <dgm:cxn modelId="{694536CE-94A6-40AC-8432-B797B5574C4A}" type="presParOf" srcId="{DDC7CEC3-F757-43A0-A2FA-ABA576BB655C}" destId="{B4EDADA8-1BE8-47E0-9FA7-FDCA8750565E}" srcOrd="8" destOrd="0" presId="urn:microsoft.com/office/officeart/2005/8/layout/vList5"/>
     <dgm:cxn modelId="{D9734BA9-887F-4DFD-A53E-784B8ACB0D5D}" type="presParOf" srcId="{B4EDADA8-1BE8-47E0-9FA7-FDCA8750565E}" destId="{70189A93-22F1-4B00-BD68-876AE5271AAE}" srcOrd="0" destOrd="0" presId="urn:microsoft.com/office/officeart/2005/8/layout/vList5"/>
-    <dgm:cxn modelId="{4F84C738-7BFA-4C16-AD65-3BD3EADF8329}" type="presParOf" srcId="{DDC7CEC3-F757-43A0-A2FA-ABA576BB655C}" destId="{9FB877A9-376E-4BFE-992E-F8C48C80FF90}" srcOrd="7" destOrd="0" presId="urn:microsoft.com/office/officeart/2005/8/layout/vList5"/>
-    <dgm:cxn modelId="{FE245C01-A86E-4455-842F-D65FCA478E8D}" type="presParOf" srcId="{DDC7CEC3-F757-43A0-A2FA-ABA576BB655C}" destId="{E12BE114-965B-4CDD-BC0A-2B4EBE01BE39}" srcOrd="8" destOrd="0" presId="urn:microsoft.com/office/officeart/2005/8/layout/vList5"/>
+    <dgm:cxn modelId="{4F84C738-7BFA-4C16-AD65-3BD3EADF8329}" type="presParOf" srcId="{DDC7CEC3-F757-43A0-A2FA-ABA576BB655C}" destId="{9FB877A9-376E-4BFE-992E-F8C48C80FF90}" srcOrd="9" destOrd="0" presId="urn:microsoft.com/office/officeart/2005/8/layout/vList5"/>
+    <dgm:cxn modelId="{FE245C01-A86E-4455-842F-D65FCA478E8D}" type="presParOf" srcId="{DDC7CEC3-F757-43A0-A2FA-ABA576BB655C}" destId="{E12BE114-965B-4CDD-BC0A-2B4EBE01BE39}" srcOrd="10" destOrd="0" presId="urn:microsoft.com/office/officeart/2005/8/layout/vList5"/>
     <dgm:cxn modelId="{5D2884A3-4603-4F1A-8C7F-5C19D7730FFF}" type="presParOf" srcId="{E12BE114-965B-4CDD-BC0A-2B4EBE01BE39}" destId="{EE701881-66BD-4374-B4D0-2A2095722C05}" srcOrd="0" destOrd="0" presId="urn:microsoft.com/office/officeart/2005/8/layout/vList5"/>
-    <dgm:cxn modelId="{AFD9057A-A073-4C81-B3ED-A5F1217E79C1}" type="presParOf" srcId="{DDC7CEC3-F757-43A0-A2FA-ABA576BB655C}" destId="{8FC4BF74-93AF-4654-874A-B3823F3F51A2}" srcOrd="9" destOrd="0" presId="urn:microsoft.com/office/officeart/2005/8/layout/vList5"/>
-    <dgm:cxn modelId="{294DCDD9-8CE9-4B5E-B26E-AA6EA9937EF0}" type="presParOf" srcId="{DDC7CEC3-F757-43A0-A2FA-ABA576BB655C}" destId="{80E31028-E93F-443C-A94B-88959D7298AC}" srcOrd="10" destOrd="0" presId="urn:microsoft.com/office/officeart/2005/8/layout/vList5"/>
+    <dgm:cxn modelId="{AFD9057A-A073-4C81-B3ED-A5F1217E79C1}" type="presParOf" srcId="{DDC7CEC3-F757-43A0-A2FA-ABA576BB655C}" destId="{8FC4BF74-93AF-4654-874A-B3823F3F51A2}" srcOrd="11" destOrd="0" presId="urn:microsoft.com/office/officeart/2005/8/layout/vList5"/>
+    <dgm:cxn modelId="{294DCDD9-8CE9-4B5E-B26E-AA6EA9937EF0}" type="presParOf" srcId="{DDC7CEC3-F757-43A0-A2FA-ABA576BB655C}" destId="{80E31028-E93F-443C-A94B-88959D7298AC}" srcOrd="12" destOrd="0" presId="urn:microsoft.com/office/officeart/2005/8/layout/vList5"/>
     <dgm:cxn modelId="{AAF50AEC-288C-4D5E-9A0C-C1BDCCB649C9}" type="presParOf" srcId="{80E31028-E93F-443C-A94B-88959D7298AC}" destId="{356775C3-4D34-450A-8B44-7D86E93032A5}" srcOrd="0" destOrd="0" presId="urn:microsoft.com/office/officeart/2005/8/layout/vList5"/>
-    <dgm:cxn modelId="{5CBE201C-462B-419E-A005-28D493E57DEA}" type="presParOf" srcId="{DDC7CEC3-F757-43A0-A2FA-ABA576BB655C}" destId="{D717168E-8E7A-4D50-8FB1-4A5BA407F048}" srcOrd="11" destOrd="0" presId="urn:microsoft.com/office/officeart/2005/8/layout/vList5"/>
-    <dgm:cxn modelId="{5344B8EF-5436-4DB9-B2E5-5C7882EE5612}" type="presParOf" srcId="{DDC7CEC3-F757-43A0-A2FA-ABA576BB655C}" destId="{E5BCAF12-E5E4-4EE9-9B93-D547F33BC8DF}" srcOrd="12" destOrd="0" presId="urn:microsoft.com/office/officeart/2005/8/layout/vList5"/>
+    <dgm:cxn modelId="{5CBE201C-462B-419E-A005-28D493E57DEA}" type="presParOf" srcId="{DDC7CEC3-F757-43A0-A2FA-ABA576BB655C}" destId="{D717168E-8E7A-4D50-8FB1-4A5BA407F048}" srcOrd="13" destOrd="0" presId="urn:microsoft.com/office/officeart/2005/8/layout/vList5"/>
+    <dgm:cxn modelId="{5344B8EF-5436-4DB9-B2E5-5C7882EE5612}" type="presParOf" srcId="{DDC7CEC3-F757-43A0-A2FA-ABA576BB655C}" destId="{E5BCAF12-E5E4-4EE9-9B93-D547F33BC8DF}" srcOrd="14" destOrd="0" presId="urn:microsoft.com/office/officeart/2005/8/layout/vList5"/>
     <dgm:cxn modelId="{F7E3C21E-E6AE-4EE5-AF59-31E5E936B792}" type="presParOf" srcId="{E5BCAF12-E5E4-4EE9-9B93-D547F33BC8DF}" destId="{D22C1773-3F60-41BD-805D-C07FE4D5F633}" srcOrd="0" destOrd="0" presId="urn:microsoft.com/office/officeart/2005/8/layout/vList5"/>
-    <dgm:cxn modelId="{E6F14FD9-89C0-4E57-9773-EE420202515E}" type="presParOf" srcId="{DDC7CEC3-F757-43A0-A2FA-ABA576BB655C}" destId="{84372467-60A0-41D6-9693-AD944C5D4F8D}" srcOrd="13" destOrd="0" presId="urn:microsoft.com/office/officeart/2005/8/layout/vList5"/>
-    <dgm:cxn modelId="{B85AC43B-2EEF-43A1-99AE-BD5BED85ADBD}" type="presParOf" srcId="{DDC7CEC3-F757-43A0-A2FA-ABA576BB655C}" destId="{74EFAD13-5696-48C7-8D06-C5533E338C7B}" srcOrd="14" destOrd="0" presId="urn:microsoft.com/office/officeart/2005/8/layout/vList5"/>
+    <dgm:cxn modelId="{E6F14FD9-89C0-4E57-9773-EE420202515E}" type="presParOf" srcId="{DDC7CEC3-F757-43A0-A2FA-ABA576BB655C}" destId="{84372467-60A0-41D6-9693-AD944C5D4F8D}" srcOrd="15" destOrd="0" presId="urn:microsoft.com/office/officeart/2005/8/layout/vList5"/>
+    <dgm:cxn modelId="{B85AC43B-2EEF-43A1-99AE-BD5BED85ADBD}" type="presParOf" srcId="{DDC7CEC3-F757-43A0-A2FA-ABA576BB655C}" destId="{74EFAD13-5696-48C7-8D06-C5533E338C7B}" srcOrd="16" destOrd="0" presId="urn:microsoft.com/office/officeart/2005/8/layout/vList5"/>
     <dgm:cxn modelId="{06E2A0EF-455F-4A90-B5E8-839BC7FBE430}" type="presParOf" srcId="{74EFAD13-5696-48C7-8D06-C5533E338C7B}" destId="{18232ADC-C076-49B0-9CD3-41278FA6D915}" srcOrd="0" destOrd="0" presId="urn:microsoft.com/office/officeart/2005/8/layout/vList5"/>
-    <dgm:cxn modelId="{8991F9DB-2747-4B05-9D9A-A340609190F2}" type="presParOf" srcId="{DDC7CEC3-F757-43A0-A2FA-ABA576BB655C}" destId="{4F205B34-A769-4680-B79C-89048C82A0FE}" srcOrd="15" destOrd="0" presId="urn:microsoft.com/office/officeart/2005/8/layout/vList5"/>
-    <dgm:cxn modelId="{0C3F215C-CD0C-4A54-9C60-94571717935B}" type="presParOf" srcId="{DDC7CEC3-F757-43A0-A2FA-ABA576BB655C}" destId="{A58C365F-6F1C-40B9-A9AC-017AF2757662}" srcOrd="16" destOrd="0" presId="urn:microsoft.com/office/officeart/2005/8/layout/vList5"/>
+    <dgm:cxn modelId="{8991F9DB-2747-4B05-9D9A-A340609190F2}" type="presParOf" srcId="{DDC7CEC3-F757-43A0-A2FA-ABA576BB655C}" destId="{4F205B34-A769-4680-B79C-89048C82A0FE}" srcOrd="17" destOrd="0" presId="urn:microsoft.com/office/officeart/2005/8/layout/vList5"/>
+    <dgm:cxn modelId="{0C3F215C-CD0C-4A54-9C60-94571717935B}" type="presParOf" srcId="{DDC7CEC3-F757-43A0-A2FA-ABA576BB655C}" destId="{A58C365F-6F1C-40B9-A9AC-017AF2757662}" srcOrd="18" destOrd="0" presId="urn:microsoft.com/office/officeart/2005/8/layout/vList5"/>
     <dgm:cxn modelId="{3C58D57A-16D0-4772-BC2B-0994E176DBCD}" type="presParOf" srcId="{A58C365F-6F1C-40B9-A9AC-017AF2757662}" destId="{C2175BCC-CBB7-4BF3-9511-2D8C3F0FE10F}" srcOrd="0" destOrd="0" presId="urn:microsoft.com/office/officeart/2005/8/layout/vList5"/>
-    <dgm:cxn modelId="{F3630FD6-96EE-42C9-ADDC-9857DB8FE9CB}" type="presParOf" srcId="{DDC7CEC3-F757-43A0-A2FA-ABA576BB655C}" destId="{DB426266-BD16-4B1B-BF71-39FE68C6BAF2}" srcOrd="17" destOrd="0" presId="urn:microsoft.com/office/officeart/2005/8/layout/vList5"/>
-    <dgm:cxn modelId="{56522CA0-5CC8-42E3-BD5B-A655955F3434}" type="presParOf" srcId="{DDC7CEC3-F757-43A0-A2FA-ABA576BB655C}" destId="{7650C0B0-C3B5-4443-B862-7946EA378229}" srcOrd="18" destOrd="0" presId="urn:microsoft.com/office/officeart/2005/8/layout/vList5"/>
+    <dgm:cxn modelId="{F3630FD6-96EE-42C9-ADDC-9857DB8FE9CB}" type="presParOf" srcId="{DDC7CEC3-F757-43A0-A2FA-ABA576BB655C}" destId="{DB426266-BD16-4B1B-BF71-39FE68C6BAF2}" srcOrd="19" destOrd="0" presId="urn:microsoft.com/office/officeart/2005/8/layout/vList5"/>
+    <dgm:cxn modelId="{56522CA0-5CC8-42E3-BD5B-A655955F3434}" type="presParOf" srcId="{DDC7CEC3-F757-43A0-A2FA-ABA576BB655C}" destId="{7650C0B0-C3B5-4443-B862-7946EA378229}" srcOrd="20" destOrd="0" presId="urn:microsoft.com/office/officeart/2005/8/layout/vList5"/>
     <dgm:cxn modelId="{372E77D0-EF36-4C5E-98A0-E424FC49A4EB}" type="presParOf" srcId="{7650C0B0-C3B5-4443-B862-7946EA378229}" destId="{1A5ED826-5D00-4CB2-87B5-BEC5EC62E772}" srcOrd="0" destOrd="0" presId="urn:microsoft.com/office/officeart/2005/8/layout/vList5"/>
-    <dgm:cxn modelId="{6120560F-4F36-444A-80FF-59421A165F2A}" type="presParOf" srcId="{DDC7CEC3-F757-43A0-A2FA-ABA576BB655C}" destId="{4193C724-FBA7-4C74-8517-B7D904342F1A}" srcOrd="19" destOrd="0" presId="urn:microsoft.com/office/officeart/2005/8/layout/vList5"/>
-    <dgm:cxn modelId="{8965DA87-164E-448D-86E1-F23971DD99BA}" type="presParOf" srcId="{DDC7CEC3-F757-43A0-A2FA-ABA576BB655C}" destId="{E89E302D-2568-4969-8E92-2A5A4046888C}" srcOrd="20" destOrd="0" presId="urn:microsoft.com/office/officeart/2005/8/layout/vList5"/>
+    <dgm:cxn modelId="{6120560F-4F36-444A-80FF-59421A165F2A}" type="presParOf" srcId="{DDC7CEC3-F757-43A0-A2FA-ABA576BB655C}" destId="{4193C724-FBA7-4C74-8517-B7D904342F1A}" srcOrd="21" destOrd="0" presId="urn:microsoft.com/office/officeart/2005/8/layout/vList5"/>
+    <dgm:cxn modelId="{8965DA87-164E-448D-86E1-F23971DD99BA}" type="presParOf" srcId="{DDC7CEC3-F757-43A0-A2FA-ABA576BB655C}" destId="{E89E302D-2568-4969-8E92-2A5A4046888C}" srcOrd="22" destOrd="0" presId="urn:microsoft.com/office/officeart/2005/8/layout/vList5"/>
     <dgm:cxn modelId="{CE5184AB-40DC-475B-9622-991C7319161C}" type="presParOf" srcId="{E89E302D-2568-4969-8E92-2A5A4046888C}" destId="{9A56D476-57EC-4DAE-8286-533FD3497850}" srcOrd="0" destOrd="0" presId="urn:microsoft.com/office/officeart/2005/8/layout/vList5"/>
-    <dgm:cxn modelId="{2365DDD2-9447-4B1D-8A36-F4B00BF7468A}" type="presParOf" srcId="{DDC7CEC3-F757-43A0-A2FA-ABA576BB655C}" destId="{7E62A088-6EB1-469C-B3B4-93F22EEC19F3}" srcOrd="21" destOrd="0" presId="urn:microsoft.com/office/officeart/2005/8/layout/vList5"/>
-    <dgm:cxn modelId="{AD4BC5D6-C85B-4331-8184-F02D6F3CFFF3}" type="presParOf" srcId="{DDC7CEC3-F757-43A0-A2FA-ABA576BB655C}" destId="{53CC562B-908F-40AB-AB1F-FE0C69491E4A}" srcOrd="22" destOrd="0" presId="urn:microsoft.com/office/officeart/2005/8/layout/vList5"/>
+    <dgm:cxn modelId="{2365DDD2-9447-4B1D-8A36-F4B00BF7468A}" type="presParOf" srcId="{DDC7CEC3-F757-43A0-A2FA-ABA576BB655C}" destId="{7E62A088-6EB1-469C-B3B4-93F22EEC19F3}" srcOrd="23" destOrd="0" presId="urn:microsoft.com/office/officeart/2005/8/layout/vList5"/>
+    <dgm:cxn modelId="{AD4BC5D6-C85B-4331-8184-F02D6F3CFFF3}" type="presParOf" srcId="{DDC7CEC3-F757-43A0-A2FA-ABA576BB655C}" destId="{53CC562B-908F-40AB-AB1F-FE0C69491E4A}" srcOrd="24" destOrd="0" presId="urn:microsoft.com/office/officeart/2005/8/layout/vList5"/>
     <dgm:cxn modelId="{89334117-7CB6-46EC-8BDF-84FB838801E1}" type="presParOf" srcId="{53CC562B-908F-40AB-AB1F-FE0C69491E4A}" destId="{DD9B7236-1E08-409A-9F65-F940323D19C0}" srcOrd="0" destOrd="0" presId="urn:microsoft.com/office/officeart/2005/8/layout/vList5"/>
   </dgm:cxnLst>
   <dgm:bg/>
@@ -14318,6 +15144,160 @@
     <dgm:cxn modelId="{7EB6A30D-7C5F-4EF6-A921-D917DE71E2AD}" type="presParOf" srcId="{EA881C5E-2CB1-41AA-93C2-52D9347D9B32}" destId="{FA80A7E4-4693-437D-9069-9EB443113661}" srcOrd="2" destOrd="0" presId="urn:microsoft.com/office/officeart/2005/8/layout/default"/>
     <dgm:cxn modelId="{7F6282BC-9AB8-474C-A86B-58C320A69D24}" type="presParOf" srcId="{EA881C5E-2CB1-41AA-93C2-52D9347D9B32}" destId="{26A6DF1A-6DA4-4634-A9DD-5C34377D4CB2}" srcOrd="3" destOrd="0" presId="urn:microsoft.com/office/officeart/2005/8/layout/default"/>
     <dgm:cxn modelId="{4C57D47F-E1E9-4085-BC96-76FFD14DC343}" type="presParOf" srcId="{EA881C5E-2CB1-41AA-93C2-52D9347D9B32}" destId="{562AD1FA-5AAB-4EA4-BD53-0D06048E0315}" srcOrd="4" destOrd="0" presId="urn:microsoft.com/office/officeart/2005/8/layout/default"/>
+  </dgm:cxnLst>
+  <dgm:bg/>
+  <dgm:whole/>
+  <dgm:extLst>
+    <a:ext uri="http://schemas.microsoft.com/office/drawing/2008/diagram">
+      <dsp:dataModelExt xmlns:dsp="http://schemas.microsoft.com/office/drawing/2008/diagram" relId="rId6" minVer="http://schemas.openxmlformats.org/drawingml/2006/diagram"/>
+    </a:ext>
+  </dgm:extLst>
+</dgm:dataModel>
+</file>
+
+<file path=ppt/diagrams/data16.xml><?xml version="1.0" encoding="utf-8"?>
+<dgm:dataModel xmlns:dgm="http://schemas.openxmlformats.org/drawingml/2006/diagram" xmlns:a="http://schemas.openxmlformats.org/drawingml/2006/main">
+  <dgm:ptLst>
+    <dgm:pt modelId="{94BE5AF1-EDB3-4158-8BEE-9DBB0DAA5C1D}" type="doc">
+      <dgm:prSet loTypeId="urn:microsoft.com/office/officeart/2008/layout/LinedList" loCatId="list" qsTypeId="urn:microsoft.com/office/officeart/2005/8/quickstyle/simple1" qsCatId="simple" csTypeId="urn:microsoft.com/office/officeart/2005/8/colors/colorful2" csCatId="colorful"/>
+      <dgm:spPr/>
+      <dgm:t>
+        <a:bodyPr/>
+        <a:lstStyle/>
+        <a:p>
+          <a:endParaRPr lang="en-US"/>
+        </a:p>
+      </dgm:t>
+    </dgm:pt>
+    <dgm:pt modelId="{8D5DA8E8-9421-425C-9803-8E4B2C4C1675}">
+      <dgm:prSet/>
+      <dgm:spPr/>
+      <dgm:t>
+        <a:bodyPr/>
+        <a:lstStyle/>
+        <a:p>
+          <a:r>
+            <a:rPr lang="en-US"/>
+            <a:t>Met client's requirements</a:t>
+          </a:r>
+        </a:p>
+      </dgm:t>
+    </dgm:pt>
+    <dgm:pt modelId="{A87A9182-11F0-46B7-92DF-33439BCA7C2F}" type="parTrans" cxnId="{622687F0-D659-4944-BFEA-B3004E46EFB9}">
+      <dgm:prSet/>
+      <dgm:spPr/>
+      <dgm:t>
+        <a:bodyPr/>
+        <a:lstStyle/>
+        <a:p>
+          <a:endParaRPr lang="en-US"/>
+        </a:p>
+      </dgm:t>
+    </dgm:pt>
+    <dgm:pt modelId="{C5B5AE23-74C1-4FFC-A7F4-DA6E78F2A31E}" type="sibTrans" cxnId="{622687F0-D659-4944-BFEA-B3004E46EFB9}">
+      <dgm:prSet/>
+      <dgm:spPr/>
+      <dgm:t>
+        <a:bodyPr/>
+        <a:lstStyle/>
+        <a:p>
+          <a:endParaRPr lang="en-US"/>
+        </a:p>
+      </dgm:t>
+    </dgm:pt>
+    <dgm:pt modelId="{0F8D5AA0-E54D-41AA-9D2D-E5246FE15C89}">
+      <dgm:prSet/>
+      <dgm:spPr/>
+      <dgm:t>
+        <a:bodyPr/>
+        <a:lstStyle/>
+        <a:p>
+          <a:r>
+            <a:rPr lang="en-US"/>
+            <a:t>Created an efficient and scalable solution</a:t>
+          </a:r>
+        </a:p>
+      </dgm:t>
+    </dgm:pt>
+    <dgm:pt modelId="{2F34DCBD-1AC7-4AAC-91D6-7B1874E0342C}" type="parTrans" cxnId="{95729B99-1C84-40D3-B5BE-6CD340CA5B65}">
+      <dgm:prSet/>
+      <dgm:spPr/>
+      <dgm:t>
+        <a:bodyPr/>
+        <a:lstStyle/>
+        <a:p>
+          <a:endParaRPr lang="en-US"/>
+        </a:p>
+      </dgm:t>
+    </dgm:pt>
+    <dgm:pt modelId="{314B8E77-E97B-4317-890D-B353360E57E4}" type="sibTrans" cxnId="{95729B99-1C84-40D3-B5BE-6CD340CA5B65}">
+      <dgm:prSet/>
+      <dgm:spPr/>
+      <dgm:t>
+        <a:bodyPr/>
+        <a:lstStyle/>
+        <a:p>
+          <a:endParaRPr lang="en-US"/>
+        </a:p>
+      </dgm:t>
+    </dgm:pt>
+    <dgm:pt modelId="{5C4B2163-CA44-4A2E-8B36-034420C8816D}" type="pres">
+      <dgm:prSet presAssocID="{94BE5AF1-EDB3-4158-8BEE-9DBB0DAA5C1D}" presName="vert0" presStyleCnt="0">
+        <dgm:presLayoutVars>
+          <dgm:dir/>
+          <dgm:animOne val="branch"/>
+          <dgm:animLvl val="lvl"/>
+        </dgm:presLayoutVars>
+      </dgm:prSet>
+      <dgm:spPr/>
+    </dgm:pt>
+    <dgm:pt modelId="{5A27C5F5-23B6-4F45-823A-8F5E25CB4C94}" type="pres">
+      <dgm:prSet presAssocID="{8D5DA8E8-9421-425C-9803-8E4B2C4C1675}" presName="thickLine" presStyleLbl="alignNode1" presStyleIdx="0" presStyleCnt="2"/>
+      <dgm:spPr/>
+    </dgm:pt>
+    <dgm:pt modelId="{6DE39A97-5DFE-4AF8-AD34-B70D1B30343A}" type="pres">
+      <dgm:prSet presAssocID="{8D5DA8E8-9421-425C-9803-8E4B2C4C1675}" presName="horz1" presStyleCnt="0"/>
+      <dgm:spPr/>
+    </dgm:pt>
+    <dgm:pt modelId="{7B820E58-8935-4162-B0A9-66A2EDC98EF6}" type="pres">
+      <dgm:prSet presAssocID="{8D5DA8E8-9421-425C-9803-8E4B2C4C1675}" presName="tx1" presStyleLbl="revTx" presStyleIdx="0" presStyleCnt="2"/>
+      <dgm:spPr/>
+    </dgm:pt>
+    <dgm:pt modelId="{5CE5AF70-9FC4-4670-B269-6F45461B5354}" type="pres">
+      <dgm:prSet presAssocID="{8D5DA8E8-9421-425C-9803-8E4B2C4C1675}" presName="vert1" presStyleCnt="0"/>
+      <dgm:spPr/>
+    </dgm:pt>
+    <dgm:pt modelId="{587F11C3-042B-43C1-B268-958CF08A1755}" type="pres">
+      <dgm:prSet presAssocID="{0F8D5AA0-E54D-41AA-9D2D-E5246FE15C89}" presName="thickLine" presStyleLbl="alignNode1" presStyleIdx="1" presStyleCnt="2"/>
+      <dgm:spPr/>
+    </dgm:pt>
+    <dgm:pt modelId="{F3277A29-5EAE-4DC7-8F67-F8A600FA91D3}" type="pres">
+      <dgm:prSet presAssocID="{0F8D5AA0-E54D-41AA-9D2D-E5246FE15C89}" presName="horz1" presStyleCnt="0"/>
+      <dgm:spPr/>
+    </dgm:pt>
+    <dgm:pt modelId="{A16E4504-CD5C-4A87-892F-8498B9CCCE66}" type="pres">
+      <dgm:prSet presAssocID="{0F8D5AA0-E54D-41AA-9D2D-E5246FE15C89}" presName="tx1" presStyleLbl="revTx" presStyleIdx="1" presStyleCnt="2"/>
+      <dgm:spPr/>
+    </dgm:pt>
+    <dgm:pt modelId="{F085E433-F6F7-4EE5-80BC-077C76F28332}" type="pres">
+      <dgm:prSet presAssocID="{0F8D5AA0-E54D-41AA-9D2D-E5246FE15C89}" presName="vert1" presStyleCnt="0"/>
+      <dgm:spPr/>
+    </dgm:pt>
+  </dgm:ptLst>
+  <dgm:cxnLst>
+    <dgm:cxn modelId="{9C102886-0758-432E-B9A3-21AE71F87E52}" type="presOf" srcId="{94BE5AF1-EDB3-4158-8BEE-9DBB0DAA5C1D}" destId="{5C4B2163-CA44-4A2E-8B36-034420C8816D}" srcOrd="0" destOrd="0" presId="urn:microsoft.com/office/officeart/2008/layout/LinedList"/>
+    <dgm:cxn modelId="{95729B99-1C84-40D3-B5BE-6CD340CA5B65}" srcId="{94BE5AF1-EDB3-4158-8BEE-9DBB0DAA5C1D}" destId="{0F8D5AA0-E54D-41AA-9D2D-E5246FE15C89}" srcOrd="1" destOrd="0" parTransId="{2F34DCBD-1AC7-4AAC-91D6-7B1874E0342C}" sibTransId="{314B8E77-E97B-4317-890D-B353360E57E4}"/>
+    <dgm:cxn modelId="{5E0183D6-E07F-4100-8356-9EC43CACE049}" type="presOf" srcId="{8D5DA8E8-9421-425C-9803-8E4B2C4C1675}" destId="{7B820E58-8935-4162-B0A9-66A2EDC98EF6}" srcOrd="0" destOrd="0" presId="urn:microsoft.com/office/officeart/2008/layout/LinedList"/>
+    <dgm:cxn modelId="{622687F0-D659-4944-BFEA-B3004E46EFB9}" srcId="{94BE5AF1-EDB3-4158-8BEE-9DBB0DAA5C1D}" destId="{8D5DA8E8-9421-425C-9803-8E4B2C4C1675}" srcOrd="0" destOrd="0" parTransId="{A87A9182-11F0-46B7-92DF-33439BCA7C2F}" sibTransId="{C5B5AE23-74C1-4FFC-A7F4-DA6E78F2A31E}"/>
+    <dgm:cxn modelId="{B6ABA8F8-18A4-4E59-8072-AD8513AB6021}" type="presOf" srcId="{0F8D5AA0-E54D-41AA-9D2D-E5246FE15C89}" destId="{A16E4504-CD5C-4A87-892F-8498B9CCCE66}" srcOrd="0" destOrd="0" presId="urn:microsoft.com/office/officeart/2008/layout/LinedList"/>
+    <dgm:cxn modelId="{F324B066-6970-4E4F-BDAB-5B3268FB97D0}" type="presParOf" srcId="{5C4B2163-CA44-4A2E-8B36-034420C8816D}" destId="{5A27C5F5-23B6-4F45-823A-8F5E25CB4C94}" srcOrd="0" destOrd="0" presId="urn:microsoft.com/office/officeart/2008/layout/LinedList"/>
+    <dgm:cxn modelId="{436BDC09-BBC0-4048-A7E7-92BAA744DBA5}" type="presParOf" srcId="{5C4B2163-CA44-4A2E-8B36-034420C8816D}" destId="{6DE39A97-5DFE-4AF8-AD34-B70D1B30343A}" srcOrd="1" destOrd="0" presId="urn:microsoft.com/office/officeart/2008/layout/LinedList"/>
+    <dgm:cxn modelId="{B1CE87E9-F1BE-4230-B896-650432884BE5}" type="presParOf" srcId="{6DE39A97-5DFE-4AF8-AD34-B70D1B30343A}" destId="{7B820E58-8935-4162-B0A9-66A2EDC98EF6}" srcOrd="0" destOrd="0" presId="urn:microsoft.com/office/officeart/2008/layout/LinedList"/>
+    <dgm:cxn modelId="{8891EAE8-07DA-4AEB-8BA3-C42BDB8BD510}" type="presParOf" srcId="{6DE39A97-5DFE-4AF8-AD34-B70D1B30343A}" destId="{5CE5AF70-9FC4-4670-B269-6F45461B5354}" srcOrd="1" destOrd="0" presId="urn:microsoft.com/office/officeart/2008/layout/LinedList"/>
+    <dgm:cxn modelId="{A35B8D0C-5924-4D33-86BB-848B3D17BE5E}" type="presParOf" srcId="{5C4B2163-CA44-4A2E-8B36-034420C8816D}" destId="{587F11C3-042B-43C1-B268-958CF08A1755}" srcOrd="2" destOrd="0" presId="urn:microsoft.com/office/officeart/2008/layout/LinedList"/>
+    <dgm:cxn modelId="{D40BDAF9-C12A-45EC-9A12-53AA914B0C5A}" type="presParOf" srcId="{5C4B2163-CA44-4A2E-8B36-034420C8816D}" destId="{F3277A29-5EAE-4DC7-8F67-F8A600FA91D3}" srcOrd="3" destOrd="0" presId="urn:microsoft.com/office/officeart/2008/layout/LinedList"/>
+    <dgm:cxn modelId="{E8E716B1-86B9-4AE2-BE3C-BF885D92418C}" type="presParOf" srcId="{F3277A29-5EAE-4DC7-8F67-F8A600FA91D3}" destId="{A16E4504-CD5C-4A87-892F-8498B9CCCE66}" srcOrd="0" destOrd="0" presId="urn:microsoft.com/office/officeart/2008/layout/LinedList"/>
+    <dgm:cxn modelId="{A39E443F-A7C7-44EF-9A32-B2BE67CD069F}" type="presParOf" srcId="{F3277A29-5EAE-4DC7-8F67-F8A600FA91D3}" destId="{F085E433-F6F7-4EE5-80BC-077C76F28332}" srcOrd="1" destOrd="0" presId="urn:microsoft.com/office/officeart/2008/layout/LinedList"/>
   </dgm:cxnLst>
   <dgm:bg/>
   <dgm:whole/>
@@ -17307,8 +18287,8 @@
       </dsp:nvSpPr>
       <dsp:spPr>
         <a:xfrm>
-          <a:off x="4531320" y="2733"/>
-          <a:ext cx="5097735" cy="379194"/>
+          <a:off x="5299645" y="1408"/>
+          <a:ext cx="5962101" cy="353284"/>
         </a:xfrm>
         <a:prstGeom prst="roundRect">
           <a:avLst/>
@@ -17378,12 +18358,12 @@
         </a:fontRef>
       </dsp:style>
       <dsp:txBody>
-        <a:bodyPr spcFirstLastPara="0" vert="horz" wrap="square" lIns="72390" tIns="36195" rIns="72390" bIns="36195" numCol="1" spcCol="1270" anchor="ctr" anchorCtr="0">
+        <a:bodyPr spcFirstLastPara="0" vert="horz" wrap="square" lIns="64770" tIns="32385" rIns="64770" bIns="32385" numCol="1" spcCol="1270" anchor="ctr" anchorCtr="0">
           <a:noAutofit/>
         </a:bodyPr>
         <a:lstStyle/>
         <a:p>
-          <a:pPr marL="0" lvl="0" indent="0" algn="ctr" defTabSz="844550">
+          <a:pPr marL="0" lvl="0" indent="0" algn="ctr" defTabSz="755650">
             <a:lnSpc>
               <a:spcPct val="90000"/>
             </a:lnSpc>
@@ -17396,14 +18376,14 @@
             <a:buNone/>
           </a:pPr>
           <a:r>
-            <a:rPr lang="en-US" sz="1900" kern="1200"/>
+            <a:rPr lang="en-US" sz="1700" kern="1200"/>
             <a:t>Objective</a:t>
           </a:r>
         </a:p>
       </dsp:txBody>
       <dsp:txXfrm>
-        <a:off x="4549831" y="21244"/>
-        <a:ext cx="5060713" cy="342172"/>
+        <a:off x="5316891" y="18654"/>
+        <a:ext cx="5927609" cy="318792"/>
       </dsp:txXfrm>
     </dsp:sp>
     <dsp:sp modelId="{633C4CDB-68EC-42E6-B16A-F56E8CD12621}">
@@ -17413,8 +18393,8 @@
       </dsp:nvSpPr>
       <dsp:spPr>
         <a:xfrm>
-          <a:off x="4531320" y="400887"/>
-          <a:ext cx="5097735" cy="379194"/>
+          <a:off x="5299645" y="372357"/>
+          <a:ext cx="5962101" cy="353284"/>
         </a:xfrm>
         <a:prstGeom prst="roundRect">
           <a:avLst/>
@@ -17423,9 +18403,9 @@
           <a:gsLst>
             <a:gs pos="0">
               <a:schemeClr val="accent2">
-                <a:hueOff val="430513"/>
-                <a:satOff val="2246"/>
-                <a:lumOff val="-642"/>
+                <a:hueOff val="394637"/>
+                <a:satOff val="2059"/>
+                <a:lumOff val="-588"/>
                 <a:alphaOff val="0"/>
                 <a:tint val="85000"/>
                 <a:shade val="98000"/>
@@ -17435,9 +18415,9 @@
             </a:gs>
             <a:gs pos="50000">
               <a:schemeClr val="accent2">
-                <a:hueOff val="430513"/>
-                <a:satOff val="2246"/>
-                <a:lumOff val="-642"/>
+                <a:hueOff val="394637"/>
+                <a:satOff val="2059"/>
+                <a:lumOff val="-588"/>
                 <a:alphaOff val="0"/>
                 <a:shade val="85000"/>
                 <a:satMod val="105000"/>
@@ -17446,9 +18426,9 @@
             </a:gs>
             <a:gs pos="100000">
               <a:schemeClr val="accent2">
-                <a:hueOff val="430513"/>
-                <a:satOff val="2246"/>
-                <a:lumOff val="-642"/>
+                <a:hueOff val="394637"/>
+                <a:satOff val="2059"/>
+                <a:lumOff val="-588"/>
                 <a:alphaOff val="0"/>
                 <a:shade val="60000"/>
                 <a:satMod val="120000"/>
@@ -17484,12 +18464,12 @@
         </a:fontRef>
       </dsp:style>
       <dsp:txBody>
-        <a:bodyPr spcFirstLastPara="0" vert="horz" wrap="square" lIns="72390" tIns="36195" rIns="72390" bIns="36195" numCol="1" spcCol="1270" anchor="ctr" anchorCtr="0">
+        <a:bodyPr spcFirstLastPara="0" vert="horz" wrap="square" lIns="64770" tIns="32385" rIns="64770" bIns="32385" numCol="1" spcCol="1270" anchor="ctr" anchorCtr="0">
           <a:noAutofit/>
         </a:bodyPr>
         <a:lstStyle/>
         <a:p>
-          <a:pPr marL="0" lvl="0" indent="0" algn="ctr" defTabSz="844550">
+          <a:pPr marL="0" lvl="0" indent="0" algn="ctr" defTabSz="755650">
             <a:lnSpc>
               <a:spcPct val="90000"/>
             </a:lnSpc>
@@ -17502,25 +18482,25 @@
             <a:buNone/>
           </a:pPr>
           <a:r>
-            <a:rPr lang="en-US" sz="1900" kern="1200"/>
+            <a:rPr lang="en-US" sz="1700" kern="1200"/>
             <a:t>The Problem</a:t>
           </a:r>
         </a:p>
       </dsp:txBody>
       <dsp:txXfrm>
-        <a:off x="4549831" y="419398"/>
-        <a:ext cx="5060713" cy="342172"/>
+        <a:off x="5316891" y="389603"/>
+        <a:ext cx="5927609" cy="318792"/>
       </dsp:txXfrm>
     </dsp:sp>
-    <dsp:sp modelId="{6588EB65-C784-423D-AE18-E3CF6265C1D6}">
+    <dsp:sp modelId="{57C4D296-1E03-4909-9EA2-4B856D90D53A}">
       <dsp:nvSpPr>
         <dsp:cNvPr id="0" name=""/>
         <dsp:cNvSpPr/>
       </dsp:nvSpPr>
       <dsp:spPr>
         <a:xfrm>
-          <a:off x="4531320" y="799042"/>
-          <a:ext cx="5097735" cy="379194"/>
+          <a:off x="5299645" y="743306"/>
+          <a:ext cx="5962101" cy="353284"/>
         </a:xfrm>
         <a:prstGeom prst="roundRect">
           <a:avLst/>
@@ -17529,9 +18509,9 @@
           <a:gsLst>
             <a:gs pos="0">
               <a:schemeClr val="accent2">
-                <a:hueOff val="861025"/>
-                <a:satOff val="4492"/>
-                <a:lumOff val="-1283"/>
+                <a:hueOff val="789273"/>
+                <a:satOff val="4118"/>
+                <a:lumOff val="-1176"/>
                 <a:alphaOff val="0"/>
                 <a:tint val="85000"/>
                 <a:shade val="98000"/>
@@ -17541,9 +18521,9 @@
             </a:gs>
             <a:gs pos="50000">
               <a:schemeClr val="accent2">
-                <a:hueOff val="861025"/>
-                <a:satOff val="4492"/>
-                <a:lumOff val="-1283"/>
+                <a:hueOff val="789273"/>
+                <a:satOff val="4118"/>
+                <a:lumOff val="-1176"/>
                 <a:alphaOff val="0"/>
                 <a:shade val="85000"/>
                 <a:satMod val="105000"/>
@@ -17552,9 +18532,9 @@
             </a:gs>
             <a:gs pos="100000">
               <a:schemeClr val="accent2">
-                <a:hueOff val="861025"/>
-                <a:satOff val="4492"/>
-                <a:lumOff val="-1283"/>
+                <a:hueOff val="789273"/>
+                <a:satOff val="4118"/>
+                <a:lumOff val="-1176"/>
                 <a:alphaOff val="0"/>
                 <a:shade val="60000"/>
                 <a:satMod val="120000"/>
@@ -17590,12 +18570,12 @@
         </a:fontRef>
       </dsp:style>
       <dsp:txBody>
-        <a:bodyPr spcFirstLastPara="0" vert="horz" wrap="square" lIns="72390" tIns="36195" rIns="72390" bIns="36195" numCol="1" spcCol="1270" anchor="ctr" anchorCtr="0">
+        <a:bodyPr spcFirstLastPara="0" vert="horz" wrap="square" lIns="64770" tIns="32385" rIns="64770" bIns="32385" numCol="1" spcCol="1270" anchor="ctr" anchorCtr="0">
           <a:noAutofit/>
         </a:bodyPr>
         <a:lstStyle/>
         <a:p>
-          <a:pPr marL="0" lvl="0" indent="0" algn="ctr" defTabSz="844550">
+          <a:pPr marL="0" lvl="0" indent="0" algn="ctr" defTabSz="755650">
             <a:lnSpc>
               <a:spcPct val="90000"/>
             </a:lnSpc>
@@ -17608,25 +18588,25 @@
             <a:buNone/>
           </a:pPr>
           <a:r>
-            <a:rPr lang="en-US" sz="1900" kern="1200"/>
-            <a:t>Requirements</a:t>
+            <a:rPr lang="en-US" sz="1700" kern="1200"/>
+            <a:t>Client Info</a:t>
           </a:r>
         </a:p>
       </dsp:txBody>
       <dsp:txXfrm>
-        <a:off x="4549831" y="817553"/>
-        <a:ext cx="5060713" cy="342172"/>
+        <a:off x="5316891" y="760552"/>
+        <a:ext cx="5927609" cy="318792"/>
       </dsp:txXfrm>
     </dsp:sp>
-    <dsp:sp modelId="{70189A93-22F1-4B00-BD68-876AE5271AAE}">
+    <dsp:sp modelId="{6588EB65-C784-423D-AE18-E3CF6265C1D6}">
       <dsp:nvSpPr>
         <dsp:cNvPr id="0" name=""/>
         <dsp:cNvSpPr/>
       </dsp:nvSpPr>
       <dsp:spPr>
         <a:xfrm>
-          <a:off x="4531320" y="1197196"/>
-          <a:ext cx="5097735" cy="379194"/>
+          <a:off x="5299645" y="1114255"/>
+          <a:ext cx="5962101" cy="353284"/>
         </a:xfrm>
         <a:prstGeom prst="roundRect">
           <a:avLst/>
@@ -17635,9 +18615,9 @@
           <a:gsLst>
             <a:gs pos="0">
               <a:schemeClr val="accent2">
-                <a:hueOff val="1291538"/>
-                <a:satOff val="6738"/>
-                <a:lumOff val="-1925"/>
+                <a:hueOff val="1183910"/>
+                <a:satOff val="6177"/>
+                <a:lumOff val="-1765"/>
                 <a:alphaOff val="0"/>
                 <a:tint val="85000"/>
                 <a:shade val="98000"/>
@@ -17647,9 +18627,9 @@
             </a:gs>
             <a:gs pos="50000">
               <a:schemeClr val="accent2">
-                <a:hueOff val="1291538"/>
-                <a:satOff val="6738"/>
-                <a:lumOff val="-1925"/>
+                <a:hueOff val="1183910"/>
+                <a:satOff val="6177"/>
+                <a:lumOff val="-1765"/>
                 <a:alphaOff val="0"/>
                 <a:shade val="85000"/>
                 <a:satMod val="105000"/>
@@ -17658,9 +18638,9 @@
             </a:gs>
             <a:gs pos="100000">
               <a:schemeClr val="accent2">
-                <a:hueOff val="1291538"/>
-                <a:satOff val="6738"/>
-                <a:lumOff val="-1925"/>
+                <a:hueOff val="1183910"/>
+                <a:satOff val="6177"/>
+                <a:lumOff val="-1765"/>
                 <a:alphaOff val="0"/>
                 <a:shade val="60000"/>
                 <a:satMod val="120000"/>
@@ -17696,12 +18676,12 @@
         </a:fontRef>
       </dsp:style>
       <dsp:txBody>
-        <a:bodyPr spcFirstLastPara="0" vert="horz" wrap="square" lIns="72390" tIns="36195" rIns="72390" bIns="36195" numCol="1" spcCol="1270" anchor="ctr" anchorCtr="0">
+        <a:bodyPr spcFirstLastPara="0" vert="horz" wrap="square" lIns="64770" tIns="32385" rIns="64770" bIns="32385" numCol="1" spcCol="1270" anchor="ctr" anchorCtr="0">
           <a:noAutofit/>
         </a:bodyPr>
         <a:lstStyle/>
         <a:p>
-          <a:pPr marL="0" lvl="0" indent="0" algn="ctr" defTabSz="844550">
+          <a:pPr marL="0" lvl="0" indent="0" algn="ctr" defTabSz="755650">
             <a:lnSpc>
               <a:spcPct val="90000"/>
             </a:lnSpc>
@@ -17714,25 +18694,25 @@
             <a:buNone/>
           </a:pPr>
           <a:r>
-            <a:rPr lang="en-US" sz="1900" kern="1200"/>
-            <a:t>Design Decisions</a:t>
+            <a:rPr lang="en-US" sz="1700" kern="1200"/>
+            <a:t>Requirements</a:t>
           </a:r>
         </a:p>
       </dsp:txBody>
       <dsp:txXfrm>
-        <a:off x="4549831" y="1215707"/>
-        <a:ext cx="5060713" cy="342172"/>
+        <a:off x="5316891" y="1131501"/>
+        <a:ext cx="5927609" cy="318792"/>
       </dsp:txXfrm>
     </dsp:sp>
-    <dsp:sp modelId="{EE701881-66BD-4374-B4D0-2A2095722C05}">
+    <dsp:sp modelId="{70189A93-22F1-4B00-BD68-876AE5271AAE}">
       <dsp:nvSpPr>
         <dsp:cNvPr id="0" name=""/>
         <dsp:cNvSpPr/>
       </dsp:nvSpPr>
       <dsp:spPr>
         <a:xfrm>
-          <a:off x="4531320" y="1595350"/>
-          <a:ext cx="5097735" cy="379194"/>
+          <a:off x="5299645" y="1485205"/>
+          <a:ext cx="5962101" cy="353284"/>
         </a:xfrm>
         <a:prstGeom prst="roundRect">
           <a:avLst/>
@@ -17741,9 +18721,9 @@
           <a:gsLst>
             <a:gs pos="0">
               <a:schemeClr val="accent2">
-                <a:hueOff val="1722050"/>
-                <a:satOff val="8984"/>
-                <a:lumOff val="-2567"/>
+                <a:hueOff val="1578546"/>
+                <a:satOff val="8236"/>
+                <a:lumOff val="-2353"/>
                 <a:alphaOff val="0"/>
                 <a:tint val="85000"/>
                 <a:shade val="98000"/>
@@ -17753,9 +18733,9 @@
             </a:gs>
             <a:gs pos="50000">
               <a:schemeClr val="accent2">
-                <a:hueOff val="1722050"/>
-                <a:satOff val="8984"/>
-                <a:lumOff val="-2567"/>
+                <a:hueOff val="1578546"/>
+                <a:satOff val="8236"/>
+                <a:lumOff val="-2353"/>
                 <a:alphaOff val="0"/>
                 <a:shade val="85000"/>
                 <a:satMod val="105000"/>
@@ -17764,9 +18744,9 @@
             </a:gs>
             <a:gs pos="100000">
               <a:schemeClr val="accent2">
-                <a:hueOff val="1722050"/>
-                <a:satOff val="8984"/>
-                <a:lumOff val="-2567"/>
+                <a:hueOff val="1578546"/>
+                <a:satOff val="8236"/>
+                <a:lumOff val="-2353"/>
                 <a:alphaOff val="0"/>
                 <a:shade val="60000"/>
                 <a:satMod val="120000"/>
@@ -17802,12 +18782,12 @@
         </a:fontRef>
       </dsp:style>
       <dsp:txBody>
-        <a:bodyPr spcFirstLastPara="0" vert="horz" wrap="square" lIns="72390" tIns="36195" rIns="72390" bIns="36195" numCol="1" spcCol="1270" anchor="ctr" anchorCtr="0">
+        <a:bodyPr spcFirstLastPara="0" vert="horz" wrap="square" lIns="64770" tIns="32385" rIns="64770" bIns="32385" numCol="1" spcCol="1270" anchor="ctr" anchorCtr="0">
           <a:noAutofit/>
         </a:bodyPr>
         <a:lstStyle/>
         <a:p>
-          <a:pPr marL="0" lvl="0" indent="0" algn="ctr" defTabSz="844550">
+          <a:pPr marL="0" lvl="0" indent="0" algn="ctr" defTabSz="755650">
             <a:lnSpc>
               <a:spcPct val="90000"/>
             </a:lnSpc>
@@ -17820,25 +18800,25 @@
             <a:buNone/>
           </a:pPr>
           <a:r>
-            <a:rPr lang="en-US" sz="1900" kern="1200"/>
-            <a:t>Design</a:t>
+            <a:rPr lang="en-US" sz="1700" kern="1200"/>
+            <a:t>Design Decisions</a:t>
           </a:r>
         </a:p>
       </dsp:txBody>
       <dsp:txXfrm>
-        <a:off x="4549831" y="1613861"/>
-        <a:ext cx="5060713" cy="342172"/>
+        <a:off x="5316891" y="1502451"/>
+        <a:ext cx="5927609" cy="318792"/>
       </dsp:txXfrm>
     </dsp:sp>
-    <dsp:sp modelId="{356775C3-4D34-450A-8B44-7D86E93032A5}">
+    <dsp:sp modelId="{EE701881-66BD-4374-B4D0-2A2095722C05}">
       <dsp:nvSpPr>
         <dsp:cNvPr id="0" name=""/>
         <dsp:cNvSpPr/>
       </dsp:nvSpPr>
       <dsp:spPr>
         <a:xfrm>
-          <a:off x="4531320" y="1993505"/>
-          <a:ext cx="5097735" cy="379194"/>
+          <a:off x="5299645" y="1856154"/>
+          <a:ext cx="5962101" cy="353284"/>
         </a:xfrm>
         <a:prstGeom prst="roundRect">
           <a:avLst/>
@@ -17847,9 +18827,9 @@
           <a:gsLst>
             <a:gs pos="0">
               <a:schemeClr val="accent2">
-                <a:hueOff val="2152563"/>
-                <a:satOff val="11230"/>
-                <a:lumOff val="-3208"/>
+                <a:hueOff val="1973183"/>
+                <a:satOff val="10295"/>
+                <a:lumOff val="-2941"/>
                 <a:alphaOff val="0"/>
                 <a:tint val="85000"/>
                 <a:shade val="98000"/>
@@ -17859,9 +18839,9 @@
             </a:gs>
             <a:gs pos="50000">
               <a:schemeClr val="accent2">
-                <a:hueOff val="2152563"/>
-                <a:satOff val="11230"/>
-                <a:lumOff val="-3208"/>
+                <a:hueOff val="1973183"/>
+                <a:satOff val="10295"/>
+                <a:lumOff val="-2941"/>
                 <a:alphaOff val="0"/>
                 <a:shade val="85000"/>
                 <a:satMod val="105000"/>
@@ -17870,9 +18850,9 @@
             </a:gs>
             <a:gs pos="100000">
               <a:schemeClr val="accent2">
-                <a:hueOff val="2152563"/>
-                <a:satOff val="11230"/>
-                <a:lumOff val="-3208"/>
+                <a:hueOff val="1973183"/>
+                <a:satOff val="10295"/>
+                <a:lumOff val="-2941"/>
                 <a:alphaOff val="0"/>
                 <a:shade val="60000"/>
                 <a:satMod val="120000"/>
@@ -17908,12 +18888,12 @@
         </a:fontRef>
       </dsp:style>
       <dsp:txBody>
-        <a:bodyPr spcFirstLastPara="0" vert="horz" wrap="square" lIns="72390" tIns="36195" rIns="72390" bIns="36195" numCol="1" spcCol="1270" anchor="ctr" anchorCtr="0">
+        <a:bodyPr spcFirstLastPara="0" vert="horz" wrap="square" lIns="64770" tIns="32385" rIns="64770" bIns="32385" numCol="1" spcCol="1270" anchor="ctr" anchorCtr="0">
           <a:noAutofit/>
         </a:bodyPr>
         <a:lstStyle/>
         <a:p>
-          <a:pPr marL="0" lvl="0" indent="0" algn="ctr" defTabSz="844550">
+          <a:pPr marL="0" lvl="0" indent="0" algn="ctr" defTabSz="755650">
             <a:lnSpc>
               <a:spcPct val="90000"/>
             </a:lnSpc>
@@ -17926,25 +18906,25 @@
             <a:buNone/>
           </a:pPr>
           <a:r>
-            <a:rPr lang="en-US" sz="1900" kern="1200"/>
-            <a:t>Implementation</a:t>
+            <a:rPr lang="en-US" sz="1700" kern="1200"/>
+            <a:t>Design</a:t>
           </a:r>
         </a:p>
       </dsp:txBody>
       <dsp:txXfrm>
-        <a:off x="4549831" y="2012016"/>
-        <a:ext cx="5060713" cy="342172"/>
+        <a:off x="5316891" y="1873400"/>
+        <a:ext cx="5927609" cy="318792"/>
       </dsp:txXfrm>
     </dsp:sp>
-    <dsp:sp modelId="{D22C1773-3F60-41BD-805D-C07FE4D5F633}">
+    <dsp:sp modelId="{356775C3-4D34-450A-8B44-7D86E93032A5}">
       <dsp:nvSpPr>
         <dsp:cNvPr id="0" name=""/>
         <dsp:cNvSpPr/>
       </dsp:nvSpPr>
       <dsp:spPr>
         <a:xfrm>
-          <a:off x="4531320" y="2391659"/>
-          <a:ext cx="5097735" cy="379194"/>
+          <a:off x="5299645" y="2227103"/>
+          <a:ext cx="5962101" cy="353284"/>
         </a:xfrm>
         <a:prstGeom prst="roundRect">
           <a:avLst/>
@@ -17953,9 +18933,9 @@
           <a:gsLst>
             <a:gs pos="0">
               <a:schemeClr val="accent2">
-                <a:hueOff val="2583075"/>
-                <a:satOff val="13477"/>
-                <a:lumOff val="-3850"/>
+                <a:hueOff val="2367819"/>
+                <a:satOff val="12354"/>
+                <a:lumOff val="-3529"/>
                 <a:alphaOff val="0"/>
                 <a:tint val="85000"/>
                 <a:shade val="98000"/>
@@ -17965,9 +18945,9 @@
             </a:gs>
             <a:gs pos="50000">
               <a:schemeClr val="accent2">
-                <a:hueOff val="2583075"/>
-                <a:satOff val="13477"/>
-                <a:lumOff val="-3850"/>
+                <a:hueOff val="2367819"/>
+                <a:satOff val="12354"/>
+                <a:lumOff val="-3529"/>
                 <a:alphaOff val="0"/>
                 <a:shade val="85000"/>
                 <a:satMod val="105000"/>
@@ -17976,9 +18956,9 @@
             </a:gs>
             <a:gs pos="100000">
               <a:schemeClr val="accent2">
-                <a:hueOff val="2583075"/>
-                <a:satOff val="13477"/>
-                <a:lumOff val="-3850"/>
+                <a:hueOff val="2367819"/>
+                <a:satOff val="12354"/>
+                <a:lumOff val="-3529"/>
                 <a:alphaOff val="0"/>
                 <a:shade val="60000"/>
                 <a:satMod val="120000"/>
@@ -18014,12 +18994,12 @@
         </a:fontRef>
       </dsp:style>
       <dsp:txBody>
-        <a:bodyPr spcFirstLastPara="0" vert="horz" wrap="square" lIns="72390" tIns="36195" rIns="72390" bIns="36195" numCol="1" spcCol="1270" anchor="ctr" anchorCtr="0">
+        <a:bodyPr spcFirstLastPara="0" vert="horz" wrap="square" lIns="64770" tIns="32385" rIns="64770" bIns="32385" numCol="1" spcCol="1270" anchor="ctr" anchorCtr="0">
           <a:noAutofit/>
         </a:bodyPr>
         <a:lstStyle/>
         <a:p>
-          <a:pPr marL="0" lvl="0" indent="0" algn="ctr" defTabSz="844550">
+          <a:pPr marL="0" lvl="0" indent="0" algn="ctr" defTabSz="755650">
             <a:lnSpc>
               <a:spcPct val="90000"/>
             </a:lnSpc>
@@ -18032,25 +19012,25 @@
             <a:buNone/>
           </a:pPr>
           <a:r>
-            <a:rPr lang="en-US" sz="1900" kern="1200"/>
-            <a:t>Dependencies</a:t>
+            <a:rPr lang="en-US" sz="1700" kern="1200"/>
+            <a:t>Implementation</a:t>
           </a:r>
         </a:p>
       </dsp:txBody>
       <dsp:txXfrm>
-        <a:off x="4549831" y="2410170"/>
-        <a:ext cx="5060713" cy="342172"/>
+        <a:off x="5316891" y="2244349"/>
+        <a:ext cx="5927609" cy="318792"/>
       </dsp:txXfrm>
     </dsp:sp>
-    <dsp:sp modelId="{18232ADC-C076-49B0-9CD3-41278FA6D915}">
+    <dsp:sp modelId="{D22C1773-3F60-41BD-805D-C07FE4D5F633}">
       <dsp:nvSpPr>
         <dsp:cNvPr id="0" name=""/>
         <dsp:cNvSpPr/>
       </dsp:nvSpPr>
       <dsp:spPr>
         <a:xfrm>
-          <a:off x="4531320" y="2789813"/>
-          <a:ext cx="5097735" cy="379194"/>
+          <a:off x="5299645" y="2598052"/>
+          <a:ext cx="5962101" cy="353284"/>
         </a:xfrm>
         <a:prstGeom prst="roundRect">
           <a:avLst/>
@@ -18059,9 +19039,9 @@
           <a:gsLst>
             <a:gs pos="0">
               <a:schemeClr val="accent2">
-                <a:hueOff val="3013588"/>
-                <a:satOff val="15723"/>
-                <a:lumOff val="-4491"/>
+                <a:hueOff val="2762456"/>
+                <a:satOff val="14412"/>
+                <a:lumOff val="-4117"/>
                 <a:alphaOff val="0"/>
                 <a:tint val="85000"/>
                 <a:shade val="98000"/>
@@ -18071,9 +19051,9 @@
             </a:gs>
             <a:gs pos="50000">
               <a:schemeClr val="accent2">
-                <a:hueOff val="3013588"/>
-                <a:satOff val="15723"/>
-                <a:lumOff val="-4491"/>
+                <a:hueOff val="2762456"/>
+                <a:satOff val="14412"/>
+                <a:lumOff val="-4117"/>
                 <a:alphaOff val="0"/>
                 <a:shade val="85000"/>
                 <a:satMod val="105000"/>
@@ -18082,9 +19062,9 @@
             </a:gs>
             <a:gs pos="100000">
               <a:schemeClr val="accent2">
-                <a:hueOff val="3013588"/>
-                <a:satOff val="15723"/>
-                <a:lumOff val="-4491"/>
+                <a:hueOff val="2762456"/>
+                <a:satOff val="14412"/>
+                <a:lumOff val="-4117"/>
                 <a:alphaOff val="0"/>
                 <a:shade val="60000"/>
                 <a:satMod val="120000"/>
@@ -18120,12 +19100,12 @@
         </a:fontRef>
       </dsp:style>
       <dsp:txBody>
-        <a:bodyPr spcFirstLastPara="0" vert="horz" wrap="square" lIns="72390" tIns="36195" rIns="72390" bIns="36195" numCol="1" spcCol="1270" anchor="ctr" anchorCtr="0">
+        <a:bodyPr spcFirstLastPara="0" vert="horz" wrap="square" lIns="64770" tIns="32385" rIns="64770" bIns="32385" numCol="1" spcCol="1270" anchor="ctr" anchorCtr="0">
           <a:noAutofit/>
         </a:bodyPr>
         <a:lstStyle/>
         <a:p>
-          <a:pPr marL="0" lvl="0" indent="0" algn="ctr" defTabSz="844550">
+          <a:pPr marL="0" lvl="0" indent="0" algn="ctr" defTabSz="755650">
             <a:lnSpc>
               <a:spcPct val="90000"/>
             </a:lnSpc>
@@ -18138,25 +19118,25 @@
             <a:buNone/>
           </a:pPr>
           <a:r>
-            <a:rPr lang="en-US" sz="1900" kern="1200"/>
-            <a:t>Demo</a:t>
+            <a:rPr lang="en-US" sz="1700" kern="1200"/>
+            <a:t>Dependencies</a:t>
           </a:r>
         </a:p>
       </dsp:txBody>
       <dsp:txXfrm>
-        <a:off x="4549831" y="2808324"/>
-        <a:ext cx="5060713" cy="342172"/>
+        <a:off x="5316891" y="2615298"/>
+        <a:ext cx="5927609" cy="318792"/>
       </dsp:txXfrm>
     </dsp:sp>
-    <dsp:sp modelId="{C2175BCC-CBB7-4BF3-9511-2D8C3F0FE10F}">
+    <dsp:sp modelId="{18232ADC-C076-49B0-9CD3-41278FA6D915}">
       <dsp:nvSpPr>
         <dsp:cNvPr id="0" name=""/>
         <dsp:cNvSpPr/>
       </dsp:nvSpPr>
       <dsp:spPr>
         <a:xfrm>
-          <a:off x="4531320" y="3187968"/>
-          <a:ext cx="5097735" cy="379194"/>
+          <a:off x="5299645" y="2969001"/>
+          <a:ext cx="5962101" cy="353284"/>
         </a:xfrm>
         <a:prstGeom prst="roundRect">
           <a:avLst/>
@@ -18165,9 +19145,9 @@
           <a:gsLst>
             <a:gs pos="0">
               <a:schemeClr val="accent2">
-                <a:hueOff val="3444101"/>
-                <a:satOff val="17969"/>
-                <a:lumOff val="-5133"/>
+                <a:hueOff val="3157092"/>
+                <a:satOff val="16471"/>
+                <a:lumOff val="-4705"/>
                 <a:alphaOff val="0"/>
                 <a:tint val="85000"/>
                 <a:shade val="98000"/>
@@ -18177,9 +19157,9 @@
             </a:gs>
             <a:gs pos="50000">
               <a:schemeClr val="accent2">
-                <a:hueOff val="3444101"/>
-                <a:satOff val="17969"/>
-                <a:lumOff val="-5133"/>
+                <a:hueOff val="3157092"/>
+                <a:satOff val="16471"/>
+                <a:lumOff val="-4705"/>
                 <a:alphaOff val="0"/>
                 <a:shade val="85000"/>
                 <a:satMod val="105000"/>
@@ -18188,9 +19168,9 @@
             </a:gs>
             <a:gs pos="100000">
               <a:schemeClr val="accent2">
-                <a:hueOff val="3444101"/>
-                <a:satOff val="17969"/>
-                <a:lumOff val="-5133"/>
+                <a:hueOff val="3157092"/>
+                <a:satOff val="16471"/>
+                <a:lumOff val="-4705"/>
                 <a:alphaOff val="0"/>
                 <a:shade val="60000"/>
                 <a:satMod val="120000"/>
@@ -18226,12 +19206,12 @@
         </a:fontRef>
       </dsp:style>
       <dsp:txBody>
-        <a:bodyPr spcFirstLastPara="0" vert="horz" wrap="square" lIns="72390" tIns="36195" rIns="72390" bIns="36195" numCol="1" spcCol="1270" anchor="ctr" anchorCtr="0">
+        <a:bodyPr spcFirstLastPara="0" vert="horz" wrap="square" lIns="64770" tIns="32385" rIns="64770" bIns="32385" numCol="1" spcCol="1270" anchor="ctr" anchorCtr="0">
           <a:noAutofit/>
         </a:bodyPr>
         <a:lstStyle/>
         <a:p>
-          <a:pPr marL="0" lvl="0" indent="0" algn="ctr" defTabSz="844550">
+          <a:pPr marL="0" lvl="0" indent="0" algn="ctr" defTabSz="755650">
             <a:lnSpc>
               <a:spcPct val="90000"/>
             </a:lnSpc>
@@ -18244,25 +19224,25 @@
             <a:buNone/>
           </a:pPr>
           <a:r>
-            <a:rPr lang="en-US" sz="1900" kern="1200"/>
-            <a:t>Testing</a:t>
+            <a:rPr lang="en-US" sz="1700" kern="1200"/>
+            <a:t>Demo</a:t>
           </a:r>
         </a:p>
       </dsp:txBody>
       <dsp:txXfrm>
-        <a:off x="4549831" y="3206479"/>
-        <a:ext cx="5060713" cy="342172"/>
+        <a:off x="5316891" y="2986247"/>
+        <a:ext cx="5927609" cy="318792"/>
       </dsp:txXfrm>
     </dsp:sp>
-    <dsp:sp modelId="{1A5ED826-5D00-4CB2-87B5-BEC5EC62E772}">
+    <dsp:sp modelId="{C2175BCC-CBB7-4BF3-9511-2D8C3F0FE10F}">
       <dsp:nvSpPr>
         <dsp:cNvPr id="0" name=""/>
         <dsp:cNvSpPr/>
       </dsp:nvSpPr>
       <dsp:spPr>
         <a:xfrm>
-          <a:off x="4531320" y="3586122"/>
-          <a:ext cx="5097735" cy="379194"/>
+          <a:off x="5299645" y="3339951"/>
+          <a:ext cx="5962101" cy="353284"/>
         </a:xfrm>
         <a:prstGeom prst="roundRect">
           <a:avLst/>
@@ -18271,9 +19251,9 @@
           <a:gsLst>
             <a:gs pos="0">
               <a:schemeClr val="accent2">
-                <a:hueOff val="3874613"/>
-                <a:satOff val="20215"/>
-                <a:lumOff val="-5775"/>
+                <a:hueOff val="3551729"/>
+                <a:satOff val="18530"/>
+                <a:lumOff val="-5294"/>
                 <a:alphaOff val="0"/>
                 <a:tint val="85000"/>
                 <a:shade val="98000"/>
@@ -18283,9 +19263,9 @@
             </a:gs>
             <a:gs pos="50000">
               <a:schemeClr val="accent2">
-                <a:hueOff val="3874613"/>
-                <a:satOff val="20215"/>
-                <a:lumOff val="-5775"/>
+                <a:hueOff val="3551729"/>
+                <a:satOff val="18530"/>
+                <a:lumOff val="-5294"/>
                 <a:alphaOff val="0"/>
                 <a:shade val="85000"/>
                 <a:satMod val="105000"/>
@@ -18294,9 +19274,9 @@
             </a:gs>
             <a:gs pos="100000">
               <a:schemeClr val="accent2">
-                <a:hueOff val="3874613"/>
-                <a:satOff val="20215"/>
-                <a:lumOff val="-5775"/>
+                <a:hueOff val="3551729"/>
+                <a:satOff val="18530"/>
+                <a:lumOff val="-5294"/>
                 <a:alphaOff val="0"/>
                 <a:shade val="60000"/>
                 <a:satMod val="120000"/>
@@ -18332,12 +19312,12 @@
         </a:fontRef>
       </dsp:style>
       <dsp:txBody>
-        <a:bodyPr spcFirstLastPara="0" vert="horz" wrap="square" lIns="72390" tIns="36195" rIns="72390" bIns="36195" numCol="1" spcCol="1270" anchor="ctr" anchorCtr="0">
+        <a:bodyPr spcFirstLastPara="0" vert="horz" wrap="square" lIns="64770" tIns="32385" rIns="64770" bIns="32385" numCol="1" spcCol="1270" anchor="ctr" anchorCtr="0">
           <a:noAutofit/>
         </a:bodyPr>
         <a:lstStyle/>
         <a:p>
-          <a:pPr marL="0" lvl="0" indent="0" algn="ctr" defTabSz="844550">
+          <a:pPr marL="0" lvl="0" indent="0" algn="ctr" defTabSz="755650">
             <a:lnSpc>
               <a:spcPct val="90000"/>
             </a:lnSpc>
@@ -18350,25 +19330,25 @@
             <a:buNone/>
           </a:pPr>
           <a:r>
-            <a:rPr lang="en-US" sz="1900" kern="1200"/>
-            <a:t>Maintainability</a:t>
+            <a:rPr lang="en-US" sz="1700" kern="1200"/>
+            <a:t>Testing</a:t>
           </a:r>
         </a:p>
       </dsp:txBody>
       <dsp:txXfrm>
-        <a:off x="4549831" y="3604633"/>
-        <a:ext cx="5060713" cy="342172"/>
+        <a:off x="5316891" y="3357197"/>
+        <a:ext cx="5927609" cy="318792"/>
       </dsp:txXfrm>
     </dsp:sp>
-    <dsp:sp modelId="{9A56D476-57EC-4DAE-8286-533FD3497850}">
+    <dsp:sp modelId="{1A5ED826-5D00-4CB2-87B5-BEC5EC62E772}">
       <dsp:nvSpPr>
         <dsp:cNvPr id="0" name=""/>
         <dsp:cNvSpPr/>
       </dsp:nvSpPr>
       <dsp:spPr>
         <a:xfrm>
-          <a:off x="4531320" y="3984276"/>
-          <a:ext cx="5097735" cy="379194"/>
+          <a:off x="5299645" y="3710900"/>
+          <a:ext cx="5962101" cy="353284"/>
         </a:xfrm>
         <a:prstGeom prst="roundRect">
           <a:avLst/>
@@ -18377,9 +19357,9 @@
           <a:gsLst>
             <a:gs pos="0">
               <a:schemeClr val="accent2">
-                <a:hueOff val="4305126"/>
-                <a:satOff val="22461"/>
-                <a:lumOff val="-6416"/>
+                <a:hueOff val="3946365"/>
+                <a:satOff val="20589"/>
+                <a:lumOff val="-5882"/>
                 <a:alphaOff val="0"/>
                 <a:tint val="85000"/>
                 <a:shade val="98000"/>
@@ -18389,9 +19369,9 @@
             </a:gs>
             <a:gs pos="50000">
               <a:schemeClr val="accent2">
-                <a:hueOff val="4305126"/>
-                <a:satOff val="22461"/>
-                <a:lumOff val="-6416"/>
+                <a:hueOff val="3946365"/>
+                <a:satOff val="20589"/>
+                <a:lumOff val="-5882"/>
                 <a:alphaOff val="0"/>
                 <a:shade val="85000"/>
                 <a:satMod val="105000"/>
@@ -18400,9 +19380,9 @@
             </a:gs>
             <a:gs pos="100000">
               <a:schemeClr val="accent2">
-                <a:hueOff val="4305126"/>
-                <a:satOff val="22461"/>
-                <a:lumOff val="-6416"/>
+                <a:hueOff val="3946365"/>
+                <a:satOff val="20589"/>
+                <a:lumOff val="-5882"/>
                 <a:alphaOff val="0"/>
                 <a:shade val="60000"/>
                 <a:satMod val="120000"/>
@@ -18438,12 +19418,12 @@
         </a:fontRef>
       </dsp:style>
       <dsp:txBody>
-        <a:bodyPr spcFirstLastPara="0" vert="horz" wrap="square" lIns="72390" tIns="36195" rIns="72390" bIns="36195" numCol="1" spcCol="1270" anchor="ctr" anchorCtr="0">
+        <a:bodyPr spcFirstLastPara="0" vert="horz" wrap="square" lIns="64770" tIns="32385" rIns="64770" bIns="32385" numCol="1" spcCol="1270" anchor="ctr" anchorCtr="0">
           <a:noAutofit/>
         </a:bodyPr>
         <a:lstStyle/>
         <a:p>
-          <a:pPr marL="0" lvl="0" indent="0" algn="ctr" defTabSz="844550">
+          <a:pPr marL="0" lvl="0" indent="0" algn="ctr" defTabSz="755650">
             <a:lnSpc>
               <a:spcPct val="90000"/>
             </a:lnSpc>
@@ -18456,14 +19436,120 @@
             <a:buNone/>
           </a:pPr>
           <a:r>
-            <a:rPr lang="en-US" sz="1900" kern="1200"/>
+            <a:rPr lang="en-US" sz="1700" kern="1200"/>
+            <a:t>Maintainability</a:t>
+          </a:r>
+        </a:p>
+      </dsp:txBody>
+      <dsp:txXfrm>
+        <a:off x="5316891" y="3728146"/>
+        <a:ext cx="5927609" cy="318792"/>
+      </dsp:txXfrm>
+    </dsp:sp>
+    <dsp:sp modelId="{9A56D476-57EC-4DAE-8286-533FD3497850}">
+      <dsp:nvSpPr>
+        <dsp:cNvPr id="0" name=""/>
+        <dsp:cNvSpPr/>
+      </dsp:nvSpPr>
+      <dsp:spPr>
+        <a:xfrm>
+          <a:off x="5299645" y="4081849"/>
+          <a:ext cx="5962101" cy="353284"/>
+        </a:xfrm>
+        <a:prstGeom prst="roundRect">
+          <a:avLst/>
+        </a:prstGeom>
+        <a:gradFill rotWithShape="0">
+          <a:gsLst>
+            <a:gs pos="0">
+              <a:schemeClr val="accent2">
+                <a:hueOff val="4341002"/>
+                <a:satOff val="22648"/>
+                <a:lumOff val="-6470"/>
+                <a:alphaOff val="0"/>
+                <a:tint val="85000"/>
+                <a:shade val="98000"/>
+                <a:satMod val="110000"/>
+                <a:lumMod val="103000"/>
+              </a:schemeClr>
+            </a:gs>
+            <a:gs pos="50000">
+              <a:schemeClr val="accent2">
+                <a:hueOff val="4341002"/>
+                <a:satOff val="22648"/>
+                <a:lumOff val="-6470"/>
+                <a:alphaOff val="0"/>
+                <a:shade val="85000"/>
+                <a:satMod val="105000"/>
+                <a:lumMod val="100000"/>
+              </a:schemeClr>
+            </a:gs>
+            <a:gs pos="100000">
+              <a:schemeClr val="accent2">
+                <a:hueOff val="4341002"/>
+                <a:satOff val="22648"/>
+                <a:lumOff val="-6470"/>
+                <a:alphaOff val="0"/>
+                <a:shade val="60000"/>
+                <a:satMod val="120000"/>
+                <a:lumMod val="100000"/>
+              </a:schemeClr>
+            </a:gs>
+          </a:gsLst>
+          <a:lin ang="5400000" scaled="0"/>
+        </a:gradFill>
+        <a:ln>
+          <a:noFill/>
+        </a:ln>
+        <a:effectLst>
+          <a:outerShdw blurRad="50800" dist="15875" dir="5400000" algn="ctr" rotWithShape="0">
+            <a:srgbClr val="000000">
+              <a:alpha val="68000"/>
+            </a:srgbClr>
+          </a:outerShdw>
+        </a:effectLst>
+      </dsp:spPr>
+      <dsp:style>
+        <a:lnRef idx="0">
+          <a:scrgbClr r="0" g="0" b="0"/>
+        </a:lnRef>
+        <a:fillRef idx="3">
+          <a:scrgbClr r="0" g="0" b="0"/>
+        </a:fillRef>
+        <a:effectRef idx="2">
+          <a:scrgbClr r="0" g="0" b="0"/>
+        </a:effectRef>
+        <a:fontRef idx="minor">
+          <a:schemeClr val="lt1"/>
+        </a:fontRef>
+      </dsp:style>
+      <dsp:txBody>
+        <a:bodyPr spcFirstLastPara="0" vert="horz" wrap="square" lIns="64770" tIns="32385" rIns="64770" bIns="32385" numCol="1" spcCol="1270" anchor="ctr" anchorCtr="0">
+          <a:noAutofit/>
+        </a:bodyPr>
+        <a:lstStyle/>
+        <a:p>
+          <a:pPr marL="0" lvl="0" indent="0" algn="ctr" defTabSz="755650">
+            <a:lnSpc>
+              <a:spcPct val="90000"/>
+            </a:lnSpc>
+            <a:spcBef>
+              <a:spcPct val="0"/>
+            </a:spcBef>
+            <a:spcAft>
+              <a:spcPct val="35000"/>
+            </a:spcAft>
+            <a:buNone/>
+          </a:pPr>
+          <a:r>
+            <a:rPr lang="en-US" sz="1700" kern="1200"/>
             <a:t>Achieved Goals</a:t>
           </a:r>
         </a:p>
       </dsp:txBody>
       <dsp:txXfrm>
-        <a:off x="4549831" y="4002787"/>
-        <a:ext cx="5060713" cy="342172"/>
+        <a:off x="5316891" y="4099095"/>
+        <a:ext cx="5927609" cy="318792"/>
       </dsp:txXfrm>
     </dsp:sp>
     <dsp:sp modelId="{DD9B7236-1E08-409A-9F65-F940323D19C0}">
@@ -18473,8 +19559,8 @@
       </dsp:nvSpPr>
       <dsp:spPr>
         <a:xfrm>
-          <a:off x="4531320" y="4382430"/>
-          <a:ext cx="5097735" cy="379194"/>
+          <a:off x="5299645" y="4452798"/>
+          <a:ext cx="5962101" cy="353284"/>
         </a:xfrm>
         <a:prstGeom prst="roundRect">
           <a:avLst/>
@@ -18544,12 +19630,12 @@
         </a:fontRef>
       </dsp:style>
       <dsp:txBody>
-        <a:bodyPr spcFirstLastPara="0" vert="horz" wrap="square" lIns="72390" tIns="36195" rIns="72390" bIns="36195" numCol="1" spcCol="1270" anchor="ctr" anchorCtr="0">
+        <a:bodyPr spcFirstLastPara="0" vert="horz" wrap="square" lIns="64770" tIns="32385" rIns="64770" bIns="32385" numCol="1" spcCol="1270" anchor="ctr" anchorCtr="0">
           <a:noAutofit/>
         </a:bodyPr>
         <a:lstStyle/>
         <a:p>
-          <a:pPr marL="0" lvl="0" indent="0" algn="ctr" defTabSz="844550">
+          <a:pPr marL="0" lvl="0" indent="0" algn="ctr" defTabSz="755650">
             <a:lnSpc>
               <a:spcPct val="90000"/>
             </a:lnSpc>
@@ -18562,14 +19648,14 @@
             <a:buNone/>
           </a:pPr>
           <a:r>
-            <a:rPr lang="en-US" sz="1900" kern="1200"/>
+            <a:rPr lang="en-US" sz="1700" kern="1200"/>
             <a:t>Conclusion</a:t>
           </a:r>
         </a:p>
       </dsp:txBody>
       <dsp:txXfrm>
-        <a:off x="4549831" y="4400941"/>
-        <a:ext cx="5060713" cy="342172"/>
+        <a:off x="5316891" y="4470044"/>
+        <a:ext cx="5927609" cy="318792"/>
       </dsp:txXfrm>
     </dsp:sp>
   </dsp:spTree>
@@ -21643,6 +22729,236 @@
       <dsp:txXfrm>
         <a:off x="6726337" y="790874"/>
         <a:ext cx="3057425" cy="1834455"/>
+      </dsp:txXfrm>
+    </dsp:sp>
+  </dsp:spTree>
+</dsp:drawing>
+</file>
+
+<file path=ppt/diagrams/drawing16.xml><?xml version="1.0" encoding="utf-8"?>
+<dsp:drawing xmlns:dgm="http://schemas.openxmlformats.org/drawingml/2006/diagram" xmlns:dsp="http://schemas.microsoft.com/office/drawing/2008/diagram" xmlns:a="http://schemas.openxmlformats.org/drawingml/2006/main">
+  <dsp:spTree>
+    <dsp:nvGrpSpPr>
+      <dsp:cNvPr id="0" name=""/>
+      <dsp:cNvGrpSpPr/>
+    </dsp:nvGrpSpPr>
+    <dsp:grpSpPr/>
+    <dsp:sp modelId="{5A27C5F5-23B6-4F45-823A-8F5E25CB4C94}">
+      <dsp:nvSpPr>
+        <dsp:cNvPr id="0" name=""/>
+        <dsp:cNvSpPr/>
+      </dsp:nvSpPr>
+      <dsp:spPr>
+        <a:xfrm>
+          <a:off x="0" y="0"/>
+          <a:ext cx="9783763" cy="0"/>
+        </a:xfrm>
+        <a:prstGeom prst="line">
+          <a:avLst/>
+        </a:prstGeom>
+        <a:solidFill>
+          <a:schemeClr val="accent2">
+            <a:hueOff val="0"/>
+            <a:satOff val="0"/>
+            <a:lumOff val="0"/>
+            <a:alphaOff val="0"/>
+          </a:schemeClr>
+        </a:solidFill>
+        <a:ln w="12700" cap="flat" cmpd="sng" algn="ctr">
+          <a:solidFill>
+            <a:schemeClr val="accent2">
+              <a:hueOff val="0"/>
+              <a:satOff val="0"/>
+              <a:lumOff val="0"/>
+              <a:alphaOff val="0"/>
+            </a:schemeClr>
+          </a:solidFill>
+          <a:prstDash val="solid"/>
+        </a:ln>
+        <a:effectLst/>
+      </dsp:spPr>
+      <dsp:style>
+        <a:lnRef idx="2">
+          <a:scrgbClr r="0" g="0" b="0"/>
+        </a:lnRef>
+        <a:fillRef idx="1">
+          <a:scrgbClr r="0" g="0" b="0"/>
+        </a:fillRef>
+        <a:effectRef idx="0">
+          <a:scrgbClr r="0" g="0" b="0"/>
+        </a:effectRef>
+        <a:fontRef idx="minor">
+          <a:schemeClr val="lt1"/>
+        </a:fontRef>
+      </dsp:style>
+    </dsp:sp>
+    <dsp:sp modelId="{7B820E58-8935-4162-B0A9-66A2EDC98EF6}">
+      <dsp:nvSpPr>
+        <dsp:cNvPr id="0" name=""/>
+        <dsp:cNvSpPr/>
+      </dsp:nvSpPr>
+      <dsp:spPr>
+        <a:xfrm>
+          <a:off x="0" y="0"/>
+          <a:ext cx="9783763" cy="1708102"/>
+        </a:xfrm>
+        <a:prstGeom prst="rect">
+          <a:avLst/>
+        </a:prstGeom>
+        <a:noFill/>
+        <a:ln>
+          <a:noFill/>
+        </a:ln>
+        <a:effectLst/>
+      </dsp:spPr>
+      <dsp:style>
+        <a:lnRef idx="0">
+          <a:scrgbClr r="0" g="0" b="0"/>
+        </a:lnRef>
+        <a:fillRef idx="0">
+          <a:scrgbClr r="0" g="0" b="0"/>
+        </a:fillRef>
+        <a:effectRef idx="0">
+          <a:scrgbClr r="0" g="0" b="0"/>
+        </a:effectRef>
+        <a:fontRef idx="minor"/>
+      </dsp:style>
+      <dsp:txBody>
+        <a:bodyPr spcFirstLastPara="0" vert="horz" wrap="square" lIns="182880" tIns="182880" rIns="182880" bIns="182880" numCol="1" spcCol="1270" anchor="t" anchorCtr="0">
+          <a:noAutofit/>
+        </a:bodyPr>
+        <a:lstStyle/>
+        <a:p>
+          <a:pPr marL="0" lvl="0" indent="0" algn="l" defTabSz="2133600">
+            <a:lnSpc>
+              <a:spcPct val="90000"/>
+            </a:lnSpc>
+            <a:spcBef>
+              <a:spcPct val="0"/>
+            </a:spcBef>
+            <a:spcAft>
+              <a:spcPct val="35000"/>
+            </a:spcAft>
+            <a:buNone/>
+          </a:pPr>
+          <a:r>
+            <a:rPr lang="en-US" sz="4800" kern="1200"/>
+            <a:t>Met client's requirements</a:t>
+          </a:r>
+        </a:p>
+      </dsp:txBody>
+      <dsp:txXfrm>
+        <a:off x="0" y="0"/>
+        <a:ext cx="9783763" cy="1708102"/>
+      </dsp:txXfrm>
+    </dsp:sp>
+    <dsp:sp modelId="{587F11C3-042B-43C1-B268-958CF08A1755}">
+      <dsp:nvSpPr>
+        <dsp:cNvPr id="0" name=""/>
+        <dsp:cNvSpPr/>
+      </dsp:nvSpPr>
+      <dsp:spPr>
+        <a:xfrm>
+          <a:off x="0" y="1708102"/>
+          <a:ext cx="9783763" cy="0"/>
+        </a:xfrm>
+        <a:prstGeom prst="line">
+          <a:avLst/>
+        </a:prstGeom>
+        <a:solidFill>
+          <a:schemeClr val="accent2">
+            <a:hueOff val="4735638"/>
+            <a:satOff val="24707"/>
+            <a:lumOff val="-7058"/>
+            <a:alphaOff val="0"/>
+          </a:schemeClr>
+        </a:solidFill>
+        <a:ln w="12700" cap="flat" cmpd="sng" algn="ctr">
+          <a:solidFill>
+            <a:schemeClr val="accent2">
+              <a:hueOff val="4735638"/>
+              <a:satOff val="24707"/>
+              <a:lumOff val="-7058"/>
+              <a:alphaOff val="0"/>
+            </a:schemeClr>
+          </a:solidFill>
+          <a:prstDash val="solid"/>
+        </a:ln>
+        <a:effectLst/>
+      </dsp:spPr>
+      <dsp:style>
+        <a:lnRef idx="2">
+          <a:scrgbClr r="0" g="0" b="0"/>
+        </a:lnRef>
+        <a:fillRef idx="1">
+          <a:scrgbClr r="0" g="0" b="0"/>
+        </a:fillRef>
+        <a:effectRef idx="0">
+          <a:scrgbClr r="0" g="0" b="0"/>
+        </a:effectRef>
+        <a:fontRef idx="minor">
+          <a:schemeClr val="lt1"/>
+        </a:fontRef>
+      </dsp:style>
+    </dsp:sp>
+    <dsp:sp modelId="{A16E4504-CD5C-4A87-892F-8498B9CCCE66}">
+      <dsp:nvSpPr>
+        <dsp:cNvPr id="0" name=""/>
+        <dsp:cNvSpPr/>
+      </dsp:nvSpPr>
+      <dsp:spPr>
+        <a:xfrm>
+          <a:off x="0" y="1708102"/>
+          <a:ext cx="9783763" cy="1708102"/>
+        </a:xfrm>
+        <a:prstGeom prst="rect">
+          <a:avLst/>
+        </a:prstGeom>
+        <a:noFill/>
+        <a:ln>
+          <a:noFill/>
+        </a:ln>
+        <a:effectLst/>
+      </dsp:spPr>
+      <dsp:style>
+        <a:lnRef idx="0">
+          <a:scrgbClr r="0" g="0" b="0"/>
+        </a:lnRef>
+        <a:fillRef idx="0">
+          <a:scrgbClr r="0" g="0" b="0"/>
+        </a:fillRef>
+        <a:effectRef idx="0">
+          <a:scrgbClr r="0" g="0" b="0"/>
+        </a:effectRef>
+        <a:fontRef idx="minor"/>
+      </dsp:style>
+      <dsp:txBody>
+        <a:bodyPr spcFirstLastPara="0" vert="horz" wrap="square" lIns="182880" tIns="182880" rIns="182880" bIns="182880" numCol="1" spcCol="1270" anchor="t" anchorCtr="0">
+          <a:noAutofit/>
+        </a:bodyPr>
+        <a:lstStyle/>
+        <a:p>
+          <a:pPr marL="0" lvl="0" indent="0" algn="l" defTabSz="2133600">
+            <a:lnSpc>
+              <a:spcPct val="90000"/>
+            </a:lnSpc>
+            <a:spcBef>
+              <a:spcPct val="0"/>
+            </a:spcBef>
+            <a:spcAft>
+              <a:spcPct val="35000"/>
+            </a:spcAft>
+            <a:buNone/>
+          </a:pPr>
+          <a:r>
+            <a:rPr lang="en-US" sz="4800" kern="1200"/>
+            <a:t>Created an efficient and scalable solution</a:t>
+          </a:r>
+        </a:p>
+      </dsp:txBody>
+      <dsp:txXfrm>
+        <a:off x="0" y="1708102"/>
+        <a:ext cx="9783763" cy="1708102"/>
       </dsp:txXfrm>
     </dsp:sp>
   </dsp:spTree>
@@ -25532,8 +26848,8 @@
       </dsp:nvSpPr>
       <dsp:spPr>
         <a:xfrm>
-          <a:off x="0" y="670143"/>
-          <a:ext cx="6817995" cy="2513700"/>
+          <a:off x="0" y="507841"/>
+          <a:ext cx="6918636" cy="2603475"/>
         </a:xfrm>
         <a:prstGeom prst="rect">
           <a:avLst/>
@@ -25573,12 +26889,12 @@
         <a:fontRef idx="minor"/>
       </dsp:style>
       <dsp:txBody>
-        <a:bodyPr spcFirstLastPara="0" vert="horz" wrap="square" lIns="529152" tIns="583184" rIns="529152" bIns="199136" numCol="1" spcCol="1270" anchor="t" anchorCtr="0">
+        <a:bodyPr spcFirstLastPara="0" vert="horz" wrap="square" lIns="536963" tIns="604012" rIns="536963" bIns="206248" numCol="1" spcCol="1270" anchor="t" anchorCtr="0">
           <a:noAutofit/>
         </a:bodyPr>
         <a:lstStyle/>
         <a:p>
-          <a:pPr marL="285750" lvl="1" indent="-285750" algn="l" defTabSz="1244600">
+          <a:pPr marL="285750" lvl="1" indent="-285750" algn="l" defTabSz="1289050">
             <a:lnSpc>
               <a:spcPct val="90000"/>
             </a:lnSpc>
@@ -25591,12 +26907,12 @@
             <a:buChar char="•"/>
           </a:pPr>
           <a:r>
-            <a:rPr lang="en-US" sz="2800" kern="1200"/>
+            <a:rPr lang="en-US" sz="2900" kern="1200"/>
             <a:t>Group similar records together by phonetic encoding</a:t>
           </a:r>
         </a:p>
         <a:p>
-          <a:pPr marL="285750" lvl="1" indent="-285750" algn="l" defTabSz="1244600">
+          <a:pPr marL="285750" lvl="1" indent="-285750" algn="l" defTabSz="1289050">
             <a:lnSpc>
               <a:spcPct val="90000"/>
             </a:lnSpc>
@@ -25609,12 +26925,12 @@
             <a:buChar char="•"/>
           </a:pPr>
           <a:r>
-            <a:rPr lang="en-US" sz="2800" kern="1200"/>
+            <a:rPr lang="en-US" sz="2900" kern="1200"/>
             <a:t>841,138 comparisons!</a:t>
           </a:r>
         </a:p>
         <a:p>
-          <a:pPr marL="285750" lvl="1" indent="-285750" algn="l" defTabSz="1244600">
+          <a:pPr marL="285750" lvl="1" indent="-285750" algn="l" defTabSz="1289050">
             <a:lnSpc>
               <a:spcPct val="90000"/>
             </a:lnSpc>
@@ -25627,14 +26943,14 @@
             <a:buChar char="•"/>
           </a:pPr>
           <a:r>
-            <a:rPr lang="en-US" sz="2800" kern="1200"/>
+            <a:rPr lang="en-US" sz="2900" kern="1200"/>
             <a:t>Reduced # of comparisons by 99.9%</a:t>
           </a:r>
         </a:p>
       </dsp:txBody>
       <dsp:txXfrm>
-        <a:off x="0" y="670143"/>
-        <a:ext cx="6817995" cy="2513700"/>
+        <a:off x="0" y="507841"/>
+        <a:ext cx="6918636" cy="2603475"/>
       </dsp:txXfrm>
     </dsp:sp>
     <dsp:sp modelId="{028E6A7E-23BA-4F12-8DC1-7FD956608DDD}">
@@ -25644,8 +26960,8 @@
       </dsp:nvSpPr>
       <dsp:spPr>
         <a:xfrm>
-          <a:off x="340899" y="256863"/>
-          <a:ext cx="4772596" cy="826560"/>
+          <a:off x="345931" y="79801"/>
+          <a:ext cx="4843045" cy="856080"/>
         </a:xfrm>
         <a:prstGeom prst="roundRect">
           <a:avLst/>
@@ -25715,12 +27031,12 @@
         </a:fontRef>
       </dsp:style>
       <dsp:txBody>
-        <a:bodyPr spcFirstLastPara="0" vert="horz" wrap="square" lIns="180393" tIns="0" rIns="180393" bIns="0" numCol="1" spcCol="1270" anchor="ctr" anchorCtr="0">
+        <a:bodyPr spcFirstLastPara="0" vert="horz" wrap="square" lIns="183056" tIns="0" rIns="183056" bIns="0" numCol="1" spcCol="1270" anchor="ctr" anchorCtr="0">
           <a:noAutofit/>
         </a:bodyPr>
         <a:lstStyle/>
         <a:p>
-          <a:pPr marL="0" lvl="0" indent="0" algn="l" defTabSz="1244600">
+          <a:pPr marL="0" lvl="0" indent="0" algn="l" defTabSz="1289050">
             <a:lnSpc>
               <a:spcPct val="90000"/>
             </a:lnSpc>
@@ -25733,14 +27049,14 @@
             <a:buNone/>
           </a:pPr>
           <a:r>
-            <a:rPr lang="en-US" sz="2800" b="1" kern="1200"/>
+            <a:rPr lang="en-US" sz="2900" b="1" kern="1200"/>
             <a:t>Indexing approach</a:t>
           </a:r>
         </a:p>
       </dsp:txBody>
       <dsp:txXfrm>
-        <a:off x="381248" y="297212"/>
-        <a:ext cx="4691898" cy="745862"/>
+        <a:off x="387721" y="121591"/>
+        <a:ext cx="4759465" cy="772500"/>
       </dsp:txXfrm>
     </dsp:sp>
     <dsp:sp modelId="{07B3EA0B-0A65-415B-9037-DA23320F68C7}">
@@ -25750,8 +27066,8 @@
       </dsp:nvSpPr>
       <dsp:spPr>
         <a:xfrm>
-          <a:off x="0" y="3748323"/>
-          <a:ext cx="6817995" cy="1190700"/>
+          <a:off x="0" y="3695956"/>
+          <a:ext cx="6918636" cy="1233225"/>
         </a:xfrm>
         <a:prstGeom prst="rect">
           <a:avLst/>
@@ -25791,12 +27107,12 @@
         <a:fontRef idx="minor"/>
       </dsp:style>
       <dsp:txBody>
-        <a:bodyPr spcFirstLastPara="0" vert="horz" wrap="square" lIns="529152" tIns="583184" rIns="529152" bIns="199136" numCol="1" spcCol="1270" anchor="t" anchorCtr="0">
+        <a:bodyPr spcFirstLastPara="0" vert="horz" wrap="square" lIns="536963" tIns="604012" rIns="536963" bIns="206248" numCol="1" spcCol="1270" anchor="t" anchorCtr="0">
           <a:noAutofit/>
         </a:bodyPr>
         <a:lstStyle/>
         <a:p>
-          <a:pPr marL="285750" lvl="1" indent="-285750" algn="l" defTabSz="1244600">
+          <a:pPr marL="285750" lvl="1" indent="-285750" algn="l" defTabSz="1289050">
             <a:lnSpc>
               <a:spcPct val="90000"/>
             </a:lnSpc>
@@ -25809,14 +27125,14 @@
             <a:buChar char="•"/>
           </a:pPr>
           <a:r>
-            <a:rPr lang="en-US" sz="2800" kern="1200"/>
+            <a:rPr lang="en-US" sz="2900" kern="1200"/>
             <a:t>~1 second</a:t>
           </a:r>
         </a:p>
       </dsp:txBody>
       <dsp:txXfrm>
-        <a:off x="0" y="3748323"/>
-        <a:ext cx="6817995" cy="1190700"/>
+        <a:off x="0" y="3695956"/>
+        <a:ext cx="6918636" cy="1233225"/>
       </dsp:txXfrm>
     </dsp:sp>
     <dsp:sp modelId="{6A9ADE83-535F-402B-8DB7-34B1937E93A9}">
@@ -25826,8 +27142,8 @@
       </dsp:nvSpPr>
       <dsp:spPr>
         <a:xfrm>
-          <a:off x="340899" y="3335043"/>
-          <a:ext cx="4772596" cy="826560"/>
+          <a:off x="345931" y="3267916"/>
+          <a:ext cx="4843045" cy="856080"/>
         </a:xfrm>
         <a:prstGeom prst="roundRect">
           <a:avLst/>
@@ -25897,12 +27213,12 @@
         </a:fontRef>
       </dsp:style>
       <dsp:txBody>
-        <a:bodyPr spcFirstLastPara="0" vert="horz" wrap="square" lIns="180393" tIns="0" rIns="180393" bIns="0" numCol="1" spcCol="1270" anchor="ctr" anchorCtr="0">
+        <a:bodyPr spcFirstLastPara="0" vert="horz" wrap="square" lIns="183056" tIns="0" rIns="183056" bIns="0" numCol="1" spcCol="1270" anchor="ctr" anchorCtr="0">
           <a:noAutofit/>
         </a:bodyPr>
         <a:lstStyle/>
         <a:p>
-          <a:pPr marL="0" lvl="0" indent="0" algn="l" defTabSz="1244600">
+          <a:pPr marL="0" lvl="0" indent="0" algn="l" defTabSz="1289050">
             <a:lnSpc>
               <a:spcPct val="90000"/>
             </a:lnSpc>
@@ -25915,14 +27231,14 @@
             <a:buNone/>
           </a:pPr>
           <a:r>
-            <a:rPr lang="en-US" sz="2800" b="1" kern="1200"/>
+            <a:rPr lang="en-US" sz="2900" b="1" kern="1200"/>
             <a:t>Time</a:t>
           </a:r>
         </a:p>
       </dsp:txBody>
       <dsp:txXfrm>
-        <a:off x="381248" y="3375392"/>
-        <a:ext cx="4691898" cy="745862"/>
+        <a:off x="387721" y="3309706"/>
+        <a:ext cx="4759465" cy="772500"/>
       </dsp:txXfrm>
     </dsp:sp>
   </dsp:spTree>
@@ -28994,6 +30310,472 @@
 </dgm:layoutDef>
 </file>
 
+<file path=ppt/diagrams/layout16.xml><?xml version="1.0" encoding="utf-8"?>
+<dgm:layoutDef xmlns:dgm="http://schemas.openxmlformats.org/drawingml/2006/diagram" xmlns:a="http://schemas.openxmlformats.org/drawingml/2006/main" uniqueId="urn:microsoft.com/office/officeart/2008/layout/LinedList">
+  <dgm:title val=""/>
+  <dgm:desc val=""/>
+  <dgm:catLst>
+    <dgm:cat type="hierarchy" pri="8000"/>
+    <dgm:cat type="list" pri="2500"/>
+  </dgm:catLst>
+  <dgm:sampData>
+    <dgm:dataModel>
+      <dgm:ptLst>
+        <dgm:pt modelId="0" type="doc"/>
+        <dgm:pt modelId="1">
+          <dgm:prSet phldr="1"/>
+        </dgm:pt>
+        <dgm:pt modelId="11">
+          <dgm:prSet phldr="1"/>
+        </dgm:pt>
+        <dgm:pt modelId="12">
+          <dgm:prSet phldr="1"/>
+        </dgm:pt>
+        <dgm:pt modelId="13">
+          <dgm:prSet phldr="1"/>
+        </dgm:pt>
+      </dgm:ptLst>
+      <dgm:cxnLst>
+        <dgm:cxn modelId="2" srcId="0" destId="1" srcOrd="0" destOrd="0"/>
+        <dgm:cxn modelId="3" srcId="1" destId="11" srcOrd="0" destOrd="0"/>
+        <dgm:cxn modelId="4" srcId="1" destId="12" srcOrd="1" destOrd="0"/>
+        <dgm:cxn modelId="5" srcId="1" destId="13" srcOrd="2" destOrd="0"/>
+      </dgm:cxnLst>
+      <dgm:bg/>
+      <dgm:whole/>
+    </dgm:dataModel>
+  </dgm:sampData>
+  <dgm:styleData>
+    <dgm:dataModel>
+      <dgm:ptLst>
+        <dgm:pt modelId="0" type="doc"/>
+        <dgm:pt modelId="1">
+          <dgm:prSet phldr="1"/>
+        </dgm:pt>
+        <dgm:pt modelId="11">
+          <dgm:prSet phldr="1"/>
+        </dgm:pt>
+        <dgm:pt modelId="12">
+          <dgm:prSet phldr="1"/>
+        </dgm:pt>
+      </dgm:ptLst>
+      <dgm:cxnLst>
+        <dgm:cxn modelId="2" srcId="0" destId="1" srcOrd="0" destOrd="0"/>
+        <dgm:cxn modelId="3" srcId="1" destId="11" srcOrd="0" destOrd="0"/>
+        <dgm:cxn modelId="4" srcId="1" destId="12" srcOrd="1" destOrd="0"/>
+      </dgm:cxnLst>
+      <dgm:bg/>
+      <dgm:whole/>
+    </dgm:dataModel>
+  </dgm:styleData>
+  <dgm:clrData>
+    <dgm:dataModel>
+      <dgm:ptLst>
+        <dgm:pt modelId="0" type="doc"/>
+        <dgm:pt modelId="1">
+          <dgm:prSet phldr="1"/>
+        </dgm:pt>
+        <dgm:pt modelId="11">
+          <dgm:prSet phldr="1"/>
+        </dgm:pt>
+        <dgm:pt modelId="12">
+          <dgm:prSet phldr="1"/>
+        </dgm:pt>
+      </dgm:ptLst>
+      <dgm:cxnLst>
+        <dgm:cxn modelId="2" srcId="0" destId="1" srcOrd="0" destOrd="0"/>
+        <dgm:cxn modelId="3" srcId="1" destId="11" srcOrd="0" destOrd="0"/>
+        <dgm:cxn modelId="4" srcId="1" destId="12" srcOrd="1" destOrd="0"/>
+      </dgm:cxnLst>
+      <dgm:bg/>
+      <dgm:whole/>
+    </dgm:dataModel>
+  </dgm:clrData>
+  <dgm:layoutNode name="vert0">
+    <dgm:varLst>
+      <dgm:dir/>
+      <dgm:animOne val="branch"/>
+      <dgm:animLvl val="lvl"/>
+    </dgm:varLst>
+    <dgm:choose name="Name0">
+      <dgm:if name="Name1" func="var" arg="dir" op="equ" val="norm">
+        <dgm:alg type="lin">
+          <dgm:param type="linDir" val="fromT"/>
+          <dgm:param type="nodeHorzAlign" val="l"/>
+        </dgm:alg>
+      </dgm:if>
+      <dgm:else name="Name2">
+        <dgm:alg type="lin">
+          <dgm:param type="linDir" val="fromT"/>
+          <dgm:param type="nodeHorzAlign" val="r"/>
+        </dgm:alg>
+      </dgm:else>
+    </dgm:choose>
+    <dgm:shape xmlns:r="http://schemas.openxmlformats.org/officeDocument/2006/relationships" r:blip="">
+      <dgm:adjLst/>
+    </dgm:shape>
+    <dgm:presOf/>
+    <dgm:constrLst>
+      <dgm:constr type="w" for="ch" forName="horz1" refType="w"/>
+      <dgm:constr type="h" for="ch" forName="horz1" refType="h"/>
+      <dgm:constr type="h" for="des" forName="vert1" refType="h"/>
+      <dgm:constr type="h" for="des" forName="tx1" refType="h"/>
+      <dgm:constr type="h" for="des" forName="horz2" refType="h"/>
+      <dgm:constr type="h" for="des" forName="vert2" refType="h"/>
+      <dgm:constr type="h" for="des" forName="horz3" refType="h"/>
+      <dgm:constr type="h" for="des" forName="vert3" refType="h"/>
+      <dgm:constr type="h" for="des" forName="horz4" refType="h"/>
+      <dgm:constr type="h" for="des" ptType="node" refType="h"/>
+      <dgm:constr type="primFontSz" for="des" forName="tx1" op="equ" val="65"/>
+      <dgm:constr type="primFontSz" for="des" forName="tx2" op="equ" val="65"/>
+      <dgm:constr type="primFontSz" for="des" forName="tx3" op="equ" val="65"/>
+      <dgm:constr type="primFontSz" for="des" forName="tx4" op="equ" val="65"/>
+      <dgm:constr type="w" for="des" forName="thickLine" refType="w"/>
+      <dgm:constr type="h" for="des" forName="thickLine"/>
+      <dgm:constr type="h" for="des" forName="thinLine1"/>
+      <dgm:constr type="h" for="des" forName="thinLine2b"/>
+      <dgm:constr type="h" for="des" forName="thinLine3"/>
+      <dgm:constr type="h" for="des" forName="vertSpace2a" refType="h" fact="0.05"/>
+      <dgm:constr type="h" for="des" forName="vertSpace2b" refType="h" refFor="des" refForName="vertSpace2a"/>
+    </dgm:constrLst>
+    <dgm:forEach name="Name3" axis="ch" ptType="node">
+      <dgm:layoutNode name="thickLine" styleLbl="alignNode1">
+        <dgm:alg type="sp"/>
+        <dgm:shape xmlns:r="http://schemas.openxmlformats.org/officeDocument/2006/relationships" type="line" r:blip="">
+          <dgm:adjLst/>
+        </dgm:shape>
+        <dgm:presOf/>
+      </dgm:layoutNode>
+      <dgm:layoutNode name="horz1">
+        <dgm:choose name="Name4">
+          <dgm:if name="Name5" func="var" arg="dir" op="equ" val="norm">
+            <dgm:alg type="lin">
+              <dgm:param type="linDir" val="fromL"/>
+              <dgm:param type="nodeVertAlign" val="t"/>
+            </dgm:alg>
+          </dgm:if>
+          <dgm:else name="Name6">
+            <dgm:alg type="lin">
+              <dgm:param type="linDir" val="fromR"/>
+              <dgm:param type="nodeVertAlign" val="t"/>
+            </dgm:alg>
+          </dgm:else>
+        </dgm:choose>
+        <dgm:shape xmlns:r="http://schemas.openxmlformats.org/officeDocument/2006/relationships" r:blip="">
+          <dgm:adjLst/>
+        </dgm:shape>
+        <dgm:presOf/>
+        <dgm:choose name="Name7">
+          <dgm:if name="Name8" axis="root des" func="maxDepth" op="equ" val="1">
+            <dgm:constrLst>
+              <dgm:constr type="w" for="ch" forName="tx1" refType="w"/>
+            </dgm:constrLst>
+          </dgm:if>
+          <dgm:if name="Name9" axis="root des" func="maxDepth" op="equ" val="2">
+            <dgm:constrLst>
+              <dgm:constr type="w" for="ch" forName="tx1" refType="w" fact="0.2"/>
+              <dgm:constr type="w" for="des" forName="tx2" refType="w" fact="0.785"/>
+              <dgm:constr type="w" for="des" forName="horzSpace2" refType="w" fact="0.015"/>
+              <dgm:constr type="w" for="des" forName="thinLine2b" refType="w" fact="0.8"/>
+            </dgm:constrLst>
+          </dgm:if>
+          <dgm:if name="Name10" axis="root des" func="maxDepth" op="equ" val="3">
+            <dgm:constrLst>
+              <dgm:constr type="w" for="ch" forName="tx1" refType="w" fact="0.2"/>
+              <dgm:constr type="w" for="des" forName="tx2" refType="w" fact="0.385"/>
+              <dgm:constr type="w" for="des" forName="tx3" refType="w" fact="0.385"/>
+              <dgm:constr type="w" for="des" forName="horzSpace2" refType="w" fact="0.015"/>
+              <dgm:constr type="w" for="des" forName="horzSpace3" refType="w" fact="0.015"/>
+              <dgm:constr type="w" for="des" forName="thinLine2b" refType="w" fact="0.8"/>
+              <dgm:constr type="w" for="des" forName="thinLine3" refType="w" fact="0.385"/>
+            </dgm:constrLst>
+          </dgm:if>
+          <dgm:if name="Name11" axis="root des" func="maxDepth" op="gte" val="4">
+            <dgm:constrLst>
+              <dgm:constr type="w" for="ch" forName="tx1" refType="w" fact="0.2"/>
+              <dgm:constr type="w" for="des" forName="tx2" refType="w" fact="0.2516"/>
+              <dgm:constr type="w" for="des" forName="tx3" refType="w" fact="0.2516"/>
+              <dgm:constr type="w" for="des" forName="tx4" refType="w" fact="0.2516"/>
+              <dgm:constr type="w" for="des" forName="horzSpace2" refType="w" fact="0.015"/>
+              <dgm:constr type="w" for="des" forName="horzSpace3" refType="w" fact="0.015"/>
+              <dgm:constr type="w" for="des" forName="horzSpace4" refType="w" fact="0.015"/>
+              <dgm:constr type="w" for="des" forName="thinLine2b" refType="w" fact="0.8"/>
+              <dgm:constr type="w" for="des" forName="thinLine3" refType="w" fact="0.5332"/>
+            </dgm:constrLst>
+          </dgm:if>
+          <dgm:else name="Name12"/>
+        </dgm:choose>
+        <dgm:layoutNode name="tx1" styleLbl="revTx">
+          <dgm:alg type="tx">
+            <dgm:param type="parTxLTRAlign" val="l"/>
+            <dgm:param type="parTxRTLAlign" val="r"/>
+            <dgm:param type="txAnchorVert" val="t"/>
+          </dgm:alg>
+          <dgm:shape xmlns:r="http://schemas.openxmlformats.org/officeDocument/2006/relationships" type="rect" r:blip="">
+            <dgm:adjLst/>
+          </dgm:shape>
+          <dgm:presOf axis="self"/>
+          <dgm:constrLst>
+            <dgm:constr type="tMarg" refType="primFontSz" fact="0.3"/>
+            <dgm:constr type="bMarg" refType="primFontSz" fact="0.3"/>
+            <dgm:constr type="lMarg" refType="primFontSz" fact="0.3"/>
+            <dgm:constr type="rMarg" refType="primFontSz" fact="0.3"/>
+          </dgm:constrLst>
+          <dgm:ruleLst>
+            <dgm:rule type="primFontSz" val="5" fact="NaN" max="NaN"/>
+          </dgm:ruleLst>
+        </dgm:layoutNode>
+        <dgm:layoutNode name="vert1">
+          <dgm:choose name="Name13">
+            <dgm:if name="Name14" func="var" arg="dir" op="equ" val="norm">
+              <dgm:alg type="lin">
+                <dgm:param type="linDir" val="fromT"/>
+                <dgm:param type="nodeHorzAlign" val="l"/>
+              </dgm:alg>
+            </dgm:if>
+            <dgm:else name="Name15">
+              <dgm:alg type="lin">
+                <dgm:param type="linDir" val="fromT"/>
+                <dgm:param type="nodeHorzAlign" val="r"/>
+              </dgm:alg>
+            </dgm:else>
+          </dgm:choose>
+          <dgm:shape xmlns:r="http://schemas.openxmlformats.org/officeDocument/2006/relationships" r:blip="">
+            <dgm:adjLst/>
+          </dgm:shape>
+          <dgm:presOf/>
+          <dgm:forEach name="Name16" axis="ch" ptType="node">
+            <dgm:choose name="Name17">
+              <dgm:if name="Name18" axis="self" ptType="node" func="pos" op="equ" val="1">
+                <dgm:layoutNode name="vertSpace2a">
+                  <dgm:alg type="sp"/>
+                  <dgm:shape xmlns:r="http://schemas.openxmlformats.org/officeDocument/2006/relationships" r:blip="">
+                    <dgm:adjLst/>
+                  </dgm:shape>
+                  <dgm:presOf/>
+                </dgm:layoutNode>
+              </dgm:if>
+              <dgm:else name="Name19"/>
+            </dgm:choose>
+            <dgm:layoutNode name="horz2">
+              <dgm:choose name="Name20">
+                <dgm:if name="Name21" func="var" arg="dir" op="equ" val="norm">
+                  <dgm:alg type="lin">
+                    <dgm:param type="linDir" val="fromL"/>
+                    <dgm:param type="nodeVertAlign" val="t"/>
+                  </dgm:alg>
+                </dgm:if>
+                <dgm:else name="Name22">
+                  <dgm:alg type="lin">
+                    <dgm:param type="linDir" val="fromR"/>
+                    <dgm:param type="nodeVertAlign" val="t"/>
+                  </dgm:alg>
+                </dgm:else>
+              </dgm:choose>
+              <dgm:shape xmlns:r="http://schemas.openxmlformats.org/officeDocument/2006/relationships" r:blip="">
+                <dgm:adjLst/>
+              </dgm:shape>
+              <dgm:presOf/>
+              <dgm:layoutNode name="horzSpace2">
+                <dgm:alg type="sp"/>
+                <dgm:shape xmlns:r="http://schemas.openxmlformats.org/officeDocument/2006/relationships" r:blip="">
+                  <dgm:adjLst/>
+                </dgm:shape>
+                <dgm:presOf/>
+              </dgm:layoutNode>
+              <dgm:layoutNode name="tx2" styleLbl="revTx">
+                <dgm:alg type="tx">
+                  <dgm:param type="parTxLTRAlign" val="l"/>
+                  <dgm:param type="parTxRTLAlign" val="r"/>
+                  <dgm:param type="txAnchorVert" val="t"/>
+                </dgm:alg>
+                <dgm:shape xmlns:r="http://schemas.openxmlformats.org/officeDocument/2006/relationships" type="rect" r:blip="">
+                  <dgm:adjLst/>
+                </dgm:shape>
+                <dgm:presOf axis="self"/>
+                <dgm:constrLst>
+                  <dgm:constr type="tMarg" refType="primFontSz" fact="0.3"/>
+                  <dgm:constr type="bMarg" refType="primFontSz" fact="0.3"/>
+                  <dgm:constr type="lMarg" refType="primFontSz" fact="0.3"/>
+                  <dgm:constr type="rMarg" refType="primFontSz" fact="0.3"/>
+                </dgm:constrLst>
+                <dgm:ruleLst>
+                  <dgm:rule type="primFontSz" val="5" fact="NaN" max="NaN"/>
+                </dgm:ruleLst>
+              </dgm:layoutNode>
+              <dgm:layoutNode name="vert2">
+                <dgm:choose name="Name23">
+                  <dgm:if name="Name24" func="var" arg="dir" op="equ" val="norm">
+                    <dgm:alg type="lin">
+                      <dgm:param type="linDir" val="fromT"/>
+                      <dgm:param type="nodeHorzAlign" val="l"/>
+                    </dgm:alg>
+                  </dgm:if>
+                  <dgm:else name="Name25">
+                    <dgm:alg type="lin">
+                      <dgm:param type="linDir" val="fromT"/>
+                      <dgm:param type="nodeHorzAlign" val="r"/>
+                    </dgm:alg>
+                  </dgm:else>
+                </dgm:choose>
+                <dgm:shape xmlns:r="http://schemas.openxmlformats.org/officeDocument/2006/relationships" r:blip="">
+                  <dgm:adjLst/>
+                </dgm:shape>
+                <dgm:presOf/>
+                <dgm:forEach name="Name26" axis="ch" ptType="node">
+                  <dgm:layoutNode name="horz3">
+                    <dgm:choose name="Name27">
+                      <dgm:if name="Name28" func="var" arg="dir" op="equ" val="norm">
+                        <dgm:alg type="lin">
+                          <dgm:param type="linDir" val="fromL"/>
+                          <dgm:param type="nodeVertAlign" val="t"/>
+                        </dgm:alg>
+                      </dgm:if>
+                      <dgm:else name="Name29">
+                        <dgm:alg type="lin">
+                          <dgm:param type="linDir" val="fromR"/>
+                          <dgm:param type="nodeVertAlign" val="t"/>
+                        </dgm:alg>
+                      </dgm:else>
+                    </dgm:choose>
+                    <dgm:shape xmlns:r="http://schemas.openxmlformats.org/officeDocument/2006/relationships" r:blip="">
+                      <dgm:adjLst/>
+                    </dgm:shape>
+                    <dgm:presOf/>
+                    <dgm:layoutNode name="horzSpace3">
+                      <dgm:alg type="sp"/>
+                      <dgm:shape xmlns:r="http://schemas.openxmlformats.org/officeDocument/2006/relationships" r:blip="">
+                        <dgm:adjLst/>
+                      </dgm:shape>
+                      <dgm:presOf/>
+                    </dgm:layoutNode>
+                    <dgm:layoutNode name="tx3" styleLbl="revTx">
+                      <dgm:alg type="tx">
+                        <dgm:param type="parTxLTRAlign" val="l"/>
+                        <dgm:param type="parTxRTLAlign" val="r"/>
+                        <dgm:param type="txAnchorVert" val="t"/>
+                      </dgm:alg>
+                      <dgm:shape xmlns:r="http://schemas.openxmlformats.org/officeDocument/2006/relationships" type="rect" r:blip="">
+                        <dgm:adjLst/>
+                      </dgm:shape>
+                      <dgm:presOf axis="self"/>
+                      <dgm:constrLst>
+                        <dgm:constr type="tMarg" refType="primFontSz" fact="0.3"/>
+                        <dgm:constr type="bMarg" refType="primFontSz" fact="0.3"/>
+                        <dgm:constr type="lMarg" refType="primFontSz" fact="0.3"/>
+                        <dgm:constr type="rMarg" refType="primFontSz" fact="0.3"/>
+                      </dgm:constrLst>
+                      <dgm:ruleLst>
+                        <dgm:rule type="primFontSz" val="5" fact="NaN" max="NaN"/>
+                      </dgm:ruleLst>
+                    </dgm:layoutNode>
+                    <dgm:layoutNode name="vert3">
+                      <dgm:choose name="Name30">
+                        <dgm:if name="Name31" func="var" arg="dir" op="equ" val="norm">
+                          <dgm:alg type="lin">
+                            <dgm:param type="linDir" val="fromT"/>
+                            <dgm:param type="nodeHorzAlign" val="l"/>
+                          </dgm:alg>
+                        </dgm:if>
+                        <dgm:else name="Name32">
+                          <dgm:alg type="lin">
+                            <dgm:param type="linDir" val="fromT"/>
+                            <dgm:param type="nodeHorzAlign" val="r"/>
+                          </dgm:alg>
+                        </dgm:else>
+                      </dgm:choose>
+                      <dgm:shape xmlns:r="http://schemas.openxmlformats.org/officeDocument/2006/relationships" r:blip="">
+                        <dgm:adjLst/>
+                      </dgm:shape>
+                      <dgm:presOf/>
+                      <dgm:forEach name="Name33" axis="ch" ptType="node">
+                        <dgm:layoutNode name="horz4">
+                          <dgm:choose name="Name34">
+                            <dgm:if name="Name35" func="var" arg="dir" op="equ" val="norm">
+                              <dgm:alg type="lin">
+                                <dgm:param type="linDir" val="fromL"/>
+                                <dgm:param type="nodeVertAlign" val="t"/>
+                              </dgm:alg>
+                            </dgm:if>
+                            <dgm:else name="Name36">
+                              <dgm:alg type="lin">
+                                <dgm:param type="linDir" val="fromR"/>
+                                <dgm:param type="nodeVertAlign" val="t"/>
+                              </dgm:alg>
+                            </dgm:else>
+                          </dgm:choose>
+                          <dgm:shape xmlns:r="http://schemas.openxmlformats.org/officeDocument/2006/relationships" r:blip="">
+                            <dgm:adjLst/>
+                          </dgm:shape>
+                          <dgm:presOf/>
+                          <dgm:layoutNode name="horzSpace4">
+                            <dgm:alg type="sp"/>
+                            <dgm:shape xmlns:r="http://schemas.openxmlformats.org/officeDocument/2006/relationships" r:blip="">
+                              <dgm:adjLst/>
+                            </dgm:shape>
+                            <dgm:presOf/>
+                          </dgm:layoutNode>
+                          <dgm:layoutNode name="tx4" styleLbl="revTx">
+                            <dgm:varLst>
+                              <dgm:bulletEnabled val="1"/>
+                            </dgm:varLst>
+                            <dgm:alg type="tx">
+                              <dgm:param type="parTxLTRAlign" val="l"/>
+                              <dgm:param type="parTxRTLAlign" val="r"/>
+                              <dgm:param type="txAnchorVert" val="t"/>
+                            </dgm:alg>
+                            <dgm:shape xmlns:r="http://schemas.openxmlformats.org/officeDocument/2006/relationships" type="rect" r:blip="">
+                              <dgm:adjLst/>
+                            </dgm:shape>
+                            <dgm:presOf axis="desOrSelf" ptType="node"/>
+                            <dgm:constrLst>
+                              <dgm:constr type="tMarg" refType="primFontSz" fact="0.3"/>
+                              <dgm:constr type="bMarg" refType="primFontSz" fact="0.3"/>
+                              <dgm:constr type="lMarg" refType="primFontSz" fact="0.3"/>
+                              <dgm:constr type="rMarg" refType="primFontSz" fact="0.3"/>
+                            </dgm:constrLst>
+                            <dgm:ruleLst>
+                              <dgm:rule type="primFontSz" val="5" fact="NaN" max="NaN"/>
+                            </dgm:ruleLst>
+                          </dgm:layoutNode>
+                        </dgm:layoutNode>
+                      </dgm:forEach>
+                    </dgm:layoutNode>
+                  </dgm:layoutNode>
+                  <dgm:forEach name="Name37" axis="followSib" ptType="sibTrans" cnt="1">
+                    <dgm:layoutNode name="thinLine3" styleLbl="callout">
+                      <dgm:alg type="sp"/>
+                      <dgm:shape xmlns:r="http://schemas.openxmlformats.org/officeDocument/2006/relationships" type="line" r:blip="">
+                        <dgm:adjLst/>
+                      </dgm:shape>
+                      <dgm:presOf/>
+                    </dgm:layoutNode>
+                  </dgm:forEach>
+                </dgm:forEach>
+              </dgm:layoutNode>
+            </dgm:layoutNode>
+            <dgm:layoutNode name="thinLine2b" styleLbl="callout">
+              <dgm:alg type="sp"/>
+              <dgm:shape xmlns:r="http://schemas.openxmlformats.org/officeDocument/2006/relationships" type="line" r:blip="">
+                <dgm:adjLst/>
+              </dgm:shape>
+              <dgm:presOf/>
+            </dgm:layoutNode>
+            <dgm:layoutNode name="vertSpace2b">
+              <dgm:alg type="sp"/>
+              <dgm:shape xmlns:r="http://schemas.openxmlformats.org/officeDocument/2006/relationships" r:blip="">
+                <dgm:adjLst/>
+              </dgm:shape>
+              <dgm:presOf/>
+            </dgm:layoutNode>
+          </dgm:forEach>
+        </dgm:layoutNode>
+      </dgm:layoutNode>
+    </dgm:forEach>
+  </dgm:layoutNode>
+</dgm:layoutDef>
+</file>
+
 <file path=ppt/diagrams/layout2.xml><?xml version="1.0" encoding="utf-8"?>
 <dgm:layoutDef xmlns:dgm="http://schemas.openxmlformats.org/drawingml/2006/diagram" xmlns:a="http://schemas.openxmlformats.org/drawingml/2006/main" uniqueId="urn:microsoft.com/office/officeart/2016/7/layout/BasicLinearProcessNumbered">
   <dgm:title val="Basic Linear Process Numbered"/>
@@ -38300,6 +40082,1040 @@
         <a:scrgbClr r="0" g="0" b="0"/>
       </a:fillRef>
       <a:effectRef idx="2">
+        <a:scrgbClr r="0" g="0" b="0"/>
+      </a:effectRef>
+      <a:fontRef idx="minor"/>
+    </dgm:style>
+  </dgm:styleLbl>
+  <dgm:styleLbl name="revTx">
+    <dgm:scene3d>
+      <a:camera prst="orthographicFront"/>
+      <a:lightRig rig="threePt" dir="t"/>
+    </dgm:scene3d>
+    <dgm:sp3d/>
+    <dgm:txPr/>
+    <dgm:style>
+      <a:lnRef idx="0">
+        <a:scrgbClr r="0" g="0" b="0"/>
+      </a:lnRef>
+      <a:fillRef idx="0">
+        <a:scrgbClr r="0" g="0" b="0"/>
+      </a:fillRef>
+      <a:effectRef idx="0">
+        <a:scrgbClr r="0" g="0" b="0"/>
+      </a:effectRef>
+      <a:fontRef idx="minor"/>
+    </dgm:style>
+  </dgm:styleLbl>
+</dgm:styleDef>
+</file>
+
+<file path=ppt/diagrams/quickStyle16.xml><?xml version="1.0" encoding="utf-8"?>
+<dgm:styleDef xmlns:dgm="http://schemas.openxmlformats.org/drawingml/2006/diagram" xmlns:a="http://schemas.openxmlformats.org/drawingml/2006/main" uniqueId="urn:microsoft.com/office/officeart/2005/8/quickstyle/simple1">
+  <dgm:title val=""/>
+  <dgm:desc val=""/>
+  <dgm:catLst>
+    <dgm:cat type="simple" pri="10100"/>
+  </dgm:catLst>
+  <dgm:scene3d>
+    <a:camera prst="orthographicFront"/>
+    <a:lightRig rig="threePt" dir="t"/>
+  </dgm:scene3d>
+  <dgm:styleLbl name="node0">
+    <dgm:scene3d>
+      <a:camera prst="orthographicFront"/>
+      <a:lightRig rig="threePt" dir="t"/>
+    </dgm:scene3d>
+    <dgm:sp3d/>
+    <dgm:txPr/>
+    <dgm:style>
+      <a:lnRef idx="2">
+        <a:scrgbClr r="0" g="0" b="0"/>
+      </a:lnRef>
+      <a:fillRef idx="1">
+        <a:scrgbClr r="0" g="0" b="0"/>
+      </a:fillRef>
+      <a:effectRef idx="0">
+        <a:scrgbClr r="0" g="0" b="0"/>
+      </a:effectRef>
+      <a:fontRef idx="minor">
+        <a:schemeClr val="lt1"/>
+      </a:fontRef>
+    </dgm:style>
+  </dgm:styleLbl>
+  <dgm:styleLbl name="lnNode1">
+    <dgm:scene3d>
+      <a:camera prst="orthographicFront"/>
+      <a:lightRig rig="threePt" dir="t"/>
+    </dgm:scene3d>
+    <dgm:sp3d/>
+    <dgm:txPr/>
+    <dgm:style>
+      <a:lnRef idx="2">
+        <a:scrgbClr r="0" g="0" b="0"/>
+      </a:lnRef>
+      <a:fillRef idx="1">
+        <a:scrgbClr r="0" g="0" b="0"/>
+      </a:fillRef>
+      <a:effectRef idx="0">
+        <a:scrgbClr r="0" g="0" b="0"/>
+      </a:effectRef>
+      <a:fontRef idx="minor">
+        <a:schemeClr val="lt1"/>
+      </a:fontRef>
+    </dgm:style>
+  </dgm:styleLbl>
+  <dgm:styleLbl name="vennNode1">
+    <dgm:scene3d>
+      <a:camera prst="orthographicFront"/>
+      <a:lightRig rig="threePt" dir="t"/>
+    </dgm:scene3d>
+    <dgm:sp3d/>
+    <dgm:txPr/>
+    <dgm:style>
+      <a:lnRef idx="2">
+        <a:scrgbClr r="0" g="0" b="0"/>
+      </a:lnRef>
+      <a:fillRef idx="1">
+        <a:scrgbClr r="0" g="0" b="0"/>
+      </a:fillRef>
+      <a:effectRef idx="0">
+        <a:scrgbClr r="0" g="0" b="0"/>
+      </a:effectRef>
+      <a:fontRef idx="minor">
+        <a:schemeClr val="tx1"/>
+      </a:fontRef>
+    </dgm:style>
+  </dgm:styleLbl>
+  <dgm:styleLbl name="alignNode1">
+    <dgm:scene3d>
+      <a:camera prst="orthographicFront"/>
+      <a:lightRig rig="threePt" dir="t"/>
+    </dgm:scene3d>
+    <dgm:sp3d/>
+    <dgm:txPr/>
+    <dgm:style>
+      <a:lnRef idx="2">
+        <a:scrgbClr r="0" g="0" b="0"/>
+      </a:lnRef>
+      <a:fillRef idx="1">
+        <a:scrgbClr r="0" g="0" b="0"/>
+      </a:fillRef>
+      <a:effectRef idx="0">
+        <a:scrgbClr r="0" g="0" b="0"/>
+      </a:effectRef>
+      <a:fontRef idx="minor">
+        <a:schemeClr val="lt1"/>
+      </a:fontRef>
+    </dgm:style>
+  </dgm:styleLbl>
+  <dgm:styleLbl name="node1">
+    <dgm:scene3d>
+      <a:camera prst="orthographicFront"/>
+      <a:lightRig rig="threePt" dir="t"/>
+    </dgm:scene3d>
+    <dgm:sp3d/>
+    <dgm:txPr/>
+    <dgm:style>
+      <a:lnRef idx="2">
+        <a:scrgbClr r="0" g="0" b="0"/>
+      </a:lnRef>
+      <a:fillRef idx="1">
+        <a:scrgbClr r="0" g="0" b="0"/>
+      </a:fillRef>
+      <a:effectRef idx="0">
+        <a:scrgbClr r="0" g="0" b="0"/>
+      </a:effectRef>
+      <a:fontRef idx="minor">
+        <a:schemeClr val="lt1"/>
+      </a:fontRef>
+    </dgm:style>
+  </dgm:styleLbl>
+  <dgm:styleLbl name="node2">
+    <dgm:scene3d>
+      <a:camera prst="orthographicFront"/>
+      <a:lightRig rig="threePt" dir="t"/>
+    </dgm:scene3d>
+    <dgm:sp3d/>
+    <dgm:txPr/>
+    <dgm:style>
+      <a:lnRef idx="2">
+        <a:scrgbClr r="0" g="0" b="0"/>
+      </a:lnRef>
+      <a:fillRef idx="1">
+        <a:scrgbClr r="0" g="0" b="0"/>
+      </a:fillRef>
+      <a:effectRef idx="0">
+        <a:scrgbClr r="0" g="0" b="0"/>
+      </a:effectRef>
+      <a:fontRef idx="minor">
+        <a:schemeClr val="lt1"/>
+      </a:fontRef>
+    </dgm:style>
+  </dgm:styleLbl>
+  <dgm:styleLbl name="node3">
+    <dgm:scene3d>
+      <a:camera prst="orthographicFront"/>
+      <a:lightRig rig="threePt" dir="t"/>
+    </dgm:scene3d>
+    <dgm:sp3d/>
+    <dgm:txPr/>
+    <dgm:style>
+      <a:lnRef idx="2">
+        <a:scrgbClr r="0" g="0" b="0"/>
+      </a:lnRef>
+      <a:fillRef idx="1">
+        <a:scrgbClr r="0" g="0" b="0"/>
+      </a:fillRef>
+      <a:effectRef idx="0">
+        <a:scrgbClr r="0" g="0" b="0"/>
+      </a:effectRef>
+      <a:fontRef idx="minor">
+        <a:schemeClr val="lt1"/>
+      </a:fontRef>
+    </dgm:style>
+  </dgm:styleLbl>
+  <dgm:styleLbl name="node4">
+    <dgm:scene3d>
+      <a:camera prst="orthographicFront"/>
+      <a:lightRig rig="threePt" dir="t"/>
+    </dgm:scene3d>
+    <dgm:sp3d/>
+    <dgm:txPr/>
+    <dgm:style>
+      <a:lnRef idx="2">
+        <a:scrgbClr r="0" g="0" b="0"/>
+      </a:lnRef>
+      <a:fillRef idx="1">
+        <a:scrgbClr r="0" g="0" b="0"/>
+      </a:fillRef>
+      <a:effectRef idx="0">
+        <a:scrgbClr r="0" g="0" b="0"/>
+      </a:effectRef>
+      <a:fontRef idx="minor">
+        <a:schemeClr val="lt1"/>
+      </a:fontRef>
+    </dgm:style>
+  </dgm:styleLbl>
+  <dgm:styleLbl name="fgImgPlace1">
+    <dgm:scene3d>
+      <a:camera prst="orthographicFront"/>
+      <a:lightRig rig="threePt" dir="t"/>
+    </dgm:scene3d>
+    <dgm:sp3d/>
+    <dgm:txPr/>
+    <dgm:style>
+      <a:lnRef idx="2">
+        <a:scrgbClr r="0" g="0" b="0"/>
+      </a:lnRef>
+      <a:fillRef idx="1">
+        <a:scrgbClr r="0" g="0" b="0"/>
+      </a:fillRef>
+      <a:effectRef idx="0">
+        <a:scrgbClr r="0" g="0" b="0"/>
+      </a:effectRef>
+      <a:fontRef idx="minor"/>
+    </dgm:style>
+  </dgm:styleLbl>
+  <dgm:styleLbl name="alignImgPlace1">
+    <dgm:scene3d>
+      <a:camera prst="orthographicFront"/>
+      <a:lightRig rig="threePt" dir="t"/>
+    </dgm:scene3d>
+    <dgm:sp3d/>
+    <dgm:txPr/>
+    <dgm:style>
+      <a:lnRef idx="2">
+        <a:scrgbClr r="0" g="0" b="0"/>
+      </a:lnRef>
+      <a:fillRef idx="1">
+        <a:scrgbClr r="0" g="0" b="0"/>
+      </a:fillRef>
+      <a:effectRef idx="0">
+        <a:scrgbClr r="0" g="0" b="0"/>
+      </a:effectRef>
+      <a:fontRef idx="minor"/>
+    </dgm:style>
+  </dgm:styleLbl>
+  <dgm:styleLbl name="bgImgPlace1">
+    <dgm:scene3d>
+      <a:camera prst="orthographicFront"/>
+      <a:lightRig rig="threePt" dir="t"/>
+    </dgm:scene3d>
+    <dgm:sp3d/>
+    <dgm:txPr/>
+    <dgm:style>
+      <a:lnRef idx="2">
+        <a:scrgbClr r="0" g="0" b="0"/>
+      </a:lnRef>
+      <a:fillRef idx="1">
+        <a:scrgbClr r="0" g="0" b="0"/>
+      </a:fillRef>
+      <a:effectRef idx="0">
+        <a:scrgbClr r="0" g="0" b="0"/>
+      </a:effectRef>
+      <a:fontRef idx="minor"/>
+    </dgm:style>
+  </dgm:styleLbl>
+  <dgm:styleLbl name="sibTrans2D1">
+    <dgm:scene3d>
+      <a:camera prst="orthographicFront"/>
+      <a:lightRig rig="threePt" dir="t"/>
+    </dgm:scene3d>
+    <dgm:sp3d/>
+    <dgm:txPr/>
+    <dgm:style>
+      <a:lnRef idx="0">
+        <a:scrgbClr r="0" g="0" b="0"/>
+      </a:lnRef>
+      <a:fillRef idx="1">
+        <a:scrgbClr r="0" g="0" b="0"/>
+      </a:fillRef>
+      <a:effectRef idx="0">
+        <a:scrgbClr r="0" g="0" b="0"/>
+      </a:effectRef>
+      <a:fontRef idx="minor">
+        <a:schemeClr val="lt1"/>
+      </a:fontRef>
+    </dgm:style>
+  </dgm:styleLbl>
+  <dgm:styleLbl name="fgSibTrans2D1">
+    <dgm:scene3d>
+      <a:camera prst="orthographicFront"/>
+      <a:lightRig rig="threePt" dir="t"/>
+    </dgm:scene3d>
+    <dgm:sp3d/>
+    <dgm:txPr/>
+    <dgm:style>
+      <a:lnRef idx="0">
+        <a:scrgbClr r="0" g="0" b="0"/>
+      </a:lnRef>
+      <a:fillRef idx="1">
+        <a:scrgbClr r="0" g="0" b="0"/>
+      </a:fillRef>
+      <a:effectRef idx="0">
+        <a:scrgbClr r="0" g="0" b="0"/>
+      </a:effectRef>
+      <a:fontRef idx="minor">
+        <a:schemeClr val="lt1"/>
+      </a:fontRef>
+    </dgm:style>
+  </dgm:styleLbl>
+  <dgm:styleLbl name="bgSibTrans2D1">
+    <dgm:scene3d>
+      <a:camera prst="orthographicFront"/>
+      <a:lightRig rig="threePt" dir="t"/>
+    </dgm:scene3d>
+    <dgm:sp3d/>
+    <dgm:txPr/>
+    <dgm:style>
+      <a:lnRef idx="0">
+        <a:scrgbClr r="0" g="0" b="0"/>
+      </a:lnRef>
+      <a:fillRef idx="1">
+        <a:scrgbClr r="0" g="0" b="0"/>
+      </a:fillRef>
+      <a:effectRef idx="0">
+        <a:scrgbClr r="0" g="0" b="0"/>
+      </a:effectRef>
+      <a:fontRef idx="minor">
+        <a:schemeClr val="lt1"/>
+      </a:fontRef>
+    </dgm:style>
+  </dgm:styleLbl>
+  <dgm:styleLbl name="sibTrans1D1">
+    <dgm:scene3d>
+      <a:camera prst="orthographicFront"/>
+      <a:lightRig rig="threePt" dir="t"/>
+    </dgm:scene3d>
+    <dgm:sp3d/>
+    <dgm:txPr/>
+    <dgm:style>
+      <a:lnRef idx="1">
+        <a:scrgbClr r="0" g="0" b="0"/>
+      </a:lnRef>
+      <a:fillRef idx="0">
+        <a:scrgbClr r="0" g="0" b="0"/>
+      </a:fillRef>
+      <a:effectRef idx="0">
+        <a:scrgbClr r="0" g="0" b="0"/>
+      </a:effectRef>
+      <a:fontRef idx="minor"/>
+    </dgm:style>
+  </dgm:styleLbl>
+  <dgm:styleLbl name="callout">
+    <dgm:scene3d>
+      <a:camera prst="orthographicFront"/>
+      <a:lightRig rig="threePt" dir="t"/>
+    </dgm:scene3d>
+    <dgm:sp3d/>
+    <dgm:txPr/>
+    <dgm:style>
+      <a:lnRef idx="2">
+        <a:scrgbClr r="0" g="0" b="0"/>
+      </a:lnRef>
+      <a:fillRef idx="1">
+        <a:scrgbClr r="0" g="0" b="0"/>
+      </a:fillRef>
+      <a:effectRef idx="0">
+        <a:scrgbClr r="0" g="0" b="0"/>
+      </a:effectRef>
+      <a:fontRef idx="minor"/>
+    </dgm:style>
+  </dgm:styleLbl>
+  <dgm:styleLbl name="asst0">
+    <dgm:scene3d>
+      <a:camera prst="orthographicFront"/>
+      <a:lightRig rig="threePt" dir="t"/>
+    </dgm:scene3d>
+    <dgm:sp3d/>
+    <dgm:txPr/>
+    <dgm:style>
+      <a:lnRef idx="2">
+        <a:scrgbClr r="0" g="0" b="0"/>
+      </a:lnRef>
+      <a:fillRef idx="1">
+        <a:scrgbClr r="0" g="0" b="0"/>
+      </a:fillRef>
+      <a:effectRef idx="0">
+        <a:scrgbClr r="0" g="0" b="0"/>
+      </a:effectRef>
+      <a:fontRef idx="minor">
+        <a:schemeClr val="lt1"/>
+      </a:fontRef>
+    </dgm:style>
+  </dgm:styleLbl>
+  <dgm:styleLbl name="asst1">
+    <dgm:scene3d>
+      <a:camera prst="orthographicFront"/>
+      <a:lightRig rig="threePt" dir="t"/>
+    </dgm:scene3d>
+    <dgm:sp3d/>
+    <dgm:txPr/>
+    <dgm:style>
+      <a:lnRef idx="2">
+        <a:scrgbClr r="0" g="0" b="0"/>
+      </a:lnRef>
+      <a:fillRef idx="1">
+        <a:scrgbClr r="0" g="0" b="0"/>
+      </a:fillRef>
+      <a:effectRef idx="0">
+        <a:scrgbClr r="0" g="0" b="0"/>
+      </a:effectRef>
+      <a:fontRef idx="minor">
+        <a:schemeClr val="lt1"/>
+      </a:fontRef>
+    </dgm:style>
+  </dgm:styleLbl>
+  <dgm:styleLbl name="asst2">
+    <dgm:scene3d>
+      <a:camera prst="orthographicFront"/>
+      <a:lightRig rig="threePt" dir="t"/>
+    </dgm:scene3d>
+    <dgm:sp3d/>
+    <dgm:txPr/>
+    <dgm:style>
+      <a:lnRef idx="2">
+        <a:scrgbClr r="0" g="0" b="0"/>
+      </a:lnRef>
+      <a:fillRef idx="1">
+        <a:scrgbClr r="0" g="0" b="0"/>
+      </a:fillRef>
+      <a:effectRef idx="0">
+        <a:scrgbClr r="0" g="0" b="0"/>
+      </a:effectRef>
+      <a:fontRef idx="minor">
+        <a:schemeClr val="lt1"/>
+      </a:fontRef>
+    </dgm:style>
+  </dgm:styleLbl>
+  <dgm:styleLbl name="asst3">
+    <dgm:scene3d>
+      <a:camera prst="orthographicFront"/>
+      <a:lightRig rig="threePt" dir="t"/>
+    </dgm:scene3d>
+    <dgm:sp3d/>
+    <dgm:txPr/>
+    <dgm:style>
+      <a:lnRef idx="2">
+        <a:scrgbClr r="0" g="0" b="0"/>
+      </a:lnRef>
+      <a:fillRef idx="1">
+        <a:scrgbClr r="0" g="0" b="0"/>
+      </a:fillRef>
+      <a:effectRef idx="0">
+        <a:scrgbClr r="0" g="0" b="0"/>
+      </a:effectRef>
+      <a:fontRef idx="minor">
+        <a:schemeClr val="lt1"/>
+      </a:fontRef>
+    </dgm:style>
+  </dgm:styleLbl>
+  <dgm:styleLbl name="asst4">
+    <dgm:scene3d>
+      <a:camera prst="orthographicFront"/>
+      <a:lightRig rig="threePt" dir="t"/>
+    </dgm:scene3d>
+    <dgm:sp3d/>
+    <dgm:txPr/>
+    <dgm:style>
+      <a:lnRef idx="2">
+        <a:scrgbClr r="0" g="0" b="0"/>
+      </a:lnRef>
+      <a:fillRef idx="1">
+        <a:scrgbClr r="0" g="0" b="0"/>
+      </a:fillRef>
+      <a:effectRef idx="0">
+        <a:scrgbClr r="0" g="0" b="0"/>
+      </a:effectRef>
+      <a:fontRef idx="minor">
+        <a:schemeClr val="lt1"/>
+      </a:fontRef>
+    </dgm:style>
+  </dgm:styleLbl>
+  <dgm:styleLbl name="parChTrans2D1">
+    <dgm:scene3d>
+      <a:camera prst="orthographicFront"/>
+      <a:lightRig rig="threePt" dir="t"/>
+    </dgm:scene3d>
+    <dgm:sp3d/>
+    <dgm:txPr/>
+    <dgm:style>
+      <a:lnRef idx="2">
+        <a:scrgbClr r="0" g="0" b="0"/>
+      </a:lnRef>
+      <a:fillRef idx="1">
+        <a:scrgbClr r="0" g="0" b="0"/>
+      </a:fillRef>
+      <a:effectRef idx="0">
+        <a:scrgbClr r="0" g="0" b="0"/>
+      </a:effectRef>
+      <a:fontRef idx="minor">
+        <a:schemeClr val="lt1"/>
+      </a:fontRef>
+    </dgm:style>
+  </dgm:styleLbl>
+  <dgm:styleLbl name="parChTrans2D2">
+    <dgm:scene3d>
+      <a:camera prst="orthographicFront"/>
+      <a:lightRig rig="threePt" dir="t"/>
+    </dgm:scene3d>
+    <dgm:sp3d/>
+    <dgm:txPr/>
+    <dgm:style>
+      <a:lnRef idx="2">
+        <a:scrgbClr r="0" g="0" b="0"/>
+      </a:lnRef>
+      <a:fillRef idx="1">
+        <a:scrgbClr r="0" g="0" b="0"/>
+      </a:fillRef>
+      <a:effectRef idx="0">
+        <a:scrgbClr r="0" g="0" b="0"/>
+      </a:effectRef>
+      <a:fontRef idx="minor">
+        <a:schemeClr val="lt1"/>
+      </a:fontRef>
+    </dgm:style>
+  </dgm:styleLbl>
+  <dgm:styleLbl name="parChTrans2D3">
+    <dgm:scene3d>
+      <a:camera prst="orthographicFront"/>
+      <a:lightRig rig="threePt" dir="t"/>
+    </dgm:scene3d>
+    <dgm:sp3d/>
+    <dgm:txPr/>
+    <dgm:style>
+      <a:lnRef idx="2">
+        <a:scrgbClr r="0" g="0" b="0"/>
+      </a:lnRef>
+      <a:fillRef idx="1">
+        <a:scrgbClr r="0" g="0" b="0"/>
+      </a:fillRef>
+      <a:effectRef idx="0">
+        <a:scrgbClr r="0" g="0" b="0"/>
+      </a:effectRef>
+      <a:fontRef idx="minor">
+        <a:schemeClr val="lt1"/>
+      </a:fontRef>
+    </dgm:style>
+  </dgm:styleLbl>
+  <dgm:styleLbl name="parChTrans2D4">
+    <dgm:scene3d>
+      <a:camera prst="orthographicFront"/>
+      <a:lightRig rig="threePt" dir="t"/>
+    </dgm:scene3d>
+    <dgm:sp3d/>
+    <dgm:txPr/>
+    <dgm:style>
+      <a:lnRef idx="2">
+        <a:scrgbClr r="0" g="0" b="0"/>
+      </a:lnRef>
+      <a:fillRef idx="1">
+        <a:scrgbClr r="0" g="0" b="0"/>
+      </a:fillRef>
+      <a:effectRef idx="0">
+        <a:scrgbClr r="0" g="0" b="0"/>
+      </a:effectRef>
+      <a:fontRef idx="minor">
+        <a:schemeClr val="lt1"/>
+      </a:fontRef>
+    </dgm:style>
+  </dgm:styleLbl>
+  <dgm:styleLbl name="parChTrans1D1">
+    <dgm:scene3d>
+      <a:camera prst="orthographicFront"/>
+      <a:lightRig rig="threePt" dir="t"/>
+    </dgm:scene3d>
+    <dgm:sp3d/>
+    <dgm:txPr/>
+    <dgm:style>
+      <a:lnRef idx="2">
+        <a:scrgbClr r="0" g="0" b="0"/>
+      </a:lnRef>
+      <a:fillRef idx="0">
+        <a:scrgbClr r="0" g="0" b="0"/>
+      </a:fillRef>
+      <a:effectRef idx="0">
+        <a:scrgbClr r="0" g="0" b="0"/>
+      </a:effectRef>
+      <a:fontRef idx="minor"/>
+    </dgm:style>
+  </dgm:styleLbl>
+  <dgm:styleLbl name="parChTrans1D2">
+    <dgm:scene3d>
+      <a:camera prst="orthographicFront"/>
+      <a:lightRig rig="threePt" dir="t"/>
+    </dgm:scene3d>
+    <dgm:sp3d/>
+    <dgm:txPr/>
+    <dgm:style>
+      <a:lnRef idx="2">
+        <a:scrgbClr r="0" g="0" b="0"/>
+      </a:lnRef>
+      <a:fillRef idx="0">
+        <a:scrgbClr r="0" g="0" b="0"/>
+      </a:fillRef>
+      <a:effectRef idx="0">
+        <a:scrgbClr r="0" g="0" b="0"/>
+      </a:effectRef>
+      <a:fontRef idx="minor"/>
+    </dgm:style>
+  </dgm:styleLbl>
+  <dgm:styleLbl name="parChTrans1D3">
+    <dgm:scene3d>
+      <a:camera prst="orthographicFront"/>
+      <a:lightRig rig="threePt" dir="t"/>
+    </dgm:scene3d>
+    <dgm:sp3d/>
+    <dgm:txPr/>
+    <dgm:style>
+      <a:lnRef idx="2">
+        <a:scrgbClr r="0" g="0" b="0"/>
+      </a:lnRef>
+      <a:fillRef idx="0">
+        <a:scrgbClr r="0" g="0" b="0"/>
+      </a:fillRef>
+      <a:effectRef idx="0">
+        <a:scrgbClr r="0" g="0" b="0"/>
+      </a:effectRef>
+      <a:fontRef idx="minor"/>
+    </dgm:style>
+  </dgm:styleLbl>
+  <dgm:styleLbl name="parChTrans1D4">
+    <dgm:scene3d>
+      <a:camera prst="orthographicFront"/>
+      <a:lightRig rig="threePt" dir="t"/>
+    </dgm:scene3d>
+    <dgm:sp3d/>
+    <dgm:txPr/>
+    <dgm:style>
+      <a:lnRef idx="2">
+        <a:scrgbClr r="0" g="0" b="0"/>
+      </a:lnRef>
+      <a:fillRef idx="0">
+        <a:scrgbClr r="0" g="0" b="0"/>
+      </a:fillRef>
+      <a:effectRef idx="0">
+        <a:scrgbClr r="0" g="0" b="0"/>
+      </a:effectRef>
+      <a:fontRef idx="minor"/>
+    </dgm:style>
+  </dgm:styleLbl>
+  <dgm:styleLbl name="fgAcc1">
+    <dgm:scene3d>
+      <a:camera prst="orthographicFront"/>
+      <a:lightRig rig="threePt" dir="t"/>
+    </dgm:scene3d>
+    <dgm:sp3d/>
+    <dgm:txPr/>
+    <dgm:style>
+      <a:lnRef idx="2">
+        <a:scrgbClr r="0" g="0" b="0"/>
+      </a:lnRef>
+      <a:fillRef idx="1">
+        <a:scrgbClr r="0" g="0" b="0"/>
+      </a:fillRef>
+      <a:effectRef idx="0">
+        <a:scrgbClr r="0" g="0" b="0"/>
+      </a:effectRef>
+      <a:fontRef idx="minor"/>
+    </dgm:style>
+  </dgm:styleLbl>
+  <dgm:styleLbl name="conFgAcc1">
+    <dgm:scene3d>
+      <a:camera prst="orthographicFront"/>
+      <a:lightRig rig="threePt" dir="t"/>
+    </dgm:scene3d>
+    <dgm:sp3d/>
+    <dgm:txPr/>
+    <dgm:style>
+      <a:lnRef idx="2">
+        <a:scrgbClr r="0" g="0" b="0"/>
+      </a:lnRef>
+      <a:fillRef idx="1">
+        <a:scrgbClr r="0" g="0" b="0"/>
+      </a:fillRef>
+      <a:effectRef idx="0">
+        <a:scrgbClr r="0" g="0" b="0"/>
+      </a:effectRef>
+      <a:fontRef idx="minor"/>
+    </dgm:style>
+  </dgm:styleLbl>
+  <dgm:styleLbl name="alignAcc1">
+    <dgm:scene3d>
+      <a:camera prst="orthographicFront"/>
+      <a:lightRig rig="threePt" dir="t"/>
+    </dgm:scene3d>
+    <dgm:sp3d/>
+    <dgm:txPr/>
+    <dgm:style>
+      <a:lnRef idx="2">
+        <a:scrgbClr r="0" g="0" b="0"/>
+      </a:lnRef>
+      <a:fillRef idx="1">
+        <a:scrgbClr r="0" g="0" b="0"/>
+      </a:fillRef>
+      <a:effectRef idx="0">
+        <a:scrgbClr r="0" g="0" b="0"/>
+      </a:effectRef>
+      <a:fontRef idx="minor"/>
+    </dgm:style>
+  </dgm:styleLbl>
+  <dgm:styleLbl name="trAlignAcc1">
+    <dgm:scene3d>
+      <a:camera prst="orthographicFront"/>
+      <a:lightRig rig="threePt" dir="t"/>
+    </dgm:scene3d>
+    <dgm:sp3d/>
+    <dgm:txPr/>
+    <dgm:style>
+      <a:lnRef idx="1">
+        <a:scrgbClr r="0" g="0" b="0"/>
+      </a:lnRef>
+      <a:fillRef idx="1">
+        <a:scrgbClr r="0" g="0" b="0"/>
+      </a:fillRef>
+      <a:effectRef idx="0">
+        <a:scrgbClr r="0" g="0" b="0"/>
+      </a:effectRef>
+      <a:fontRef idx="minor"/>
+    </dgm:style>
+  </dgm:styleLbl>
+  <dgm:styleLbl name="bgAcc1">
+    <dgm:scene3d>
+      <a:camera prst="orthographicFront"/>
+      <a:lightRig rig="threePt" dir="t"/>
+    </dgm:scene3d>
+    <dgm:sp3d/>
+    <dgm:txPr/>
+    <dgm:style>
+      <a:lnRef idx="2">
+        <a:scrgbClr r="0" g="0" b="0"/>
+      </a:lnRef>
+      <a:fillRef idx="1">
+        <a:scrgbClr r="0" g="0" b="0"/>
+      </a:fillRef>
+      <a:effectRef idx="0">
+        <a:scrgbClr r="0" g="0" b="0"/>
+      </a:effectRef>
+      <a:fontRef idx="minor"/>
+    </dgm:style>
+  </dgm:styleLbl>
+  <dgm:styleLbl name="solidFgAcc1">
+    <dgm:scene3d>
+      <a:camera prst="orthographicFront"/>
+      <a:lightRig rig="threePt" dir="t"/>
+    </dgm:scene3d>
+    <dgm:sp3d/>
+    <dgm:txPr/>
+    <dgm:style>
+      <a:lnRef idx="2">
+        <a:scrgbClr r="0" g="0" b="0"/>
+      </a:lnRef>
+      <a:fillRef idx="1">
+        <a:scrgbClr r="0" g="0" b="0"/>
+      </a:fillRef>
+      <a:effectRef idx="0">
+        <a:scrgbClr r="0" g="0" b="0"/>
+      </a:effectRef>
+      <a:fontRef idx="minor"/>
+    </dgm:style>
+  </dgm:styleLbl>
+  <dgm:styleLbl name="solidAlignAcc1">
+    <dgm:scene3d>
+      <a:camera prst="orthographicFront"/>
+      <a:lightRig rig="threePt" dir="t"/>
+    </dgm:scene3d>
+    <dgm:sp3d/>
+    <dgm:txPr/>
+    <dgm:style>
+      <a:lnRef idx="2">
+        <a:scrgbClr r="0" g="0" b="0"/>
+      </a:lnRef>
+      <a:fillRef idx="1">
+        <a:scrgbClr r="0" g="0" b="0"/>
+      </a:fillRef>
+      <a:effectRef idx="0">
+        <a:scrgbClr r="0" g="0" b="0"/>
+      </a:effectRef>
+      <a:fontRef idx="minor"/>
+    </dgm:style>
+  </dgm:styleLbl>
+  <dgm:styleLbl name="solidBgAcc1">
+    <dgm:scene3d>
+      <a:camera prst="orthographicFront"/>
+      <a:lightRig rig="threePt" dir="t"/>
+    </dgm:scene3d>
+    <dgm:sp3d/>
+    <dgm:txPr/>
+    <dgm:style>
+      <a:lnRef idx="2">
+        <a:scrgbClr r="0" g="0" b="0"/>
+      </a:lnRef>
+      <a:fillRef idx="1">
+        <a:scrgbClr r="0" g="0" b="0"/>
+      </a:fillRef>
+      <a:effectRef idx="0">
+        <a:scrgbClr r="0" g="0" b="0"/>
+      </a:effectRef>
+      <a:fontRef idx="minor"/>
+    </dgm:style>
+  </dgm:styleLbl>
+  <dgm:styleLbl name="fgAccFollowNode1">
+    <dgm:scene3d>
+      <a:camera prst="orthographicFront"/>
+      <a:lightRig rig="threePt" dir="t"/>
+    </dgm:scene3d>
+    <dgm:sp3d/>
+    <dgm:txPr/>
+    <dgm:style>
+      <a:lnRef idx="2">
+        <a:scrgbClr r="0" g="0" b="0"/>
+      </a:lnRef>
+      <a:fillRef idx="1">
+        <a:scrgbClr r="0" g="0" b="0"/>
+      </a:fillRef>
+      <a:effectRef idx="0">
+        <a:scrgbClr r="0" g="0" b="0"/>
+      </a:effectRef>
+      <a:fontRef idx="minor"/>
+    </dgm:style>
+  </dgm:styleLbl>
+  <dgm:styleLbl name="alignAccFollowNode1">
+    <dgm:scene3d>
+      <a:camera prst="orthographicFront"/>
+      <a:lightRig rig="threePt" dir="t"/>
+    </dgm:scene3d>
+    <dgm:sp3d/>
+    <dgm:txPr/>
+    <dgm:style>
+      <a:lnRef idx="2">
+        <a:scrgbClr r="0" g="0" b="0"/>
+      </a:lnRef>
+      <a:fillRef idx="1">
+        <a:scrgbClr r="0" g="0" b="0"/>
+      </a:fillRef>
+      <a:effectRef idx="0">
+        <a:scrgbClr r="0" g="0" b="0"/>
+      </a:effectRef>
+      <a:fontRef idx="minor"/>
+    </dgm:style>
+  </dgm:styleLbl>
+  <dgm:styleLbl name="bgAccFollowNode1">
+    <dgm:scene3d>
+      <a:camera prst="orthographicFront"/>
+      <a:lightRig rig="threePt" dir="t"/>
+    </dgm:scene3d>
+    <dgm:sp3d/>
+    <dgm:txPr/>
+    <dgm:style>
+      <a:lnRef idx="2">
+        <a:scrgbClr r="0" g="0" b="0"/>
+      </a:lnRef>
+      <a:fillRef idx="1">
+        <a:scrgbClr r="0" g="0" b="0"/>
+      </a:fillRef>
+      <a:effectRef idx="0">
+        <a:scrgbClr r="0" g="0" b="0"/>
+      </a:effectRef>
+      <a:fontRef idx="minor"/>
+    </dgm:style>
+  </dgm:styleLbl>
+  <dgm:styleLbl name="fgAcc0">
+    <dgm:scene3d>
+      <a:camera prst="orthographicFront"/>
+      <a:lightRig rig="threePt" dir="t"/>
+    </dgm:scene3d>
+    <dgm:sp3d/>
+    <dgm:txPr/>
+    <dgm:style>
+      <a:lnRef idx="2">
+        <a:scrgbClr r="0" g="0" b="0"/>
+      </a:lnRef>
+      <a:fillRef idx="1">
+        <a:scrgbClr r="0" g="0" b="0"/>
+      </a:fillRef>
+      <a:effectRef idx="0">
+        <a:scrgbClr r="0" g="0" b="0"/>
+      </a:effectRef>
+      <a:fontRef idx="minor"/>
+    </dgm:style>
+  </dgm:styleLbl>
+  <dgm:styleLbl name="fgAcc2">
+    <dgm:scene3d>
+      <a:camera prst="orthographicFront"/>
+      <a:lightRig rig="threePt" dir="t"/>
+    </dgm:scene3d>
+    <dgm:sp3d/>
+    <dgm:txPr/>
+    <dgm:style>
+      <a:lnRef idx="2">
+        <a:scrgbClr r="0" g="0" b="0"/>
+      </a:lnRef>
+      <a:fillRef idx="1">
+        <a:scrgbClr r="0" g="0" b="0"/>
+      </a:fillRef>
+      <a:effectRef idx="0">
+        <a:scrgbClr r="0" g="0" b="0"/>
+      </a:effectRef>
+      <a:fontRef idx="minor"/>
+    </dgm:style>
+  </dgm:styleLbl>
+  <dgm:styleLbl name="fgAcc3">
+    <dgm:scene3d>
+      <a:camera prst="orthographicFront"/>
+      <a:lightRig rig="threePt" dir="t"/>
+    </dgm:scene3d>
+    <dgm:sp3d/>
+    <dgm:txPr/>
+    <dgm:style>
+      <a:lnRef idx="2">
+        <a:scrgbClr r="0" g="0" b="0"/>
+      </a:lnRef>
+      <a:fillRef idx="1">
+        <a:scrgbClr r="0" g="0" b="0"/>
+      </a:fillRef>
+      <a:effectRef idx="0">
+        <a:scrgbClr r="0" g="0" b="0"/>
+      </a:effectRef>
+      <a:fontRef idx="minor"/>
+    </dgm:style>
+  </dgm:styleLbl>
+  <dgm:styleLbl name="fgAcc4">
+    <dgm:scene3d>
+      <a:camera prst="orthographicFront"/>
+      <a:lightRig rig="threePt" dir="t"/>
+    </dgm:scene3d>
+    <dgm:sp3d/>
+    <dgm:txPr/>
+    <dgm:style>
+      <a:lnRef idx="2">
+        <a:scrgbClr r="0" g="0" b="0"/>
+      </a:lnRef>
+      <a:fillRef idx="1">
+        <a:scrgbClr r="0" g="0" b="0"/>
+      </a:fillRef>
+      <a:effectRef idx="0">
+        <a:scrgbClr r="0" g="0" b="0"/>
+      </a:effectRef>
+      <a:fontRef idx="minor"/>
+    </dgm:style>
+  </dgm:styleLbl>
+  <dgm:styleLbl name="bgShp">
+    <dgm:scene3d>
+      <a:camera prst="orthographicFront"/>
+      <a:lightRig rig="threePt" dir="t"/>
+    </dgm:scene3d>
+    <dgm:sp3d/>
+    <dgm:txPr/>
+    <dgm:style>
+      <a:lnRef idx="0">
+        <a:scrgbClr r="0" g="0" b="0"/>
+      </a:lnRef>
+      <a:fillRef idx="1">
+        <a:scrgbClr r="0" g="0" b="0"/>
+      </a:fillRef>
+      <a:effectRef idx="0">
+        <a:scrgbClr r="0" g="0" b="0"/>
+      </a:effectRef>
+      <a:fontRef idx="minor"/>
+    </dgm:style>
+  </dgm:styleLbl>
+  <dgm:styleLbl name="dkBgShp">
+    <dgm:scene3d>
+      <a:camera prst="orthographicFront"/>
+      <a:lightRig rig="threePt" dir="t"/>
+    </dgm:scene3d>
+    <dgm:sp3d/>
+    <dgm:txPr/>
+    <dgm:style>
+      <a:lnRef idx="0">
+        <a:scrgbClr r="0" g="0" b="0"/>
+      </a:lnRef>
+      <a:fillRef idx="1">
+        <a:scrgbClr r="0" g="0" b="0"/>
+      </a:fillRef>
+      <a:effectRef idx="0">
+        <a:scrgbClr r="0" g="0" b="0"/>
+      </a:effectRef>
+      <a:fontRef idx="minor"/>
+    </dgm:style>
+  </dgm:styleLbl>
+  <dgm:styleLbl name="trBgShp">
+    <dgm:scene3d>
+      <a:camera prst="orthographicFront"/>
+      <a:lightRig rig="threePt" dir="t"/>
+    </dgm:scene3d>
+    <dgm:sp3d/>
+    <dgm:txPr/>
+    <dgm:style>
+      <a:lnRef idx="0">
+        <a:scrgbClr r="0" g="0" b="0"/>
+      </a:lnRef>
+      <a:fillRef idx="1">
+        <a:scrgbClr r="0" g="0" b="0"/>
+      </a:fillRef>
+      <a:effectRef idx="0">
+        <a:scrgbClr r="0" g="0" b="0"/>
+      </a:effectRef>
+      <a:fontRef idx="minor"/>
+    </dgm:style>
+  </dgm:styleLbl>
+  <dgm:styleLbl name="fgShp">
+    <dgm:scene3d>
+      <a:camera prst="orthographicFront"/>
+      <a:lightRig rig="threePt" dir="t"/>
+    </dgm:scene3d>
+    <dgm:sp3d/>
+    <dgm:txPr/>
+    <dgm:style>
+      <a:lnRef idx="2">
+        <a:scrgbClr r="0" g="0" b="0"/>
+      </a:lnRef>
+      <a:fillRef idx="1">
+        <a:scrgbClr r="0" g="0" b="0"/>
+      </a:fillRef>
+      <a:effectRef idx="0">
         <a:scrgbClr r="0" g="0" b="0"/>
       </a:effectRef>
       <a:fontRef idx="minor"/>
@@ -51247,14 +54063,14 @@
           <p:nvPr>
             <p:extLst>
               <p:ext uri="{D42A27DB-BD31-4B8C-83A1-F6EECF244321}">
-                <p14:modId xmlns:p14="http://schemas.microsoft.com/office/powerpoint/2010/main" val="229395436"/>
+                <p14:modId xmlns:p14="http://schemas.microsoft.com/office/powerpoint/2010/main" val="2777756843"/>
               </p:ext>
             </p:extLst>
           </p:nvPr>
         </p:nvGraphicFramePr>
         <p:xfrm>
-          <a:off x="3050540" y="1580198"/>
-          <a:ext cx="6817995" cy="5195887"/>
+          <a:off x="2978653" y="1666461"/>
+          <a:ext cx="6918636" cy="5008983"/>
         </p:xfrm>
         <a:graphic>
           <a:graphicData uri="http://schemas.openxmlformats.org/drawingml/2006/diagram">
@@ -52574,14 +55390,14 @@
             <p:ph idx="4294967295"/>
             <p:extLst>
               <p:ext uri="{D42A27DB-BD31-4B8C-83A1-F6EECF244321}">
-                <p14:modId xmlns:p14="http://schemas.microsoft.com/office/powerpoint/2010/main" val="3171485869"/>
+                <p14:modId xmlns:p14="http://schemas.microsoft.com/office/powerpoint/2010/main" val="1843953387"/>
               </p:ext>
             </p:extLst>
           </p:nvPr>
         </p:nvGraphicFramePr>
         <p:xfrm>
-          <a:off x="-984980" y="1949057"/>
-          <a:ext cx="14160375" cy="4764359"/>
+          <a:off x="-2192678" y="1934679"/>
+          <a:ext cx="16561393" cy="4807492"/>
         </p:xfrm>
         <a:graphic>
           <a:graphicData uri="http://schemas.openxmlformats.org/drawingml/2006/diagram">
@@ -52965,6 +55781,14 @@
 <file path=ppt/slides/slide23.xml><?xml version="1.0" encoding="utf-8"?>
 <p:sld xmlns:a="http://schemas.openxmlformats.org/drawingml/2006/main" xmlns:r="http://schemas.openxmlformats.org/officeDocument/2006/relationships" xmlns:p="http://schemas.openxmlformats.org/presentationml/2006/main">
   <p:cSld>
+    <p:bg>
+      <p:bgPr>
+        <a:solidFill>
+          <a:schemeClr val="bg2"/>
+        </a:solidFill>
+        <a:effectLst/>
+      </p:bgPr>
+    </p:bg>
     <p:spTree>
       <p:nvGrpSpPr>
         <p:cNvPr id="1" name=""/>
@@ -52995,7 +55819,12 @@
             <p:ph type="title"/>
           </p:nvPr>
         </p:nvSpPr>
-        <p:spPr/>
+        <p:spPr>
+          <a:xfrm>
+            <a:off x="1202919" y="284176"/>
+            <a:ext cx="9784080" cy="1508760"/>
+          </a:xfrm>
+        </p:spPr>
         <p:txBody>
           <a:bodyPr>
             <a:normAutofit/>
@@ -53003,54 +55832,43 @@
           <a:lstStyle/>
           <a:p>
             <a:r>
-              <a:rPr lang="en-US" sz="4800"/>
+              <a:rPr lang="en-US"/>
               <a:t>Conclusion</a:t>
             </a:r>
           </a:p>
         </p:txBody>
       </p:sp>
-      <p:sp>
-        <p:nvSpPr>
-          <p:cNvPr id="3" name="Content Placeholder 2">
+      <p:graphicFrame>
+        <p:nvGraphicFramePr>
+          <p:cNvPr id="12" name="Content Placeholder 2">
             <a:extLst>
               <a:ext uri="{FF2B5EF4-FFF2-40B4-BE49-F238E27FC236}">
-                <a16:creationId xmlns:a16="http://schemas.microsoft.com/office/drawing/2014/main" id="{2556E413-37EA-A84F-AC2C-9ADA22FE1993}"/>
+                <a16:creationId xmlns:a16="http://schemas.microsoft.com/office/drawing/2014/main" id="{9DC978D5-D924-482C-8723-0F3A0321B442}"/>
               </a:ext>
             </a:extLst>
           </p:cNvPr>
-          <p:cNvSpPr>
-            <a:spLocks noGrp="1"/>
-          </p:cNvSpPr>
+          <p:cNvGraphicFramePr>
+            <a:graphicFrameLocks noGrp="1"/>
+          </p:cNvGraphicFramePr>
           <p:nvPr>
             <p:ph idx="1"/>
+            <p:extLst>
+              <p:ext uri="{D42A27DB-BD31-4B8C-83A1-F6EECF244321}">
+                <p14:modId xmlns:p14="http://schemas.microsoft.com/office/powerpoint/2010/main" val="4257167380"/>
+              </p:ext>
+            </p:extLst>
           </p:nvPr>
-        </p:nvSpPr>
-        <p:spPr/>
-        <p:txBody>
-          <a:bodyPr vert="horz" lIns="91440" tIns="45720" rIns="91440" bIns="45720" rtlCol="0" anchor="t">
-            <a:normAutofit/>
-          </a:bodyPr>
-          <a:lstStyle/>
-          <a:p>
-            <a:r>
-              <a:rPr lang="en-US" dirty="0"/>
-              <a:t>We believe we conclude a decent and complex version 1 of the project but we are looking to meet with the client to make some modifications if necessary.</a:t>
-            </a:r>
-          </a:p>
-          <a:p>
-            <a:r>
-              <a:rPr lang="en-US" dirty="0"/>
-              <a:t>We also will work in another version to compare other complex models to test performance and behavior.</a:t>
-            </a:r>
-          </a:p>
-          <a:p>
-            <a:r>
-              <a:rPr lang="en-US" dirty="0"/>
-              <a:t>We learn a about the different string similarity algorithms used in the industry.</a:t>
-            </a:r>
-          </a:p>
-        </p:txBody>
-      </p:sp>
+        </p:nvGraphicFramePr>
+        <p:xfrm>
+          <a:off x="1203325" y="2476595"/>
+          <a:ext cx="9783763" cy="3416205"/>
+        </p:xfrm>
+        <a:graphic>
+          <a:graphicData uri="http://schemas.openxmlformats.org/drawingml/2006/diagram">
+            <dgm:relIds xmlns:dgm="http://schemas.openxmlformats.org/drawingml/2006/diagram" xmlns:r="http://schemas.openxmlformats.org/officeDocument/2006/relationships" r:dm="rId2" r:lo="rId3" r:qs="rId4" r:cs="rId5"/>
+          </a:graphicData>
+        </a:graphic>
+      </p:graphicFrame>
     </p:spTree>
     <p:extLst>
       <p:ext uri="{BB962C8B-B14F-4D97-AF65-F5344CB8AC3E}">

--- a/docs/FuzzyRecordLinkage.pptx
+++ b/docs/FuzzyRecordLinkage.pptx
@@ -10,8 +10,8 @@
   <p:sldIdLst>
     <p:sldId id="256" r:id="rId2"/>
     <p:sldId id="257" r:id="rId3"/>
-    <p:sldId id="278" r:id="rId4"/>
-    <p:sldId id="281" r:id="rId5"/>
+    <p:sldId id="281" r:id="rId4"/>
+    <p:sldId id="278" r:id="rId5"/>
     <p:sldId id="258" r:id="rId6"/>
     <p:sldId id="259" r:id="rId7"/>
     <p:sldId id="260" r:id="rId8"/>
@@ -13759,7 +13759,7 @@
 <dgm:dataModel xmlns:dgm="http://schemas.openxmlformats.org/drawingml/2006/diagram" xmlns:a="http://schemas.openxmlformats.org/drawingml/2006/main">
   <dgm:ptLst>
     <dgm:pt modelId="{50AB081A-7CA7-4F55-862D-B5483B96FD53}" type="doc">
-      <dgm:prSet loTypeId="urn:microsoft.com/office/officeart/2005/8/layout/vList5" loCatId="list" qsTypeId="urn:microsoft.com/office/officeart/2005/8/quickstyle/simple4" qsCatId="simple" csTypeId="urn:microsoft.com/office/officeart/2005/8/colors/colorful2" csCatId="colorful"/>
+      <dgm:prSet loTypeId="urn:microsoft.com/office/officeart/2005/8/layout/vList5" loCatId="list" qsTypeId="urn:microsoft.com/office/officeart/2005/8/quickstyle/simple4" qsCatId="simple" csTypeId="urn:microsoft.com/office/officeart/2005/8/colors/colorful2" csCatId="colorful" phldr="1"/>
       <dgm:spPr/>
       <dgm:t>
         <a:bodyPr/>
@@ -13849,8 +13849,8 @@
         <a:lstStyle/>
         <a:p>
           <a:r>
-            <a:rPr lang="en-US"/>
-            <a:t>Count how known matches we identified</a:t>
+            <a:rPr lang="en-US" dirty="0"/>
+            <a:t>Count how many matches we identified</a:t>
           </a:r>
         </a:p>
       </dgm:t>
@@ -14302,7 +14302,7 @@
         <a:lstStyle/>
         <a:p>
           <a:r>
-            <a:rPr lang="en-US"/>
+            <a:rPr lang="en-US" dirty="0"/>
             <a:t>Apache's Commons-Codec Library</a:t>
           </a:r>
         </a:p>
@@ -14429,10 +14429,100 @@
     <dgm:pt modelId="{0C7148DF-BA08-40BF-B513-4E1515C46C9D}" type="parTrans" cxnId="{2E39548D-7ECF-472E-A6F7-8FE6F1E7E9DF}">
       <dgm:prSet/>
       <dgm:spPr/>
+      <dgm:t>
+        <a:bodyPr/>
+        <a:lstStyle/>
+        <a:p>
+          <a:endParaRPr lang="en-US"/>
+        </a:p>
+      </dgm:t>
     </dgm:pt>
     <dgm:pt modelId="{91172A2A-45E4-4302-A342-B6542289DEE9}" type="sibTrans" cxnId="{2E39548D-7ECF-472E-A6F7-8FE6F1E7E9DF}">
       <dgm:prSet/>
       <dgm:spPr/>
+      <dgm:t>
+        <a:bodyPr/>
+        <a:lstStyle/>
+        <a:p>
+          <a:endParaRPr lang="en-US"/>
+        </a:p>
+      </dgm:t>
+    </dgm:pt>
+    <dgm:pt modelId="{2691C195-9B3E-4A05-B9E1-0B89D5173DA2}">
+      <dgm:prSet/>
+      <dgm:spPr/>
+      <dgm:t>
+        <a:bodyPr/>
+        <a:lstStyle/>
+        <a:p>
+          <a:r>
+            <a:rPr lang="en-US" dirty="0"/>
+            <a:t>Ex.</a:t>
+          </a:r>
+        </a:p>
+      </dgm:t>
+    </dgm:pt>
+    <dgm:pt modelId="{244093C5-410D-49CE-9090-AAC1BEF5167F}" type="parTrans" cxnId="{10B420B6-AC38-4392-B5B1-A690AC73EFF0}">
+      <dgm:prSet/>
+      <dgm:spPr/>
+      <dgm:t>
+        <a:bodyPr/>
+        <a:lstStyle/>
+        <a:p>
+          <a:endParaRPr lang="en-US"/>
+        </a:p>
+      </dgm:t>
+    </dgm:pt>
+    <dgm:pt modelId="{6F4CF80E-AAE2-4BF6-9DCC-D2B69376F092}" type="sibTrans" cxnId="{10B420B6-AC38-4392-B5B1-A690AC73EFF0}">
+      <dgm:prSet/>
+      <dgm:spPr/>
+      <dgm:t>
+        <a:bodyPr/>
+        <a:lstStyle/>
+        <a:p>
+          <a:endParaRPr lang="en-US"/>
+        </a:p>
+      </dgm:t>
+    </dgm:pt>
+    <dgm:pt modelId="{7ABB3B96-74F0-4924-AEC0-168568348B49}">
+      <dgm:prSet/>
+      <dgm:spPr/>
+      <dgm:t>
+        <a:bodyPr/>
+        <a:lstStyle/>
+        <a:p>
+          <a:r>
+            <a:rPr lang="en-US" dirty="0" err="1"/>
+            <a:t>Illesca</a:t>
+          </a:r>
+          <a:r>
+            <a:rPr lang="en-US" dirty="0"/>
+            <a:t> -&gt; ILSK</a:t>
+          </a:r>
+        </a:p>
+      </dgm:t>
+    </dgm:pt>
+    <dgm:pt modelId="{C1B394C4-3B5B-4D89-AFD4-EE29C392C296}" type="parTrans" cxnId="{5630843D-D069-4CFC-88A5-8B5905CD1276}">
+      <dgm:prSet/>
+      <dgm:spPr/>
+      <dgm:t>
+        <a:bodyPr/>
+        <a:lstStyle/>
+        <a:p>
+          <a:endParaRPr lang="en-US"/>
+        </a:p>
+      </dgm:t>
+    </dgm:pt>
+    <dgm:pt modelId="{718313B8-75E2-4E8C-A27E-6EA9DAD009B3}" type="sibTrans" cxnId="{5630843D-D069-4CFC-88A5-8B5905CD1276}">
+      <dgm:prSet/>
+      <dgm:spPr/>
+      <dgm:t>
+        <a:bodyPr/>
+        <a:lstStyle/>
+        <a:p>
+          <a:endParaRPr lang="en-US"/>
+        </a:p>
+      </dgm:t>
     </dgm:pt>
     <dgm:pt modelId="{3AE4E8EB-BFAC-4B8C-A3D0-FACA322E6019}" type="pres">
       <dgm:prSet presAssocID="{5BEABEE3-1727-4455-A650-02F8062F1DB2}" presName="Name0" presStyleCnt="0">
@@ -14522,15 +14612,19 @@
   <dgm:cxnLst>
     <dgm:cxn modelId="{7D715A04-AE56-4C2C-8776-38FCD72CC8A7}" srcId="{9BB12580-585C-4D0B-A189-1D1CC59F132E}" destId="{519D55AD-DA6A-4D92-9BAE-1EC431A17F1F}" srcOrd="0" destOrd="0" parTransId="{CC73AD7A-4713-4BBF-AF5B-CFFBFAFAE1D3}" sibTransId="{FABC6BD2-66CF-4CF7-BBDF-9CACCC63B657}"/>
     <dgm:cxn modelId="{B11AAD26-BDF7-480B-82B6-B5A21D773C19}" srcId="{5BEABEE3-1727-4455-A650-02F8062F1DB2}" destId="{733C7CDF-D79C-4997-AE7C-0AA115E9B37D}" srcOrd="1" destOrd="0" parTransId="{876DAFC0-1E1B-4003-A119-F62A87E007AA}" sibTransId="{193819F3-3CEF-4150-9338-7E70F85A58E0}"/>
+    <dgm:cxn modelId="{5630843D-D069-4CFC-88A5-8B5905CD1276}" srcId="{2691C195-9B3E-4A05-B9E1-0B89D5173DA2}" destId="{7ABB3B96-74F0-4924-AEC0-168568348B49}" srcOrd="0" destOrd="0" parTransId="{C1B394C4-3B5B-4D89-AFD4-EE29C392C296}" sibTransId="{718313B8-75E2-4E8C-A27E-6EA9DAD009B3}"/>
     <dgm:cxn modelId="{3CAA1342-CD84-461B-ADA2-59907A698CCD}" srcId="{5BEABEE3-1727-4455-A650-02F8062F1DB2}" destId="{1D2EDD16-77B5-4180-9186-7D04A2E0FDE9}" srcOrd="2" destOrd="0" parTransId="{1D6D448F-D28C-4B9A-BDB6-435CBF659AB0}" sibTransId="{51335CE9-5EDD-45AE-A69A-0AE33CB10A57}"/>
+    <dgm:cxn modelId="{E5BFF645-00DD-4013-AC03-61EA7189D550}" type="presOf" srcId="{7ABB3B96-74F0-4924-AEC0-168568348B49}" destId="{5ADA738D-7366-4CF7-9EEF-48BD3EE37EB5}" srcOrd="0" destOrd="2" presId="urn:microsoft.com/office/officeart/2005/8/layout/hList1"/>
     <dgm:cxn modelId="{62D28370-4929-4A91-9044-119CA2813E27}" type="presOf" srcId="{5BEABEE3-1727-4455-A650-02F8062F1DB2}" destId="{3AE4E8EB-BFAC-4B8C-A3D0-FACA322E6019}" srcOrd="0" destOrd="0" presId="urn:microsoft.com/office/officeart/2005/8/layout/hList1"/>
     <dgm:cxn modelId="{C681A575-FAAF-4CE1-A146-C5DB7848240A}" type="presOf" srcId="{9BB12580-585C-4D0B-A189-1D1CC59F132E}" destId="{5150A35B-B304-4C3C-8BCE-ADFEFE63D401}" srcOrd="0" destOrd="0" presId="urn:microsoft.com/office/officeart/2005/8/layout/hList1"/>
+    <dgm:cxn modelId="{FA4D1559-D532-4D17-A605-8D63819D0C0B}" type="presOf" srcId="{2691C195-9B3E-4A05-B9E1-0B89D5173DA2}" destId="{5ADA738D-7366-4CF7-9EEF-48BD3EE37EB5}" srcOrd="0" destOrd="1" presId="urn:microsoft.com/office/officeart/2005/8/layout/hList1"/>
     <dgm:cxn modelId="{4930447E-EC40-461E-A27E-970726E6EF84}" type="presOf" srcId="{B5321914-0046-4212-B6C1-981A6C5C5BDE}" destId="{52982DCB-31B4-4B9A-9096-43BE6F508B52}" srcOrd="0" destOrd="0" presId="urn:microsoft.com/office/officeart/2005/8/layout/hList1"/>
     <dgm:cxn modelId="{406D4788-EF92-4644-BE5F-5171BFE615B8}" type="presOf" srcId="{519D55AD-DA6A-4D92-9BAE-1EC431A17F1F}" destId="{AD423238-9BB4-400E-8A17-60392CB4CA8A}" srcOrd="0" destOrd="0" presId="urn:microsoft.com/office/officeart/2005/8/layout/hList1"/>
     <dgm:cxn modelId="{2E39548D-7ECF-472E-A6F7-8FE6F1E7E9DF}" srcId="{5BEABEE3-1727-4455-A650-02F8062F1DB2}" destId="{9BB12580-585C-4D0B-A189-1D1CC59F132E}" srcOrd="0" destOrd="0" parTransId="{0C7148DF-BA08-40BF-B513-4E1515C46C9D}" sibTransId="{91172A2A-45E4-4302-A342-B6542289DEE9}"/>
     <dgm:cxn modelId="{27A9538E-F1B7-4FFD-8EB4-B2BA272BE437}" type="presOf" srcId="{733C7CDF-D79C-4997-AE7C-0AA115E9B37D}" destId="{C69EBD1D-33B8-41A3-9F1A-B18E772B4FED}" srcOrd="0" destOrd="0" presId="urn:microsoft.com/office/officeart/2005/8/layout/hList1"/>
     <dgm:cxn modelId="{DEFC6390-12D5-4DE8-BCF0-11D78B797F72}" type="presOf" srcId="{1D2EDD16-77B5-4180-9186-7D04A2E0FDE9}" destId="{57BCF1C9-8773-4798-B4A7-D1ED852BB8F5}" srcOrd="0" destOrd="0" presId="urn:microsoft.com/office/officeart/2005/8/layout/hList1"/>
     <dgm:cxn modelId="{899F2092-2C6D-4856-BE43-9C02A2DC1D0E}" srcId="{1D2EDD16-77B5-4180-9186-7D04A2E0FDE9}" destId="{B5321914-0046-4212-B6C1-981A6C5C5BDE}" srcOrd="0" destOrd="0" parTransId="{911042A3-3BE3-4A65-B5EE-ED8A31CA2D0D}" sibTransId="{4EEAB52D-4CC9-48E9-A6FA-88A7BC22CB53}"/>
+    <dgm:cxn modelId="{10B420B6-AC38-4392-B5B1-A690AC73EFF0}" srcId="{733C7CDF-D79C-4997-AE7C-0AA115E9B37D}" destId="{2691C195-9B3E-4A05-B9E1-0B89D5173DA2}" srcOrd="1" destOrd="0" parTransId="{244093C5-410D-49CE-9090-AAC1BEF5167F}" sibTransId="{6F4CF80E-AAE2-4BF6-9DCC-D2B69376F092}"/>
     <dgm:cxn modelId="{B8DA82C1-5D89-4683-A301-2E59C91A85B8}" type="presOf" srcId="{3CF98947-2C36-4655-B25E-8BA32034AAAD}" destId="{5ADA738D-7366-4CF7-9EEF-48BD3EE37EB5}" srcOrd="0" destOrd="0" presId="urn:microsoft.com/office/officeart/2005/8/layout/hList1"/>
     <dgm:cxn modelId="{853B55D4-3A36-4767-A80F-93B86AF47769}" srcId="{733C7CDF-D79C-4997-AE7C-0AA115E9B37D}" destId="{3CF98947-2C36-4655-B25E-8BA32034AAAD}" srcOrd="0" destOrd="0" parTransId="{4F295F12-F087-4251-AC9C-53DB54E60442}" sibTransId="{04714A32-C2C5-44B9-82BD-A130BF32F053}"/>
     <dgm:cxn modelId="{79375E6B-C48E-4B4E-B41A-F4F4A0AC6D0D}" type="presParOf" srcId="{3AE4E8EB-BFAC-4B8C-A3D0-FACA322E6019}" destId="{7AC12045-90A6-46F5-B7F6-6A583B22754C}" srcOrd="0" destOrd="0" presId="urn:microsoft.com/office/officeart/2005/8/layout/hList1"/>
@@ -15010,8 +15104,8 @@
         <a:lstStyle/>
         <a:p>
           <a:r>
-            <a:rPr lang="en-US"/>
-            <a:t>Simplicity</a:t>
+            <a:rPr lang="en-US" dirty="0"/>
+            <a:t>Simplicity &amp; Flexibility</a:t>
           </a:r>
         </a:p>
       </dgm:t>
@@ -17800,16 +17894,36 @@
         <a:lstStyle/>
         <a:p>
           <a:r>
-            <a:rPr lang="en-US" err="1">
+            <a:rPr lang="en-US" dirty="0" err="1">
               <a:latin typeface="Century Gothic" panose="020B0502020202020204"/>
             </a:rPr>
             <a:t>Levenshtein</a:t>
           </a:r>
           <a:r>
-            <a:rPr lang="en-US">
+            <a:rPr lang="en-US" dirty="0">
               <a:latin typeface="Century Gothic" panose="020B0502020202020204"/>
             </a:rPr>
             <a:t> Distance</a:t>
+          </a:r>
+        </a:p>
+        <a:p>
+          <a:r>
+            <a:rPr lang="en-US" dirty="0">
+              <a:latin typeface="Century Gothic" panose="020B0502020202020204"/>
+            </a:rPr>
+            <a:t>Ex. Axel ~ </a:t>
+          </a:r>
+          <a:r>
+            <a:rPr lang="en-US" dirty="0" err="1">
+              <a:latin typeface="Century Gothic" panose="020B0502020202020204"/>
+            </a:rPr>
+            <a:t>Axl</a:t>
+          </a:r>
+          <a:r>
+            <a:rPr lang="en-US" dirty="0">
+              <a:latin typeface="Century Gothic" panose="020B0502020202020204"/>
+            </a:rPr>
+            <a:t> = 85.7</a:t>
           </a:r>
         </a:p>
       </dgm:t>
@@ -18089,10 +18203,24 @@
     <dgm:pt modelId="{A26CB54A-A138-48E8-B2DC-BE153488A89F}" type="parTrans" cxnId="{639D7E03-A291-4221-A037-B584E6CC4E21}">
       <dgm:prSet/>
       <dgm:spPr/>
+      <dgm:t>
+        <a:bodyPr/>
+        <a:lstStyle/>
+        <a:p>
+          <a:endParaRPr lang="en-US"/>
+        </a:p>
+      </dgm:t>
     </dgm:pt>
     <dgm:pt modelId="{66E70B63-6ED8-489A-8FE3-7A8DFFD1C1FE}" type="sibTrans" cxnId="{639D7E03-A291-4221-A037-B584E6CC4E21}">
       <dgm:prSet/>
       <dgm:spPr/>
+      <dgm:t>
+        <a:bodyPr/>
+        <a:lstStyle/>
+        <a:p>
+          <a:endParaRPr lang="en-US"/>
+        </a:p>
+      </dgm:t>
     </dgm:pt>
     <dgm:pt modelId="{8C660FB0-F113-4893-AEB2-E531D53BC56C}" type="pres">
       <dgm:prSet presAssocID="{A3F3E29B-A89E-493D-943F-76C7AD429A3B}" presName="Name0" presStyleCnt="0">
@@ -19677,8 +19805,8 @@
       </dsp:nvSpPr>
       <dsp:spPr>
         <a:xfrm>
-          <a:off x="3007" y="400114"/>
-          <a:ext cx="2932733" cy="1173093"/>
+          <a:off x="3007" y="429933"/>
+          <a:ext cx="2932733" cy="1157375"/>
         </a:xfrm>
         <a:prstGeom prst="rect">
           <a:avLst/>
@@ -19756,12 +19884,12 @@
         </a:fontRef>
       </dsp:style>
       <dsp:txBody>
-        <a:bodyPr spcFirstLastPara="0" vert="horz" wrap="square" lIns="234696" tIns="134112" rIns="234696" bIns="134112" numCol="1" spcCol="1270" anchor="ctr" anchorCtr="0">
+        <a:bodyPr spcFirstLastPara="0" vert="horz" wrap="square" lIns="227584" tIns="130048" rIns="227584" bIns="130048" numCol="1" spcCol="1270" anchor="ctr" anchorCtr="0">
           <a:noAutofit/>
         </a:bodyPr>
         <a:lstStyle/>
         <a:p>
-          <a:pPr marL="0" lvl="0" indent="0" algn="ctr" defTabSz="1466850">
+          <a:pPr marL="0" lvl="0" indent="0" algn="ctr" defTabSz="1422400">
             <a:lnSpc>
               <a:spcPct val="90000"/>
             </a:lnSpc>
@@ -19774,19 +19902,19 @@
             <a:buNone/>
           </a:pPr>
           <a:r>
-            <a:rPr lang="en-US" sz="3300" b="0" i="0" kern="1200">
+            <a:rPr lang="en-US" sz="3200" b="0" i="0" kern="1200">
               <a:latin typeface="Century Gothic" panose="020B0502020202020204"/>
             </a:rPr>
             <a:t>Non-match </a:t>
           </a:r>
-          <a:endParaRPr lang="en-US" sz="3300" kern="1200">
+          <a:endParaRPr lang="en-US" sz="3200" kern="1200">
             <a:latin typeface="Century Gothic" panose="020B0502020202020204"/>
           </a:endParaRPr>
         </a:p>
       </dsp:txBody>
       <dsp:txXfrm>
-        <a:off x="3007" y="400114"/>
-        <a:ext cx="2932733" cy="1173093"/>
+        <a:off x="3007" y="429933"/>
+        <a:ext cx="2932733" cy="1157375"/>
       </dsp:txXfrm>
     </dsp:sp>
     <dsp:sp modelId="{9C8415EA-9F97-423D-85D6-1361494AF506}">
@@ -19796,8 +19924,8 @@
       </dsp:nvSpPr>
       <dsp:spPr>
         <a:xfrm>
-          <a:off x="3007" y="1573208"/>
-          <a:ext cx="2932733" cy="1449360"/>
+          <a:off x="3007" y="1587309"/>
+          <a:ext cx="2932733" cy="1405440"/>
         </a:xfrm>
         <a:prstGeom prst="rect">
           <a:avLst/>
@@ -19840,12 +19968,12 @@
         <a:fontRef idx="minor"/>
       </dsp:style>
       <dsp:txBody>
-        <a:bodyPr spcFirstLastPara="0" vert="horz" wrap="square" lIns="176022" tIns="176022" rIns="234696" bIns="264033" numCol="1" spcCol="1270" anchor="t" anchorCtr="0">
+        <a:bodyPr spcFirstLastPara="0" vert="horz" wrap="square" lIns="170688" tIns="170688" rIns="227584" bIns="256032" numCol="1" spcCol="1270" anchor="t" anchorCtr="0">
           <a:noAutofit/>
         </a:bodyPr>
         <a:lstStyle/>
         <a:p>
-          <a:pPr marL="285750" lvl="1" indent="-285750" algn="l" defTabSz="1466850">
+          <a:pPr marL="285750" lvl="1" indent="-285750" algn="l" defTabSz="1422400">
             <a:lnSpc>
               <a:spcPct val="90000"/>
             </a:lnSpc>
@@ -19858,19 +19986,19 @@
             <a:buChar char="•"/>
           </a:pPr>
           <a:r>
-            <a:rPr lang="en-US" sz="3300" b="0" i="0" kern="1200">
+            <a:rPr lang="en-US" sz="3200" b="0" i="0" kern="1200">
               <a:latin typeface="Century Gothic"/>
             </a:rPr>
             <a:t>[ 0, 70)</a:t>
           </a:r>
-          <a:endParaRPr lang="en-US" sz="3300" kern="1200">
+          <a:endParaRPr lang="en-US" sz="3200" kern="1200">
             <a:latin typeface="Century Gothic"/>
           </a:endParaRPr>
         </a:p>
       </dsp:txBody>
       <dsp:txXfrm>
-        <a:off x="3007" y="1573208"/>
-        <a:ext cx="2932733" cy="1449360"/>
+        <a:off x="3007" y="1587309"/>
+        <a:ext cx="2932733" cy="1405440"/>
       </dsp:txXfrm>
     </dsp:sp>
     <dsp:sp modelId="{5B6DAA36-6AD9-4290-97AA-8B4D841F7619}">
@@ -19880,8 +20008,8 @@
       </dsp:nvSpPr>
       <dsp:spPr>
         <a:xfrm>
-          <a:off x="3346324" y="400114"/>
-          <a:ext cx="2932733" cy="1173093"/>
+          <a:off x="3346324" y="429933"/>
+          <a:ext cx="2932733" cy="1157375"/>
         </a:xfrm>
         <a:prstGeom prst="rect">
           <a:avLst/>
@@ -19959,12 +20087,12 @@
         </a:fontRef>
       </dsp:style>
       <dsp:txBody>
-        <a:bodyPr spcFirstLastPara="0" vert="horz" wrap="square" lIns="234696" tIns="134112" rIns="234696" bIns="134112" numCol="1" spcCol="1270" anchor="ctr" anchorCtr="0">
+        <a:bodyPr spcFirstLastPara="0" vert="horz" wrap="square" lIns="227584" tIns="130048" rIns="227584" bIns="130048" numCol="1" spcCol="1270" anchor="ctr" anchorCtr="0">
           <a:noAutofit/>
         </a:bodyPr>
         <a:lstStyle/>
         <a:p>
-          <a:pPr marL="0" lvl="0" indent="0" algn="ctr" defTabSz="1466850">
+          <a:pPr marL="0" lvl="0" indent="0" algn="ctr" defTabSz="1422400">
             <a:lnSpc>
               <a:spcPct val="90000"/>
             </a:lnSpc>
@@ -19977,19 +20105,19 @@
             <a:buNone/>
           </a:pPr>
           <a:r>
-            <a:rPr lang="en-US" sz="3300" b="0" i="0" kern="1200">
+            <a:rPr lang="en-US" sz="3200" b="0" i="0" kern="1200">
               <a:latin typeface="Century Gothic"/>
             </a:rPr>
             <a:t>Potential Match</a:t>
           </a:r>
-          <a:endParaRPr lang="en-US" sz="3300" kern="1200">
+          <a:endParaRPr lang="en-US" sz="3200" kern="1200">
             <a:latin typeface="Century Gothic"/>
           </a:endParaRPr>
         </a:p>
       </dsp:txBody>
       <dsp:txXfrm>
-        <a:off x="3346324" y="400114"/>
-        <a:ext cx="2932733" cy="1173093"/>
+        <a:off x="3346324" y="429933"/>
+        <a:ext cx="2932733" cy="1157375"/>
       </dsp:txXfrm>
     </dsp:sp>
     <dsp:sp modelId="{D49AED09-BD53-4876-9BBC-040D753C6882}">
@@ -19999,8 +20127,8 @@
       </dsp:nvSpPr>
       <dsp:spPr>
         <a:xfrm>
-          <a:off x="3346324" y="1573208"/>
-          <a:ext cx="2932733" cy="1449360"/>
+          <a:off x="3346324" y="1587309"/>
+          <a:ext cx="2932733" cy="1405440"/>
         </a:xfrm>
         <a:prstGeom prst="rect">
           <a:avLst/>
@@ -20043,12 +20171,12 @@
         <a:fontRef idx="minor"/>
       </dsp:style>
       <dsp:txBody>
-        <a:bodyPr spcFirstLastPara="0" vert="horz" wrap="square" lIns="176022" tIns="176022" rIns="234696" bIns="264033" numCol="1" spcCol="1270" anchor="t" anchorCtr="0">
+        <a:bodyPr spcFirstLastPara="0" vert="horz" wrap="square" lIns="170688" tIns="170688" rIns="227584" bIns="256032" numCol="1" spcCol="1270" anchor="t" anchorCtr="0">
           <a:noAutofit/>
         </a:bodyPr>
         <a:lstStyle/>
         <a:p>
-          <a:pPr marL="285750" lvl="1" indent="-285750" algn="l" defTabSz="1466850">
+          <a:pPr marL="285750" lvl="1" indent="-285750" algn="l" defTabSz="1422400">
             <a:lnSpc>
               <a:spcPct val="90000"/>
             </a:lnSpc>
@@ -20061,19 +20189,19 @@
             <a:buChar char="•"/>
           </a:pPr>
           <a:r>
-            <a:rPr lang="en-US" sz="3300" b="0" i="0" kern="1200">
+            <a:rPr lang="en-US" sz="3200" b="0" i="0" kern="1200">
               <a:latin typeface="Century Gothic"/>
             </a:rPr>
             <a:t>[70, 90)</a:t>
           </a:r>
-          <a:endParaRPr lang="en-US" sz="3300" kern="1200">
+          <a:endParaRPr lang="en-US" sz="3200" kern="1200">
             <a:latin typeface="Century Gothic"/>
           </a:endParaRPr>
         </a:p>
       </dsp:txBody>
       <dsp:txXfrm>
-        <a:off x="3346324" y="1573208"/>
-        <a:ext cx="2932733" cy="1449360"/>
+        <a:off x="3346324" y="1587309"/>
+        <a:ext cx="2932733" cy="1405440"/>
       </dsp:txXfrm>
     </dsp:sp>
     <dsp:sp modelId="{7AC0FAFC-06CC-4EA6-BFFE-D92CC0A8CE68}">
@@ -20083,8 +20211,8 @@
       </dsp:nvSpPr>
       <dsp:spPr>
         <a:xfrm>
-          <a:off x="6689641" y="400114"/>
-          <a:ext cx="2932733" cy="1173093"/>
+          <a:off x="6689641" y="429933"/>
+          <a:ext cx="2932733" cy="1157375"/>
         </a:xfrm>
         <a:prstGeom prst="rect">
           <a:avLst/>
@@ -20162,12 +20290,12 @@
         </a:fontRef>
       </dsp:style>
       <dsp:txBody>
-        <a:bodyPr spcFirstLastPara="0" vert="horz" wrap="square" lIns="234696" tIns="134112" rIns="234696" bIns="134112" numCol="1" spcCol="1270" anchor="ctr" anchorCtr="0">
+        <a:bodyPr spcFirstLastPara="0" vert="horz" wrap="square" lIns="227584" tIns="130048" rIns="227584" bIns="130048" numCol="1" spcCol="1270" anchor="ctr" anchorCtr="0">
           <a:noAutofit/>
         </a:bodyPr>
         <a:lstStyle/>
         <a:p>
-          <a:pPr marL="0" lvl="0" indent="0" algn="ctr" defTabSz="1466850">
+          <a:pPr marL="0" lvl="0" indent="0" algn="ctr" defTabSz="1422400">
             <a:lnSpc>
               <a:spcPct val="90000"/>
             </a:lnSpc>
@@ -20180,19 +20308,19 @@
             <a:buNone/>
           </a:pPr>
           <a:r>
-            <a:rPr lang="en-US" sz="3300" b="0" i="0" kern="1200">
+            <a:rPr lang="en-US" sz="3200" b="0" i="0" kern="1200">
               <a:latin typeface="Century Gothic"/>
             </a:rPr>
             <a:t>Match</a:t>
           </a:r>
-          <a:endParaRPr lang="en-US" sz="3300" kern="1200">
+          <a:endParaRPr lang="en-US" sz="3200" kern="1200">
             <a:latin typeface="Century Gothic"/>
           </a:endParaRPr>
         </a:p>
       </dsp:txBody>
       <dsp:txXfrm>
-        <a:off x="6689641" y="400114"/>
-        <a:ext cx="2932733" cy="1173093"/>
+        <a:off x="6689641" y="429933"/>
+        <a:ext cx="2932733" cy="1157375"/>
       </dsp:txXfrm>
     </dsp:sp>
     <dsp:sp modelId="{0F324DFC-98A1-4870-B3E1-F4078E06D589}">
@@ -20202,8 +20330,8 @@
       </dsp:nvSpPr>
       <dsp:spPr>
         <a:xfrm>
-          <a:off x="6689641" y="1573208"/>
-          <a:ext cx="2932733" cy="1449360"/>
+          <a:off x="6689641" y="1587309"/>
+          <a:ext cx="2932733" cy="1405440"/>
         </a:xfrm>
         <a:prstGeom prst="rect">
           <a:avLst/>
@@ -20246,12 +20374,12 @@
         <a:fontRef idx="minor"/>
       </dsp:style>
       <dsp:txBody>
-        <a:bodyPr spcFirstLastPara="0" vert="horz" wrap="square" lIns="176022" tIns="176022" rIns="234696" bIns="264033" numCol="1" spcCol="1270" anchor="t" anchorCtr="0">
+        <a:bodyPr spcFirstLastPara="0" vert="horz" wrap="square" lIns="170688" tIns="170688" rIns="227584" bIns="256032" numCol="1" spcCol="1270" anchor="t" anchorCtr="0">
           <a:noAutofit/>
         </a:bodyPr>
         <a:lstStyle/>
         <a:p>
-          <a:pPr marL="285750" lvl="1" indent="-285750" algn="l" defTabSz="1466850">
+          <a:pPr marL="285750" lvl="1" indent="-285750" algn="l" defTabSz="1422400">
             <a:lnSpc>
               <a:spcPct val="90000"/>
             </a:lnSpc>
@@ -20264,19 +20392,19 @@
             <a:buChar char="•"/>
           </a:pPr>
           <a:r>
-            <a:rPr lang="en-US" sz="3300" b="0" i="0" kern="1200">
+            <a:rPr lang="en-US" sz="3200" b="0" i="0" kern="1200">
               <a:latin typeface="Century Gothic"/>
             </a:rPr>
             <a:t>[ 90, 100]</a:t>
           </a:r>
-          <a:endParaRPr lang="en-US" sz="3300" kern="1200">
+          <a:endParaRPr lang="en-US" sz="3200" kern="1200">
             <a:latin typeface="Century Gothic"/>
           </a:endParaRPr>
         </a:p>
       </dsp:txBody>
       <dsp:txXfrm>
-        <a:off x="6689641" y="1573208"/>
-        <a:ext cx="2932733" cy="1449360"/>
+        <a:off x="6689641" y="1587309"/>
+        <a:ext cx="2932733" cy="1405440"/>
       </dsp:txXfrm>
     </dsp:sp>
   </dsp:spTree>
@@ -20651,8 +20779,8 @@
             <a:buNone/>
           </a:pPr>
           <a:r>
-            <a:rPr lang="en-US" sz="2300" kern="1200"/>
-            <a:t>Count how known matches we identified</a:t>
+            <a:rPr lang="en-US" sz="2300" kern="1200" dirty="0"/>
+            <a:t>Count how many matches we identified</a:t>
           </a:r>
         </a:p>
       </dsp:txBody>
@@ -21050,8 +21178,8 @@
       </dsp:nvSpPr>
       <dsp:spPr>
         <a:xfrm>
-          <a:off x="3280" y="7245"/>
-          <a:ext cx="3198279" cy="662400"/>
+          <a:off x="3280" y="20205"/>
+          <a:ext cx="3198279" cy="460800"/>
         </a:xfrm>
         <a:prstGeom prst="rect">
           <a:avLst/>
@@ -21129,12 +21257,12 @@
         </a:fontRef>
       </dsp:style>
       <dsp:txBody>
-        <a:bodyPr spcFirstLastPara="0" vert="horz" wrap="square" lIns="163576" tIns="93472" rIns="163576" bIns="93472" numCol="1" spcCol="1270" anchor="ctr" anchorCtr="0">
+        <a:bodyPr spcFirstLastPara="0" vert="horz" wrap="square" lIns="113792" tIns="65024" rIns="113792" bIns="65024" numCol="1" spcCol="1270" anchor="ctr" anchorCtr="0">
           <a:noAutofit/>
         </a:bodyPr>
         <a:lstStyle/>
         <a:p>
-          <a:pPr marL="0" lvl="0" indent="0" algn="ctr" defTabSz="1022350">
+          <a:pPr marL="0" lvl="0" indent="0" algn="ctr" defTabSz="711200">
             <a:lnSpc>
               <a:spcPct val="90000"/>
             </a:lnSpc>
@@ -21147,10 +21275,10 @@
             <a:buNone/>
           </a:pPr>
           <a:r>
-            <a:rPr lang="en-US" sz="2300" kern="1200"/>
+            <a:rPr lang="en-US" sz="1600" kern="1200"/>
             <a:t>CSV Parsing</a:t>
           </a:r>
-          <a:endParaRPr lang="en-US" sz="2300" kern="1200">
+          <a:endParaRPr lang="en-US" sz="1600" kern="1200">
             <a:solidFill>
               <a:srgbClr val="010000"/>
             </a:solidFill>
@@ -21159,8 +21287,8 @@
         </a:p>
       </dsp:txBody>
       <dsp:txXfrm>
-        <a:off x="3280" y="7245"/>
-        <a:ext cx="3198279" cy="662400"/>
+        <a:off x="3280" y="20205"/>
+        <a:ext cx="3198279" cy="460800"/>
       </dsp:txXfrm>
     </dsp:sp>
     <dsp:sp modelId="{AD423238-9BB4-400E-8A17-60392CB4CA8A}">
@@ -21170,8 +21298,8 @@
       </dsp:nvSpPr>
       <dsp:spPr>
         <a:xfrm>
-          <a:off x="3280" y="669646"/>
-          <a:ext cx="3198279" cy="1010160"/>
+          <a:off x="3280" y="481005"/>
+          <a:ext cx="3198279" cy="1185840"/>
         </a:xfrm>
         <a:prstGeom prst="rect">
           <a:avLst/>
@@ -21214,12 +21342,12 @@
         <a:fontRef idx="minor"/>
       </dsp:style>
       <dsp:txBody>
-        <a:bodyPr spcFirstLastPara="0" vert="horz" wrap="square" lIns="122682" tIns="122682" rIns="163576" bIns="184023" numCol="1" spcCol="1270" anchor="t" anchorCtr="0">
+        <a:bodyPr spcFirstLastPara="0" vert="horz" wrap="square" lIns="85344" tIns="85344" rIns="113792" bIns="128016" numCol="1" spcCol="1270" anchor="t" anchorCtr="0">
           <a:noAutofit/>
         </a:bodyPr>
         <a:lstStyle/>
         <a:p>
-          <a:pPr marL="228600" lvl="1" indent="-228600" algn="l" defTabSz="1022350">
+          <a:pPr marL="171450" lvl="1" indent="-171450" algn="l" defTabSz="711200">
             <a:lnSpc>
               <a:spcPct val="90000"/>
             </a:lnSpc>
@@ -21232,14 +21360,14 @@
             <a:buChar char="•"/>
           </a:pPr>
           <a:r>
-            <a:rPr lang="en-US" sz="2300" kern="1200"/>
+            <a:rPr lang="en-US" sz="1600" kern="1200"/>
             <a:t>Apache's Commons-CSV Library</a:t>
           </a:r>
         </a:p>
       </dsp:txBody>
       <dsp:txXfrm>
-        <a:off x="3280" y="669646"/>
-        <a:ext cx="3198279" cy="1010160"/>
+        <a:off x="3280" y="481005"/>
+        <a:ext cx="3198279" cy="1185840"/>
       </dsp:txXfrm>
     </dsp:sp>
     <dsp:sp modelId="{C69EBD1D-33B8-41A3-9F1A-B18E772B4FED}">
@@ -21249,8 +21377,8 @@
       </dsp:nvSpPr>
       <dsp:spPr>
         <a:xfrm>
-          <a:off x="3649318" y="7245"/>
-          <a:ext cx="3198279" cy="662400"/>
+          <a:off x="3649318" y="20205"/>
+          <a:ext cx="3198279" cy="460800"/>
         </a:xfrm>
         <a:prstGeom prst="rect">
           <a:avLst/>
@@ -21328,12 +21456,12 @@
         </a:fontRef>
       </dsp:style>
       <dsp:txBody>
-        <a:bodyPr spcFirstLastPara="0" vert="horz" wrap="square" lIns="163576" tIns="93472" rIns="163576" bIns="93472" numCol="1" spcCol="1270" anchor="ctr" anchorCtr="0">
+        <a:bodyPr spcFirstLastPara="0" vert="horz" wrap="square" lIns="113792" tIns="65024" rIns="113792" bIns="65024" numCol="1" spcCol="1270" anchor="ctr" anchorCtr="0">
           <a:noAutofit/>
         </a:bodyPr>
         <a:lstStyle/>
         <a:p>
-          <a:pPr marL="0" lvl="0" indent="0" algn="ctr" defTabSz="1022350">
+          <a:pPr marL="0" lvl="0" indent="0" algn="ctr" defTabSz="711200">
             <a:lnSpc>
               <a:spcPct val="90000"/>
             </a:lnSpc>
@@ -21346,14 +21474,14 @@
             <a:buNone/>
           </a:pPr>
           <a:r>
-            <a:rPr lang="en-US" sz="2300" kern="1200"/>
+            <a:rPr lang="en-US" sz="1600" kern="1200"/>
             <a:t>Phonetic Encoding</a:t>
           </a:r>
         </a:p>
       </dsp:txBody>
       <dsp:txXfrm>
-        <a:off x="3649318" y="7245"/>
-        <a:ext cx="3198279" cy="662400"/>
+        <a:off x="3649318" y="20205"/>
+        <a:ext cx="3198279" cy="460800"/>
       </dsp:txXfrm>
     </dsp:sp>
     <dsp:sp modelId="{5ADA738D-7366-4CF7-9EEF-48BD3EE37EB5}">
@@ -21363,8 +21491,8 @@
       </dsp:nvSpPr>
       <dsp:spPr>
         <a:xfrm>
-          <a:off x="3649318" y="669646"/>
-          <a:ext cx="3198279" cy="1010160"/>
+          <a:off x="3649318" y="481005"/>
+          <a:ext cx="3198279" cy="1185840"/>
         </a:xfrm>
         <a:prstGeom prst="rect">
           <a:avLst/>
@@ -21407,12 +21535,12 @@
         <a:fontRef idx="minor"/>
       </dsp:style>
       <dsp:txBody>
-        <a:bodyPr spcFirstLastPara="0" vert="horz" wrap="square" lIns="122682" tIns="122682" rIns="163576" bIns="184023" numCol="1" spcCol="1270" anchor="t" anchorCtr="0">
+        <a:bodyPr spcFirstLastPara="0" vert="horz" wrap="square" lIns="85344" tIns="85344" rIns="113792" bIns="128016" numCol="1" spcCol="1270" anchor="t" anchorCtr="0">
           <a:noAutofit/>
         </a:bodyPr>
         <a:lstStyle/>
         <a:p>
-          <a:pPr marL="228600" lvl="1" indent="-228600" algn="l" defTabSz="1022350">
+          <a:pPr marL="171450" lvl="1" indent="-171450" algn="l" defTabSz="711200">
             <a:lnSpc>
               <a:spcPct val="90000"/>
             </a:lnSpc>
@@ -21425,14 +21553,54 @@
             <a:buChar char="•"/>
           </a:pPr>
           <a:r>
-            <a:rPr lang="en-US" sz="2300" kern="1200"/>
+            <a:rPr lang="en-US" sz="1600" kern="1200" dirty="0"/>
             <a:t>Apache's Commons-Codec Library</a:t>
+          </a:r>
+        </a:p>
+        <a:p>
+          <a:pPr marL="171450" lvl="1" indent="-171450" algn="l" defTabSz="711200">
+            <a:lnSpc>
+              <a:spcPct val="90000"/>
+            </a:lnSpc>
+            <a:spcBef>
+              <a:spcPct val="0"/>
+            </a:spcBef>
+            <a:spcAft>
+              <a:spcPct val="15000"/>
+            </a:spcAft>
+            <a:buChar char="•"/>
+          </a:pPr>
+          <a:r>
+            <a:rPr lang="en-US" sz="1600" kern="1200" dirty="0"/>
+            <a:t>Ex.</a:t>
+          </a:r>
+        </a:p>
+        <a:p>
+          <a:pPr marL="342900" lvl="2" indent="-171450" algn="l" defTabSz="711200">
+            <a:lnSpc>
+              <a:spcPct val="90000"/>
+            </a:lnSpc>
+            <a:spcBef>
+              <a:spcPct val="0"/>
+            </a:spcBef>
+            <a:spcAft>
+              <a:spcPct val="15000"/>
+            </a:spcAft>
+            <a:buChar char="•"/>
+          </a:pPr>
+          <a:r>
+            <a:rPr lang="en-US" sz="1600" kern="1200" dirty="0" err="1"/>
+            <a:t>Illesca</a:t>
+          </a:r>
+          <a:r>
+            <a:rPr lang="en-US" sz="1600" kern="1200" dirty="0"/>
+            <a:t> -&gt; ILSK</a:t>
           </a:r>
         </a:p>
       </dsp:txBody>
       <dsp:txXfrm>
-        <a:off x="3649318" y="669646"/>
-        <a:ext cx="3198279" cy="1010160"/>
+        <a:off x="3649318" y="481005"/>
+        <a:ext cx="3198279" cy="1185840"/>
       </dsp:txXfrm>
     </dsp:sp>
     <dsp:sp modelId="{57BCF1C9-8773-4798-B4A7-D1ED852BB8F5}">
@@ -21442,8 +21610,8 @@
       </dsp:nvSpPr>
       <dsp:spPr>
         <a:xfrm>
-          <a:off x="7295357" y="7245"/>
-          <a:ext cx="3198279" cy="662400"/>
+          <a:off x="7295357" y="20205"/>
+          <a:ext cx="3198279" cy="460800"/>
         </a:xfrm>
         <a:prstGeom prst="rect">
           <a:avLst/>
@@ -21521,12 +21689,12 @@
         </a:fontRef>
       </dsp:style>
       <dsp:txBody>
-        <a:bodyPr spcFirstLastPara="0" vert="horz" wrap="square" lIns="163576" tIns="93472" rIns="163576" bIns="93472" numCol="1" spcCol="1270" anchor="ctr" anchorCtr="0">
+        <a:bodyPr spcFirstLastPara="0" vert="horz" wrap="square" lIns="113792" tIns="65024" rIns="113792" bIns="65024" numCol="1" spcCol="1270" anchor="ctr" anchorCtr="0">
           <a:noAutofit/>
         </a:bodyPr>
         <a:lstStyle/>
         <a:p>
-          <a:pPr marL="0" lvl="0" indent="0" algn="ctr" defTabSz="1022350">
+          <a:pPr marL="0" lvl="0" indent="0" algn="ctr" defTabSz="711200">
             <a:lnSpc>
               <a:spcPct val="90000"/>
             </a:lnSpc>
@@ -21539,14 +21707,14 @@
             <a:buNone/>
           </a:pPr>
           <a:r>
-            <a:rPr lang="en-US" sz="2300" kern="1200"/>
+            <a:rPr lang="en-US" sz="1600" kern="1200"/>
             <a:t>Json Parsing</a:t>
           </a:r>
         </a:p>
       </dsp:txBody>
       <dsp:txXfrm>
-        <a:off x="7295357" y="7245"/>
-        <a:ext cx="3198279" cy="662400"/>
+        <a:off x="7295357" y="20205"/>
+        <a:ext cx="3198279" cy="460800"/>
       </dsp:txXfrm>
     </dsp:sp>
     <dsp:sp modelId="{52982DCB-31B4-4B9A-9096-43BE6F508B52}">
@@ -21556,8 +21724,8 @@
       </dsp:nvSpPr>
       <dsp:spPr>
         <a:xfrm>
-          <a:off x="7295357" y="669646"/>
-          <a:ext cx="3198279" cy="1010160"/>
+          <a:off x="7295357" y="481005"/>
+          <a:ext cx="3198279" cy="1185840"/>
         </a:xfrm>
         <a:prstGeom prst="rect">
           <a:avLst/>
@@ -21600,12 +21768,12 @@
         <a:fontRef idx="minor"/>
       </dsp:style>
       <dsp:txBody>
-        <a:bodyPr spcFirstLastPara="0" vert="horz" wrap="square" lIns="122682" tIns="122682" rIns="163576" bIns="184023" numCol="1" spcCol="1270" anchor="t" anchorCtr="0">
+        <a:bodyPr spcFirstLastPara="0" vert="horz" wrap="square" lIns="85344" tIns="85344" rIns="113792" bIns="128016" numCol="1" spcCol="1270" anchor="t" anchorCtr="0">
           <a:noAutofit/>
         </a:bodyPr>
         <a:lstStyle/>
         <a:p>
-          <a:pPr marL="228600" lvl="1" indent="-228600" algn="l" defTabSz="1022350">
+          <a:pPr marL="171450" lvl="1" indent="-171450" algn="l" defTabSz="711200">
             <a:lnSpc>
               <a:spcPct val="90000"/>
             </a:lnSpc>
@@ -21618,18 +21786,18 @@
             <a:buChar char="•"/>
           </a:pPr>
           <a:r>
-            <a:rPr lang="en-US" sz="2300" kern="1200" err="1"/>
+            <a:rPr lang="en-US" sz="1600" kern="1200" err="1"/>
             <a:t>Org.json's</a:t>
           </a:r>
           <a:r>
-            <a:rPr lang="en-US" sz="2300" kern="1200"/>
+            <a:rPr lang="en-US" sz="1600" kern="1200"/>
             <a:t> JSON library</a:t>
           </a:r>
         </a:p>
       </dsp:txBody>
       <dsp:txXfrm>
-        <a:off x="7295357" y="669646"/>
-        <a:ext cx="3198279" cy="1010160"/>
+        <a:off x="7295357" y="481005"/>
+        <a:ext cx="3198279" cy="1185840"/>
       </dsp:txXfrm>
     </dsp:sp>
   </dsp:spTree>
@@ -22509,8 +22677,8 @@
             <a:buNone/>
           </a:pPr>
           <a:r>
-            <a:rPr lang="en-US" sz="3500" kern="1200"/>
-            <a:t>Simplicity</a:t>
+            <a:rPr lang="en-US" sz="3500" kern="1200" dirty="0"/>
+            <a:t>Simplicity &amp; Flexibility</a:t>
           </a:r>
         </a:p>
       </dsp:txBody>
@@ -27497,12 +27665,12 @@
         <a:fontRef idx="minor"/>
       </dsp:style>
       <dsp:txBody>
-        <a:bodyPr spcFirstLastPara="0" vert="horz" wrap="square" lIns="35560" tIns="35560" rIns="35560" bIns="35560" numCol="1" spcCol="1270" anchor="ctr" anchorCtr="0">
+        <a:bodyPr spcFirstLastPara="0" vert="horz" wrap="square" lIns="29210" tIns="29210" rIns="29210" bIns="29210" numCol="1" spcCol="1270" anchor="ctr" anchorCtr="0">
           <a:noAutofit/>
         </a:bodyPr>
         <a:lstStyle/>
         <a:p>
-          <a:pPr marL="0" lvl="0" indent="0" algn="ctr" defTabSz="1244600">
+          <a:pPr marL="0" lvl="0" indent="0" algn="ctr" defTabSz="1022350">
             <a:lnSpc>
               <a:spcPct val="90000"/>
             </a:lnSpc>
@@ -27515,16 +27683,48 @@
             <a:buNone/>
           </a:pPr>
           <a:r>
-            <a:rPr lang="en-US" sz="2800" kern="1200" err="1">
+            <a:rPr lang="en-US" sz="2300" kern="1200" dirty="0" err="1">
               <a:latin typeface="Century Gothic" panose="020B0502020202020204"/>
             </a:rPr>
             <a:t>Levenshtein</a:t>
           </a:r>
           <a:r>
-            <a:rPr lang="en-US" sz="2800" kern="1200">
+            <a:rPr lang="en-US" sz="2300" kern="1200" dirty="0">
               <a:latin typeface="Century Gothic" panose="020B0502020202020204"/>
             </a:rPr>
             <a:t> Distance</a:t>
+          </a:r>
+        </a:p>
+        <a:p>
+          <a:pPr marL="0" lvl="0" indent="0" algn="ctr" defTabSz="1022350">
+            <a:lnSpc>
+              <a:spcPct val="90000"/>
+            </a:lnSpc>
+            <a:spcBef>
+              <a:spcPct val="0"/>
+            </a:spcBef>
+            <a:spcAft>
+              <a:spcPct val="35000"/>
+            </a:spcAft>
+            <a:buNone/>
+          </a:pPr>
+          <a:r>
+            <a:rPr lang="en-US" sz="2300" kern="1200" dirty="0">
+              <a:latin typeface="Century Gothic" panose="020B0502020202020204"/>
+            </a:rPr>
+            <a:t>Ex. Axel ~ </a:t>
+          </a:r>
+          <a:r>
+            <a:rPr lang="en-US" sz="2300" kern="1200" dirty="0" err="1">
+              <a:latin typeface="Century Gothic" panose="020B0502020202020204"/>
+            </a:rPr>
+            <a:t>Axl</a:t>
+          </a:r>
+          <a:r>
+            <a:rPr lang="en-US" sz="2300" kern="1200" dirty="0">
+              <a:latin typeface="Century Gothic" panose="020B0502020202020204"/>
+            </a:rPr>
+            <a:t> = 85.7</a:t>
           </a:r>
         </a:p>
       </dsp:txBody>
@@ -27667,12 +27867,12 @@
         <a:fontRef idx="minor"/>
       </dsp:style>
       <dsp:txBody>
-        <a:bodyPr spcFirstLastPara="0" vert="horz" wrap="square" lIns="35560" tIns="35560" rIns="35560" bIns="35560" numCol="1" spcCol="1270" anchor="ctr" anchorCtr="0">
+        <a:bodyPr spcFirstLastPara="0" vert="horz" wrap="square" lIns="29210" tIns="29210" rIns="29210" bIns="29210" numCol="1" spcCol="1270" anchor="ctr" anchorCtr="0">
           <a:noAutofit/>
         </a:bodyPr>
         <a:lstStyle/>
         <a:p>
-          <a:pPr marL="0" lvl="0" indent="0" algn="ctr" defTabSz="1244600">
+          <a:pPr marL="0" lvl="0" indent="0" algn="ctr" defTabSz="1022350">
             <a:lnSpc>
               <a:spcPct val="90000"/>
             </a:lnSpc>
@@ -27685,7 +27885,7 @@
             <a:buNone/>
           </a:pPr>
           <a:r>
-            <a:rPr lang="en-US" sz="2800" kern="1200">
+            <a:rPr lang="en-US" sz="2300" kern="1200">
               <a:latin typeface="Century Gothic" panose="020B0502020202020204"/>
             </a:rPr>
             <a:t>Ratio between 0 – 100</a:t>
@@ -27941,12 +28141,12 @@
         <a:fontRef idx="minor"/>
       </dsp:style>
       <dsp:txBody>
-        <a:bodyPr spcFirstLastPara="0" vert="horz" wrap="square" lIns="35560" tIns="35560" rIns="35560" bIns="35560" numCol="1" spcCol="1270" anchor="ctr" anchorCtr="0">
+        <a:bodyPr spcFirstLastPara="0" vert="horz" wrap="square" lIns="29210" tIns="29210" rIns="29210" bIns="29210" numCol="1" spcCol="1270" anchor="ctr" anchorCtr="0">
           <a:noAutofit/>
         </a:bodyPr>
         <a:lstStyle/>
         <a:p>
-          <a:pPr marL="0" lvl="0" indent="0" algn="ctr" defTabSz="1244600">
+          <a:pPr marL="0" lvl="0" indent="0" algn="ctr" defTabSz="1022350">
             <a:lnSpc>
               <a:spcPct val="90000"/>
             </a:lnSpc>
@@ -27959,7 +28159,7 @@
             <a:buNone/>
           </a:pPr>
           <a:r>
-            <a:rPr lang="en-US" sz="2800" kern="1200">
+            <a:rPr lang="en-US" sz="2300" kern="1200">
               <a:latin typeface="Century Gothic" panose="020B0502020202020204"/>
             </a:rPr>
             <a:t>Weights per field</a:t>
@@ -28105,12 +28305,12 @@
         <a:fontRef idx="minor"/>
       </dsp:style>
       <dsp:txBody>
-        <a:bodyPr spcFirstLastPara="0" vert="horz" wrap="square" lIns="35560" tIns="35560" rIns="35560" bIns="35560" numCol="1" spcCol="1270" anchor="ctr" anchorCtr="0">
+        <a:bodyPr spcFirstLastPara="0" vert="horz" wrap="square" lIns="29210" tIns="29210" rIns="29210" bIns="29210" numCol="1" spcCol="1270" anchor="ctr" anchorCtr="0">
           <a:noAutofit/>
         </a:bodyPr>
         <a:lstStyle/>
         <a:p>
-          <a:pPr marL="0" lvl="0" indent="0" algn="ctr" defTabSz="1244600">
+          <a:pPr marL="0" lvl="0" indent="0" algn="ctr" defTabSz="1022350">
             <a:lnSpc>
               <a:spcPct val="90000"/>
             </a:lnSpc>
@@ -28123,7 +28323,7 @@
             <a:buNone/>
           </a:pPr>
           <a:r>
-            <a:rPr lang="en-US" sz="2800" kern="1200">
+            <a:rPr lang="en-US" sz="2300" kern="1200">
               <a:latin typeface="Century Gothic" panose="020B0502020202020204"/>
             </a:rPr>
             <a:t>Sum of weights equal to 1</a:t>
@@ -28379,12 +28579,12 @@
         <a:fontRef idx="minor"/>
       </dsp:style>
       <dsp:txBody>
-        <a:bodyPr spcFirstLastPara="0" vert="horz" wrap="square" lIns="35560" tIns="35560" rIns="35560" bIns="35560" numCol="1" spcCol="1270" anchor="ctr" anchorCtr="0">
+        <a:bodyPr spcFirstLastPara="0" vert="horz" wrap="square" lIns="29210" tIns="29210" rIns="29210" bIns="29210" numCol="1" spcCol="1270" anchor="ctr" anchorCtr="0">
           <a:noAutofit/>
         </a:bodyPr>
         <a:lstStyle/>
         <a:p>
-          <a:pPr marL="0" lvl="0" indent="0" algn="ctr" defTabSz="1244600">
+          <a:pPr marL="0" lvl="0" indent="0" algn="ctr" defTabSz="1022350">
             <a:lnSpc>
               <a:spcPct val="90000"/>
             </a:lnSpc>
@@ -28397,7 +28597,7 @@
             <a:buNone/>
           </a:pPr>
           <a:r>
-            <a:rPr lang="en-US" sz="2800" kern="1200">
+            <a:rPr lang="en-US" sz="2300" kern="1200">
               <a:solidFill>
                 <a:srgbClr val="000000"/>
               </a:solidFill>
@@ -28546,12 +28746,12 @@
         <a:fontRef idx="minor"/>
       </dsp:style>
       <dsp:txBody>
-        <a:bodyPr spcFirstLastPara="0" vert="horz" wrap="square" lIns="35560" tIns="35560" rIns="35560" bIns="35560" numCol="1" spcCol="1270" anchor="ctr" anchorCtr="0">
+        <a:bodyPr spcFirstLastPara="0" vert="horz" wrap="square" lIns="29210" tIns="29210" rIns="29210" bIns="29210" numCol="1" spcCol="1270" anchor="ctr" anchorCtr="0">
           <a:noAutofit/>
         </a:bodyPr>
         <a:lstStyle/>
         <a:p>
-          <a:pPr marL="0" lvl="0" indent="0" algn="ctr" defTabSz="1244600">
+          <a:pPr marL="0" lvl="0" indent="0" algn="ctr" defTabSz="1022350">
             <a:lnSpc>
               <a:spcPct val="90000"/>
             </a:lnSpc>
@@ -28564,7 +28764,7 @@
             <a:buNone/>
           </a:pPr>
           <a:r>
-            <a:rPr lang="en-US" sz="2800" kern="1200">
+            <a:rPr lang="en-US" sz="2300" kern="1200">
               <a:latin typeface="Century Gothic" panose="020B0502020202020204"/>
             </a:rPr>
             <a:t>A score of 100 is a perfect match</a:t>
@@ -49581,7 +49781,7 @@
           <a:p>
             <a:fld id="{56731ED0-DD9C-442B-8AC3-97D41B5157C2}" type="datetimeFigureOut">
               <a:rPr lang="en-US"/>
-              <a:t>2/10/2019</a:t>
+              <a:t>2/11/2019</a:t>
             </a:fld>
             <a:endParaRPr lang="en-US"/>
           </a:p>
@@ -49915,7 +50115,7 @@
           <a:p>
             <a:fld id="{A6A2F694-2DAC-417B-91B2-2791DD09F1C2}" type="slidenum">
               <a:rPr lang="en-US"/>
-              <a:t>‹#›</a:t>
+              <a:t>1</a:t>
             </a:fld>
             <a:endParaRPr lang="en-US"/>
           </a:p>
@@ -50108,7 +50308,7 @@
           <a:p>
             <a:fld id="{846CE7D5-CF57-46EF-B807-FDD0502418D4}" type="datetimeFigureOut">
               <a:rPr lang="en-US" smtClean="0"/>
-              <a:t>2/10/2019</a:t>
+              <a:t>2/11/2019</a:t>
             </a:fld>
             <a:endParaRPr lang="en-US"/>
           </a:p>
@@ -50279,7 +50479,7 @@
           <a:p>
             <a:fld id="{846CE7D5-CF57-46EF-B807-FDD0502418D4}" type="datetimeFigureOut">
               <a:rPr lang="en-US" smtClean="0"/>
-              <a:t>2/10/2019</a:t>
+              <a:t>2/11/2019</a:t>
             </a:fld>
             <a:endParaRPr lang="en-US"/>
           </a:p>
@@ -50503,7 +50703,7 @@
           <a:p>
             <a:fld id="{846CE7D5-CF57-46EF-B807-FDD0502418D4}" type="datetimeFigureOut">
               <a:rPr lang="en-US" smtClean="0"/>
-              <a:t>2/10/2019</a:t>
+              <a:t>2/11/2019</a:t>
             </a:fld>
             <a:endParaRPr lang="en-US"/>
           </a:p>
@@ -50684,7 +50884,7 @@
           <a:p>
             <a:fld id="{846CE7D5-CF57-46EF-B807-FDD0502418D4}" type="datetimeFigureOut">
               <a:rPr lang="en-US" smtClean="0"/>
-              <a:t>2/10/2019</a:t>
+              <a:t>2/11/2019</a:t>
             </a:fld>
             <a:endParaRPr lang="en-US"/>
           </a:p>
@@ -50992,7 +51192,7 @@
           <a:p>
             <a:fld id="{846CE7D5-CF57-46EF-B807-FDD0502418D4}" type="datetimeFigureOut">
               <a:rPr lang="en-US" smtClean="0"/>
-              <a:t>2/10/2019</a:t>
+              <a:t>2/11/2019</a:t>
             </a:fld>
             <a:endParaRPr lang="en-US"/>
           </a:p>
@@ -51296,7 +51496,7 @@
           <a:p>
             <a:fld id="{846CE7D5-CF57-46EF-B807-FDD0502418D4}" type="datetimeFigureOut">
               <a:rPr lang="en-US" smtClean="0"/>
-              <a:t>2/10/2019</a:t>
+              <a:t>2/11/2019</a:t>
             </a:fld>
             <a:endParaRPr lang="en-US"/>
           </a:p>
@@ -51718,7 +51918,7 @@
           <a:p>
             <a:fld id="{846CE7D5-CF57-46EF-B807-FDD0502418D4}" type="datetimeFigureOut">
               <a:rPr lang="en-US" smtClean="0"/>
-              <a:t>2/10/2019</a:t>
+              <a:t>2/11/2019</a:t>
             </a:fld>
             <a:endParaRPr lang="en-US"/>
           </a:p>
@@ -51838,7 +52038,7 @@
           <a:p>
             <a:fld id="{846CE7D5-CF57-46EF-B807-FDD0502418D4}" type="datetimeFigureOut">
               <a:rPr lang="en-US" smtClean="0"/>
-              <a:t>2/10/2019</a:t>
+              <a:t>2/11/2019</a:t>
             </a:fld>
             <a:endParaRPr lang="en-US"/>
           </a:p>
@@ -51936,7 +52136,7 @@
           <a:p>
             <a:fld id="{846CE7D5-CF57-46EF-B807-FDD0502418D4}" type="datetimeFigureOut">
               <a:rPr lang="en-US" smtClean="0"/>
-              <a:t>2/10/2019</a:t>
+              <a:t>2/11/2019</a:t>
             </a:fld>
             <a:endParaRPr lang="en-US"/>
           </a:p>
@@ -52210,7 +52410,7 @@
           <a:p>
             <a:fld id="{846CE7D5-CF57-46EF-B807-FDD0502418D4}" type="datetimeFigureOut">
               <a:rPr lang="en-US" smtClean="0"/>
-              <a:t>2/10/2019</a:t>
+              <a:t>2/11/2019</a:t>
             </a:fld>
             <a:endParaRPr lang="en-US"/>
           </a:p>
@@ -52476,7 +52676,7 @@
           <a:p>
             <a:fld id="{846CE7D5-CF57-46EF-B807-FDD0502418D4}" type="datetimeFigureOut">
               <a:rPr lang="en-US" smtClean="0"/>
-              <a:t>2/10/2019</a:t>
+              <a:t>2/11/2019</a:t>
             </a:fld>
             <a:endParaRPr lang="en-US"/>
           </a:p>
@@ -52726,7 +52926,7 @@
           <a:p>
             <a:fld id="{846CE7D5-CF57-46EF-B807-FDD0502418D4}" type="datetimeFigureOut">
               <a:rPr lang="en-US" smtClean="0"/>
-              <a:t>2/10/2019</a:t>
+              <a:t>2/11/2019</a:t>
             </a:fld>
             <a:endParaRPr lang="en-US"/>
           </a:p>
@@ -54178,7 +54378,7 @@
             <p:ph idx="1"/>
             <p:extLst>
               <p:ext uri="{D42A27DB-BD31-4B8C-83A1-F6EECF244321}">
-                <p14:modId xmlns:p14="http://schemas.microsoft.com/office/powerpoint/2010/main" val="712132601"/>
+                <p14:modId xmlns:p14="http://schemas.microsoft.com/office/powerpoint/2010/main" val="1359771068"/>
               </p:ext>
             </p:extLst>
           </p:nvPr>
@@ -54411,7 +54611,7 @@
             <p:ph idx="1"/>
             <p:extLst>
               <p:ext uri="{D42A27DB-BD31-4B8C-83A1-F6EECF244321}">
-                <p14:modId xmlns:p14="http://schemas.microsoft.com/office/powerpoint/2010/main" val="1287724710"/>
+                <p14:modId xmlns:p14="http://schemas.microsoft.com/office/powerpoint/2010/main" val="3904625458"/>
               </p:ext>
             </p:extLst>
           </p:nvPr>
@@ -54518,7 +54718,7 @@
             <p:ph idx="1"/>
             <p:extLst>
               <p:ext uri="{D42A27DB-BD31-4B8C-83A1-F6EECF244321}">
-                <p14:modId xmlns:p14="http://schemas.microsoft.com/office/powerpoint/2010/main" val="649552702"/>
+                <p14:modId xmlns:p14="http://schemas.microsoft.com/office/powerpoint/2010/main" val="3259040028"/>
               </p:ext>
             </p:extLst>
           </p:nvPr>
@@ -55490,7 +55690,7 @@
           </p:nvPr>
         </p:nvPicPr>
         <p:blipFill>
-          <a:blip r:embed="rId2">
+          <a:blip r:embed="rId2" cstate="print">
             <a:extLst>
               <a:ext uri="{28A0092B-C50C-407E-A947-70E740481C1C}">
                 <a14:useLocalDpi xmlns:a14="http://schemas.microsoft.com/office/drawing/2010/main" val="0"/>
@@ -55747,7 +55947,7 @@
             <p:ph idx="1"/>
             <p:extLst>
               <p:ext uri="{D42A27DB-BD31-4B8C-83A1-F6EECF244321}">
-                <p14:modId xmlns:p14="http://schemas.microsoft.com/office/powerpoint/2010/main" val="3666450314"/>
+                <p14:modId xmlns:p14="http://schemas.microsoft.com/office/powerpoint/2010/main" val="512115120"/>
               </p:ext>
             </p:extLst>
           </p:nvPr>
@@ -55886,165 +56086,6 @@
 </file>
 
 <file path=ppt/slides/slide3.xml><?xml version="1.0" encoding="utf-8"?>
-<p:sld xmlns:a="http://schemas.openxmlformats.org/drawingml/2006/main" xmlns:r="http://schemas.openxmlformats.org/officeDocument/2006/relationships" xmlns:p="http://schemas.openxmlformats.org/presentationml/2006/main">
-  <p:cSld>
-    <p:spTree>
-      <p:nvGrpSpPr>
-        <p:cNvPr id="1" name=""/>
-        <p:cNvGrpSpPr/>
-        <p:nvPr/>
-      </p:nvGrpSpPr>
-      <p:grpSpPr>
-        <a:xfrm>
-          <a:off x="0" y="0"/>
-          <a:ext cx="0" cy="0"/>
-          <a:chOff x="0" y="0"/>
-          <a:chExt cx="0" cy="0"/>
-        </a:xfrm>
-      </p:grpSpPr>
-      <p:sp>
-        <p:nvSpPr>
-          <p:cNvPr id="2" name="Title 1">
-            <a:extLst>
-              <a:ext uri="{FF2B5EF4-FFF2-40B4-BE49-F238E27FC236}">
-                <a16:creationId xmlns:a16="http://schemas.microsoft.com/office/drawing/2014/main" id="{988D8A34-E4C6-E148-9EA1-2BB1FC96F2E2}"/>
-              </a:ext>
-            </a:extLst>
-          </p:cNvPr>
-          <p:cNvSpPr>
-            <a:spLocks noGrp="1"/>
-          </p:cNvSpPr>
-          <p:nvPr>
-            <p:ph type="title"/>
-          </p:nvPr>
-        </p:nvSpPr>
-        <p:spPr/>
-        <p:txBody>
-          <a:bodyPr>
-            <a:normAutofit/>
-          </a:bodyPr>
-          <a:lstStyle/>
-          <a:p>
-            <a:r>
-              <a:rPr lang="en-US" sz="4800"/>
-              <a:t>Client info</a:t>
-            </a:r>
-          </a:p>
-        </p:txBody>
-      </p:sp>
-      <p:pic>
-        <p:nvPicPr>
-          <p:cNvPr id="7" name="Picture 7" descr="A close up of a logo&#10;&#10;Description generated with very high confidence">
-            <a:extLst>
-              <a:ext uri="{FF2B5EF4-FFF2-40B4-BE49-F238E27FC236}">
-                <a16:creationId xmlns:a16="http://schemas.microsoft.com/office/drawing/2014/main" id="{637E1154-2245-4340-ACC9-A4604B346BE9}"/>
-              </a:ext>
-            </a:extLst>
-          </p:cNvPr>
-          <p:cNvPicPr>
-            <a:picLocks noGrp="1" noChangeAspect="1"/>
-          </p:cNvPicPr>
-          <p:nvPr>
-            <p:ph idx="1"/>
-          </p:nvPr>
-        </p:nvPicPr>
-        <p:blipFill>
-          <a:blip r:embed="rId2"/>
-          <a:stretch>
-            <a:fillRect/>
-          </a:stretch>
-        </p:blipFill>
-        <p:spPr>
-          <a:xfrm>
-            <a:off x="2590735" y="4772464"/>
-            <a:ext cx="7021878" cy="1290758"/>
-          </a:xfrm>
-          <a:prstGeom prst="rect">
-            <a:avLst/>
-          </a:prstGeom>
-        </p:spPr>
-      </p:pic>
-      <p:sp>
-        <p:nvSpPr>
-          <p:cNvPr id="6" name="Text Placeholder 5">
-            <a:extLst>
-              <a:ext uri="{FF2B5EF4-FFF2-40B4-BE49-F238E27FC236}">
-                <a16:creationId xmlns:a16="http://schemas.microsoft.com/office/drawing/2014/main" id="{B08C1F55-8ADE-46D5-BB1E-94A5AD63C938}"/>
-              </a:ext>
-            </a:extLst>
-          </p:cNvPr>
-          <p:cNvSpPr>
-            <a:spLocks noGrp="1"/>
-          </p:cNvSpPr>
-          <p:nvPr>
-            <p:ph type="body" sz="half" idx="2"/>
-          </p:nvPr>
-        </p:nvSpPr>
-        <p:spPr>
-          <a:xfrm>
-            <a:off x="2743827" y="2566952"/>
-            <a:ext cx="6697782" cy="2006012"/>
-          </a:xfrm>
-        </p:spPr>
-        <p:txBody>
-          <a:bodyPr vert="horz" lIns="91440" tIns="45720" rIns="91440" bIns="45720" rtlCol="0" anchor="t">
-            <a:noAutofit/>
-          </a:bodyPr>
-          <a:lstStyle/>
-          <a:p>
-            <a:pPr algn="ctr"/>
-            <a:r>
-              <a:rPr lang="en-US" sz="3000"/>
-              <a:t>Local company based in Kalamazoo, MI</a:t>
-            </a:r>
-          </a:p>
-          <a:p>
-            <a:pPr algn="ctr"/>
-            <a:r>
-              <a:rPr lang="en-US" sz="3000"/>
-              <a:t> Master data management platform</a:t>
-            </a:r>
-          </a:p>
-          <a:p>
-            <a:pPr algn="ctr"/>
-            <a:r>
-              <a:rPr lang="en-US" sz="3000" dirty="0">
-                <a:solidFill>
-                  <a:schemeClr val="bg2">
-                    <a:lumMod val="50000"/>
-                  </a:schemeClr>
-                </a:solidFill>
-                <a:hlinkClick r:id="rId3"/>
-              </a:rPr>
-              <a:t>https://www.salespage.com/</a:t>
-            </a:r>
-            <a:endParaRPr lang="en-US" sz="3000">
-              <a:solidFill>
-                <a:schemeClr val="bg2">
-                  <a:lumMod val="50000"/>
-                </a:schemeClr>
-              </a:solidFill>
-            </a:endParaRPr>
-          </a:p>
-        </p:txBody>
-      </p:sp>
-    </p:spTree>
-    <p:extLst>
-      <p:ext uri="{BB962C8B-B14F-4D97-AF65-F5344CB8AC3E}">
-        <p14:creationId xmlns:p14="http://schemas.microsoft.com/office/powerpoint/2010/main" val="1062428199"/>
-      </p:ext>
-    </p:extLst>
-  </p:cSld>
-  <p:clrMapOvr>
-    <a:masterClrMapping/>
-  </p:clrMapOvr>
-  <p:transition spd="med">
-    <p:push dir="u"/>
-  </p:transition>
-</p:sld>
-</file>
-
-<file path=ppt/slides/slide4.xml><?xml version="1.0" encoding="utf-8"?>
 <p:sld xmlns:a="http://schemas.openxmlformats.org/drawingml/2006/main" xmlns:r="http://schemas.openxmlformats.org/officeDocument/2006/relationships" xmlns:p="http://schemas.openxmlformats.org/presentationml/2006/main">
   <p:cSld>
     <p:spTree>
@@ -57005,6 +57046,165 @@
     <p:extLst>
       <p:ext uri="{BB962C8B-B14F-4D97-AF65-F5344CB8AC3E}">
         <p14:creationId xmlns:p14="http://schemas.microsoft.com/office/powerpoint/2010/main" val="3928208760"/>
+      </p:ext>
+    </p:extLst>
+  </p:cSld>
+  <p:clrMapOvr>
+    <a:masterClrMapping/>
+  </p:clrMapOvr>
+  <p:transition spd="med">
+    <p:push dir="u"/>
+  </p:transition>
+</p:sld>
+</file>
+
+<file path=ppt/slides/slide4.xml><?xml version="1.0" encoding="utf-8"?>
+<p:sld xmlns:a="http://schemas.openxmlformats.org/drawingml/2006/main" xmlns:r="http://schemas.openxmlformats.org/officeDocument/2006/relationships" xmlns:p="http://schemas.openxmlformats.org/presentationml/2006/main">
+  <p:cSld>
+    <p:spTree>
+      <p:nvGrpSpPr>
+        <p:cNvPr id="1" name=""/>
+        <p:cNvGrpSpPr/>
+        <p:nvPr/>
+      </p:nvGrpSpPr>
+      <p:grpSpPr>
+        <a:xfrm>
+          <a:off x="0" y="0"/>
+          <a:ext cx="0" cy="0"/>
+          <a:chOff x="0" y="0"/>
+          <a:chExt cx="0" cy="0"/>
+        </a:xfrm>
+      </p:grpSpPr>
+      <p:sp>
+        <p:nvSpPr>
+          <p:cNvPr id="2" name="Title 1">
+            <a:extLst>
+              <a:ext uri="{FF2B5EF4-FFF2-40B4-BE49-F238E27FC236}">
+                <a16:creationId xmlns:a16="http://schemas.microsoft.com/office/drawing/2014/main" id="{988D8A34-E4C6-E148-9EA1-2BB1FC96F2E2}"/>
+              </a:ext>
+            </a:extLst>
+          </p:cNvPr>
+          <p:cNvSpPr>
+            <a:spLocks noGrp="1"/>
+          </p:cNvSpPr>
+          <p:nvPr>
+            <p:ph type="title"/>
+          </p:nvPr>
+        </p:nvSpPr>
+        <p:spPr/>
+        <p:txBody>
+          <a:bodyPr>
+            <a:normAutofit/>
+          </a:bodyPr>
+          <a:lstStyle/>
+          <a:p>
+            <a:r>
+              <a:rPr lang="en-US" sz="4800"/>
+              <a:t>Client info</a:t>
+            </a:r>
+          </a:p>
+        </p:txBody>
+      </p:sp>
+      <p:pic>
+        <p:nvPicPr>
+          <p:cNvPr id="7" name="Picture 7" descr="A close up of a logo&#10;&#10;Description generated with very high confidence">
+            <a:extLst>
+              <a:ext uri="{FF2B5EF4-FFF2-40B4-BE49-F238E27FC236}">
+                <a16:creationId xmlns:a16="http://schemas.microsoft.com/office/drawing/2014/main" id="{637E1154-2245-4340-ACC9-A4604B346BE9}"/>
+              </a:ext>
+            </a:extLst>
+          </p:cNvPr>
+          <p:cNvPicPr>
+            <a:picLocks noGrp="1" noChangeAspect="1"/>
+          </p:cNvPicPr>
+          <p:nvPr>
+            <p:ph idx="1"/>
+          </p:nvPr>
+        </p:nvPicPr>
+        <p:blipFill>
+          <a:blip r:embed="rId2"/>
+          <a:stretch>
+            <a:fillRect/>
+          </a:stretch>
+        </p:blipFill>
+        <p:spPr>
+          <a:xfrm>
+            <a:off x="2590735" y="4772464"/>
+            <a:ext cx="7021878" cy="1290758"/>
+          </a:xfrm>
+          <a:prstGeom prst="rect">
+            <a:avLst/>
+          </a:prstGeom>
+        </p:spPr>
+      </p:pic>
+      <p:sp>
+        <p:nvSpPr>
+          <p:cNvPr id="6" name="Text Placeholder 5">
+            <a:extLst>
+              <a:ext uri="{FF2B5EF4-FFF2-40B4-BE49-F238E27FC236}">
+                <a16:creationId xmlns:a16="http://schemas.microsoft.com/office/drawing/2014/main" id="{B08C1F55-8ADE-46D5-BB1E-94A5AD63C938}"/>
+              </a:ext>
+            </a:extLst>
+          </p:cNvPr>
+          <p:cNvSpPr>
+            <a:spLocks noGrp="1"/>
+          </p:cNvSpPr>
+          <p:nvPr>
+            <p:ph type="body" sz="half" idx="2"/>
+          </p:nvPr>
+        </p:nvSpPr>
+        <p:spPr>
+          <a:xfrm>
+            <a:off x="2743827" y="2566952"/>
+            <a:ext cx="6697782" cy="2006012"/>
+          </a:xfrm>
+        </p:spPr>
+        <p:txBody>
+          <a:bodyPr vert="horz" lIns="91440" tIns="45720" rIns="91440" bIns="45720" rtlCol="0" anchor="t">
+            <a:noAutofit/>
+          </a:bodyPr>
+          <a:lstStyle/>
+          <a:p>
+            <a:pPr algn="ctr"/>
+            <a:r>
+              <a:rPr lang="en-US" sz="3000"/>
+              <a:t>Local company based in Kalamazoo, MI</a:t>
+            </a:r>
+          </a:p>
+          <a:p>
+            <a:pPr algn="ctr"/>
+            <a:r>
+              <a:rPr lang="en-US" sz="3000"/>
+              <a:t> Master data management platform</a:t>
+            </a:r>
+          </a:p>
+          <a:p>
+            <a:pPr algn="ctr"/>
+            <a:r>
+              <a:rPr lang="en-US" sz="3000" dirty="0">
+                <a:solidFill>
+                  <a:schemeClr val="bg2">
+                    <a:lumMod val="50000"/>
+                  </a:schemeClr>
+                </a:solidFill>
+                <a:hlinkClick r:id="rId3"/>
+              </a:rPr>
+              <a:t>https://www.salespage.com/</a:t>
+            </a:r>
+            <a:endParaRPr lang="en-US" sz="3000">
+              <a:solidFill>
+                <a:schemeClr val="bg2">
+                  <a:lumMod val="50000"/>
+                </a:schemeClr>
+              </a:solidFill>
+            </a:endParaRPr>
+          </a:p>
+        </p:txBody>
+      </p:sp>
+    </p:spTree>
+    <p:extLst>
+      <p:ext uri="{BB962C8B-B14F-4D97-AF65-F5344CB8AC3E}">
+        <p14:creationId xmlns:p14="http://schemas.microsoft.com/office/powerpoint/2010/main" val="1062428199"/>
       </p:ext>
     </p:extLst>
   </p:cSld>

--- a/docs/FuzzyRecordLinkage.pptx
+++ b/docs/FuzzyRecordLinkage.pptx
@@ -9,10 +9,10 @@
   </p:notesMasterIdLst>
   <p:sldIdLst>
     <p:sldId id="256" r:id="rId2"/>
-    <p:sldId id="257" r:id="rId3"/>
-    <p:sldId id="281" r:id="rId4"/>
-    <p:sldId id="278" r:id="rId5"/>
-    <p:sldId id="258" r:id="rId6"/>
+    <p:sldId id="258" r:id="rId3"/>
+    <p:sldId id="257" r:id="rId4"/>
+    <p:sldId id="281" r:id="rId5"/>
+    <p:sldId id="278" r:id="rId6"/>
     <p:sldId id="259" r:id="rId7"/>
     <p:sldId id="260" r:id="rId8"/>
     <p:sldId id="277" r:id="rId9"/>
@@ -12680,8 +12680,9 @@
         <a:p>
           <a:r>
             <a:rPr lang="en-US"/>
-            <a:t>Objective</a:t>
+            <a:t>The Problem</a:t>
           </a:r>
+          <a:endParaRPr lang="en-US" dirty="0"/>
         </a:p>
       </dgm:t>
     </dgm:pt>
@@ -12787,8 +12788,8 @@
         <a:lstStyle/>
         <a:p>
           <a:r>
-            <a:rPr lang="en-US"/>
-            <a:t>Design</a:t>
+            <a:rPr lang="en-US" dirty="0"/>
+            <a:t>Our Design</a:t>
           </a:r>
         </a:p>
       </dgm:t>
@@ -12995,35 +12996,6 @@
         </a:p>
       </dgm:t>
     </dgm:pt>
-    <dgm:pt modelId="{2CC6C2C5-D55C-4EEF-8D26-B4133761C3CE}">
-      <dgm:prSet/>
-      <dgm:spPr/>
-      <dgm:t>
-        <a:bodyPr/>
-        <a:lstStyle/>
-        <a:p>
-          <a:r>
-            <a:rPr lang="en-US"/>
-            <a:t>The Problem</a:t>
-          </a:r>
-        </a:p>
-      </dgm:t>
-    </dgm:pt>
-    <dgm:pt modelId="{DF01D3C5-54B8-4540-B3E5-D809033B3BB9}" type="parTrans" cxnId="{8B83A21A-6C64-4F95-9DB0-999A9A9986C5}">
-      <dgm:prSet/>
-      <dgm:spPr/>
-    </dgm:pt>
-    <dgm:pt modelId="{91B78EC8-447F-4C16-9AED-232EAF1AE76A}" type="sibTrans" cxnId="{8B83A21A-6C64-4F95-9DB0-999A9A9986C5}">
-      <dgm:prSet/>
-      <dgm:spPr/>
-      <dgm:t>
-        <a:bodyPr/>
-        <a:lstStyle/>
-        <a:p>
-          <a:endParaRPr lang="en-US"/>
-        </a:p>
-      </dgm:t>
-    </dgm:pt>
     <dgm:pt modelId="{D56B39B8-DE0D-4BE9-BED1-5379BDDE6463}">
       <dgm:prSet/>
       <dgm:spPr/>
@@ -13041,6 +13013,13 @@
     <dgm:pt modelId="{6F9BF4E9-3AEA-42A3-932A-43D910CE989D}" type="parTrans" cxnId="{B5412D67-DDE7-4B75-8F6D-2F4FDB9654A5}">
       <dgm:prSet/>
       <dgm:spPr/>
+      <dgm:t>
+        <a:bodyPr/>
+        <a:lstStyle/>
+        <a:p>
+          <a:endParaRPr lang="en-US"/>
+        </a:p>
+      </dgm:t>
     </dgm:pt>
     <dgm:pt modelId="{FCB22A08-CACA-4AC8-9F7E-48C50CBB6C3A}" type="sibTrans" cxnId="{B5412D67-DDE7-4B75-8F6D-2F4FDB9654A5}">
       <dgm:prSet/>
@@ -13070,10 +13049,24 @@
     <dgm:pt modelId="{D2408721-9B5B-4C7C-A49E-1991462F9D53}" type="parTrans" cxnId="{0F83389D-7870-4B15-B409-73AC08D80842}">
       <dgm:prSet/>
       <dgm:spPr/>
+      <dgm:t>
+        <a:bodyPr/>
+        <a:lstStyle/>
+        <a:p>
+          <a:endParaRPr lang="en-US"/>
+        </a:p>
+      </dgm:t>
     </dgm:pt>
     <dgm:pt modelId="{19D54727-54EA-47EE-BA21-240A9AED2799}" type="sibTrans" cxnId="{0F83389D-7870-4B15-B409-73AC08D80842}">
       <dgm:prSet/>
       <dgm:spPr/>
+      <dgm:t>
+        <a:bodyPr/>
+        <a:lstStyle/>
+        <a:p>
+          <a:endParaRPr lang="en-US"/>
+        </a:p>
+      </dgm:t>
     </dgm:pt>
     <dgm:pt modelId="{DAD69198-A90B-41E7-BB71-4A93FE5C10B0}">
       <dgm:prSet/>
@@ -13092,10 +13085,24 @@
     <dgm:pt modelId="{C3FE5EA8-182F-4C69-9066-0ACFEAAD8CD6}" type="parTrans" cxnId="{C3464257-C00D-4C27-AD08-36427C84B716}">
       <dgm:prSet/>
       <dgm:spPr/>
+      <dgm:t>
+        <a:bodyPr/>
+        <a:lstStyle/>
+        <a:p>
+          <a:endParaRPr lang="en-US"/>
+        </a:p>
+      </dgm:t>
     </dgm:pt>
     <dgm:pt modelId="{D0755BD3-C11D-40D1-AD40-737D542FEC0D}" type="sibTrans" cxnId="{C3464257-C00D-4C27-AD08-36427C84B716}">
       <dgm:prSet/>
       <dgm:spPr/>
+      <dgm:t>
+        <a:bodyPr/>
+        <a:lstStyle/>
+        <a:p>
+          <a:endParaRPr lang="en-US"/>
+        </a:p>
+      </dgm:t>
     </dgm:pt>
     <dgm:pt modelId="{DDC7CEC3-F757-43A0-A2FA-ABA576BB655C}" type="pres">
       <dgm:prSet presAssocID="{14FB87C3-FCC9-46D8-8275-62A0B38C812D}" presName="Name0" presStyleCnt="0">
@@ -13112,7 +13119,7 @@
       <dgm:spPr/>
     </dgm:pt>
     <dgm:pt modelId="{8D870C57-7ADF-4ADA-A8C8-8067E4E1AA9C}" type="pres">
-      <dgm:prSet presAssocID="{310F1D7F-1D49-4066-B0E4-252021FCA9F6}" presName="parentText" presStyleLbl="node1" presStyleIdx="0" presStyleCnt="13">
+      <dgm:prSet presAssocID="{310F1D7F-1D49-4066-B0E4-252021FCA9F6}" presName="parentText" presStyleLbl="node1" presStyleIdx="0" presStyleCnt="12">
         <dgm:presLayoutVars>
           <dgm:chMax val="1"/>
           <dgm:bulletEnabled val="1"/>
@@ -13124,29 +13131,12 @@
       <dgm:prSet presAssocID="{DFDDE746-FC5E-4BF4-9DCB-F7ACCB1A9399}" presName="sp" presStyleCnt="0"/>
       <dgm:spPr/>
     </dgm:pt>
-    <dgm:pt modelId="{E58F2B74-9B63-45C4-86A6-BF61144D30AE}" type="pres">
-      <dgm:prSet presAssocID="{2CC6C2C5-D55C-4EEF-8D26-B4133761C3CE}" presName="linNode" presStyleCnt="0"/>
-      <dgm:spPr/>
-    </dgm:pt>
-    <dgm:pt modelId="{633C4CDB-68EC-42E6-B16A-F56E8CD12621}" type="pres">
-      <dgm:prSet presAssocID="{2CC6C2C5-D55C-4EEF-8D26-B4133761C3CE}" presName="parentText" presStyleLbl="node1" presStyleIdx="1" presStyleCnt="13">
-        <dgm:presLayoutVars>
-          <dgm:chMax val="1"/>
-          <dgm:bulletEnabled val="1"/>
-        </dgm:presLayoutVars>
-      </dgm:prSet>
-      <dgm:spPr/>
-    </dgm:pt>
-    <dgm:pt modelId="{D7720D65-7302-4C6B-A304-FDB3DA618C8C}" type="pres">
-      <dgm:prSet presAssocID="{91B78EC8-447F-4C16-9AED-232EAF1AE76A}" presName="sp" presStyleCnt="0"/>
-      <dgm:spPr/>
-    </dgm:pt>
     <dgm:pt modelId="{E2534CFB-8A1E-4A17-8074-765FDD9D13CC}" type="pres">
       <dgm:prSet presAssocID="{DAD69198-A90B-41E7-BB71-4A93FE5C10B0}" presName="linNode" presStyleCnt="0"/>
       <dgm:spPr/>
     </dgm:pt>
     <dgm:pt modelId="{57C4D296-1E03-4909-9EA2-4B856D90D53A}" type="pres">
-      <dgm:prSet presAssocID="{DAD69198-A90B-41E7-BB71-4A93FE5C10B0}" presName="parentText" presStyleLbl="node1" presStyleIdx="2" presStyleCnt="13">
+      <dgm:prSet presAssocID="{DAD69198-A90B-41E7-BB71-4A93FE5C10B0}" presName="parentText" presStyleLbl="node1" presStyleIdx="1" presStyleCnt="12">
         <dgm:presLayoutVars>
           <dgm:chMax val="1"/>
           <dgm:bulletEnabled val="1"/>
@@ -13163,7 +13153,7 @@
       <dgm:spPr/>
     </dgm:pt>
     <dgm:pt modelId="{6588EB65-C784-423D-AE18-E3CF6265C1D6}" type="pres">
-      <dgm:prSet presAssocID="{68EB87DB-0581-4640-9ADB-562EA677AF1B}" presName="parentText" presStyleLbl="node1" presStyleIdx="3" presStyleCnt="13">
+      <dgm:prSet presAssocID="{68EB87DB-0581-4640-9ADB-562EA677AF1B}" presName="parentText" presStyleLbl="node1" presStyleIdx="2" presStyleCnt="12">
         <dgm:presLayoutVars>
           <dgm:chMax val="1"/>
           <dgm:bulletEnabled val="1"/>
@@ -13180,7 +13170,7 @@
       <dgm:spPr/>
     </dgm:pt>
     <dgm:pt modelId="{70189A93-22F1-4B00-BD68-876AE5271AAE}" type="pres">
-      <dgm:prSet presAssocID="{5260635D-9975-408F-AB5B-D0D381D7298C}" presName="parentText" presStyleLbl="node1" presStyleIdx="4" presStyleCnt="13">
+      <dgm:prSet presAssocID="{5260635D-9975-408F-AB5B-D0D381D7298C}" presName="parentText" presStyleLbl="node1" presStyleIdx="3" presStyleCnt="12">
         <dgm:presLayoutVars>
           <dgm:chMax val="1"/>
           <dgm:bulletEnabled val="1"/>
@@ -13197,7 +13187,7 @@
       <dgm:spPr/>
     </dgm:pt>
     <dgm:pt modelId="{EE701881-66BD-4374-B4D0-2A2095722C05}" type="pres">
-      <dgm:prSet presAssocID="{AF7FACE5-68CF-4FE4-8DF4-E6F7BAC961AA}" presName="parentText" presStyleLbl="node1" presStyleIdx="5" presStyleCnt="13">
+      <dgm:prSet presAssocID="{AF7FACE5-68CF-4FE4-8DF4-E6F7BAC961AA}" presName="parentText" presStyleLbl="node1" presStyleIdx="4" presStyleCnt="12">
         <dgm:presLayoutVars>
           <dgm:chMax val="1"/>
           <dgm:bulletEnabled val="1"/>
@@ -13214,7 +13204,7 @@
       <dgm:spPr/>
     </dgm:pt>
     <dgm:pt modelId="{356775C3-4D34-450A-8B44-7D86E93032A5}" type="pres">
-      <dgm:prSet presAssocID="{AA3D64A1-5984-4150-B0E2-C7D4729E9C34}" presName="parentText" presStyleLbl="node1" presStyleIdx="6" presStyleCnt="13">
+      <dgm:prSet presAssocID="{AA3D64A1-5984-4150-B0E2-C7D4729E9C34}" presName="parentText" presStyleLbl="node1" presStyleIdx="5" presStyleCnt="12">
         <dgm:presLayoutVars>
           <dgm:chMax val="1"/>
           <dgm:bulletEnabled val="1"/>
@@ -13231,7 +13221,7 @@
       <dgm:spPr/>
     </dgm:pt>
     <dgm:pt modelId="{D22C1773-3F60-41BD-805D-C07FE4D5F633}" type="pres">
-      <dgm:prSet presAssocID="{344A5502-55A6-4C83-8A8C-E66CF4DEB2FB}" presName="parentText" presStyleLbl="node1" presStyleIdx="7" presStyleCnt="13">
+      <dgm:prSet presAssocID="{344A5502-55A6-4C83-8A8C-E66CF4DEB2FB}" presName="parentText" presStyleLbl="node1" presStyleIdx="6" presStyleCnt="12">
         <dgm:presLayoutVars>
           <dgm:chMax val="1"/>
           <dgm:bulletEnabled val="1"/>
@@ -13248,7 +13238,7 @@
       <dgm:spPr/>
     </dgm:pt>
     <dgm:pt modelId="{18232ADC-C076-49B0-9CD3-41278FA6D915}" type="pres">
-      <dgm:prSet presAssocID="{D26A42DB-657A-427C-BD7E-4C842922F6EE}" presName="parentText" presStyleLbl="node1" presStyleIdx="8" presStyleCnt="13">
+      <dgm:prSet presAssocID="{D26A42DB-657A-427C-BD7E-4C842922F6EE}" presName="parentText" presStyleLbl="node1" presStyleIdx="7" presStyleCnt="12">
         <dgm:presLayoutVars>
           <dgm:chMax val="1"/>
           <dgm:bulletEnabled val="1"/>
@@ -13265,7 +13255,7 @@
       <dgm:spPr/>
     </dgm:pt>
     <dgm:pt modelId="{C2175BCC-CBB7-4BF3-9511-2D8C3F0FE10F}" type="pres">
-      <dgm:prSet presAssocID="{84F6B20A-49A4-4704-AB4E-7D86696A7A35}" presName="parentText" presStyleLbl="node1" presStyleIdx="9" presStyleCnt="13">
+      <dgm:prSet presAssocID="{84F6B20A-49A4-4704-AB4E-7D86696A7A35}" presName="parentText" presStyleLbl="node1" presStyleIdx="8" presStyleCnt="12">
         <dgm:presLayoutVars>
           <dgm:chMax val="1"/>
           <dgm:bulletEnabled val="1"/>
@@ -13282,7 +13272,7 @@
       <dgm:spPr/>
     </dgm:pt>
     <dgm:pt modelId="{1A5ED826-5D00-4CB2-87B5-BEC5EC62E772}" type="pres">
-      <dgm:prSet presAssocID="{40DB2B9C-1F19-441D-9344-82B86306084E}" presName="parentText" presStyleLbl="node1" presStyleIdx="10" presStyleCnt="13">
+      <dgm:prSet presAssocID="{40DB2B9C-1F19-441D-9344-82B86306084E}" presName="parentText" presStyleLbl="node1" presStyleIdx="9" presStyleCnt="12">
         <dgm:presLayoutVars>
           <dgm:chMax val="1"/>
           <dgm:bulletEnabled val="1"/>
@@ -13299,7 +13289,7 @@
       <dgm:spPr/>
     </dgm:pt>
     <dgm:pt modelId="{9A56D476-57EC-4DAE-8286-533FD3497850}" type="pres">
-      <dgm:prSet presAssocID="{D56B39B8-DE0D-4BE9-BED1-5379BDDE6463}" presName="parentText" presStyleLbl="node1" presStyleIdx="11" presStyleCnt="13">
+      <dgm:prSet presAssocID="{D56B39B8-DE0D-4BE9-BED1-5379BDDE6463}" presName="parentText" presStyleLbl="node1" presStyleIdx="10" presStyleCnt="12">
         <dgm:presLayoutVars>
           <dgm:chMax val="1"/>
           <dgm:bulletEnabled val="1"/>
@@ -13316,7 +13306,7 @@
       <dgm:spPr/>
     </dgm:pt>
     <dgm:pt modelId="{DD9B7236-1E08-409A-9F65-F940323D19C0}" type="pres">
-      <dgm:prSet presAssocID="{137C00AF-E6EB-4901-9912-841632B7FB80}" presName="parentText" presStyleLbl="node1" presStyleIdx="12" presStyleCnt="13">
+      <dgm:prSet presAssocID="{137C00AF-E6EB-4901-9912-841632B7FB80}" presName="parentText" presStyleLbl="node1" presStyleIdx="11" presStyleCnt="12">
         <dgm:presLayoutVars>
           <dgm:chMax val="1"/>
           <dgm:bulletEnabled val="1"/>
@@ -13327,69 +13317,64 @@
   </dgm:ptLst>
   <dgm:cxnLst>
     <dgm:cxn modelId="{CA674716-CB77-43AD-9961-33F99C128B04}" type="presOf" srcId="{68EB87DB-0581-4640-9ADB-562EA677AF1B}" destId="{6588EB65-C784-423D-AE18-E3CF6265C1D6}" srcOrd="0" destOrd="0" presId="urn:microsoft.com/office/officeart/2005/8/layout/vList5"/>
-    <dgm:cxn modelId="{8B83A21A-6C64-4F95-9DB0-999A9A9986C5}" srcId="{14FB87C3-FCC9-46D8-8275-62A0B38C812D}" destId="{2CC6C2C5-D55C-4EEF-8D26-B4133761C3CE}" srcOrd="1" destOrd="0" parTransId="{DF01D3C5-54B8-4540-B3E5-D809033B3BB9}" sibTransId="{91B78EC8-447F-4C16-9AED-232EAF1AE76A}"/>
     <dgm:cxn modelId="{0913CB21-1232-4D42-B149-F4EBFED6C27A}" type="presOf" srcId="{14FB87C3-FCC9-46D8-8275-62A0B38C812D}" destId="{DDC7CEC3-F757-43A0-A2FA-ABA576BB655C}" srcOrd="0" destOrd="0" presId="urn:microsoft.com/office/officeart/2005/8/layout/vList5"/>
     <dgm:cxn modelId="{1900DD31-7666-4C0B-9F72-942FC413D72F}" type="presOf" srcId="{AF7FACE5-68CF-4FE4-8DF4-E6F7BAC961AA}" destId="{EE701881-66BD-4374-B4D0-2A2095722C05}" srcOrd="0" destOrd="0" presId="urn:microsoft.com/office/officeart/2005/8/layout/vList5"/>
-    <dgm:cxn modelId="{B5412D67-DDE7-4B75-8F6D-2F4FDB9654A5}" srcId="{14FB87C3-FCC9-46D8-8275-62A0B38C812D}" destId="{D56B39B8-DE0D-4BE9-BED1-5379BDDE6463}" srcOrd="11" destOrd="0" parTransId="{6F9BF4E9-3AEA-42A3-932A-43D910CE989D}" sibTransId="{FCB22A08-CACA-4AC8-9F7E-48C50CBB6C3A}"/>
+    <dgm:cxn modelId="{B5412D67-DDE7-4B75-8F6D-2F4FDB9654A5}" srcId="{14FB87C3-FCC9-46D8-8275-62A0B38C812D}" destId="{D56B39B8-DE0D-4BE9-BED1-5379BDDE6463}" srcOrd="10" destOrd="0" parTransId="{6F9BF4E9-3AEA-42A3-932A-43D910CE989D}" sibTransId="{FCB22A08-CACA-4AC8-9F7E-48C50CBB6C3A}"/>
     <dgm:cxn modelId="{99C2346E-2AF5-46B1-AD6A-2A2B020A67D6}" type="presOf" srcId="{DAD69198-A90B-41E7-BB71-4A93FE5C10B0}" destId="{57C4D296-1E03-4909-9EA2-4B856D90D53A}" srcOrd="0" destOrd="0" presId="urn:microsoft.com/office/officeart/2005/8/layout/vList5"/>
     <dgm:cxn modelId="{0073C250-C1F0-4EEE-B9C1-5AD31FCCDA88}" type="presOf" srcId="{40DB2B9C-1F19-441D-9344-82B86306084E}" destId="{1A5ED826-5D00-4CB2-87B5-BEC5EC62E772}" srcOrd="0" destOrd="0" presId="urn:microsoft.com/office/officeart/2005/8/layout/vList5"/>
-    <dgm:cxn modelId="{D287EC70-487E-4DA9-A6FD-F904B6DDE86B}" type="presOf" srcId="{2CC6C2C5-D55C-4EEF-8D26-B4133761C3CE}" destId="{633C4CDB-68EC-42E6-B16A-F56E8CD12621}" srcOrd="0" destOrd="0" presId="urn:microsoft.com/office/officeart/2005/8/layout/vList5"/>
-    <dgm:cxn modelId="{2F567151-8DD8-4D39-9F13-D0CBB08EA15E}" srcId="{14FB87C3-FCC9-46D8-8275-62A0B38C812D}" destId="{137C00AF-E6EB-4901-9912-841632B7FB80}" srcOrd="12" destOrd="0" parTransId="{E1393884-C83C-4452-AB0B-DCE03292BC2D}" sibTransId="{8CB68216-67C1-45E1-A862-DBB3FF873EEA}"/>
-    <dgm:cxn modelId="{C3464257-C00D-4C27-AD08-36427C84B716}" srcId="{14FB87C3-FCC9-46D8-8275-62A0B38C812D}" destId="{DAD69198-A90B-41E7-BB71-4A93FE5C10B0}" srcOrd="2" destOrd="0" parTransId="{C3FE5EA8-182F-4C69-9066-0ACFEAAD8CD6}" sibTransId="{D0755BD3-C11D-40D1-AD40-737D542FEC0D}"/>
-    <dgm:cxn modelId="{7ACFF67F-D3A4-4060-B947-E6851538528E}" srcId="{14FB87C3-FCC9-46D8-8275-62A0B38C812D}" destId="{AA3D64A1-5984-4150-B0E2-C7D4729E9C34}" srcOrd="6" destOrd="0" parTransId="{A8801D20-7991-464C-B1B5-8A8F0FB26E2E}" sibTransId="{8B4AAB5F-F23A-4E49-8E27-64F73672C4BE}"/>
+    <dgm:cxn modelId="{2F567151-8DD8-4D39-9F13-D0CBB08EA15E}" srcId="{14FB87C3-FCC9-46D8-8275-62A0B38C812D}" destId="{137C00AF-E6EB-4901-9912-841632B7FB80}" srcOrd="11" destOrd="0" parTransId="{E1393884-C83C-4452-AB0B-DCE03292BC2D}" sibTransId="{8CB68216-67C1-45E1-A862-DBB3FF873EEA}"/>
+    <dgm:cxn modelId="{C3464257-C00D-4C27-AD08-36427C84B716}" srcId="{14FB87C3-FCC9-46D8-8275-62A0B38C812D}" destId="{DAD69198-A90B-41E7-BB71-4A93FE5C10B0}" srcOrd="1" destOrd="0" parTransId="{C3FE5EA8-182F-4C69-9066-0ACFEAAD8CD6}" sibTransId="{D0755BD3-C11D-40D1-AD40-737D542FEC0D}"/>
+    <dgm:cxn modelId="{7ACFF67F-D3A4-4060-B947-E6851538528E}" srcId="{14FB87C3-FCC9-46D8-8275-62A0B38C812D}" destId="{AA3D64A1-5984-4150-B0E2-C7D4729E9C34}" srcOrd="5" destOrd="0" parTransId="{A8801D20-7991-464C-B1B5-8A8F0FB26E2E}" sibTransId="{8B4AAB5F-F23A-4E49-8E27-64F73672C4BE}"/>
     <dgm:cxn modelId="{89335083-20B8-4122-955E-7B57119D3634}" type="presOf" srcId="{AA3D64A1-5984-4150-B0E2-C7D4729E9C34}" destId="{356775C3-4D34-450A-8B44-7D86E93032A5}" srcOrd="0" destOrd="0" presId="urn:microsoft.com/office/officeart/2005/8/layout/vList5"/>
     <dgm:cxn modelId="{1A9AD089-EAAE-4805-B682-3AD6DB9C7D59}" type="presOf" srcId="{137C00AF-E6EB-4901-9912-841632B7FB80}" destId="{DD9B7236-1E08-409A-9F65-F940323D19C0}" srcOrd="0" destOrd="0" presId="urn:microsoft.com/office/officeart/2005/8/layout/vList5"/>
     <dgm:cxn modelId="{8478FF94-29E0-413E-AC4D-68D43C1AAEDD}" type="presOf" srcId="{D26A42DB-657A-427C-BD7E-4C842922F6EE}" destId="{18232ADC-C076-49B0-9CD3-41278FA6D915}" srcOrd="0" destOrd="0" presId="urn:microsoft.com/office/officeart/2005/8/layout/vList5"/>
-    <dgm:cxn modelId="{0F83389D-7870-4B15-B409-73AC08D80842}" srcId="{14FB87C3-FCC9-46D8-8275-62A0B38C812D}" destId="{344A5502-55A6-4C83-8A8C-E66CF4DEB2FB}" srcOrd="7" destOrd="0" parTransId="{D2408721-9B5B-4C7C-A49E-1991462F9D53}" sibTransId="{19D54727-54EA-47EE-BA21-240A9AED2799}"/>
+    <dgm:cxn modelId="{0F83389D-7870-4B15-B409-73AC08D80842}" srcId="{14FB87C3-FCC9-46D8-8275-62A0B38C812D}" destId="{344A5502-55A6-4C83-8A8C-E66CF4DEB2FB}" srcOrd="6" destOrd="0" parTransId="{D2408721-9B5B-4C7C-A49E-1991462F9D53}" sibTransId="{19D54727-54EA-47EE-BA21-240A9AED2799}"/>
     <dgm:cxn modelId="{C1E987C1-5591-4D9B-9070-3B2615AEA3D7}" type="presOf" srcId="{344A5502-55A6-4C83-8A8C-E66CF4DEB2FB}" destId="{D22C1773-3F60-41BD-805D-C07FE4D5F633}" srcOrd="0" destOrd="0" presId="urn:microsoft.com/office/officeart/2005/8/layout/vList5"/>
-    <dgm:cxn modelId="{56DF10C2-04A4-4935-BB08-44EBD597AF70}" srcId="{14FB87C3-FCC9-46D8-8275-62A0B38C812D}" destId="{68EB87DB-0581-4640-9ADB-562EA677AF1B}" srcOrd="3" destOrd="0" parTransId="{B9E493AD-D727-4CC2-8143-AC96A6539E18}" sibTransId="{41DCBC56-0FEF-4008-B83C-9C070D8BD2D1}"/>
+    <dgm:cxn modelId="{56DF10C2-04A4-4935-BB08-44EBD597AF70}" srcId="{14FB87C3-FCC9-46D8-8275-62A0B38C812D}" destId="{68EB87DB-0581-4640-9ADB-562EA677AF1B}" srcOrd="2" destOrd="0" parTransId="{B9E493AD-D727-4CC2-8143-AC96A6539E18}" sibTransId="{41DCBC56-0FEF-4008-B83C-9C070D8BD2D1}"/>
     <dgm:cxn modelId="{E072A2CA-F860-4DFD-90B3-842350386A50}" type="presOf" srcId="{310F1D7F-1D49-4066-B0E4-252021FCA9F6}" destId="{8D870C57-7ADF-4ADA-A8C8-8067E4E1AA9C}" srcOrd="0" destOrd="0" presId="urn:microsoft.com/office/officeart/2005/8/layout/vList5"/>
-    <dgm:cxn modelId="{0BAA96D4-7D28-4359-B70B-D19BDF874322}" srcId="{14FB87C3-FCC9-46D8-8275-62A0B38C812D}" destId="{84F6B20A-49A4-4704-AB4E-7D86696A7A35}" srcOrd="9" destOrd="0" parTransId="{FDA44E1B-5F78-4948-ACC3-3D246362422C}" sibTransId="{2B59BDDE-5441-467A-B7C4-2EC5ED17C959}"/>
+    <dgm:cxn modelId="{0BAA96D4-7D28-4359-B70B-D19BDF874322}" srcId="{14FB87C3-FCC9-46D8-8275-62A0B38C812D}" destId="{84F6B20A-49A4-4704-AB4E-7D86696A7A35}" srcOrd="8" destOrd="0" parTransId="{FDA44E1B-5F78-4948-ACC3-3D246362422C}" sibTransId="{2B59BDDE-5441-467A-B7C4-2EC5ED17C959}"/>
     <dgm:cxn modelId="{B31D17D9-3CDD-4EBA-A0D4-3CED8F0F397B}" type="presOf" srcId="{84F6B20A-49A4-4704-AB4E-7D86696A7A35}" destId="{C2175BCC-CBB7-4BF3-9511-2D8C3F0FE10F}" srcOrd="0" destOrd="0" presId="urn:microsoft.com/office/officeart/2005/8/layout/vList5"/>
-    <dgm:cxn modelId="{2DBEFAE0-A30A-4DD7-9E27-DD151F95C50C}" srcId="{14FB87C3-FCC9-46D8-8275-62A0B38C812D}" destId="{AF7FACE5-68CF-4FE4-8DF4-E6F7BAC961AA}" srcOrd="5" destOrd="0" parTransId="{E5D9E631-9CF3-493E-AA21-17856051287C}" sibTransId="{3D9F8171-423A-4C13-B3E4-C4AFBAA55974}"/>
+    <dgm:cxn modelId="{2DBEFAE0-A30A-4DD7-9E27-DD151F95C50C}" srcId="{14FB87C3-FCC9-46D8-8275-62A0B38C812D}" destId="{AF7FACE5-68CF-4FE4-8DF4-E6F7BAC961AA}" srcOrd="4" destOrd="0" parTransId="{E5D9E631-9CF3-493E-AA21-17856051287C}" sibTransId="{3D9F8171-423A-4C13-B3E4-C4AFBAA55974}"/>
     <dgm:cxn modelId="{58A598EE-6AEF-45A2-8C38-DCF0C47AECC8}" type="presOf" srcId="{D56B39B8-DE0D-4BE9-BED1-5379BDDE6463}" destId="{9A56D476-57EC-4DAE-8286-533FD3497850}" srcOrd="0" destOrd="0" presId="urn:microsoft.com/office/officeart/2005/8/layout/vList5"/>
-    <dgm:cxn modelId="{7D5C36F2-7A86-4DBD-8587-B2AEE7659A18}" srcId="{14FB87C3-FCC9-46D8-8275-62A0B38C812D}" destId="{D26A42DB-657A-427C-BD7E-4C842922F6EE}" srcOrd="8" destOrd="0" parTransId="{9DD14044-67E1-4828-8063-12842CF77B22}" sibTransId="{91E4F36B-3DEC-4777-9FA9-DA73E7951DDC}"/>
+    <dgm:cxn modelId="{7D5C36F2-7A86-4DBD-8587-B2AEE7659A18}" srcId="{14FB87C3-FCC9-46D8-8275-62A0B38C812D}" destId="{D26A42DB-657A-427C-BD7E-4C842922F6EE}" srcOrd="7" destOrd="0" parTransId="{9DD14044-67E1-4828-8063-12842CF77B22}" sibTransId="{91E4F36B-3DEC-4777-9FA9-DA73E7951DDC}"/>
     <dgm:cxn modelId="{4B4E35F4-5883-47C7-AF91-3D24792A3F81}" type="presOf" srcId="{5260635D-9975-408F-AB5B-D0D381D7298C}" destId="{70189A93-22F1-4B00-BD68-876AE5271AAE}" srcOrd="0" destOrd="0" presId="urn:microsoft.com/office/officeart/2005/8/layout/vList5"/>
-    <dgm:cxn modelId="{B038AAF7-8EF1-4C3D-94D9-D885E9BB26DA}" srcId="{14FB87C3-FCC9-46D8-8275-62A0B38C812D}" destId="{5260635D-9975-408F-AB5B-D0D381D7298C}" srcOrd="4" destOrd="0" parTransId="{BEE9DE2A-FD41-43E2-B215-438512AE3407}" sibTransId="{3E005A74-2A07-436B-AEB0-AF32FDA4D238}"/>
+    <dgm:cxn modelId="{B038AAF7-8EF1-4C3D-94D9-D885E9BB26DA}" srcId="{14FB87C3-FCC9-46D8-8275-62A0B38C812D}" destId="{5260635D-9975-408F-AB5B-D0D381D7298C}" srcOrd="3" destOrd="0" parTransId="{BEE9DE2A-FD41-43E2-B215-438512AE3407}" sibTransId="{3E005A74-2A07-436B-AEB0-AF32FDA4D238}"/>
     <dgm:cxn modelId="{74B075FA-A62A-488B-BD10-A6815CB257D4}" srcId="{14FB87C3-FCC9-46D8-8275-62A0B38C812D}" destId="{310F1D7F-1D49-4066-B0E4-252021FCA9F6}" srcOrd="0" destOrd="0" parTransId="{A38DAFCA-121C-493D-86CA-6013D34F4A6D}" sibTransId="{DFDDE746-FC5E-4BF4-9DCB-F7ACCB1A9399}"/>
-    <dgm:cxn modelId="{F4970BFF-2591-4EFC-B0B1-181FE5CD5793}" srcId="{14FB87C3-FCC9-46D8-8275-62A0B38C812D}" destId="{40DB2B9C-1F19-441D-9344-82B86306084E}" srcOrd="10" destOrd="0" parTransId="{C7AC878B-CD17-448F-89B2-CE269A4DC9B7}" sibTransId="{0E9130F9-B3D7-4EEB-A383-9206D26FD21C}"/>
+    <dgm:cxn modelId="{F4970BFF-2591-4EFC-B0B1-181FE5CD5793}" srcId="{14FB87C3-FCC9-46D8-8275-62A0B38C812D}" destId="{40DB2B9C-1F19-441D-9344-82B86306084E}" srcOrd="9" destOrd="0" parTransId="{C7AC878B-CD17-448F-89B2-CE269A4DC9B7}" sibTransId="{0E9130F9-B3D7-4EEB-A383-9206D26FD21C}"/>
     <dgm:cxn modelId="{56A673C8-04CF-46A9-AB51-45BFF6466C2E}" type="presParOf" srcId="{DDC7CEC3-F757-43A0-A2FA-ABA576BB655C}" destId="{5C3D3754-B04A-4F7C-BE78-28E6689AEAB7}" srcOrd="0" destOrd="0" presId="urn:microsoft.com/office/officeart/2005/8/layout/vList5"/>
     <dgm:cxn modelId="{F019D5A2-AEBE-4A08-93FB-6404016221A8}" type="presParOf" srcId="{5C3D3754-B04A-4F7C-BE78-28E6689AEAB7}" destId="{8D870C57-7ADF-4ADA-A8C8-8067E4E1AA9C}" srcOrd="0" destOrd="0" presId="urn:microsoft.com/office/officeart/2005/8/layout/vList5"/>
     <dgm:cxn modelId="{BE5C0848-4D0B-4986-984D-072C602222E2}" type="presParOf" srcId="{DDC7CEC3-F757-43A0-A2FA-ABA576BB655C}" destId="{5AC9C6CD-DA56-4DF2-B23E-5ABE9380D47F}" srcOrd="1" destOrd="0" presId="urn:microsoft.com/office/officeart/2005/8/layout/vList5"/>
-    <dgm:cxn modelId="{3C7EF957-E685-4FF6-9A58-5B4B2B72ED89}" type="presParOf" srcId="{DDC7CEC3-F757-43A0-A2FA-ABA576BB655C}" destId="{E58F2B74-9B63-45C4-86A6-BF61144D30AE}" srcOrd="2" destOrd="0" presId="urn:microsoft.com/office/officeart/2005/8/layout/vList5"/>
-    <dgm:cxn modelId="{2D670CDF-1457-474B-A60C-D9533E444321}" type="presParOf" srcId="{E58F2B74-9B63-45C4-86A6-BF61144D30AE}" destId="{633C4CDB-68EC-42E6-B16A-F56E8CD12621}" srcOrd="0" destOrd="0" presId="urn:microsoft.com/office/officeart/2005/8/layout/vList5"/>
-    <dgm:cxn modelId="{FF52F3A7-CD7F-440D-94FE-1FB45C0F3214}" type="presParOf" srcId="{DDC7CEC3-F757-43A0-A2FA-ABA576BB655C}" destId="{D7720D65-7302-4C6B-A304-FDB3DA618C8C}" srcOrd="3" destOrd="0" presId="urn:microsoft.com/office/officeart/2005/8/layout/vList5"/>
-    <dgm:cxn modelId="{290B28E9-8491-4938-9192-349790C446C1}" type="presParOf" srcId="{DDC7CEC3-F757-43A0-A2FA-ABA576BB655C}" destId="{E2534CFB-8A1E-4A17-8074-765FDD9D13CC}" srcOrd="4" destOrd="0" presId="urn:microsoft.com/office/officeart/2005/8/layout/vList5"/>
+    <dgm:cxn modelId="{290B28E9-8491-4938-9192-349790C446C1}" type="presParOf" srcId="{DDC7CEC3-F757-43A0-A2FA-ABA576BB655C}" destId="{E2534CFB-8A1E-4A17-8074-765FDD9D13CC}" srcOrd="2" destOrd="0" presId="urn:microsoft.com/office/officeart/2005/8/layout/vList5"/>
     <dgm:cxn modelId="{168A2C8B-4367-4B3E-A2EE-CCD8027A0319}" type="presParOf" srcId="{E2534CFB-8A1E-4A17-8074-765FDD9D13CC}" destId="{57C4D296-1E03-4909-9EA2-4B856D90D53A}" srcOrd="0" destOrd="0" presId="urn:microsoft.com/office/officeart/2005/8/layout/vList5"/>
-    <dgm:cxn modelId="{70B02882-8282-426B-8B72-7033F0574074}" type="presParOf" srcId="{DDC7CEC3-F757-43A0-A2FA-ABA576BB655C}" destId="{2C27EFC7-70CE-47E1-8645-C509BB159075}" srcOrd="5" destOrd="0" presId="urn:microsoft.com/office/officeart/2005/8/layout/vList5"/>
-    <dgm:cxn modelId="{69946404-A7C9-4EB8-B071-7BF95D90D337}" type="presParOf" srcId="{DDC7CEC3-F757-43A0-A2FA-ABA576BB655C}" destId="{D28886D8-08ED-439D-970B-3A7BD0531C69}" srcOrd="6" destOrd="0" presId="urn:microsoft.com/office/officeart/2005/8/layout/vList5"/>
+    <dgm:cxn modelId="{70B02882-8282-426B-8B72-7033F0574074}" type="presParOf" srcId="{DDC7CEC3-F757-43A0-A2FA-ABA576BB655C}" destId="{2C27EFC7-70CE-47E1-8645-C509BB159075}" srcOrd="3" destOrd="0" presId="urn:microsoft.com/office/officeart/2005/8/layout/vList5"/>
+    <dgm:cxn modelId="{69946404-A7C9-4EB8-B071-7BF95D90D337}" type="presParOf" srcId="{DDC7CEC3-F757-43A0-A2FA-ABA576BB655C}" destId="{D28886D8-08ED-439D-970B-3A7BD0531C69}" srcOrd="4" destOrd="0" presId="urn:microsoft.com/office/officeart/2005/8/layout/vList5"/>
     <dgm:cxn modelId="{ACF2C7FC-5FD0-4CCB-B0F1-3751200B718D}" type="presParOf" srcId="{D28886D8-08ED-439D-970B-3A7BD0531C69}" destId="{6588EB65-C784-423D-AE18-E3CF6265C1D6}" srcOrd="0" destOrd="0" presId="urn:microsoft.com/office/officeart/2005/8/layout/vList5"/>
-    <dgm:cxn modelId="{034A8A4F-87F3-4A0F-9429-5D1FE9811D0C}" type="presParOf" srcId="{DDC7CEC3-F757-43A0-A2FA-ABA576BB655C}" destId="{77CDB951-6A93-4226-AA54-1DD2858A277D}" srcOrd="7" destOrd="0" presId="urn:microsoft.com/office/officeart/2005/8/layout/vList5"/>
-    <dgm:cxn modelId="{694536CE-94A6-40AC-8432-B797B5574C4A}" type="presParOf" srcId="{DDC7CEC3-F757-43A0-A2FA-ABA576BB655C}" destId="{B4EDADA8-1BE8-47E0-9FA7-FDCA8750565E}" srcOrd="8" destOrd="0" presId="urn:microsoft.com/office/officeart/2005/8/layout/vList5"/>
+    <dgm:cxn modelId="{034A8A4F-87F3-4A0F-9429-5D1FE9811D0C}" type="presParOf" srcId="{DDC7CEC3-F757-43A0-A2FA-ABA576BB655C}" destId="{77CDB951-6A93-4226-AA54-1DD2858A277D}" srcOrd="5" destOrd="0" presId="urn:microsoft.com/office/officeart/2005/8/layout/vList5"/>
+    <dgm:cxn modelId="{694536CE-94A6-40AC-8432-B797B5574C4A}" type="presParOf" srcId="{DDC7CEC3-F757-43A0-A2FA-ABA576BB655C}" destId="{B4EDADA8-1BE8-47E0-9FA7-FDCA8750565E}" srcOrd="6" destOrd="0" presId="urn:microsoft.com/office/officeart/2005/8/layout/vList5"/>
     <dgm:cxn modelId="{D9734BA9-887F-4DFD-A53E-784B8ACB0D5D}" type="presParOf" srcId="{B4EDADA8-1BE8-47E0-9FA7-FDCA8750565E}" destId="{70189A93-22F1-4B00-BD68-876AE5271AAE}" srcOrd="0" destOrd="0" presId="urn:microsoft.com/office/officeart/2005/8/layout/vList5"/>
-    <dgm:cxn modelId="{4F84C738-7BFA-4C16-AD65-3BD3EADF8329}" type="presParOf" srcId="{DDC7CEC3-F757-43A0-A2FA-ABA576BB655C}" destId="{9FB877A9-376E-4BFE-992E-F8C48C80FF90}" srcOrd="9" destOrd="0" presId="urn:microsoft.com/office/officeart/2005/8/layout/vList5"/>
-    <dgm:cxn modelId="{FE245C01-A86E-4455-842F-D65FCA478E8D}" type="presParOf" srcId="{DDC7CEC3-F757-43A0-A2FA-ABA576BB655C}" destId="{E12BE114-965B-4CDD-BC0A-2B4EBE01BE39}" srcOrd="10" destOrd="0" presId="urn:microsoft.com/office/officeart/2005/8/layout/vList5"/>
+    <dgm:cxn modelId="{4F84C738-7BFA-4C16-AD65-3BD3EADF8329}" type="presParOf" srcId="{DDC7CEC3-F757-43A0-A2FA-ABA576BB655C}" destId="{9FB877A9-376E-4BFE-992E-F8C48C80FF90}" srcOrd="7" destOrd="0" presId="urn:microsoft.com/office/officeart/2005/8/layout/vList5"/>
+    <dgm:cxn modelId="{FE245C01-A86E-4455-842F-D65FCA478E8D}" type="presParOf" srcId="{DDC7CEC3-F757-43A0-A2FA-ABA576BB655C}" destId="{E12BE114-965B-4CDD-BC0A-2B4EBE01BE39}" srcOrd="8" destOrd="0" presId="urn:microsoft.com/office/officeart/2005/8/layout/vList5"/>
     <dgm:cxn modelId="{5D2884A3-4603-4F1A-8C7F-5C19D7730FFF}" type="presParOf" srcId="{E12BE114-965B-4CDD-BC0A-2B4EBE01BE39}" destId="{EE701881-66BD-4374-B4D0-2A2095722C05}" srcOrd="0" destOrd="0" presId="urn:microsoft.com/office/officeart/2005/8/layout/vList5"/>
-    <dgm:cxn modelId="{AFD9057A-A073-4C81-B3ED-A5F1217E79C1}" type="presParOf" srcId="{DDC7CEC3-F757-43A0-A2FA-ABA576BB655C}" destId="{8FC4BF74-93AF-4654-874A-B3823F3F51A2}" srcOrd="11" destOrd="0" presId="urn:microsoft.com/office/officeart/2005/8/layout/vList5"/>
-    <dgm:cxn modelId="{294DCDD9-8CE9-4B5E-B26E-AA6EA9937EF0}" type="presParOf" srcId="{DDC7CEC3-F757-43A0-A2FA-ABA576BB655C}" destId="{80E31028-E93F-443C-A94B-88959D7298AC}" srcOrd="12" destOrd="0" presId="urn:microsoft.com/office/officeart/2005/8/layout/vList5"/>
+    <dgm:cxn modelId="{AFD9057A-A073-4C81-B3ED-A5F1217E79C1}" type="presParOf" srcId="{DDC7CEC3-F757-43A0-A2FA-ABA576BB655C}" destId="{8FC4BF74-93AF-4654-874A-B3823F3F51A2}" srcOrd="9" destOrd="0" presId="urn:microsoft.com/office/officeart/2005/8/layout/vList5"/>
+    <dgm:cxn modelId="{294DCDD9-8CE9-4B5E-B26E-AA6EA9937EF0}" type="presParOf" srcId="{DDC7CEC3-F757-43A0-A2FA-ABA576BB655C}" destId="{80E31028-E93F-443C-A94B-88959D7298AC}" srcOrd="10" destOrd="0" presId="urn:microsoft.com/office/officeart/2005/8/layout/vList5"/>
     <dgm:cxn modelId="{AAF50AEC-288C-4D5E-9A0C-C1BDCCB649C9}" type="presParOf" srcId="{80E31028-E93F-443C-A94B-88959D7298AC}" destId="{356775C3-4D34-450A-8B44-7D86E93032A5}" srcOrd="0" destOrd="0" presId="urn:microsoft.com/office/officeart/2005/8/layout/vList5"/>
-    <dgm:cxn modelId="{5CBE201C-462B-419E-A005-28D493E57DEA}" type="presParOf" srcId="{DDC7CEC3-F757-43A0-A2FA-ABA576BB655C}" destId="{D717168E-8E7A-4D50-8FB1-4A5BA407F048}" srcOrd="13" destOrd="0" presId="urn:microsoft.com/office/officeart/2005/8/layout/vList5"/>
-    <dgm:cxn modelId="{5344B8EF-5436-4DB9-B2E5-5C7882EE5612}" type="presParOf" srcId="{DDC7CEC3-F757-43A0-A2FA-ABA576BB655C}" destId="{E5BCAF12-E5E4-4EE9-9B93-D547F33BC8DF}" srcOrd="14" destOrd="0" presId="urn:microsoft.com/office/officeart/2005/8/layout/vList5"/>
+    <dgm:cxn modelId="{5CBE201C-462B-419E-A005-28D493E57DEA}" type="presParOf" srcId="{DDC7CEC3-F757-43A0-A2FA-ABA576BB655C}" destId="{D717168E-8E7A-4D50-8FB1-4A5BA407F048}" srcOrd="11" destOrd="0" presId="urn:microsoft.com/office/officeart/2005/8/layout/vList5"/>
+    <dgm:cxn modelId="{5344B8EF-5436-4DB9-B2E5-5C7882EE5612}" type="presParOf" srcId="{DDC7CEC3-F757-43A0-A2FA-ABA576BB655C}" destId="{E5BCAF12-E5E4-4EE9-9B93-D547F33BC8DF}" srcOrd="12" destOrd="0" presId="urn:microsoft.com/office/officeart/2005/8/layout/vList5"/>
     <dgm:cxn modelId="{F7E3C21E-E6AE-4EE5-AF59-31E5E936B792}" type="presParOf" srcId="{E5BCAF12-E5E4-4EE9-9B93-D547F33BC8DF}" destId="{D22C1773-3F60-41BD-805D-C07FE4D5F633}" srcOrd="0" destOrd="0" presId="urn:microsoft.com/office/officeart/2005/8/layout/vList5"/>
-    <dgm:cxn modelId="{E6F14FD9-89C0-4E57-9773-EE420202515E}" type="presParOf" srcId="{DDC7CEC3-F757-43A0-A2FA-ABA576BB655C}" destId="{84372467-60A0-41D6-9693-AD944C5D4F8D}" srcOrd="15" destOrd="0" presId="urn:microsoft.com/office/officeart/2005/8/layout/vList5"/>
-    <dgm:cxn modelId="{B85AC43B-2EEF-43A1-99AE-BD5BED85ADBD}" type="presParOf" srcId="{DDC7CEC3-F757-43A0-A2FA-ABA576BB655C}" destId="{74EFAD13-5696-48C7-8D06-C5533E338C7B}" srcOrd="16" destOrd="0" presId="urn:microsoft.com/office/officeart/2005/8/layout/vList5"/>
+    <dgm:cxn modelId="{E6F14FD9-89C0-4E57-9773-EE420202515E}" type="presParOf" srcId="{DDC7CEC3-F757-43A0-A2FA-ABA576BB655C}" destId="{84372467-60A0-41D6-9693-AD944C5D4F8D}" srcOrd="13" destOrd="0" presId="urn:microsoft.com/office/officeart/2005/8/layout/vList5"/>
+    <dgm:cxn modelId="{B85AC43B-2EEF-43A1-99AE-BD5BED85ADBD}" type="presParOf" srcId="{DDC7CEC3-F757-43A0-A2FA-ABA576BB655C}" destId="{74EFAD13-5696-48C7-8D06-C5533E338C7B}" srcOrd="14" destOrd="0" presId="urn:microsoft.com/office/officeart/2005/8/layout/vList5"/>
     <dgm:cxn modelId="{06E2A0EF-455F-4A90-B5E8-839BC7FBE430}" type="presParOf" srcId="{74EFAD13-5696-48C7-8D06-C5533E338C7B}" destId="{18232ADC-C076-49B0-9CD3-41278FA6D915}" srcOrd="0" destOrd="0" presId="urn:microsoft.com/office/officeart/2005/8/layout/vList5"/>
-    <dgm:cxn modelId="{8991F9DB-2747-4B05-9D9A-A340609190F2}" type="presParOf" srcId="{DDC7CEC3-F757-43A0-A2FA-ABA576BB655C}" destId="{4F205B34-A769-4680-B79C-89048C82A0FE}" srcOrd="17" destOrd="0" presId="urn:microsoft.com/office/officeart/2005/8/layout/vList5"/>
-    <dgm:cxn modelId="{0C3F215C-CD0C-4A54-9C60-94571717935B}" type="presParOf" srcId="{DDC7CEC3-F757-43A0-A2FA-ABA576BB655C}" destId="{A58C365F-6F1C-40B9-A9AC-017AF2757662}" srcOrd="18" destOrd="0" presId="urn:microsoft.com/office/officeart/2005/8/layout/vList5"/>
+    <dgm:cxn modelId="{8991F9DB-2747-4B05-9D9A-A340609190F2}" type="presParOf" srcId="{DDC7CEC3-F757-43A0-A2FA-ABA576BB655C}" destId="{4F205B34-A769-4680-B79C-89048C82A0FE}" srcOrd="15" destOrd="0" presId="urn:microsoft.com/office/officeart/2005/8/layout/vList5"/>
+    <dgm:cxn modelId="{0C3F215C-CD0C-4A54-9C60-94571717935B}" type="presParOf" srcId="{DDC7CEC3-F757-43A0-A2FA-ABA576BB655C}" destId="{A58C365F-6F1C-40B9-A9AC-017AF2757662}" srcOrd="16" destOrd="0" presId="urn:microsoft.com/office/officeart/2005/8/layout/vList5"/>
     <dgm:cxn modelId="{3C58D57A-16D0-4772-BC2B-0994E176DBCD}" type="presParOf" srcId="{A58C365F-6F1C-40B9-A9AC-017AF2757662}" destId="{C2175BCC-CBB7-4BF3-9511-2D8C3F0FE10F}" srcOrd="0" destOrd="0" presId="urn:microsoft.com/office/officeart/2005/8/layout/vList5"/>
-    <dgm:cxn modelId="{F3630FD6-96EE-42C9-ADDC-9857DB8FE9CB}" type="presParOf" srcId="{DDC7CEC3-F757-43A0-A2FA-ABA576BB655C}" destId="{DB426266-BD16-4B1B-BF71-39FE68C6BAF2}" srcOrd="19" destOrd="0" presId="urn:microsoft.com/office/officeart/2005/8/layout/vList5"/>
-    <dgm:cxn modelId="{56522CA0-5CC8-42E3-BD5B-A655955F3434}" type="presParOf" srcId="{DDC7CEC3-F757-43A0-A2FA-ABA576BB655C}" destId="{7650C0B0-C3B5-4443-B862-7946EA378229}" srcOrd="20" destOrd="0" presId="urn:microsoft.com/office/officeart/2005/8/layout/vList5"/>
+    <dgm:cxn modelId="{F3630FD6-96EE-42C9-ADDC-9857DB8FE9CB}" type="presParOf" srcId="{DDC7CEC3-F757-43A0-A2FA-ABA576BB655C}" destId="{DB426266-BD16-4B1B-BF71-39FE68C6BAF2}" srcOrd="17" destOrd="0" presId="urn:microsoft.com/office/officeart/2005/8/layout/vList5"/>
+    <dgm:cxn modelId="{56522CA0-5CC8-42E3-BD5B-A655955F3434}" type="presParOf" srcId="{DDC7CEC3-F757-43A0-A2FA-ABA576BB655C}" destId="{7650C0B0-C3B5-4443-B862-7946EA378229}" srcOrd="18" destOrd="0" presId="urn:microsoft.com/office/officeart/2005/8/layout/vList5"/>
     <dgm:cxn modelId="{372E77D0-EF36-4C5E-98A0-E424FC49A4EB}" type="presParOf" srcId="{7650C0B0-C3B5-4443-B862-7946EA378229}" destId="{1A5ED826-5D00-4CB2-87B5-BEC5EC62E772}" srcOrd="0" destOrd="0" presId="urn:microsoft.com/office/officeart/2005/8/layout/vList5"/>
-    <dgm:cxn modelId="{6120560F-4F36-444A-80FF-59421A165F2A}" type="presParOf" srcId="{DDC7CEC3-F757-43A0-A2FA-ABA576BB655C}" destId="{4193C724-FBA7-4C74-8517-B7D904342F1A}" srcOrd="21" destOrd="0" presId="urn:microsoft.com/office/officeart/2005/8/layout/vList5"/>
-    <dgm:cxn modelId="{8965DA87-164E-448D-86E1-F23971DD99BA}" type="presParOf" srcId="{DDC7CEC3-F757-43A0-A2FA-ABA576BB655C}" destId="{E89E302D-2568-4969-8E92-2A5A4046888C}" srcOrd="22" destOrd="0" presId="urn:microsoft.com/office/officeart/2005/8/layout/vList5"/>
+    <dgm:cxn modelId="{6120560F-4F36-444A-80FF-59421A165F2A}" type="presParOf" srcId="{DDC7CEC3-F757-43A0-A2FA-ABA576BB655C}" destId="{4193C724-FBA7-4C74-8517-B7D904342F1A}" srcOrd="19" destOrd="0" presId="urn:microsoft.com/office/officeart/2005/8/layout/vList5"/>
+    <dgm:cxn modelId="{8965DA87-164E-448D-86E1-F23971DD99BA}" type="presParOf" srcId="{DDC7CEC3-F757-43A0-A2FA-ABA576BB655C}" destId="{E89E302D-2568-4969-8E92-2A5A4046888C}" srcOrd="20" destOrd="0" presId="urn:microsoft.com/office/officeart/2005/8/layout/vList5"/>
     <dgm:cxn modelId="{CE5184AB-40DC-475B-9622-991C7319161C}" type="presParOf" srcId="{E89E302D-2568-4969-8E92-2A5A4046888C}" destId="{9A56D476-57EC-4DAE-8286-533FD3497850}" srcOrd="0" destOrd="0" presId="urn:microsoft.com/office/officeart/2005/8/layout/vList5"/>
-    <dgm:cxn modelId="{2365DDD2-9447-4B1D-8A36-F4B00BF7468A}" type="presParOf" srcId="{DDC7CEC3-F757-43A0-A2FA-ABA576BB655C}" destId="{7E62A088-6EB1-469C-B3B4-93F22EEC19F3}" srcOrd="23" destOrd="0" presId="urn:microsoft.com/office/officeart/2005/8/layout/vList5"/>
-    <dgm:cxn modelId="{AD4BC5D6-C85B-4331-8184-F02D6F3CFFF3}" type="presParOf" srcId="{DDC7CEC3-F757-43A0-A2FA-ABA576BB655C}" destId="{53CC562B-908F-40AB-AB1F-FE0C69491E4A}" srcOrd="24" destOrd="0" presId="urn:microsoft.com/office/officeart/2005/8/layout/vList5"/>
+    <dgm:cxn modelId="{2365DDD2-9447-4B1D-8A36-F4B00BF7468A}" type="presParOf" srcId="{DDC7CEC3-F757-43A0-A2FA-ABA576BB655C}" destId="{7E62A088-6EB1-469C-B3B4-93F22EEC19F3}" srcOrd="21" destOrd="0" presId="urn:microsoft.com/office/officeart/2005/8/layout/vList5"/>
+    <dgm:cxn modelId="{AD4BC5D6-C85B-4331-8184-F02D6F3CFFF3}" type="presParOf" srcId="{DDC7CEC3-F757-43A0-A2FA-ABA576BB655C}" destId="{53CC562B-908F-40AB-AB1F-FE0C69491E4A}" srcOrd="22" destOrd="0" presId="urn:microsoft.com/office/officeart/2005/8/layout/vList5"/>
     <dgm:cxn modelId="{89334117-7CB6-46EC-8BDF-84FB838801E1}" type="presParOf" srcId="{53CC562B-908F-40AB-AB1F-FE0C69491E4A}" destId="{DD9B7236-1E08-409A-9F65-F940323D19C0}" srcOrd="0" destOrd="0" presId="urn:microsoft.com/office/officeart/2005/8/layout/vList5"/>
   </dgm:cxnLst>
   <dgm:bg/>
@@ -17923,7 +17908,7 @@
             <a:rPr lang="en-US" dirty="0">
               <a:latin typeface="Century Gothic" panose="020B0502020202020204"/>
             </a:rPr>
-            <a:t> = 85.7</a:t>
+            <a:t> = 75</a:t>
           </a:r>
         </a:p>
       </dgm:t>
@@ -18415,8 +18400,8 @@
       </dsp:nvSpPr>
       <dsp:spPr>
         <a:xfrm>
-          <a:off x="5299645" y="1408"/>
-          <a:ext cx="5962101" cy="353284"/>
+          <a:off x="5299645" y="2758"/>
+          <a:ext cx="5962101" cy="382627"/>
         </a:xfrm>
         <a:prstGeom prst="roundRect">
           <a:avLst/>
@@ -18486,12 +18471,12 @@
         </a:fontRef>
       </dsp:style>
       <dsp:txBody>
-        <a:bodyPr spcFirstLastPara="0" vert="horz" wrap="square" lIns="64770" tIns="32385" rIns="64770" bIns="32385" numCol="1" spcCol="1270" anchor="ctr" anchorCtr="0">
+        <a:bodyPr spcFirstLastPara="0" vert="horz" wrap="square" lIns="72390" tIns="36195" rIns="72390" bIns="36195" numCol="1" spcCol="1270" anchor="ctr" anchorCtr="0">
           <a:noAutofit/>
         </a:bodyPr>
         <a:lstStyle/>
         <a:p>
-          <a:pPr marL="0" lvl="0" indent="0" algn="ctr" defTabSz="755650">
+          <a:pPr marL="0" lvl="0" indent="0" algn="ctr" defTabSz="844550">
             <a:lnSpc>
               <a:spcPct val="90000"/>
             </a:lnSpc>
@@ -18504,25 +18489,26 @@
             <a:buNone/>
           </a:pPr>
           <a:r>
-            <a:rPr lang="en-US" sz="1700" kern="1200"/>
-            <a:t>Objective</a:t>
+            <a:rPr lang="en-US" sz="1900" kern="1200"/>
+            <a:t>The Problem</a:t>
           </a:r>
+          <a:endParaRPr lang="en-US" sz="1900" kern="1200" dirty="0"/>
         </a:p>
       </dsp:txBody>
       <dsp:txXfrm>
-        <a:off x="5316891" y="18654"/>
-        <a:ext cx="5927609" cy="318792"/>
+        <a:off x="5318323" y="21436"/>
+        <a:ext cx="5924745" cy="345271"/>
       </dsp:txXfrm>
     </dsp:sp>
-    <dsp:sp modelId="{633C4CDB-68EC-42E6-B16A-F56E8CD12621}">
+    <dsp:sp modelId="{57C4D296-1E03-4909-9EA2-4B856D90D53A}">
       <dsp:nvSpPr>
         <dsp:cNvPr id="0" name=""/>
         <dsp:cNvSpPr/>
       </dsp:nvSpPr>
       <dsp:spPr>
         <a:xfrm>
-          <a:off x="5299645" y="372357"/>
-          <a:ext cx="5962101" cy="353284"/>
+          <a:off x="5299645" y="404517"/>
+          <a:ext cx="5962101" cy="382627"/>
         </a:xfrm>
         <a:prstGeom prst="roundRect">
           <a:avLst/>
@@ -18531,9 +18517,9 @@
           <a:gsLst>
             <a:gs pos="0">
               <a:schemeClr val="accent2">
-                <a:hueOff val="394637"/>
-                <a:satOff val="2059"/>
-                <a:lumOff val="-588"/>
+                <a:hueOff val="430513"/>
+                <a:satOff val="2246"/>
+                <a:lumOff val="-642"/>
                 <a:alphaOff val="0"/>
                 <a:tint val="85000"/>
                 <a:shade val="98000"/>
@@ -18543,9 +18529,9 @@
             </a:gs>
             <a:gs pos="50000">
               <a:schemeClr val="accent2">
-                <a:hueOff val="394637"/>
-                <a:satOff val="2059"/>
-                <a:lumOff val="-588"/>
+                <a:hueOff val="430513"/>
+                <a:satOff val="2246"/>
+                <a:lumOff val="-642"/>
                 <a:alphaOff val="0"/>
                 <a:shade val="85000"/>
                 <a:satMod val="105000"/>
@@ -18554,9 +18540,9 @@
             </a:gs>
             <a:gs pos="100000">
               <a:schemeClr val="accent2">
-                <a:hueOff val="394637"/>
-                <a:satOff val="2059"/>
-                <a:lumOff val="-588"/>
+                <a:hueOff val="430513"/>
+                <a:satOff val="2246"/>
+                <a:lumOff val="-642"/>
                 <a:alphaOff val="0"/>
                 <a:shade val="60000"/>
                 <a:satMod val="120000"/>
@@ -18592,12 +18578,12 @@
         </a:fontRef>
       </dsp:style>
       <dsp:txBody>
-        <a:bodyPr spcFirstLastPara="0" vert="horz" wrap="square" lIns="64770" tIns="32385" rIns="64770" bIns="32385" numCol="1" spcCol="1270" anchor="ctr" anchorCtr="0">
+        <a:bodyPr spcFirstLastPara="0" vert="horz" wrap="square" lIns="72390" tIns="36195" rIns="72390" bIns="36195" numCol="1" spcCol="1270" anchor="ctr" anchorCtr="0">
           <a:noAutofit/>
         </a:bodyPr>
         <a:lstStyle/>
         <a:p>
-          <a:pPr marL="0" lvl="0" indent="0" algn="ctr" defTabSz="755650">
+          <a:pPr marL="0" lvl="0" indent="0" algn="ctr" defTabSz="844550">
             <a:lnSpc>
               <a:spcPct val="90000"/>
             </a:lnSpc>
@@ -18610,25 +18596,25 @@
             <a:buNone/>
           </a:pPr>
           <a:r>
-            <a:rPr lang="en-US" sz="1700" kern="1200"/>
-            <a:t>The Problem</a:t>
+            <a:rPr lang="en-US" sz="1900" kern="1200"/>
+            <a:t>Client Info</a:t>
           </a:r>
         </a:p>
       </dsp:txBody>
       <dsp:txXfrm>
-        <a:off x="5316891" y="389603"/>
-        <a:ext cx="5927609" cy="318792"/>
+        <a:off x="5318323" y="423195"/>
+        <a:ext cx="5924745" cy="345271"/>
       </dsp:txXfrm>
     </dsp:sp>
-    <dsp:sp modelId="{57C4D296-1E03-4909-9EA2-4B856D90D53A}">
+    <dsp:sp modelId="{6588EB65-C784-423D-AE18-E3CF6265C1D6}">
       <dsp:nvSpPr>
         <dsp:cNvPr id="0" name=""/>
         <dsp:cNvSpPr/>
       </dsp:nvSpPr>
       <dsp:spPr>
         <a:xfrm>
-          <a:off x="5299645" y="743306"/>
-          <a:ext cx="5962101" cy="353284"/>
+          <a:off x="5299645" y="806276"/>
+          <a:ext cx="5962101" cy="382627"/>
         </a:xfrm>
         <a:prstGeom prst="roundRect">
           <a:avLst/>
@@ -18637,9 +18623,9 @@
           <a:gsLst>
             <a:gs pos="0">
               <a:schemeClr val="accent2">
-                <a:hueOff val="789273"/>
-                <a:satOff val="4118"/>
-                <a:lumOff val="-1176"/>
+                <a:hueOff val="861025"/>
+                <a:satOff val="4492"/>
+                <a:lumOff val="-1283"/>
                 <a:alphaOff val="0"/>
                 <a:tint val="85000"/>
                 <a:shade val="98000"/>
@@ -18649,9 +18635,9 @@
             </a:gs>
             <a:gs pos="50000">
               <a:schemeClr val="accent2">
-                <a:hueOff val="789273"/>
-                <a:satOff val="4118"/>
-                <a:lumOff val="-1176"/>
+                <a:hueOff val="861025"/>
+                <a:satOff val="4492"/>
+                <a:lumOff val="-1283"/>
                 <a:alphaOff val="0"/>
                 <a:shade val="85000"/>
                 <a:satMod val="105000"/>
@@ -18660,9 +18646,9 @@
             </a:gs>
             <a:gs pos="100000">
               <a:schemeClr val="accent2">
-                <a:hueOff val="789273"/>
-                <a:satOff val="4118"/>
-                <a:lumOff val="-1176"/>
+                <a:hueOff val="861025"/>
+                <a:satOff val="4492"/>
+                <a:lumOff val="-1283"/>
                 <a:alphaOff val="0"/>
                 <a:shade val="60000"/>
                 <a:satMod val="120000"/>
@@ -18698,12 +18684,12 @@
         </a:fontRef>
       </dsp:style>
       <dsp:txBody>
-        <a:bodyPr spcFirstLastPara="0" vert="horz" wrap="square" lIns="64770" tIns="32385" rIns="64770" bIns="32385" numCol="1" spcCol="1270" anchor="ctr" anchorCtr="0">
+        <a:bodyPr spcFirstLastPara="0" vert="horz" wrap="square" lIns="72390" tIns="36195" rIns="72390" bIns="36195" numCol="1" spcCol="1270" anchor="ctr" anchorCtr="0">
           <a:noAutofit/>
         </a:bodyPr>
         <a:lstStyle/>
         <a:p>
-          <a:pPr marL="0" lvl="0" indent="0" algn="ctr" defTabSz="755650">
+          <a:pPr marL="0" lvl="0" indent="0" algn="ctr" defTabSz="844550">
             <a:lnSpc>
               <a:spcPct val="90000"/>
             </a:lnSpc>
@@ -18716,25 +18702,25 @@
             <a:buNone/>
           </a:pPr>
           <a:r>
-            <a:rPr lang="en-US" sz="1700" kern="1200"/>
-            <a:t>Client Info</a:t>
+            <a:rPr lang="en-US" sz="1900" kern="1200"/>
+            <a:t>Requirements</a:t>
           </a:r>
         </a:p>
       </dsp:txBody>
       <dsp:txXfrm>
-        <a:off x="5316891" y="760552"/>
-        <a:ext cx="5927609" cy="318792"/>
+        <a:off x="5318323" y="824954"/>
+        <a:ext cx="5924745" cy="345271"/>
       </dsp:txXfrm>
     </dsp:sp>
-    <dsp:sp modelId="{6588EB65-C784-423D-AE18-E3CF6265C1D6}">
+    <dsp:sp modelId="{70189A93-22F1-4B00-BD68-876AE5271AAE}">
       <dsp:nvSpPr>
         <dsp:cNvPr id="0" name=""/>
         <dsp:cNvSpPr/>
       </dsp:nvSpPr>
       <dsp:spPr>
         <a:xfrm>
-          <a:off x="5299645" y="1114255"/>
-          <a:ext cx="5962101" cy="353284"/>
+          <a:off x="5299645" y="1208034"/>
+          <a:ext cx="5962101" cy="382627"/>
         </a:xfrm>
         <a:prstGeom prst="roundRect">
           <a:avLst/>
@@ -18743,9 +18729,9 @@
           <a:gsLst>
             <a:gs pos="0">
               <a:schemeClr val="accent2">
-                <a:hueOff val="1183910"/>
-                <a:satOff val="6177"/>
-                <a:lumOff val="-1765"/>
+                <a:hueOff val="1291538"/>
+                <a:satOff val="6738"/>
+                <a:lumOff val="-1925"/>
                 <a:alphaOff val="0"/>
                 <a:tint val="85000"/>
                 <a:shade val="98000"/>
@@ -18755,9 +18741,9 @@
             </a:gs>
             <a:gs pos="50000">
               <a:schemeClr val="accent2">
-                <a:hueOff val="1183910"/>
-                <a:satOff val="6177"/>
-                <a:lumOff val="-1765"/>
+                <a:hueOff val="1291538"/>
+                <a:satOff val="6738"/>
+                <a:lumOff val="-1925"/>
                 <a:alphaOff val="0"/>
                 <a:shade val="85000"/>
                 <a:satMod val="105000"/>
@@ -18766,9 +18752,9 @@
             </a:gs>
             <a:gs pos="100000">
               <a:schemeClr val="accent2">
-                <a:hueOff val="1183910"/>
-                <a:satOff val="6177"/>
-                <a:lumOff val="-1765"/>
+                <a:hueOff val="1291538"/>
+                <a:satOff val="6738"/>
+                <a:lumOff val="-1925"/>
                 <a:alphaOff val="0"/>
                 <a:shade val="60000"/>
                 <a:satMod val="120000"/>
@@ -18804,12 +18790,12 @@
         </a:fontRef>
       </dsp:style>
       <dsp:txBody>
-        <a:bodyPr spcFirstLastPara="0" vert="horz" wrap="square" lIns="64770" tIns="32385" rIns="64770" bIns="32385" numCol="1" spcCol="1270" anchor="ctr" anchorCtr="0">
+        <a:bodyPr spcFirstLastPara="0" vert="horz" wrap="square" lIns="72390" tIns="36195" rIns="72390" bIns="36195" numCol="1" spcCol="1270" anchor="ctr" anchorCtr="0">
           <a:noAutofit/>
         </a:bodyPr>
         <a:lstStyle/>
         <a:p>
-          <a:pPr marL="0" lvl="0" indent="0" algn="ctr" defTabSz="755650">
+          <a:pPr marL="0" lvl="0" indent="0" algn="ctr" defTabSz="844550">
             <a:lnSpc>
               <a:spcPct val="90000"/>
             </a:lnSpc>
@@ -18822,25 +18808,25 @@
             <a:buNone/>
           </a:pPr>
           <a:r>
-            <a:rPr lang="en-US" sz="1700" kern="1200"/>
-            <a:t>Requirements</a:t>
+            <a:rPr lang="en-US" sz="1900" kern="1200"/>
+            <a:t>Design Decisions</a:t>
           </a:r>
         </a:p>
       </dsp:txBody>
       <dsp:txXfrm>
-        <a:off x="5316891" y="1131501"/>
-        <a:ext cx="5927609" cy="318792"/>
+        <a:off x="5318323" y="1226712"/>
+        <a:ext cx="5924745" cy="345271"/>
       </dsp:txXfrm>
     </dsp:sp>
-    <dsp:sp modelId="{70189A93-22F1-4B00-BD68-876AE5271AAE}">
+    <dsp:sp modelId="{EE701881-66BD-4374-B4D0-2A2095722C05}">
       <dsp:nvSpPr>
         <dsp:cNvPr id="0" name=""/>
         <dsp:cNvSpPr/>
       </dsp:nvSpPr>
       <dsp:spPr>
         <a:xfrm>
-          <a:off x="5299645" y="1485205"/>
-          <a:ext cx="5962101" cy="353284"/>
+          <a:off x="5299645" y="1609793"/>
+          <a:ext cx="5962101" cy="382627"/>
         </a:xfrm>
         <a:prstGeom prst="roundRect">
           <a:avLst/>
@@ -18849,9 +18835,9 @@
           <a:gsLst>
             <a:gs pos="0">
               <a:schemeClr val="accent2">
-                <a:hueOff val="1578546"/>
-                <a:satOff val="8236"/>
-                <a:lumOff val="-2353"/>
+                <a:hueOff val="1722050"/>
+                <a:satOff val="8984"/>
+                <a:lumOff val="-2567"/>
                 <a:alphaOff val="0"/>
                 <a:tint val="85000"/>
                 <a:shade val="98000"/>
@@ -18861,9 +18847,9 @@
             </a:gs>
             <a:gs pos="50000">
               <a:schemeClr val="accent2">
-                <a:hueOff val="1578546"/>
-                <a:satOff val="8236"/>
-                <a:lumOff val="-2353"/>
+                <a:hueOff val="1722050"/>
+                <a:satOff val="8984"/>
+                <a:lumOff val="-2567"/>
                 <a:alphaOff val="0"/>
                 <a:shade val="85000"/>
                 <a:satMod val="105000"/>
@@ -18872,9 +18858,9 @@
             </a:gs>
             <a:gs pos="100000">
               <a:schemeClr val="accent2">
-                <a:hueOff val="1578546"/>
-                <a:satOff val="8236"/>
-                <a:lumOff val="-2353"/>
+                <a:hueOff val="1722050"/>
+                <a:satOff val="8984"/>
+                <a:lumOff val="-2567"/>
                 <a:alphaOff val="0"/>
                 <a:shade val="60000"/>
                 <a:satMod val="120000"/>
@@ -18910,12 +18896,12 @@
         </a:fontRef>
       </dsp:style>
       <dsp:txBody>
-        <a:bodyPr spcFirstLastPara="0" vert="horz" wrap="square" lIns="64770" tIns="32385" rIns="64770" bIns="32385" numCol="1" spcCol="1270" anchor="ctr" anchorCtr="0">
+        <a:bodyPr spcFirstLastPara="0" vert="horz" wrap="square" lIns="72390" tIns="36195" rIns="72390" bIns="36195" numCol="1" spcCol="1270" anchor="ctr" anchorCtr="0">
           <a:noAutofit/>
         </a:bodyPr>
         <a:lstStyle/>
         <a:p>
-          <a:pPr marL="0" lvl="0" indent="0" algn="ctr" defTabSz="755650">
+          <a:pPr marL="0" lvl="0" indent="0" algn="ctr" defTabSz="844550">
             <a:lnSpc>
               <a:spcPct val="90000"/>
             </a:lnSpc>
@@ -18928,25 +18914,25 @@
             <a:buNone/>
           </a:pPr>
           <a:r>
-            <a:rPr lang="en-US" sz="1700" kern="1200"/>
-            <a:t>Design Decisions</a:t>
+            <a:rPr lang="en-US" sz="1900" kern="1200" dirty="0"/>
+            <a:t>Our Design</a:t>
           </a:r>
         </a:p>
       </dsp:txBody>
       <dsp:txXfrm>
-        <a:off x="5316891" y="1502451"/>
-        <a:ext cx="5927609" cy="318792"/>
+        <a:off x="5318323" y="1628471"/>
+        <a:ext cx="5924745" cy="345271"/>
       </dsp:txXfrm>
     </dsp:sp>
-    <dsp:sp modelId="{EE701881-66BD-4374-B4D0-2A2095722C05}">
+    <dsp:sp modelId="{356775C3-4D34-450A-8B44-7D86E93032A5}">
       <dsp:nvSpPr>
         <dsp:cNvPr id="0" name=""/>
         <dsp:cNvSpPr/>
       </dsp:nvSpPr>
       <dsp:spPr>
         <a:xfrm>
-          <a:off x="5299645" y="1856154"/>
-          <a:ext cx="5962101" cy="353284"/>
+          <a:off x="5299645" y="2011552"/>
+          <a:ext cx="5962101" cy="382627"/>
         </a:xfrm>
         <a:prstGeom prst="roundRect">
           <a:avLst/>
@@ -18955,9 +18941,9 @@
           <a:gsLst>
             <a:gs pos="0">
               <a:schemeClr val="accent2">
-                <a:hueOff val="1973183"/>
-                <a:satOff val="10295"/>
-                <a:lumOff val="-2941"/>
+                <a:hueOff val="2152563"/>
+                <a:satOff val="11230"/>
+                <a:lumOff val="-3208"/>
                 <a:alphaOff val="0"/>
                 <a:tint val="85000"/>
                 <a:shade val="98000"/>
@@ -18967,9 +18953,9 @@
             </a:gs>
             <a:gs pos="50000">
               <a:schemeClr val="accent2">
-                <a:hueOff val="1973183"/>
-                <a:satOff val="10295"/>
-                <a:lumOff val="-2941"/>
+                <a:hueOff val="2152563"/>
+                <a:satOff val="11230"/>
+                <a:lumOff val="-3208"/>
                 <a:alphaOff val="0"/>
                 <a:shade val="85000"/>
                 <a:satMod val="105000"/>
@@ -18978,9 +18964,9 @@
             </a:gs>
             <a:gs pos="100000">
               <a:schemeClr val="accent2">
-                <a:hueOff val="1973183"/>
-                <a:satOff val="10295"/>
-                <a:lumOff val="-2941"/>
+                <a:hueOff val="2152563"/>
+                <a:satOff val="11230"/>
+                <a:lumOff val="-3208"/>
                 <a:alphaOff val="0"/>
                 <a:shade val="60000"/>
                 <a:satMod val="120000"/>
@@ -19016,12 +19002,12 @@
         </a:fontRef>
       </dsp:style>
       <dsp:txBody>
-        <a:bodyPr spcFirstLastPara="0" vert="horz" wrap="square" lIns="64770" tIns="32385" rIns="64770" bIns="32385" numCol="1" spcCol="1270" anchor="ctr" anchorCtr="0">
+        <a:bodyPr spcFirstLastPara="0" vert="horz" wrap="square" lIns="72390" tIns="36195" rIns="72390" bIns="36195" numCol="1" spcCol="1270" anchor="ctr" anchorCtr="0">
           <a:noAutofit/>
         </a:bodyPr>
         <a:lstStyle/>
         <a:p>
-          <a:pPr marL="0" lvl="0" indent="0" algn="ctr" defTabSz="755650">
+          <a:pPr marL="0" lvl="0" indent="0" algn="ctr" defTabSz="844550">
             <a:lnSpc>
               <a:spcPct val="90000"/>
             </a:lnSpc>
@@ -19034,25 +19020,25 @@
             <a:buNone/>
           </a:pPr>
           <a:r>
-            <a:rPr lang="en-US" sz="1700" kern="1200"/>
-            <a:t>Design</a:t>
+            <a:rPr lang="en-US" sz="1900" kern="1200"/>
+            <a:t>Implementation</a:t>
           </a:r>
         </a:p>
       </dsp:txBody>
       <dsp:txXfrm>
-        <a:off x="5316891" y="1873400"/>
-        <a:ext cx="5927609" cy="318792"/>
+        <a:off x="5318323" y="2030230"/>
+        <a:ext cx="5924745" cy="345271"/>
       </dsp:txXfrm>
     </dsp:sp>
-    <dsp:sp modelId="{356775C3-4D34-450A-8B44-7D86E93032A5}">
+    <dsp:sp modelId="{D22C1773-3F60-41BD-805D-C07FE4D5F633}">
       <dsp:nvSpPr>
         <dsp:cNvPr id="0" name=""/>
         <dsp:cNvSpPr/>
       </dsp:nvSpPr>
       <dsp:spPr>
         <a:xfrm>
-          <a:off x="5299645" y="2227103"/>
-          <a:ext cx="5962101" cy="353284"/>
+          <a:off x="5299645" y="2413311"/>
+          <a:ext cx="5962101" cy="382627"/>
         </a:xfrm>
         <a:prstGeom prst="roundRect">
           <a:avLst/>
@@ -19061,9 +19047,9 @@
           <a:gsLst>
             <a:gs pos="0">
               <a:schemeClr val="accent2">
-                <a:hueOff val="2367819"/>
-                <a:satOff val="12354"/>
-                <a:lumOff val="-3529"/>
+                <a:hueOff val="2583075"/>
+                <a:satOff val="13477"/>
+                <a:lumOff val="-3850"/>
                 <a:alphaOff val="0"/>
                 <a:tint val="85000"/>
                 <a:shade val="98000"/>
@@ -19073,9 +19059,9 @@
             </a:gs>
             <a:gs pos="50000">
               <a:schemeClr val="accent2">
-                <a:hueOff val="2367819"/>
-                <a:satOff val="12354"/>
-                <a:lumOff val="-3529"/>
+                <a:hueOff val="2583075"/>
+                <a:satOff val="13477"/>
+                <a:lumOff val="-3850"/>
                 <a:alphaOff val="0"/>
                 <a:shade val="85000"/>
                 <a:satMod val="105000"/>
@@ -19084,9 +19070,9 @@
             </a:gs>
             <a:gs pos="100000">
               <a:schemeClr val="accent2">
-                <a:hueOff val="2367819"/>
-                <a:satOff val="12354"/>
-                <a:lumOff val="-3529"/>
+                <a:hueOff val="2583075"/>
+                <a:satOff val="13477"/>
+                <a:lumOff val="-3850"/>
                 <a:alphaOff val="0"/>
                 <a:shade val="60000"/>
                 <a:satMod val="120000"/>
@@ -19122,12 +19108,12 @@
         </a:fontRef>
       </dsp:style>
       <dsp:txBody>
-        <a:bodyPr spcFirstLastPara="0" vert="horz" wrap="square" lIns="64770" tIns="32385" rIns="64770" bIns="32385" numCol="1" spcCol="1270" anchor="ctr" anchorCtr="0">
+        <a:bodyPr spcFirstLastPara="0" vert="horz" wrap="square" lIns="72390" tIns="36195" rIns="72390" bIns="36195" numCol="1" spcCol="1270" anchor="ctr" anchorCtr="0">
           <a:noAutofit/>
         </a:bodyPr>
         <a:lstStyle/>
         <a:p>
-          <a:pPr marL="0" lvl="0" indent="0" algn="ctr" defTabSz="755650">
+          <a:pPr marL="0" lvl="0" indent="0" algn="ctr" defTabSz="844550">
             <a:lnSpc>
               <a:spcPct val="90000"/>
             </a:lnSpc>
@@ -19140,25 +19126,25 @@
             <a:buNone/>
           </a:pPr>
           <a:r>
-            <a:rPr lang="en-US" sz="1700" kern="1200"/>
-            <a:t>Implementation</a:t>
+            <a:rPr lang="en-US" sz="1900" kern="1200"/>
+            <a:t>Dependencies</a:t>
           </a:r>
         </a:p>
       </dsp:txBody>
       <dsp:txXfrm>
-        <a:off x="5316891" y="2244349"/>
-        <a:ext cx="5927609" cy="318792"/>
+        <a:off x="5318323" y="2431989"/>
+        <a:ext cx="5924745" cy="345271"/>
       </dsp:txXfrm>
     </dsp:sp>
-    <dsp:sp modelId="{D22C1773-3F60-41BD-805D-C07FE4D5F633}">
+    <dsp:sp modelId="{18232ADC-C076-49B0-9CD3-41278FA6D915}">
       <dsp:nvSpPr>
         <dsp:cNvPr id="0" name=""/>
         <dsp:cNvSpPr/>
       </dsp:nvSpPr>
       <dsp:spPr>
         <a:xfrm>
-          <a:off x="5299645" y="2598052"/>
-          <a:ext cx="5962101" cy="353284"/>
+          <a:off x="5299645" y="2815070"/>
+          <a:ext cx="5962101" cy="382627"/>
         </a:xfrm>
         <a:prstGeom prst="roundRect">
           <a:avLst/>
@@ -19167,9 +19153,9 @@
           <a:gsLst>
             <a:gs pos="0">
               <a:schemeClr val="accent2">
-                <a:hueOff val="2762456"/>
-                <a:satOff val="14412"/>
-                <a:lumOff val="-4117"/>
+                <a:hueOff val="3013588"/>
+                <a:satOff val="15723"/>
+                <a:lumOff val="-4491"/>
                 <a:alphaOff val="0"/>
                 <a:tint val="85000"/>
                 <a:shade val="98000"/>
@@ -19179,9 +19165,9 @@
             </a:gs>
             <a:gs pos="50000">
               <a:schemeClr val="accent2">
-                <a:hueOff val="2762456"/>
-                <a:satOff val="14412"/>
-                <a:lumOff val="-4117"/>
+                <a:hueOff val="3013588"/>
+                <a:satOff val="15723"/>
+                <a:lumOff val="-4491"/>
                 <a:alphaOff val="0"/>
                 <a:shade val="85000"/>
                 <a:satMod val="105000"/>
@@ -19190,9 +19176,9 @@
             </a:gs>
             <a:gs pos="100000">
               <a:schemeClr val="accent2">
-                <a:hueOff val="2762456"/>
-                <a:satOff val="14412"/>
-                <a:lumOff val="-4117"/>
+                <a:hueOff val="3013588"/>
+                <a:satOff val="15723"/>
+                <a:lumOff val="-4491"/>
                 <a:alphaOff val="0"/>
                 <a:shade val="60000"/>
                 <a:satMod val="120000"/>
@@ -19228,12 +19214,12 @@
         </a:fontRef>
       </dsp:style>
       <dsp:txBody>
-        <a:bodyPr spcFirstLastPara="0" vert="horz" wrap="square" lIns="64770" tIns="32385" rIns="64770" bIns="32385" numCol="1" spcCol="1270" anchor="ctr" anchorCtr="0">
+        <a:bodyPr spcFirstLastPara="0" vert="horz" wrap="square" lIns="72390" tIns="36195" rIns="72390" bIns="36195" numCol="1" spcCol="1270" anchor="ctr" anchorCtr="0">
           <a:noAutofit/>
         </a:bodyPr>
         <a:lstStyle/>
         <a:p>
-          <a:pPr marL="0" lvl="0" indent="0" algn="ctr" defTabSz="755650">
+          <a:pPr marL="0" lvl="0" indent="0" algn="ctr" defTabSz="844550">
             <a:lnSpc>
               <a:spcPct val="90000"/>
             </a:lnSpc>
@@ -19246,25 +19232,25 @@
             <a:buNone/>
           </a:pPr>
           <a:r>
-            <a:rPr lang="en-US" sz="1700" kern="1200"/>
-            <a:t>Dependencies</a:t>
+            <a:rPr lang="en-US" sz="1900" kern="1200"/>
+            <a:t>Demo</a:t>
           </a:r>
         </a:p>
       </dsp:txBody>
       <dsp:txXfrm>
-        <a:off x="5316891" y="2615298"/>
-        <a:ext cx="5927609" cy="318792"/>
+        <a:off x="5318323" y="2833748"/>
+        <a:ext cx="5924745" cy="345271"/>
       </dsp:txXfrm>
     </dsp:sp>
-    <dsp:sp modelId="{18232ADC-C076-49B0-9CD3-41278FA6D915}">
+    <dsp:sp modelId="{C2175BCC-CBB7-4BF3-9511-2D8C3F0FE10F}">
       <dsp:nvSpPr>
         <dsp:cNvPr id="0" name=""/>
         <dsp:cNvSpPr/>
       </dsp:nvSpPr>
       <dsp:spPr>
         <a:xfrm>
-          <a:off x="5299645" y="2969001"/>
-          <a:ext cx="5962101" cy="353284"/>
+          <a:off x="5299645" y="3216829"/>
+          <a:ext cx="5962101" cy="382627"/>
         </a:xfrm>
         <a:prstGeom prst="roundRect">
           <a:avLst/>
@@ -19273,9 +19259,9 @@
           <a:gsLst>
             <a:gs pos="0">
               <a:schemeClr val="accent2">
-                <a:hueOff val="3157092"/>
-                <a:satOff val="16471"/>
-                <a:lumOff val="-4705"/>
+                <a:hueOff val="3444101"/>
+                <a:satOff val="17969"/>
+                <a:lumOff val="-5133"/>
                 <a:alphaOff val="0"/>
                 <a:tint val="85000"/>
                 <a:shade val="98000"/>
@@ -19285,9 +19271,9 @@
             </a:gs>
             <a:gs pos="50000">
               <a:schemeClr val="accent2">
-                <a:hueOff val="3157092"/>
-                <a:satOff val="16471"/>
-                <a:lumOff val="-4705"/>
+                <a:hueOff val="3444101"/>
+                <a:satOff val="17969"/>
+                <a:lumOff val="-5133"/>
                 <a:alphaOff val="0"/>
                 <a:shade val="85000"/>
                 <a:satMod val="105000"/>
@@ -19296,9 +19282,9 @@
             </a:gs>
             <a:gs pos="100000">
               <a:schemeClr val="accent2">
-                <a:hueOff val="3157092"/>
-                <a:satOff val="16471"/>
-                <a:lumOff val="-4705"/>
+                <a:hueOff val="3444101"/>
+                <a:satOff val="17969"/>
+                <a:lumOff val="-5133"/>
                 <a:alphaOff val="0"/>
                 <a:shade val="60000"/>
                 <a:satMod val="120000"/>
@@ -19334,12 +19320,12 @@
         </a:fontRef>
       </dsp:style>
       <dsp:txBody>
-        <a:bodyPr spcFirstLastPara="0" vert="horz" wrap="square" lIns="64770" tIns="32385" rIns="64770" bIns="32385" numCol="1" spcCol="1270" anchor="ctr" anchorCtr="0">
+        <a:bodyPr spcFirstLastPara="0" vert="horz" wrap="square" lIns="72390" tIns="36195" rIns="72390" bIns="36195" numCol="1" spcCol="1270" anchor="ctr" anchorCtr="0">
           <a:noAutofit/>
         </a:bodyPr>
         <a:lstStyle/>
         <a:p>
-          <a:pPr marL="0" lvl="0" indent="0" algn="ctr" defTabSz="755650">
+          <a:pPr marL="0" lvl="0" indent="0" algn="ctr" defTabSz="844550">
             <a:lnSpc>
               <a:spcPct val="90000"/>
             </a:lnSpc>
@@ -19352,25 +19338,25 @@
             <a:buNone/>
           </a:pPr>
           <a:r>
-            <a:rPr lang="en-US" sz="1700" kern="1200"/>
-            <a:t>Demo</a:t>
+            <a:rPr lang="en-US" sz="1900" kern="1200"/>
+            <a:t>Testing</a:t>
           </a:r>
         </a:p>
       </dsp:txBody>
       <dsp:txXfrm>
-        <a:off x="5316891" y="2986247"/>
-        <a:ext cx="5927609" cy="318792"/>
+        <a:off x="5318323" y="3235507"/>
+        <a:ext cx="5924745" cy="345271"/>
       </dsp:txXfrm>
     </dsp:sp>
-    <dsp:sp modelId="{C2175BCC-CBB7-4BF3-9511-2D8C3F0FE10F}">
+    <dsp:sp modelId="{1A5ED826-5D00-4CB2-87B5-BEC5EC62E772}">
       <dsp:nvSpPr>
         <dsp:cNvPr id="0" name=""/>
         <dsp:cNvSpPr/>
       </dsp:nvSpPr>
       <dsp:spPr>
         <a:xfrm>
-          <a:off x="5299645" y="3339951"/>
-          <a:ext cx="5962101" cy="353284"/>
+          <a:off x="5299645" y="3618588"/>
+          <a:ext cx="5962101" cy="382627"/>
         </a:xfrm>
         <a:prstGeom prst="roundRect">
           <a:avLst/>
@@ -19379,9 +19365,9 @@
           <a:gsLst>
             <a:gs pos="0">
               <a:schemeClr val="accent2">
-                <a:hueOff val="3551729"/>
-                <a:satOff val="18530"/>
-                <a:lumOff val="-5294"/>
+                <a:hueOff val="3874613"/>
+                <a:satOff val="20215"/>
+                <a:lumOff val="-5775"/>
                 <a:alphaOff val="0"/>
                 <a:tint val="85000"/>
                 <a:shade val="98000"/>
@@ -19391,9 +19377,9 @@
             </a:gs>
             <a:gs pos="50000">
               <a:schemeClr val="accent2">
-                <a:hueOff val="3551729"/>
-                <a:satOff val="18530"/>
-                <a:lumOff val="-5294"/>
+                <a:hueOff val="3874613"/>
+                <a:satOff val="20215"/>
+                <a:lumOff val="-5775"/>
                 <a:alphaOff val="0"/>
                 <a:shade val="85000"/>
                 <a:satMod val="105000"/>
@@ -19402,9 +19388,9 @@
             </a:gs>
             <a:gs pos="100000">
               <a:schemeClr val="accent2">
-                <a:hueOff val="3551729"/>
-                <a:satOff val="18530"/>
-                <a:lumOff val="-5294"/>
+                <a:hueOff val="3874613"/>
+                <a:satOff val="20215"/>
+                <a:lumOff val="-5775"/>
                 <a:alphaOff val="0"/>
                 <a:shade val="60000"/>
                 <a:satMod val="120000"/>
@@ -19440,12 +19426,12 @@
         </a:fontRef>
       </dsp:style>
       <dsp:txBody>
-        <a:bodyPr spcFirstLastPara="0" vert="horz" wrap="square" lIns="64770" tIns="32385" rIns="64770" bIns="32385" numCol="1" spcCol="1270" anchor="ctr" anchorCtr="0">
+        <a:bodyPr spcFirstLastPara="0" vert="horz" wrap="square" lIns="72390" tIns="36195" rIns="72390" bIns="36195" numCol="1" spcCol="1270" anchor="ctr" anchorCtr="0">
           <a:noAutofit/>
         </a:bodyPr>
         <a:lstStyle/>
         <a:p>
-          <a:pPr marL="0" lvl="0" indent="0" algn="ctr" defTabSz="755650">
+          <a:pPr marL="0" lvl="0" indent="0" algn="ctr" defTabSz="844550">
             <a:lnSpc>
               <a:spcPct val="90000"/>
             </a:lnSpc>
@@ -19458,25 +19444,25 @@
             <a:buNone/>
           </a:pPr>
           <a:r>
-            <a:rPr lang="en-US" sz="1700" kern="1200"/>
-            <a:t>Testing</a:t>
+            <a:rPr lang="en-US" sz="1900" kern="1200"/>
+            <a:t>Maintainability</a:t>
           </a:r>
         </a:p>
       </dsp:txBody>
       <dsp:txXfrm>
-        <a:off x="5316891" y="3357197"/>
-        <a:ext cx="5927609" cy="318792"/>
+        <a:off x="5318323" y="3637266"/>
+        <a:ext cx="5924745" cy="345271"/>
       </dsp:txXfrm>
     </dsp:sp>
-    <dsp:sp modelId="{1A5ED826-5D00-4CB2-87B5-BEC5EC62E772}">
+    <dsp:sp modelId="{9A56D476-57EC-4DAE-8286-533FD3497850}">
       <dsp:nvSpPr>
         <dsp:cNvPr id="0" name=""/>
         <dsp:cNvSpPr/>
       </dsp:nvSpPr>
       <dsp:spPr>
         <a:xfrm>
-          <a:off x="5299645" y="3710900"/>
-          <a:ext cx="5962101" cy="353284"/>
+          <a:off x="5299645" y="4020347"/>
+          <a:ext cx="5962101" cy="382627"/>
         </a:xfrm>
         <a:prstGeom prst="roundRect">
           <a:avLst/>
@@ -19485,9 +19471,9 @@
           <a:gsLst>
             <a:gs pos="0">
               <a:schemeClr val="accent2">
-                <a:hueOff val="3946365"/>
-                <a:satOff val="20589"/>
-                <a:lumOff val="-5882"/>
+                <a:hueOff val="4305126"/>
+                <a:satOff val="22461"/>
+                <a:lumOff val="-6416"/>
                 <a:alphaOff val="0"/>
                 <a:tint val="85000"/>
                 <a:shade val="98000"/>
@@ -19497,9 +19483,9 @@
             </a:gs>
             <a:gs pos="50000">
               <a:schemeClr val="accent2">
-                <a:hueOff val="3946365"/>
-                <a:satOff val="20589"/>
-                <a:lumOff val="-5882"/>
+                <a:hueOff val="4305126"/>
+                <a:satOff val="22461"/>
+                <a:lumOff val="-6416"/>
                 <a:alphaOff val="0"/>
                 <a:shade val="85000"/>
                 <a:satMod val="105000"/>
@@ -19508,9 +19494,9 @@
             </a:gs>
             <a:gs pos="100000">
               <a:schemeClr val="accent2">
-                <a:hueOff val="3946365"/>
-                <a:satOff val="20589"/>
-                <a:lumOff val="-5882"/>
+                <a:hueOff val="4305126"/>
+                <a:satOff val="22461"/>
+                <a:lumOff val="-6416"/>
                 <a:alphaOff val="0"/>
                 <a:shade val="60000"/>
                 <a:satMod val="120000"/>
@@ -19546,12 +19532,12 @@
         </a:fontRef>
       </dsp:style>
       <dsp:txBody>
-        <a:bodyPr spcFirstLastPara="0" vert="horz" wrap="square" lIns="64770" tIns="32385" rIns="64770" bIns="32385" numCol="1" spcCol="1270" anchor="ctr" anchorCtr="0">
+        <a:bodyPr spcFirstLastPara="0" vert="horz" wrap="square" lIns="72390" tIns="36195" rIns="72390" bIns="36195" numCol="1" spcCol="1270" anchor="ctr" anchorCtr="0">
           <a:noAutofit/>
         </a:bodyPr>
         <a:lstStyle/>
         <a:p>
-          <a:pPr marL="0" lvl="0" indent="0" algn="ctr" defTabSz="755650">
+          <a:pPr marL="0" lvl="0" indent="0" algn="ctr" defTabSz="844550">
             <a:lnSpc>
               <a:spcPct val="90000"/>
             </a:lnSpc>
@@ -19564,120 +19550,14 @@
             <a:buNone/>
           </a:pPr>
           <a:r>
-            <a:rPr lang="en-US" sz="1700" kern="1200"/>
-            <a:t>Maintainability</a:t>
-          </a:r>
-        </a:p>
-      </dsp:txBody>
-      <dsp:txXfrm>
-        <a:off x="5316891" y="3728146"/>
-        <a:ext cx="5927609" cy="318792"/>
-      </dsp:txXfrm>
-    </dsp:sp>
-    <dsp:sp modelId="{9A56D476-57EC-4DAE-8286-533FD3497850}">
-      <dsp:nvSpPr>
-        <dsp:cNvPr id="0" name=""/>
-        <dsp:cNvSpPr/>
-      </dsp:nvSpPr>
-      <dsp:spPr>
-        <a:xfrm>
-          <a:off x="5299645" y="4081849"/>
-          <a:ext cx="5962101" cy="353284"/>
-        </a:xfrm>
-        <a:prstGeom prst="roundRect">
-          <a:avLst/>
-        </a:prstGeom>
-        <a:gradFill rotWithShape="0">
-          <a:gsLst>
-            <a:gs pos="0">
-              <a:schemeClr val="accent2">
-                <a:hueOff val="4341002"/>
-                <a:satOff val="22648"/>
-                <a:lumOff val="-6470"/>
-                <a:alphaOff val="0"/>
-                <a:tint val="85000"/>
-                <a:shade val="98000"/>
-                <a:satMod val="110000"/>
-                <a:lumMod val="103000"/>
-              </a:schemeClr>
-            </a:gs>
-            <a:gs pos="50000">
-              <a:schemeClr val="accent2">
-                <a:hueOff val="4341002"/>
-                <a:satOff val="22648"/>
-                <a:lumOff val="-6470"/>
-                <a:alphaOff val="0"/>
-                <a:shade val="85000"/>
-                <a:satMod val="105000"/>
-                <a:lumMod val="100000"/>
-              </a:schemeClr>
-            </a:gs>
-            <a:gs pos="100000">
-              <a:schemeClr val="accent2">
-                <a:hueOff val="4341002"/>
-                <a:satOff val="22648"/>
-                <a:lumOff val="-6470"/>
-                <a:alphaOff val="0"/>
-                <a:shade val="60000"/>
-                <a:satMod val="120000"/>
-                <a:lumMod val="100000"/>
-              </a:schemeClr>
-            </a:gs>
-          </a:gsLst>
-          <a:lin ang="5400000" scaled="0"/>
-        </a:gradFill>
-        <a:ln>
-          <a:noFill/>
-        </a:ln>
-        <a:effectLst>
-          <a:outerShdw blurRad="50800" dist="15875" dir="5400000" algn="ctr" rotWithShape="0">
-            <a:srgbClr val="000000">
-              <a:alpha val="68000"/>
-            </a:srgbClr>
-          </a:outerShdw>
-        </a:effectLst>
-      </dsp:spPr>
-      <dsp:style>
-        <a:lnRef idx="0">
-          <a:scrgbClr r="0" g="0" b="0"/>
-        </a:lnRef>
-        <a:fillRef idx="3">
-          <a:scrgbClr r="0" g="0" b="0"/>
-        </a:fillRef>
-        <a:effectRef idx="2">
-          <a:scrgbClr r="0" g="0" b="0"/>
-        </a:effectRef>
-        <a:fontRef idx="minor">
-          <a:schemeClr val="lt1"/>
-        </a:fontRef>
-      </dsp:style>
-      <dsp:txBody>
-        <a:bodyPr spcFirstLastPara="0" vert="horz" wrap="square" lIns="64770" tIns="32385" rIns="64770" bIns="32385" numCol="1" spcCol="1270" anchor="ctr" anchorCtr="0">
-          <a:noAutofit/>
-        </a:bodyPr>
-        <a:lstStyle/>
-        <a:p>
-          <a:pPr marL="0" lvl="0" indent="0" algn="ctr" defTabSz="755650">
-            <a:lnSpc>
-              <a:spcPct val="90000"/>
-            </a:lnSpc>
-            <a:spcBef>
-              <a:spcPct val="0"/>
-            </a:spcBef>
-            <a:spcAft>
-              <a:spcPct val="35000"/>
-            </a:spcAft>
-            <a:buNone/>
-          </a:pPr>
-          <a:r>
-            <a:rPr lang="en-US" sz="1700" kern="1200"/>
+            <a:rPr lang="en-US" sz="1900" kern="1200"/>
             <a:t>Achieved Goals</a:t>
           </a:r>
         </a:p>
       </dsp:txBody>
       <dsp:txXfrm>
-        <a:off x="5316891" y="4099095"/>
-        <a:ext cx="5927609" cy="318792"/>
+        <a:off x="5318323" y="4039025"/>
+        <a:ext cx="5924745" cy="345271"/>
       </dsp:txXfrm>
     </dsp:sp>
     <dsp:sp modelId="{DD9B7236-1E08-409A-9F65-F940323D19C0}">
@@ -19687,8 +19567,8 @@
       </dsp:nvSpPr>
       <dsp:spPr>
         <a:xfrm>
-          <a:off x="5299645" y="4452798"/>
-          <a:ext cx="5962101" cy="353284"/>
+          <a:off x="5299645" y="4422106"/>
+          <a:ext cx="5962101" cy="382627"/>
         </a:xfrm>
         <a:prstGeom prst="roundRect">
           <a:avLst/>
@@ -19758,12 +19638,12 @@
         </a:fontRef>
       </dsp:style>
       <dsp:txBody>
-        <a:bodyPr spcFirstLastPara="0" vert="horz" wrap="square" lIns="64770" tIns="32385" rIns="64770" bIns="32385" numCol="1" spcCol="1270" anchor="ctr" anchorCtr="0">
+        <a:bodyPr spcFirstLastPara="0" vert="horz" wrap="square" lIns="72390" tIns="36195" rIns="72390" bIns="36195" numCol="1" spcCol="1270" anchor="ctr" anchorCtr="0">
           <a:noAutofit/>
         </a:bodyPr>
         <a:lstStyle/>
         <a:p>
-          <a:pPr marL="0" lvl="0" indent="0" algn="ctr" defTabSz="755650">
+          <a:pPr marL="0" lvl="0" indent="0" algn="ctr" defTabSz="844550">
             <a:lnSpc>
               <a:spcPct val="90000"/>
             </a:lnSpc>
@@ -19776,14 +19656,14 @@
             <a:buNone/>
           </a:pPr>
           <a:r>
-            <a:rPr lang="en-US" sz="1700" kern="1200"/>
+            <a:rPr lang="en-US" sz="1900" kern="1200"/>
             <a:t>Conclusion</a:t>
           </a:r>
         </a:p>
       </dsp:txBody>
       <dsp:txXfrm>
-        <a:off x="5316891" y="4470044"/>
-        <a:ext cx="5927609" cy="318792"/>
+        <a:off x="5318323" y="4440784"/>
+        <a:ext cx="5924745" cy="345271"/>
       </dsp:txXfrm>
     </dsp:sp>
   </dsp:spTree>
@@ -27724,7 +27604,7 @@
             <a:rPr lang="en-US" sz="2300" kern="1200" dirty="0">
               <a:latin typeface="Century Gothic" panose="020B0502020202020204"/>
             </a:rPr>
-            <a:t> = 85.7</a:t>
+            <a:t> = 75</a:t>
           </a:r>
         </a:p>
       </dsp:txBody>
@@ -54378,7 +54258,7 @@
             <p:ph idx="1"/>
             <p:extLst>
               <p:ext uri="{D42A27DB-BD31-4B8C-83A1-F6EECF244321}">
-                <p14:modId xmlns:p14="http://schemas.microsoft.com/office/powerpoint/2010/main" val="1359771068"/>
+                <p14:modId xmlns:p14="http://schemas.microsoft.com/office/powerpoint/2010/main" val="1440010488"/>
               </p:ext>
             </p:extLst>
           </p:nvPr>
@@ -55465,7 +55345,7 @@
     <p:bg>
       <p:bgPr>
         <a:solidFill>
-          <a:schemeClr val="bg2"/>
+          <a:schemeClr val="bg1"/>
         </a:solidFill>
         <a:effectLst/>
       </p:bgPr>
@@ -55484,12 +55364,12 @@
           <a:chExt cx="0" cy="0"/>
         </a:xfrm>
       </p:grpSpPr>
-      <p:sp>
+      <p:sp useBgFill="1">
         <p:nvSpPr>
-          <p:cNvPr id="35" name="Rectangle 37">
+          <p:cNvPr id="19" name="Rectangle 18">
             <a:extLst>
               <a:ext uri="{FF2B5EF4-FFF2-40B4-BE49-F238E27FC236}">
-                <a16:creationId xmlns:a16="http://schemas.microsoft.com/office/drawing/2014/main" id="{B383374D-9EA7-4E1A-B621-AC981791C8E8}"/>
+                <a16:creationId xmlns:a16="http://schemas.microsoft.com/office/drawing/2014/main" id="{CB972422-B794-4FA8-BCC6-BAF6938A1B53}"/>
               </a:ext>
               <a:ext uri="{C183D7F6-B498-43B3-948B-1728B52AA6E4}">
                 <adec:decorative xmlns:adec="http://schemas.microsoft.com/office/drawing/2017/decorative" val="1"/>
@@ -55509,14 +55389,114 @@
         </p:nvSpPr>
         <p:spPr>
           <a:xfrm>
-            <a:off x="483" y="176109"/>
-            <a:ext cx="12188952" cy="1645919"/>
+            <a:off x="0" y="0"/>
+            <a:ext cx="12192000" cy="6858000"/>
+          </a:xfrm>
+          <a:prstGeom prst="rect">
+            <a:avLst/>
+          </a:prstGeom>
+          <a:ln>
+            <a:noFill/>
+          </a:ln>
+        </p:spPr>
+        <p:style>
+          <a:lnRef idx="2">
+            <a:schemeClr val="accent1">
+              <a:shade val="50000"/>
+            </a:schemeClr>
+          </a:lnRef>
+          <a:fillRef idx="1">
+            <a:schemeClr val="accent1"/>
+          </a:fillRef>
+          <a:effectRef idx="0">
+            <a:schemeClr val="accent1"/>
+          </a:effectRef>
+          <a:fontRef idx="minor">
+            <a:schemeClr val="lt1"/>
+          </a:fontRef>
+        </p:style>
+        <p:txBody>
+          <a:bodyPr rtlCol="0" anchor="ctr"/>
+          <a:lstStyle/>
+          <a:p>
+            <a:pPr algn="ctr"/>
+            <a:endParaRPr lang="en-US"/>
+          </a:p>
+        </p:txBody>
+      </p:sp>
+      <p:sp>
+        <p:nvSpPr>
+          <p:cNvPr id="2" name="Title 1">
+            <a:extLst>
+              <a:ext uri="{FF2B5EF4-FFF2-40B4-BE49-F238E27FC236}">
+                <a16:creationId xmlns:a16="http://schemas.microsoft.com/office/drawing/2014/main" id="{CE5D13FF-D9E1-421B-AC1F-24D74587B8BF}"/>
+              </a:ext>
+            </a:extLst>
+          </p:cNvPr>
+          <p:cNvSpPr>
+            <a:spLocks noGrp="1"/>
+          </p:cNvSpPr>
+          <p:nvPr>
+            <p:ph type="title"/>
+          </p:nvPr>
+        </p:nvSpPr>
+        <p:spPr>
+          <a:xfrm>
+            <a:off x="643467" y="1325880"/>
+            <a:ext cx="3089437" cy="4206240"/>
+          </a:xfrm>
+        </p:spPr>
+        <p:txBody>
+          <a:bodyPr>
+            <a:normAutofit/>
+          </a:bodyPr>
+          <a:lstStyle/>
+          <a:p>
+            <a:pPr algn="r"/>
+            <a:r>
+              <a:rPr lang="en-US" sz="3200">
+                <a:solidFill>
+                  <a:schemeClr val="tx2"/>
+                </a:solidFill>
+              </a:rPr>
+              <a:t>Objective</a:t>
+            </a:r>
+          </a:p>
+        </p:txBody>
+      </p:sp>
+      <p:sp>
+        <p:nvSpPr>
+          <p:cNvPr id="21" name="Rectangle 20">
+            <a:extLst>
+              <a:ext uri="{FF2B5EF4-FFF2-40B4-BE49-F238E27FC236}">
+                <a16:creationId xmlns:a16="http://schemas.microsoft.com/office/drawing/2014/main" id="{89DE9E2B-5611-49C8-862E-AD4D43A8AA6D}"/>
+              </a:ext>
+              <a:ext uri="{C183D7F6-B498-43B3-948B-1728B52AA6E4}">
+                <adec:decorative xmlns:adec="http://schemas.microsoft.com/office/drawing/2017/decorative" val="1"/>
+              </a:ext>
+            </a:extLst>
+          </p:cNvPr>
+          <p:cNvSpPr>
+            <a:spLocks noGrp="1" noRot="1" noChangeAspect="1" noMove="1" noResize="1" noEditPoints="1" noAdjustHandles="1" noChangeArrowheads="1" noChangeShapeType="1" noTextEdit="1"/>
+          </p:cNvSpPr>
+          <p:nvPr>
+            <p:extLst>
+              <p:ext uri="{386F3935-93C4-4BCD-93E2-E3B085C9AB24}">
+                <p16:designElem xmlns:p16="http://schemas.microsoft.com/office/powerpoint/2015/main" val="1"/>
+              </p:ext>
+            </p:extLst>
+          </p:nvPr>
+        </p:nvSpPr>
+        <p:spPr>
+          <a:xfrm>
+            <a:off x="0" y="0"/>
+            <a:ext cx="12195668" cy="482600"/>
           </a:xfrm>
           <a:prstGeom prst="rect">
             <a:avLst/>
           </a:prstGeom>
           <a:solidFill>
-            <a:schemeClr val="tx1"/>
+            <a:schemeClr val="tx2"/>
           </a:solidFill>
           <a:ln>
             <a:noFill/>
@@ -55539,12 +55519,64 @@
           </a:fontRef>
         </p:style>
       </p:sp>
+      <p:cxnSp>
+        <p:nvCxnSpPr>
+          <p:cNvPr id="23" name="Straight Connector 22">
+            <a:extLst>
+              <a:ext uri="{FF2B5EF4-FFF2-40B4-BE49-F238E27FC236}">
+                <a16:creationId xmlns:a16="http://schemas.microsoft.com/office/drawing/2014/main" id="{5296EC4F-8732-481B-94CB-C98E4EF297FF}"/>
+              </a:ext>
+              <a:ext uri="{C183D7F6-B498-43B3-948B-1728B52AA6E4}">
+                <adec:decorative xmlns:adec="http://schemas.microsoft.com/office/drawing/2017/decorative" val="1"/>
+              </a:ext>
+            </a:extLst>
+          </p:cNvPr>
+          <p:cNvCxnSpPr>
+            <a:cxnSpLocks noGrp="1" noRot="1" noChangeAspect="1" noMove="1" noResize="1" noEditPoints="1" noAdjustHandles="1" noChangeArrowheads="1" noChangeShapeType="1"/>
+          </p:cNvCxnSpPr>
+          <p:nvPr>
+            <p:extLst>
+              <p:ext uri="{386F3935-93C4-4BCD-93E2-E3B085C9AB24}">
+                <p16:designElem xmlns:p16="http://schemas.microsoft.com/office/powerpoint/2015/main" val="1"/>
+              </p:ext>
+            </p:extLst>
+          </p:nvPr>
+        </p:nvCxnSpPr>
+        <p:spPr>
+          <a:xfrm>
+            <a:off x="4059935" y="1836869"/>
+            <a:ext cx="0" cy="3184263"/>
+          </a:xfrm>
+          <a:prstGeom prst="line">
+            <a:avLst/>
+          </a:prstGeom>
+          <a:ln w="25400">
+            <a:solidFill>
+              <a:schemeClr val="tx2"/>
+            </a:solidFill>
+          </a:ln>
+        </p:spPr>
+        <p:style>
+          <a:lnRef idx="1">
+            <a:schemeClr val="accent1"/>
+          </a:lnRef>
+          <a:fillRef idx="0">
+            <a:schemeClr val="accent1"/>
+          </a:fillRef>
+          <a:effectRef idx="0">
+            <a:schemeClr val="accent1"/>
+          </a:effectRef>
+          <a:fontRef idx="minor">
+            <a:schemeClr val="tx1"/>
+          </a:fontRef>
+        </p:style>
+      </p:cxnSp>
       <p:sp>
         <p:nvSpPr>
-          <p:cNvPr id="2" name="Title 1">
+          <p:cNvPr id="3" name="Content Placeholder 2">
             <a:extLst>
               <a:ext uri="{FF2B5EF4-FFF2-40B4-BE49-F238E27FC236}">
-                <a16:creationId xmlns:a16="http://schemas.microsoft.com/office/drawing/2014/main" id="{73F8080A-BE41-489E-8E6E-DE2ED9EA09EA}"/>
+                <a16:creationId xmlns:a16="http://schemas.microsoft.com/office/drawing/2014/main" id="{9B5F6B14-8370-4B53-85FE-29D280D68C94}"/>
               </a:ext>
             </a:extLst>
           </p:cNvPr>
@@ -55552,13 +55584,13 @@
             <a:spLocks noGrp="1"/>
           </p:cNvSpPr>
           <p:nvPr>
-            <p:ph type="title"/>
+            <p:ph idx="1"/>
           </p:nvPr>
         </p:nvSpPr>
         <p:spPr>
           <a:xfrm>
-            <a:off x="1202919" y="284176"/>
-            <a:ext cx="9784080" cy="1508760"/>
+            <a:off x="4381668" y="1126067"/>
+            <a:ext cx="6605331" cy="4605866"/>
           </a:xfrm>
         </p:spPr>
         <p:txBody>
@@ -55567,53 +55599,89 @@
           </a:bodyPr>
           <a:lstStyle/>
           <a:p>
+            <a:pPr marL="0" indent="0" algn="ctr">
+              <a:buNone/>
+            </a:pPr>
             <a:r>
-              <a:rPr lang="en-US"/>
-              <a:t>Introduction</a:t>
+              <a:rPr lang="en-US" sz="2800" dirty="0">
+                <a:solidFill>
+                  <a:schemeClr val="tx2"/>
+                </a:solidFill>
+              </a:rPr>
+              <a:t>Given a master dataset and matching datasets, generate functionality to evaluate various datapoints and return a level of confidence of a match to the master dataset.</a:t>
             </a:r>
+            <a:endParaRPr lang="en-US" dirty="0">
+              <a:solidFill>
+                <a:schemeClr val="tx2"/>
+              </a:solidFill>
+            </a:endParaRPr>
           </a:p>
         </p:txBody>
       </p:sp>
-      <p:graphicFrame>
-        <p:nvGraphicFramePr>
-          <p:cNvPr id="33" name="Content Placeholder 2">
+      <p:sp>
+        <p:nvSpPr>
+          <p:cNvPr id="25" name="Rectangle 24">
             <a:extLst>
               <a:ext uri="{FF2B5EF4-FFF2-40B4-BE49-F238E27FC236}">
-                <a16:creationId xmlns:a16="http://schemas.microsoft.com/office/drawing/2014/main" id="{2F813DEE-4D70-4B55-9F13-64FFBB376E7B}"/>
+                <a16:creationId xmlns:a16="http://schemas.microsoft.com/office/drawing/2014/main" id="{519C7155-1644-4C60-B0B5-32B1800D6044}"/>
+              </a:ext>
+              <a:ext uri="{C183D7F6-B498-43B3-948B-1728B52AA6E4}">
+                <adec:decorative xmlns:adec="http://schemas.microsoft.com/office/drawing/2017/decorative" val="1"/>
               </a:ext>
             </a:extLst>
           </p:cNvPr>
-          <p:cNvGraphicFramePr>
-            <a:graphicFrameLocks noGrp="1"/>
-          </p:cNvGraphicFramePr>
+          <p:cNvSpPr>
+            <a:spLocks noGrp="1" noRot="1" noChangeAspect="1" noMove="1" noResize="1" noEditPoints="1" noAdjustHandles="1" noChangeArrowheads="1" noChangeShapeType="1" noTextEdit="1"/>
+          </p:cNvSpPr>
           <p:nvPr>
-            <p:ph idx="4294967295"/>
             <p:extLst>
-              <p:ext uri="{D42A27DB-BD31-4B8C-83A1-F6EECF244321}">
-                <p14:modId xmlns:p14="http://schemas.microsoft.com/office/powerpoint/2010/main" val="1843953387"/>
+              <p:ext uri="{386F3935-93C4-4BCD-93E2-E3B085C9AB24}">
+                <p16:designElem xmlns:p16="http://schemas.microsoft.com/office/powerpoint/2015/main" val="1"/>
               </p:ext>
             </p:extLst>
           </p:nvPr>
-        </p:nvGraphicFramePr>
-        <p:xfrm>
-          <a:off x="-2192678" y="1934679"/>
-          <a:ext cx="16561393" cy="4807492"/>
-        </p:xfrm>
-        <a:graphic>
-          <a:graphicData uri="http://schemas.openxmlformats.org/drawingml/2006/diagram">
-            <dgm:relIds xmlns:dgm="http://schemas.openxmlformats.org/drawingml/2006/diagram" xmlns:r="http://schemas.openxmlformats.org/officeDocument/2006/relationships" r:dm="rId2" r:lo="rId3" r:qs="rId4" r:cs="rId5"/>
-          </a:graphicData>
-        </a:graphic>
-      </p:graphicFrame>
+        </p:nvSpPr>
+        <p:spPr>
+          <a:xfrm>
+            <a:off x="0" y="6375400"/>
+            <a:ext cx="12195668" cy="482600"/>
+          </a:xfrm>
+          <a:prstGeom prst="rect">
+            <a:avLst/>
+          </a:prstGeom>
+          <a:solidFill>
+            <a:schemeClr val="tx2"/>
+          </a:solidFill>
+          <a:ln>
+            <a:noFill/>
+          </a:ln>
+        </p:spPr>
+        <p:style>
+          <a:lnRef idx="2">
+            <a:schemeClr val="accent1">
+              <a:shade val="50000"/>
+            </a:schemeClr>
+          </a:lnRef>
+          <a:fillRef idx="1">
+            <a:schemeClr val="accent1"/>
+          </a:fillRef>
+          <a:effectRef idx="0">
+            <a:schemeClr val="accent1"/>
+          </a:effectRef>
+          <a:fontRef idx="minor">
+            <a:schemeClr val="lt1"/>
+          </a:fontRef>
+        </p:style>
+      </p:sp>
     </p:spTree>
     <p:extLst>
       <p:ext uri="{BB962C8B-B14F-4D97-AF65-F5344CB8AC3E}">
-        <p14:creationId xmlns:p14="http://schemas.microsoft.com/office/powerpoint/2010/main" val="379333498"/>
+        <p14:creationId xmlns:p14="http://schemas.microsoft.com/office/powerpoint/2010/main" val="3956344243"/>
       </p:ext>
     </p:extLst>
   </p:cSld>
   <p:clrMapOvr>
-    <a:masterClrMapping/>
+    <a:overrideClrMapping bg1="lt1" tx1="dk1" bg2="lt2" tx2="dk2" accent1="accent1" accent2="accent2" accent3="accent3" accent4="accent4" accent5="accent5" accent6="accent6" hlink="hlink" folHlink="folHlink"/>
   </p:clrMapOvr>
   <p:transition spd="med">
     <p:push dir="u"/>
@@ -56086,6 +56154,168 @@
 </file>
 
 <file path=ppt/slides/slide3.xml><?xml version="1.0" encoding="utf-8"?>
+<p:sld xmlns:a="http://schemas.openxmlformats.org/drawingml/2006/main" xmlns:r="http://schemas.openxmlformats.org/officeDocument/2006/relationships" xmlns:p="http://schemas.openxmlformats.org/presentationml/2006/main">
+  <p:cSld>
+    <p:bg>
+      <p:bgPr>
+        <a:solidFill>
+          <a:schemeClr val="bg2"/>
+        </a:solidFill>
+        <a:effectLst/>
+      </p:bgPr>
+    </p:bg>
+    <p:spTree>
+      <p:nvGrpSpPr>
+        <p:cNvPr id="1" name=""/>
+        <p:cNvGrpSpPr/>
+        <p:nvPr/>
+      </p:nvGrpSpPr>
+      <p:grpSpPr>
+        <a:xfrm>
+          <a:off x="0" y="0"/>
+          <a:ext cx="0" cy="0"/>
+          <a:chOff x="0" y="0"/>
+          <a:chExt cx="0" cy="0"/>
+        </a:xfrm>
+      </p:grpSpPr>
+      <p:sp>
+        <p:nvSpPr>
+          <p:cNvPr id="35" name="Rectangle 37">
+            <a:extLst>
+              <a:ext uri="{FF2B5EF4-FFF2-40B4-BE49-F238E27FC236}">
+                <a16:creationId xmlns:a16="http://schemas.microsoft.com/office/drawing/2014/main" id="{B383374D-9EA7-4E1A-B621-AC981791C8E8}"/>
+              </a:ext>
+              <a:ext uri="{C183D7F6-B498-43B3-948B-1728B52AA6E4}">
+                <adec:decorative xmlns:adec="http://schemas.microsoft.com/office/drawing/2017/decorative" val="1"/>
+              </a:ext>
+            </a:extLst>
+          </p:cNvPr>
+          <p:cNvSpPr>
+            <a:spLocks noGrp="1" noRot="1" noChangeAspect="1" noMove="1" noResize="1" noEditPoints="1" noAdjustHandles="1" noChangeArrowheads="1" noChangeShapeType="1" noTextEdit="1"/>
+          </p:cNvSpPr>
+          <p:nvPr>
+            <p:extLst>
+              <p:ext uri="{386F3935-93C4-4BCD-93E2-E3B085C9AB24}">
+                <p16:designElem xmlns:p16="http://schemas.microsoft.com/office/powerpoint/2015/main" val="1"/>
+              </p:ext>
+            </p:extLst>
+          </p:nvPr>
+        </p:nvSpPr>
+        <p:spPr>
+          <a:xfrm>
+            <a:off x="483" y="176109"/>
+            <a:ext cx="12188952" cy="1645919"/>
+          </a:xfrm>
+          <a:prstGeom prst="rect">
+            <a:avLst/>
+          </a:prstGeom>
+          <a:solidFill>
+            <a:schemeClr val="tx1"/>
+          </a:solidFill>
+          <a:ln>
+            <a:noFill/>
+          </a:ln>
+        </p:spPr>
+        <p:style>
+          <a:lnRef idx="2">
+            <a:schemeClr val="accent1">
+              <a:shade val="50000"/>
+            </a:schemeClr>
+          </a:lnRef>
+          <a:fillRef idx="1">
+            <a:schemeClr val="accent1"/>
+          </a:fillRef>
+          <a:effectRef idx="0">
+            <a:schemeClr val="accent1"/>
+          </a:effectRef>
+          <a:fontRef idx="minor">
+            <a:schemeClr val="lt1"/>
+          </a:fontRef>
+        </p:style>
+      </p:sp>
+      <p:sp>
+        <p:nvSpPr>
+          <p:cNvPr id="2" name="Title 1">
+            <a:extLst>
+              <a:ext uri="{FF2B5EF4-FFF2-40B4-BE49-F238E27FC236}">
+                <a16:creationId xmlns:a16="http://schemas.microsoft.com/office/drawing/2014/main" id="{73F8080A-BE41-489E-8E6E-DE2ED9EA09EA}"/>
+              </a:ext>
+            </a:extLst>
+          </p:cNvPr>
+          <p:cNvSpPr>
+            <a:spLocks noGrp="1"/>
+          </p:cNvSpPr>
+          <p:nvPr>
+            <p:ph type="title"/>
+          </p:nvPr>
+        </p:nvSpPr>
+        <p:spPr>
+          <a:xfrm>
+            <a:off x="1202919" y="284176"/>
+            <a:ext cx="9784080" cy="1508760"/>
+          </a:xfrm>
+        </p:spPr>
+        <p:txBody>
+          <a:bodyPr vert="horz" lIns="91440" tIns="45720" rIns="91440" bIns="45720" rtlCol="0" anchor="ctr">
+            <a:normAutofit/>
+          </a:bodyPr>
+          <a:lstStyle/>
+          <a:p>
+            <a:r>
+              <a:rPr lang="en-US"/>
+              <a:t>Introduction</a:t>
+            </a:r>
+          </a:p>
+        </p:txBody>
+      </p:sp>
+      <p:graphicFrame>
+        <p:nvGraphicFramePr>
+          <p:cNvPr id="33" name="Content Placeholder 2">
+            <a:extLst>
+              <a:ext uri="{FF2B5EF4-FFF2-40B4-BE49-F238E27FC236}">
+                <a16:creationId xmlns:a16="http://schemas.microsoft.com/office/drawing/2014/main" id="{2F813DEE-4D70-4B55-9F13-64FFBB376E7B}"/>
+              </a:ext>
+            </a:extLst>
+          </p:cNvPr>
+          <p:cNvGraphicFramePr>
+            <a:graphicFrameLocks noGrp="1"/>
+          </p:cNvGraphicFramePr>
+          <p:nvPr>
+            <p:ph idx="4294967295"/>
+            <p:extLst>
+              <p:ext uri="{D42A27DB-BD31-4B8C-83A1-F6EECF244321}">
+                <p14:modId xmlns:p14="http://schemas.microsoft.com/office/powerpoint/2010/main" val="662662325"/>
+              </p:ext>
+            </p:extLst>
+          </p:nvPr>
+        </p:nvGraphicFramePr>
+        <p:xfrm>
+          <a:off x="-2192678" y="1934679"/>
+          <a:ext cx="16561393" cy="4807492"/>
+        </p:xfrm>
+        <a:graphic>
+          <a:graphicData uri="http://schemas.openxmlformats.org/drawingml/2006/diagram">
+            <dgm:relIds xmlns:dgm="http://schemas.openxmlformats.org/drawingml/2006/diagram" xmlns:r="http://schemas.openxmlformats.org/officeDocument/2006/relationships" r:dm="rId2" r:lo="rId3" r:qs="rId4" r:cs="rId5"/>
+          </a:graphicData>
+        </a:graphic>
+      </p:graphicFrame>
+    </p:spTree>
+    <p:extLst>
+      <p:ext uri="{BB962C8B-B14F-4D97-AF65-F5344CB8AC3E}">
+        <p14:creationId xmlns:p14="http://schemas.microsoft.com/office/powerpoint/2010/main" val="379333498"/>
+      </p:ext>
+    </p:extLst>
+  </p:cSld>
+  <p:clrMapOvr>
+    <a:masterClrMapping/>
+  </p:clrMapOvr>
+  <p:transition spd="med">
+    <p:push dir="u"/>
+  </p:transition>
+</p:sld>
+</file>
+
+<file path=ppt/slides/slide4.xml><?xml version="1.0" encoding="utf-8"?>
 <p:sld xmlns:a="http://schemas.openxmlformats.org/drawingml/2006/main" xmlns:r="http://schemas.openxmlformats.org/officeDocument/2006/relationships" xmlns:p="http://schemas.openxmlformats.org/presentationml/2006/main">
   <p:cSld>
     <p:spTree>
@@ -57058,7 +57288,7 @@
 </p:sld>
 </file>
 
-<file path=ppt/slides/slide4.xml><?xml version="1.0" encoding="utf-8"?>
+<file path=ppt/slides/slide5.xml><?xml version="1.0" encoding="utf-8"?>
 <p:sld xmlns:a="http://schemas.openxmlformats.org/drawingml/2006/main" xmlns:r="http://schemas.openxmlformats.org/officeDocument/2006/relationships" xmlns:p="http://schemas.openxmlformats.org/presentationml/2006/main">
   <p:cSld>
     <p:spTree>
@@ -57210,372 +57440,6 @@
   </p:cSld>
   <p:clrMapOvr>
     <a:masterClrMapping/>
-  </p:clrMapOvr>
-  <p:transition spd="med">
-    <p:push dir="u"/>
-  </p:transition>
-</p:sld>
-</file>
-
-<file path=ppt/slides/slide5.xml><?xml version="1.0" encoding="utf-8"?>
-<p:sld xmlns:a="http://schemas.openxmlformats.org/drawingml/2006/main" xmlns:r="http://schemas.openxmlformats.org/officeDocument/2006/relationships" xmlns:p="http://schemas.openxmlformats.org/presentationml/2006/main">
-  <p:cSld>
-    <p:bg>
-      <p:bgPr>
-        <a:solidFill>
-          <a:schemeClr val="bg1"/>
-        </a:solidFill>
-        <a:effectLst/>
-      </p:bgPr>
-    </p:bg>
-    <p:spTree>
-      <p:nvGrpSpPr>
-        <p:cNvPr id="1" name=""/>
-        <p:cNvGrpSpPr/>
-        <p:nvPr/>
-      </p:nvGrpSpPr>
-      <p:grpSpPr>
-        <a:xfrm>
-          <a:off x="0" y="0"/>
-          <a:ext cx="0" cy="0"/>
-          <a:chOff x="0" y="0"/>
-          <a:chExt cx="0" cy="0"/>
-        </a:xfrm>
-      </p:grpSpPr>
-      <p:sp useBgFill="1">
-        <p:nvSpPr>
-          <p:cNvPr id="19" name="Rectangle 18">
-            <a:extLst>
-              <a:ext uri="{FF2B5EF4-FFF2-40B4-BE49-F238E27FC236}">
-                <a16:creationId xmlns:a16="http://schemas.microsoft.com/office/drawing/2014/main" id="{CB972422-B794-4FA8-BCC6-BAF6938A1B53}"/>
-              </a:ext>
-              <a:ext uri="{C183D7F6-B498-43B3-948B-1728B52AA6E4}">
-                <adec:decorative xmlns:adec="http://schemas.microsoft.com/office/drawing/2017/decorative" val="1"/>
-              </a:ext>
-            </a:extLst>
-          </p:cNvPr>
-          <p:cNvSpPr>
-            <a:spLocks noGrp="1" noRot="1" noChangeAspect="1" noMove="1" noResize="1" noEditPoints="1" noAdjustHandles="1" noChangeArrowheads="1" noChangeShapeType="1" noTextEdit="1"/>
-          </p:cNvSpPr>
-          <p:nvPr>
-            <p:extLst>
-              <p:ext uri="{386F3935-93C4-4BCD-93E2-E3B085C9AB24}">
-                <p16:designElem xmlns:p16="http://schemas.microsoft.com/office/powerpoint/2015/main" val="1"/>
-              </p:ext>
-            </p:extLst>
-          </p:nvPr>
-        </p:nvSpPr>
-        <p:spPr>
-          <a:xfrm>
-            <a:off x="0" y="0"/>
-            <a:ext cx="12192000" cy="6858000"/>
-          </a:xfrm>
-          <a:prstGeom prst="rect">
-            <a:avLst/>
-          </a:prstGeom>
-          <a:ln>
-            <a:noFill/>
-          </a:ln>
-        </p:spPr>
-        <p:style>
-          <a:lnRef idx="2">
-            <a:schemeClr val="accent1">
-              <a:shade val="50000"/>
-            </a:schemeClr>
-          </a:lnRef>
-          <a:fillRef idx="1">
-            <a:schemeClr val="accent1"/>
-          </a:fillRef>
-          <a:effectRef idx="0">
-            <a:schemeClr val="accent1"/>
-          </a:effectRef>
-          <a:fontRef idx="minor">
-            <a:schemeClr val="lt1"/>
-          </a:fontRef>
-        </p:style>
-        <p:txBody>
-          <a:bodyPr rtlCol="0" anchor="ctr"/>
-          <a:lstStyle/>
-          <a:p>
-            <a:pPr algn="ctr"/>
-            <a:endParaRPr lang="en-US"/>
-          </a:p>
-        </p:txBody>
-      </p:sp>
-      <p:sp>
-        <p:nvSpPr>
-          <p:cNvPr id="2" name="Title 1">
-            <a:extLst>
-              <a:ext uri="{FF2B5EF4-FFF2-40B4-BE49-F238E27FC236}">
-                <a16:creationId xmlns:a16="http://schemas.microsoft.com/office/drawing/2014/main" id="{CE5D13FF-D9E1-421B-AC1F-24D74587B8BF}"/>
-              </a:ext>
-            </a:extLst>
-          </p:cNvPr>
-          <p:cNvSpPr>
-            <a:spLocks noGrp="1"/>
-          </p:cNvSpPr>
-          <p:nvPr>
-            <p:ph type="title"/>
-          </p:nvPr>
-        </p:nvSpPr>
-        <p:spPr>
-          <a:xfrm>
-            <a:off x="643467" y="1325880"/>
-            <a:ext cx="3089437" cy="4206240"/>
-          </a:xfrm>
-        </p:spPr>
-        <p:txBody>
-          <a:bodyPr>
-            <a:normAutofit/>
-          </a:bodyPr>
-          <a:lstStyle/>
-          <a:p>
-            <a:pPr algn="r"/>
-            <a:r>
-              <a:rPr lang="en-US" sz="3200">
-                <a:solidFill>
-                  <a:schemeClr val="tx2"/>
-                </a:solidFill>
-              </a:rPr>
-              <a:t>Objective</a:t>
-            </a:r>
-          </a:p>
-        </p:txBody>
-      </p:sp>
-      <p:sp>
-        <p:nvSpPr>
-          <p:cNvPr id="21" name="Rectangle 20">
-            <a:extLst>
-              <a:ext uri="{FF2B5EF4-FFF2-40B4-BE49-F238E27FC236}">
-                <a16:creationId xmlns:a16="http://schemas.microsoft.com/office/drawing/2014/main" id="{89DE9E2B-5611-49C8-862E-AD4D43A8AA6D}"/>
-              </a:ext>
-              <a:ext uri="{C183D7F6-B498-43B3-948B-1728B52AA6E4}">
-                <adec:decorative xmlns:adec="http://schemas.microsoft.com/office/drawing/2017/decorative" val="1"/>
-              </a:ext>
-            </a:extLst>
-          </p:cNvPr>
-          <p:cNvSpPr>
-            <a:spLocks noGrp="1" noRot="1" noChangeAspect="1" noMove="1" noResize="1" noEditPoints="1" noAdjustHandles="1" noChangeArrowheads="1" noChangeShapeType="1" noTextEdit="1"/>
-          </p:cNvSpPr>
-          <p:nvPr>
-            <p:extLst>
-              <p:ext uri="{386F3935-93C4-4BCD-93E2-E3B085C9AB24}">
-                <p16:designElem xmlns:p16="http://schemas.microsoft.com/office/powerpoint/2015/main" val="1"/>
-              </p:ext>
-            </p:extLst>
-          </p:nvPr>
-        </p:nvSpPr>
-        <p:spPr>
-          <a:xfrm>
-            <a:off x="0" y="0"/>
-            <a:ext cx="12195668" cy="482600"/>
-          </a:xfrm>
-          <a:prstGeom prst="rect">
-            <a:avLst/>
-          </a:prstGeom>
-          <a:solidFill>
-            <a:schemeClr val="tx2"/>
-          </a:solidFill>
-          <a:ln>
-            <a:noFill/>
-          </a:ln>
-        </p:spPr>
-        <p:style>
-          <a:lnRef idx="2">
-            <a:schemeClr val="accent1">
-              <a:shade val="50000"/>
-            </a:schemeClr>
-          </a:lnRef>
-          <a:fillRef idx="1">
-            <a:schemeClr val="accent1"/>
-          </a:fillRef>
-          <a:effectRef idx="0">
-            <a:schemeClr val="accent1"/>
-          </a:effectRef>
-          <a:fontRef idx="minor">
-            <a:schemeClr val="lt1"/>
-          </a:fontRef>
-        </p:style>
-      </p:sp>
-      <p:cxnSp>
-        <p:nvCxnSpPr>
-          <p:cNvPr id="23" name="Straight Connector 22">
-            <a:extLst>
-              <a:ext uri="{FF2B5EF4-FFF2-40B4-BE49-F238E27FC236}">
-                <a16:creationId xmlns:a16="http://schemas.microsoft.com/office/drawing/2014/main" id="{5296EC4F-8732-481B-94CB-C98E4EF297FF}"/>
-              </a:ext>
-              <a:ext uri="{C183D7F6-B498-43B3-948B-1728B52AA6E4}">
-                <adec:decorative xmlns:adec="http://schemas.microsoft.com/office/drawing/2017/decorative" val="1"/>
-              </a:ext>
-            </a:extLst>
-          </p:cNvPr>
-          <p:cNvCxnSpPr>
-            <a:cxnSpLocks noGrp="1" noRot="1" noChangeAspect="1" noMove="1" noResize="1" noEditPoints="1" noAdjustHandles="1" noChangeArrowheads="1" noChangeShapeType="1"/>
-          </p:cNvCxnSpPr>
-          <p:nvPr>
-            <p:extLst>
-              <p:ext uri="{386F3935-93C4-4BCD-93E2-E3B085C9AB24}">
-                <p16:designElem xmlns:p16="http://schemas.microsoft.com/office/powerpoint/2015/main" val="1"/>
-              </p:ext>
-            </p:extLst>
-          </p:nvPr>
-        </p:nvCxnSpPr>
-        <p:spPr>
-          <a:xfrm>
-            <a:off x="4059935" y="1836869"/>
-            <a:ext cx="0" cy="3184263"/>
-          </a:xfrm>
-          <a:prstGeom prst="line">
-            <a:avLst/>
-          </a:prstGeom>
-          <a:ln w="25400">
-            <a:solidFill>
-              <a:schemeClr val="tx2"/>
-            </a:solidFill>
-          </a:ln>
-        </p:spPr>
-        <p:style>
-          <a:lnRef idx="1">
-            <a:schemeClr val="accent1"/>
-          </a:lnRef>
-          <a:fillRef idx="0">
-            <a:schemeClr val="accent1"/>
-          </a:fillRef>
-          <a:effectRef idx="0">
-            <a:schemeClr val="accent1"/>
-          </a:effectRef>
-          <a:fontRef idx="minor">
-            <a:schemeClr val="tx1"/>
-          </a:fontRef>
-        </p:style>
-      </p:cxnSp>
-      <p:sp>
-        <p:nvSpPr>
-          <p:cNvPr id="3" name="Content Placeholder 2">
-            <a:extLst>
-              <a:ext uri="{FF2B5EF4-FFF2-40B4-BE49-F238E27FC236}">
-                <a16:creationId xmlns:a16="http://schemas.microsoft.com/office/drawing/2014/main" id="{9B5F6B14-8370-4B53-85FE-29D280D68C94}"/>
-              </a:ext>
-            </a:extLst>
-          </p:cNvPr>
-          <p:cNvSpPr>
-            <a:spLocks noGrp="1"/>
-          </p:cNvSpPr>
-          <p:nvPr>
-            <p:ph idx="1"/>
-          </p:nvPr>
-        </p:nvSpPr>
-        <p:spPr>
-          <a:xfrm>
-            <a:off x="4381668" y="1126067"/>
-            <a:ext cx="6605331" cy="4605866"/>
-          </a:xfrm>
-        </p:spPr>
-        <p:txBody>
-          <a:bodyPr vert="horz" lIns="91440" tIns="45720" rIns="91440" bIns="45720" rtlCol="0" anchor="ctr">
-            <a:normAutofit/>
-          </a:bodyPr>
-          <a:lstStyle/>
-          <a:p>
-            <a:pPr marL="0" indent="0" algn="ctr">
-              <a:buNone/>
-            </a:pPr>
-            <a:r>
-              <a:rPr lang="en-US" sz="2800">
-                <a:solidFill>
-                  <a:schemeClr val="tx2"/>
-                </a:solidFill>
-              </a:rPr>
-              <a:t>Given a master dataset and matching datasets, </a:t>
-            </a:r>
-            <a:r>
-              <a:rPr lang="en-US" sz="3000">
-                <a:solidFill>
-                  <a:schemeClr val="tx2"/>
-                </a:solidFill>
-              </a:rPr>
-              <a:t>generate</a:t>
-            </a:r>
-            <a:r>
-              <a:rPr lang="en-US" sz="2800">
-                <a:solidFill>
-                  <a:schemeClr val="tx2"/>
-                </a:solidFill>
-              </a:rPr>
-              <a:t> functionality to evaluate various datapoints and return a level of confidence of a match to the master dataset.</a:t>
-            </a:r>
-            <a:endParaRPr lang="en-US">
-              <a:solidFill>
-                <a:schemeClr val="tx2"/>
-              </a:solidFill>
-            </a:endParaRPr>
-          </a:p>
-        </p:txBody>
-      </p:sp>
-      <p:sp>
-        <p:nvSpPr>
-          <p:cNvPr id="25" name="Rectangle 24">
-            <a:extLst>
-              <a:ext uri="{FF2B5EF4-FFF2-40B4-BE49-F238E27FC236}">
-                <a16:creationId xmlns:a16="http://schemas.microsoft.com/office/drawing/2014/main" id="{519C7155-1644-4C60-B0B5-32B1800D6044}"/>
-              </a:ext>
-              <a:ext uri="{C183D7F6-B498-43B3-948B-1728B52AA6E4}">
-                <adec:decorative xmlns:adec="http://schemas.microsoft.com/office/drawing/2017/decorative" val="1"/>
-              </a:ext>
-            </a:extLst>
-          </p:cNvPr>
-          <p:cNvSpPr>
-            <a:spLocks noGrp="1" noRot="1" noChangeAspect="1" noMove="1" noResize="1" noEditPoints="1" noAdjustHandles="1" noChangeArrowheads="1" noChangeShapeType="1" noTextEdit="1"/>
-          </p:cNvSpPr>
-          <p:nvPr>
-            <p:extLst>
-              <p:ext uri="{386F3935-93C4-4BCD-93E2-E3B085C9AB24}">
-                <p16:designElem xmlns:p16="http://schemas.microsoft.com/office/powerpoint/2015/main" val="1"/>
-              </p:ext>
-            </p:extLst>
-          </p:nvPr>
-        </p:nvSpPr>
-        <p:spPr>
-          <a:xfrm>
-            <a:off x="0" y="6375400"/>
-            <a:ext cx="12195668" cy="482600"/>
-          </a:xfrm>
-          <a:prstGeom prst="rect">
-            <a:avLst/>
-          </a:prstGeom>
-          <a:solidFill>
-            <a:schemeClr val="tx2"/>
-          </a:solidFill>
-          <a:ln>
-            <a:noFill/>
-          </a:ln>
-        </p:spPr>
-        <p:style>
-          <a:lnRef idx="2">
-            <a:schemeClr val="accent1">
-              <a:shade val="50000"/>
-            </a:schemeClr>
-          </a:lnRef>
-          <a:fillRef idx="1">
-            <a:schemeClr val="accent1"/>
-          </a:fillRef>
-          <a:effectRef idx="0">
-            <a:schemeClr val="accent1"/>
-          </a:effectRef>
-          <a:fontRef idx="minor">
-            <a:schemeClr val="lt1"/>
-          </a:fontRef>
-        </p:style>
-      </p:sp>
-    </p:spTree>
-    <p:extLst>
-      <p:ext uri="{BB962C8B-B14F-4D97-AF65-F5344CB8AC3E}">
-        <p14:creationId xmlns:p14="http://schemas.microsoft.com/office/powerpoint/2010/main" val="3956344243"/>
-      </p:ext>
-    </p:extLst>
-  </p:cSld>
-  <p:clrMapOvr>
-    <a:overrideClrMapping bg1="lt1" tx1="dk1" bg2="lt2" tx2="dk2" accent1="accent1" accent2="accent2" accent3="accent3" accent4="accent4" accent5="accent5" accent6="accent6" hlink="hlink" folHlink="folHlink"/>
   </p:clrMapOvr>
   <p:transition spd="med">
     <p:push dir="u"/>
@@ -57958,8 +57822,8 @@
           <a:lstStyle/>
           <a:p>
             <a:r>
-              <a:rPr lang="en-US"/>
-              <a:t>Design</a:t>
+              <a:rPr lang="en-US" dirty="0"/>
+              <a:t>Our Design</a:t>
             </a:r>
           </a:p>
         </p:txBody>

--- a/docs/FuzzyRecordLinkage.pptx
+++ b/docs/FuzzyRecordLinkage.pptx
@@ -5,12 +5,12 @@
     <p:sldMasterId id="2147483762" r:id="rId1"/>
   </p:sldMasterIdLst>
   <p:notesMasterIdLst>
-    <p:notesMasterId r:id="rId25"/>
+    <p:notesMasterId r:id="rId26"/>
   </p:notesMasterIdLst>
   <p:sldIdLst>
     <p:sldId id="256" r:id="rId2"/>
-    <p:sldId id="258" r:id="rId3"/>
-    <p:sldId id="257" r:id="rId4"/>
+    <p:sldId id="257" r:id="rId3"/>
+    <p:sldId id="258" r:id="rId4"/>
     <p:sldId id="281" r:id="rId5"/>
     <p:sldId id="278" r:id="rId6"/>
     <p:sldId id="259" r:id="rId7"/>
@@ -21,16 +21,17 @@
     <p:sldId id="264" r:id="rId12"/>
     <p:sldId id="268" r:id="rId13"/>
     <p:sldId id="269" r:id="rId14"/>
-    <p:sldId id="266" r:id="rId15"/>
-    <p:sldId id="270" r:id="rId16"/>
-    <p:sldId id="271" r:id="rId17"/>
-    <p:sldId id="282" r:id="rId18"/>
-    <p:sldId id="272" r:id="rId19"/>
-    <p:sldId id="276" r:id="rId20"/>
-    <p:sldId id="273" r:id="rId21"/>
-    <p:sldId id="274" r:id="rId22"/>
-    <p:sldId id="280" r:id="rId23"/>
-    <p:sldId id="275" r:id="rId24"/>
+    <p:sldId id="283" r:id="rId15"/>
+    <p:sldId id="266" r:id="rId16"/>
+    <p:sldId id="270" r:id="rId17"/>
+    <p:sldId id="271" r:id="rId18"/>
+    <p:sldId id="282" r:id="rId19"/>
+    <p:sldId id="272" r:id="rId20"/>
+    <p:sldId id="276" r:id="rId21"/>
+    <p:sldId id="273" r:id="rId22"/>
+    <p:sldId id="274" r:id="rId23"/>
+    <p:sldId id="280" r:id="rId24"/>
+    <p:sldId id="275" r:id="rId25"/>
   </p:sldIdLst>
   <p:sldSz cx="12192000" cy="6858000"/>
   <p:notesSz cx="6858000" cy="2371725"/>
@@ -12752,8 +12753,8 @@
         <a:lstStyle/>
         <a:p>
           <a:r>
-            <a:rPr lang="en-US"/>
-            <a:t>Design Decisions</a:t>
+            <a:rPr lang="en-US" dirty="0"/>
+            <a:t>Design</a:t>
           </a:r>
         </a:p>
       </dgm:t>
@@ -12770,42 +12771,6 @@
       </dgm:t>
     </dgm:pt>
     <dgm:pt modelId="{3E005A74-2A07-436B-AEB0-AF32FDA4D238}" type="sibTrans" cxnId="{B038AAF7-8EF1-4C3D-94D9-D885E9BB26DA}">
-      <dgm:prSet/>
-      <dgm:spPr/>
-      <dgm:t>
-        <a:bodyPr/>
-        <a:lstStyle/>
-        <a:p>
-          <a:endParaRPr lang="en-US"/>
-        </a:p>
-      </dgm:t>
-    </dgm:pt>
-    <dgm:pt modelId="{AF7FACE5-68CF-4FE4-8DF4-E6F7BAC961AA}">
-      <dgm:prSet/>
-      <dgm:spPr/>
-      <dgm:t>
-        <a:bodyPr/>
-        <a:lstStyle/>
-        <a:p>
-          <a:r>
-            <a:rPr lang="en-US" dirty="0"/>
-            <a:t>Our Design</a:t>
-          </a:r>
-        </a:p>
-      </dgm:t>
-    </dgm:pt>
-    <dgm:pt modelId="{E5D9E631-9CF3-493E-AA21-17856051287C}" type="parTrans" cxnId="{2DBEFAE0-A30A-4DD7-9E27-DD151F95C50C}">
-      <dgm:prSet/>
-      <dgm:spPr/>
-      <dgm:t>
-        <a:bodyPr/>
-        <a:lstStyle/>
-        <a:p>
-          <a:endParaRPr lang="en-US"/>
-        </a:p>
-      </dgm:t>
-    </dgm:pt>
-    <dgm:pt modelId="{3D9F8171-423A-4C13-B3E4-C4AFBAA55974}" type="sibTrans" cxnId="{2DBEFAE0-A30A-4DD7-9E27-DD151F95C50C}">
       <dgm:prSet/>
       <dgm:spPr/>
       <dgm:t>
@@ -13119,7 +13084,7 @@
       <dgm:spPr/>
     </dgm:pt>
     <dgm:pt modelId="{8D870C57-7ADF-4ADA-A8C8-8067E4E1AA9C}" type="pres">
-      <dgm:prSet presAssocID="{310F1D7F-1D49-4066-B0E4-252021FCA9F6}" presName="parentText" presStyleLbl="node1" presStyleIdx="0" presStyleCnt="12">
+      <dgm:prSet presAssocID="{310F1D7F-1D49-4066-B0E4-252021FCA9F6}" presName="parentText" presStyleLbl="node1" presStyleIdx="0" presStyleCnt="11">
         <dgm:presLayoutVars>
           <dgm:chMax val="1"/>
           <dgm:bulletEnabled val="1"/>
@@ -13136,7 +13101,7 @@
       <dgm:spPr/>
     </dgm:pt>
     <dgm:pt modelId="{57C4D296-1E03-4909-9EA2-4B856D90D53A}" type="pres">
-      <dgm:prSet presAssocID="{DAD69198-A90B-41E7-BB71-4A93FE5C10B0}" presName="parentText" presStyleLbl="node1" presStyleIdx="1" presStyleCnt="12">
+      <dgm:prSet presAssocID="{DAD69198-A90B-41E7-BB71-4A93FE5C10B0}" presName="parentText" presStyleLbl="node1" presStyleIdx="1" presStyleCnt="11">
         <dgm:presLayoutVars>
           <dgm:chMax val="1"/>
           <dgm:bulletEnabled val="1"/>
@@ -13153,7 +13118,7 @@
       <dgm:spPr/>
     </dgm:pt>
     <dgm:pt modelId="{6588EB65-C784-423D-AE18-E3CF6265C1D6}" type="pres">
-      <dgm:prSet presAssocID="{68EB87DB-0581-4640-9ADB-562EA677AF1B}" presName="parentText" presStyleLbl="node1" presStyleIdx="2" presStyleCnt="12">
+      <dgm:prSet presAssocID="{68EB87DB-0581-4640-9ADB-562EA677AF1B}" presName="parentText" presStyleLbl="node1" presStyleIdx="2" presStyleCnt="11">
         <dgm:presLayoutVars>
           <dgm:chMax val="1"/>
           <dgm:bulletEnabled val="1"/>
@@ -13170,7 +13135,7 @@
       <dgm:spPr/>
     </dgm:pt>
     <dgm:pt modelId="{70189A93-22F1-4B00-BD68-876AE5271AAE}" type="pres">
-      <dgm:prSet presAssocID="{5260635D-9975-408F-AB5B-D0D381D7298C}" presName="parentText" presStyleLbl="node1" presStyleIdx="3" presStyleCnt="12">
+      <dgm:prSet presAssocID="{5260635D-9975-408F-AB5B-D0D381D7298C}" presName="parentText" presStyleLbl="node1" presStyleIdx="3" presStyleCnt="11">
         <dgm:presLayoutVars>
           <dgm:chMax val="1"/>
           <dgm:bulletEnabled val="1"/>
@@ -13182,29 +13147,12 @@
       <dgm:prSet presAssocID="{3E005A74-2A07-436B-AEB0-AF32FDA4D238}" presName="sp" presStyleCnt="0"/>
       <dgm:spPr/>
     </dgm:pt>
-    <dgm:pt modelId="{E12BE114-965B-4CDD-BC0A-2B4EBE01BE39}" type="pres">
-      <dgm:prSet presAssocID="{AF7FACE5-68CF-4FE4-8DF4-E6F7BAC961AA}" presName="linNode" presStyleCnt="0"/>
-      <dgm:spPr/>
-    </dgm:pt>
-    <dgm:pt modelId="{EE701881-66BD-4374-B4D0-2A2095722C05}" type="pres">
-      <dgm:prSet presAssocID="{AF7FACE5-68CF-4FE4-8DF4-E6F7BAC961AA}" presName="parentText" presStyleLbl="node1" presStyleIdx="4" presStyleCnt="12">
-        <dgm:presLayoutVars>
-          <dgm:chMax val="1"/>
-          <dgm:bulletEnabled val="1"/>
-        </dgm:presLayoutVars>
-      </dgm:prSet>
-      <dgm:spPr/>
-    </dgm:pt>
-    <dgm:pt modelId="{8FC4BF74-93AF-4654-874A-B3823F3F51A2}" type="pres">
-      <dgm:prSet presAssocID="{3D9F8171-423A-4C13-B3E4-C4AFBAA55974}" presName="sp" presStyleCnt="0"/>
-      <dgm:spPr/>
-    </dgm:pt>
     <dgm:pt modelId="{80E31028-E93F-443C-A94B-88959D7298AC}" type="pres">
       <dgm:prSet presAssocID="{AA3D64A1-5984-4150-B0E2-C7D4729E9C34}" presName="linNode" presStyleCnt="0"/>
       <dgm:spPr/>
     </dgm:pt>
     <dgm:pt modelId="{356775C3-4D34-450A-8B44-7D86E93032A5}" type="pres">
-      <dgm:prSet presAssocID="{AA3D64A1-5984-4150-B0E2-C7D4729E9C34}" presName="parentText" presStyleLbl="node1" presStyleIdx="5" presStyleCnt="12">
+      <dgm:prSet presAssocID="{AA3D64A1-5984-4150-B0E2-C7D4729E9C34}" presName="parentText" presStyleLbl="node1" presStyleIdx="4" presStyleCnt="11">
         <dgm:presLayoutVars>
           <dgm:chMax val="1"/>
           <dgm:bulletEnabled val="1"/>
@@ -13221,7 +13169,7 @@
       <dgm:spPr/>
     </dgm:pt>
     <dgm:pt modelId="{D22C1773-3F60-41BD-805D-C07FE4D5F633}" type="pres">
-      <dgm:prSet presAssocID="{344A5502-55A6-4C83-8A8C-E66CF4DEB2FB}" presName="parentText" presStyleLbl="node1" presStyleIdx="6" presStyleCnt="12">
+      <dgm:prSet presAssocID="{344A5502-55A6-4C83-8A8C-E66CF4DEB2FB}" presName="parentText" presStyleLbl="node1" presStyleIdx="5" presStyleCnt="11">
         <dgm:presLayoutVars>
           <dgm:chMax val="1"/>
           <dgm:bulletEnabled val="1"/>
@@ -13238,7 +13186,7 @@
       <dgm:spPr/>
     </dgm:pt>
     <dgm:pt modelId="{18232ADC-C076-49B0-9CD3-41278FA6D915}" type="pres">
-      <dgm:prSet presAssocID="{D26A42DB-657A-427C-BD7E-4C842922F6EE}" presName="parentText" presStyleLbl="node1" presStyleIdx="7" presStyleCnt="12">
+      <dgm:prSet presAssocID="{D26A42DB-657A-427C-BD7E-4C842922F6EE}" presName="parentText" presStyleLbl="node1" presStyleIdx="6" presStyleCnt="11">
         <dgm:presLayoutVars>
           <dgm:chMax val="1"/>
           <dgm:bulletEnabled val="1"/>
@@ -13255,7 +13203,7 @@
       <dgm:spPr/>
     </dgm:pt>
     <dgm:pt modelId="{C2175BCC-CBB7-4BF3-9511-2D8C3F0FE10F}" type="pres">
-      <dgm:prSet presAssocID="{84F6B20A-49A4-4704-AB4E-7D86696A7A35}" presName="parentText" presStyleLbl="node1" presStyleIdx="8" presStyleCnt="12">
+      <dgm:prSet presAssocID="{84F6B20A-49A4-4704-AB4E-7D86696A7A35}" presName="parentText" presStyleLbl="node1" presStyleIdx="7" presStyleCnt="11">
         <dgm:presLayoutVars>
           <dgm:chMax val="1"/>
           <dgm:bulletEnabled val="1"/>
@@ -13272,7 +13220,7 @@
       <dgm:spPr/>
     </dgm:pt>
     <dgm:pt modelId="{1A5ED826-5D00-4CB2-87B5-BEC5EC62E772}" type="pres">
-      <dgm:prSet presAssocID="{40DB2B9C-1F19-441D-9344-82B86306084E}" presName="parentText" presStyleLbl="node1" presStyleIdx="9" presStyleCnt="12">
+      <dgm:prSet presAssocID="{40DB2B9C-1F19-441D-9344-82B86306084E}" presName="parentText" presStyleLbl="node1" presStyleIdx="8" presStyleCnt="11">
         <dgm:presLayoutVars>
           <dgm:chMax val="1"/>
           <dgm:bulletEnabled val="1"/>
@@ -13289,7 +13237,7 @@
       <dgm:spPr/>
     </dgm:pt>
     <dgm:pt modelId="{9A56D476-57EC-4DAE-8286-533FD3497850}" type="pres">
-      <dgm:prSet presAssocID="{D56B39B8-DE0D-4BE9-BED1-5379BDDE6463}" presName="parentText" presStyleLbl="node1" presStyleIdx="10" presStyleCnt="12">
+      <dgm:prSet presAssocID="{D56B39B8-DE0D-4BE9-BED1-5379BDDE6463}" presName="parentText" presStyleLbl="node1" presStyleIdx="9" presStyleCnt="11">
         <dgm:presLayoutVars>
           <dgm:chMax val="1"/>
           <dgm:bulletEnabled val="1"/>
@@ -13306,7 +13254,7 @@
       <dgm:spPr/>
     </dgm:pt>
     <dgm:pt modelId="{DD9B7236-1E08-409A-9F65-F940323D19C0}" type="pres">
-      <dgm:prSet presAssocID="{137C00AF-E6EB-4901-9912-841632B7FB80}" presName="parentText" presStyleLbl="node1" presStyleIdx="11" presStyleCnt="12">
+      <dgm:prSet presAssocID="{137C00AF-E6EB-4901-9912-841632B7FB80}" presName="parentText" presStyleLbl="node1" presStyleIdx="10" presStyleCnt="11">
         <dgm:presLayoutVars>
           <dgm:chMax val="1"/>
           <dgm:bulletEnabled val="1"/>
@@ -13316,66 +13264,61 @@
     </dgm:pt>
   </dgm:ptLst>
   <dgm:cxnLst>
-    <dgm:cxn modelId="{CA674716-CB77-43AD-9961-33F99C128B04}" type="presOf" srcId="{68EB87DB-0581-4640-9ADB-562EA677AF1B}" destId="{6588EB65-C784-423D-AE18-E3CF6265C1D6}" srcOrd="0" destOrd="0" presId="urn:microsoft.com/office/officeart/2005/8/layout/vList5"/>
-    <dgm:cxn modelId="{0913CB21-1232-4D42-B149-F4EBFED6C27A}" type="presOf" srcId="{14FB87C3-FCC9-46D8-8275-62A0B38C812D}" destId="{DDC7CEC3-F757-43A0-A2FA-ABA576BB655C}" srcOrd="0" destOrd="0" presId="urn:microsoft.com/office/officeart/2005/8/layout/vList5"/>
-    <dgm:cxn modelId="{1900DD31-7666-4C0B-9F72-942FC413D72F}" type="presOf" srcId="{AF7FACE5-68CF-4FE4-8DF4-E6F7BAC961AA}" destId="{EE701881-66BD-4374-B4D0-2A2095722C05}" srcOrd="0" destOrd="0" presId="urn:microsoft.com/office/officeart/2005/8/layout/vList5"/>
-    <dgm:cxn modelId="{B5412D67-DDE7-4B75-8F6D-2F4FDB9654A5}" srcId="{14FB87C3-FCC9-46D8-8275-62A0B38C812D}" destId="{D56B39B8-DE0D-4BE9-BED1-5379BDDE6463}" srcOrd="10" destOrd="0" parTransId="{6F9BF4E9-3AEA-42A3-932A-43D910CE989D}" sibTransId="{FCB22A08-CACA-4AC8-9F7E-48C50CBB6C3A}"/>
-    <dgm:cxn modelId="{99C2346E-2AF5-46B1-AD6A-2A2B020A67D6}" type="presOf" srcId="{DAD69198-A90B-41E7-BB71-4A93FE5C10B0}" destId="{57C4D296-1E03-4909-9EA2-4B856D90D53A}" srcOrd="0" destOrd="0" presId="urn:microsoft.com/office/officeart/2005/8/layout/vList5"/>
-    <dgm:cxn modelId="{0073C250-C1F0-4EEE-B9C1-5AD31FCCDA88}" type="presOf" srcId="{40DB2B9C-1F19-441D-9344-82B86306084E}" destId="{1A5ED826-5D00-4CB2-87B5-BEC5EC62E772}" srcOrd="0" destOrd="0" presId="urn:microsoft.com/office/officeart/2005/8/layout/vList5"/>
-    <dgm:cxn modelId="{2F567151-8DD8-4D39-9F13-D0CBB08EA15E}" srcId="{14FB87C3-FCC9-46D8-8275-62A0B38C812D}" destId="{137C00AF-E6EB-4901-9912-841632B7FB80}" srcOrd="11" destOrd="0" parTransId="{E1393884-C83C-4452-AB0B-DCE03292BC2D}" sibTransId="{8CB68216-67C1-45E1-A862-DBB3FF873EEA}"/>
+    <dgm:cxn modelId="{939A2409-44D2-4648-8E1D-AE5ECD35458B}" type="presOf" srcId="{344A5502-55A6-4C83-8A8C-E66CF4DEB2FB}" destId="{D22C1773-3F60-41BD-805D-C07FE4D5F633}" srcOrd="0" destOrd="0" presId="urn:microsoft.com/office/officeart/2005/8/layout/vList5"/>
+    <dgm:cxn modelId="{FA197A0C-DE6E-4E7D-8834-64EFDD08F88A}" type="presOf" srcId="{D26A42DB-657A-427C-BD7E-4C842922F6EE}" destId="{18232ADC-C076-49B0-9CD3-41278FA6D915}" srcOrd="0" destOrd="0" presId="urn:microsoft.com/office/officeart/2005/8/layout/vList5"/>
+    <dgm:cxn modelId="{2BD05B10-53D1-487D-9EE2-0CBE70E0975A}" type="presOf" srcId="{68EB87DB-0581-4640-9ADB-562EA677AF1B}" destId="{6588EB65-C784-423D-AE18-E3CF6265C1D6}" srcOrd="0" destOrd="0" presId="urn:microsoft.com/office/officeart/2005/8/layout/vList5"/>
+    <dgm:cxn modelId="{53779463-0564-4D4C-A8F4-E99D9AB13F24}" type="presOf" srcId="{40DB2B9C-1F19-441D-9344-82B86306084E}" destId="{1A5ED826-5D00-4CB2-87B5-BEC5EC62E772}" srcOrd="0" destOrd="0" presId="urn:microsoft.com/office/officeart/2005/8/layout/vList5"/>
+    <dgm:cxn modelId="{094A9B64-7952-41E9-BE95-414977EE421D}" type="presOf" srcId="{84F6B20A-49A4-4704-AB4E-7D86696A7A35}" destId="{C2175BCC-CBB7-4BF3-9511-2D8C3F0FE10F}" srcOrd="0" destOrd="0" presId="urn:microsoft.com/office/officeart/2005/8/layout/vList5"/>
+    <dgm:cxn modelId="{B5412D67-DDE7-4B75-8F6D-2F4FDB9654A5}" srcId="{14FB87C3-FCC9-46D8-8275-62A0B38C812D}" destId="{D56B39B8-DE0D-4BE9-BED1-5379BDDE6463}" srcOrd="9" destOrd="0" parTransId="{6F9BF4E9-3AEA-42A3-932A-43D910CE989D}" sibTransId="{FCB22A08-CACA-4AC8-9F7E-48C50CBB6C3A}"/>
+    <dgm:cxn modelId="{77D27167-C850-4049-9BCE-EC425F6FA53D}" type="presOf" srcId="{310F1D7F-1D49-4066-B0E4-252021FCA9F6}" destId="{8D870C57-7ADF-4ADA-A8C8-8067E4E1AA9C}" srcOrd="0" destOrd="0" presId="urn:microsoft.com/office/officeart/2005/8/layout/vList5"/>
+    <dgm:cxn modelId="{9A644448-DD3D-4544-A305-95B2B4B20CB0}" type="presOf" srcId="{137C00AF-E6EB-4901-9912-841632B7FB80}" destId="{DD9B7236-1E08-409A-9F65-F940323D19C0}" srcOrd="0" destOrd="0" presId="urn:microsoft.com/office/officeart/2005/8/layout/vList5"/>
+    <dgm:cxn modelId="{2F567151-8DD8-4D39-9F13-D0CBB08EA15E}" srcId="{14FB87C3-FCC9-46D8-8275-62A0B38C812D}" destId="{137C00AF-E6EB-4901-9912-841632B7FB80}" srcOrd="10" destOrd="0" parTransId="{E1393884-C83C-4452-AB0B-DCE03292BC2D}" sibTransId="{8CB68216-67C1-45E1-A862-DBB3FF873EEA}"/>
+    <dgm:cxn modelId="{370C7952-3D62-400E-A83D-EFAA3DDEEA59}" type="presOf" srcId="{DAD69198-A90B-41E7-BB71-4A93FE5C10B0}" destId="{57C4D296-1E03-4909-9EA2-4B856D90D53A}" srcOrd="0" destOrd="0" presId="urn:microsoft.com/office/officeart/2005/8/layout/vList5"/>
     <dgm:cxn modelId="{C3464257-C00D-4C27-AD08-36427C84B716}" srcId="{14FB87C3-FCC9-46D8-8275-62A0B38C812D}" destId="{DAD69198-A90B-41E7-BB71-4A93FE5C10B0}" srcOrd="1" destOrd="0" parTransId="{C3FE5EA8-182F-4C69-9066-0ACFEAAD8CD6}" sibTransId="{D0755BD3-C11D-40D1-AD40-737D542FEC0D}"/>
-    <dgm:cxn modelId="{7ACFF67F-D3A4-4060-B947-E6851538528E}" srcId="{14FB87C3-FCC9-46D8-8275-62A0B38C812D}" destId="{AA3D64A1-5984-4150-B0E2-C7D4729E9C34}" srcOrd="5" destOrd="0" parTransId="{A8801D20-7991-464C-B1B5-8A8F0FB26E2E}" sibTransId="{8B4AAB5F-F23A-4E49-8E27-64F73672C4BE}"/>
-    <dgm:cxn modelId="{89335083-20B8-4122-955E-7B57119D3634}" type="presOf" srcId="{AA3D64A1-5984-4150-B0E2-C7D4729E9C34}" destId="{356775C3-4D34-450A-8B44-7D86E93032A5}" srcOrd="0" destOrd="0" presId="urn:microsoft.com/office/officeart/2005/8/layout/vList5"/>
-    <dgm:cxn modelId="{1A9AD089-EAAE-4805-B682-3AD6DB9C7D59}" type="presOf" srcId="{137C00AF-E6EB-4901-9912-841632B7FB80}" destId="{DD9B7236-1E08-409A-9F65-F940323D19C0}" srcOrd="0" destOrd="0" presId="urn:microsoft.com/office/officeart/2005/8/layout/vList5"/>
-    <dgm:cxn modelId="{8478FF94-29E0-413E-AC4D-68D43C1AAEDD}" type="presOf" srcId="{D26A42DB-657A-427C-BD7E-4C842922F6EE}" destId="{18232ADC-C076-49B0-9CD3-41278FA6D915}" srcOrd="0" destOrd="0" presId="urn:microsoft.com/office/officeart/2005/8/layout/vList5"/>
-    <dgm:cxn modelId="{0F83389D-7870-4B15-B409-73AC08D80842}" srcId="{14FB87C3-FCC9-46D8-8275-62A0B38C812D}" destId="{344A5502-55A6-4C83-8A8C-E66CF4DEB2FB}" srcOrd="6" destOrd="0" parTransId="{D2408721-9B5B-4C7C-A49E-1991462F9D53}" sibTransId="{19D54727-54EA-47EE-BA21-240A9AED2799}"/>
-    <dgm:cxn modelId="{C1E987C1-5591-4D9B-9070-3B2615AEA3D7}" type="presOf" srcId="{344A5502-55A6-4C83-8A8C-E66CF4DEB2FB}" destId="{D22C1773-3F60-41BD-805D-C07FE4D5F633}" srcOrd="0" destOrd="0" presId="urn:microsoft.com/office/officeart/2005/8/layout/vList5"/>
+    <dgm:cxn modelId="{7ACFF67F-D3A4-4060-B947-E6851538528E}" srcId="{14FB87C3-FCC9-46D8-8275-62A0B38C812D}" destId="{AA3D64A1-5984-4150-B0E2-C7D4729E9C34}" srcOrd="4" destOrd="0" parTransId="{A8801D20-7991-464C-B1B5-8A8F0FB26E2E}" sibTransId="{8B4AAB5F-F23A-4E49-8E27-64F73672C4BE}"/>
+    <dgm:cxn modelId="{5DF77991-A590-4017-9193-D651DEBC2EFE}" type="presOf" srcId="{AA3D64A1-5984-4150-B0E2-C7D4729E9C34}" destId="{356775C3-4D34-450A-8B44-7D86E93032A5}" srcOrd="0" destOrd="0" presId="urn:microsoft.com/office/officeart/2005/8/layout/vList5"/>
+    <dgm:cxn modelId="{2802309C-290C-4D58-A93D-354AD68AFCB9}" type="presOf" srcId="{14FB87C3-FCC9-46D8-8275-62A0B38C812D}" destId="{DDC7CEC3-F757-43A0-A2FA-ABA576BB655C}" srcOrd="0" destOrd="0" presId="urn:microsoft.com/office/officeart/2005/8/layout/vList5"/>
+    <dgm:cxn modelId="{0F83389D-7870-4B15-B409-73AC08D80842}" srcId="{14FB87C3-FCC9-46D8-8275-62A0B38C812D}" destId="{344A5502-55A6-4C83-8A8C-E66CF4DEB2FB}" srcOrd="5" destOrd="0" parTransId="{D2408721-9B5B-4C7C-A49E-1991462F9D53}" sibTransId="{19D54727-54EA-47EE-BA21-240A9AED2799}"/>
     <dgm:cxn modelId="{56DF10C2-04A4-4935-BB08-44EBD597AF70}" srcId="{14FB87C3-FCC9-46D8-8275-62A0B38C812D}" destId="{68EB87DB-0581-4640-9ADB-562EA677AF1B}" srcOrd="2" destOrd="0" parTransId="{B9E493AD-D727-4CC2-8143-AC96A6539E18}" sibTransId="{41DCBC56-0FEF-4008-B83C-9C070D8BD2D1}"/>
-    <dgm:cxn modelId="{E072A2CA-F860-4DFD-90B3-842350386A50}" type="presOf" srcId="{310F1D7F-1D49-4066-B0E4-252021FCA9F6}" destId="{8D870C57-7ADF-4ADA-A8C8-8067E4E1AA9C}" srcOrd="0" destOrd="0" presId="urn:microsoft.com/office/officeart/2005/8/layout/vList5"/>
-    <dgm:cxn modelId="{0BAA96D4-7D28-4359-B70B-D19BDF874322}" srcId="{14FB87C3-FCC9-46D8-8275-62A0B38C812D}" destId="{84F6B20A-49A4-4704-AB4E-7D86696A7A35}" srcOrd="8" destOrd="0" parTransId="{FDA44E1B-5F78-4948-ACC3-3D246362422C}" sibTransId="{2B59BDDE-5441-467A-B7C4-2EC5ED17C959}"/>
-    <dgm:cxn modelId="{B31D17D9-3CDD-4EBA-A0D4-3CED8F0F397B}" type="presOf" srcId="{84F6B20A-49A4-4704-AB4E-7D86696A7A35}" destId="{C2175BCC-CBB7-4BF3-9511-2D8C3F0FE10F}" srcOrd="0" destOrd="0" presId="urn:microsoft.com/office/officeart/2005/8/layout/vList5"/>
-    <dgm:cxn modelId="{2DBEFAE0-A30A-4DD7-9E27-DD151F95C50C}" srcId="{14FB87C3-FCC9-46D8-8275-62A0B38C812D}" destId="{AF7FACE5-68CF-4FE4-8DF4-E6F7BAC961AA}" srcOrd="4" destOrd="0" parTransId="{E5D9E631-9CF3-493E-AA21-17856051287C}" sibTransId="{3D9F8171-423A-4C13-B3E4-C4AFBAA55974}"/>
-    <dgm:cxn modelId="{58A598EE-6AEF-45A2-8C38-DCF0C47AECC8}" type="presOf" srcId="{D56B39B8-DE0D-4BE9-BED1-5379BDDE6463}" destId="{9A56D476-57EC-4DAE-8286-533FD3497850}" srcOrd="0" destOrd="0" presId="urn:microsoft.com/office/officeart/2005/8/layout/vList5"/>
-    <dgm:cxn modelId="{7D5C36F2-7A86-4DBD-8587-B2AEE7659A18}" srcId="{14FB87C3-FCC9-46D8-8275-62A0B38C812D}" destId="{D26A42DB-657A-427C-BD7E-4C842922F6EE}" srcOrd="7" destOrd="0" parTransId="{9DD14044-67E1-4828-8063-12842CF77B22}" sibTransId="{91E4F36B-3DEC-4777-9FA9-DA73E7951DDC}"/>
-    <dgm:cxn modelId="{4B4E35F4-5883-47C7-AF91-3D24792A3F81}" type="presOf" srcId="{5260635D-9975-408F-AB5B-D0D381D7298C}" destId="{70189A93-22F1-4B00-BD68-876AE5271AAE}" srcOrd="0" destOrd="0" presId="urn:microsoft.com/office/officeart/2005/8/layout/vList5"/>
+    <dgm:cxn modelId="{0BAA96D4-7D28-4359-B70B-D19BDF874322}" srcId="{14FB87C3-FCC9-46D8-8275-62A0B38C812D}" destId="{84F6B20A-49A4-4704-AB4E-7D86696A7A35}" srcOrd="7" destOrd="0" parTransId="{FDA44E1B-5F78-4948-ACC3-3D246362422C}" sibTransId="{2B59BDDE-5441-467A-B7C4-2EC5ED17C959}"/>
+    <dgm:cxn modelId="{7D5C36F2-7A86-4DBD-8587-B2AEE7659A18}" srcId="{14FB87C3-FCC9-46D8-8275-62A0B38C812D}" destId="{D26A42DB-657A-427C-BD7E-4C842922F6EE}" srcOrd="6" destOrd="0" parTransId="{9DD14044-67E1-4828-8063-12842CF77B22}" sibTransId="{91E4F36B-3DEC-4777-9FA9-DA73E7951DDC}"/>
+    <dgm:cxn modelId="{B83ACAF2-D819-4560-8CCE-C72BFBC87969}" type="presOf" srcId="{D56B39B8-DE0D-4BE9-BED1-5379BDDE6463}" destId="{9A56D476-57EC-4DAE-8286-533FD3497850}" srcOrd="0" destOrd="0" presId="urn:microsoft.com/office/officeart/2005/8/layout/vList5"/>
     <dgm:cxn modelId="{B038AAF7-8EF1-4C3D-94D9-D885E9BB26DA}" srcId="{14FB87C3-FCC9-46D8-8275-62A0B38C812D}" destId="{5260635D-9975-408F-AB5B-D0D381D7298C}" srcOrd="3" destOrd="0" parTransId="{BEE9DE2A-FD41-43E2-B215-438512AE3407}" sibTransId="{3E005A74-2A07-436B-AEB0-AF32FDA4D238}"/>
+    <dgm:cxn modelId="{04E826F9-1F61-4EAD-8AA3-1A2B15B22F54}" type="presOf" srcId="{5260635D-9975-408F-AB5B-D0D381D7298C}" destId="{70189A93-22F1-4B00-BD68-876AE5271AAE}" srcOrd="0" destOrd="0" presId="urn:microsoft.com/office/officeart/2005/8/layout/vList5"/>
     <dgm:cxn modelId="{74B075FA-A62A-488B-BD10-A6815CB257D4}" srcId="{14FB87C3-FCC9-46D8-8275-62A0B38C812D}" destId="{310F1D7F-1D49-4066-B0E4-252021FCA9F6}" srcOrd="0" destOrd="0" parTransId="{A38DAFCA-121C-493D-86CA-6013D34F4A6D}" sibTransId="{DFDDE746-FC5E-4BF4-9DCB-F7ACCB1A9399}"/>
-    <dgm:cxn modelId="{F4970BFF-2591-4EFC-B0B1-181FE5CD5793}" srcId="{14FB87C3-FCC9-46D8-8275-62A0B38C812D}" destId="{40DB2B9C-1F19-441D-9344-82B86306084E}" srcOrd="9" destOrd="0" parTransId="{C7AC878B-CD17-448F-89B2-CE269A4DC9B7}" sibTransId="{0E9130F9-B3D7-4EEB-A383-9206D26FD21C}"/>
-    <dgm:cxn modelId="{56A673C8-04CF-46A9-AB51-45BFF6466C2E}" type="presParOf" srcId="{DDC7CEC3-F757-43A0-A2FA-ABA576BB655C}" destId="{5C3D3754-B04A-4F7C-BE78-28E6689AEAB7}" srcOrd="0" destOrd="0" presId="urn:microsoft.com/office/officeart/2005/8/layout/vList5"/>
-    <dgm:cxn modelId="{F019D5A2-AEBE-4A08-93FB-6404016221A8}" type="presParOf" srcId="{5C3D3754-B04A-4F7C-BE78-28E6689AEAB7}" destId="{8D870C57-7ADF-4ADA-A8C8-8067E4E1AA9C}" srcOrd="0" destOrd="0" presId="urn:microsoft.com/office/officeart/2005/8/layout/vList5"/>
-    <dgm:cxn modelId="{BE5C0848-4D0B-4986-984D-072C602222E2}" type="presParOf" srcId="{DDC7CEC3-F757-43A0-A2FA-ABA576BB655C}" destId="{5AC9C6CD-DA56-4DF2-B23E-5ABE9380D47F}" srcOrd="1" destOrd="0" presId="urn:microsoft.com/office/officeart/2005/8/layout/vList5"/>
-    <dgm:cxn modelId="{290B28E9-8491-4938-9192-349790C446C1}" type="presParOf" srcId="{DDC7CEC3-F757-43A0-A2FA-ABA576BB655C}" destId="{E2534CFB-8A1E-4A17-8074-765FDD9D13CC}" srcOrd="2" destOrd="0" presId="urn:microsoft.com/office/officeart/2005/8/layout/vList5"/>
-    <dgm:cxn modelId="{168A2C8B-4367-4B3E-A2EE-CCD8027A0319}" type="presParOf" srcId="{E2534CFB-8A1E-4A17-8074-765FDD9D13CC}" destId="{57C4D296-1E03-4909-9EA2-4B856D90D53A}" srcOrd="0" destOrd="0" presId="urn:microsoft.com/office/officeart/2005/8/layout/vList5"/>
-    <dgm:cxn modelId="{70B02882-8282-426B-8B72-7033F0574074}" type="presParOf" srcId="{DDC7CEC3-F757-43A0-A2FA-ABA576BB655C}" destId="{2C27EFC7-70CE-47E1-8645-C509BB159075}" srcOrd="3" destOrd="0" presId="urn:microsoft.com/office/officeart/2005/8/layout/vList5"/>
-    <dgm:cxn modelId="{69946404-A7C9-4EB8-B071-7BF95D90D337}" type="presParOf" srcId="{DDC7CEC3-F757-43A0-A2FA-ABA576BB655C}" destId="{D28886D8-08ED-439D-970B-3A7BD0531C69}" srcOrd="4" destOrd="0" presId="urn:microsoft.com/office/officeart/2005/8/layout/vList5"/>
-    <dgm:cxn modelId="{ACF2C7FC-5FD0-4CCB-B0F1-3751200B718D}" type="presParOf" srcId="{D28886D8-08ED-439D-970B-3A7BD0531C69}" destId="{6588EB65-C784-423D-AE18-E3CF6265C1D6}" srcOrd="0" destOrd="0" presId="urn:microsoft.com/office/officeart/2005/8/layout/vList5"/>
-    <dgm:cxn modelId="{034A8A4F-87F3-4A0F-9429-5D1FE9811D0C}" type="presParOf" srcId="{DDC7CEC3-F757-43A0-A2FA-ABA576BB655C}" destId="{77CDB951-6A93-4226-AA54-1DD2858A277D}" srcOrd="5" destOrd="0" presId="urn:microsoft.com/office/officeart/2005/8/layout/vList5"/>
-    <dgm:cxn modelId="{694536CE-94A6-40AC-8432-B797B5574C4A}" type="presParOf" srcId="{DDC7CEC3-F757-43A0-A2FA-ABA576BB655C}" destId="{B4EDADA8-1BE8-47E0-9FA7-FDCA8750565E}" srcOrd="6" destOrd="0" presId="urn:microsoft.com/office/officeart/2005/8/layout/vList5"/>
-    <dgm:cxn modelId="{D9734BA9-887F-4DFD-A53E-784B8ACB0D5D}" type="presParOf" srcId="{B4EDADA8-1BE8-47E0-9FA7-FDCA8750565E}" destId="{70189A93-22F1-4B00-BD68-876AE5271AAE}" srcOrd="0" destOrd="0" presId="urn:microsoft.com/office/officeart/2005/8/layout/vList5"/>
-    <dgm:cxn modelId="{4F84C738-7BFA-4C16-AD65-3BD3EADF8329}" type="presParOf" srcId="{DDC7CEC3-F757-43A0-A2FA-ABA576BB655C}" destId="{9FB877A9-376E-4BFE-992E-F8C48C80FF90}" srcOrd="7" destOrd="0" presId="urn:microsoft.com/office/officeart/2005/8/layout/vList5"/>
-    <dgm:cxn modelId="{FE245C01-A86E-4455-842F-D65FCA478E8D}" type="presParOf" srcId="{DDC7CEC3-F757-43A0-A2FA-ABA576BB655C}" destId="{E12BE114-965B-4CDD-BC0A-2B4EBE01BE39}" srcOrd="8" destOrd="0" presId="urn:microsoft.com/office/officeart/2005/8/layout/vList5"/>
-    <dgm:cxn modelId="{5D2884A3-4603-4F1A-8C7F-5C19D7730FFF}" type="presParOf" srcId="{E12BE114-965B-4CDD-BC0A-2B4EBE01BE39}" destId="{EE701881-66BD-4374-B4D0-2A2095722C05}" srcOrd="0" destOrd="0" presId="urn:microsoft.com/office/officeart/2005/8/layout/vList5"/>
-    <dgm:cxn modelId="{AFD9057A-A073-4C81-B3ED-A5F1217E79C1}" type="presParOf" srcId="{DDC7CEC3-F757-43A0-A2FA-ABA576BB655C}" destId="{8FC4BF74-93AF-4654-874A-B3823F3F51A2}" srcOrd="9" destOrd="0" presId="urn:microsoft.com/office/officeart/2005/8/layout/vList5"/>
-    <dgm:cxn modelId="{294DCDD9-8CE9-4B5E-B26E-AA6EA9937EF0}" type="presParOf" srcId="{DDC7CEC3-F757-43A0-A2FA-ABA576BB655C}" destId="{80E31028-E93F-443C-A94B-88959D7298AC}" srcOrd="10" destOrd="0" presId="urn:microsoft.com/office/officeart/2005/8/layout/vList5"/>
-    <dgm:cxn modelId="{AAF50AEC-288C-4D5E-9A0C-C1BDCCB649C9}" type="presParOf" srcId="{80E31028-E93F-443C-A94B-88959D7298AC}" destId="{356775C3-4D34-450A-8B44-7D86E93032A5}" srcOrd="0" destOrd="0" presId="urn:microsoft.com/office/officeart/2005/8/layout/vList5"/>
-    <dgm:cxn modelId="{5CBE201C-462B-419E-A005-28D493E57DEA}" type="presParOf" srcId="{DDC7CEC3-F757-43A0-A2FA-ABA576BB655C}" destId="{D717168E-8E7A-4D50-8FB1-4A5BA407F048}" srcOrd="11" destOrd="0" presId="urn:microsoft.com/office/officeart/2005/8/layout/vList5"/>
-    <dgm:cxn modelId="{5344B8EF-5436-4DB9-B2E5-5C7882EE5612}" type="presParOf" srcId="{DDC7CEC3-F757-43A0-A2FA-ABA576BB655C}" destId="{E5BCAF12-E5E4-4EE9-9B93-D547F33BC8DF}" srcOrd="12" destOrd="0" presId="urn:microsoft.com/office/officeart/2005/8/layout/vList5"/>
-    <dgm:cxn modelId="{F7E3C21E-E6AE-4EE5-AF59-31E5E936B792}" type="presParOf" srcId="{E5BCAF12-E5E4-4EE9-9B93-D547F33BC8DF}" destId="{D22C1773-3F60-41BD-805D-C07FE4D5F633}" srcOrd="0" destOrd="0" presId="urn:microsoft.com/office/officeart/2005/8/layout/vList5"/>
-    <dgm:cxn modelId="{E6F14FD9-89C0-4E57-9773-EE420202515E}" type="presParOf" srcId="{DDC7CEC3-F757-43A0-A2FA-ABA576BB655C}" destId="{84372467-60A0-41D6-9693-AD944C5D4F8D}" srcOrd="13" destOrd="0" presId="urn:microsoft.com/office/officeart/2005/8/layout/vList5"/>
-    <dgm:cxn modelId="{B85AC43B-2EEF-43A1-99AE-BD5BED85ADBD}" type="presParOf" srcId="{DDC7CEC3-F757-43A0-A2FA-ABA576BB655C}" destId="{74EFAD13-5696-48C7-8D06-C5533E338C7B}" srcOrd="14" destOrd="0" presId="urn:microsoft.com/office/officeart/2005/8/layout/vList5"/>
-    <dgm:cxn modelId="{06E2A0EF-455F-4A90-B5E8-839BC7FBE430}" type="presParOf" srcId="{74EFAD13-5696-48C7-8D06-C5533E338C7B}" destId="{18232ADC-C076-49B0-9CD3-41278FA6D915}" srcOrd="0" destOrd="0" presId="urn:microsoft.com/office/officeart/2005/8/layout/vList5"/>
-    <dgm:cxn modelId="{8991F9DB-2747-4B05-9D9A-A340609190F2}" type="presParOf" srcId="{DDC7CEC3-F757-43A0-A2FA-ABA576BB655C}" destId="{4F205B34-A769-4680-B79C-89048C82A0FE}" srcOrd="15" destOrd="0" presId="urn:microsoft.com/office/officeart/2005/8/layout/vList5"/>
-    <dgm:cxn modelId="{0C3F215C-CD0C-4A54-9C60-94571717935B}" type="presParOf" srcId="{DDC7CEC3-F757-43A0-A2FA-ABA576BB655C}" destId="{A58C365F-6F1C-40B9-A9AC-017AF2757662}" srcOrd="16" destOrd="0" presId="urn:microsoft.com/office/officeart/2005/8/layout/vList5"/>
-    <dgm:cxn modelId="{3C58D57A-16D0-4772-BC2B-0994E176DBCD}" type="presParOf" srcId="{A58C365F-6F1C-40B9-A9AC-017AF2757662}" destId="{C2175BCC-CBB7-4BF3-9511-2D8C3F0FE10F}" srcOrd="0" destOrd="0" presId="urn:microsoft.com/office/officeart/2005/8/layout/vList5"/>
-    <dgm:cxn modelId="{F3630FD6-96EE-42C9-ADDC-9857DB8FE9CB}" type="presParOf" srcId="{DDC7CEC3-F757-43A0-A2FA-ABA576BB655C}" destId="{DB426266-BD16-4B1B-BF71-39FE68C6BAF2}" srcOrd="17" destOrd="0" presId="urn:microsoft.com/office/officeart/2005/8/layout/vList5"/>
-    <dgm:cxn modelId="{56522CA0-5CC8-42E3-BD5B-A655955F3434}" type="presParOf" srcId="{DDC7CEC3-F757-43A0-A2FA-ABA576BB655C}" destId="{7650C0B0-C3B5-4443-B862-7946EA378229}" srcOrd="18" destOrd="0" presId="urn:microsoft.com/office/officeart/2005/8/layout/vList5"/>
-    <dgm:cxn modelId="{372E77D0-EF36-4C5E-98A0-E424FC49A4EB}" type="presParOf" srcId="{7650C0B0-C3B5-4443-B862-7946EA378229}" destId="{1A5ED826-5D00-4CB2-87B5-BEC5EC62E772}" srcOrd="0" destOrd="0" presId="urn:microsoft.com/office/officeart/2005/8/layout/vList5"/>
-    <dgm:cxn modelId="{6120560F-4F36-444A-80FF-59421A165F2A}" type="presParOf" srcId="{DDC7CEC3-F757-43A0-A2FA-ABA576BB655C}" destId="{4193C724-FBA7-4C74-8517-B7D904342F1A}" srcOrd="19" destOrd="0" presId="urn:microsoft.com/office/officeart/2005/8/layout/vList5"/>
-    <dgm:cxn modelId="{8965DA87-164E-448D-86E1-F23971DD99BA}" type="presParOf" srcId="{DDC7CEC3-F757-43A0-A2FA-ABA576BB655C}" destId="{E89E302D-2568-4969-8E92-2A5A4046888C}" srcOrd="20" destOrd="0" presId="urn:microsoft.com/office/officeart/2005/8/layout/vList5"/>
-    <dgm:cxn modelId="{CE5184AB-40DC-475B-9622-991C7319161C}" type="presParOf" srcId="{E89E302D-2568-4969-8E92-2A5A4046888C}" destId="{9A56D476-57EC-4DAE-8286-533FD3497850}" srcOrd="0" destOrd="0" presId="urn:microsoft.com/office/officeart/2005/8/layout/vList5"/>
-    <dgm:cxn modelId="{2365DDD2-9447-4B1D-8A36-F4B00BF7468A}" type="presParOf" srcId="{DDC7CEC3-F757-43A0-A2FA-ABA576BB655C}" destId="{7E62A088-6EB1-469C-B3B4-93F22EEC19F3}" srcOrd="21" destOrd="0" presId="urn:microsoft.com/office/officeart/2005/8/layout/vList5"/>
-    <dgm:cxn modelId="{AD4BC5D6-C85B-4331-8184-F02D6F3CFFF3}" type="presParOf" srcId="{DDC7CEC3-F757-43A0-A2FA-ABA576BB655C}" destId="{53CC562B-908F-40AB-AB1F-FE0C69491E4A}" srcOrd="22" destOrd="0" presId="urn:microsoft.com/office/officeart/2005/8/layout/vList5"/>
-    <dgm:cxn modelId="{89334117-7CB6-46EC-8BDF-84FB838801E1}" type="presParOf" srcId="{53CC562B-908F-40AB-AB1F-FE0C69491E4A}" destId="{DD9B7236-1E08-409A-9F65-F940323D19C0}" srcOrd="0" destOrd="0" presId="urn:microsoft.com/office/officeart/2005/8/layout/vList5"/>
+    <dgm:cxn modelId="{F4970BFF-2591-4EFC-B0B1-181FE5CD5793}" srcId="{14FB87C3-FCC9-46D8-8275-62A0B38C812D}" destId="{40DB2B9C-1F19-441D-9344-82B86306084E}" srcOrd="8" destOrd="0" parTransId="{C7AC878B-CD17-448F-89B2-CE269A4DC9B7}" sibTransId="{0E9130F9-B3D7-4EEB-A383-9206D26FD21C}"/>
+    <dgm:cxn modelId="{0531D835-82C9-47D6-B3EC-B4D1669326D5}" type="presParOf" srcId="{DDC7CEC3-F757-43A0-A2FA-ABA576BB655C}" destId="{5C3D3754-B04A-4F7C-BE78-28E6689AEAB7}" srcOrd="0" destOrd="0" presId="urn:microsoft.com/office/officeart/2005/8/layout/vList5"/>
+    <dgm:cxn modelId="{9D02BCBB-B577-4860-BCF0-7DC0B3FB4DCD}" type="presParOf" srcId="{5C3D3754-B04A-4F7C-BE78-28E6689AEAB7}" destId="{8D870C57-7ADF-4ADA-A8C8-8067E4E1AA9C}" srcOrd="0" destOrd="0" presId="urn:microsoft.com/office/officeart/2005/8/layout/vList5"/>
+    <dgm:cxn modelId="{9041A6D0-A279-4CF9-BEC7-15EE46C7B78C}" type="presParOf" srcId="{DDC7CEC3-F757-43A0-A2FA-ABA576BB655C}" destId="{5AC9C6CD-DA56-4DF2-B23E-5ABE9380D47F}" srcOrd="1" destOrd="0" presId="urn:microsoft.com/office/officeart/2005/8/layout/vList5"/>
+    <dgm:cxn modelId="{70A1F163-F9EA-49FE-9620-75622DC1FEBC}" type="presParOf" srcId="{DDC7CEC3-F757-43A0-A2FA-ABA576BB655C}" destId="{E2534CFB-8A1E-4A17-8074-765FDD9D13CC}" srcOrd="2" destOrd="0" presId="urn:microsoft.com/office/officeart/2005/8/layout/vList5"/>
+    <dgm:cxn modelId="{52A53F39-DB7D-4341-A99B-BBE9E53730B2}" type="presParOf" srcId="{E2534CFB-8A1E-4A17-8074-765FDD9D13CC}" destId="{57C4D296-1E03-4909-9EA2-4B856D90D53A}" srcOrd="0" destOrd="0" presId="urn:microsoft.com/office/officeart/2005/8/layout/vList5"/>
+    <dgm:cxn modelId="{BC1EDB04-F334-47A2-A344-85114D6B155D}" type="presParOf" srcId="{DDC7CEC3-F757-43A0-A2FA-ABA576BB655C}" destId="{2C27EFC7-70CE-47E1-8645-C509BB159075}" srcOrd="3" destOrd="0" presId="urn:microsoft.com/office/officeart/2005/8/layout/vList5"/>
+    <dgm:cxn modelId="{9BB9B254-3DDB-4F0E-875F-23076DF79442}" type="presParOf" srcId="{DDC7CEC3-F757-43A0-A2FA-ABA576BB655C}" destId="{D28886D8-08ED-439D-970B-3A7BD0531C69}" srcOrd="4" destOrd="0" presId="urn:microsoft.com/office/officeart/2005/8/layout/vList5"/>
+    <dgm:cxn modelId="{5F3A7AAC-9A40-44BE-AA4F-480B99426A89}" type="presParOf" srcId="{D28886D8-08ED-439D-970B-3A7BD0531C69}" destId="{6588EB65-C784-423D-AE18-E3CF6265C1D6}" srcOrd="0" destOrd="0" presId="urn:microsoft.com/office/officeart/2005/8/layout/vList5"/>
+    <dgm:cxn modelId="{5E910C09-9E21-4F87-8649-3008C2656A4F}" type="presParOf" srcId="{DDC7CEC3-F757-43A0-A2FA-ABA576BB655C}" destId="{77CDB951-6A93-4226-AA54-1DD2858A277D}" srcOrd="5" destOrd="0" presId="urn:microsoft.com/office/officeart/2005/8/layout/vList5"/>
+    <dgm:cxn modelId="{5A95721E-702D-4A94-80B0-841D05169E26}" type="presParOf" srcId="{DDC7CEC3-F757-43A0-A2FA-ABA576BB655C}" destId="{B4EDADA8-1BE8-47E0-9FA7-FDCA8750565E}" srcOrd="6" destOrd="0" presId="urn:microsoft.com/office/officeart/2005/8/layout/vList5"/>
+    <dgm:cxn modelId="{195EFF73-F0D5-4D1E-B27F-A93BA08E6DB2}" type="presParOf" srcId="{B4EDADA8-1BE8-47E0-9FA7-FDCA8750565E}" destId="{70189A93-22F1-4B00-BD68-876AE5271AAE}" srcOrd="0" destOrd="0" presId="urn:microsoft.com/office/officeart/2005/8/layout/vList5"/>
+    <dgm:cxn modelId="{4107E405-760D-4BC0-857B-0F9AEED99199}" type="presParOf" srcId="{DDC7CEC3-F757-43A0-A2FA-ABA576BB655C}" destId="{9FB877A9-376E-4BFE-992E-F8C48C80FF90}" srcOrd="7" destOrd="0" presId="urn:microsoft.com/office/officeart/2005/8/layout/vList5"/>
+    <dgm:cxn modelId="{8949AA78-55DB-4AF2-B5E2-5DD5EF93CC9C}" type="presParOf" srcId="{DDC7CEC3-F757-43A0-A2FA-ABA576BB655C}" destId="{80E31028-E93F-443C-A94B-88959D7298AC}" srcOrd="8" destOrd="0" presId="urn:microsoft.com/office/officeart/2005/8/layout/vList5"/>
+    <dgm:cxn modelId="{597B83B0-76F4-4426-A317-526AE52EC2C9}" type="presParOf" srcId="{80E31028-E93F-443C-A94B-88959D7298AC}" destId="{356775C3-4D34-450A-8B44-7D86E93032A5}" srcOrd="0" destOrd="0" presId="urn:microsoft.com/office/officeart/2005/8/layout/vList5"/>
+    <dgm:cxn modelId="{00051ED0-D87D-480F-8E8A-1A0DE61E64A4}" type="presParOf" srcId="{DDC7CEC3-F757-43A0-A2FA-ABA576BB655C}" destId="{D717168E-8E7A-4D50-8FB1-4A5BA407F048}" srcOrd="9" destOrd="0" presId="urn:microsoft.com/office/officeart/2005/8/layout/vList5"/>
+    <dgm:cxn modelId="{B0B48302-4800-4E13-B883-A54F0CF685C3}" type="presParOf" srcId="{DDC7CEC3-F757-43A0-A2FA-ABA576BB655C}" destId="{E5BCAF12-E5E4-4EE9-9B93-D547F33BC8DF}" srcOrd="10" destOrd="0" presId="urn:microsoft.com/office/officeart/2005/8/layout/vList5"/>
+    <dgm:cxn modelId="{39D9255B-AB31-499D-8752-C17FBCF680BC}" type="presParOf" srcId="{E5BCAF12-E5E4-4EE9-9B93-D547F33BC8DF}" destId="{D22C1773-3F60-41BD-805D-C07FE4D5F633}" srcOrd="0" destOrd="0" presId="urn:microsoft.com/office/officeart/2005/8/layout/vList5"/>
+    <dgm:cxn modelId="{33396F0A-F4F9-4EB1-913E-1A88666B79A8}" type="presParOf" srcId="{DDC7CEC3-F757-43A0-A2FA-ABA576BB655C}" destId="{84372467-60A0-41D6-9693-AD944C5D4F8D}" srcOrd="11" destOrd="0" presId="urn:microsoft.com/office/officeart/2005/8/layout/vList5"/>
+    <dgm:cxn modelId="{EAD2980A-EF4F-4CD9-8594-2CAEE6A63195}" type="presParOf" srcId="{DDC7CEC3-F757-43A0-A2FA-ABA576BB655C}" destId="{74EFAD13-5696-48C7-8D06-C5533E338C7B}" srcOrd="12" destOrd="0" presId="urn:microsoft.com/office/officeart/2005/8/layout/vList5"/>
+    <dgm:cxn modelId="{301E6441-96CC-4A43-8F8D-ACF9AD438B50}" type="presParOf" srcId="{74EFAD13-5696-48C7-8D06-C5533E338C7B}" destId="{18232ADC-C076-49B0-9CD3-41278FA6D915}" srcOrd="0" destOrd="0" presId="urn:microsoft.com/office/officeart/2005/8/layout/vList5"/>
+    <dgm:cxn modelId="{460A1697-0901-4EE9-A7D3-BABE5847CB03}" type="presParOf" srcId="{DDC7CEC3-F757-43A0-A2FA-ABA576BB655C}" destId="{4F205B34-A769-4680-B79C-89048C82A0FE}" srcOrd="13" destOrd="0" presId="urn:microsoft.com/office/officeart/2005/8/layout/vList5"/>
+    <dgm:cxn modelId="{996F56E8-D4E8-43DA-8E63-98D40CF0AFD7}" type="presParOf" srcId="{DDC7CEC3-F757-43A0-A2FA-ABA576BB655C}" destId="{A58C365F-6F1C-40B9-A9AC-017AF2757662}" srcOrd="14" destOrd="0" presId="urn:microsoft.com/office/officeart/2005/8/layout/vList5"/>
+    <dgm:cxn modelId="{373D57EB-5B02-4F7C-8EB8-4E9A1821C2DF}" type="presParOf" srcId="{A58C365F-6F1C-40B9-A9AC-017AF2757662}" destId="{C2175BCC-CBB7-4BF3-9511-2D8C3F0FE10F}" srcOrd="0" destOrd="0" presId="urn:microsoft.com/office/officeart/2005/8/layout/vList5"/>
+    <dgm:cxn modelId="{C0AEBEEB-3321-42A8-AAF1-7E4E13F68808}" type="presParOf" srcId="{DDC7CEC3-F757-43A0-A2FA-ABA576BB655C}" destId="{DB426266-BD16-4B1B-BF71-39FE68C6BAF2}" srcOrd="15" destOrd="0" presId="urn:microsoft.com/office/officeart/2005/8/layout/vList5"/>
+    <dgm:cxn modelId="{1D7FD4B7-5EA1-4D6B-AA72-21C0D8DC2930}" type="presParOf" srcId="{DDC7CEC3-F757-43A0-A2FA-ABA576BB655C}" destId="{7650C0B0-C3B5-4443-B862-7946EA378229}" srcOrd="16" destOrd="0" presId="urn:microsoft.com/office/officeart/2005/8/layout/vList5"/>
+    <dgm:cxn modelId="{9F6779ED-4AF1-4A1A-8C5E-B3A4E61CD36F}" type="presParOf" srcId="{7650C0B0-C3B5-4443-B862-7946EA378229}" destId="{1A5ED826-5D00-4CB2-87B5-BEC5EC62E772}" srcOrd="0" destOrd="0" presId="urn:microsoft.com/office/officeart/2005/8/layout/vList5"/>
+    <dgm:cxn modelId="{C85DBD2E-1209-43F3-87A6-BE3117E51241}" type="presParOf" srcId="{DDC7CEC3-F757-43A0-A2FA-ABA576BB655C}" destId="{4193C724-FBA7-4C74-8517-B7D904342F1A}" srcOrd="17" destOrd="0" presId="urn:microsoft.com/office/officeart/2005/8/layout/vList5"/>
+    <dgm:cxn modelId="{E16EAAEA-E52B-4263-9AC5-F2B877F2196C}" type="presParOf" srcId="{DDC7CEC3-F757-43A0-A2FA-ABA576BB655C}" destId="{E89E302D-2568-4969-8E92-2A5A4046888C}" srcOrd="18" destOrd="0" presId="urn:microsoft.com/office/officeart/2005/8/layout/vList5"/>
+    <dgm:cxn modelId="{E94AAACE-3F08-49BC-B495-11867EFC002E}" type="presParOf" srcId="{E89E302D-2568-4969-8E92-2A5A4046888C}" destId="{9A56D476-57EC-4DAE-8286-533FD3497850}" srcOrd="0" destOrd="0" presId="urn:microsoft.com/office/officeart/2005/8/layout/vList5"/>
+    <dgm:cxn modelId="{927DB06E-5981-4649-8F38-8FE206E383D7}" type="presParOf" srcId="{DDC7CEC3-F757-43A0-A2FA-ABA576BB655C}" destId="{7E62A088-6EB1-469C-B3B4-93F22EEC19F3}" srcOrd="19" destOrd="0" presId="urn:microsoft.com/office/officeart/2005/8/layout/vList5"/>
+    <dgm:cxn modelId="{5ECF4743-3B2B-4814-910F-3B1A2F4CA34E}" type="presParOf" srcId="{DDC7CEC3-F757-43A0-A2FA-ABA576BB655C}" destId="{53CC562B-908F-40AB-AB1F-FE0C69491E4A}" srcOrd="20" destOrd="0" presId="urn:microsoft.com/office/officeart/2005/8/layout/vList5"/>
+    <dgm:cxn modelId="{C5DC8D55-A8CD-4001-8790-BDDADF9D630E}" type="presParOf" srcId="{53CC562B-908F-40AB-AB1F-FE0C69491E4A}" destId="{DD9B7236-1E08-409A-9F65-F940323D19C0}" srcOrd="0" destOrd="0" presId="urn:microsoft.com/office/officeart/2005/8/layout/vList5"/>
   </dgm:cxnLst>
   <dgm:bg/>
   <dgm:whole/>
@@ -14433,82 +14376,6 @@
         </a:p>
       </dgm:t>
     </dgm:pt>
-    <dgm:pt modelId="{2691C195-9B3E-4A05-B9E1-0B89D5173DA2}">
-      <dgm:prSet/>
-      <dgm:spPr/>
-      <dgm:t>
-        <a:bodyPr/>
-        <a:lstStyle/>
-        <a:p>
-          <a:r>
-            <a:rPr lang="en-US" dirty="0"/>
-            <a:t>Ex.</a:t>
-          </a:r>
-        </a:p>
-      </dgm:t>
-    </dgm:pt>
-    <dgm:pt modelId="{244093C5-410D-49CE-9090-AAC1BEF5167F}" type="parTrans" cxnId="{10B420B6-AC38-4392-B5B1-A690AC73EFF0}">
-      <dgm:prSet/>
-      <dgm:spPr/>
-      <dgm:t>
-        <a:bodyPr/>
-        <a:lstStyle/>
-        <a:p>
-          <a:endParaRPr lang="en-US"/>
-        </a:p>
-      </dgm:t>
-    </dgm:pt>
-    <dgm:pt modelId="{6F4CF80E-AAE2-4BF6-9DCC-D2B69376F092}" type="sibTrans" cxnId="{10B420B6-AC38-4392-B5B1-A690AC73EFF0}">
-      <dgm:prSet/>
-      <dgm:spPr/>
-      <dgm:t>
-        <a:bodyPr/>
-        <a:lstStyle/>
-        <a:p>
-          <a:endParaRPr lang="en-US"/>
-        </a:p>
-      </dgm:t>
-    </dgm:pt>
-    <dgm:pt modelId="{7ABB3B96-74F0-4924-AEC0-168568348B49}">
-      <dgm:prSet/>
-      <dgm:spPr/>
-      <dgm:t>
-        <a:bodyPr/>
-        <a:lstStyle/>
-        <a:p>
-          <a:r>
-            <a:rPr lang="en-US" dirty="0" err="1"/>
-            <a:t>Illesca</a:t>
-          </a:r>
-          <a:r>
-            <a:rPr lang="en-US" dirty="0"/>
-            <a:t> -&gt; ILSK</a:t>
-          </a:r>
-        </a:p>
-      </dgm:t>
-    </dgm:pt>
-    <dgm:pt modelId="{C1B394C4-3B5B-4D89-AFD4-EE29C392C296}" type="parTrans" cxnId="{5630843D-D069-4CFC-88A5-8B5905CD1276}">
-      <dgm:prSet/>
-      <dgm:spPr/>
-      <dgm:t>
-        <a:bodyPr/>
-        <a:lstStyle/>
-        <a:p>
-          <a:endParaRPr lang="en-US"/>
-        </a:p>
-      </dgm:t>
-    </dgm:pt>
-    <dgm:pt modelId="{718313B8-75E2-4E8C-A27E-6EA9DAD009B3}" type="sibTrans" cxnId="{5630843D-D069-4CFC-88A5-8B5905CD1276}">
-      <dgm:prSet/>
-      <dgm:spPr/>
-      <dgm:t>
-        <a:bodyPr/>
-        <a:lstStyle/>
-        <a:p>
-          <a:endParaRPr lang="en-US"/>
-        </a:p>
-      </dgm:t>
-    </dgm:pt>
     <dgm:pt modelId="{3AE4E8EB-BFAC-4B8C-A3D0-FACA322E6019}" type="pres">
       <dgm:prSet presAssocID="{5BEABEE3-1727-4455-A650-02F8062F1DB2}" presName="Name0" presStyleCnt="0">
         <dgm:presLayoutVars>
@@ -14597,19 +14464,15 @@
   <dgm:cxnLst>
     <dgm:cxn modelId="{7D715A04-AE56-4C2C-8776-38FCD72CC8A7}" srcId="{9BB12580-585C-4D0B-A189-1D1CC59F132E}" destId="{519D55AD-DA6A-4D92-9BAE-1EC431A17F1F}" srcOrd="0" destOrd="0" parTransId="{CC73AD7A-4713-4BBF-AF5B-CFFBFAFAE1D3}" sibTransId="{FABC6BD2-66CF-4CF7-BBDF-9CACCC63B657}"/>
     <dgm:cxn modelId="{B11AAD26-BDF7-480B-82B6-B5A21D773C19}" srcId="{5BEABEE3-1727-4455-A650-02F8062F1DB2}" destId="{733C7CDF-D79C-4997-AE7C-0AA115E9B37D}" srcOrd="1" destOrd="0" parTransId="{876DAFC0-1E1B-4003-A119-F62A87E007AA}" sibTransId="{193819F3-3CEF-4150-9338-7E70F85A58E0}"/>
-    <dgm:cxn modelId="{5630843D-D069-4CFC-88A5-8B5905CD1276}" srcId="{2691C195-9B3E-4A05-B9E1-0B89D5173DA2}" destId="{7ABB3B96-74F0-4924-AEC0-168568348B49}" srcOrd="0" destOrd="0" parTransId="{C1B394C4-3B5B-4D89-AFD4-EE29C392C296}" sibTransId="{718313B8-75E2-4E8C-A27E-6EA9DAD009B3}"/>
     <dgm:cxn modelId="{3CAA1342-CD84-461B-ADA2-59907A698CCD}" srcId="{5BEABEE3-1727-4455-A650-02F8062F1DB2}" destId="{1D2EDD16-77B5-4180-9186-7D04A2E0FDE9}" srcOrd="2" destOrd="0" parTransId="{1D6D448F-D28C-4B9A-BDB6-435CBF659AB0}" sibTransId="{51335CE9-5EDD-45AE-A69A-0AE33CB10A57}"/>
-    <dgm:cxn modelId="{E5BFF645-00DD-4013-AC03-61EA7189D550}" type="presOf" srcId="{7ABB3B96-74F0-4924-AEC0-168568348B49}" destId="{5ADA738D-7366-4CF7-9EEF-48BD3EE37EB5}" srcOrd="0" destOrd="2" presId="urn:microsoft.com/office/officeart/2005/8/layout/hList1"/>
     <dgm:cxn modelId="{62D28370-4929-4A91-9044-119CA2813E27}" type="presOf" srcId="{5BEABEE3-1727-4455-A650-02F8062F1DB2}" destId="{3AE4E8EB-BFAC-4B8C-A3D0-FACA322E6019}" srcOrd="0" destOrd="0" presId="urn:microsoft.com/office/officeart/2005/8/layout/hList1"/>
     <dgm:cxn modelId="{C681A575-FAAF-4CE1-A146-C5DB7848240A}" type="presOf" srcId="{9BB12580-585C-4D0B-A189-1D1CC59F132E}" destId="{5150A35B-B304-4C3C-8BCE-ADFEFE63D401}" srcOrd="0" destOrd="0" presId="urn:microsoft.com/office/officeart/2005/8/layout/hList1"/>
-    <dgm:cxn modelId="{FA4D1559-D532-4D17-A605-8D63819D0C0B}" type="presOf" srcId="{2691C195-9B3E-4A05-B9E1-0B89D5173DA2}" destId="{5ADA738D-7366-4CF7-9EEF-48BD3EE37EB5}" srcOrd="0" destOrd="1" presId="urn:microsoft.com/office/officeart/2005/8/layout/hList1"/>
     <dgm:cxn modelId="{4930447E-EC40-461E-A27E-970726E6EF84}" type="presOf" srcId="{B5321914-0046-4212-B6C1-981A6C5C5BDE}" destId="{52982DCB-31B4-4B9A-9096-43BE6F508B52}" srcOrd="0" destOrd="0" presId="urn:microsoft.com/office/officeart/2005/8/layout/hList1"/>
     <dgm:cxn modelId="{406D4788-EF92-4644-BE5F-5171BFE615B8}" type="presOf" srcId="{519D55AD-DA6A-4D92-9BAE-1EC431A17F1F}" destId="{AD423238-9BB4-400E-8A17-60392CB4CA8A}" srcOrd="0" destOrd="0" presId="urn:microsoft.com/office/officeart/2005/8/layout/hList1"/>
     <dgm:cxn modelId="{2E39548D-7ECF-472E-A6F7-8FE6F1E7E9DF}" srcId="{5BEABEE3-1727-4455-A650-02F8062F1DB2}" destId="{9BB12580-585C-4D0B-A189-1D1CC59F132E}" srcOrd="0" destOrd="0" parTransId="{0C7148DF-BA08-40BF-B513-4E1515C46C9D}" sibTransId="{91172A2A-45E4-4302-A342-B6542289DEE9}"/>
     <dgm:cxn modelId="{27A9538E-F1B7-4FFD-8EB4-B2BA272BE437}" type="presOf" srcId="{733C7CDF-D79C-4997-AE7C-0AA115E9B37D}" destId="{C69EBD1D-33B8-41A3-9F1A-B18E772B4FED}" srcOrd="0" destOrd="0" presId="urn:microsoft.com/office/officeart/2005/8/layout/hList1"/>
     <dgm:cxn modelId="{DEFC6390-12D5-4DE8-BCF0-11D78B797F72}" type="presOf" srcId="{1D2EDD16-77B5-4180-9186-7D04A2E0FDE9}" destId="{57BCF1C9-8773-4798-B4A7-D1ED852BB8F5}" srcOrd="0" destOrd="0" presId="urn:microsoft.com/office/officeart/2005/8/layout/hList1"/>
     <dgm:cxn modelId="{899F2092-2C6D-4856-BE43-9C02A2DC1D0E}" srcId="{1D2EDD16-77B5-4180-9186-7D04A2E0FDE9}" destId="{B5321914-0046-4212-B6C1-981A6C5C5BDE}" srcOrd="0" destOrd="0" parTransId="{911042A3-3BE3-4A65-B5EE-ED8A31CA2D0D}" sibTransId="{4EEAB52D-4CC9-48E9-A6FA-88A7BC22CB53}"/>
-    <dgm:cxn modelId="{10B420B6-AC38-4392-B5B1-A690AC73EFF0}" srcId="{733C7CDF-D79C-4997-AE7C-0AA115E9B37D}" destId="{2691C195-9B3E-4A05-B9E1-0B89D5173DA2}" srcOrd="1" destOrd="0" parTransId="{244093C5-410D-49CE-9090-AAC1BEF5167F}" sibTransId="{6F4CF80E-AAE2-4BF6-9DCC-D2B69376F092}"/>
     <dgm:cxn modelId="{B8DA82C1-5D89-4683-A301-2E59C91A85B8}" type="presOf" srcId="{3CF98947-2C36-4655-B25E-8BA32034AAAD}" destId="{5ADA738D-7366-4CF7-9EEF-48BD3EE37EB5}" srcOrd="0" destOrd="0" presId="urn:microsoft.com/office/officeart/2005/8/layout/hList1"/>
     <dgm:cxn modelId="{853B55D4-3A36-4767-A80F-93B86AF47769}" srcId="{733C7CDF-D79C-4997-AE7C-0AA115E9B37D}" destId="{3CF98947-2C36-4655-B25E-8BA32034AAAD}" srcOrd="0" destOrd="0" parTransId="{4F295F12-F087-4251-AC9C-53DB54E60442}" sibTransId="{04714A32-C2C5-44B9-82BD-A130BF32F053}"/>
     <dgm:cxn modelId="{79375E6B-C48E-4B4E-B41A-F4F4A0AC6D0D}" type="presParOf" srcId="{3AE4E8EB-BFAC-4B8C-A3D0-FACA322E6019}" destId="{7AC12045-90A6-46F5-B7F6-6A583B22754C}" srcOrd="0" destOrd="0" presId="urn:microsoft.com/office/officeart/2005/8/layout/hList1"/>
@@ -14891,7 +14754,7 @@
         <a:lstStyle/>
         <a:p>
           <a:r>
-            <a:rPr lang="en-US"/>
+            <a:rPr lang="en-US" dirty="0"/>
             <a:t>Readability</a:t>
           </a:r>
         </a:p>
@@ -14927,7 +14790,7 @@
         <a:lstStyle/>
         <a:p>
           <a:r>
-            <a:rPr lang="en-US"/>
+            <a:rPr lang="en-US" dirty="0"/>
             <a:t>Comprehensive Documentation</a:t>
           </a:r>
         </a:p>
@@ -14963,7 +14826,7 @@
         <a:lstStyle/>
         <a:p>
           <a:r>
-            <a:rPr lang="en-US"/>
+            <a:rPr lang="en-US" dirty="0"/>
             <a:t>Object Oriented Design</a:t>
           </a:r>
         </a:p>
@@ -14972,10 +14835,24 @@
     <dgm:pt modelId="{186F1F33-ED3D-482A-AD2F-2CEA91BDFD55}" type="parTrans" cxnId="{70F97338-B73E-41FB-BCA1-5E7B806E340E}">
       <dgm:prSet/>
       <dgm:spPr/>
+      <dgm:t>
+        <a:bodyPr/>
+        <a:lstStyle/>
+        <a:p>
+          <a:endParaRPr lang="en-US"/>
+        </a:p>
+      </dgm:t>
     </dgm:pt>
     <dgm:pt modelId="{143C7AA3-14B1-4ABA-B1B6-3E90FA40CEF3}" type="sibTrans" cxnId="{70F97338-B73E-41FB-BCA1-5E7B806E340E}">
       <dgm:prSet/>
       <dgm:spPr/>
+      <dgm:t>
+        <a:bodyPr/>
+        <a:lstStyle/>
+        <a:p>
+          <a:endParaRPr lang="en-US"/>
+        </a:p>
+      </dgm:t>
     </dgm:pt>
     <dgm:pt modelId="{AC933968-A58E-484B-9C3D-46C9976275F8}" type="pres">
       <dgm:prSet presAssocID="{E8D1B473-F5AF-473D-9A02-417DB009D46F}" presName="vert0" presStyleCnt="0">
@@ -15118,7 +14995,7 @@
         <a:lstStyle/>
         <a:p>
           <a:r>
-            <a:rPr lang="en-US"/>
+            <a:rPr lang="en-US" dirty="0"/>
             <a:t>Readability</a:t>
           </a:r>
         </a:p>
@@ -15147,7 +15024,7 @@
         <a:lstStyle/>
         <a:p>
           <a:r>
-            <a:rPr lang="en-US"/>
+            <a:rPr lang="en-US" dirty="0"/>
             <a:t>Maintainability</a:t>
           </a:r>
         </a:p>
@@ -15238,7 +15115,7 @@
 <dgm:dataModel xmlns:dgm="http://schemas.openxmlformats.org/drawingml/2006/diagram" xmlns:a="http://schemas.openxmlformats.org/drawingml/2006/main">
   <dgm:ptLst>
     <dgm:pt modelId="{94BE5AF1-EDB3-4158-8BEE-9DBB0DAA5C1D}" type="doc">
-      <dgm:prSet loTypeId="urn:microsoft.com/office/officeart/2008/layout/LinedList" loCatId="list" qsTypeId="urn:microsoft.com/office/officeart/2005/8/quickstyle/simple1" qsCatId="simple" csTypeId="urn:microsoft.com/office/officeart/2005/8/colors/colorful2" csCatId="colorful"/>
+      <dgm:prSet loTypeId="urn:microsoft.com/office/officeart/2008/layout/LinedList" loCatId="list" qsTypeId="urn:microsoft.com/office/officeart/2005/8/quickstyle/simple1" qsCatId="simple" csTypeId="urn:microsoft.com/office/officeart/2005/8/colors/colorful2" csCatId="colorful" phldr="1"/>
       <dgm:spPr/>
       <dgm:t>
         <a:bodyPr/>
@@ -15292,8 +15169,8 @@
         <a:lstStyle/>
         <a:p>
           <a:r>
-            <a:rPr lang="en-US"/>
-            <a:t>Created an efficient and scalable solution</a:t>
+            <a:rPr lang="en-US" dirty="0"/>
+            <a:t>Created an efficient and scalable solution to the problem</a:t>
           </a:r>
         </a:p>
       </dgm:t>
@@ -16644,6 +16521,13 @@
     <dgm:pt modelId="{F9EFDB20-890D-43BC-90DE-B5B004483BD2}" type="parTrans" cxnId="{203F89F8-AD34-4F36-958C-8D360BCD720B}">
       <dgm:prSet/>
       <dgm:spPr/>
+      <dgm:t>
+        <a:bodyPr/>
+        <a:lstStyle/>
+        <a:p>
+          <a:endParaRPr lang="en-US"/>
+        </a:p>
+      </dgm:t>
     </dgm:pt>
     <dgm:pt modelId="{1BFB567F-F3C2-471A-8844-72E3C4594082}" type="sibTrans" cxnId="{203F89F8-AD34-4F36-958C-8D360BCD720B}">
       <dgm:prSet/>
@@ -16781,6 +16665,13 @@
     <dgm:pt modelId="{6A1B0A01-2EFF-4C95-87EA-D6642DC4C56D}" type="parTrans" cxnId="{0BAB61C7-C24A-448F-8541-2EF371655DA5}">
       <dgm:prSet/>
       <dgm:spPr/>
+      <dgm:t>
+        <a:bodyPr/>
+        <a:lstStyle/>
+        <a:p>
+          <a:endParaRPr lang="en-US"/>
+        </a:p>
+      </dgm:t>
     </dgm:pt>
     <dgm:pt modelId="{40BD49A3-A003-4ACB-931E-762F51A11B54}" type="sibTrans" cxnId="{0BAB61C7-C24A-448F-8541-2EF371655DA5}">
       <dgm:prSet/>
@@ -16810,6 +16701,13 @@
     <dgm:pt modelId="{2464073E-82A1-4A46-8AC2-859FFE70F01D}" type="parTrans" cxnId="{58C4AEDE-4F68-4B5E-A1A3-F86BAB85E06C}">
       <dgm:prSet/>
       <dgm:spPr/>
+      <dgm:t>
+        <a:bodyPr/>
+        <a:lstStyle/>
+        <a:p>
+          <a:endParaRPr lang="en-US"/>
+        </a:p>
+      </dgm:t>
     </dgm:pt>
     <dgm:pt modelId="{8BEB0FD9-60AD-4E31-89EF-1ED101707245}" type="sibTrans" cxnId="{58C4AEDE-4F68-4B5E-A1A3-F86BAB85E06C}">
       <dgm:prSet/>
@@ -16839,6 +16737,13 @@
     <dgm:pt modelId="{CF1F9659-FA11-4BD9-BB9D-5C2590CC7508}" type="parTrans" cxnId="{6E4C191C-8001-4855-A857-88B6EC5189AC}">
       <dgm:prSet/>
       <dgm:spPr/>
+      <dgm:t>
+        <a:bodyPr/>
+        <a:lstStyle/>
+        <a:p>
+          <a:endParaRPr lang="en-US"/>
+        </a:p>
+      </dgm:t>
     </dgm:pt>
     <dgm:pt modelId="{0038B60B-6A59-4197-BA4F-572A3AA8C174}" type="sibTrans" cxnId="{6E4C191C-8001-4855-A857-88B6EC5189AC}">
       <dgm:prSet/>
@@ -16860,7 +16765,7 @@
         <a:p>
           <a:r>
             <a:rPr lang="en-US" sz="2400" dirty="0"/>
-            <a:t>123 North State Street</a:t>
+            <a:t>123 NORTH STATE STREET</a:t>
           </a:r>
         </a:p>
       </dgm:t>
@@ -16868,6 +16773,13 @@
     <dgm:pt modelId="{6C5C9EBE-1B5E-4594-BA98-E41D37852873}" type="parTrans" cxnId="{02DF1A0D-6C47-40FC-9036-CA3EC5DACEB3}">
       <dgm:prSet/>
       <dgm:spPr/>
+      <dgm:t>
+        <a:bodyPr/>
+        <a:lstStyle/>
+        <a:p>
+          <a:endParaRPr lang="en-US"/>
+        </a:p>
+      </dgm:t>
     </dgm:pt>
     <dgm:pt modelId="{11829295-140C-4A55-9418-F416F0008F66}" type="sibTrans" cxnId="{02DF1A0D-6C47-40FC-9036-CA3EC5DACEB3}">
       <dgm:prSet/>
@@ -16894,10 +16806,24 @@
     <dgm:pt modelId="{1E03D00A-BAE6-4A75-B075-EBE70C9B98A5}" type="parTrans" cxnId="{DED017D9-1FB5-4839-BCF2-32EB43C558FB}">
       <dgm:prSet/>
       <dgm:spPr/>
+      <dgm:t>
+        <a:bodyPr/>
+        <a:lstStyle/>
+        <a:p>
+          <a:endParaRPr lang="en-US"/>
+        </a:p>
+      </dgm:t>
     </dgm:pt>
     <dgm:pt modelId="{9BD721C2-CE9B-4E18-B6D0-CAC18889A810}" type="sibTrans" cxnId="{DED017D9-1FB5-4839-BCF2-32EB43C558FB}">
       <dgm:prSet/>
       <dgm:spPr/>
+      <dgm:t>
+        <a:bodyPr/>
+        <a:lstStyle/>
+        <a:p>
+          <a:endParaRPr lang="en-US"/>
+        </a:p>
+      </dgm:t>
     </dgm:pt>
     <dgm:pt modelId="{8FDCF87E-1266-4979-925D-413296D2D1E9}">
       <dgm:prSet/>
@@ -16913,10 +16839,24 @@
     <dgm:pt modelId="{4C3F5F58-D524-47EB-9989-AB6B8DF981D4}" type="parTrans" cxnId="{B1FBC38A-C529-4224-9377-B55D45661D30}">
       <dgm:prSet/>
       <dgm:spPr/>
+      <dgm:t>
+        <a:bodyPr/>
+        <a:lstStyle/>
+        <a:p>
+          <a:endParaRPr lang="en-US"/>
+        </a:p>
+      </dgm:t>
     </dgm:pt>
     <dgm:pt modelId="{E35FD387-9AAF-4139-A3FC-183C9026831C}" type="sibTrans" cxnId="{B1FBC38A-C529-4224-9377-B55D45661D30}">
       <dgm:prSet/>
       <dgm:spPr/>
+      <dgm:t>
+        <a:bodyPr/>
+        <a:lstStyle/>
+        <a:p>
+          <a:endParaRPr lang="en-US"/>
+        </a:p>
+      </dgm:t>
     </dgm:pt>
     <dgm:pt modelId="{3DEE27D9-A78B-4CAC-A13B-8884A899977E}">
       <dgm:prSet/>
@@ -16932,10 +16872,24 @@
     <dgm:pt modelId="{986C6C71-7E44-40D9-982C-48D87E2C480C}" type="parTrans" cxnId="{93672900-FE52-47AC-BF20-AC643327BA01}">
       <dgm:prSet/>
       <dgm:spPr/>
+      <dgm:t>
+        <a:bodyPr/>
+        <a:lstStyle/>
+        <a:p>
+          <a:endParaRPr lang="en-US"/>
+        </a:p>
+      </dgm:t>
     </dgm:pt>
     <dgm:pt modelId="{CFB9735A-81B8-4EBA-9E70-D68BA5448CB5}" type="sibTrans" cxnId="{93672900-FE52-47AC-BF20-AC643327BA01}">
       <dgm:prSet/>
       <dgm:spPr/>
+      <dgm:t>
+        <a:bodyPr/>
+        <a:lstStyle/>
+        <a:p>
+          <a:endParaRPr lang="en-US"/>
+        </a:p>
+      </dgm:t>
     </dgm:pt>
     <dgm:pt modelId="{3B3EC97F-AC5F-45E2-9D66-DE049273FCA7}">
       <dgm:prSet/>
@@ -16951,10 +16905,24 @@
     <dgm:pt modelId="{A4CC823E-9112-4210-A564-4ABE122057A2}" type="parTrans" cxnId="{1AAFB4AE-A20D-4E4B-BE28-765BC2AD8245}">
       <dgm:prSet/>
       <dgm:spPr/>
+      <dgm:t>
+        <a:bodyPr/>
+        <a:lstStyle/>
+        <a:p>
+          <a:endParaRPr lang="en-US"/>
+        </a:p>
+      </dgm:t>
     </dgm:pt>
     <dgm:pt modelId="{0B121BD3-2786-42F2-A5C3-53BB01E50588}" type="sibTrans" cxnId="{1AAFB4AE-A20D-4E4B-BE28-765BC2AD8245}">
       <dgm:prSet/>
       <dgm:spPr/>
+      <dgm:t>
+        <a:bodyPr/>
+        <a:lstStyle/>
+        <a:p>
+          <a:endParaRPr lang="en-US"/>
+        </a:p>
+      </dgm:t>
     </dgm:pt>
     <dgm:pt modelId="{D890A9F5-32A5-499E-AE4A-53FCE0632068}" type="pres">
       <dgm:prSet presAssocID="{9A33F798-73F0-4E39-BCBB-BE2F96C874AB}" presName="Name0" presStyleCnt="0">
@@ -17191,8 +17159,8 @@
         <a:lstStyle/>
         <a:p>
           <a:r>
-            <a:rPr lang="en-US"/>
-            <a:t>O(n*m) </a:t>
+            <a:rPr lang="en-US" dirty="0"/>
+            <a:t>N*M comparisons</a:t>
           </a:r>
         </a:p>
       </dgm:t>
@@ -17388,10 +17356,24 @@
     <dgm:pt modelId="{F34A5343-BB30-44DF-BF82-40D7EEDAFFE6}" type="parTrans" cxnId="{B88D3EBE-8D34-4C5B-88D8-EBBF2153B233}">
       <dgm:prSet/>
       <dgm:spPr/>
+      <dgm:t>
+        <a:bodyPr/>
+        <a:lstStyle/>
+        <a:p>
+          <a:endParaRPr lang="en-US"/>
+        </a:p>
+      </dgm:t>
     </dgm:pt>
     <dgm:pt modelId="{A3D9DCB7-5194-4C82-AFDF-D715595D1FC5}" type="sibTrans" cxnId="{B88D3EBE-8D34-4C5B-88D8-EBBF2153B233}">
       <dgm:prSet/>
       <dgm:spPr/>
+      <dgm:t>
+        <a:bodyPr/>
+        <a:lstStyle/>
+        <a:p>
+          <a:endParaRPr lang="en-US"/>
+        </a:p>
+      </dgm:t>
     </dgm:pt>
     <dgm:pt modelId="{A61FF901-1758-4F6A-8885-6C3E316EB6CC}" type="pres">
       <dgm:prSet presAssocID="{BCCE0815-F183-49E6-AA82-039B101F8BFE}" presName="linear" presStyleCnt="0">
@@ -17636,8 +17618,8 @@
         <a:lstStyle/>
         <a:p>
           <a:r>
-            <a:rPr lang="en-US"/>
-            <a:t>~1 second</a:t>
+            <a:rPr lang="en-US" dirty="0"/>
+            <a:t>~1 second!</a:t>
           </a:r>
         </a:p>
       </dgm:t>
@@ -17681,10 +17663,24 @@
     <dgm:pt modelId="{6F1E8A3E-1192-4A4F-89D0-0DFFBC0A9570}" type="parTrans" cxnId="{542A12D1-F2E8-4AFE-BB33-B1447F6DBE5F}">
       <dgm:prSet/>
       <dgm:spPr/>
+      <dgm:t>
+        <a:bodyPr/>
+        <a:lstStyle/>
+        <a:p>
+          <a:endParaRPr lang="en-US"/>
+        </a:p>
+      </dgm:t>
     </dgm:pt>
     <dgm:pt modelId="{F38EB8C7-DA6D-409A-8F8A-8BB5083782B4}" type="sibTrans" cxnId="{542A12D1-F2E8-4AFE-BB33-B1447F6DBE5F}">
       <dgm:prSet/>
       <dgm:spPr/>
+      <dgm:t>
+        <a:bodyPr/>
+        <a:lstStyle/>
+        <a:p>
+          <a:endParaRPr lang="en-US"/>
+        </a:p>
+      </dgm:t>
     </dgm:pt>
     <dgm:pt modelId="{26A16223-2C50-4602-86A6-82D3020CFE67}">
       <dgm:prSet/>
@@ -17694,7 +17690,7 @@
         <a:lstStyle/>
         <a:p>
           <a:r>
-            <a:rPr lang="en-US"/>
+            <a:rPr lang="en-US" dirty="0"/>
             <a:t>841,138 comparisons!</a:t>
           </a:r>
         </a:p>
@@ -17703,10 +17699,24 @@
     <dgm:pt modelId="{D905DD75-0BB8-4125-AA0A-528E03AA3119}" type="parTrans" cxnId="{A9504CAD-446E-4339-BE93-6B1D99DD2BD5}">
       <dgm:prSet/>
       <dgm:spPr/>
+      <dgm:t>
+        <a:bodyPr/>
+        <a:lstStyle/>
+        <a:p>
+          <a:endParaRPr lang="en-US"/>
+        </a:p>
+      </dgm:t>
     </dgm:pt>
     <dgm:pt modelId="{DE836D2C-69BC-417C-BD9B-4DE6F708CC92}" type="sibTrans" cxnId="{A9504CAD-446E-4339-BE93-6B1D99DD2BD5}">
       <dgm:prSet/>
       <dgm:spPr/>
+      <dgm:t>
+        <a:bodyPr/>
+        <a:lstStyle/>
+        <a:p>
+          <a:endParaRPr lang="en-US"/>
+        </a:p>
+      </dgm:t>
     </dgm:pt>
     <dgm:pt modelId="{A61FF901-1758-4F6A-8885-6C3E316EB6CC}" type="pres">
       <dgm:prSet presAssocID="{BCCE0815-F183-49E6-AA82-039B101F8BFE}" presName="linear" presStyleCnt="0">
@@ -17896,19 +17906,7 @@
             <a:rPr lang="en-US" dirty="0">
               <a:latin typeface="Century Gothic" panose="020B0502020202020204"/>
             </a:rPr>
-            <a:t>Ex. Axel ~ </a:t>
-          </a:r>
-          <a:r>
-            <a:rPr lang="en-US" dirty="0" err="1">
-              <a:latin typeface="Century Gothic" panose="020B0502020202020204"/>
-            </a:rPr>
-            <a:t>Axl</a:t>
-          </a:r>
-          <a:r>
-            <a:rPr lang="en-US" dirty="0">
-              <a:latin typeface="Century Gothic" panose="020B0502020202020204"/>
-            </a:rPr>
-            <a:t> = 75</a:t>
+            <a:t>Ex. Axel ~ Axe = 75</a:t>
           </a:r>
         </a:p>
       </dgm:t>
@@ -18098,13 +18096,13 @@
         <a:lstStyle/>
         <a:p>
           <a:r>
-            <a:rPr lang="en-US">
+            <a:rPr lang="en-US" dirty="0">
               <a:solidFill>
                 <a:srgbClr val="000000"/>
               </a:solidFill>
               <a:latin typeface="Century Gothic" panose="020B0502020202020204"/>
             </a:rPr>
-            <a:t>Sum of each field's similarity *weight</a:t>
+            <a:t>Sum of each field's similarity * weight</a:t>
           </a:r>
         </a:p>
       </dgm:t>
@@ -18400,8 +18398,8 @@
       </dsp:nvSpPr>
       <dsp:spPr>
         <a:xfrm>
-          <a:off x="5299645" y="2758"/>
-          <a:ext cx="5962101" cy="382627"/>
+          <a:off x="5299645" y="1173"/>
+          <a:ext cx="5962101" cy="417838"/>
         </a:xfrm>
         <a:prstGeom prst="roundRect">
           <a:avLst/>
@@ -18471,12 +18469,12 @@
         </a:fontRef>
       </dsp:style>
       <dsp:txBody>
-        <a:bodyPr spcFirstLastPara="0" vert="horz" wrap="square" lIns="72390" tIns="36195" rIns="72390" bIns="36195" numCol="1" spcCol="1270" anchor="ctr" anchorCtr="0">
+        <a:bodyPr spcFirstLastPara="0" vert="horz" wrap="square" lIns="80010" tIns="40005" rIns="80010" bIns="40005" numCol="1" spcCol="1270" anchor="ctr" anchorCtr="0">
           <a:noAutofit/>
         </a:bodyPr>
         <a:lstStyle/>
         <a:p>
-          <a:pPr marL="0" lvl="0" indent="0" algn="ctr" defTabSz="844550">
+          <a:pPr marL="0" lvl="0" indent="0" algn="ctr" defTabSz="933450">
             <a:lnSpc>
               <a:spcPct val="90000"/>
             </a:lnSpc>
@@ -18489,15 +18487,15 @@
             <a:buNone/>
           </a:pPr>
           <a:r>
-            <a:rPr lang="en-US" sz="1900" kern="1200"/>
+            <a:rPr lang="en-US" sz="2100" kern="1200"/>
             <a:t>The Problem</a:t>
           </a:r>
-          <a:endParaRPr lang="en-US" sz="1900" kern="1200" dirty="0"/>
+          <a:endParaRPr lang="en-US" sz="2100" kern="1200" dirty="0"/>
         </a:p>
       </dsp:txBody>
       <dsp:txXfrm>
-        <a:off x="5318323" y="21436"/>
-        <a:ext cx="5924745" cy="345271"/>
+        <a:off x="5320042" y="21570"/>
+        <a:ext cx="5921307" cy="377044"/>
       </dsp:txXfrm>
     </dsp:sp>
     <dsp:sp modelId="{57C4D296-1E03-4909-9EA2-4B856D90D53A}">
@@ -18507,8 +18505,8 @@
       </dsp:nvSpPr>
       <dsp:spPr>
         <a:xfrm>
-          <a:off x="5299645" y="404517"/>
-          <a:ext cx="5962101" cy="382627"/>
+          <a:off x="5299645" y="439904"/>
+          <a:ext cx="5962101" cy="417838"/>
         </a:xfrm>
         <a:prstGeom prst="roundRect">
           <a:avLst/>
@@ -18517,9 +18515,9 @@
           <a:gsLst>
             <a:gs pos="0">
               <a:schemeClr val="accent2">
-                <a:hueOff val="430513"/>
-                <a:satOff val="2246"/>
-                <a:lumOff val="-642"/>
+                <a:hueOff val="473564"/>
+                <a:satOff val="2471"/>
+                <a:lumOff val="-706"/>
                 <a:alphaOff val="0"/>
                 <a:tint val="85000"/>
                 <a:shade val="98000"/>
@@ -18529,9 +18527,9 @@
             </a:gs>
             <a:gs pos="50000">
               <a:schemeClr val="accent2">
-                <a:hueOff val="430513"/>
-                <a:satOff val="2246"/>
-                <a:lumOff val="-642"/>
+                <a:hueOff val="473564"/>
+                <a:satOff val="2471"/>
+                <a:lumOff val="-706"/>
                 <a:alphaOff val="0"/>
                 <a:shade val="85000"/>
                 <a:satMod val="105000"/>
@@ -18540,9 +18538,9 @@
             </a:gs>
             <a:gs pos="100000">
               <a:schemeClr val="accent2">
-                <a:hueOff val="430513"/>
-                <a:satOff val="2246"/>
-                <a:lumOff val="-642"/>
+                <a:hueOff val="473564"/>
+                <a:satOff val="2471"/>
+                <a:lumOff val="-706"/>
                 <a:alphaOff val="0"/>
                 <a:shade val="60000"/>
                 <a:satMod val="120000"/>
@@ -18578,12 +18576,12 @@
         </a:fontRef>
       </dsp:style>
       <dsp:txBody>
-        <a:bodyPr spcFirstLastPara="0" vert="horz" wrap="square" lIns="72390" tIns="36195" rIns="72390" bIns="36195" numCol="1" spcCol="1270" anchor="ctr" anchorCtr="0">
+        <a:bodyPr spcFirstLastPara="0" vert="horz" wrap="square" lIns="80010" tIns="40005" rIns="80010" bIns="40005" numCol="1" spcCol="1270" anchor="ctr" anchorCtr="0">
           <a:noAutofit/>
         </a:bodyPr>
         <a:lstStyle/>
         <a:p>
-          <a:pPr marL="0" lvl="0" indent="0" algn="ctr" defTabSz="844550">
+          <a:pPr marL="0" lvl="0" indent="0" algn="ctr" defTabSz="933450">
             <a:lnSpc>
               <a:spcPct val="90000"/>
             </a:lnSpc>
@@ -18596,14 +18594,14 @@
             <a:buNone/>
           </a:pPr>
           <a:r>
-            <a:rPr lang="en-US" sz="1900" kern="1200"/>
+            <a:rPr lang="en-US" sz="2100" kern="1200"/>
             <a:t>Client Info</a:t>
           </a:r>
         </a:p>
       </dsp:txBody>
       <dsp:txXfrm>
-        <a:off x="5318323" y="423195"/>
-        <a:ext cx="5924745" cy="345271"/>
+        <a:off x="5320042" y="460301"/>
+        <a:ext cx="5921307" cy="377044"/>
       </dsp:txXfrm>
     </dsp:sp>
     <dsp:sp modelId="{6588EB65-C784-423D-AE18-E3CF6265C1D6}">
@@ -18613,8 +18611,8 @@
       </dsp:nvSpPr>
       <dsp:spPr>
         <a:xfrm>
-          <a:off x="5299645" y="806276"/>
-          <a:ext cx="5962101" cy="382627"/>
+          <a:off x="5299645" y="878634"/>
+          <a:ext cx="5962101" cy="417838"/>
         </a:xfrm>
         <a:prstGeom prst="roundRect">
           <a:avLst/>
@@ -18623,9 +18621,9 @@
           <a:gsLst>
             <a:gs pos="0">
               <a:schemeClr val="accent2">
-                <a:hueOff val="861025"/>
-                <a:satOff val="4492"/>
-                <a:lumOff val="-1283"/>
+                <a:hueOff val="947128"/>
+                <a:satOff val="4941"/>
+                <a:lumOff val="-1412"/>
                 <a:alphaOff val="0"/>
                 <a:tint val="85000"/>
                 <a:shade val="98000"/>
@@ -18635,9 +18633,9 @@
             </a:gs>
             <a:gs pos="50000">
               <a:schemeClr val="accent2">
-                <a:hueOff val="861025"/>
-                <a:satOff val="4492"/>
-                <a:lumOff val="-1283"/>
+                <a:hueOff val="947128"/>
+                <a:satOff val="4941"/>
+                <a:lumOff val="-1412"/>
                 <a:alphaOff val="0"/>
                 <a:shade val="85000"/>
                 <a:satMod val="105000"/>
@@ -18646,9 +18644,9 @@
             </a:gs>
             <a:gs pos="100000">
               <a:schemeClr val="accent2">
-                <a:hueOff val="861025"/>
-                <a:satOff val="4492"/>
-                <a:lumOff val="-1283"/>
+                <a:hueOff val="947128"/>
+                <a:satOff val="4941"/>
+                <a:lumOff val="-1412"/>
                 <a:alphaOff val="0"/>
                 <a:shade val="60000"/>
                 <a:satMod val="120000"/>
@@ -18684,12 +18682,12 @@
         </a:fontRef>
       </dsp:style>
       <dsp:txBody>
-        <a:bodyPr spcFirstLastPara="0" vert="horz" wrap="square" lIns="72390" tIns="36195" rIns="72390" bIns="36195" numCol="1" spcCol="1270" anchor="ctr" anchorCtr="0">
+        <a:bodyPr spcFirstLastPara="0" vert="horz" wrap="square" lIns="80010" tIns="40005" rIns="80010" bIns="40005" numCol="1" spcCol="1270" anchor="ctr" anchorCtr="0">
           <a:noAutofit/>
         </a:bodyPr>
         <a:lstStyle/>
         <a:p>
-          <a:pPr marL="0" lvl="0" indent="0" algn="ctr" defTabSz="844550">
+          <a:pPr marL="0" lvl="0" indent="0" algn="ctr" defTabSz="933450">
             <a:lnSpc>
               <a:spcPct val="90000"/>
             </a:lnSpc>
@@ -18702,14 +18700,14 @@
             <a:buNone/>
           </a:pPr>
           <a:r>
-            <a:rPr lang="en-US" sz="1900" kern="1200"/>
+            <a:rPr lang="en-US" sz="2100" kern="1200"/>
             <a:t>Requirements</a:t>
           </a:r>
         </a:p>
       </dsp:txBody>
       <dsp:txXfrm>
-        <a:off x="5318323" y="824954"/>
-        <a:ext cx="5924745" cy="345271"/>
+        <a:off x="5320042" y="899031"/>
+        <a:ext cx="5921307" cy="377044"/>
       </dsp:txXfrm>
     </dsp:sp>
     <dsp:sp modelId="{70189A93-22F1-4B00-BD68-876AE5271AAE}">
@@ -18719,8 +18717,8 @@
       </dsp:nvSpPr>
       <dsp:spPr>
         <a:xfrm>
-          <a:off x="5299645" y="1208034"/>
-          <a:ext cx="5962101" cy="382627"/>
+          <a:off x="5299645" y="1317365"/>
+          <a:ext cx="5962101" cy="417838"/>
         </a:xfrm>
         <a:prstGeom prst="roundRect">
           <a:avLst/>
@@ -18729,9 +18727,9 @@
           <a:gsLst>
             <a:gs pos="0">
               <a:schemeClr val="accent2">
-                <a:hueOff val="1291538"/>
-                <a:satOff val="6738"/>
-                <a:lumOff val="-1925"/>
+                <a:hueOff val="1420692"/>
+                <a:satOff val="7412"/>
+                <a:lumOff val="-2117"/>
                 <a:alphaOff val="0"/>
                 <a:tint val="85000"/>
                 <a:shade val="98000"/>
@@ -18741,9 +18739,9 @@
             </a:gs>
             <a:gs pos="50000">
               <a:schemeClr val="accent2">
-                <a:hueOff val="1291538"/>
-                <a:satOff val="6738"/>
-                <a:lumOff val="-1925"/>
+                <a:hueOff val="1420692"/>
+                <a:satOff val="7412"/>
+                <a:lumOff val="-2117"/>
                 <a:alphaOff val="0"/>
                 <a:shade val="85000"/>
                 <a:satMod val="105000"/>
@@ -18752,9 +18750,9 @@
             </a:gs>
             <a:gs pos="100000">
               <a:schemeClr val="accent2">
-                <a:hueOff val="1291538"/>
-                <a:satOff val="6738"/>
-                <a:lumOff val="-1925"/>
+                <a:hueOff val="1420692"/>
+                <a:satOff val="7412"/>
+                <a:lumOff val="-2117"/>
                 <a:alphaOff val="0"/>
                 <a:shade val="60000"/>
                 <a:satMod val="120000"/>
@@ -18790,12 +18788,12 @@
         </a:fontRef>
       </dsp:style>
       <dsp:txBody>
-        <a:bodyPr spcFirstLastPara="0" vert="horz" wrap="square" lIns="72390" tIns="36195" rIns="72390" bIns="36195" numCol="1" spcCol="1270" anchor="ctr" anchorCtr="0">
+        <a:bodyPr spcFirstLastPara="0" vert="horz" wrap="square" lIns="80010" tIns="40005" rIns="80010" bIns="40005" numCol="1" spcCol="1270" anchor="ctr" anchorCtr="0">
           <a:noAutofit/>
         </a:bodyPr>
         <a:lstStyle/>
         <a:p>
-          <a:pPr marL="0" lvl="0" indent="0" algn="ctr" defTabSz="844550">
+          <a:pPr marL="0" lvl="0" indent="0" algn="ctr" defTabSz="933450">
             <a:lnSpc>
               <a:spcPct val="90000"/>
             </a:lnSpc>
@@ -18808,25 +18806,25 @@
             <a:buNone/>
           </a:pPr>
           <a:r>
-            <a:rPr lang="en-US" sz="1900" kern="1200"/>
-            <a:t>Design Decisions</a:t>
+            <a:rPr lang="en-US" sz="2100" kern="1200" dirty="0"/>
+            <a:t>Design</a:t>
           </a:r>
         </a:p>
       </dsp:txBody>
       <dsp:txXfrm>
-        <a:off x="5318323" y="1226712"/>
-        <a:ext cx="5924745" cy="345271"/>
+        <a:off x="5320042" y="1337762"/>
+        <a:ext cx="5921307" cy="377044"/>
       </dsp:txXfrm>
     </dsp:sp>
-    <dsp:sp modelId="{EE701881-66BD-4374-B4D0-2A2095722C05}">
+    <dsp:sp modelId="{356775C3-4D34-450A-8B44-7D86E93032A5}">
       <dsp:nvSpPr>
         <dsp:cNvPr id="0" name=""/>
         <dsp:cNvSpPr/>
       </dsp:nvSpPr>
       <dsp:spPr>
         <a:xfrm>
-          <a:off x="5299645" y="1609793"/>
-          <a:ext cx="5962101" cy="382627"/>
+          <a:off x="5299645" y="1756096"/>
+          <a:ext cx="5962101" cy="417838"/>
         </a:xfrm>
         <a:prstGeom prst="roundRect">
           <a:avLst/>
@@ -18835,9 +18833,9 @@
           <a:gsLst>
             <a:gs pos="0">
               <a:schemeClr val="accent2">
-                <a:hueOff val="1722050"/>
-                <a:satOff val="8984"/>
-                <a:lumOff val="-2567"/>
+                <a:hueOff val="1894255"/>
+                <a:satOff val="9883"/>
+                <a:lumOff val="-2823"/>
                 <a:alphaOff val="0"/>
                 <a:tint val="85000"/>
                 <a:shade val="98000"/>
@@ -18847,9 +18845,9 @@
             </a:gs>
             <a:gs pos="50000">
               <a:schemeClr val="accent2">
-                <a:hueOff val="1722050"/>
-                <a:satOff val="8984"/>
-                <a:lumOff val="-2567"/>
+                <a:hueOff val="1894255"/>
+                <a:satOff val="9883"/>
+                <a:lumOff val="-2823"/>
                 <a:alphaOff val="0"/>
                 <a:shade val="85000"/>
                 <a:satMod val="105000"/>
@@ -18858,9 +18856,9 @@
             </a:gs>
             <a:gs pos="100000">
               <a:schemeClr val="accent2">
-                <a:hueOff val="1722050"/>
-                <a:satOff val="8984"/>
-                <a:lumOff val="-2567"/>
+                <a:hueOff val="1894255"/>
+                <a:satOff val="9883"/>
+                <a:lumOff val="-2823"/>
                 <a:alphaOff val="0"/>
                 <a:shade val="60000"/>
                 <a:satMod val="120000"/>
@@ -18896,12 +18894,12 @@
         </a:fontRef>
       </dsp:style>
       <dsp:txBody>
-        <a:bodyPr spcFirstLastPara="0" vert="horz" wrap="square" lIns="72390" tIns="36195" rIns="72390" bIns="36195" numCol="1" spcCol="1270" anchor="ctr" anchorCtr="0">
+        <a:bodyPr spcFirstLastPara="0" vert="horz" wrap="square" lIns="80010" tIns="40005" rIns="80010" bIns="40005" numCol="1" spcCol="1270" anchor="ctr" anchorCtr="0">
           <a:noAutofit/>
         </a:bodyPr>
         <a:lstStyle/>
         <a:p>
-          <a:pPr marL="0" lvl="0" indent="0" algn="ctr" defTabSz="844550">
+          <a:pPr marL="0" lvl="0" indent="0" algn="ctr" defTabSz="933450">
             <a:lnSpc>
               <a:spcPct val="90000"/>
             </a:lnSpc>
@@ -18914,25 +18912,25 @@
             <a:buNone/>
           </a:pPr>
           <a:r>
-            <a:rPr lang="en-US" sz="1900" kern="1200" dirty="0"/>
-            <a:t>Our Design</a:t>
+            <a:rPr lang="en-US" sz="2100" kern="1200"/>
+            <a:t>Implementation</a:t>
           </a:r>
         </a:p>
       </dsp:txBody>
       <dsp:txXfrm>
-        <a:off x="5318323" y="1628471"/>
-        <a:ext cx="5924745" cy="345271"/>
+        <a:off x="5320042" y="1776493"/>
+        <a:ext cx="5921307" cy="377044"/>
       </dsp:txXfrm>
     </dsp:sp>
-    <dsp:sp modelId="{356775C3-4D34-450A-8B44-7D86E93032A5}">
+    <dsp:sp modelId="{D22C1773-3F60-41BD-805D-C07FE4D5F633}">
       <dsp:nvSpPr>
         <dsp:cNvPr id="0" name=""/>
         <dsp:cNvSpPr/>
       </dsp:nvSpPr>
       <dsp:spPr>
         <a:xfrm>
-          <a:off x="5299645" y="2011552"/>
-          <a:ext cx="5962101" cy="382627"/>
+          <a:off x="5299645" y="2194826"/>
+          <a:ext cx="5962101" cy="417838"/>
         </a:xfrm>
         <a:prstGeom prst="roundRect">
           <a:avLst/>
@@ -18941,9 +18939,9 @@
           <a:gsLst>
             <a:gs pos="0">
               <a:schemeClr val="accent2">
-                <a:hueOff val="2152563"/>
-                <a:satOff val="11230"/>
-                <a:lumOff val="-3208"/>
+                <a:hueOff val="2367819"/>
+                <a:satOff val="12354"/>
+                <a:lumOff val="-3529"/>
                 <a:alphaOff val="0"/>
                 <a:tint val="85000"/>
                 <a:shade val="98000"/>
@@ -18953,9 +18951,9 @@
             </a:gs>
             <a:gs pos="50000">
               <a:schemeClr val="accent2">
-                <a:hueOff val="2152563"/>
-                <a:satOff val="11230"/>
-                <a:lumOff val="-3208"/>
+                <a:hueOff val="2367819"/>
+                <a:satOff val="12354"/>
+                <a:lumOff val="-3529"/>
                 <a:alphaOff val="0"/>
                 <a:shade val="85000"/>
                 <a:satMod val="105000"/>
@@ -18964,9 +18962,9 @@
             </a:gs>
             <a:gs pos="100000">
               <a:schemeClr val="accent2">
-                <a:hueOff val="2152563"/>
-                <a:satOff val="11230"/>
-                <a:lumOff val="-3208"/>
+                <a:hueOff val="2367819"/>
+                <a:satOff val="12354"/>
+                <a:lumOff val="-3529"/>
                 <a:alphaOff val="0"/>
                 <a:shade val="60000"/>
                 <a:satMod val="120000"/>
@@ -19002,12 +19000,12 @@
         </a:fontRef>
       </dsp:style>
       <dsp:txBody>
-        <a:bodyPr spcFirstLastPara="0" vert="horz" wrap="square" lIns="72390" tIns="36195" rIns="72390" bIns="36195" numCol="1" spcCol="1270" anchor="ctr" anchorCtr="0">
+        <a:bodyPr spcFirstLastPara="0" vert="horz" wrap="square" lIns="80010" tIns="40005" rIns="80010" bIns="40005" numCol="1" spcCol="1270" anchor="ctr" anchorCtr="0">
           <a:noAutofit/>
         </a:bodyPr>
         <a:lstStyle/>
         <a:p>
-          <a:pPr marL="0" lvl="0" indent="0" algn="ctr" defTabSz="844550">
+          <a:pPr marL="0" lvl="0" indent="0" algn="ctr" defTabSz="933450">
             <a:lnSpc>
               <a:spcPct val="90000"/>
             </a:lnSpc>
@@ -19020,25 +19018,25 @@
             <a:buNone/>
           </a:pPr>
           <a:r>
-            <a:rPr lang="en-US" sz="1900" kern="1200"/>
-            <a:t>Implementation</a:t>
+            <a:rPr lang="en-US" sz="2100" kern="1200"/>
+            <a:t>Dependencies</a:t>
           </a:r>
         </a:p>
       </dsp:txBody>
       <dsp:txXfrm>
-        <a:off x="5318323" y="2030230"/>
-        <a:ext cx="5924745" cy="345271"/>
+        <a:off x="5320042" y="2215223"/>
+        <a:ext cx="5921307" cy="377044"/>
       </dsp:txXfrm>
     </dsp:sp>
-    <dsp:sp modelId="{D22C1773-3F60-41BD-805D-C07FE4D5F633}">
+    <dsp:sp modelId="{18232ADC-C076-49B0-9CD3-41278FA6D915}">
       <dsp:nvSpPr>
         <dsp:cNvPr id="0" name=""/>
         <dsp:cNvSpPr/>
       </dsp:nvSpPr>
       <dsp:spPr>
         <a:xfrm>
-          <a:off x="5299645" y="2413311"/>
-          <a:ext cx="5962101" cy="382627"/>
+          <a:off x="5299645" y="2633557"/>
+          <a:ext cx="5962101" cy="417838"/>
         </a:xfrm>
         <a:prstGeom prst="roundRect">
           <a:avLst/>
@@ -19047,9 +19045,9 @@
           <a:gsLst>
             <a:gs pos="0">
               <a:schemeClr val="accent2">
-                <a:hueOff val="2583075"/>
-                <a:satOff val="13477"/>
-                <a:lumOff val="-3850"/>
+                <a:hueOff val="2841383"/>
+                <a:satOff val="14824"/>
+                <a:lumOff val="-4235"/>
                 <a:alphaOff val="0"/>
                 <a:tint val="85000"/>
                 <a:shade val="98000"/>
@@ -19059,9 +19057,9 @@
             </a:gs>
             <a:gs pos="50000">
               <a:schemeClr val="accent2">
-                <a:hueOff val="2583075"/>
-                <a:satOff val="13477"/>
-                <a:lumOff val="-3850"/>
+                <a:hueOff val="2841383"/>
+                <a:satOff val="14824"/>
+                <a:lumOff val="-4235"/>
                 <a:alphaOff val="0"/>
                 <a:shade val="85000"/>
                 <a:satMod val="105000"/>
@@ -19070,9 +19068,9 @@
             </a:gs>
             <a:gs pos="100000">
               <a:schemeClr val="accent2">
-                <a:hueOff val="2583075"/>
-                <a:satOff val="13477"/>
-                <a:lumOff val="-3850"/>
+                <a:hueOff val="2841383"/>
+                <a:satOff val="14824"/>
+                <a:lumOff val="-4235"/>
                 <a:alphaOff val="0"/>
                 <a:shade val="60000"/>
                 <a:satMod val="120000"/>
@@ -19108,12 +19106,12 @@
         </a:fontRef>
       </dsp:style>
       <dsp:txBody>
-        <a:bodyPr spcFirstLastPara="0" vert="horz" wrap="square" lIns="72390" tIns="36195" rIns="72390" bIns="36195" numCol="1" spcCol="1270" anchor="ctr" anchorCtr="0">
+        <a:bodyPr spcFirstLastPara="0" vert="horz" wrap="square" lIns="80010" tIns="40005" rIns="80010" bIns="40005" numCol="1" spcCol="1270" anchor="ctr" anchorCtr="0">
           <a:noAutofit/>
         </a:bodyPr>
         <a:lstStyle/>
         <a:p>
-          <a:pPr marL="0" lvl="0" indent="0" algn="ctr" defTabSz="844550">
+          <a:pPr marL="0" lvl="0" indent="0" algn="ctr" defTabSz="933450">
             <a:lnSpc>
               <a:spcPct val="90000"/>
             </a:lnSpc>
@@ -19126,25 +19124,25 @@
             <a:buNone/>
           </a:pPr>
           <a:r>
-            <a:rPr lang="en-US" sz="1900" kern="1200"/>
-            <a:t>Dependencies</a:t>
+            <a:rPr lang="en-US" sz="2100" kern="1200"/>
+            <a:t>Demo</a:t>
           </a:r>
         </a:p>
       </dsp:txBody>
       <dsp:txXfrm>
-        <a:off x="5318323" y="2431989"/>
-        <a:ext cx="5924745" cy="345271"/>
+        <a:off x="5320042" y="2653954"/>
+        <a:ext cx="5921307" cy="377044"/>
       </dsp:txXfrm>
     </dsp:sp>
-    <dsp:sp modelId="{18232ADC-C076-49B0-9CD3-41278FA6D915}">
+    <dsp:sp modelId="{C2175BCC-CBB7-4BF3-9511-2D8C3F0FE10F}">
       <dsp:nvSpPr>
         <dsp:cNvPr id="0" name=""/>
         <dsp:cNvSpPr/>
       </dsp:nvSpPr>
       <dsp:spPr>
         <a:xfrm>
-          <a:off x="5299645" y="2815070"/>
-          <a:ext cx="5962101" cy="382627"/>
+          <a:off x="5299645" y="3072287"/>
+          <a:ext cx="5962101" cy="417838"/>
         </a:xfrm>
         <a:prstGeom prst="roundRect">
           <a:avLst/>
@@ -19153,9 +19151,9 @@
           <a:gsLst>
             <a:gs pos="0">
               <a:schemeClr val="accent2">
-                <a:hueOff val="3013588"/>
-                <a:satOff val="15723"/>
-                <a:lumOff val="-4491"/>
+                <a:hueOff val="3314947"/>
+                <a:satOff val="17295"/>
+                <a:lumOff val="-4941"/>
                 <a:alphaOff val="0"/>
                 <a:tint val="85000"/>
                 <a:shade val="98000"/>
@@ -19165,9 +19163,9 @@
             </a:gs>
             <a:gs pos="50000">
               <a:schemeClr val="accent2">
-                <a:hueOff val="3013588"/>
-                <a:satOff val="15723"/>
-                <a:lumOff val="-4491"/>
+                <a:hueOff val="3314947"/>
+                <a:satOff val="17295"/>
+                <a:lumOff val="-4941"/>
                 <a:alphaOff val="0"/>
                 <a:shade val="85000"/>
                 <a:satMod val="105000"/>
@@ -19176,9 +19174,9 @@
             </a:gs>
             <a:gs pos="100000">
               <a:schemeClr val="accent2">
-                <a:hueOff val="3013588"/>
-                <a:satOff val="15723"/>
-                <a:lumOff val="-4491"/>
+                <a:hueOff val="3314947"/>
+                <a:satOff val="17295"/>
+                <a:lumOff val="-4941"/>
                 <a:alphaOff val="0"/>
                 <a:shade val="60000"/>
                 <a:satMod val="120000"/>
@@ -19214,12 +19212,12 @@
         </a:fontRef>
       </dsp:style>
       <dsp:txBody>
-        <a:bodyPr spcFirstLastPara="0" vert="horz" wrap="square" lIns="72390" tIns="36195" rIns="72390" bIns="36195" numCol="1" spcCol="1270" anchor="ctr" anchorCtr="0">
+        <a:bodyPr spcFirstLastPara="0" vert="horz" wrap="square" lIns="80010" tIns="40005" rIns="80010" bIns="40005" numCol="1" spcCol="1270" anchor="ctr" anchorCtr="0">
           <a:noAutofit/>
         </a:bodyPr>
         <a:lstStyle/>
         <a:p>
-          <a:pPr marL="0" lvl="0" indent="0" algn="ctr" defTabSz="844550">
+          <a:pPr marL="0" lvl="0" indent="0" algn="ctr" defTabSz="933450">
             <a:lnSpc>
               <a:spcPct val="90000"/>
             </a:lnSpc>
@@ -19232,25 +19230,25 @@
             <a:buNone/>
           </a:pPr>
           <a:r>
-            <a:rPr lang="en-US" sz="1900" kern="1200"/>
-            <a:t>Demo</a:t>
+            <a:rPr lang="en-US" sz="2100" kern="1200"/>
+            <a:t>Testing</a:t>
           </a:r>
         </a:p>
       </dsp:txBody>
       <dsp:txXfrm>
-        <a:off x="5318323" y="2833748"/>
-        <a:ext cx="5924745" cy="345271"/>
+        <a:off x="5320042" y="3092684"/>
+        <a:ext cx="5921307" cy="377044"/>
       </dsp:txXfrm>
     </dsp:sp>
-    <dsp:sp modelId="{C2175BCC-CBB7-4BF3-9511-2D8C3F0FE10F}">
+    <dsp:sp modelId="{1A5ED826-5D00-4CB2-87B5-BEC5EC62E772}">
       <dsp:nvSpPr>
         <dsp:cNvPr id="0" name=""/>
         <dsp:cNvSpPr/>
       </dsp:nvSpPr>
       <dsp:spPr>
         <a:xfrm>
-          <a:off x="5299645" y="3216829"/>
-          <a:ext cx="5962101" cy="382627"/>
+          <a:off x="5299645" y="3511018"/>
+          <a:ext cx="5962101" cy="417838"/>
         </a:xfrm>
         <a:prstGeom prst="roundRect">
           <a:avLst/>
@@ -19259,9 +19257,9 @@
           <a:gsLst>
             <a:gs pos="0">
               <a:schemeClr val="accent2">
-                <a:hueOff val="3444101"/>
-                <a:satOff val="17969"/>
-                <a:lumOff val="-5133"/>
+                <a:hueOff val="3788511"/>
+                <a:satOff val="19766"/>
+                <a:lumOff val="-5646"/>
                 <a:alphaOff val="0"/>
                 <a:tint val="85000"/>
                 <a:shade val="98000"/>
@@ -19271,9 +19269,9 @@
             </a:gs>
             <a:gs pos="50000">
               <a:schemeClr val="accent2">
-                <a:hueOff val="3444101"/>
-                <a:satOff val="17969"/>
-                <a:lumOff val="-5133"/>
+                <a:hueOff val="3788511"/>
+                <a:satOff val="19766"/>
+                <a:lumOff val="-5646"/>
                 <a:alphaOff val="0"/>
                 <a:shade val="85000"/>
                 <a:satMod val="105000"/>
@@ -19282,9 +19280,9 @@
             </a:gs>
             <a:gs pos="100000">
               <a:schemeClr val="accent2">
-                <a:hueOff val="3444101"/>
-                <a:satOff val="17969"/>
-                <a:lumOff val="-5133"/>
+                <a:hueOff val="3788511"/>
+                <a:satOff val="19766"/>
+                <a:lumOff val="-5646"/>
                 <a:alphaOff val="0"/>
                 <a:shade val="60000"/>
                 <a:satMod val="120000"/>
@@ -19320,12 +19318,12 @@
         </a:fontRef>
       </dsp:style>
       <dsp:txBody>
-        <a:bodyPr spcFirstLastPara="0" vert="horz" wrap="square" lIns="72390" tIns="36195" rIns="72390" bIns="36195" numCol="1" spcCol="1270" anchor="ctr" anchorCtr="0">
+        <a:bodyPr spcFirstLastPara="0" vert="horz" wrap="square" lIns="80010" tIns="40005" rIns="80010" bIns="40005" numCol="1" spcCol="1270" anchor="ctr" anchorCtr="0">
           <a:noAutofit/>
         </a:bodyPr>
         <a:lstStyle/>
         <a:p>
-          <a:pPr marL="0" lvl="0" indent="0" algn="ctr" defTabSz="844550">
+          <a:pPr marL="0" lvl="0" indent="0" algn="ctr" defTabSz="933450">
             <a:lnSpc>
               <a:spcPct val="90000"/>
             </a:lnSpc>
@@ -19338,25 +19336,25 @@
             <a:buNone/>
           </a:pPr>
           <a:r>
-            <a:rPr lang="en-US" sz="1900" kern="1200"/>
-            <a:t>Testing</a:t>
+            <a:rPr lang="en-US" sz="2100" kern="1200"/>
+            <a:t>Maintainability</a:t>
           </a:r>
         </a:p>
       </dsp:txBody>
       <dsp:txXfrm>
-        <a:off x="5318323" y="3235507"/>
-        <a:ext cx="5924745" cy="345271"/>
+        <a:off x="5320042" y="3531415"/>
+        <a:ext cx="5921307" cy="377044"/>
       </dsp:txXfrm>
     </dsp:sp>
-    <dsp:sp modelId="{1A5ED826-5D00-4CB2-87B5-BEC5EC62E772}">
+    <dsp:sp modelId="{9A56D476-57EC-4DAE-8286-533FD3497850}">
       <dsp:nvSpPr>
         <dsp:cNvPr id="0" name=""/>
         <dsp:cNvSpPr/>
       </dsp:nvSpPr>
       <dsp:spPr>
         <a:xfrm>
-          <a:off x="5299645" y="3618588"/>
-          <a:ext cx="5962101" cy="382627"/>
+          <a:off x="5299645" y="3949749"/>
+          <a:ext cx="5962101" cy="417838"/>
         </a:xfrm>
         <a:prstGeom prst="roundRect">
           <a:avLst/>
@@ -19365,9 +19363,9 @@
           <a:gsLst>
             <a:gs pos="0">
               <a:schemeClr val="accent2">
-                <a:hueOff val="3874613"/>
-                <a:satOff val="20215"/>
-                <a:lumOff val="-5775"/>
+                <a:hueOff val="4262075"/>
+                <a:satOff val="22236"/>
+                <a:lumOff val="-6352"/>
                 <a:alphaOff val="0"/>
                 <a:tint val="85000"/>
                 <a:shade val="98000"/>
@@ -19377,9 +19375,9 @@
             </a:gs>
             <a:gs pos="50000">
               <a:schemeClr val="accent2">
-                <a:hueOff val="3874613"/>
-                <a:satOff val="20215"/>
-                <a:lumOff val="-5775"/>
+                <a:hueOff val="4262075"/>
+                <a:satOff val="22236"/>
+                <a:lumOff val="-6352"/>
                 <a:alphaOff val="0"/>
                 <a:shade val="85000"/>
                 <a:satMod val="105000"/>
@@ -19388,9 +19386,9 @@
             </a:gs>
             <a:gs pos="100000">
               <a:schemeClr val="accent2">
-                <a:hueOff val="3874613"/>
-                <a:satOff val="20215"/>
-                <a:lumOff val="-5775"/>
+                <a:hueOff val="4262075"/>
+                <a:satOff val="22236"/>
+                <a:lumOff val="-6352"/>
                 <a:alphaOff val="0"/>
                 <a:shade val="60000"/>
                 <a:satMod val="120000"/>
@@ -19426,12 +19424,12 @@
         </a:fontRef>
       </dsp:style>
       <dsp:txBody>
-        <a:bodyPr spcFirstLastPara="0" vert="horz" wrap="square" lIns="72390" tIns="36195" rIns="72390" bIns="36195" numCol="1" spcCol="1270" anchor="ctr" anchorCtr="0">
+        <a:bodyPr spcFirstLastPara="0" vert="horz" wrap="square" lIns="80010" tIns="40005" rIns="80010" bIns="40005" numCol="1" spcCol="1270" anchor="ctr" anchorCtr="0">
           <a:noAutofit/>
         </a:bodyPr>
         <a:lstStyle/>
         <a:p>
-          <a:pPr marL="0" lvl="0" indent="0" algn="ctr" defTabSz="844550">
+          <a:pPr marL="0" lvl="0" indent="0" algn="ctr" defTabSz="933450">
             <a:lnSpc>
               <a:spcPct val="90000"/>
             </a:lnSpc>
@@ -19444,120 +19442,14 @@
             <a:buNone/>
           </a:pPr>
           <a:r>
-            <a:rPr lang="en-US" sz="1900" kern="1200"/>
-            <a:t>Maintainability</a:t>
-          </a:r>
-        </a:p>
-      </dsp:txBody>
-      <dsp:txXfrm>
-        <a:off x="5318323" y="3637266"/>
-        <a:ext cx="5924745" cy="345271"/>
-      </dsp:txXfrm>
-    </dsp:sp>
-    <dsp:sp modelId="{9A56D476-57EC-4DAE-8286-533FD3497850}">
-      <dsp:nvSpPr>
-        <dsp:cNvPr id="0" name=""/>
-        <dsp:cNvSpPr/>
-      </dsp:nvSpPr>
-      <dsp:spPr>
-        <a:xfrm>
-          <a:off x="5299645" y="4020347"/>
-          <a:ext cx="5962101" cy="382627"/>
-        </a:xfrm>
-        <a:prstGeom prst="roundRect">
-          <a:avLst/>
-        </a:prstGeom>
-        <a:gradFill rotWithShape="0">
-          <a:gsLst>
-            <a:gs pos="0">
-              <a:schemeClr val="accent2">
-                <a:hueOff val="4305126"/>
-                <a:satOff val="22461"/>
-                <a:lumOff val="-6416"/>
-                <a:alphaOff val="0"/>
-                <a:tint val="85000"/>
-                <a:shade val="98000"/>
-                <a:satMod val="110000"/>
-                <a:lumMod val="103000"/>
-              </a:schemeClr>
-            </a:gs>
-            <a:gs pos="50000">
-              <a:schemeClr val="accent2">
-                <a:hueOff val="4305126"/>
-                <a:satOff val="22461"/>
-                <a:lumOff val="-6416"/>
-                <a:alphaOff val="0"/>
-                <a:shade val="85000"/>
-                <a:satMod val="105000"/>
-                <a:lumMod val="100000"/>
-              </a:schemeClr>
-            </a:gs>
-            <a:gs pos="100000">
-              <a:schemeClr val="accent2">
-                <a:hueOff val="4305126"/>
-                <a:satOff val="22461"/>
-                <a:lumOff val="-6416"/>
-                <a:alphaOff val="0"/>
-                <a:shade val="60000"/>
-                <a:satMod val="120000"/>
-                <a:lumMod val="100000"/>
-              </a:schemeClr>
-            </a:gs>
-          </a:gsLst>
-          <a:lin ang="5400000" scaled="0"/>
-        </a:gradFill>
-        <a:ln>
-          <a:noFill/>
-        </a:ln>
-        <a:effectLst>
-          <a:outerShdw blurRad="50800" dist="15875" dir="5400000" algn="ctr" rotWithShape="0">
-            <a:srgbClr val="000000">
-              <a:alpha val="68000"/>
-            </a:srgbClr>
-          </a:outerShdw>
-        </a:effectLst>
-      </dsp:spPr>
-      <dsp:style>
-        <a:lnRef idx="0">
-          <a:scrgbClr r="0" g="0" b="0"/>
-        </a:lnRef>
-        <a:fillRef idx="3">
-          <a:scrgbClr r="0" g="0" b="0"/>
-        </a:fillRef>
-        <a:effectRef idx="2">
-          <a:scrgbClr r="0" g="0" b="0"/>
-        </a:effectRef>
-        <a:fontRef idx="minor">
-          <a:schemeClr val="lt1"/>
-        </a:fontRef>
-      </dsp:style>
-      <dsp:txBody>
-        <a:bodyPr spcFirstLastPara="0" vert="horz" wrap="square" lIns="72390" tIns="36195" rIns="72390" bIns="36195" numCol="1" spcCol="1270" anchor="ctr" anchorCtr="0">
-          <a:noAutofit/>
-        </a:bodyPr>
-        <a:lstStyle/>
-        <a:p>
-          <a:pPr marL="0" lvl="0" indent="0" algn="ctr" defTabSz="844550">
-            <a:lnSpc>
-              <a:spcPct val="90000"/>
-            </a:lnSpc>
-            <a:spcBef>
-              <a:spcPct val="0"/>
-            </a:spcBef>
-            <a:spcAft>
-              <a:spcPct val="35000"/>
-            </a:spcAft>
-            <a:buNone/>
-          </a:pPr>
-          <a:r>
-            <a:rPr lang="en-US" sz="1900" kern="1200"/>
+            <a:rPr lang="en-US" sz="2100" kern="1200"/>
             <a:t>Achieved Goals</a:t>
           </a:r>
         </a:p>
       </dsp:txBody>
       <dsp:txXfrm>
-        <a:off x="5318323" y="4039025"/>
-        <a:ext cx="5924745" cy="345271"/>
+        <a:off x="5320042" y="3970146"/>
+        <a:ext cx="5921307" cy="377044"/>
       </dsp:txXfrm>
     </dsp:sp>
     <dsp:sp modelId="{DD9B7236-1E08-409A-9F65-F940323D19C0}">
@@ -19567,8 +19459,8 @@
       </dsp:nvSpPr>
       <dsp:spPr>
         <a:xfrm>
-          <a:off x="5299645" y="4422106"/>
-          <a:ext cx="5962101" cy="382627"/>
+          <a:off x="5299645" y="4388479"/>
+          <a:ext cx="5962101" cy="417838"/>
         </a:xfrm>
         <a:prstGeom prst="roundRect">
           <a:avLst/>
@@ -19638,12 +19530,12 @@
         </a:fontRef>
       </dsp:style>
       <dsp:txBody>
-        <a:bodyPr spcFirstLastPara="0" vert="horz" wrap="square" lIns="72390" tIns="36195" rIns="72390" bIns="36195" numCol="1" spcCol="1270" anchor="ctr" anchorCtr="0">
+        <a:bodyPr spcFirstLastPara="0" vert="horz" wrap="square" lIns="80010" tIns="40005" rIns="80010" bIns="40005" numCol="1" spcCol="1270" anchor="ctr" anchorCtr="0">
           <a:noAutofit/>
         </a:bodyPr>
         <a:lstStyle/>
         <a:p>
-          <a:pPr marL="0" lvl="0" indent="0" algn="ctr" defTabSz="844550">
+          <a:pPr marL="0" lvl="0" indent="0" algn="ctr" defTabSz="933450">
             <a:lnSpc>
               <a:spcPct val="90000"/>
             </a:lnSpc>
@@ -19656,14 +19548,14 @@
             <a:buNone/>
           </a:pPr>
           <a:r>
-            <a:rPr lang="en-US" sz="1900" kern="1200"/>
+            <a:rPr lang="en-US" sz="2100" kern="1200"/>
             <a:t>Conclusion</a:t>
           </a:r>
         </a:p>
       </dsp:txBody>
       <dsp:txXfrm>
-        <a:off x="5318323" y="4440784"/>
-        <a:ext cx="5924745" cy="345271"/>
+        <a:off x="5320042" y="4408876"/>
+        <a:ext cx="5921307" cy="377044"/>
       </dsp:txXfrm>
     </dsp:sp>
   </dsp:spTree>
@@ -21058,8 +20950,8 @@
       </dsp:nvSpPr>
       <dsp:spPr>
         <a:xfrm>
-          <a:off x="3280" y="20205"/>
-          <a:ext cx="3198279" cy="460800"/>
+          <a:off x="3280" y="7245"/>
+          <a:ext cx="3198279" cy="662400"/>
         </a:xfrm>
         <a:prstGeom prst="rect">
           <a:avLst/>
@@ -21137,12 +21029,12 @@
         </a:fontRef>
       </dsp:style>
       <dsp:txBody>
-        <a:bodyPr spcFirstLastPara="0" vert="horz" wrap="square" lIns="113792" tIns="65024" rIns="113792" bIns="65024" numCol="1" spcCol="1270" anchor="ctr" anchorCtr="0">
+        <a:bodyPr spcFirstLastPara="0" vert="horz" wrap="square" lIns="163576" tIns="93472" rIns="163576" bIns="93472" numCol="1" spcCol="1270" anchor="ctr" anchorCtr="0">
           <a:noAutofit/>
         </a:bodyPr>
         <a:lstStyle/>
         <a:p>
-          <a:pPr marL="0" lvl="0" indent="0" algn="ctr" defTabSz="711200">
+          <a:pPr marL="0" lvl="0" indent="0" algn="ctr" defTabSz="1022350">
             <a:lnSpc>
               <a:spcPct val="90000"/>
             </a:lnSpc>
@@ -21155,10 +21047,10 @@
             <a:buNone/>
           </a:pPr>
           <a:r>
-            <a:rPr lang="en-US" sz="1600" kern="1200"/>
+            <a:rPr lang="en-US" sz="2300" kern="1200"/>
             <a:t>CSV Parsing</a:t>
           </a:r>
-          <a:endParaRPr lang="en-US" sz="1600" kern="1200">
+          <a:endParaRPr lang="en-US" sz="2300" kern="1200">
             <a:solidFill>
               <a:srgbClr val="010000"/>
             </a:solidFill>
@@ -21167,8 +21059,8 @@
         </a:p>
       </dsp:txBody>
       <dsp:txXfrm>
-        <a:off x="3280" y="20205"/>
-        <a:ext cx="3198279" cy="460800"/>
+        <a:off x="3280" y="7245"/>
+        <a:ext cx="3198279" cy="662400"/>
       </dsp:txXfrm>
     </dsp:sp>
     <dsp:sp modelId="{AD423238-9BB4-400E-8A17-60392CB4CA8A}">
@@ -21178,8 +21070,8 @@
       </dsp:nvSpPr>
       <dsp:spPr>
         <a:xfrm>
-          <a:off x="3280" y="481005"/>
-          <a:ext cx="3198279" cy="1185840"/>
+          <a:off x="3280" y="669646"/>
+          <a:ext cx="3198279" cy="1010160"/>
         </a:xfrm>
         <a:prstGeom prst="rect">
           <a:avLst/>
@@ -21222,12 +21114,12 @@
         <a:fontRef idx="minor"/>
       </dsp:style>
       <dsp:txBody>
-        <a:bodyPr spcFirstLastPara="0" vert="horz" wrap="square" lIns="85344" tIns="85344" rIns="113792" bIns="128016" numCol="1" spcCol="1270" anchor="t" anchorCtr="0">
+        <a:bodyPr spcFirstLastPara="0" vert="horz" wrap="square" lIns="122682" tIns="122682" rIns="163576" bIns="184023" numCol="1" spcCol="1270" anchor="t" anchorCtr="0">
           <a:noAutofit/>
         </a:bodyPr>
         <a:lstStyle/>
         <a:p>
-          <a:pPr marL="171450" lvl="1" indent="-171450" algn="l" defTabSz="711200">
+          <a:pPr marL="228600" lvl="1" indent="-228600" algn="l" defTabSz="1022350">
             <a:lnSpc>
               <a:spcPct val="90000"/>
             </a:lnSpc>
@@ -21240,14 +21132,14 @@
             <a:buChar char="•"/>
           </a:pPr>
           <a:r>
-            <a:rPr lang="en-US" sz="1600" kern="1200"/>
+            <a:rPr lang="en-US" sz="2300" kern="1200"/>
             <a:t>Apache's Commons-CSV Library</a:t>
           </a:r>
         </a:p>
       </dsp:txBody>
       <dsp:txXfrm>
-        <a:off x="3280" y="481005"/>
-        <a:ext cx="3198279" cy="1185840"/>
+        <a:off x="3280" y="669646"/>
+        <a:ext cx="3198279" cy="1010160"/>
       </dsp:txXfrm>
     </dsp:sp>
     <dsp:sp modelId="{C69EBD1D-33B8-41A3-9F1A-B18E772B4FED}">
@@ -21257,8 +21149,8 @@
       </dsp:nvSpPr>
       <dsp:spPr>
         <a:xfrm>
-          <a:off x="3649318" y="20205"/>
-          <a:ext cx="3198279" cy="460800"/>
+          <a:off x="3649318" y="7245"/>
+          <a:ext cx="3198279" cy="662400"/>
         </a:xfrm>
         <a:prstGeom prst="rect">
           <a:avLst/>
@@ -21336,12 +21228,12 @@
         </a:fontRef>
       </dsp:style>
       <dsp:txBody>
-        <a:bodyPr spcFirstLastPara="0" vert="horz" wrap="square" lIns="113792" tIns="65024" rIns="113792" bIns="65024" numCol="1" spcCol="1270" anchor="ctr" anchorCtr="0">
+        <a:bodyPr spcFirstLastPara="0" vert="horz" wrap="square" lIns="163576" tIns="93472" rIns="163576" bIns="93472" numCol="1" spcCol="1270" anchor="ctr" anchorCtr="0">
           <a:noAutofit/>
         </a:bodyPr>
         <a:lstStyle/>
         <a:p>
-          <a:pPr marL="0" lvl="0" indent="0" algn="ctr" defTabSz="711200">
+          <a:pPr marL="0" lvl="0" indent="0" algn="ctr" defTabSz="1022350">
             <a:lnSpc>
               <a:spcPct val="90000"/>
             </a:lnSpc>
@@ -21354,14 +21246,14 @@
             <a:buNone/>
           </a:pPr>
           <a:r>
-            <a:rPr lang="en-US" sz="1600" kern="1200"/>
+            <a:rPr lang="en-US" sz="2300" kern="1200"/>
             <a:t>Phonetic Encoding</a:t>
           </a:r>
         </a:p>
       </dsp:txBody>
       <dsp:txXfrm>
-        <a:off x="3649318" y="20205"/>
-        <a:ext cx="3198279" cy="460800"/>
+        <a:off x="3649318" y="7245"/>
+        <a:ext cx="3198279" cy="662400"/>
       </dsp:txXfrm>
     </dsp:sp>
     <dsp:sp modelId="{5ADA738D-7366-4CF7-9EEF-48BD3EE37EB5}">
@@ -21371,8 +21263,8 @@
       </dsp:nvSpPr>
       <dsp:spPr>
         <a:xfrm>
-          <a:off x="3649318" y="481005"/>
-          <a:ext cx="3198279" cy="1185840"/>
+          <a:off x="3649318" y="669646"/>
+          <a:ext cx="3198279" cy="1010160"/>
         </a:xfrm>
         <a:prstGeom prst="rect">
           <a:avLst/>
@@ -21415,12 +21307,12 @@
         <a:fontRef idx="minor"/>
       </dsp:style>
       <dsp:txBody>
-        <a:bodyPr spcFirstLastPara="0" vert="horz" wrap="square" lIns="85344" tIns="85344" rIns="113792" bIns="128016" numCol="1" spcCol="1270" anchor="t" anchorCtr="0">
+        <a:bodyPr spcFirstLastPara="0" vert="horz" wrap="square" lIns="122682" tIns="122682" rIns="163576" bIns="184023" numCol="1" spcCol="1270" anchor="t" anchorCtr="0">
           <a:noAutofit/>
         </a:bodyPr>
         <a:lstStyle/>
         <a:p>
-          <a:pPr marL="171450" lvl="1" indent="-171450" algn="l" defTabSz="711200">
+          <a:pPr marL="228600" lvl="1" indent="-228600" algn="l" defTabSz="1022350">
             <a:lnSpc>
               <a:spcPct val="90000"/>
             </a:lnSpc>
@@ -21433,54 +21325,14 @@
             <a:buChar char="•"/>
           </a:pPr>
           <a:r>
-            <a:rPr lang="en-US" sz="1600" kern="1200" dirty="0"/>
+            <a:rPr lang="en-US" sz="2300" kern="1200" dirty="0"/>
             <a:t>Apache's Commons-Codec Library</a:t>
-          </a:r>
-        </a:p>
-        <a:p>
-          <a:pPr marL="171450" lvl="1" indent="-171450" algn="l" defTabSz="711200">
-            <a:lnSpc>
-              <a:spcPct val="90000"/>
-            </a:lnSpc>
-            <a:spcBef>
-              <a:spcPct val="0"/>
-            </a:spcBef>
-            <a:spcAft>
-              <a:spcPct val="15000"/>
-            </a:spcAft>
-            <a:buChar char="•"/>
-          </a:pPr>
-          <a:r>
-            <a:rPr lang="en-US" sz="1600" kern="1200" dirty="0"/>
-            <a:t>Ex.</a:t>
-          </a:r>
-        </a:p>
-        <a:p>
-          <a:pPr marL="342900" lvl="2" indent="-171450" algn="l" defTabSz="711200">
-            <a:lnSpc>
-              <a:spcPct val="90000"/>
-            </a:lnSpc>
-            <a:spcBef>
-              <a:spcPct val="0"/>
-            </a:spcBef>
-            <a:spcAft>
-              <a:spcPct val="15000"/>
-            </a:spcAft>
-            <a:buChar char="•"/>
-          </a:pPr>
-          <a:r>
-            <a:rPr lang="en-US" sz="1600" kern="1200" dirty="0" err="1"/>
-            <a:t>Illesca</a:t>
-          </a:r>
-          <a:r>
-            <a:rPr lang="en-US" sz="1600" kern="1200" dirty="0"/>
-            <a:t> -&gt; ILSK</a:t>
           </a:r>
         </a:p>
       </dsp:txBody>
       <dsp:txXfrm>
-        <a:off x="3649318" y="481005"/>
-        <a:ext cx="3198279" cy="1185840"/>
+        <a:off x="3649318" y="669646"/>
+        <a:ext cx="3198279" cy="1010160"/>
       </dsp:txXfrm>
     </dsp:sp>
     <dsp:sp modelId="{57BCF1C9-8773-4798-B4A7-D1ED852BB8F5}">
@@ -21490,8 +21342,8 @@
       </dsp:nvSpPr>
       <dsp:spPr>
         <a:xfrm>
-          <a:off x="7295357" y="20205"/>
-          <a:ext cx="3198279" cy="460800"/>
+          <a:off x="7295357" y="7245"/>
+          <a:ext cx="3198279" cy="662400"/>
         </a:xfrm>
         <a:prstGeom prst="rect">
           <a:avLst/>
@@ -21569,12 +21421,12 @@
         </a:fontRef>
       </dsp:style>
       <dsp:txBody>
-        <a:bodyPr spcFirstLastPara="0" vert="horz" wrap="square" lIns="113792" tIns="65024" rIns="113792" bIns="65024" numCol="1" spcCol="1270" anchor="ctr" anchorCtr="0">
+        <a:bodyPr spcFirstLastPara="0" vert="horz" wrap="square" lIns="163576" tIns="93472" rIns="163576" bIns="93472" numCol="1" spcCol="1270" anchor="ctr" anchorCtr="0">
           <a:noAutofit/>
         </a:bodyPr>
         <a:lstStyle/>
         <a:p>
-          <a:pPr marL="0" lvl="0" indent="0" algn="ctr" defTabSz="711200">
+          <a:pPr marL="0" lvl="0" indent="0" algn="ctr" defTabSz="1022350">
             <a:lnSpc>
               <a:spcPct val="90000"/>
             </a:lnSpc>
@@ -21587,14 +21439,14 @@
             <a:buNone/>
           </a:pPr>
           <a:r>
-            <a:rPr lang="en-US" sz="1600" kern="1200"/>
+            <a:rPr lang="en-US" sz="2300" kern="1200"/>
             <a:t>Json Parsing</a:t>
           </a:r>
         </a:p>
       </dsp:txBody>
       <dsp:txXfrm>
-        <a:off x="7295357" y="20205"/>
-        <a:ext cx="3198279" cy="460800"/>
+        <a:off x="7295357" y="7245"/>
+        <a:ext cx="3198279" cy="662400"/>
       </dsp:txXfrm>
     </dsp:sp>
     <dsp:sp modelId="{52982DCB-31B4-4B9A-9096-43BE6F508B52}">
@@ -21604,8 +21456,8 @@
       </dsp:nvSpPr>
       <dsp:spPr>
         <a:xfrm>
-          <a:off x="7295357" y="481005"/>
-          <a:ext cx="3198279" cy="1185840"/>
+          <a:off x="7295357" y="669646"/>
+          <a:ext cx="3198279" cy="1010160"/>
         </a:xfrm>
         <a:prstGeom prst="rect">
           <a:avLst/>
@@ -21648,12 +21500,12 @@
         <a:fontRef idx="minor"/>
       </dsp:style>
       <dsp:txBody>
-        <a:bodyPr spcFirstLastPara="0" vert="horz" wrap="square" lIns="85344" tIns="85344" rIns="113792" bIns="128016" numCol="1" spcCol="1270" anchor="t" anchorCtr="0">
+        <a:bodyPr spcFirstLastPara="0" vert="horz" wrap="square" lIns="122682" tIns="122682" rIns="163576" bIns="184023" numCol="1" spcCol="1270" anchor="t" anchorCtr="0">
           <a:noAutofit/>
         </a:bodyPr>
         <a:lstStyle/>
         <a:p>
-          <a:pPr marL="171450" lvl="1" indent="-171450" algn="l" defTabSz="711200">
+          <a:pPr marL="228600" lvl="1" indent="-228600" algn="l" defTabSz="1022350">
             <a:lnSpc>
               <a:spcPct val="90000"/>
             </a:lnSpc>
@@ -21666,18 +21518,18 @@
             <a:buChar char="•"/>
           </a:pPr>
           <a:r>
-            <a:rPr lang="en-US" sz="1600" kern="1200" err="1"/>
+            <a:rPr lang="en-US" sz="2300" kern="1200" err="1"/>
             <a:t>Org.json's</a:t>
           </a:r>
           <a:r>
-            <a:rPr lang="en-US" sz="1600" kern="1200"/>
+            <a:rPr lang="en-US" sz="2300" kern="1200"/>
             <a:t> JSON library</a:t>
           </a:r>
         </a:p>
       </dsp:txBody>
       <dsp:txXfrm>
-        <a:off x="7295357" y="481005"/>
-        <a:ext cx="3198279" cy="1185840"/>
+        <a:off x="7295357" y="669646"/>
+        <a:ext cx="3198279" cy="1010160"/>
       </dsp:txXfrm>
     </dsp:sp>
   </dsp:spTree>
@@ -22221,7 +22073,7 @@
             <a:buNone/>
           </a:pPr>
           <a:r>
-            <a:rPr lang="en-US" sz="5200" kern="1200"/>
+            <a:rPr lang="en-US" sz="5200" kern="1200" dirty="0"/>
             <a:t>Readability</a:t>
           </a:r>
         </a:p>
@@ -22330,7 +22182,7 @@
             <a:buNone/>
           </a:pPr>
           <a:r>
-            <a:rPr lang="en-US" sz="5200" kern="1200"/>
+            <a:rPr lang="en-US" sz="5200" kern="1200" dirty="0"/>
             <a:t>Object Oriented Design</a:t>
           </a:r>
         </a:p>
@@ -22439,7 +22291,7 @@
             <a:buNone/>
           </a:pPr>
           <a:r>
-            <a:rPr lang="en-US" sz="5200" kern="1200"/>
+            <a:rPr lang="en-US" sz="5200" kern="1200" dirty="0"/>
             <a:t>Comprehensive Documentation</a:t>
           </a:r>
         </a:p>
@@ -22663,7 +22515,7 @@
             <a:buNone/>
           </a:pPr>
           <a:r>
-            <a:rPr lang="en-US" sz="3500" kern="1200"/>
+            <a:rPr lang="en-US" sz="3500" kern="1200" dirty="0"/>
             <a:t>Readability</a:t>
           </a:r>
         </a:p>
@@ -22769,7 +22621,7 @@
             <a:buNone/>
           </a:pPr>
           <a:r>
-            <a:rPr lang="en-US" sz="3500" kern="1200"/>
+            <a:rPr lang="en-US" sz="3500" kern="1200" dirty="0"/>
             <a:t>Maintainability</a:t>
           </a:r>
         </a:p>
@@ -22999,8 +22851,8 @@
             <a:buNone/>
           </a:pPr>
           <a:r>
-            <a:rPr lang="en-US" sz="4800" kern="1200"/>
-            <a:t>Created an efficient and scalable solution</a:t>
+            <a:rPr lang="en-US" sz="4800" kern="1200" dirty="0"/>
+            <a:t>Created an efficient and scalable solution to the problem</a:t>
           </a:r>
         </a:p>
       </dsp:txBody>
@@ -25472,7 +25324,7 @@
       </dsp:nvSpPr>
       <dsp:spPr>
         <a:xfrm>
-          <a:off x="3952" y="215346"/>
+          <a:off x="3952" y="85347"/>
           <a:ext cx="2376667" cy="576000"/>
         </a:xfrm>
         <a:prstGeom prst="rect">
@@ -25575,7 +25427,7 @@
         </a:p>
       </dsp:txBody>
       <dsp:txXfrm>
-        <a:off x="3952" y="215346"/>
+        <a:off x="3952" y="85347"/>
         <a:ext cx="2376667" cy="576000"/>
       </dsp:txXfrm>
     </dsp:sp>
@@ -25586,8 +25438,8 @@
       </dsp:nvSpPr>
       <dsp:spPr>
         <a:xfrm>
-          <a:off x="3952" y="791346"/>
-          <a:ext cx="2376667" cy="3033305"/>
+          <a:off x="3952" y="661347"/>
+          <a:ext cx="2376667" cy="3293303"/>
         </a:xfrm>
         <a:prstGeom prst="rect">
           <a:avLst/>
@@ -25678,8 +25530,8 @@
         </a:p>
       </dsp:txBody>
       <dsp:txXfrm>
-        <a:off x="3952" y="791346"/>
-        <a:ext cx="2376667" cy="3033305"/>
+        <a:off x="3952" y="661347"/>
+        <a:ext cx="2376667" cy="3293303"/>
       </dsp:txXfrm>
     </dsp:sp>
     <dsp:sp modelId="{F42C6B58-D9EE-448A-948D-50CDFC4BDCA9}">
@@ -25689,7 +25541,7 @@
       </dsp:nvSpPr>
       <dsp:spPr>
         <a:xfrm>
-          <a:off x="2713353" y="215346"/>
+          <a:off x="2713353" y="85347"/>
           <a:ext cx="2376667" cy="576000"/>
         </a:xfrm>
         <a:prstGeom prst="rect">
@@ -25792,7 +25644,7 @@
         </a:p>
       </dsp:txBody>
       <dsp:txXfrm>
-        <a:off x="2713353" y="215346"/>
+        <a:off x="2713353" y="85347"/>
         <a:ext cx="2376667" cy="576000"/>
       </dsp:txXfrm>
     </dsp:sp>
@@ -25803,8 +25655,8 @@
       </dsp:nvSpPr>
       <dsp:spPr>
         <a:xfrm>
-          <a:off x="2713353" y="791346"/>
-          <a:ext cx="2376667" cy="3033305"/>
+          <a:off x="2713353" y="661347"/>
+          <a:ext cx="2376667" cy="3293303"/>
         </a:xfrm>
         <a:prstGeom prst="rect">
           <a:avLst/>
@@ -25877,8 +25729,8 @@
         </a:p>
       </dsp:txBody>
       <dsp:txXfrm>
-        <a:off x="2713353" y="791346"/>
-        <a:ext cx="2376667" cy="3033305"/>
+        <a:off x="2713353" y="661347"/>
+        <a:ext cx="2376667" cy="3293303"/>
       </dsp:txXfrm>
     </dsp:sp>
     <dsp:sp modelId="{A9488153-CE7A-4FE3-887C-2CFC8E597351}">
@@ -25888,7 +25740,7 @@
       </dsp:nvSpPr>
       <dsp:spPr>
         <a:xfrm>
-          <a:off x="5422754" y="215346"/>
+          <a:off x="5422754" y="85347"/>
           <a:ext cx="2376667" cy="576000"/>
         </a:xfrm>
         <a:prstGeom prst="rect">
@@ -25991,7 +25843,7 @@
         </a:p>
       </dsp:txBody>
       <dsp:txXfrm>
-        <a:off x="5422754" y="215346"/>
+        <a:off x="5422754" y="85347"/>
         <a:ext cx="2376667" cy="576000"/>
       </dsp:txXfrm>
     </dsp:sp>
@@ -26002,8 +25854,8 @@
       </dsp:nvSpPr>
       <dsp:spPr>
         <a:xfrm>
-          <a:off x="5422754" y="791346"/>
-          <a:ext cx="2376667" cy="3033305"/>
+          <a:off x="5422754" y="661347"/>
+          <a:ext cx="2376667" cy="3293303"/>
         </a:xfrm>
         <a:prstGeom prst="rect">
           <a:avLst/>
@@ -26160,8 +26012,8 @@
         </a:p>
       </dsp:txBody>
       <dsp:txXfrm>
-        <a:off x="5422754" y="791346"/>
-        <a:ext cx="2376667" cy="3033305"/>
+        <a:off x="5422754" y="661347"/>
+        <a:ext cx="2376667" cy="3293303"/>
       </dsp:txXfrm>
     </dsp:sp>
     <dsp:sp modelId="{C002646F-ED7E-4E38-BE1B-E290CE09F2CD}">
@@ -26171,7 +26023,7 @@
       </dsp:nvSpPr>
       <dsp:spPr>
         <a:xfrm>
-          <a:off x="8132155" y="215346"/>
+          <a:off x="8132155" y="85347"/>
           <a:ext cx="2376667" cy="576000"/>
         </a:xfrm>
         <a:prstGeom prst="rect">
@@ -26274,7 +26126,7 @@
         </a:p>
       </dsp:txBody>
       <dsp:txXfrm>
-        <a:off x="8132155" y="215346"/>
+        <a:off x="8132155" y="85347"/>
         <a:ext cx="2376667" cy="576000"/>
       </dsp:txXfrm>
     </dsp:sp>
@@ -26285,8 +26137,8 @@
       </dsp:nvSpPr>
       <dsp:spPr>
         <a:xfrm>
-          <a:off x="8132155" y="791346"/>
-          <a:ext cx="2376667" cy="3033305"/>
+          <a:off x="8132155" y="661347"/>
+          <a:ext cx="2376667" cy="3293303"/>
         </a:xfrm>
         <a:prstGeom prst="rect">
           <a:avLst/>
@@ -26438,13 +26290,13 @@
           </a:pPr>
           <a:r>
             <a:rPr lang="en-US" sz="2000" kern="1200" dirty="0"/>
-            <a:t>123 North State Street</a:t>
+            <a:t>123 NORTH STATE STREET</a:t>
           </a:r>
         </a:p>
       </dsp:txBody>
       <dsp:txXfrm>
-        <a:off x="8132155" y="791346"/>
-        <a:ext cx="2376667" cy="3033305"/>
+        <a:off x="8132155" y="661347"/>
+        <a:ext cx="2376667" cy="3293303"/>
       </dsp:txXfrm>
     </dsp:sp>
   </dsp:spTree>
@@ -26525,8 +26377,8 @@
             <a:buChar char="•"/>
           </a:pPr>
           <a:r>
-            <a:rPr lang="en-US" sz="2900" kern="1200"/>
-            <a:t>O(n*m) </a:t>
+            <a:rPr lang="en-US" sz="2900" kern="1200" dirty="0"/>
+            <a:t>N*M comparisons</a:t>
           </a:r>
         </a:p>
         <a:p>
@@ -26973,7 +26825,7 @@
             <a:buChar char="•"/>
           </a:pPr>
           <a:r>
-            <a:rPr lang="en-US" sz="2900" kern="1200"/>
+            <a:rPr lang="en-US" sz="2900" kern="1200" dirty="0"/>
             <a:t>841,138 comparisons!</a:t>
           </a:r>
         </a:p>
@@ -27173,8 +27025,8 @@
             <a:buChar char="•"/>
           </a:pPr>
           <a:r>
-            <a:rPr lang="en-US" sz="2900" kern="1200"/>
-            <a:t>~1 second</a:t>
+            <a:rPr lang="en-US" sz="2900" kern="1200" dirty="0"/>
+            <a:t>~1 second!</a:t>
           </a:r>
         </a:p>
       </dsp:txBody>
@@ -27592,19 +27444,7 @@
             <a:rPr lang="en-US" sz="2300" kern="1200" dirty="0">
               <a:latin typeface="Century Gothic" panose="020B0502020202020204"/>
             </a:rPr>
-            <a:t>Ex. Axel ~ </a:t>
-          </a:r>
-          <a:r>
-            <a:rPr lang="en-US" sz="2300" kern="1200" dirty="0" err="1">
-              <a:latin typeface="Century Gothic" panose="020B0502020202020204"/>
-            </a:rPr>
-            <a:t>Axl</a:t>
-          </a:r>
-          <a:r>
-            <a:rPr lang="en-US" sz="2300" kern="1200" dirty="0">
-              <a:latin typeface="Century Gothic" panose="020B0502020202020204"/>
-            </a:rPr>
-            <a:t> = 75</a:t>
+            <a:t>Ex. Axel ~ Axe = 75</a:t>
           </a:r>
         </a:p>
       </dsp:txBody>
@@ -28477,13 +28317,13 @@
             <a:buNone/>
           </a:pPr>
           <a:r>
-            <a:rPr lang="en-US" sz="2300" kern="1200">
+            <a:rPr lang="en-US" sz="2300" kern="1200" dirty="0">
               <a:solidFill>
                 <a:srgbClr val="000000"/>
               </a:solidFill>
               <a:latin typeface="Century Gothic" panose="020B0502020202020204"/>
             </a:rPr>
-            <a:t>Sum of each field's similarity *weight</a:t>
+            <a:t>Sum of each field's similarity * weight</a:t>
           </a:r>
         </a:p>
       </dsp:txBody>
@@ -49661,7 +49501,7 @@
           <a:p>
             <a:fld id="{56731ED0-DD9C-442B-8AC3-97D41B5157C2}" type="datetimeFigureOut">
               <a:rPr lang="en-US"/>
-              <a:t>2/11/2019</a:t>
+              <a:t>3/24/2019</a:t>
             </a:fld>
             <a:endParaRPr lang="en-US"/>
           </a:p>
@@ -50188,7 +50028,7 @@
           <a:p>
             <a:fld id="{846CE7D5-CF57-46EF-B807-FDD0502418D4}" type="datetimeFigureOut">
               <a:rPr lang="en-US" smtClean="0"/>
-              <a:t>2/11/2019</a:t>
+              <a:t>3/24/2019</a:t>
             </a:fld>
             <a:endParaRPr lang="en-US"/>
           </a:p>
@@ -50359,7 +50199,7 @@
           <a:p>
             <a:fld id="{846CE7D5-CF57-46EF-B807-FDD0502418D4}" type="datetimeFigureOut">
               <a:rPr lang="en-US" smtClean="0"/>
-              <a:t>2/11/2019</a:t>
+              <a:t>3/24/2019</a:t>
             </a:fld>
             <a:endParaRPr lang="en-US"/>
           </a:p>
@@ -50583,7 +50423,7 @@
           <a:p>
             <a:fld id="{846CE7D5-CF57-46EF-B807-FDD0502418D4}" type="datetimeFigureOut">
               <a:rPr lang="en-US" smtClean="0"/>
-              <a:t>2/11/2019</a:t>
+              <a:t>3/24/2019</a:t>
             </a:fld>
             <a:endParaRPr lang="en-US"/>
           </a:p>
@@ -50764,7 +50604,7 @@
           <a:p>
             <a:fld id="{846CE7D5-CF57-46EF-B807-FDD0502418D4}" type="datetimeFigureOut">
               <a:rPr lang="en-US" smtClean="0"/>
-              <a:t>2/11/2019</a:t>
+              <a:t>3/24/2019</a:t>
             </a:fld>
             <a:endParaRPr lang="en-US"/>
           </a:p>
@@ -51072,7 +50912,7 @@
           <a:p>
             <a:fld id="{846CE7D5-CF57-46EF-B807-FDD0502418D4}" type="datetimeFigureOut">
               <a:rPr lang="en-US" smtClean="0"/>
-              <a:t>2/11/2019</a:t>
+              <a:t>3/24/2019</a:t>
             </a:fld>
             <a:endParaRPr lang="en-US"/>
           </a:p>
@@ -51376,7 +51216,7 @@
           <a:p>
             <a:fld id="{846CE7D5-CF57-46EF-B807-FDD0502418D4}" type="datetimeFigureOut">
               <a:rPr lang="en-US" smtClean="0"/>
-              <a:t>2/11/2019</a:t>
+              <a:t>3/24/2019</a:t>
             </a:fld>
             <a:endParaRPr lang="en-US"/>
           </a:p>
@@ -51798,7 +51638,7 @@
           <a:p>
             <a:fld id="{846CE7D5-CF57-46EF-B807-FDD0502418D4}" type="datetimeFigureOut">
               <a:rPr lang="en-US" smtClean="0"/>
-              <a:t>2/11/2019</a:t>
+              <a:t>3/24/2019</a:t>
             </a:fld>
             <a:endParaRPr lang="en-US"/>
           </a:p>
@@ -51918,7 +51758,7 @@
           <a:p>
             <a:fld id="{846CE7D5-CF57-46EF-B807-FDD0502418D4}" type="datetimeFigureOut">
               <a:rPr lang="en-US" smtClean="0"/>
-              <a:t>2/11/2019</a:t>
+              <a:t>3/24/2019</a:t>
             </a:fld>
             <a:endParaRPr lang="en-US"/>
           </a:p>
@@ -52016,7 +51856,7 @@
           <a:p>
             <a:fld id="{846CE7D5-CF57-46EF-B807-FDD0502418D4}" type="datetimeFigureOut">
               <a:rPr lang="en-US" smtClean="0"/>
-              <a:t>2/11/2019</a:t>
+              <a:t>3/24/2019</a:t>
             </a:fld>
             <a:endParaRPr lang="en-US"/>
           </a:p>
@@ -52290,7 +52130,7 @@
           <a:p>
             <a:fld id="{846CE7D5-CF57-46EF-B807-FDD0502418D4}" type="datetimeFigureOut">
               <a:rPr lang="en-US" smtClean="0"/>
-              <a:t>2/11/2019</a:t>
+              <a:t>3/24/2019</a:t>
             </a:fld>
             <a:endParaRPr lang="en-US"/>
           </a:p>
@@ -52556,7 +52396,7 @@
           <a:p>
             <a:fld id="{846CE7D5-CF57-46EF-B807-FDD0502418D4}" type="datetimeFigureOut">
               <a:rPr lang="en-US" smtClean="0"/>
-              <a:t>2/11/2019</a:t>
+              <a:t>3/24/2019</a:t>
             </a:fld>
             <a:endParaRPr lang="en-US"/>
           </a:p>
@@ -52806,7 +52646,7 @@
           <a:p>
             <a:fld id="{846CE7D5-CF57-46EF-B807-FDD0502418D4}" type="datetimeFigureOut">
               <a:rPr lang="en-US" smtClean="0"/>
-              <a:t>2/11/2019</a:t>
+              <a:t>3/24/2019</a:t>
             </a:fld>
             <a:endParaRPr lang="en-US"/>
           </a:p>
@@ -53662,7 +53502,7 @@
             <p:ph idx="1"/>
             <p:extLst>
               <p:ext uri="{D42A27DB-BD31-4B8C-83A1-F6EECF244321}">
-                <p14:modId xmlns:p14="http://schemas.microsoft.com/office/powerpoint/2010/main" val="502280367"/>
+                <p14:modId xmlns:p14="http://schemas.microsoft.com/office/powerpoint/2010/main" val="3895316020"/>
               </p:ext>
             </p:extLst>
           </p:nvPr>
@@ -53691,7 +53531,7 @@
         </p:nvSpPr>
         <p:spPr>
           <a:xfrm>
-            <a:off x="7184772" y="4618124"/>
+            <a:off x="7175894" y="4473777"/>
             <a:ext cx="947620" cy="621522"/>
           </a:xfrm>
           <a:prstGeom prst="downArrow">
@@ -53751,7 +53591,7 @@
         </p:nvSpPr>
         <p:spPr>
           <a:xfrm>
-            <a:off x="9943405" y="4589187"/>
+            <a:off x="9925649" y="4473777"/>
             <a:ext cx="947620" cy="621522"/>
           </a:xfrm>
           <a:prstGeom prst="downArrow">
@@ -53963,7 +53803,7 @@
           <p:nvPr>
             <p:extLst>
               <p:ext uri="{D42A27DB-BD31-4B8C-83A1-F6EECF244321}">
-                <p14:modId xmlns:p14="http://schemas.microsoft.com/office/powerpoint/2010/main" val="2866655426"/>
+                <p14:modId xmlns:p14="http://schemas.microsoft.com/office/powerpoint/2010/main" val="1412700440"/>
               </p:ext>
             </p:extLst>
           </p:nvPr>
@@ -54064,14 +53904,14 @@
           <a:lstStyle/>
           <a:p>
             <a:r>
-              <a:rPr lang="en-US" u="sng"/>
+              <a:rPr lang="en-US" u="sng" dirty="0"/>
               <a:t>Implementation</a:t>
             </a:r>
             <a:br>
-              <a:rPr lang="en-US" sz="4800" u="sng"/>
+              <a:rPr lang="en-US" sz="4800" u="sng" dirty="0"/>
             </a:br>
             <a:r>
-              <a:rPr lang="en-US" sz="2000"/>
+              <a:rPr lang="en-US" sz="2000" dirty="0"/>
               <a:t>                                                         Indexing</a:t>
             </a:r>
           </a:p>
@@ -54143,7 +53983,7 @@
           <p:nvPr>
             <p:extLst>
               <p:ext uri="{D42A27DB-BD31-4B8C-83A1-F6EECF244321}">
-                <p14:modId xmlns:p14="http://schemas.microsoft.com/office/powerpoint/2010/main" val="2777756843"/>
+                <p14:modId xmlns:p14="http://schemas.microsoft.com/office/powerpoint/2010/main" val="2808190831"/>
               </p:ext>
             </p:extLst>
           </p:nvPr>
@@ -54175,6 +54015,1887 @@
 </file>
 
 <file path=ppt/slides/slide14.xml><?xml version="1.0" encoding="utf-8"?>
+<p:sld xmlns:a="http://schemas.openxmlformats.org/drawingml/2006/main" xmlns:r="http://schemas.openxmlformats.org/officeDocument/2006/relationships" xmlns:p="http://schemas.openxmlformats.org/presentationml/2006/main">
+  <p:cSld>
+    <p:spTree>
+      <p:nvGrpSpPr>
+        <p:cNvPr id="1" name=""/>
+        <p:cNvGrpSpPr/>
+        <p:nvPr/>
+      </p:nvGrpSpPr>
+      <p:grpSpPr>
+        <a:xfrm>
+          <a:off x="0" y="0"/>
+          <a:ext cx="0" cy="0"/>
+          <a:chOff x="0" y="0"/>
+          <a:chExt cx="0" cy="0"/>
+        </a:xfrm>
+      </p:grpSpPr>
+      <p:graphicFrame>
+        <p:nvGraphicFramePr>
+          <p:cNvPr id="5" name="Content Placeholder 4">
+            <a:extLst>
+              <a:ext uri="{FF2B5EF4-FFF2-40B4-BE49-F238E27FC236}">
+                <a16:creationId xmlns:a16="http://schemas.microsoft.com/office/drawing/2014/main" id="{B033794F-9869-49D7-BF9B-396DAC42E109}"/>
+              </a:ext>
+            </a:extLst>
+          </p:cNvPr>
+          <p:cNvGraphicFramePr>
+            <a:graphicFrameLocks noGrp="1"/>
+          </p:cNvGraphicFramePr>
+          <p:nvPr>
+            <p:ph idx="1"/>
+            <p:extLst>
+              <p:ext uri="{D42A27DB-BD31-4B8C-83A1-F6EECF244321}">
+                <p14:modId xmlns:p14="http://schemas.microsoft.com/office/powerpoint/2010/main" val="122975350"/>
+              </p:ext>
+            </p:extLst>
+          </p:nvPr>
+        </p:nvGraphicFramePr>
+        <p:xfrm>
+          <a:off x="635154" y="2503788"/>
+          <a:ext cx="4433997" cy="2296740"/>
+        </p:xfrm>
+        <a:graphic>
+          <a:graphicData uri="http://schemas.openxmlformats.org/drawingml/2006/table">
+            <a:tbl>
+              <a:tblPr firstRow="1" bandRow="1">
+                <a:tableStyleId>{21E4AEA4-8DFA-4A89-87EB-49C32662AFE0}</a:tableStyleId>
+              </a:tblPr>
+              <a:tblGrid>
+                <a:gridCol w="1477999">
+                  <a:extLst>
+                    <a:ext uri="{9D8B030D-6E8A-4147-A177-3AD203B41FA5}">
+                      <a16:colId xmlns:a16="http://schemas.microsoft.com/office/drawing/2014/main" val="1350672735"/>
+                    </a:ext>
+                  </a:extLst>
+                </a:gridCol>
+                <a:gridCol w="1477999">
+                  <a:extLst>
+                    <a:ext uri="{9D8B030D-6E8A-4147-A177-3AD203B41FA5}">
+                      <a16:colId xmlns:a16="http://schemas.microsoft.com/office/drawing/2014/main" val="1488975924"/>
+                    </a:ext>
+                  </a:extLst>
+                </a:gridCol>
+                <a:gridCol w="1477999">
+                  <a:extLst>
+                    <a:ext uri="{9D8B030D-6E8A-4147-A177-3AD203B41FA5}">
+                      <a16:colId xmlns:a16="http://schemas.microsoft.com/office/drawing/2014/main" val="976378822"/>
+                    </a:ext>
+                  </a:extLst>
+                </a:gridCol>
+              </a:tblGrid>
+              <a:tr h="459348">
+                <a:tc>
+                  <a:txBody>
+                    <a:bodyPr/>
+                    <a:lstStyle/>
+                    <a:p>
+                      <a:pPr algn="ctr"/>
+                      <a:r>
+                        <a:rPr lang="en-US" dirty="0"/>
+                        <a:t>First</a:t>
+                      </a:r>
+                    </a:p>
+                  </a:txBody>
+                  <a:tcPr/>
+                </a:tc>
+                <a:tc>
+                  <a:txBody>
+                    <a:bodyPr/>
+                    <a:lstStyle/>
+                    <a:p>
+                      <a:pPr algn="ctr"/>
+                      <a:r>
+                        <a:rPr lang="en-US" dirty="0"/>
+                        <a:t>Last</a:t>
+                      </a:r>
+                    </a:p>
+                  </a:txBody>
+                  <a:tcPr/>
+                </a:tc>
+                <a:tc>
+                  <a:txBody>
+                    <a:bodyPr/>
+                    <a:lstStyle/>
+                    <a:p>
+                      <a:pPr algn="ctr"/>
+                      <a:r>
+                        <a:rPr lang="en-US" dirty="0"/>
+                        <a:t>Encoding</a:t>
+                      </a:r>
+                    </a:p>
+                  </a:txBody>
+                  <a:tcPr/>
+                </a:tc>
+                <a:extLst>
+                  <a:ext uri="{0D108BD9-81ED-4DB2-BD59-A6C34878D82A}">
+                    <a16:rowId xmlns:a16="http://schemas.microsoft.com/office/drawing/2014/main" val="1253521583"/>
+                  </a:ext>
+                </a:extLst>
+              </a:tr>
+              <a:tr h="459348">
+                <a:tc>
+                  <a:txBody>
+                    <a:bodyPr/>
+                    <a:lstStyle/>
+                    <a:p>
+                      <a:r>
+                        <a:rPr lang="en-US" dirty="0"/>
+                        <a:t>John </a:t>
+                      </a:r>
+                    </a:p>
+                  </a:txBody>
+                  <a:tcPr/>
+                </a:tc>
+                <a:tc>
+                  <a:txBody>
+                    <a:bodyPr/>
+                    <a:lstStyle/>
+                    <a:p>
+                      <a:r>
+                        <a:rPr lang="en-US" dirty="0"/>
+                        <a:t>Doe</a:t>
+                      </a:r>
+                    </a:p>
+                  </a:txBody>
+                  <a:tcPr/>
+                </a:tc>
+                <a:tc>
+                  <a:txBody>
+                    <a:bodyPr/>
+                    <a:lstStyle/>
+                    <a:p>
+                      <a:r>
+                        <a:rPr lang="en-US" dirty="0"/>
+                        <a:t>T</a:t>
+                      </a:r>
+                    </a:p>
+                  </a:txBody>
+                  <a:tcPr/>
+                </a:tc>
+                <a:extLst>
+                  <a:ext uri="{0D108BD9-81ED-4DB2-BD59-A6C34878D82A}">
+                    <a16:rowId xmlns:a16="http://schemas.microsoft.com/office/drawing/2014/main" val="2566381453"/>
+                  </a:ext>
+                </a:extLst>
+              </a:tr>
+              <a:tr h="459348">
+                <a:tc>
+                  <a:txBody>
+                    <a:bodyPr/>
+                    <a:lstStyle/>
+                    <a:p>
+                      <a:r>
+                        <a:rPr lang="en-US" dirty="0"/>
+                        <a:t>Hannah</a:t>
+                      </a:r>
+                    </a:p>
+                  </a:txBody>
+                  <a:tcPr/>
+                </a:tc>
+                <a:tc>
+                  <a:txBody>
+                    <a:bodyPr/>
+                    <a:lstStyle/>
+                    <a:p>
+                      <a:r>
+                        <a:rPr lang="en-US" dirty="0" err="1"/>
+                        <a:t>Hilkens</a:t>
+                      </a:r>
+                      <a:endParaRPr lang="en-US" dirty="0"/>
+                    </a:p>
+                  </a:txBody>
+                  <a:tcPr/>
+                </a:tc>
+                <a:tc>
+                  <a:txBody>
+                    <a:bodyPr/>
+                    <a:lstStyle/>
+                    <a:p>
+                      <a:r>
+                        <a:rPr lang="en-US" dirty="0"/>
+                        <a:t>HLKNS</a:t>
+                      </a:r>
+                    </a:p>
+                  </a:txBody>
+                  <a:tcPr/>
+                </a:tc>
+                <a:extLst>
+                  <a:ext uri="{0D108BD9-81ED-4DB2-BD59-A6C34878D82A}">
+                    <a16:rowId xmlns:a16="http://schemas.microsoft.com/office/drawing/2014/main" val="2019673407"/>
+                  </a:ext>
+                </a:extLst>
+              </a:tr>
+              <a:tr h="459348">
+                <a:tc>
+                  <a:txBody>
+                    <a:bodyPr/>
+                    <a:lstStyle/>
+                    <a:p>
+                      <a:r>
+                        <a:rPr lang="en-US" dirty="0"/>
+                        <a:t>Bill</a:t>
+                      </a:r>
+                    </a:p>
+                  </a:txBody>
+                  <a:tcPr/>
+                </a:tc>
+                <a:tc>
+                  <a:txBody>
+                    <a:bodyPr/>
+                    <a:lstStyle/>
+                    <a:p>
+                      <a:r>
+                        <a:rPr lang="en-US" dirty="0"/>
+                        <a:t>Niven</a:t>
+                      </a:r>
+                    </a:p>
+                  </a:txBody>
+                  <a:tcPr/>
+                </a:tc>
+                <a:tc>
+                  <a:txBody>
+                    <a:bodyPr/>
+                    <a:lstStyle/>
+                    <a:p>
+                      <a:r>
+                        <a:rPr lang="en-US" dirty="0"/>
+                        <a:t>NFN</a:t>
+                      </a:r>
+                    </a:p>
+                  </a:txBody>
+                  <a:tcPr/>
+                </a:tc>
+                <a:extLst>
+                  <a:ext uri="{0D108BD9-81ED-4DB2-BD59-A6C34878D82A}">
+                    <a16:rowId xmlns:a16="http://schemas.microsoft.com/office/drawing/2014/main" val="1500160293"/>
+                  </a:ext>
+                </a:extLst>
+              </a:tr>
+              <a:tr h="459348">
+                <a:tc>
+                  <a:txBody>
+                    <a:bodyPr/>
+                    <a:lstStyle/>
+                    <a:p>
+                      <a:r>
+                        <a:rPr lang="en-US" dirty="0"/>
+                        <a:t>Kyle</a:t>
+                      </a:r>
+                    </a:p>
+                  </a:txBody>
+                  <a:tcPr/>
+                </a:tc>
+                <a:tc>
+                  <a:txBody>
+                    <a:bodyPr/>
+                    <a:lstStyle/>
+                    <a:p>
+                      <a:r>
+                        <a:rPr lang="en-US" dirty="0"/>
+                        <a:t>Grant</a:t>
+                      </a:r>
+                    </a:p>
+                  </a:txBody>
+                  <a:tcPr/>
+                </a:tc>
+                <a:tc>
+                  <a:txBody>
+                    <a:bodyPr/>
+                    <a:lstStyle/>
+                    <a:p>
+                      <a:r>
+                        <a:rPr lang="en-US" dirty="0"/>
+                        <a:t>KRNT</a:t>
+                      </a:r>
+                    </a:p>
+                  </a:txBody>
+                  <a:tcPr/>
+                </a:tc>
+                <a:extLst>
+                  <a:ext uri="{0D108BD9-81ED-4DB2-BD59-A6C34878D82A}">
+                    <a16:rowId xmlns:a16="http://schemas.microsoft.com/office/drawing/2014/main" val="2491127678"/>
+                  </a:ext>
+                </a:extLst>
+              </a:tr>
+            </a:tbl>
+          </a:graphicData>
+        </a:graphic>
+      </p:graphicFrame>
+      <p:graphicFrame>
+        <p:nvGraphicFramePr>
+          <p:cNvPr id="7" name="Table 6">
+            <a:extLst>
+              <a:ext uri="{FF2B5EF4-FFF2-40B4-BE49-F238E27FC236}">
+                <a16:creationId xmlns:a16="http://schemas.microsoft.com/office/drawing/2014/main" id="{91F187D5-992A-4A24-B16B-F80DB734CBED}"/>
+              </a:ext>
+            </a:extLst>
+          </p:cNvPr>
+          <p:cNvGraphicFramePr>
+            <a:graphicFrameLocks noGrp="1"/>
+          </p:cNvGraphicFramePr>
+          <p:nvPr>
+            <p:extLst>
+              <p:ext uri="{D42A27DB-BD31-4B8C-83A1-F6EECF244321}">
+                <p14:modId xmlns:p14="http://schemas.microsoft.com/office/powerpoint/2010/main" val="3570094042"/>
+              </p:ext>
+            </p:extLst>
+          </p:nvPr>
+        </p:nvGraphicFramePr>
+        <p:xfrm>
+          <a:off x="6169981" y="2169365"/>
+          <a:ext cx="5220069" cy="4480713"/>
+        </p:xfrm>
+        <a:graphic>
+          <a:graphicData uri="http://schemas.openxmlformats.org/drawingml/2006/table">
+            <a:tbl>
+              <a:tblPr firstRow="1" bandRow="1">
+                <a:tableStyleId>{21E4AEA4-8DFA-4A89-87EB-49C32662AFE0}</a:tableStyleId>
+              </a:tblPr>
+              <a:tblGrid>
+                <a:gridCol w="1740021">
+                  <a:extLst>
+                    <a:ext uri="{9D8B030D-6E8A-4147-A177-3AD203B41FA5}">
+                      <a16:colId xmlns:a16="http://schemas.microsoft.com/office/drawing/2014/main" val="4118545069"/>
+                    </a:ext>
+                  </a:extLst>
+                </a:gridCol>
+                <a:gridCol w="1740024">
+                  <a:extLst>
+                    <a:ext uri="{9D8B030D-6E8A-4147-A177-3AD203B41FA5}">
+                      <a16:colId xmlns:a16="http://schemas.microsoft.com/office/drawing/2014/main" val="1672038400"/>
+                    </a:ext>
+                  </a:extLst>
+                </a:gridCol>
+                <a:gridCol w="1740024">
+                  <a:extLst>
+                    <a:ext uri="{9D8B030D-6E8A-4147-A177-3AD203B41FA5}">
+                      <a16:colId xmlns:a16="http://schemas.microsoft.com/office/drawing/2014/main" val="4071668740"/>
+                    </a:ext>
+                  </a:extLst>
+                </a:gridCol>
+              </a:tblGrid>
+              <a:tr h="497857">
+                <a:tc>
+                  <a:txBody>
+                    <a:bodyPr/>
+                    <a:lstStyle/>
+                    <a:p>
+                      <a:pPr algn="ctr"/>
+                      <a:r>
+                        <a:rPr lang="en-US" dirty="0"/>
+                        <a:t>First</a:t>
+                      </a:r>
+                    </a:p>
+                  </a:txBody>
+                  <a:tcPr/>
+                </a:tc>
+                <a:tc>
+                  <a:txBody>
+                    <a:bodyPr/>
+                    <a:lstStyle/>
+                    <a:p>
+                      <a:pPr algn="ctr"/>
+                      <a:r>
+                        <a:rPr lang="en-US" dirty="0"/>
+                        <a:t>Last</a:t>
+                      </a:r>
+                    </a:p>
+                  </a:txBody>
+                  <a:tcPr/>
+                </a:tc>
+                <a:tc>
+                  <a:txBody>
+                    <a:bodyPr/>
+                    <a:lstStyle/>
+                    <a:p>
+                      <a:pPr algn="ctr"/>
+                      <a:r>
+                        <a:rPr lang="en-US" dirty="0"/>
+                        <a:t>Encoding</a:t>
+                      </a:r>
+                    </a:p>
+                  </a:txBody>
+                  <a:tcPr/>
+                </a:tc>
+                <a:extLst>
+                  <a:ext uri="{0D108BD9-81ED-4DB2-BD59-A6C34878D82A}">
+                    <a16:rowId xmlns:a16="http://schemas.microsoft.com/office/drawing/2014/main" val="480360953"/>
+                  </a:ext>
+                </a:extLst>
+              </a:tr>
+              <a:tr h="497857">
+                <a:tc>
+                  <a:txBody>
+                    <a:bodyPr/>
+                    <a:lstStyle/>
+                    <a:p>
+                      <a:pPr algn="l"/>
+                      <a:r>
+                        <a:rPr lang="en-US" dirty="0"/>
+                        <a:t>Mike</a:t>
+                      </a:r>
+                    </a:p>
+                  </a:txBody>
+                  <a:tcPr/>
+                </a:tc>
+                <a:tc>
+                  <a:txBody>
+                    <a:bodyPr/>
+                    <a:lstStyle/>
+                    <a:p>
+                      <a:pPr algn="l"/>
+                      <a:r>
+                        <a:rPr lang="en-US" dirty="0"/>
+                        <a:t>Day</a:t>
+                      </a:r>
+                    </a:p>
+                  </a:txBody>
+                  <a:tcPr/>
+                </a:tc>
+                <a:tc>
+                  <a:txBody>
+                    <a:bodyPr/>
+                    <a:lstStyle/>
+                    <a:p>
+                      <a:pPr algn="l"/>
+                      <a:r>
+                        <a:rPr lang="en-US" dirty="0"/>
+                        <a:t>T</a:t>
+                      </a:r>
+                    </a:p>
+                  </a:txBody>
+                  <a:tcPr/>
+                </a:tc>
+                <a:extLst>
+                  <a:ext uri="{0D108BD9-81ED-4DB2-BD59-A6C34878D82A}">
+                    <a16:rowId xmlns:a16="http://schemas.microsoft.com/office/drawing/2014/main" val="1229785362"/>
+                  </a:ext>
+                </a:extLst>
+              </a:tr>
+              <a:tr h="497857">
+                <a:tc>
+                  <a:txBody>
+                    <a:bodyPr/>
+                    <a:lstStyle/>
+                    <a:p>
+                      <a:pPr algn="l"/>
+                      <a:r>
+                        <a:rPr lang="en-US" dirty="0"/>
+                        <a:t>Sarah </a:t>
+                      </a:r>
+                    </a:p>
+                  </a:txBody>
+                  <a:tcPr/>
+                </a:tc>
+                <a:tc>
+                  <a:txBody>
+                    <a:bodyPr/>
+                    <a:lstStyle/>
+                    <a:p>
+                      <a:pPr algn="l"/>
+                      <a:r>
+                        <a:rPr lang="en-US" dirty="0"/>
+                        <a:t>Doe</a:t>
+                      </a:r>
+                    </a:p>
+                  </a:txBody>
+                  <a:tcPr/>
+                </a:tc>
+                <a:tc>
+                  <a:txBody>
+                    <a:bodyPr/>
+                    <a:lstStyle/>
+                    <a:p>
+                      <a:pPr algn="l"/>
+                      <a:r>
+                        <a:rPr lang="en-US" dirty="0"/>
+                        <a:t>T</a:t>
+                      </a:r>
+                    </a:p>
+                  </a:txBody>
+                  <a:tcPr/>
+                </a:tc>
+                <a:extLst>
+                  <a:ext uri="{0D108BD9-81ED-4DB2-BD59-A6C34878D82A}">
+                    <a16:rowId xmlns:a16="http://schemas.microsoft.com/office/drawing/2014/main" val="3170310260"/>
+                  </a:ext>
+                </a:extLst>
+              </a:tr>
+              <a:tr h="497857">
+                <a:tc>
+                  <a:txBody>
+                    <a:bodyPr/>
+                    <a:lstStyle/>
+                    <a:p>
+                      <a:pPr algn="l"/>
+                      <a:r>
+                        <a:rPr lang="en-US" dirty="0"/>
+                        <a:t>Hannah</a:t>
+                      </a:r>
+                    </a:p>
+                  </a:txBody>
+                  <a:tcPr/>
+                </a:tc>
+                <a:tc>
+                  <a:txBody>
+                    <a:bodyPr/>
+                    <a:lstStyle/>
+                    <a:p>
+                      <a:pPr algn="l"/>
+                      <a:r>
+                        <a:rPr lang="en-US" dirty="0" err="1"/>
+                        <a:t>Hilkens</a:t>
+                      </a:r>
+                      <a:endParaRPr lang="en-US" dirty="0"/>
+                    </a:p>
+                  </a:txBody>
+                  <a:tcPr/>
+                </a:tc>
+                <a:tc>
+                  <a:txBody>
+                    <a:bodyPr/>
+                    <a:lstStyle/>
+                    <a:p>
+                      <a:pPr algn="l"/>
+                      <a:r>
+                        <a:rPr lang="en-US" dirty="0"/>
+                        <a:t>HLKNS</a:t>
+                      </a:r>
+                    </a:p>
+                  </a:txBody>
+                  <a:tcPr/>
+                </a:tc>
+                <a:extLst>
+                  <a:ext uri="{0D108BD9-81ED-4DB2-BD59-A6C34878D82A}">
+                    <a16:rowId xmlns:a16="http://schemas.microsoft.com/office/drawing/2014/main" val="1026994777"/>
+                  </a:ext>
+                </a:extLst>
+              </a:tr>
+              <a:tr h="497857">
+                <a:tc>
+                  <a:txBody>
+                    <a:bodyPr/>
+                    <a:lstStyle/>
+                    <a:p>
+                      <a:pPr algn="l"/>
+                      <a:r>
+                        <a:rPr lang="en-US" dirty="0" err="1"/>
+                        <a:t>Syndey</a:t>
+                      </a:r>
+                      <a:r>
+                        <a:rPr lang="en-US" dirty="0"/>
+                        <a:t> </a:t>
+                      </a:r>
+                    </a:p>
+                  </a:txBody>
+                  <a:tcPr/>
+                </a:tc>
+                <a:tc>
+                  <a:txBody>
+                    <a:bodyPr/>
+                    <a:lstStyle/>
+                    <a:p>
+                      <a:pPr algn="l"/>
+                      <a:r>
+                        <a:rPr lang="en-US" dirty="0" err="1"/>
+                        <a:t>Hilkins</a:t>
+                      </a:r>
+                      <a:endParaRPr lang="en-US" dirty="0"/>
+                    </a:p>
+                  </a:txBody>
+                  <a:tcPr/>
+                </a:tc>
+                <a:tc>
+                  <a:txBody>
+                    <a:bodyPr/>
+                    <a:lstStyle/>
+                    <a:p>
+                      <a:pPr algn="l"/>
+                      <a:r>
+                        <a:rPr lang="en-US" dirty="0"/>
+                        <a:t>HLKNS</a:t>
+                      </a:r>
+                    </a:p>
+                  </a:txBody>
+                  <a:tcPr/>
+                </a:tc>
+                <a:extLst>
+                  <a:ext uri="{0D108BD9-81ED-4DB2-BD59-A6C34878D82A}">
+                    <a16:rowId xmlns:a16="http://schemas.microsoft.com/office/drawing/2014/main" val="3217922409"/>
+                  </a:ext>
+                </a:extLst>
+              </a:tr>
+              <a:tr h="497857">
+                <a:tc>
+                  <a:txBody>
+                    <a:bodyPr/>
+                    <a:lstStyle/>
+                    <a:p>
+                      <a:pPr algn="l"/>
+                      <a:r>
+                        <a:rPr lang="en-US" dirty="0"/>
+                        <a:t>Drake</a:t>
+                      </a:r>
+                    </a:p>
+                  </a:txBody>
+                  <a:tcPr/>
+                </a:tc>
+                <a:tc>
+                  <a:txBody>
+                    <a:bodyPr/>
+                    <a:lstStyle/>
+                    <a:p>
+                      <a:pPr algn="l"/>
+                      <a:r>
+                        <a:rPr lang="en-US" dirty="0"/>
+                        <a:t>Niven</a:t>
+                      </a:r>
+                    </a:p>
+                  </a:txBody>
+                  <a:tcPr/>
+                </a:tc>
+                <a:tc>
+                  <a:txBody>
+                    <a:bodyPr/>
+                    <a:lstStyle/>
+                    <a:p>
+                      <a:pPr algn="l"/>
+                      <a:r>
+                        <a:rPr lang="en-US" dirty="0"/>
+                        <a:t>NFN</a:t>
+                      </a:r>
+                    </a:p>
+                  </a:txBody>
+                  <a:tcPr/>
+                </a:tc>
+                <a:extLst>
+                  <a:ext uri="{0D108BD9-81ED-4DB2-BD59-A6C34878D82A}">
+                    <a16:rowId xmlns:a16="http://schemas.microsoft.com/office/drawing/2014/main" val="1552843451"/>
+                  </a:ext>
+                </a:extLst>
+              </a:tr>
+              <a:tr h="497857">
+                <a:tc>
+                  <a:txBody>
+                    <a:bodyPr/>
+                    <a:lstStyle/>
+                    <a:p>
+                      <a:pPr algn="l"/>
+                      <a:r>
+                        <a:rPr lang="en-US" dirty="0"/>
+                        <a:t>Josh</a:t>
+                      </a:r>
+                    </a:p>
+                  </a:txBody>
+                  <a:tcPr/>
+                </a:tc>
+                <a:tc>
+                  <a:txBody>
+                    <a:bodyPr/>
+                    <a:lstStyle/>
+                    <a:p>
+                      <a:pPr algn="l"/>
+                      <a:r>
+                        <a:rPr lang="en-US" dirty="0" err="1"/>
+                        <a:t>Nieveen</a:t>
+                      </a:r>
+                      <a:endParaRPr lang="en-US" dirty="0"/>
+                    </a:p>
+                  </a:txBody>
+                  <a:tcPr/>
+                </a:tc>
+                <a:tc>
+                  <a:txBody>
+                    <a:bodyPr/>
+                    <a:lstStyle/>
+                    <a:p>
+                      <a:pPr algn="l"/>
+                      <a:r>
+                        <a:rPr lang="en-US" dirty="0"/>
+                        <a:t>NFN</a:t>
+                      </a:r>
+                    </a:p>
+                  </a:txBody>
+                  <a:tcPr/>
+                </a:tc>
+                <a:extLst>
+                  <a:ext uri="{0D108BD9-81ED-4DB2-BD59-A6C34878D82A}">
+                    <a16:rowId xmlns:a16="http://schemas.microsoft.com/office/drawing/2014/main" val="3881684564"/>
+                  </a:ext>
+                </a:extLst>
+              </a:tr>
+              <a:tr h="497857">
+                <a:tc>
+                  <a:txBody>
+                    <a:bodyPr/>
+                    <a:lstStyle/>
+                    <a:p>
+                      <a:pPr algn="l"/>
+                      <a:r>
+                        <a:rPr lang="en-US" dirty="0"/>
+                        <a:t>Matt</a:t>
+                      </a:r>
+                    </a:p>
+                  </a:txBody>
+                  <a:tcPr/>
+                </a:tc>
+                <a:tc>
+                  <a:txBody>
+                    <a:bodyPr/>
+                    <a:lstStyle/>
+                    <a:p>
+                      <a:pPr algn="l"/>
+                      <a:r>
+                        <a:rPr lang="en-US" dirty="0"/>
+                        <a:t>Grand</a:t>
+                      </a:r>
+                    </a:p>
+                  </a:txBody>
+                  <a:tcPr/>
+                </a:tc>
+                <a:tc>
+                  <a:txBody>
+                    <a:bodyPr/>
+                    <a:lstStyle/>
+                    <a:p>
+                      <a:pPr algn="l"/>
+                      <a:r>
+                        <a:rPr lang="en-US" dirty="0"/>
+                        <a:t>KRNT</a:t>
+                      </a:r>
+                    </a:p>
+                  </a:txBody>
+                  <a:tcPr/>
+                </a:tc>
+                <a:extLst>
+                  <a:ext uri="{0D108BD9-81ED-4DB2-BD59-A6C34878D82A}">
+                    <a16:rowId xmlns:a16="http://schemas.microsoft.com/office/drawing/2014/main" val="996404327"/>
+                  </a:ext>
+                </a:extLst>
+              </a:tr>
+              <a:tr h="497857">
+                <a:tc>
+                  <a:txBody>
+                    <a:bodyPr/>
+                    <a:lstStyle/>
+                    <a:p>
+                      <a:pPr algn="l"/>
+                      <a:r>
+                        <a:rPr lang="en-US" dirty="0"/>
+                        <a:t>James</a:t>
+                      </a:r>
+                    </a:p>
+                  </a:txBody>
+                  <a:tcPr/>
+                </a:tc>
+                <a:tc>
+                  <a:txBody>
+                    <a:bodyPr/>
+                    <a:lstStyle/>
+                    <a:p>
+                      <a:pPr algn="l"/>
+                      <a:r>
+                        <a:rPr lang="en-US" dirty="0" err="1"/>
+                        <a:t>Grent</a:t>
+                      </a:r>
+                      <a:endParaRPr lang="en-US" dirty="0"/>
+                    </a:p>
+                  </a:txBody>
+                  <a:tcPr/>
+                </a:tc>
+                <a:tc>
+                  <a:txBody>
+                    <a:bodyPr/>
+                    <a:lstStyle/>
+                    <a:p>
+                      <a:pPr algn="l"/>
+                      <a:r>
+                        <a:rPr lang="en-US" dirty="0"/>
+                        <a:t>KRNT</a:t>
+                      </a:r>
+                    </a:p>
+                  </a:txBody>
+                  <a:tcPr/>
+                </a:tc>
+                <a:extLst>
+                  <a:ext uri="{0D108BD9-81ED-4DB2-BD59-A6C34878D82A}">
+                    <a16:rowId xmlns:a16="http://schemas.microsoft.com/office/drawing/2014/main" val="398339187"/>
+                  </a:ext>
+                </a:extLst>
+              </a:tr>
+            </a:tbl>
+          </a:graphicData>
+        </a:graphic>
+      </p:graphicFrame>
+      <p:sp>
+        <p:nvSpPr>
+          <p:cNvPr id="8" name="Title 1">
+            <a:extLst>
+              <a:ext uri="{FF2B5EF4-FFF2-40B4-BE49-F238E27FC236}">
+                <a16:creationId xmlns:a16="http://schemas.microsoft.com/office/drawing/2014/main" id="{CC39C621-4684-4197-8DC6-5A86E77B2CC7}"/>
+              </a:ext>
+            </a:extLst>
+          </p:cNvPr>
+          <p:cNvSpPr txBox="1">
+            <a:spLocks/>
+          </p:cNvSpPr>
+          <p:nvPr/>
+        </p:nvSpPr>
+        <p:spPr>
+          <a:xfrm>
+            <a:off x="358727" y="-1220771"/>
+            <a:ext cx="5452787" cy="4686903"/>
+          </a:xfrm>
+          <a:prstGeom prst="rect">
+            <a:avLst/>
+          </a:prstGeom>
+        </p:spPr>
+        <p:txBody>
+          <a:bodyPr vert="horz" lIns="91440" tIns="45720" rIns="91440" bIns="45720" rtlCol="0" anchor="ctr">
+            <a:normAutofit/>
+          </a:bodyPr>
+          <a:lstStyle>
+            <a:lvl1pPr algn="l" defTabSz="914400" rtl="0" eaLnBrk="1" latinLnBrk="0" hangingPunct="1">
+              <a:lnSpc>
+                <a:spcPct val="85000"/>
+              </a:lnSpc>
+              <a:spcBef>
+                <a:spcPct val="0"/>
+              </a:spcBef>
+              <a:buNone/>
+              <a:defRPr sz="4000" kern="1200" cap="all" baseline="0">
+                <a:solidFill>
+                  <a:schemeClr val="bg2"/>
+                </a:solidFill>
+                <a:latin typeface="+mj-lt"/>
+                <a:ea typeface="+mj-ea"/>
+                <a:cs typeface="+mj-cs"/>
+              </a:defRPr>
+            </a:lvl1pPr>
+          </a:lstStyle>
+          <a:p>
+            <a:r>
+              <a:rPr lang="en-US" u="sng"/>
+              <a:t>Implementation</a:t>
+            </a:r>
+            <a:br>
+              <a:rPr lang="en-US" sz="4800" u="sng"/>
+            </a:br>
+            <a:r>
+              <a:rPr lang="en-US" sz="2000"/>
+              <a:t>                                                         Indexing</a:t>
+            </a:r>
+            <a:endParaRPr lang="en-US" sz="2000" dirty="0"/>
+          </a:p>
+        </p:txBody>
+      </p:sp>
+      <p:grpSp>
+        <p:nvGrpSpPr>
+          <p:cNvPr id="16" name="Group 15">
+            <a:extLst>
+              <a:ext uri="{FF2B5EF4-FFF2-40B4-BE49-F238E27FC236}">
+                <a16:creationId xmlns:a16="http://schemas.microsoft.com/office/drawing/2014/main" id="{BD79C772-CCE9-4AEF-9DF6-604B559500F8}"/>
+              </a:ext>
+            </a:extLst>
+          </p:cNvPr>
+          <p:cNvGrpSpPr/>
+          <p:nvPr/>
+        </p:nvGrpSpPr>
+        <p:grpSpPr>
+          <a:xfrm>
+            <a:off x="591446" y="2663301"/>
+            <a:ext cx="10798604" cy="1003177"/>
+            <a:chOff x="591446" y="2663301"/>
+            <a:chExt cx="10798604" cy="1003177"/>
+          </a:xfrm>
+        </p:grpSpPr>
+        <p:sp>
+          <p:nvSpPr>
+            <p:cNvPr id="14" name="Rectangle 13">
+              <a:extLst>
+                <a:ext uri="{FF2B5EF4-FFF2-40B4-BE49-F238E27FC236}">
+                  <a16:creationId xmlns:a16="http://schemas.microsoft.com/office/drawing/2014/main" id="{23571B33-7C01-438F-8309-EB045859F56D}"/>
+                </a:ext>
+              </a:extLst>
+            </p:cNvPr>
+            <p:cNvSpPr/>
+            <p:nvPr/>
+          </p:nvSpPr>
+          <p:spPr>
+            <a:xfrm>
+              <a:off x="6169981" y="2663301"/>
+              <a:ext cx="5220069" cy="1003177"/>
+            </a:xfrm>
+            <a:prstGeom prst="rect">
+              <a:avLst/>
+            </a:prstGeom>
+            <a:noFill/>
+            <a:ln w="28575">
+              <a:solidFill>
+                <a:srgbClr val="FF0000"/>
+              </a:solidFill>
+            </a:ln>
+          </p:spPr>
+          <p:style>
+            <a:lnRef idx="2">
+              <a:schemeClr val="accent1">
+                <a:shade val="50000"/>
+              </a:schemeClr>
+            </a:lnRef>
+            <a:fillRef idx="1">
+              <a:schemeClr val="accent1"/>
+            </a:fillRef>
+            <a:effectRef idx="0">
+              <a:schemeClr val="accent1"/>
+            </a:effectRef>
+            <a:fontRef idx="minor">
+              <a:schemeClr val="lt1"/>
+            </a:fontRef>
+          </p:style>
+          <p:txBody>
+            <a:bodyPr rtlCol="0" anchor="ctr"/>
+            <a:lstStyle/>
+            <a:p>
+              <a:pPr algn="ctr"/>
+              <a:endParaRPr lang="en-US"/>
+            </a:p>
+          </p:txBody>
+        </p:sp>
+        <p:sp>
+          <p:nvSpPr>
+            <p:cNvPr id="15" name="Rectangle 14">
+              <a:extLst>
+                <a:ext uri="{FF2B5EF4-FFF2-40B4-BE49-F238E27FC236}">
+                  <a16:creationId xmlns:a16="http://schemas.microsoft.com/office/drawing/2014/main" id="{560F1A2B-A34E-4170-87F2-BEB87B611EC5}"/>
+                </a:ext>
+              </a:extLst>
+            </p:cNvPr>
+            <p:cNvSpPr/>
+            <p:nvPr/>
+          </p:nvSpPr>
+          <p:spPr>
+            <a:xfrm>
+              <a:off x="591446" y="2956264"/>
+              <a:ext cx="4477706" cy="472736"/>
+            </a:xfrm>
+            <a:prstGeom prst="rect">
+              <a:avLst/>
+            </a:prstGeom>
+            <a:noFill/>
+            <a:ln w="28575">
+              <a:solidFill>
+                <a:srgbClr val="FF0000"/>
+              </a:solidFill>
+            </a:ln>
+          </p:spPr>
+          <p:style>
+            <a:lnRef idx="2">
+              <a:schemeClr val="accent1">
+                <a:shade val="50000"/>
+              </a:schemeClr>
+            </a:lnRef>
+            <a:fillRef idx="1">
+              <a:schemeClr val="accent1"/>
+            </a:fillRef>
+            <a:effectRef idx="0">
+              <a:schemeClr val="accent1"/>
+            </a:effectRef>
+            <a:fontRef idx="minor">
+              <a:schemeClr val="lt1"/>
+            </a:fontRef>
+          </p:style>
+          <p:txBody>
+            <a:bodyPr rtlCol="0" anchor="ctr"/>
+            <a:lstStyle/>
+            <a:p>
+              <a:pPr algn="ctr"/>
+              <a:endParaRPr lang="en-US"/>
+            </a:p>
+          </p:txBody>
+        </p:sp>
+      </p:grpSp>
+      <p:grpSp>
+        <p:nvGrpSpPr>
+          <p:cNvPr id="25" name="Group 24">
+            <a:extLst>
+              <a:ext uri="{FF2B5EF4-FFF2-40B4-BE49-F238E27FC236}">
+                <a16:creationId xmlns:a16="http://schemas.microsoft.com/office/drawing/2014/main" id="{F378DB18-F7AA-4CDA-AEA8-BF61B45D6B8E}"/>
+              </a:ext>
+            </a:extLst>
+          </p:cNvPr>
+          <p:cNvGrpSpPr/>
+          <p:nvPr/>
+        </p:nvGrpSpPr>
+        <p:grpSpPr>
+          <a:xfrm>
+            <a:off x="591446" y="3429000"/>
+            <a:ext cx="10798604" cy="1242231"/>
+            <a:chOff x="591446" y="3429000"/>
+            <a:chExt cx="10798604" cy="1242231"/>
+          </a:xfrm>
+        </p:grpSpPr>
+        <p:sp>
+          <p:nvSpPr>
+            <p:cNvPr id="19" name="Rectangle 18">
+              <a:extLst>
+                <a:ext uri="{FF2B5EF4-FFF2-40B4-BE49-F238E27FC236}">
+                  <a16:creationId xmlns:a16="http://schemas.microsoft.com/office/drawing/2014/main" id="{3AC333AC-D1BA-4B10-B7D3-2643BBFA6CA2}"/>
+                </a:ext>
+              </a:extLst>
+            </p:cNvPr>
+            <p:cNvSpPr/>
+            <p:nvPr/>
+          </p:nvSpPr>
+          <p:spPr>
+            <a:xfrm>
+              <a:off x="6169981" y="3668054"/>
+              <a:ext cx="5220069" cy="1003177"/>
+            </a:xfrm>
+            <a:prstGeom prst="rect">
+              <a:avLst/>
+            </a:prstGeom>
+            <a:noFill/>
+            <a:ln w="28575">
+              <a:solidFill>
+                <a:srgbClr val="FF0000"/>
+              </a:solidFill>
+            </a:ln>
+          </p:spPr>
+          <p:style>
+            <a:lnRef idx="2">
+              <a:schemeClr val="accent1">
+                <a:shade val="50000"/>
+              </a:schemeClr>
+            </a:lnRef>
+            <a:fillRef idx="1">
+              <a:schemeClr val="accent1"/>
+            </a:fillRef>
+            <a:effectRef idx="0">
+              <a:schemeClr val="accent1"/>
+            </a:effectRef>
+            <a:fontRef idx="minor">
+              <a:schemeClr val="lt1"/>
+            </a:fontRef>
+          </p:style>
+          <p:txBody>
+            <a:bodyPr rtlCol="0" anchor="ctr"/>
+            <a:lstStyle/>
+            <a:p>
+              <a:pPr algn="ctr"/>
+              <a:endParaRPr lang="en-US"/>
+            </a:p>
+          </p:txBody>
+        </p:sp>
+        <p:sp>
+          <p:nvSpPr>
+            <p:cNvPr id="20" name="Rectangle 19">
+              <a:extLst>
+                <a:ext uri="{FF2B5EF4-FFF2-40B4-BE49-F238E27FC236}">
+                  <a16:creationId xmlns:a16="http://schemas.microsoft.com/office/drawing/2014/main" id="{26546B73-1A0E-4988-A9C4-7438D4E4CBCC}"/>
+                </a:ext>
+              </a:extLst>
+            </p:cNvPr>
+            <p:cNvSpPr/>
+            <p:nvPr/>
+          </p:nvSpPr>
+          <p:spPr>
+            <a:xfrm>
+              <a:off x="591446" y="3429000"/>
+              <a:ext cx="4477706" cy="472736"/>
+            </a:xfrm>
+            <a:prstGeom prst="rect">
+              <a:avLst/>
+            </a:prstGeom>
+            <a:noFill/>
+            <a:ln w="28575">
+              <a:solidFill>
+                <a:srgbClr val="FF0000"/>
+              </a:solidFill>
+            </a:ln>
+          </p:spPr>
+          <p:style>
+            <a:lnRef idx="2">
+              <a:schemeClr val="accent1">
+                <a:shade val="50000"/>
+              </a:schemeClr>
+            </a:lnRef>
+            <a:fillRef idx="1">
+              <a:schemeClr val="accent1"/>
+            </a:fillRef>
+            <a:effectRef idx="0">
+              <a:schemeClr val="accent1"/>
+            </a:effectRef>
+            <a:fontRef idx="minor">
+              <a:schemeClr val="lt1"/>
+            </a:fontRef>
+          </p:style>
+          <p:txBody>
+            <a:bodyPr rtlCol="0" anchor="ctr"/>
+            <a:lstStyle/>
+            <a:p>
+              <a:pPr algn="ctr"/>
+              <a:endParaRPr lang="en-US"/>
+            </a:p>
+          </p:txBody>
+        </p:sp>
+      </p:grpSp>
+      <p:grpSp>
+        <p:nvGrpSpPr>
+          <p:cNvPr id="26" name="Group 25">
+            <a:extLst>
+              <a:ext uri="{FF2B5EF4-FFF2-40B4-BE49-F238E27FC236}">
+                <a16:creationId xmlns:a16="http://schemas.microsoft.com/office/drawing/2014/main" id="{428292CF-7B20-4796-BF1F-A81E01247918}"/>
+              </a:ext>
+            </a:extLst>
+          </p:cNvPr>
+          <p:cNvGrpSpPr/>
+          <p:nvPr/>
+        </p:nvGrpSpPr>
+        <p:grpSpPr>
+          <a:xfrm>
+            <a:off x="591445" y="3881476"/>
+            <a:ext cx="10798604" cy="1794461"/>
+            <a:chOff x="591445" y="3881476"/>
+            <a:chExt cx="10798604" cy="1794461"/>
+          </a:xfrm>
+        </p:grpSpPr>
+        <p:sp>
+          <p:nvSpPr>
+            <p:cNvPr id="21" name="Rectangle 20">
+              <a:extLst>
+                <a:ext uri="{FF2B5EF4-FFF2-40B4-BE49-F238E27FC236}">
+                  <a16:creationId xmlns:a16="http://schemas.microsoft.com/office/drawing/2014/main" id="{4C71774C-342B-4382-B242-67956382FCB6}"/>
+                </a:ext>
+              </a:extLst>
+            </p:cNvPr>
+            <p:cNvSpPr/>
+            <p:nvPr/>
+          </p:nvSpPr>
+          <p:spPr>
+            <a:xfrm>
+              <a:off x="6169980" y="4672760"/>
+              <a:ext cx="5220069" cy="1003177"/>
+            </a:xfrm>
+            <a:prstGeom prst="rect">
+              <a:avLst/>
+            </a:prstGeom>
+            <a:noFill/>
+            <a:ln w="28575">
+              <a:solidFill>
+                <a:srgbClr val="FF0000"/>
+              </a:solidFill>
+            </a:ln>
+          </p:spPr>
+          <p:style>
+            <a:lnRef idx="2">
+              <a:schemeClr val="accent1">
+                <a:shade val="50000"/>
+              </a:schemeClr>
+            </a:lnRef>
+            <a:fillRef idx="1">
+              <a:schemeClr val="accent1"/>
+            </a:fillRef>
+            <a:effectRef idx="0">
+              <a:schemeClr val="accent1"/>
+            </a:effectRef>
+            <a:fontRef idx="minor">
+              <a:schemeClr val="lt1"/>
+            </a:fontRef>
+          </p:style>
+          <p:txBody>
+            <a:bodyPr rtlCol="0" anchor="ctr"/>
+            <a:lstStyle/>
+            <a:p>
+              <a:pPr algn="ctr"/>
+              <a:endParaRPr lang="en-US"/>
+            </a:p>
+          </p:txBody>
+        </p:sp>
+        <p:sp>
+          <p:nvSpPr>
+            <p:cNvPr id="22" name="Rectangle 21">
+              <a:extLst>
+                <a:ext uri="{FF2B5EF4-FFF2-40B4-BE49-F238E27FC236}">
+                  <a16:creationId xmlns:a16="http://schemas.microsoft.com/office/drawing/2014/main" id="{172775BA-3C85-4041-8CF6-83D467F201C1}"/>
+                </a:ext>
+              </a:extLst>
+            </p:cNvPr>
+            <p:cNvSpPr/>
+            <p:nvPr/>
+          </p:nvSpPr>
+          <p:spPr>
+            <a:xfrm>
+              <a:off x="591445" y="3881476"/>
+              <a:ext cx="4477706" cy="472736"/>
+            </a:xfrm>
+            <a:prstGeom prst="rect">
+              <a:avLst/>
+            </a:prstGeom>
+            <a:noFill/>
+            <a:ln w="28575">
+              <a:solidFill>
+                <a:srgbClr val="FF0000"/>
+              </a:solidFill>
+            </a:ln>
+          </p:spPr>
+          <p:style>
+            <a:lnRef idx="2">
+              <a:schemeClr val="accent1">
+                <a:shade val="50000"/>
+              </a:schemeClr>
+            </a:lnRef>
+            <a:fillRef idx="1">
+              <a:schemeClr val="accent1"/>
+            </a:fillRef>
+            <a:effectRef idx="0">
+              <a:schemeClr val="accent1"/>
+            </a:effectRef>
+            <a:fontRef idx="minor">
+              <a:schemeClr val="lt1"/>
+            </a:fontRef>
+          </p:style>
+          <p:txBody>
+            <a:bodyPr rtlCol="0" anchor="ctr"/>
+            <a:lstStyle/>
+            <a:p>
+              <a:pPr algn="ctr"/>
+              <a:endParaRPr lang="en-US"/>
+            </a:p>
+          </p:txBody>
+        </p:sp>
+      </p:grpSp>
+      <p:grpSp>
+        <p:nvGrpSpPr>
+          <p:cNvPr id="27" name="Group 26">
+            <a:extLst>
+              <a:ext uri="{FF2B5EF4-FFF2-40B4-BE49-F238E27FC236}">
+                <a16:creationId xmlns:a16="http://schemas.microsoft.com/office/drawing/2014/main" id="{8160CC4E-1DC6-4FB3-B89F-D5AD3F63709A}"/>
+              </a:ext>
+            </a:extLst>
+          </p:cNvPr>
+          <p:cNvGrpSpPr/>
+          <p:nvPr/>
+        </p:nvGrpSpPr>
+        <p:grpSpPr>
+          <a:xfrm>
+            <a:off x="591445" y="4347269"/>
+            <a:ext cx="10798603" cy="2345851"/>
+            <a:chOff x="591445" y="4347269"/>
+            <a:chExt cx="10798603" cy="2345851"/>
+          </a:xfrm>
+        </p:grpSpPr>
+        <p:sp>
+          <p:nvSpPr>
+            <p:cNvPr id="23" name="Rectangle 22">
+              <a:extLst>
+                <a:ext uri="{FF2B5EF4-FFF2-40B4-BE49-F238E27FC236}">
+                  <a16:creationId xmlns:a16="http://schemas.microsoft.com/office/drawing/2014/main" id="{83020BCC-D609-418A-807F-8080727D61CD}"/>
+                </a:ext>
+              </a:extLst>
+            </p:cNvPr>
+            <p:cNvSpPr/>
+            <p:nvPr/>
+          </p:nvSpPr>
+          <p:spPr>
+            <a:xfrm>
+              <a:off x="6169979" y="5689943"/>
+              <a:ext cx="5220069" cy="1003177"/>
+            </a:xfrm>
+            <a:prstGeom prst="rect">
+              <a:avLst/>
+            </a:prstGeom>
+            <a:noFill/>
+            <a:ln w="28575">
+              <a:solidFill>
+                <a:srgbClr val="FF0000"/>
+              </a:solidFill>
+            </a:ln>
+          </p:spPr>
+          <p:style>
+            <a:lnRef idx="2">
+              <a:schemeClr val="accent1">
+                <a:shade val="50000"/>
+              </a:schemeClr>
+            </a:lnRef>
+            <a:fillRef idx="1">
+              <a:schemeClr val="accent1"/>
+            </a:fillRef>
+            <a:effectRef idx="0">
+              <a:schemeClr val="accent1"/>
+            </a:effectRef>
+            <a:fontRef idx="minor">
+              <a:schemeClr val="lt1"/>
+            </a:fontRef>
+          </p:style>
+          <p:txBody>
+            <a:bodyPr rtlCol="0" anchor="ctr"/>
+            <a:lstStyle/>
+            <a:p>
+              <a:pPr algn="ctr"/>
+              <a:endParaRPr lang="en-US"/>
+            </a:p>
+          </p:txBody>
+        </p:sp>
+        <p:sp>
+          <p:nvSpPr>
+            <p:cNvPr id="24" name="Rectangle 23">
+              <a:extLst>
+                <a:ext uri="{FF2B5EF4-FFF2-40B4-BE49-F238E27FC236}">
+                  <a16:creationId xmlns:a16="http://schemas.microsoft.com/office/drawing/2014/main" id="{5207EEA1-8438-409D-B545-B9FF36BC86BF}"/>
+                </a:ext>
+              </a:extLst>
+            </p:cNvPr>
+            <p:cNvSpPr/>
+            <p:nvPr/>
+          </p:nvSpPr>
+          <p:spPr>
+            <a:xfrm>
+              <a:off x="591445" y="4347269"/>
+              <a:ext cx="4477706" cy="472736"/>
+            </a:xfrm>
+            <a:prstGeom prst="rect">
+              <a:avLst/>
+            </a:prstGeom>
+            <a:noFill/>
+            <a:ln w="28575">
+              <a:solidFill>
+                <a:srgbClr val="FF0000"/>
+              </a:solidFill>
+            </a:ln>
+          </p:spPr>
+          <p:style>
+            <a:lnRef idx="2">
+              <a:schemeClr val="accent1">
+                <a:shade val="50000"/>
+              </a:schemeClr>
+            </a:lnRef>
+            <a:fillRef idx="1">
+              <a:schemeClr val="accent1"/>
+            </a:fillRef>
+            <a:effectRef idx="0">
+              <a:schemeClr val="accent1"/>
+            </a:effectRef>
+            <a:fontRef idx="minor">
+              <a:schemeClr val="lt1"/>
+            </a:fontRef>
+          </p:style>
+          <p:txBody>
+            <a:bodyPr rtlCol="0" anchor="ctr"/>
+            <a:lstStyle/>
+            <a:p>
+              <a:pPr algn="ctr"/>
+              <a:endParaRPr lang="en-US"/>
+            </a:p>
+          </p:txBody>
+        </p:sp>
+      </p:grpSp>
+      <p:grpSp>
+        <p:nvGrpSpPr>
+          <p:cNvPr id="31" name="Group 30">
+            <a:extLst>
+              <a:ext uri="{FF2B5EF4-FFF2-40B4-BE49-F238E27FC236}">
+                <a16:creationId xmlns:a16="http://schemas.microsoft.com/office/drawing/2014/main" id="{CE50D42F-3CC3-49A4-9324-083A37C78B8E}"/>
+              </a:ext>
+            </a:extLst>
+          </p:cNvPr>
+          <p:cNvGrpSpPr/>
+          <p:nvPr/>
+        </p:nvGrpSpPr>
+        <p:grpSpPr>
+          <a:xfrm>
+            <a:off x="591445" y="2659699"/>
+            <a:ext cx="10798602" cy="4033421"/>
+            <a:chOff x="591445" y="2659699"/>
+            <a:chExt cx="10798602" cy="4033421"/>
+          </a:xfrm>
+        </p:grpSpPr>
+        <p:sp>
+          <p:nvSpPr>
+            <p:cNvPr id="28" name="Rectangle 27">
+              <a:extLst>
+                <a:ext uri="{FF2B5EF4-FFF2-40B4-BE49-F238E27FC236}">
+                  <a16:creationId xmlns:a16="http://schemas.microsoft.com/office/drawing/2014/main" id="{AFC1928D-CE20-4612-922E-9E27D4273AB0}"/>
+                </a:ext>
+              </a:extLst>
+            </p:cNvPr>
+            <p:cNvSpPr/>
+            <p:nvPr/>
+          </p:nvSpPr>
+          <p:spPr>
+            <a:xfrm>
+              <a:off x="591445" y="2956265"/>
+              <a:ext cx="4477706" cy="509868"/>
+            </a:xfrm>
+            <a:prstGeom prst="rect">
+              <a:avLst/>
+            </a:prstGeom>
+            <a:noFill/>
+            <a:ln w="38100">
+              <a:solidFill>
+                <a:schemeClr val="bg1"/>
+              </a:solidFill>
+            </a:ln>
+          </p:spPr>
+          <p:style>
+            <a:lnRef idx="2">
+              <a:schemeClr val="accent1">
+                <a:shade val="50000"/>
+              </a:schemeClr>
+            </a:lnRef>
+            <a:fillRef idx="1">
+              <a:schemeClr val="accent1"/>
+            </a:fillRef>
+            <a:effectRef idx="0">
+              <a:schemeClr val="accent1"/>
+            </a:effectRef>
+            <a:fontRef idx="minor">
+              <a:schemeClr val="lt1"/>
+            </a:fontRef>
+          </p:style>
+          <p:txBody>
+            <a:bodyPr rtlCol="0" anchor="ctr"/>
+            <a:lstStyle/>
+            <a:p>
+              <a:pPr algn="ctr"/>
+              <a:endParaRPr lang="en-US"/>
+            </a:p>
+          </p:txBody>
+        </p:sp>
+        <p:sp>
+          <p:nvSpPr>
+            <p:cNvPr id="29" name="Rectangle 28">
+              <a:extLst>
+                <a:ext uri="{FF2B5EF4-FFF2-40B4-BE49-F238E27FC236}">
+                  <a16:creationId xmlns:a16="http://schemas.microsoft.com/office/drawing/2014/main" id="{ADE58E8D-8638-4C71-9F98-45DCAFE2694C}"/>
+                </a:ext>
+              </a:extLst>
+            </p:cNvPr>
+            <p:cNvSpPr/>
+            <p:nvPr/>
+          </p:nvSpPr>
+          <p:spPr>
+            <a:xfrm>
+              <a:off x="6169978" y="2659699"/>
+              <a:ext cx="5220069" cy="4033421"/>
+            </a:xfrm>
+            <a:prstGeom prst="rect">
+              <a:avLst/>
+            </a:prstGeom>
+            <a:noFill/>
+            <a:ln w="38100">
+              <a:solidFill>
+                <a:schemeClr val="bg1"/>
+              </a:solidFill>
+            </a:ln>
+          </p:spPr>
+          <p:style>
+            <a:lnRef idx="2">
+              <a:schemeClr val="accent1">
+                <a:shade val="50000"/>
+              </a:schemeClr>
+            </a:lnRef>
+            <a:fillRef idx="1">
+              <a:schemeClr val="accent1"/>
+            </a:fillRef>
+            <a:effectRef idx="0">
+              <a:schemeClr val="accent1"/>
+            </a:effectRef>
+            <a:fontRef idx="minor">
+              <a:schemeClr val="lt1"/>
+            </a:fontRef>
+          </p:style>
+          <p:txBody>
+            <a:bodyPr rtlCol="0" anchor="ctr"/>
+            <a:lstStyle/>
+            <a:p>
+              <a:pPr algn="ctr"/>
+              <a:endParaRPr lang="en-US"/>
+            </a:p>
+          </p:txBody>
+        </p:sp>
+      </p:grpSp>
+    </p:spTree>
+    <p:extLst>
+      <p:ext uri="{BB962C8B-B14F-4D97-AF65-F5344CB8AC3E}">
+        <p14:creationId xmlns:p14="http://schemas.microsoft.com/office/powerpoint/2010/main" val="2393814716"/>
+      </p:ext>
+    </p:extLst>
+  </p:cSld>
+  <p:clrMapOvr>
+    <a:masterClrMapping/>
+  </p:clrMapOvr>
+  <p:transition spd="med">
+    <p:push dir="u"/>
+  </p:transition>
+  <p:timing>
+    <p:tnLst>
+      <p:par>
+        <p:cTn id="1" dur="indefinite" restart="never" nodeType="tmRoot">
+          <p:childTnLst>
+            <p:seq concurrent="1" nextAc="seek">
+              <p:cTn id="2" dur="indefinite" nodeType="mainSeq">
+                <p:childTnLst>
+                  <p:par>
+                    <p:cTn id="3" fill="hold">
+                      <p:stCondLst>
+                        <p:cond delay="indefinite"/>
+                      </p:stCondLst>
+                      <p:childTnLst>
+                        <p:par>
+                          <p:cTn id="4" fill="hold">
+                            <p:stCondLst>
+                              <p:cond delay="0"/>
+                            </p:stCondLst>
+                            <p:childTnLst>
+                              <p:par>
+                                <p:cTn id="5" presetID="1" presetClass="entr" presetSubtype="0" fill="hold" nodeType="clickEffect">
+                                  <p:stCondLst>
+                                    <p:cond delay="0"/>
+                                  </p:stCondLst>
+                                  <p:childTnLst>
+                                    <p:set>
+                                      <p:cBhvr>
+                                        <p:cTn id="6" dur="1" fill="hold">
+                                          <p:stCondLst>
+                                            <p:cond delay="0"/>
+                                          </p:stCondLst>
+                                        </p:cTn>
+                                        <p:tgtEl>
+                                          <p:spTgt spid="31"/>
+                                        </p:tgtEl>
+                                        <p:attrNameLst>
+                                          <p:attrName>style.visibility</p:attrName>
+                                        </p:attrNameLst>
+                                      </p:cBhvr>
+                                      <p:to>
+                                        <p:strVal val="visible"/>
+                                      </p:to>
+                                    </p:set>
+                                  </p:childTnLst>
+                                </p:cTn>
+                              </p:par>
+                            </p:childTnLst>
+                          </p:cTn>
+                        </p:par>
+                      </p:childTnLst>
+                    </p:cTn>
+                  </p:par>
+                  <p:par>
+                    <p:cTn id="7" fill="hold">
+                      <p:stCondLst>
+                        <p:cond delay="indefinite"/>
+                      </p:stCondLst>
+                      <p:childTnLst>
+                        <p:par>
+                          <p:cTn id="8" fill="hold">
+                            <p:stCondLst>
+                              <p:cond delay="0"/>
+                            </p:stCondLst>
+                            <p:childTnLst>
+                              <p:par>
+                                <p:cTn id="9" presetID="1" presetClass="exit" presetSubtype="0" fill="hold" nodeType="clickEffect">
+                                  <p:stCondLst>
+                                    <p:cond delay="0"/>
+                                  </p:stCondLst>
+                                  <p:childTnLst>
+                                    <p:set>
+                                      <p:cBhvr>
+                                        <p:cTn id="10" dur="1" fill="hold">
+                                          <p:stCondLst>
+                                            <p:cond delay="0"/>
+                                          </p:stCondLst>
+                                        </p:cTn>
+                                        <p:tgtEl>
+                                          <p:spTgt spid="31"/>
+                                        </p:tgtEl>
+                                        <p:attrNameLst>
+                                          <p:attrName>style.visibility</p:attrName>
+                                        </p:attrNameLst>
+                                      </p:cBhvr>
+                                      <p:to>
+                                        <p:strVal val="hidden"/>
+                                      </p:to>
+                                    </p:set>
+                                  </p:childTnLst>
+                                </p:cTn>
+                              </p:par>
+                              <p:par>
+                                <p:cTn id="11" presetID="1" presetClass="entr" presetSubtype="0" fill="hold" nodeType="withEffect">
+                                  <p:stCondLst>
+                                    <p:cond delay="0"/>
+                                  </p:stCondLst>
+                                  <p:childTnLst>
+                                    <p:set>
+                                      <p:cBhvr>
+                                        <p:cTn id="12" dur="1" fill="hold">
+                                          <p:stCondLst>
+                                            <p:cond delay="0"/>
+                                          </p:stCondLst>
+                                        </p:cTn>
+                                        <p:tgtEl>
+                                          <p:spTgt spid="16"/>
+                                        </p:tgtEl>
+                                        <p:attrNameLst>
+                                          <p:attrName>style.visibility</p:attrName>
+                                        </p:attrNameLst>
+                                      </p:cBhvr>
+                                      <p:to>
+                                        <p:strVal val="visible"/>
+                                      </p:to>
+                                    </p:set>
+                                  </p:childTnLst>
+                                </p:cTn>
+                              </p:par>
+                            </p:childTnLst>
+                          </p:cTn>
+                        </p:par>
+                      </p:childTnLst>
+                    </p:cTn>
+                  </p:par>
+                  <p:par>
+                    <p:cTn id="13" fill="hold">
+                      <p:stCondLst>
+                        <p:cond delay="indefinite"/>
+                      </p:stCondLst>
+                      <p:childTnLst>
+                        <p:par>
+                          <p:cTn id="14" fill="hold">
+                            <p:stCondLst>
+                              <p:cond delay="0"/>
+                            </p:stCondLst>
+                            <p:childTnLst>
+                              <p:par>
+                                <p:cTn id="15" presetID="1" presetClass="exit" presetSubtype="0" fill="hold" nodeType="clickEffect">
+                                  <p:stCondLst>
+                                    <p:cond delay="0"/>
+                                  </p:stCondLst>
+                                  <p:childTnLst>
+                                    <p:set>
+                                      <p:cBhvr>
+                                        <p:cTn id="16" dur="1" fill="hold">
+                                          <p:stCondLst>
+                                            <p:cond delay="0"/>
+                                          </p:stCondLst>
+                                        </p:cTn>
+                                        <p:tgtEl>
+                                          <p:spTgt spid="16"/>
+                                        </p:tgtEl>
+                                        <p:attrNameLst>
+                                          <p:attrName>style.visibility</p:attrName>
+                                        </p:attrNameLst>
+                                      </p:cBhvr>
+                                      <p:to>
+                                        <p:strVal val="hidden"/>
+                                      </p:to>
+                                    </p:set>
+                                  </p:childTnLst>
+                                </p:cTn>
+                              </p:par>
+                              <p:par>
+                                <p:cTn id="17" presetID="1" presetClass="entr" presetSubtype="0" fill="hold" nodeType="withEffect">
+                                  <p:stCondLst>
+                                    <p:cond delay="0"/>
+                                  </p:stCondLst>
+                                  <p:childTnLst>
+                                    <p:set>
+                                      <p:cBhvr>
+                                        <p:cTn id="18" dur="1" fill="hold">
+                                          <p:stCondLst>
+                                            <p:cond delay="0"/>
+                                          </p:stCondLst>
+                                        </p:cTn>
+                                        <p:tgtEl>
+                                          <p:spTgt spid="25"/>
+                                        </p:tgtEl>
+                                        <p:attrNameLst>
+                                          <p:attrName>style.visibility</p:attrName>
+                                        </p:attrNameLst>
+                                      </p:cBhvr>
+                                      <p:to>
+                                        <p:strVal val="visible"/>
+                                      </p:to>
+                                    </p:set>
+                                  </p:childTnLst>
+                                </p:cTn>
+                              </p:par>
+                            </p:childTnLst>
+                          </p:cTn>
+                        </p:par>
+                      </p:childTnLst>
+                    </p:cTn>
+                  </p:par>
+                  <p:par>
+                    <p:cTn id="19" fill="hold">
+                      <p:stCondLst>
+                        <p:cond delay="indefinite"/>
+                      </p:stCondLst>
+                      <p:childTnLst>
+                        <p:par>
+                          <p:cTn id="20" fill="hold">
+                            <p:stCondLst>
+                              <p:cond delay="0"/>
+                            </p:stCondLst>
+                            <p:childTnLst>
+                              <p:par>
+                                <p:cTn id="21" presetID="1" presetClass="exit" presetSubtype="0" fill="hold" nodeType="clickEffect">
+                                  <p:stCondLst>
+                                    <p:cond delay="0"/>
+                                  </p:stCondLst>
+                                  <p:childTnLst>
+                                    <p:set>
+                                      <p:cBhvr>
+                                        <p:cTn id="22" dur="1" fill="hold">
+                                          <p:stCondLst>
+                                            <p:cond delay="0"/>
+                                          </p:stCondLst>
+                                        </p:cTn>
+                                        <p:tgtEl>
+                                          <p:spTgt spid="25"/>
+                                        </p:tgtEl>
+                                        <p:attrNameLst>
+                                          <p:attrName>style.visibility</p:attrName>
+                                        </p:attrNameLst>
+                                      </p:cBhvr>
+                                      <p:to>
+                                        <p:strVal val="hidden"/>
+                                      </p:to>
+                                    </p:set>
+                                  </p:childTnLst>
+                                </p:cTn>
+                              </p:par>
+                              <p:par>
+                                <p:cTn id="23" presetID="1" presetClass="entr" presetSubtype="0" fill="hold" nodeType="withEffect">
+                                  <p:stCondLst>
+                                    <p:cond delay="0"/>
+                                  </p:stCondLst>
+                                  <p:childTnLst>
+                                    <p:set>
+                                      <p:cBhvr>
+                                        <p:cTn id="24" dur="1" fill="hold">
+                                          <p:stCondLst>
+                                            <p:cond delay="0"/>
+                                          </p:stCondLst>
+                                        </p:cTn>
+                                        <p:tgtEl>
+                                          <p:spTgt spid="26"/>
+                                        </p:tgtEl>
+                                        <p:attrNameLst>
+                                          <p:attrName>style.visibility</p:attrName>
+                                        </p:attrNameLst>
+                                      </p:cBhvr>
+                                      <p:to>
+                                        <p:strVal val="visible"/>
+                                      </p:to>
+                                    </p:set>
+                                  </p:childTnLst>
+                                </p:cTn>
+                              </p:par>
+                            </p:childTnLst>
+                          </p:cTn>
+                        </p:par>
+                      </p:childTnLst>
+                    </p:cTn>
+                  </p:par>
+                  <p:par>
+                    <p:cTn id="25" fill="hold">
+                      <p:stCondLst>
+                        <p:cond delay="indefinite"/>
+                      </p:stCondLst>
+                      <p:childTnLst>
+                        <p:par>
+                          <p:cTn id="26" fill="hold">
+                            <p:stCondLst>
+                              <p:cond delay="0"/>
+                            </p:stCondLst>
+                            <p:childTnLst>
+                              <p:par>
+                                <p:cTn id="27" presetID="1" presetClass="exit" presetSubtype="0" fill="hold" nodeType="clickEffect">
+                                  <p:stCondLst>
+                                    <p:cond delay="0"/>
+                                  </p:stCondLst>
+                                  <p:childTnLst>
+                                    <p:set>
+                                      <p:cBhvr>
+                                        <p:cTn id="28" dur="1" fill="hold">
+                                          <p:stCondLst>
+                                            <p:cond delay="0"/>
+                                          </p:stCondLst>
+                                        </p:cTn>
+                                        <p:tgtEl>
+                                          <p:spTgt spid="26"/>
+                                        </p:tgtEl>
+                                        <p:attrNameLst>
+                                          <p:attrName>style.visibility</p:attrName>
+                                        </p:attrNameLst>
+                                      </p:cBhvr>
+                                      <p:to>
+                                        <p:strVal val="hidden"/>
+                                      </p:to>
+                                    </p:set>
+                                  </p:childTnLst>
+                                </p:cTn>
+                              </p:par>
+                              <p:par>
+                                <p:cTn id="29" presetID="1" presetClass="entr" presetSubtype="0" fill="hold" nodeType="withEffect">
+                                  <p:stCondLst>
+                                    <p:cond delay="0"/>
+                                  </p:stCondLst>
+                                  <p:childTnLst>
+                                    <p:set>
+                                      <p:cBhvr>
+                                        <p:cTn id="30" dur="1" fill="hold">
+                                          <p:stCondLst>
+                                            <p:cond delay="0"/>
+                                          </p:stCondLst>
+                                        </p:cTn>
+                                        <p:tgtEl>
+                                          <p:spTgt spid="27"/>
+                                        </p:tgtEl>
+                                        <p:attrNameLst>
+                                          <p:attrName>style.visibility</p:attrName>
+                                        </p:attrNameLst>
+                                      </p:cBhvr>
+                                      <p:to>
+                                        <p:strVal val="visible"/>
+                                      </p:to>
+                                    </p:set>
+                                  </p:childTnLst>
+                                </p:cTn>
+                              </p:par>
+                            </p:childTnLst>
+                          </p:cTn>
+                        </p:par>
+                      </p:childTnLst>
+                    </p:cTn>
+                  </p:par>
+                </p:childTnLst>
+              </p:cTn>
+              <p:prevCondLst>
+                <p:cond evt="onPrev" delay="0">
+                  <p:tgtEl>
+                    <p:sldTgt/>
+                  </p:tgtEl>
+                </p:cond>
+              </p:prevCondLst>
+              <p:nextCondLst>
+                <p:cond evt="onNext" delay="0">
+                  <p:tgtEl>
+                    <p:sldTgt/>
+                  </p:tgtEl>
+                </p:cond>
+              </p:nextCondLst>
+            </p:seq>
+          </p:childTnLst>
+        </p:cTn>
+      </p:par>
+    </p:tnLst>
+  </p:timing>
+</p:sld>
+</file>
+
+<file path=ppt/slides/slide15.xml><?xml version="1.0" encoding="utf-8"?>
 <p:sld xmlns:a="http://schemas.openxmlformats.org/drawingml/2006/main" xmlns:r="http://schemas.openxmlformats.org/officeDocument/2006/relationships" xmlns:p="http://schemas.openxmlformats.org/presentationml/2006/main">
   <p:cSld>
     <p:bg>
@@ -54258,7 +55979,7 @@
             <p:ph idx="1"/>
             <p:extLst>
               <p:ext uri="{D42A27DB-BD31-4B8C-83A1-F6EECF244321}">
-                <p14:modId xmlns:p14="http://schemas.microsoft.com/office/powerpoint/2010/main" val="1440010488"/>
+                <p14:modId xmlns:p14="http://schemas.microsoft.com/office/powerpoint/2010/main" val="1635318107"/>
               </p:ext>
             </p:extLst>
           </p:nvPr>
@@ -54289,7 +56010,7 @@
 </p:sld>
 </file>
 
-<file path=ppt/slides/slide15.xml><?xml version="1.0" encoding="utf-8"?>
+<file path=ppt/slides/slide16.xml><?xml version="1.0" encoding="utf-8"?>
 <p:sld xmlns:a="http://schemas.openxmlformats.org/drawingml/2006/main" xmlns:r="http://schemas.openxmlformats.org/officeDocument/2006/relationships" xmlns:p="http://schemas.openxmlformats.org/presentationml/2006/main">
   <p:cSld>
     <p:bg>
@@ -54408,7 +56129,7 @@
 </p:sld>
 </file>
 
-<file path=ppt/slides/slide16.xml><?xml version="1.0" encoding="utf-8"?>
+<file path=ppt/slides/slide17.xml><?xml version="1.0" encoding="utf-8"?>
 <p:sld xmlns:a="http://schemas.openxmlformats.org/drawingml/2006/main" xmlns:r="http://schemas.openxmlformats.org/officeDocument/2006/relationships" xmlns:p="http://schemas.openxmlformats.org/presentationml/2006/main">
   <p:cSld>
     <p:bg>
@@ -54522,7 +56243,7 @@
 </p:sld>
 </file>
 
-<file path=ppt/slides/slide17.xml><?xml version="1.0" encoding="utf-8"?>
+<file path=ppt/slides/slide18.xml><?xml version="1.0" encoding="utf-8"?>
 <p:sld xmlns:a="http://schemas.openxmlformats.org/drawingml/2006/main" xmlns:r="http://schemas.openxmlformats.org/officeDocument/2006/relationships" xmlns:p="http://schemas.openxmlformats.org/presentationml/2006/main">
   <p:cSld>
     <p:bg>
@@ -54598,7 +56319,7 @@
             <p:ph idx="1"/>
             <p:extLst>
               <p:ext uri="{D42A27DB-BD31-4B8C-83A1-F6EECF244321}">
-                <p14:modId xmlns:p14="http://schemas.microsoft.com/office/powerpoint/2010/main" val="3259040028"/>
+                <p14:modId xmlns:p14="http://schemas.microsoft.com/office/powerpoint/2010/main" val="1432616790"/>
               </p:ext>
             </p:extLst>
           </p:nvPr>
@@ -54659,7 +56380,7 @@
 </p:sld>
 </file>
 
-<file path=ppt/slides/slide18.xml><?xml version="1.0" encoding="utf-8"?>
+<file path=ppt/slides/slide19.xml><?xml version="1.0" encoding="utf-8"?>
 <p:sld xmlns:a="http://schemas.openxmlformats.org/drawingml/2006/main" xmlns:r="http://schemas.openxmlformats.org/officeDocument/2006/relationships" xmlns:p="http://schemas.openxmlformats.org/presentationml/2006/main">
   <p:cSld>
     <p:bg>
@@ -55036,7 +56757,169 @@
 </p:sld>
 </file>
 
-<file path=ppt/slides/slide19.xml><?xml version="1.0" encoding="utf-8"?>
+<file path=ppt/slides/slide2.xml><?xml version="1.0" encoding="utf-8"?>
+<p:sld xmlns:a="http://schemas.openxmlformats.org/drawingml/2006/main" xmlns:r="http://schemas.openxmlformats.org/officeDocument/2006/relationships" xmlns:p="http://schemas.openxmlformats.org/presentationml/2006/main">
+  <p:cSld>
+    <p:bg>
+      <p:bgPr>
+        <a:solidFill>
+          <a:schemeClr val="bg2"/>
+        </a:solidFill>
+        <a:effectLst/>
+      </p:bgPr>
+    </p:bg>
+    <p:spTree>
+      <p:nvGrpSpPr>
+        <p:cNvPr id="1" name=""/>
+        <p:cNvGrpSpPr/>
+        <p:nvPr/>
+      </p:nvGrpSpPr>
+      <p:grpSpPr>
+        <a:xfrm>
+          <a:off x="0" y="0"/>
+          <a:ext cx="0" cy="0"/>
+          <a:chOff x="0" y="0"/>
+          <a:chExt cx="0" cy="0"/>
+        </a:xfrm>
+      </p:grpSpPr>
+      <p:sp>
+        <p:nvSpPr>
+          <p:cNvPr id="35" name="Rectangle 37">
+            <a:extLst>
+              <a:ext uri="{FF2B5EF4-FFF2-40B4-BE49-F238E27FC236}">
+                <a16:creationId xmlns:a16="http://schemas.microsoft.com/office/drawing/2014/main" id="{B383374D-9EA7-4E1A-B621-AC981791C8E8}"/>
+              </a:ext>
+              <a:ext uri="{C183D7F6-B498-43B3-948B-1728B52AA6E4}">
+                <adec:decorative xmlns:adec="http://schemas.microsoft.com/office/drawing/2017/decorative" val="1"/>
+              </a:ext>
+            </a:extLst>
+          </p:cNvPr>
+          <p:cNvSpPr>
+            <a:spLocks noGrp="1" noRot="1" noChangeAspect="1" noMove="1" noResize="1" noEditPoints="1" noAdjustHandles="1" noChangeArrowheads="1" noChangeShapeType="1" noTextEdit="1"/>
+          </p:cNvSpPr>
+          <p:nvPr>
+            <p:extLst>
+              <p:ext uri="{386F3935-93C4-4BCD-93E2-E3B085C9AB24}">
+                <p16:designElem xmlns:p16="http://schemas.microsoft.com/office/powerpoint/2015/main" val="1"/>
+              </p:ext>
+            </p:extLst>
+          </p:nvPr>
+        </p:nvSpPr>
+        <p:spPr>
+          <a:xfrm>
+            <a:off x="483" y="176109"/>
+            <a:ext cx="12188952" cy="1645919"/>
+          </a:xfrm>
+          <a:prstGeom prst="rect">
+            <a:avLst/>
+          </a:prstGeom>
+          <a:solidFill>
+            <a:schemeClr val="tx1"/>
+          </a:solidFill>
+          <a:ln>
+            <a:noFill/>
+          </a:ln>
+        </p:spPr>
+        <p:style>
+          <a:lnRef idx="2">
+            <a:schemeClr val="accent1">
+              <a:shade val="50000"/>
+            </a:schemeClr>
+          </a:lnRef>
+          <a:fillRef idx="1">
+            <a:schemeClr val="accent1"/>
+          </a:fillRef>
+          <a:effectRef idx="0">
+            <a:schemeClr val="accent1"/>
+          </a:effectRef>
+          <a:fontRef idx="minor">
+            <a:schemeClr val="lt1"/>
+          </a:fontRef>
+        </p:style>
+      </p:sp>
+      <p:sp>
+        <p:nvSpPr>
+          <p:cNvPr id="2" name="Title 1">
+            <a:extLst>
+              <a:ext uri="{FF2B5EF4-FFF2-40B4-BE49-F238E27FC236}">
+                <a16:creationId xmlns:a16="http://schemas.microsoft.com/office/drawing/2014/main" id="{73F8080A-BE41-489E-8E6E-DE2ED9EA09EA}"/>
+              </a:ext>
+            </a:extLst>
+          </p:cNvPr>
+          <p:cNvSpPr>
+            <a:spLocks noGrp="1"/>
+          </p:cNvSpPr>
+          <p:nvPr>
+            <p:ph type="title"/>
+          </p:nvPr>
+        </p:nvSpPr>
+        <p:spPr>
+          <a:xfrm>
+            <a:off x="1202919" y="284176"/>
+            <a:ext cx="9784080" cy="1508760"/>
+          </a:xfrm>
+        </p:spPr>
+        <p:txBody>
+          <a:bodyPr vert="horz" lIns="91440" tIns="45720" rIns="91440" bIns="45720" rtlCol="0" anchor="ctr">
+            <a:normAutofit/>
+          </a:bodyPr>
+          <a:lstStyle/>
+          <a:p>
+            <a:r>
+              <a:rPr lang="en-US"/>
+              <a:t>Introduction</a:t>
+            </a:r>
+          </a:p>
+        </p:txBody>
+      </p:sp>
+      <p:graphicFrame>
+        <p:nvGraphicFramePr>
+          <p:cNvPr id="33" name="Content Placeholder 2">
+            <a:extLst>
+              <a:ext uri="{FF2B5EF4-FFF2-40B4-BE49-F238E27FC236}">
+                <a16:creationId xmlns:a16="http://schemas.microsoft.com/office/drawing/2014/main" id="{2F813DEE-4D70-4B55-9F13-64FFBB376E7B}"/>
+              </a:ext>
+            </a:extLst>
+          </p:cNvPr>
+          <p:cNvGraphicFramePr>
+            <a:graphicFrameLocks noGrp="1"/>
+          </p:cNvGraphicFramePr>
+          <p:nvPr>
+            <p:ph idx="4294967295"/>
+            <p:extLst>
+              <p:ext uri="{D42A27DB-BD31-4B8C-83A1-F6EECF244321}">
+                <p14:modId xmlns:p14="http://schemas.microsoft.com/office/powerpoint/2010/main" val="2036265017"/>
+              </p:ext>
+            </p:extLst>
+          </p:nvPr>
+        </p:nvGraphicFramePr>
+        <p:xfrm>
+          <a:off x="-2192678" y="1934679"/>
+          <a:ext cx="16561393" cy="4807492"/>
+        </p:xfrm>
+        <a:graphic>
+          <a:graphicData uri="http://schemas.openxmlformats.org/drawingml/2006/diagram">
+            <dgm:relIds xmlns:dgm="http://schemas.openxmlformats.org/drawingml/2006/diagram" xmlns:r="http://schemas.openxmlformats.org/officeDocument/2006/relationships" r:dm="rId2" r:lo="rId3" r:qs="rId4" r:cs="rId5"/>
+          </a:graphicData>
+        </a:graphic>
+      </p:graphicFrame>
+    </p:spTree>
+    <p:extLst>
+      <p:ext uri="{BB962C8B-B14F-4D97-AF65-F5344CB8AC3E}">
+        <p14:creationId xmlns:p14="http://schemas.microsoft.com/office/powerpoint/2010/main" val="379333498"/>
+      </p:ext>
+    </p:extLst>
+  </p:cSld>
+  <p:clrMapOvr>
+    <a:masterClrMapping/>
+  </p:clrMapOvr>
+  <p:transition spd="med">
+    <p:push dir="u"/>
+  </p:transition>
+</p:sld>
+</file>
+
+<file path=ppt/slides/slide20.xml><?xml version="1.0" encoding="utf-8"?>
 <p:sld xmlns:a="http://schemas.openxmlformats.org/drawingml/2006/main" xmlns:r="http://schemas.openxmlformats.org/officeDocument/2006/relationships" xmlns:p="http://schemas.openxmlformats.org/presentationml/2006/main">
   <p:cSld>
     <p:bg>
@@ -55323,6 +57206,558 @@
           </a:prstGeom>
         </p:spPr>
       </p:pic>
+      <p:sp>
+        <p:nvSpPr>
+          <p:cNvPr id="3" name="Arrow: Left 2">
+            <a:extLst>
+              <a:ext uri="{FF2B5EF4-FFF2-40B4-BE49-F238E27FC236}">
+                <a16:creationId xmlns:a16="http://schemas.microsoft.com/office/drawing/2014/main" id="{51656D94-CB37-4127-903D-CEF1A5F0F212}"/>
+              </a:ext>
+            </a:extLst>
+          </p:cNvPr>
+          <p:cNvSpPr/>
+          <p:nvPr/>
+        </p:nvSpPr>
+        <p:spPr>
+          <a:xfrm>
+            <a:off x="5905837" y="985421"/>
+            <a:ext cx="355107" cy="284086"/>
+          </a:xfrm>
+          <a:prstGeom prst="leftArrow">
+            <a:avLst/>
+          </a:prstGeom>
+        </p:spPr>
+        <p:style>
+          <a:lnRef idx="2">
+            <a:schemeClr val="accent1">
+              <a:shade val="50000"/>
+            </a:schemeClr>
+          </a:lnRef>
+          <a:fillRef idx="1">
+            <a:schemeClr val="accent1"/>
+          </a:fillRef>
+          <a:effectRef idx="0">
+            <a:schemeClr val="accent1"/>
+          </a:effectRef>
+          <a:fontRef idx="minor">
+            <a:schemeClr val="lt1"/>
+          </a:fontRef>
+        </p:style>
+        <p:txBody>
+          <a:bodyPr rtlCol="0" anchor="ctr"/>
+          <a:lstStyle/>
+          <a:p>
+            <a:pPr algn="ctr"/>
+            <a:endParaRPr lang="en-US"/>
+          </a:p>
+        </p:txBody>
+      </p:sp>
+      <p:sp>
+        <p:nvSpPr>
+          <p:cNvPr id="8" name="Arrow: Left 7">
+            <a:extLst>
+              <a:ext uri="{FF2B5EF4-FFF2-40B4-BE49-F238E27FC236}">
+                <a16:creationId xmlns:a16="http://schemas.microsoft.com/office/drawing/2014/main" id="{DA694CF8-8696-4AFB-A8C8-D32CFC64EDA6}"/>
+              </a:ext>
+            </a:extLst>
+          </p:cNvPr>
+          <p:cNvSpPr/>
+          <p:nvPr/>
+        </p:nvSpPr>
+        <p:spPr>
+          <a:xfrm>
+            <a:off x="5905837" y="1300556"/>
+            <a:ext cx="355107" cy="284086"/>
+          </a:xfrm>
+          <a:prstGeom prst="leftArrow">
+            <a:avLst/>
+          </a:prstGeom>
+        </p:spPr>
+        <p:style>
+          <a:lnRef idx="2">
+            <a:schemeClr val="accent1">
+              <a:shade val="50000"/>
+            </a:schemeClr>
+          </a:lnRef>
+          <a:fillRef idx="1">
+            <a:schemeClr val="accent1"/>
+          </a:fillRef>
+          <a:effectRef idx="0">
+            <a:schemeClr val="accent1"/>
+          </a:effectRef>
+          <a:fontRef idx="minor">
+            <a:schemeClr val="lt1"/>
+          </a:fontRef>
+        </p:style>
+        <p:txBody>
+          <a:bodyPr rtlCol="0" anchor="ctr"/>
+          <a:lstStyle/>
+          <a:p>
+            <a:pPr algn="ctr"/>
+            <a:endParaRPr lang="en-US"/>
+          </a:p>
+        </p:txBody>
+      </p:sp>
+      <p:sp>
+        <p:nvSpPr>
+          <p:cNvPr id="9" name="Arrow: Left 8">
+            <a:extLst>
+              <a:ext uri="{FF2B5EF4-FFF2-40B4-BE49-F238E27FC236}">
+                <a16:creationId xmlns:a16="http://schemas.microsoft.com/office/drawing/2014/main" id="{634B8089-B45D-42A3-A732-749D5DACCD7F}"/>
+              </a:ext>
+            </a:extLst>
+          </p:cNvPr>
+          <p:cNvSpPr/>
+          <p:nvPr/>
+        </p:nvSpPr>
+        <p:spPr>
+          <a:xfrm>
+            <a:off x="5900519" y="1970842"/>
+            <a:ext cx="355107" cy="284086"/>
+          </a:xfrm>
+          <a:prstGeom prst="leftArrow">
+            <a:avLst/>
+          </a:prstGeom>
+        </p:spPr>
+        <p:style>
+          <a:lnRef idx="2">
+            <a:schemeClr val="accent1">
+              <a:shade val="50000"/>
+            </a:schemeClr>
+          </a:lnRef>
+          <a:fillRef idx="1">
+            <a:schemeClr val="accent1"/>
+          </a:fillRef>
+          <a:effectRef idx="0">
+            <a:schemeClr val="accent1"/>
+          </a:effectRef>
+          <a:fontRef idx="minor">
+            <a:schemeClr val="lt1"/>
+          </a:fontRef>
+        </p:style>
+        <p:txBody>
+          <a:bodyPr rtlCol="0" anchor="ctr"/>
+          <a:lstStyle/>
+          <a:p>
+            <a:pPr algn="ctr"/>
+            <a:endParaRPr lang="en-US"/>
+          </a:p>
+        </p:txBody>
+      </p:sp>
+      <p:sp>
+        <p:nvSpPr>
+          <p:cNvPr id="10" name="Arrow: Left 9">
+            <a:extLst>
+              <a:ext uri="{FF2B5EF4-FFF2-40B4-BE49-F238E27FC236}">
+                <a16:creationId xmlns:a16="http://schemas.microsoft.com/office/drawing/2014/main" id="{789361D4-ABE8-40A4-AC64-10091E8A96ED}"/>
+              </a:ext>
+            </a:extLst>
+          </p:cNvPr>
+          <p:cNvSpPr/>
+          <p:nvPr/>
+        </p:nvSpPr>
+        <p:spPr>
+          <a:xfrm>
+            <a:off x="5894756" y="2285977"/>
+            <a:ext cx="355107" cy="284086"/>
+          </a:xfrm>
+          <a:prstGeom prst="leftArrow">
+            <a:avLst/>
+          </a:prstGeom>
+        </p:spPr>
+        <p:style>
+          <a:lnRef idx="2">
+            <a:schemeClr val="accent1">
+              <a:shade val="50000"/>
+            </a:schemeClr>
+          </a:lnRef>
+          <a:fillRef idx="1">
+            <a:schemeClr val="accent1"/>
+          </a:fillRef>
+          <a:effectRef idx="0">
+            <a:schemeClr val="accent1"/>
+          </a:effectRef>
+          <a:fontRef idx="minor">
+            <a:schemeClr val="lt1"/>
+          </a:fontRef>
+        </p:style>
+        <p:txBody>
+          <a:bodyPr rtlCol="0" anchor="ctr"/>
+          <a:lstStyle/>
+          <a:p>
+            <a:pPr algn="ctr"/>
+            <a:endParaRPr lang="en-US"/>
+          </a:p>
+        </p:txBody>
+      </p:sp>
+      <p:sp>
+        <p:nvSpPr>
+          <p:cNvPr id="11" name="Arrow: Left 10">
+            <a:extLst>
+              <a:ext uri="{FF2B5EF4-FFF2-40B4-BE49-F238E27FC236}">
+                <a16:creationId xmlns:a16="http://schemas.microsoft.com/office/drawing/2014/main" id="{51850B97-82EB-47B4-9893-BFD7A4EC1815}"/>
+              </a:ext>
+            </a:extLst>
+          </p:cNvPr>
+          <p:cNvSpPr/>
+          <p:nvPr/>
+        </p:nvSpPr>
+        <p:spPr>
+          <a:xfrm>
+            <a:off x="5897941" y="2614593"/>
+            <a:ext cx="355107" cy="284086"/>
+          </a:xfrm>
+          <a:prstGeom prst="leftArrow">
+            <a:avLst/>
+          </a:prstGeom>
+        </p:spPr>
+        <p:style>
+          <a:lnRef idx="2">
+            <a:schemeClr val="accent1">
+              <a:shade val="50000"/>
+            </a:schemeClr>
+          </a:lnRef>
+          <a:fillRef idx="1">
+            <a:schemeClr val="accent1"/>
+          </a:fillRef>
+          <a:effectRef idx="0">
+            <a:schemeClr val="accent1"/>
+          </a:effectRef>
+          <a:fontRef idx="minor">
+            <a:schemeClr val="lt1"/>
+          </a:fontRef>
+        </p:style>
+        <p:txBody>
+          <a:bodyPr rtlCol="0" anchor="ctr"/>
+          <a:lstStyle/>
+          <a:p>
+            <a:pPr algn="ctr"/>
+            <a:endParaRPr lang="en-US"/>
+          </a:p>
+        </p:txBody>
+      </p:sp>
+      <p:sp>
+        <p:nvSpPr>
+          <p:cNvPr id="12" name="Arrow: Left 11">
+            <a:extLst>
+              <a:ext uri="{FF2B5EF4-FFF2-40B4-BE49-F238E27FC236}">
+                <a16:creationId xmlns:a16="http://schemas.microsoft.com/office/drawing/2014/main" id="{D6A42A46-B086-41B3-AC86-1A5B97055135}"/>
+              </a:ext>
+            </a:extLst>
+          </p:cNvPr>
+          <p:cNvSpPr/>
+          <p:nvPr/>
+        </p:nvSpPr>
+        <p:spPr>
+          <a:xfrm>
+            <a:off x="5901213" y="3302447"/>
+            <a:ext cx="355107" cy="284086"/>
+          </a:xfrm>
+          <a:prstGeom prst="leftArrow">
+            <a:avLst/>
+          </a:prstGeom>
+        </p:spPr>
+        <p:style>
+          <a:lnRef idx="2">
+            <a:schemeClr val="accent1">
+              <a:shade val="50000"/>
+            </a:schemeClr>
+          </a:lnRef>
+          <a:fillRef idx="1">
+            <a:schemeClr val="accent1"/>
+          </a:fillRef>
+          <a:effectRef idx="0">
+            <a:schemeClr val="accent1"/>
+          </a:effectRef>
+          <a:fontRef idx="minor">
+            <a:schemeClr val="lt1"/>
+          </a:fontRef>
+        </p:style>
+        <p:txBody>
+          <a:bodyPr rtlCol="0" anchor="ctr"/>
+          <a:lstStyle/>
+          <a:p>
+            <a:pPr algn="ctr"/>
+            <a:endParaRPr lang="en-US"/>
+          </a:p>
+        </p:txBody>
+      </p:sp>
+      <p:sp>
+        <p:nvSpPr>
+          <p:cNvPr id="13" name="Arrow: Left 12">
+            <a:extLst>
+              <a:ext uri="{FF2B5EF4-FFF2-40B4-BE49-F238E27FC236}">
+                <a16:creationId xmlns:a16="http://schemas.microsoft.com/office/drawing/2014/main" id="{5403199A-A860-44E6-84C8-DFAE800E1EAA}"/>
+              </a:ext>
+            </a:extLst>
+          </p:cNvPr>
+          <p:cNvSpPr/>
+          <p:nvPr/>
+        </p:nvSpPr>
+        <p:spPr>
+          <a:xfrm>
+            <a:off x="5901213" y="3620049"/>
+            <a:ext cx="355107" cy="284086"/>
+          </a:xfrm>
+          <a:prstGeom prst="leftArrow">
+            <a:avLst/>
+          </a:prstGeom>
+        </p:spPr>
+        <p:style>
+          <a:lnRef idx="2">
+            <a:schemeClr val="accent1">
+              <a:shade val="50000"/>
+            </a:schemeClr>
+          </a:lnRef>
+          <a:fillRef idx="1">
+            <a:schemeClr val="accent1"/>
+          </a:fillRef>
+          <a:effectRef idx="0">
+            <a:schemeClr val="accent1"/>
+          </a:effectRef>
+          <a:fontRef idx="minor">
+            <a:schemeClr val="lt1"/>
+          </a:fontRef>
+        </p:style>
+        <p:txBody>
+          <a:bodyPr rtlCol="0" anchor="ctr"/>
+          <a:lstStyle/>
+          <a:p>
+            <a:pPr algn="ctr"/>
+            <a:endParaRPr lang="en-US"/>
+          </a:p>
+        </p:txBody>
+      </p:sp>
+      <p:sp>
+        <p:nvSpPr>
+          <p:cNvPr id="14" name="Arrow: Left 13">
+            <a:extLst>
+              <a:ext uri="{FF2B5EF4-FFF2-40B4-BE49-F238E27FC236}">
+                <a16:creationId xmlns:a16="http://schemas.microsoft.com/office/drawing/2014/main" id="{ADD219F2-A2AB-4EAC-BB39-FBADB112CC58}"/>
+              </a:ext>
+            </a:extLst>
+          </p:cNvPr>
+          <p:cNvSpPr/>
+          <p:nvPr/>
+        </p:nvSpPr>
+        <p:spPr>
+          <a:xfrm>
+            <a:off x="5910074" y="3928451"/>
+            <a:ext cx="355107" cy="284086"/>
+          </a:xfrm>
+          <a:prstGeom prst="leftArrow">
+            <a:avLst/>
+          </a:prstGeom>
+        </p:spPr>
+        <p:style>
+          <a:lnRef idx="2">
+            <a:schemeClr val="accent1">
+              <a:shade val="50000"/>
+            </a:schemeClr>
+          </a:lnRef>
+          <a:fillRef idx="1">
+            <a:schemeClr val="accent1"/>
+          </a:fillRef>
+          <a:effectRef idx="0">
+            <a:schemeClr val="accent1"/>
+          </a:effectRef>
+          <a:fontRef idx="minor">
+            <a:schemeClr val="lt1"/>
+          </a:fontRef>
+        </p:style>
+        <p:txBody>
+          <a:bodyPr rtlCol="0" anchor="ctr"/>
+          <a:lstStyle/>
+          <a:p>
+            <a:pPr algn="ctr"/>
+            <a:endParaRPr lang="en-US"/>
+          </a:p>
+        </p:txBody>
+      </p:sp>
+      <p:sp>
+        <p:nvSpPr>
+          <p:cNvPr id="15" name="Arrow: Left 14">
+            <a:extLst>
+              <a:ext uri="{FF2B5EF4-FFF2-40B4-BE49-F238E27FC236}">
+                <a16:creationId xmlns:a16="http://schemas.microsoft.com/office/drawing/2014/main" id="{5856F881-AF63-4B41-897E-0632D1CAB369}"/>
+              </a:ext>
+            </a:extLst>
+          </p:cNvPr>
+          <p:cNvSpPr/>
+          <p:nvPr/>
+        </p:nvSpPr>
+        <p:spPr>
+          <a:xfrm>
+            <a:off x="5900486" y="4603239"/>
+            <a:ext cx="355107" cy="284086"/>
+          </a:xfrm>
+          <a:prstGeom prst="leftArrow">
+            <a:avLst/>
+          </a:prstGeom>
+        </p:spPr>
+        <p:style>
+          <a:lnRef idx="2">
+            <a:schemeClr val="accent1">
+              <a:shade val="50000"/>
+            </a:schemeClr>
+          </a:lnRef>
+          <a:fillRef idx="1">
+            <a:schemeClr val="accent1"/>
+          </a:fillRef>
+          <a:effectRef idx="0">
+            <a:schemeClr val="accent1"/>
+          </a:effectRef>
+          <a:fontRef idx="minor">
+            <a:schemeClr val="lt1"/>
+          </a:fontRef>
+        </p:style>
+        <p:txBody>
+          <a:bodyPr rtlCol="0" anchor="ctr"/>
+          <a:lstStyle/>
+          <a:p>
+            <a:pPr algn="ctr"/>
+            <a:endParaRPr lang="en-US"/>
+          </a:p>
+        </p:txBody>
+      </p:sp>
+      <p:sp>
+        <p:nvSpPr>
+          <p:cNvPr id="16" name="Arrow: Left 15">
+            <a:extLst>
+              <a:ext uri="{FF2B5EF4-FFF2-40B4-BE49-F238E27FC236}">
+                <a16:creationId xmlns:a16="http://schemas.microsoft.com/office/drawing/2014/main" id="{6F4AFBF6-3A7C-4B8F-9F0B-F7251806E74A}"/>
+              </a:ext>
+            </a:extLst>
+          </p:cNvPr>
+          <p:cNvSpPr/>
+          <p:nvPr/>
+        </p:nvSpPr>
+        <p:spPr>
+          <a:xfrm>
+            <a:off x="5901212" y="5251182"/>
+            <a:ext cx="355107" cy="284086"/>
+          </a:xfrm>
+          <a:prstGeom prst="leftArrow">
+            <a:avLst/>
+          </a:prstGeom>
+        </p:spPr>
+        <p:style>
+          <a:lnRef idx="2">
+            <a:schemeClr val="accent1">
+              <a:shade val="50000"/>
+            </a:schemeClr>
+          </a:lnRef>
+          <a:fillRef idx="1">
+            <a:schemeClr val="accent1"/>
+          </a:fillRef>
+          <a:effectRef idx="0">
+            <a:schemeClr val="accent1"/>
+          </a:effectRef>
+          <a:fontRef idx="minor">
+            <a:schemeClr val="lt1"/>
+          </a:fontRef>
+        </p:style>
+        <p:txBody>
+          <a:bodyPr rtlCol="0" anchor="ctr"/>
+          <a:lstStyle/>
+          <a:p>
+            <a:pPr algn="ctr"/>
+            <a:endParaRPr lang="en-US"/>
+          </a:p>
+        </p:txBody>
+      </p:sp>
+      <p:sp>
+        <p:nvSpPr>
+          <p:cNvPr id="17" name="Arrow: Left 16">
+            <a:extLst>
+              <a:ext uri="{FF2B5EF4-FFF2-40B4-BE49-F238E27FC236}">
+                <a16:creationId xmlns:a16="http://schemas.microsoft.com/office/drawing/2014/main" id="{E790E271-8C5E-4F76-B94B-53EE9F5AE6E7}"/>
+              </a:ext>
+            </a:extLst>
+          </p:cNvPr>
+          <p:cNvSpPr/>
+          <p:nvPr/>
+        </p:nvSpPr>
+        <p:spPr>
+          <a:xfrm>
+            <a:off x="5900502" y="5606329"/>
+            <a:ext cx="355107" cy="284086"/>
+          </a:xfrm>
+          <a:prstGeom prst="leftArrow">
+            <a:avLst/>
+          </a:prstGeom>
+        </p:spPr>
+        <p:style>
+          <a:lnRef idx="2">
+            <a:schemeClr val="accent1">
+              <a:shade val="50000"/>
+            </a:schemeClr>
+          </a:lnRef>
+          <a:fillRef idx="1">
+            <a:schemeClr val="accent1"/>
+          </a:fillRef>
+          <a:effectRef idx="0">
+            <a:schemeClr val="accent1"/>
+          </a:effectRef>
+          <a:fontRef idx="minor">
+            <a:schemeClr val="lt1"/>
+          </a:fontRef>
+        </p:style>
+        <p:txBody>
+          <a:bodyPr rtlCol="0" anchor="ctr"/>
+          <a:lstStyle/>
+          <a:p>
+            <a:pPr algn="ctr"/>
+            <a:endParaRPr lang="en-US"/>
+          </a:p>
+        </p:txBody>
+      </p:sp>
+      <p:sp>
+        <p:nvSpPr>
+          <p:cNvPr id="18" name="Arrow: Left 17">
+            <a:extLst>
+              <a:ext uri="{FF2B5EF4-FFF2-40B4-BE49-F238E27FC236}">
+                <a16:creationId xmlns:a16="http://schemas.microsoft.com/office/drawing/2014/main" id="{9D54F8B4-E66A-4A96-9F3F-88B4F86F2B25}"/>
+              </a:ext>
+            </a:extLst>
+          </p:cNvPr>
+          <p:cNvSpPr/>
+          <p:nvPr/>
+        </p:nvSpPr>
+        <p:spPr>
+          <a:xfrm>
+            <a:off x="5909364" y="6218844"/>
+            <a:ext cx="355107" cy="284086"/>
+          </a:xfrm>
+          <a:prstGeom prst="leftArrow">
+            <a:avLst/>
+          </a:prstGeom>
+        </p:spPr>
+        <p:style>
+          <a:lnRef idx="2">
+            <a:schemeClr val="accent1">
+              <a:shade val="50000"/>
+            </a:schemeClr>
+          </a:lnRef>
+          <a:fillRef idx="1">
+            <a:schemeClr val="accent1"/>
+          </a:fillRef>
+          <a:effectRef idx="0">
+            <a:schemeClr val="accent1"/>
+          </a:effectRef>
+          <a:fontRef idx="minor">
+            <a:schemeClr val="lt1"/>
+          </a:fontRef>
+        </p:style>
+        <p:txBody>
+          <a:bodyPr rtlCol="0" anchor="ctr"/>
+          <a:lstStyle/>
+          <a:p>
+            <a:pPr algn="ctr"/>
+            <a:endParaRPr lang="en-US"/>
+          </a:p>
+        </p:txBody>
+      </p:sp>
     </p:spTree>
     <p:extLst>
       <p:ext uri="{BB962C8B-B14F-4D97-AF65-F5344CB8AC3E}">
@@ -55336,10 +57771,1412 @@
   <p:transition spd="med">
     <p:push/>
   </p:transition>
+  <p:timing>
+    <p:tnLst>
+      <p:par>
+        <p:cTn id="1" dur="indefinite" restart="never" nodeType="tmRoot">
+          <p:childTnLst>
+            <p:seq concurrent="1" nextAc="seek">
+              <p:cTn id="2" dur="indefinite" nodeType="mainSeq">
+                <p:childTnLst>
+                  <p:par>
+                    <p:cTn id="3" fill="hold">
+                      <p:stCondLst>
+                        <p:cond delay="indefinite"/>
+                      </p:stCondLst>
+                      <p:childTnLst>
+                        <p:par>
+                          <p:cTn id="4" fill="hold">
+                            <p:stCondLst>
+                              <p:cond delay="0"/>
+                            </p:stCondLst>
+                            <p:childTnLst>
+                              <p:par>
+                                <p:cTn id="5" presetID="1" presetClass="entr" presetSubtype="0" fill="hold" grpId="0" nodeType="clickEffect">
+                                  <p:stCondLst>
+                                    <p:cond delay="0"/>
+                                  </p:stCondLst>
+                                  <p:childTnLst>
+                                    <p:set>
+                                      <p:cBhvr>
+                                        <p:cTn id="6" dur="1" fill="hold">
+                                          <p:stCondLst>
+                                            <p:cond delay="0"/>
+                                          </p:stCondLst>
+                                        </p:cTn>
+                                        <p:tgtEl>
+                                          <p:spTgt spid="3"/>
+                                        </p:tgtEl>
+                                        <p:attrNameLst>
+                                          <p:attrName>style.visibility</p:attrName>
+                                        </p:attrNameLst>
+                                      </p:cBhvr>
+                                      <p:to>
+                                        <p:strVal val="visible"/>
+                                      </p:to>
+                                    </p:set>
+                                  </p:childTnLst>
+                                </p:cTn>
+                              </p:par>
+                            </p:childTnLst>
+                          </p:cTn>
+                        </p:par>
+                      </p:childTnLst>
+                    </p:cTn>
+                  </p:par>
+                  <p:par>
+                    <p:cTn id="7" fill="hold">
+                      <p:stCondLst>
+                        <p:cond delay="indefinite"/>
+                      </p:stCondLst>
+                      <p:childTnLst>
+                        <p:par>
+                          <p:cTn id="8" fill="hold">
+                            <p:stCondLst>
+                              <p:cond delay="0"/>
+                            </p:stCondLst>
+                            <p:childTnLst>
+                              <p:par>
+                                <p:cTn id="9" presetID="1" presetClass="exit" presetSubtype="0" fill="hold" grpId="1" nodeType="clickEffect">
+                                  <p:stCondLst>
+                                    <p:cond delay="0"/>
+                                  </p:stCondLst>
+                                  <p:childTnLst>
+                                    <p:set>
+                                      <p:cBhvr>
+                                        <p:cTn id="10" dur="1" fill="hold">
+                                          <p:stCondLst>
+                                            <p:cond delay="0"/>
+                                          </p:stCondLst>
+                                        </p:cTn>
+                                        <p:tgtEl>
+                                          <p:spTgt spid="3"/>
+                                        </p:tgtEl>
+                                        <p:attrNameLst>
+                                          <p:attrName>style.visibility</p:attrName>
+                                        </p:attrNameLst>
+                                      </p:cBhvr>
+                                      <p:to>
+                                        <p:strVal val="hidden"/>
+                                      </p:to>
+                                    </p:set>
+                                  </p:childTnLst>
+                                </p:cTn>
+                              </p:par>
+                              <p:par>
+                                <p:cTn id="11" presetID="1" presetClass="entr" presetSubtype="0" fill="hold" grpId="0" nodeType="withEffect">
+                                  <p:stCondLst>
+                                    <p:cond delay="0"/>
+                                  </p:stCondLst>
+                                  <p:childTnLst>
+                                    <p:set>
+                                      <p:cBhvr>
+                                        <p:cTn id="12" dur="1" fill="hold">
+                                          <p:stCondLst>
+                                            <p:cond delay="0"/>
+                                          </p:stCondLst>
+                                        </p:cTn>
+                                        <p:tgtEl>
+                                          <p:spTgt spid="8"/>
+                                        </p:tgtEl>
+                                        <p:attrNameLst>
+                                          <p:attrName>style.visibility</p:attrName>
+                                        </p:attrNameLst>
+                                      </p:cBhvr>
+                                      <p:to>
+                                        <p:strVal val="visible"/>
+                                      </p:to>
+                                    </p:set>
+                                  </p:childTnLst>
+                                </p:cTn>
+                              </p:par>
+                            </p:childTnLst>
+                          </p:cTn>
+                        </p:par>
+                      </p:childTnLst>
+                    </p:cTn>
+                  </p:par>
+                  <p:par>
+                    <p:cTn id="13" fill="hold">
+                      <p:stCondLst>
+                        <p:cond delay="indefinite"/>
+                      </p:stCondLst>
+                      <p:childTnLst>
+                        <p:par>
+                          <p:cTn id="14" fill="hold">
+                            <p:stCondLst>
+                              <p:cond delay="0"/>
+                            </p:stCondLst>
+                            <p:childTnLst>
+                              <p:par>
+                                <p:cTn id="15" presetID="1" presetClass="exit" presetSubtype="0" fill="hold" grpId="1" nodeType="clickEffect">
+                                  <p:stCondLst>
+                                    <p:cond delay="0"/>
+                                  </p:stCondLst>
+                                  <p:childTnLst>
+                                    <p:set>
+                                      <p:cBhvr>
+                                        <p:cTn id="16" dur="1" fill="hold">
+                                          <p:stCondLst>
+                                            <p:cond delay="0"/>
+                                          </p:stCondLst>
+                                        </p:cTn>
+                                        <p:tgtEl>
+                                          <p:spTgt spid="8"/>
+                                        </p:tgtEl>
+                                        <p:attrNameLst>
+                                          <p:attrName>style.visibility</p:attrName>
+                                        </p:attrNameLst>
+                                      </p:cBhvr>
+                                      <p:to>
+                                        <p:strVal val="hidden"/>
+                                      </p:to>
+                                    </p:set>
+                                  </p:childTnLst>
+                                </p:cTn>
+                              </p:par>
+                              <p:par>
+                                <p:cTn id="17" presetID="1" presetClass="entr" presetSubtype="0" fill="hold" grpId="0" nodeType="withEffect">
+                                  <p:stCondLst>
+                                    <p:cond delay="0"/>
+                                  </p:stCondLst>
+                                  <p:childTnLst>
+                                    <p:set>
+                                      <p:cBhvr>
+                                        <p:cTn id="18" dur="1" fill="hold">
+                                          <p:stCondLst>
+                                            <p:cond delay="0"/>
+                                          </p:stCondLst>
+                                        </p:cTn>
+                                        <p:tgtEl>
+                                          <p:spTgt spid="9"/>
+                                        </p:tgtEl>
+                                        <p:attrNameLst>
+                                          <p:attrName>style.visibility</p:attrName>
+                                        </p:attrNameLst>
+                                      </p:cBhvr>
+                                      <p:to>
+                                        <p:strVal val="visible"/>
+                                      </p:to>
+                                    </p:set>
+                                  </p:childTnLst>
+                                </p:cTn>
+                              </p:par>
+                            </p:childTnLst>
+                          </p:cTn>
+                        </p:par>
+                      </p:childTnLst>
+                    </p:cTn>
+                  </p:par>
+                  <p:par>
+                    <p:cTn id="19" fill="hold">
+                      <p:stCondLst>
+                        <p:cond delay="indefinite"/>
+                      </p:stCondLst>
+                      <p:childTnLst>
+                        <p:par>
+                          <p:cTn id="20" fill="hold">
+                            <p:stCondLst>
+                              <p:cond delay="0"/>
+                            </p:stCondLst>
+                            <p:childTnLst>
+                              <p:par>
+                                <p:cTn id="21" presetID="1" presetClass="exit" presetSubtype="0" fill="hold" grpId="1" nodeType="clickEffect">
+                                  <p:stCondLst>
+                                    <p:cond delay="0"/>
+                                  </p:stCondLst>
+                                  <p:childTnLst>
+                                    <p:set>
+                                      <p:cBhvr>
+                                        <p:cTn id="22" dur="1" fill="hold">
+                                          <p:stCondLst>
+                                            <p:cond delay="0"/>
+                                          </p:stCondLst>
+                                        </p:cTn>
+                                        <p:tgtEl>
+                                          <p:spTgt spid="9"/>
+                                        </p:tgtEl>
+                                        <p:attrNameLst>
+                                          <p:attrName>style.visibility</p:attrName>
+                                        </p:attrNameLst>
+                                      </p:cBhvr>
+                                      <p:to>
+                                        <p:strVal val="hidden"/>
+                                      </p:to>
+                                    </p:set>
+                                  </p:childTnLst>
+                                </p:cTn>
+                              </p:par>
+                              <p:par>
+                                <p:cTn id="23" presetID="1" presetClass="entr" presetSubtype="0" fill="hold" grpId="0" nodeType="withEffect">
+                                  <p:stCondLst>
+                                    <p:cond delay="0"/>
+                                  </p:stCondLst>
+                                  <p:childTnLst>
+                                    <p:set>
+                                      <p:cBhvr>
+                                        <p:cTn id="24" dur="1" fill="hold">
+                                          <p:stCondLst>
+                                            <p:cond delay="0"/>
+                                          </p:stCondLst>
+                                        </p:cTn>
+                                        <p:tgtEl>
+                                          <p:spTgt spid="10"/>
+                                        </p:tgtEl>
+                                        <p:attrNameLst>
+                                          <p:attrName>style.visibility</p:attrName>
+                                        </p:attrNameLst>
+                                      </p:cBhvr>
+                                      <p:to>
+                                        <p:strVal val="visible"/>
+                                      </p:to>
+                                    </p:set>
+                                  </p:childTnLst>
+                                </p:cTn>
+                              </p:par>
+                            </p:childTnLst>
+                          </p:cTn>
+                        </p:par>
+                      </p:childTnLst>
+                    </p:cTn>
+                  </p:par>
+                  <p:par>
+                    <p:cTn id="25" fill="hold">
+                      <p:stCondLst>
+                        <p:cond delay="indefinite"/>
+                      </p:stCondLst>
+                      <p:childTnLst>
+                        <p:par>
+                          <p:cTn id="26" fill="hold">
+                            <p:stCondLst>
+                              <p:cond delay="0"/>
+                            </p:stCondLst>
+                            <p:childTnLst>
+                              <p:par>
+                                <p:cTn id="27" presetID="1" presetClass="exit" presetSubtype="0" fill="hold" grpId="1" nodeType="clickEffect">
+                                  <p:stCondLst>
+                                    <p:cond delay="0"/>
+                                  </p:stCondLst>
+                                  <p:childTnLst>
+                                    <p:set>
+                                      <p:cBhvr>
+                                        <p:cTn id="28" dur="1" fill="hold">
+                                          <p:stCondLst>
+                                            <p:cond delay="0"/>
+                                          </p:stCondLst>
+                                        </p:cTn>
+                                        <p:tgtEl>
+                                          <p:spTgt spid="10"/>
+                                        </p:tgtEl>
+                                        <p:attrNameLst>
+                                          <p:attrName>style.visibility</p:attrName>
+                                        </p:attrNameLst>
+                                      </p:cBhvr>
+                                      <p:to>
+                                        <p:strVal val="hidden"/>
+                                      </p:to>
+                                    </p:set>
+                                  </p:childTnLst>
+                                </p:cTn>
+                              </p:par>
+                              <p:par>
+                                <p:cTn id="29" presetID="1" presetClass="entr" presetSubtype="0" fill="hold" grpId="0" nodeType="withEffect">
+                                  <p:stCondLst>
+                                    <p:cond delay="0"/>
+                                  </p:stCondLst>
+                                  <p:childTnLst>
+                                    <p:set>
+                                      <p:cBhvr>
+                                        <p:cTn id="30" dur="1" fill="hold">
+                                          <p:stCondLst>
+                                            <p:cond delay="0"/>
+                                          </p:stCondLst>
+                                        </p:cTn>
+                                        <p:tgtEl>
+                                          <p:spTgt spid="11"/>
+                                        </p:tgtEl>
+                                        <p:attrNameLst>
+                                          <p:attrName>style.visibility</p:attrName>
+                                        </p:attrNameLst>
+                                      </p:cBhvr>
+                                      <p:to>
+                                        <p:strVal val="visible"/>
+                                      </p:to>
+                                    </p:set>
+                                  </p:childTnLst>
+                                </p:cTn>
+                              </p:par>
+                            </p:childTnLst>
+                          </p:cTn>
+                        </p:par>
+                      </p:childTnLst>
+                    </p:cTn>
+                  </p:par>
+                  <p:par>
+                    <p:cTn id="31" fill="hold">
+                      <p:stCondLst>
+                        <p:cond delay="indefinite"/>
+                      </p:stCondLst>
+                      <p:childTnLst>
+                        <p:par>
+                          <p:cTn id="32" fill="hold">
+                            <p:stCondLst>
+                              <p:cond delay="0"/>
+                            </p:stCondLst>
+                            <p:childTnLst>
+                              <p:par>
+                                <p:cTn id="33" presetID="1" presetClass="exit" presetSubtype="0" fill="hold" grpId="1" nodeType="clickEffect">
+                                  <p:stCondLst>
+                                    <p:cond delay="0"/>
+                                  </p:stCondLst>
+                                  <p:childTnLst>
+                                    <p:set>
+                                      <p:cBhvr>
+                                        <p:cTn id="34" dur="1" fill="hold">
+                                          <p:stCondLst>
+                                            <p:cond delay="0"/>
+                                          </p:stCondLst>
+                                        </p:cTn>
+                                        <p:tgtEl>
+                                          <p:spTgt spid="11"/>
+                                        </p:tgtEl>
+                                        <p:attrNameLst>
+                                          <p:attrName>style.visibility</p:attrName>
+                                        </p:attrNameLst>
+                                      </p:cBhvr>
+                                      <p:to>
+                                        <p:strVal val="hidden"/>
+                                      </p:to>
+                                    </p:set>
+                                  </p:childTnLst>
+                                </p:cTn>
+                              </p:par>
+                              <p:par>
+                                <p:cTn id="35" presetID="1" presetClass="entr" presetSubtype="0" fill="hold" grpId="0" nodeType="withEffect">
+                                  <p:stCondLst>
+                                    <p:cond delay="0"/>
+                                  </p:stCondLst>
+                                  <p:childTnLst>
+                                    <p:set>
+                                      <p:cBhvr>
+                                        <p:cTn id="36" dur="1" fill="hold">
+                                          <p:stCondLst>
+                                            <p:cond delay="0"/>
+                                          </p:stCondLst>
+                                        </p:cTn>
+                                        <p:tgtEl>
+                                          <p:spTgt spid="12"/>
+                                        </p:tgtEl>
+                                        <p:attrNameLst>
+                                          <p:attrName>style.visibility</p:attrName>
+                                        </p:attrNameLst>
+                                      </p:cBhvr>
+                                      <p:to>
+                                        <p:strVal val="visible"/>
+                                      </p:to>
+                                    </p:set>
+                                  </p:childTnLst>
+                                </p:cTn>
+                              </p:par>
+                            </p:childTnLst>
+                          </p:cTn>
+                        </p:par>
+                      </p:childTnLst>
+                    </p:cTn>
+                  </p:par>
+                  <p:par>
+                    <p:cTn id="37" fill="hold">
+                      <p:stCondLst>
+                        <p:cond delay="indefinite"/>
+                      </p:stCondLst>
+                      <p:childTnLst>
+                        <p:par>
+                          <p:cTn id="38" fill="hold">
+                            <p:stCondLst>
+                              <p:cond delay="0"/>
+                            </p:stCondLst>
+                            <p:childTnLst>
+                              <p:par>
+                                <p:cTn id="39" presetID="1" presetClass="exit" presetSubtype="0" fill="hold" grpId="1" nodeType="clickEffect">
+                                  <p:stCondLst>
+                                    <p:cond delay="0"/>
+                                  </p:stCondLst>
+                                  <p:childTnLst>
+                                    <p:set>
+                                      <p:cBhvr>
+                                        <p:cTn id="40" dur="1" fill="hold">
+                                          <p:stCondLst>
+                                            <p:cond delay="0"/>
+                                          </p:stCondLst>
+                                        </p:cTn>
+                                        <p:tgtEl>
+                                          <p:spTgt spid="12"/>
+                                        </p:tgtEl>
+                                        <p:attrNameLst>
+                                          <p:attrName>style.visibility</p:attrName>
+                                        </p:attrNameLst>
+                                      </p:cBhvr>
+                                      <p:to>
+                                        <p:strVal val="hidden"/>
+                                      </p:to>
+                                    </p:set>
+                                  </p:childTnLst>
+                                </p:cTn>
+                              </p:par>
+                              <p:par>
+                                <p:cTn id="41" presetID="1" presetClass="entr" presetSubtype="0" fill="hold" grpId="0" nodeType="withEffect">
+                                  <p:stCondLst>
+                                    <p:cond delay="0"/>
+                                  </p:stCondLst>
+                                  <p:childTnLst>
+                                    <p:set>
+                                      <p:cBhvr>
+                                        <p:cTn id="42" dur="1" fill="hold">
+                                          <p:stCondLst>
+                                            <p:cond delay="0"/>
+                                          </p:stCondLst>
+                                        </p:cTn>
+                                        <p:tgtEl>
+                                          <p:spTgt spid="13"/>
+                                        </p:tgtEl>
+                                        <p:attrNameLst>
+                                          <p:attrName>style.visibility</p:attrName>
+                                        </p:attrNameLst>
+                                      </p:cBhvr>
+                                      <p:to>
+                                        <p:strVal val="visible"/>
+                                      </p:to>
+                                    </p:set>
+                                  </p:childTnLst>
+                                </p:cTn>
+                              </p:par>
+                            </p:childTnLst>
+                          </p:cTn>
+                        </p:par>
+                      </p:childTnLst>
+                    </p:cTn>
+                  </p:par>
+                  <p:par>
+                    <p:cTn id="43" fill="hold">
+                      <p:stCondLst>
+                        <p:cond delay="indefinite"/>
+                      </p:stCondLst>
+                      <p:childTnLst>
+                        <p:par>
+                          <p:cTn id="44" fill="hold">
+                            <p:stCondLst>
+                              <p:cond delay="0"/>
+                            </p:stCondLst>
+                            <p:childTnLst>
+                              <p:par>
+                                <p:cTn id="45" presetID="1" presetClass="exit" presetSubtype="0" fill="hold" grpId="1" nodeType="clickEffect">
+                                  <p:stCondLst>
+                                    <p:cond delay="0"/>
+                                  </p:stCondLst>
+                                  <p:childTnLst>
+                                    <p:set>
+                                      <p:cBhvr>
+                                        <p:cTn id="46" dur="1" fill="hold">
+                                          <p:stCondLst>
+                                            <p:cond delay="0"/>
+                                          </p:stCondLst>
+                                        </p:cTn>
+                                        <p:tgtEl>
+                                          <p:spTgt spid="13"/>
+                                        </p:tgtEl>
+                                        <p:attrNameLst>
+                                          <p:attrName>style.visibility</p:attrName>
+                                        </p:attrNameLst>
+                                      </p:cBhvr>
+                                      <p:to>
+                                        <p:strVal val="hidden"/>
+                                      </p:to>
+                                    </p:set>
+                                  </p:childTnLst>
+                                </p:cTn>
+                              </p:par>
+                              <p:par>
+                                <p:cTn id="47" presetID="1" presetClass="entr" presetSubtype="0" fill="hold" grpId="0" nodeType="withEffect">
+                                  <p:stCondLst>
+                                    <p:cond delay="0"/>
+                                  </p:stCondLst>
+                                  <p:childTnLst>
+                                    <p:set>
+                                      <p:cBhvr>
+                                        <p:cTn id="48" dur="1" fill="hold">
+                                          <p:stCondLst>
+                                            <p:cond delay="0"/>
+                                          </p:stCondLst>
+                                        </p:cTn>
+                                        <p:tgtEl>
+                                          <p:spTgt spid="14"/>
+                                        </p:tgtEl>
+                                        <p:attrNameLst>
+                                          <p:attrName>style.visibility</p:attrName>
+                                        </p:attrNameLst>
+                                      </p:cBhvr>
+                                      <p:to>
+                                        <p:strVal val="visible"/>
+                                      </p:to>
+                                    </p:set>
+                                  </p:childTnLst>
+                                </p:cTn>
+                              </p:par>
+                            </p:childTnLst>
+                          </p:cTn>
+                        </p:par>
+                      </p:childTnLst>
+                    </p:cTn>
+                  </p:par>
+                  <p:par>
+                    <p:cTn id="49" fill="hold">
+                      <p:stCondLst>
+                        <p:cond delay="indefinite"/>
+                      </p:stCondLst>
+                      <p:childTnLst>
+                        <p:par>
+                          <p:cTn id="50" fill="hold">
+                            <p:stCondLst>
+                              <p:cond delay="0"/>
+                            </p:stCondLst>
+                            <p:childTnLst>
+                              <p:par>
+                                <p:cTn id="51" presetID="1" presetClass="exit" presetSubtype="0" fill="hold" grpId="1" nodeType="clickEffect">
+                                  <p:stCondLst>
+                                    <p:cond delay="0"/>
+                                  </p:stCondLst>
+                                  <p:childTnLst>
+                                    <p:set>
+                                      <p:cBhvr>
+                                        <p:cTn id="52" dur="1" fill="hold">
+                                          <p:stCondLst>
+                                            <p:cond delay="0"/>
+                                          </p:stCondLst>
+                                        </p:cTn>
+                                        <p:tgtEl>
+                                          <p:spTgt spid="14"/>
+                                        </p:tgtEl>
+                                        <p:attrNameLst>
+                                          <p:attrName>style.visibility</p:attrName>
+                                        </p:attrNameLst>
+                                      </p:cBhvr>
+                                      <p:to>
+                                        <p:strVal val="hidden"/>
+                                      </p:to>
+                                    </p:set>
+                                  </p:childTnLst>
+                                </p:cTn>
+                              </p:par>
+                              <p:par>
+                                <p:cTn id="53" presetID="1" presetClass="entr" presetSubtype="0" fill="hold" grpId="0" nodeType="withEffect">
+                                  <p:stCondLst>
+                                    <p:cond delay="0"/>
+                                  </p:stCondLst>
+                                  <p:childTnLst>
+                                    <p:set>
+                                      <p:cBhvr>
+                                        <p:cTn id="54" dur="1" fill="hold">
+                                          <p:stCondLst>
+                                            <p:cond delay="0"/>
+                                          </p:stCondLst>
+                                        </p:cTn>
+                                        <p:tgtEl>
+                                          <p:spTgt spid="15"/>
+                                        </p:tgtEl>
+                                        <p:attrNameLst>
+                                          <p:attrName>style.visibility</p:attrName>
+                                        </p:attrNameLst>
+                                      </p:cBhvr>
+                                      <p:to>
+                                        <p:strVal val="visible"/>
+                                      </p:to>
+                                    </p:set>
+                                  </p:childTnLst>
+                                </p:cTn>
+                              </p:par>
+                            </p:childTnLst>
+                          </p:cTn>
+                        </p:par>
+                      </p:childTnLst>
+                    </p:cTn>
+                  </p:par>
+                  <p:par>
+                    <p:cTn id="55" fill="hold">
+                      <p:stCondLst>
+                        <p:cond delay="indefinite"/>
+                      </p:stCondLst>
+                      <p:childTnLst>
+                        <p:par>
+                          <p:cTn id="56" fill="hold">
+                            <p:stCondLst>
+                              <p:cond delay="0"/>
+                            </p:stCondLst>
+                            <p:childTnLst>
+                              <p:par>
+                                <p:cTn id="57" presetID="1" presetClass="exit" presetSubtype="0" fill="hold" grpId="1" nodeType="clickEffect">
+                                  <p:stCondLst>
+                                    <p:cond delay="0"/>
+                                  </p:stCondLst>
+                                  <p:childTnLst>
+                                    <p:set>
+                                      <p:cBhvr>
+                                        <p:cTn id="58" dur="1" fill="hold">
+                                          <p:stCondLst>
+                                            <p:cond delay="0"/>
+                                          </p:stCondLst>
+                                        </p:cTn>
+                                        <p:tgtEl>
+                                          <p:spTgt spid="15"/>
+                                        </p:tgtEl>
+                                        <p:attrNameLst>
+                                          <p:attrName>style.visibility</p:attrName>
+                                        </p:attrNameLst>
+                                      </p:cBhvr>
+                                      <p:to>
+                                        <p:strVal val="hidden"/>
+                                      </p:to>
+                                    </p:set>
+                                  </p:childTnLst>
+                                </p:cTn>
+                              </p:par>
+                              <p:par>
+                                <p:cTn id="59" presetID="1" presetClass="entr" presetSubtype="0" fill="hold" grpId="0" nodeType="withEffect">
+                                  <p:stCondLst>
+                                    <p:cond delay="0"/>
+                                  </p:stCondLst>
+                                  <p:childTnLst>
+                                    <p:set>
+                                      <p:cBhvr>
+                                        <p:cTn id="60" dur="1" fill="hold">
+                                          <p:stCondLst>
+                                            <p:cond delay="0"/>
+                                          </p:stCondLst>
+                                        </p:cTn>
+                                        <p:tgtEl>
+                                          <p:spTgt spid="16"/>
+                                        </p:tgtEl>
+                                        <p:attrNameLst>
+                                          <p:attrName>style.visibility</p:attrName>
+                                        </p:attrNameLst>
+                                      </p:cBhvr>
+                                      <p:to>
+                                        <p:strVal val="visible"/>
+                                      </p:to>
+                                    </p:set>
+                                  </p:childTnLst>
+                                </p:cTn>
+                              </p:par>
+                            </p:childTnLst>
+                          </p:cTn>
+                        </p:par>
+                      </p:childTnLst>
+                    </p:cTn>
+                  </p:par>
+                  <p:par>
+                    <p:cTn id="61" fill="hold">
+                      <p:stCondLst>
+                        <p:cond delay="indefinite"/>
+                      </p:stCondLst>
+                      <p:childTnLst>
+                        <p:par>
+                          <p:cTn id="62" fill="hold">
+                            <p:stCondLst>
+                              <p:cond delay="0"/>
+                            </p:stCondLst>
+                            <p:childTnLst>
+                              <p:par>
+                                <p:cTn id="63" presetID="1" presetClass="exit" presetSubtype="0" fill="hold" grpId="1" nodeType="clickEffect">
+                                  <p:stCondLst>
+                                    <p:cond delay="0"/>
+                                  </p:stCondLst>
+                                  <p:childTnLst>
+                                    <p:set>
+                                      <p:cBhvr>
+                                        <p:cTn id="64" dur="1" fill="hold">
+                                          <p:stCondLst>
+                                            <p:cond delay="0"/>
+                                          </p:stCondLst>
+                                        </p:cTn>
+                                        <p:tgtEl>
+                                          <p:spTgt spid="16"/>
+                                        </p:tgtEl>
+                                        <p:attrNameLst>
+                                          <p:attrName>style.visibility</p:attrName>
+                                        </p:attrNameLst>
+                                      </p:cBhvr>
+                                      <p:to>
+                                        <p:strVal val="hidden"/>
+                                      </p:to>
+                                    </p:set>
+                                  </p:childTnLst>
+                                </p:cTn>
+                              </p:par>
+                              <p:par>
+                                <p:cTn id="65" presetID="1" presetClass="entr" presetSubtype="0" fill="hold" grpId="0" nodeType="withEffect">
+                                  <p:stCondLst>
+                                    <p:cond delay="0"/>
+                                  </p:stCondLst>
+                                  <p:childTnLst>
+                                    <p:set>
+                                      <p:cBhvr>
+                                        <p:cTn id="66" dur="1" fill="hold">
+                                          <p:stCondLst>
+                                            <p:cond delay="0"/>
+                                          </p:stCondLst>
+                                        </p:cTn>
+                                        <p:tgtEl>
+                                          <p:spTgt spid="17"/>
+                                        </p:tgtEl>
+                                        <p:attrNameLst>
+                                          <p:attrName>style.visibility</p:attrName>
+                                        </p:attrNameLst>
+                                      </p:cBhvr>
+                                      <p:to>
+                                        <p:strVal val="visible"/>
+                                      </p:to>
+                                    </p:set>
+                                  </p:childTnLst>
+                                </p:cTn>
+                              </p:par>
+                            </p:childTnLst>
+                          </p:cTn>
+                        </p:par>
+                      </p:childTnLst>
+                    </p:cTn>
+                  </p:par>
+                  <p:par>
+                    <p:cTn id="67" fill="hold">
+                      <p:stCondLst>
+                        <p:cond delay="indefinite"/>
+                      </p:stCondLst>
+                      <p:childTnLst>
+                        <p:par>
+                          <p:cTn id="68" fill="hold">
+                            <p:stCondLst>
+                              <p:cond delay="0"/>
+                            </p:stCondLst>
+                            <p:childTnLst>
+                              <p:par>
+                                <p:cTn id="69" presetID="1" presetClass="exit" presetSubtype="0" fill="hold" grpId="1" nodeType="clickEffect">
+                                  <p:stCondLst>
+                                    <p:cond delay="0"/>
+                                  </p:stCondLst>
+                                  <p:childTnLst>
+                                    <p:set>
+                                      <p:cBhvr>
+                                        <p:cTn id="70" dur="1" fill="hold">
+                                          <p:stCondLst>
+                                            <p:cond delay="0"/>
+                                          </p:stCondLst>
+                                        </p:cTn>
+                                        <p:tgtEl>
+                                          <p:spTgt spid="17"/>
+                                        </p:tgtEl>
+                                        <p:attrNameLst>
+                                          <p:attrName>style.visibility</p:attrName>
+                                        </p:attrNameLst>
+                                      </p:cBhvr>
+                                      <p:to>
+                                        <p:strVal val="hidden"/>
+                                      </p:to>
+                                    </p:set>
+                                  </p:childTnLst>
+                                </p:cTn>
+                              </p:par>
+                              <p:par>
+                                <p:cTn id="71" presetID="1" presetClass="entr" presetSubtype="0" fill="hold" grpId="0" nodeType="withEffect">
+                                  <p:stCondLst>
+                                    <p:cond delay="0"/>
+                                  </p:stCondLst>
+                                  <p:childTnLst>
+                                    <p:set>
+                                      <p:cBhvr>
+                                        <p:cTn id="72" dur="1" fill="hold">
+                                          <p:stCondLst>
+                                            <p:cond delay="0"/>
+                                          </p:stCondLst>
+                                        </p:cTn>
+                                        <p:tgtEl>
+                                          <p:spTgt spid="18"/>
+                                        </p:tgtEl>
+                                        <p:attrNameLst>
+                                          <p:attrName>style.visibility</p:attrName>
+                                        </p:attrNameLst>
+                                      </p:cBhvr>
+                                      <p:to>
+                                        <p:strVal val="visible"/>
+                                      </p:to>
+                                    </p:set>
+                                  </p:childTnLst>
+                                </p:cTn>
+                              </p:par>
+                            </p:childTnLst>
+                          </p:cTn>
+                        </p:par>
+                      </p:childTnLst>
+                    </p:cTn>
+                  </p:par>
+                  <p:par>
+                    <p:cTn id="73" fill="hold">
+                      <p:stCondLst>
+                        <p:cond delay="indefinite"/>
+                      </p:stCondLst>
+                      <p:childTnLst>
+                        <p:par>
+                          <p:cTn id="74" fill="hold">
+                            <p:stCondLst>
+                              <p:cond delay="0"/>
+                            </p:stCondLst>
+                            <p:childTnLst>
+                              <p:par>
+                                <p:cTn id="75" presetID="1" presetClass="exit" presetSubtype="0" fill="hold" grpId="1" nodeType="clickEffect">
+                                  <p:stCondLst>
+                                    <p:cond delay="0"/>
+                                  </p:stCondLst>
+                                  <p:childTnLst>
+                                    <p:set>
+                                      <p:cBhvr>
+                                        <p:cTn id="76" dur="1" fill="hold">
+                                          <p:stCondLst>
+                                            <p:cond delay="0"/>
+                                          </p:stCondLst>
+                                        </p:cTn>
+                                        <p:tgtEl>
+                                          <p:spTgt spid="18"/>
+                                        </p:tgtEl>
+                                        <p:attrNameLst>
+                                          <p:attrName>style.visibility</p:attrName>
+                                        </p:attrNameLst>
+                                      </p:cBhvr>
+                                      <p:to>
+                                        <p:strVal val="hidden"/>
+                                      </p:to>
+                                    </p:set>
+                                  </p:childTnLst>
+                                </p:cTn>
+                              </p:par>
+                            </p:childTnLst>
+                          </p:cTn>
+                        </p:par>
+                      </p:childTnLst>
+                    </p:cTn>
+                  </p:par>
+                </p:childTnLst>
+              </p:cTn>
+              <p:prevCondLst>
+                <p:cond evt="onPrev" delay="0">
+                  <p:tgtEl>
+                    <p:sldTgt/>
+                  </p:tgtEl>
+                </p:cond>
+              </p:prevCondLst>
+              <p:nextCondLst>
+                <p:cond evt="onNext" delay="0">
+                  <p:tgtEl>
+                    <p:sldTgt/>
+                  </p:tgtEl>
+                </p:cond>
+              </p:nextCondLst>
+            </p:seq>
+          </p:childTnLst>
+        </p:cTn>
+      </p:par>
+    </p:tnLst>
+    <p:bldLst>
+      <p:bldP spid="3" grpId="0" animBg="1"/>
+      <p:bldP spid="3" grpId="1" animBg="1"/>
+      <p:bldP spid="8" grpId="0" animBg="1"/>
+      <p:bldP spid="8" grpId="1" animBg="1"/>
+      <p:bldP spid="9" grpId="0" animBg="1"/>
+      <p:bldP spid="9" grpId="1" animBg="1"/>
+      <p:bldP spid="10" grpId="0" animBg="1"/>
+      <p:bldP spid="10" grpId="1" animBg="1"/>
+      <p:bldP spid="11" grpId="0" animBg="1"/>
+      <p:bldP spid="11" grpId="1" animBg="1"/>
+      <p:bldP spid="12" grpId="0" animBg="1"/>
+      <p:bldP spid="12" grpId="1" animBg="1"/>
+      <p:bldP spid="13" grpId="0" animBg="1"/>
+      <p:bldP spid="13" grpId="1" animBg="1"/>
+      <p:bldP spid="14" grpId="0" animBg="1"/>
+      <p:bldP spid="14" grpId="1" animBg="1"/>
+      <p:bldP spid="15" grpId="0" animBg="1"/>
+      <p:bldP spid="15" grpId="1" animBg="1"/>
+      <p:bldP spid="16" grpId="0" animBg="1"/>
+      <p:bldP spid="16" grpId="1" animBg="1"/>
+      <p:bldP spid="17" grpId="0" animBg="1"/>
+      <p:bldP spid="17" grpId="1" animBg="1"/>
+      <p:bldP spid="18" grpId="0" animBg="1"/>
+      <p:bldP spid="18" grpId="1" animBg="1"/>
+    </p:bldLst>
+  </p:timing>
 </p:sld>
 </file>
 
-<file path=ppt/slides/slide2.xml><?xml version="1.0" encoding="utf-8"?>
+<file path=ppt/slides/slide21.xml><?xml version="1.0" encoding="utf-8"?>
+<p:sld xmlns:a="http://schemas.openxmlformats.org/drawingml/2006/main" xmlns:r="http://schemas.openxmlformats.org/officeDocument/2006/relationships" xmlns:p="http://schemas.openxmlformats.org/presentationml/2006/main">
+  <p:cSld>
+    <p:spTree>
+      <p:nvGrpSpPr>
+        <p:cNvPr id="1" name=""/>
+        <p:cNvGrpSpPr/>
+        <p:nvPr/>
+      </p:nvGrpSpPr>
+      <p:grpSpPr>
+        <a:xfrm>
+          <a:off x="0" y="0"/>
+          <a:ext cx="0" cy="0"/>
+          <a:chOff x="0" y="0"/>
+          <a:chExt cx="0" cy="0"/>
+        </a:xfrm>
+      </p:grpSpPr>
+      <p:sp>
+        <p:nvSpPr>
+          <p:cNvPr id="2" name="Title 1">
+            <a:extLst>
+              <a:ext uri="{FF2B5EF4-FFF2-40B4-BE49-F238E27FC236}">
+                <a16:creationId xmlns:a16="http://schemas.microsoft.com/office/drawing/2014/main" id="{E81D581E-FABD-1641-A0DC-8DB56DE068A9}"/>
+              </a:ext>
+            </a:extLst>
+          </p:cNvPr>
+          <p:cNvSpPr>
+            <a:spLocks noGrp="1"/>
+          </p:cNvSpPr>
+          <p:nvPr>
+            <p:ph type="title"/>
+          </p:nvPr>
+        </p:nvSpPr>
+        <p:spPr>
+          <a:xfrm>
+            <a:off x="1202919" y="284176"/>
+            <a:ext cx="9784080" cy="1508760"/>
+          </a:xfrm>
+        </p:spPr>
+        <p:txBody>
+          <a:bodyPr>
+            <a:normAutofit/>
+          </a:bodyPr>
+          <a:lstStyle/>
+          <a:p>
+            <a:r>
+              <a:rPr lang="en-US"/>
+              <a:t>Testing</a:t>
+            </a:r>
+          </a:p>
+        </p:txBody>
+      </p:sp>
+      <p:pic>
+        <p:nvPicPr>
+          <p:cNvPr id="5" name="Content Placeholder 4" descr="A screenshot of text&#10;&#10;Description automatically generated">
+            <a:extLst>
+              <a:ext uri="{FF2B5EF4-FFF2-40B4-BE49-F238E27FC236}">
+                <a16:creationId xmlns:a16="http://schemas.microsoft.com/office/drawing/2014/main" id="{6A2866DB-F514-0045-A46B-B839FD856337}"/>
+              </a:ext>
+            </a:extLst>
+          </p:cNvPr>
+          <p:cNvPicPr>
+            <a:picLocks noGrp="1" noChangeAspect="1"/>
+          </p:cNvPicPr>
+          <p:nvPr>
+            <p:ph idx="1"/>
+          </p:nvPr>
+        </p:nvPicPr>
+        <p:blipFill>
+          <a:blip r:embed="rId2" cstate="print">
+            <a:extLst>
+              <a:ext uri="{28A0092B-C50C-407E-A947-70E740481C1C}">
+                <a14:useLocalDpi xmlns:a14="http://schemas.microsoft.com/office/drawing/2010/main" val="0"/>
+              </a:ext>
+            </a:extLst>
+          </a:blip>
+          <a:stretch>
+            <a:fillRect/>
+          </a:stretch>
+        </p:blipFill>
+        <p:spPr>
+          <a:xfrm>
+            <a:off x="5808114" y="138223"/>
+            <a:ext cx="6251774" cy="6434488"/>
+          </a:xfrm>
+        </p:spPr>
+      </p:pic>
+      <p:pic>
+        <p:nvPicPr>
+          <p:cNvPr id="7" name="Picture 6" descr="A screenshot of a cell phone&#10;&#10;Description automatically generated">
+            <a:extLst>
+              <a:ext uri="{FF2B5EF4-FFF2-40B4-BE49-F238E27FC236}">
+                <a16:creationId xmlns:a16="http://schemas.microsoft.com/office/drawing/2014/main" id="{78EE3D63-E933-AF4E-91FD-B6A6276A152D}"/>
+              </a:ext>
+            </a:extLst>
+          </p:cNvPr>
+          <p:cNvPicPr>
+            <a:picLocks noChangeAspect="1"/>
+          </p:cNvPicPr>
+          <p:nvPr/>
+        </p:nvPicPr>
+        <p:blipFill>
+          <a:blip r:embed="rId3">
+            <a:extLst>
+              <a:ext uri="{28A0092B-C50C-407E-A947-70E740481C1C}">
+                <a14:useLocalDpi xmlns:a14="http://schemas.microsoft.com/office/drawing/2010/main" val="0"/>
+              </a:ext>
+            </a:extLst>
+          </a:blip>
+          <a:stretch>
+            <a:fillRect/>
+          </a:stretch>
+        </p:blipFill>
+        <p:spPr>
+          <a:xfrm>
+            <a:off x="1200969" y="1665500"/>
+            <a:ext cx="3508822" cy="4906251"/>
+          </a:xfrm>
+          <a:prstGeom prst="rect">
+            <a:avLst/>
+          </a:prstGeom>
+        </p:spPr>
+      </p:pic>
+    </p:spTree>
+    <p:extLst>
+      <p:ext uri="{BB962C8B-B14F-4D97-AF65-F5344CB8AC3E}">
+        <p14:creationId xmlns:p14="http://schemas.microsoft.com/office/powerpoint/2010/main" val="1505657608"/>
+      </p:ext>
+    </p:extLst>
+  </p:cSld>
+  <p:clrMapOvr>
+    <a:masterClrMapping/>
+  </p:clrMapOvr>
+  <p:transition spd="med">
+    <p:push dir="u"/>
+  </p:transition>
+</p:sld>
+</file>
+
+<file path=ppt/slides/slide22.xml><?xml version="1.0" encoding="utf-8"?>
+<p:sld xmlns:a="http://schemas.openxmlformats.org/drawingml/2006/main" xmlns:r="http://schemas.openxmlformats.org/officeDocument/2006/relationships" xmlns:p="http://schemas.openxmlformats.org/presentationml/2006/main">
+  <p:cSld>
+    <p:bg>
+      <p:bgPr>
+        <a:solidFill>
+          <a:schemeClr val="bg2"/>
+        </a:solidFill>
+        <a:effectLst/>
+      </p:bgPr>
+    </p:bg>
+    <p:spTree>
+      <p:nvGrpSpPr>
+        <p:cNvPr id="1" name=""/>
+        <p:cNvGrpSpPr/>
+        <p:nvPr/>
+      </p:nvGrpSpPr>
+      <p:grpSpPr>
+        <a:xfrm>
+          <a:off x="0" y="0"/>
+          <a:ext cx="0" cy="0"/>
+          <a:chOff x="0" y="0"/>
+          <a:chExt cx="0" cy="0"/>
+        </a:xfrm>
+      </p:grpSpPr>
+      <p:sp>
+        <p:nvSpPr>
+          <p:cNvPr id="2" name="Title 1">
+            <a:extLst>
+              <a:ext uri="{FF2B5EF4-FFF2-40B4-BE49-F238E27FC236}">
+                <a16:creationId xmlns:a16="http://schemas.microsoft.com/office/drawing/2014/main" id="{24086494-2F9F-F246-B116-3397D2B5AAFA}"/>
+              </a:ext>
+            </a:extLst>
+          </p:cNvPr>
+          <p:cNvSpPr>
+            <a:spLocks noGrp="1"/>
+          </p:cNvSpPr>
+          <p:nvPr>
+            <p:ph type="title"/>
+          </p:nvPr>
+        </p:nvSpPr>
+        <p:spPr>
+          <a:xfrm>
+            <a:off x="1202919" y="284176"/>
+            <a:ext cx="9784080" cy="1508760"/>
+          </a:xfrm>
+        </p:spPr>
+        <p:txBody>
+          <a:bodyPr>
+            <a:normAutofit/>
+          </a:bodyPr>
+          <a:lstStyle/>
+          <a:p>
+            <a:r>
+              <a:rPr lang="en-US"/>
+              <a:t>Maintainability</a:t>
+            </a:r>
+          </a:p>
+        </p:txBody>
+      </p:sp>
+      <p:graphicFrame>
+        <p:nvGraphicFramePr>
+          <p:cNvPr id="23" name="Content Placeholder 2">
+            <a:extLst>
+              <a:ext uri="{FF2B5EF4-FFF2-40B4-BE49-F238E27FC236}">
+                <a16:creationId xmlns:a16="http://schemas.microsoft.com/office/drawing/2014/main" id="{3D7B9FC1-C9D4-4ECF-91FB-636D5DA1EE2C}"/>
+              </a:ext>
+            </a:extLst>
+          </p:cNvPr>
+          <p:cNvGraphicFramePr>
+            <a:graphicFrameLocks noGrp="1"/>
+          </p:cNvGraphicFramePr>
+          <p:nvPr>
+            <p:ph idx="1"/>
+            <p:extLst>
+              <p:ext uri="{D42A27DB-BD31-4B8C-83A1-F6EECF244321}">
+                <p14:modId xmlns:p14="http://schemas.microsoft.com/office/powerpoint/2010/main" val="3604408571"/>
+              </p:ext>
+            </p:extLst>
+          </p:nvPr>
+        </p:nvGraphicFramePr>
+        <p:xfrm>
+          <a:off x="1203325" y="2476595"/>
+          <a:ext cx="9783763" cy="3416205"/>
+        </p:xfrm>
+        <a:graphic>
+          <a:graphicData uri="http://schemas.openxmlformats.org/drawingml/2006/diagram">
+            <dgm:relIds xmlns:dgm="http://schemas.openxmlformats.org/drawingml/2006/diagram" xmlns:r="http://schemas.openxmlformats.org/officeDocument/2006/relationships" r:dm="rId2" r:lo="rId3" r:qs="rId4" r:cs="rId5"/>
+          </a:graphicData>
+        </a:graphic>
+      </p:graphicFrame>
+    </p:spTree>
+    <p:extLst>
+      <p:ext uri="{BB962C8B-B14F-4D97-AF65-F5344CB8AC3E}">
+        <p14:creationId xmlns:p14="http://schemas.microsoft.com/office/powerpoint/2010/main" val="1574491162"/>
+      </p:ext>
+    </p:extLst>
+  </p:cSld>
+  <p:clrMapOvr>
+    <a:masterClrMapping/>
+  </p:clrMapOvr>
+  <p:transition spd="med">
+    <p:push dir="u"/>
+  </p:transition>
+</p:sld>
+</file>
+
+<file path=ppt/slides/slide23.xml><?xml version="1.0" encoding="utf-8"?>
+<p:sld xmlns:a="http://schemas.openxmlformats.org/drawingml/2006/main" xmlns:r="http://schemas.openxmlformats.org/officeDocument/2006/relationships" xmlns:p="http://schemas.openxmlformats.org/presentationml/2006/main">
+  <p:cSld>
+    <p:bg>
+      <p:bgPr>
+        <a:solidFill>
+          <a:schemeClr val="bg2"/>
+        </a:solidFill>
+        <a:effectLst/>
+      </p:bgPr>
+    </p:bg>
+    <p:spTree>
+      <p:nvGrpSpPr>
+        <p:cNvPr id="1" name=""/>
+        <p:cNvGrpSpPr/>
+        <p:nvPr/>
+      </p:nvGrpSpPr>
+      <p:grpSpPr>
+        <a:xfrm>
+          <a:off x="0" y="0"/>
+          <a:ext cx="0" cy="0"/>
+          <a:chOff x="0" y="0"/>
+          <a:chExt cx="0" cy="0"/>
+        </a:xfrm>
+      </p:grpSpPr>
+      <p:sp>
+        <p:nvSpPr>
+          <p:cNvPr id="2" name="Title 1">
+            <a:extLst>
+              <a:ext uri="{FF2B5EF4-FFF2-40B4-BE49-F238E27FC236}">
+                <a16:creationId xmlns:a16="http://schemas.microsoft.com/office/drawing/2014/main" id="{CF75165E-8BC8-4B43-9828-E96358D85A39}"/>
+              </a:ext>
+            </a:extLst>
+          </p:cNvPr>
+          <p:cNvSpPr>
+            <a:spLocks noGrp="1"/>
+          </p:cNvSpPr>
+          <p:nvPr>
+            <p:ph type="title"/>
+          </p:nvPr>
+        </p:nvSpPr>
+        <p:spPr>
+          <a:xfrm>
+            <a:off x="1080999" y="487376"/>
+            <a:ext cx="9784080" cy="1508760"/>
+          </a:xfrm>
+        </p:spPr>
+        <p:txBody>
+          <a:bodyPr>
+            <a:normAutofit/>
+          </a:bodyPr>
+          <a:lstStyle/>
+          <a:p>
+            <a:r>
+              <a:rPr lang="en-US"/>
+              <a:t>Achieved Goals</a:t>
+            </a:r>
+            <a:br>
+              <a:rPr lang="en-US"/>
+            </a:br>
+            <a:endParaRPr lang="en-US"/>
+          </a:p>
+        </p:txBody>
+      </p:sp>
+      <p:graphicFrame>
+        <p:nvGraphicFramePr>
+          <p:cNvPr id="5" name="Content Placeholder 2">
+            <a:extLst>
+              <a:ext uri="{FF2B5EF4-FFF2-40B4-BE49-F238E27FC236}">
+                <a16:creationId xmlns:a16="http://schemas.microsoft.com/office/drawing/2014/main" id="{5F543AEC-F052-4A96-8140-2F31C33E454A}"/>
+              </a:ext>
+            </a:extLst>
+          </p:cNvPr>
+          <p:cNvGraphicFramePr>
+            <a:graphicFrameLocks noGrp="1"/>
+          </p:cNvGraphicFramePr>
+          <p:nvPr>
+            <p:ph idx="1"/>
+            <p:extLst>
+              <p:ext uri="{D42A27DB-BD31-4B8C-83A1-F6EECF244321}">
+                <p14:modId xmlns:p14="http://schemas.microsoft.com/office/powerpoint/2010/main" val="512115120"/>
+              </p:ext>
+            </p:extLst>
+          </p:nvPr>
+        </p:nvGraphicFramePr>
+        <p:xfrm>
+          <a:off x="1203325" y="2476595"/>
+          <a:ext cx="9783763" cy="3416205"/>
+        </p:xfrm>
+        <a:graphic>
+          <a:graphicData uri="http://schemas.openxmlformats.org/drawingml/2006/diagram">
+            <dgm:relIds xmlns:dgm="http://schemas.openxmlformats.org/drawingml/2006/diagram" xmlns:r="http://schemas.openxmlformats.org/officeDocument/2006/relationships" r:dm="rId2" r:lo="rId3" r:qs="rId4" r:cs="rId5"/>
+          </a:graphicData>
+        </a:graphic>
+      </p:graphicFrame>
+    </p:spTree>
+    <p:extLst>
+      <p:ext uri="{BB962C8B-B14F-4D97-AF65-F5344CB8AC3E}">
+        <p14:creationId xmlns:p14="http://schemas.microsoft.com/office/powerpoint/2010/main" val="1154208678"/>
+      </p:ext>
+    </p:extLst>
+  </p:cSld>
+  <p:clrMapOvr>
+    <a:masterClrMapping/>
+  </p:clrMapOvr>
+  <p:transition spd="med">
+    <p:push dir="u"/>
+  </p:transition>
+</p:sld>
+</file>
+
+<file path=ppt/slides/slide24.xml><?xml version="1.0" encoding="utf-8"?>
+<p:sld xmlns:a="http://schemas.openxmlformats.org/drawingml/2006/main" xmlns:r="http://schemas.openxmlformats.org/officeDocument/2006/relationships" xmlns:p="http://schemas.openxmlformats.org/presentationml/2006/main">
+  <p:cSld>
+    <p:bg>
+      <p:bgPr>
+        <a:solidFill>
+          <a:schemeClr val="bg2"/>
+        </a:solidFill>
+        <a:effectLst/>
+      </p:bgPr>
+    </p:bg>
+    <p:spTree>
+      <p:nvGrpSpPr>
+        <p:cNvPr id="1" name=""/>
+        <p:cNvGrpSpPr/>
+        <p:nvPr/>
+      </p:nvGrpSpPr>
+      <p:grpSpPr>
+        <a:xfrm>
+          <a:off x="0" y="0"/>
+          <a:ext cx="0" cy="0"/>
+          <a:chOff x="0" y="0"/>
+          <a:chExt cx="0" cy="0"/>
+        </a:xfrm>
+      </p:grpSpPr>
+      <p:sp>
+        <p:nvSpPr>
+          <p:cNvPr id="2" name="Title 1">
+            <a:extLst>
+              <a:ext uri="{FF2B5EF4-FFF2-40B4-BE49-F238E27FC236}">
+                <a16:creationId xmlns:a16="http://schemas.microsoft.com/office/drawing/2014/main" id="{72BEC86A-384A-7641-935C-0E8AE94D0680}"/>
+              </a:ext>
+            </a:extLst>
+          </p:cNvPr>
+          <p:cNvSpPr>
+            <a:spLocks noGrp="1"/>
+          </p:cNvSpPr>
+          <p:nvPr>
+            <p:ph type="title"/>
+          </p:nvPr>
+        </p:nvSpPr>
+        <p:spPr>
+          <a:xfrm>
+            <a:off x="1202919" y="284176"/>
+            <a:ext cx="9784080" cy="1508760"/>
+          </a:xfrm>
+        </p:spPr>
+        <p:txBody>
+          <a:bodyPr>
+            <a:normAutofit/>
+          </a:bodyPr>
+          <a:lstStyle/>
+          <a:p>
+            <a:r>
+              <a:rPr lang="en-US"/>
+              <a:t>Conclusion</a:t>
+            </a:r>
+          </a:p>
+        </p:txBody>
+      </p:sp>
+      <p:graphicFrame>
+        <p:nvGraphicFramePr>
+          <p:cNvPr id="12" name="Content Placeholder 2">
+            <a:extLst>
+              <a:ext uri="{FF2B5EF4-FFF2-40B4-BE49-F238E27FC236}">
+                <a16:creationId xmlns:a16="http://schemas.microsoft.com/office/drawing/2014/main" id="{9DC978D5-D924-482C-8723-0F3A0321B442}"/>
+              </a:ext>
+            </a:extLst>
+          </p:cNvPr>
+          <p:cNvGraphicFramePr>
+            <a:graphicFrameLocks noGrp="1"/>
+          </p:cNvGraphicFramePr>
+          <p:nvPr>
+            <p:ph idx="1"/>
+            <p:extLst>
+              <p:ext uri="{D42A27DB-BD31-4B8C-83A1-F6EECF244321}">
+                <p14:modId xmlns:p14="http://schemas.microsoft.com/office/powerpoint/2010/main" val="665895098"/>
+              </p:ext>
+            </p:extLst>
+          </p:nvPr>
+        </p:nvGraphicFramePr>
+        <p:xfrm>
+          <a:off x="1203325" y="2476595"/>
+          <a:ext cx="9783763" cy="3416205"/>
+        </p:xfrm>
+        <a:graphic>
+          <a:graphicData uri="http://schemas.openxmlformats.org/drawingml/2006/diagram">
+            <dgm:relIds xmlns:dgm="http://schemas.openxmlformats.org/drawingml/2006/diagram" xmlns:r="http://schemas.openxmlformats.org/officeDocument/2006/relationships" r:dm="rId2" r:lo="rId3" r:qs="rId4" r:cs="rId5"/>
+          </a:graphicData>
+        </a:graphic>
+      </p:graphicFrame>
+    </p:spTree>
+    <p:extLst>
+      <p:ext uri="{BB962C8B-B14F-4D97-AF65-F5344CB8AC3E}">
+        <p14:creationId xmlns:p14="http://schemas.microsoft.com/office/powerpoint/2010/main" val="436893362"/>
+      </p:ext>
+    </p:extLst>
+  </p:cSld>
+  <p:clrMapOvr>
+    <a:masterClrMapping/>
+  </p:clrMapOvr>
+  <p:transition spd="med">
+    <p:push dir="u"/>
+  </p:transition>
+</p:sld>
+</file>
+
+<file path=ppt/slides/slide3.xml><?xml version="1.0" encoding="utf-8"?>
 <p:sld xmlns:a="http://schemas.openxmlformats.org/drawingml/2006/main" xmlns:r="http://schemas.openxmlformats.org/officeDocument/2006/relationships" xmlns:p="http://schemas.openxmlformats.org/presentationml/2006/main">
   <p:cSld>
     <p:bg>
@@ -55454,12 +59291,12 @@
           <a:p>
             <a:pPr algn="r"/>
             <a:r>
-              <a:rPr lang="en-US" sz="3200">
+              <a:rPr lang="en-US" sz="3200" dirty="0">
                 <a:solidFill>
                   <a:schemeClr val="tx2"/>
                 </a:solidFill>
               </a:rPr>
-              <a:t>Objective</a:t>
+              <a:t>The problem</a:t>
             </a:r>
           </a:p>
         </p:txBody>
@@ -55608,7 +59445,7 @@
                   <a:schemeClr val="tx2"/>
                 </a:solidFill>
               </a:rPr>
-              <a:t>Given a master dataset and matching datasets, generate functionality to evaluate various datapoints and return a level of confidence of a match to the master dataset.</a:t>
+              <a:t>Given two sets of contact data, find duplicate contacts between the two by measuring contact’s similarity.</a:t>
             </a:r>
             <a:endParaRPr lang="en-US" dirty="0">
               <a:solidFill>
@@ -55682,632 +59519,6 @@
   </p:cSld>
   <p:clrMapOvr>
     <a:overrideClrMapping bg1="lt1" tx1="dk1" bg2="lt2" tx2="dk2" accent1="accent1" accent2="accent2" accent3="accent3" accent4="accent4" accent5="accent5" accent6="accent6" hlink="hlink" folHlink="folHlink"/>
-  </p:clrMapOvr>
-  <p:transition spd="med">
-    <p:push dir="u"/>
-  </p:transition>
-</p:sld>
-</file>
-
-<file path=ppt/slides/slide20.xml><?xml version="1.0" encoding="utf-8"?>
-<p:sld xmlns:a="http://schemas.openxmlformats.org/drawingml/2006/main" xmlns:r="http://schemas.openxmlformats.org/officeDocument/2006/relationships" xmlns:p="http://schemas.openxmlformats.org/presentationml/2006/main">
-  <p:cSld>
-    <p:spTree>
-      <p:nvGrpSpPr>
-        <p:cNvPr id="1" name=""/>
-        <p:cNvGrpSpPr/>
-        <p:nvPr/>
-      </p:nvGrpSpPr>
-      <p:grpSpPr>
-        <a:xfrm>
-          <a:off x="0" y="0"/>
-          <a:ext cx="0" cy="0"/>
-          <a:chOff x="0" y="0"/>
-          <a:chExt cx="0" cy="0"/>
-        </a:xfrm>
-      </p:grpSpPr>
-      <p:sp>
-        <p:nvSpPr>
-          <p:cNvPr id="2" name="Title 1">
-            <a:extLst>
-              <a:ext uri="{FF2B5EF4-FFF2-40B4-BE49-F238E27FC236}">
-                <a16:creationId xmlns:a16="http://schemas.microsoft.com/office/drawing/2014/main" id="{E81D581E-FABD-1641-A0DC-8DB56DE068A9}"/>
-              </a:ext>
-            </a:extLst>
-          </p:cNvPr>
-          <p:cNvSpPr>
-            <a:spLocks noGrp="1"/>
-          </p:cNvSpPr>
-          <p:nvPr>
-            <p:ph type="title"/>
-          </p:nvPr>
-        </p:nvSpPr>
-        <p:spPr>
-          <a:xfrm>
-            <a:off x="1202919" y="284176"/>
-            <a:ext cx="9784080" cy="1508760"/>
-          </a:xfrm>
-        </p:spPr>
-        <p:txBody>
-          <a:bodyPr>
-            <a:normAutofit/>
-          </a:bodyPr>
-          <a:lstStyle/>
-          <a:p>
-            <a:r>
-              <a:rPr lang="en-US"/>
-              <a:t>Testing</a:t>
-            </a:r>
-          </a:p>
-        </p:txBody>
-      </p:sp>
-      <p:pic>
-        <p:nvPicPr>
-          <p:cNvPr id="5" name="Content Placeholder 4" descr="A screenshot of text&#10;&#10;Description automatically generated">
-            <a:extLst>
-              <a:ext uri="{FF2B5EF4-FFF2-40B4-BE49-F238E27FC236}">
-                <a16:creationId xmlns:a16="http://schemas.microsoft.com/office/drawing/2014/main" id="{6A2866DB-F514-0045-A46B-B839FD856337}"/>
-              </a:ext>
-            </a:extLst>
-          </p:cNvPr>
-          <p:cNvPicPr>
-            <a:picLocks noGrp="1" noChangeAspect="1"/>
-          </p:cNvPicPr>
-          <p:nvPr>
-            <p:ph idx="1"/>
-          </p:nvPr>
-        </p:nvPicPr>
-        <p:blipFill>
-          <a:blip r:embed="rId2" cstate="print">
-            <a:extLst>
-              <a:ext uri="{28A0092B-C50C-407E-A947-70E740481C1C}">
-                <a14:useLocalDpi xmlns:a14="http://schemas.microsoft.com/office/drawing/2010/main" val="0"/>
-              </a:ext>
-            </a:extLst>
-          </a:blip>
-          <a:stretch>
-            <a:fillRect/>
-          </a:stretch>
-        </p:blipFill>
-        <p:spPr>
-          <a:xfrm>
-            <a:off x="5808114" y="138223"/>
-            <a:ext cx="6251774" cy="6434488"/>
-          </a:xfrm>
-        </p:spPr>
-      </p:pic>
-      <p:pic>
-        <p:nvPicPr>
-          <p:cNvPr id="7" name="Picture 6" descr="A screenshot of a cell phone&#10;&#10;Description automatically generated">
-            <a:extLst>
-              <a:ext uri="{FF2B5EF4-FFF2-40B4-BE49-F238E27FC236}">
-                <a16:creationId xmlns:a16="http://schemas.microsoft.com/office/drawing/2014/main" id="{78EE3D63-E933-AF4E-91FD-B6A6276A152D}"/>
-              </a:ext>
-            </a:extLst>
-          </p:cNvPr>
-          <p:cNvPicPr>
-            <a:picLocks noChangeAspect="1"/>
-          </p:cNvPicPr>
-          <p:nvPr/>
-        </p:nvPicPr>
-        <p:blipFill>
-          <a:blip r:embed="rId3">
-            <a:extLst>
-              <a:ext uri="{28A0092B-C50C-407E-A947-70E740481C1C}">
-                <a14:useLocalDpi xmlns:a14="http://schemas.microsoft.com/office/drawing/2010/main" val="0"/>
-              </a:ext>
-            </a:extLst>
-          </a:blip>
-          <a:stretch>
-            <a:fillRect/>
-          </a:stretch>
-        </p:blipFill>
-        <p:spPr>
-          <a:xfrm>
-            <a:off x="1200969" y="1665500"/>
-            <a:ext cx="3508822" cy="4906251"/>
-          </a:xfrm>
-          <a:prstGeom prst="rect">
-            <a:avLst/>
-          </a:prstGeom>
-        </p:spPr>
-      </p:pic>
-    </p:spTree>
-    <p:extLst>
-      <p:ext uri="{BB962C8B-B14F-4D97-AF65-F5344CB8AC3E}">
-        <p14:creationId xmlns:p14="http://schemas.microsoft.com/office/powerpoint/2010/main" val="1505657608"/>
-      </p:ext>
-    </p:extLst>
-  </p:cSld>
-  <p:clrMapOvr>
-    <a:masterClrMapping/>
-  </p:clrMapOvr>
-  <p:transition spd="med">
-    <p:push dir="u"/>
-  </p:transition>
-</p:sld>
-</file>
-
-<file path=ppt/slides/slide21.xml><?xml version="1.0" encoding="utf-8"?>
-<p:sld xmlns:a="http://schemas.openxmlformats.org/drawingml/2006/main" xmlns:r="http://schemas.openxmlformats.org/officeDocument/2006/relationships" xmlns:p="http://schemas.openxmlformats.org/presentationml/2006/main">
-  <p:cSld>
-    <p:bg>
-      <p:bgPr>
-        <a:solidFill>
-          <a:schemeClr val="bg2"/>
-        </a:solidFill>
-        <a:effectLst/>
-      </p:bgPr>
-    </p:bg>
-    <p:spTree>
-      <p:nvGrpSpPr>
-        <p:cNvPr id="1" name=""/>
-        <p:cNvGrpSpPr/>
-        <p:nvPr/>
-      </p:nvGrpSpPr>
-      <p:grpSpPr>
-        <a:xfrm>
-          <a:off x="0" y="0"/>
-          <a:ext cx="0" cy="0"/>
-          <a:chOff x="0" y="0"/>
-          <a:chExt cx="0" cy="0"/>
-        </a:xfrm>
-      </p:grpSpPr>
-      <p:sp>
-        <p:nvSpPr>
-          <p:cNvPr id="2" name="Title 1">
-            <a:extLst>
-              <a:ext uri="{FF2B5EF4-FFF2-40B4-BE49-F238E27FC236}">
-                <a16:creationId xmlns:a16="http://schemas.microsoft.com/office/drawing/2014/main" id="{24086494-2F9F-F246-B116-3397D2B5AAFA}"/>
-              </a:ext>
-            </a:extLst>
-          </p:cNvPr>
-          <p:cNvSpPr>
-            <a:spLocks noGrp="1"/>
-          </p:cNvSpPr>
-          <p:nvPr>
-            <p:ph type="title"/>
-          </p:nvPr>
-        </p:nvSpPr>
-        <p:spPr>
-          <a:xfrm>
-            <a:off x="1202919" y="284176"/>
-            <a:ext cx="9784080" cy="1508760"/>
-          </a:xfrm>
-        </p:spPr>
-        <p:txBody>
-          <a:bodyPr>
-            <a:normAutofit/>
-          </a:bodyPr>
-          <a:lstStyle/>
-          <a:p>
-            <a:r>
-              <a:rPr lang="en-US"/>
-              <a:t>Maintainability</a:t>
-            </a:r>
-          </a:p>
-        </p:txBody>
-      </p:sp>
-      <p:graphicFrame>
-        <p:nvGraphicFramePr>
-          <p:cNvPr id="23" name="Content Placeholder 2">
-            <a:extLst>
-              <a:ext uri="{FF2B5EF4-FFF2-40B4-BE49-F238E27FC236}">
-                <a16:creationId xmlns:a16="http://schemas.microsoft.com/office/drawing/2014/main" id="{3D7B9FC1-C9D4-4ECF-91FB-636D5DA1EE2C}"/>
-              </a:ext>
-            </a:extLst>
-          </p:cNvPr>
-          <p:cNvGraphicFramePr>
-            <a:graphicFrameLocks noGrp="1"/>
-          </p:cNvGraphicFramePr>
-          <p:nvPr>
-            <p:ph idx="1"/>
-            <p:extLst>
-              <p:ext uri="{D42A27DB-BD31-4B8C-83A1-F6EECF244321}">
-                <p14:modId xmlns:p14="http://schemas.microsoft.com/office/powerpoint/2010/main" val="3604408571"/>
-              </p:ext>
-            </p:extLst>
-          </p:nvPr>
-        </p:nvGraphicFramePr>
-        <p:xfrm>
-          <a:off x="1203325" y="2476595"/>
-          <a:ext cx="9783763" cy="3416205"/>
-        </p:xfrm>
-        <a:graphic>
-          <a:graphicData uri="http://schemas.openxmlformats.org/drawingml/2006/diagram">
-            <dgm:relIds xmlns:dgm="http://schemas.openxmlformats.org/drawingml/2006/diagram" xmlns:r="http://schemas.openxmlformats.org/officeDocument/2006/relationships" r:dm="rId2" r:lo="rId3" r:qs="rId4" r:cs="rId5"/>
-          </a:graphicData>
-        </a:graphic>
-      </p:graphicFrame>
-    </p:spTree>
-    <p:extLst>
-      <p:ext uri="{BB962C8B-B14F-4D97-AF65-F5344CB8AC3E}">
-        <p14:creationId xmlns:p14="http://schemas.microsoft.com/office/powerpoint/2010/main" val="1574491162"/>
-      </p:ext>
-    </p:extLst>
-  </p:cSld>
-  <p:clrMapOvr>
-    <a:masterClrMapping/>
-  </p:clrMapOvr>
-  <p:transition spd="med">
-    <p:push dir="u"/>
-  </p:transition>
-</p:sld>
-</file>
-
-<file path=ppt/slides/slide22.xml><?xml version="1.0" encoding="utf-8"?>
-<p:sld xmlns:a="http://schemas.openxmlformats.org/drawingml/2006/main" xmlns:r="http://schemas.openxmlformats.org/officeDocument/2006/relationships" xmlns:p="http://schemas.openxmlformats.org/presentationml/2006/main">
-  <p:cSld>
-    <p:bg>
-      <p:bgPr>
-        <a:solidFill>
-          <a:schemeClr val="bg2"/>
-        </a:solidFill>
-        <a:effectLst/>
-      </p:bgPr>
-    </p:bg>
-    <p:spTree>
-      <p:nvGrpSpPr>
-        <p:cNvPr id="1" name=""/>
-        <p:cNvGrpSpPr/>
-        <p:nvPr/>
-      </p:nvGrpSpPr>
-      <p:grpSpPr>
-        <a:xfrm>
-          <a:off x="0" y="0"/>
-          <a:ext cx="0" cy="0"/>
-          <a:chOff x="0" y="0"/>
-          <a:chExt cx="0" cy="0"/>
-        </a:xfrm>
-      </p:grpSpPr>
-      <p:sp>
-        <p:nvSpPr>
-          <p:cNvPr id="2" name="Title 1">
-            <a:extLst>
-              <a:ext uri="{FF2B5EF4-FFF2-40B4-BE49-F238E27FC236}">
-                <a16:creationId xmlns:a16="http://schemas.microsoft.com/office/drawing/2014/main" id="{CF75165E-8BC8-4B43-9828-E96358D85A39}"/>
-              </a:ext>
-            </a:extLst>
-          </p:cNvPr>
-          <p:cNvSpPr>
-            <a:spLocks noGrp="1"/>
-          </p:cNvSpPr>
-          <p:nvPr>
-            <p:ph type="title"/>
-          </p:nvPr>
-        </p:nvSpPr>
-        <p:spPr>
-          <a:xfrm>
-            <a:off x="1080999" y="487376"/>
-            <a:ext cx="9784080" cy="1508760"/>
-          </a:xfrm>
-        </p:spPr>
-        <p:txBody>
-          <a:bodyPr>
-            <a:normAutofit/>
-          </a:bodyPr>
-          <a:lstStyle/>
-          <a:p>
-            <a:r>
-              <a:rPr lang="en-US"/>
-              <a:t>Achieved Goals</a:t>
-            </a:r>
-            <a:br>
-              <a:rPr lang="en-US"/>
-            </a:br>
-            <a:endParaRPr lang="en-US"/>
-          </a:p>
-        </p:txBody>
-      </p:sp>
-      <p:graphicFrame>
-        <p:nvGraphicFramePr>
-          <p:cNvPr id="5" name="Content Placeholder 2">
-            <a:extLst>
-              <a:ext uri="{FF2B5EF4-FFF2-40B4-BE49-F238E27FC236}">
-                <a16:creationId xmlns:a16="http://schemas.microsoft.com/office/drawing/2014/main" id="{5F543AEC-F052-4A96-8140-2F31C33E454A}"/>
-              </a:ext>
-            </a:extLst>
-          </p:cNvPr>
-          <p:cNvGraphicFramePr>
-            <a:graphicFrameLocks noGrp="1"/>
-          </p:cNvGraphicFramePr>
-          <p:nvPr>
-            <p:ph idx="1"/>
-            <p:extLst>
-              <p:ext uri="{D42A27DB-BD31-4B8C-83A1-F6EECF244321}">
-                <p14:modId xmlns:p14="http://schemas.microsoft.com/office/powerpoint/2010/main" val="512115120"/>
-              </p:ext>
-            </p:extLst>
-          </p:nvPr>
-        </p:nvGraphicFramePr>
-        <p:xfrm>
-          <a:off x="1203325" y="2476595"/>
-          <a:ext cx="9783763" cy="3416205"/>
-        </p:xfrm>
-        <a:graphic>
-          <a:graphicData uri="http://schemas.openxmlformats.org/drawingml/2006/diagram">
-            <dgm:relIds xmlns:dgm="http://schemas.openxmlformats.org/drawingml/2006/diagram" xmlns:r="http://schemas.openxmlformats.org/officeDocument/2006/relationships" r:dm="rId2" r:lo="rId3" r:qs="rId4" r:cs="rId5"/>
-          </a:graphicData>
-        </a:graphic>
-      </p:graphicFrame>
-    </p:spTree>
-    <p:extLst>
-      <p:ext uri="{BB962C8B-B14F-4D97-AF65-F5344CB8AC3E}">
-        <p14:creationId xmlns:p14="http://schemas.microsoft.com/office/powerpoint/2010/main" val="1154208678"/>
-      </p:ext>
-    </p:extLst>
-  </p:cSld>
-  <p:clrMapOvr>
-    <a:masterClrMapping/>
-  </p:clrMapOvr>
-  <p:transition spd="med">
-    <p:push dir="u"/>
-  </p:transition>
-</p:sld>
-</file>
-
-<file path=ppt/slides/slide23.xml><?xml version="1.0" encoding="utf-8"?>
-<p:sld xmlns:a="http://schemas.openxmlformats.org/drawingml/2006/main" xmlns:r="http://schemas.openxmlformats.org/officeDocument/2006/relationships" xmlns:p="http://schemas.openxmlformats.org/presentationml/2006/main">
-  <p:cSld>
-    <p:bg>
-      <p:bgPr>
-        <a:solidFill>
-          <a:schemeClr val="bg2"/>
-        </a:solidFill>
-        <a:effectLst/>
-      </p:bgPr>
-    </p:bg>
-    <p:spTree>
-      <p:nvGrpSpPr>
-        <p:cNvPr id="1" name=""/>
-        <p:cNvGrpSpPr/>
-        <p:nvPr/>
-      </p:nvGrpSpPr>
-      <p:grpSpPr>
-        <a:xfrm>
-          <a:off x="0" y="0"/>
-          <a:ext cx="0" cy="0"/>
-          <a:chOff x="0" y="0"/>
-          <a:chExt cx="0" cy="0"/>
-        </a:xfrm>
-      </p:grpSpPr>
-      <p:sp>
-        <p:nvSpPr>
-          <p:cNvPr id="2" name="Title 1">
-            <a:extLst>
-              <a:ext uri="{FF2B5EF4-FFF2-40B4-BE49-F238E27FC236}">
-                <a16:creationId xmlns:a16="http://schemas.microsoft.com/office/drawing/2014/main" id="{72BEC86A-384A-7641-935C-0E8AE94D0680}"/>
-              </a:ext>
-            </a:extLst>
-          </p:cNvPr>
-          <p:cNvSpPr>
-            <a:spLocks noGrp="1"/>
-          </p:cNvSpPr>
-          <p:nvPr>
-            <p:ph type="title"/>
-          </p:nvPr>
-        </p:nvSpPr>
-        <p:spPr>
-          <a:xfrm>
-            <a:off x="1202919" y="284176"/>
-            <a:ext cx="9784080" cy="1508760"/>
-          </a:xfrm>
-        </p:spPr>
-        <p:txBody>
-          <a:bodyPr>
-            <a:normAutofit/>
-          </a:bodyPr>
-          <a:lstStyle/>
-          <a:p>
-            <a:r>
-              <a:rPr lang="en-US"/>
-              <a:t>Conclusion</a:t>
-            </a:r>
-          </a:p>
-        </p:txBody>
-      </p:sp>
-      <p:graphicFrame>
-        <p:nvGraphicFramePr>
-          <p:cNvPr id="12" name="Content Placeholder 2">
-            <a:extLst>
-              <a:ext uri="{FF2B5EF4-FFF2-40B4-BE49-F238E27FC236}">
-                <a16:creationId xmlns:a16="http://schemas.microsoft.com/office/drawing/2014/main" id="{9DC978D5-D924-482C-8723-0F3A0321B442}"/>
-              </a:ext>
-            </a:extLst>
-          </p:cNvPr>
-          <p:cNvGraphicFramePr>
-            <a:graphicFrameLocks noGrp="1"/>
-          </p:cNvGraphicFramePr>
-          <p:nvPr>
-            <p:ph idx="1"/>
-            <p:extLst>
-              <p:ext uri="{D42A27DB-BD31-4B8C-83A1-F6EECF244321}">
-                <p14:modId xmlns:p14="http://schemas.microsoft.com/office/powerpoint/2010/main" val="4257167380"/>
-              </p:ext>
-            </p:extLst>
-          </p:nvPr>
-        </p:nvGraphicFramePr>
-        <p:xfrm>
-          <a:off x="1203325" y="2476595"/>
-          <a:ext cx="9783763" cy="3416205"/>
-        </p:xfrm>
-        <a:graphic>
-          <a:graphicData uri="http://schemas.openxmlformats.org/drawingml/2006/diagram">
-            <dgm:relIds xmlns:dgm="http://schemas.openxmlformats.org/drawingml/2006/diagram" xmlns:r="http://schemas.openxmlformats.org/officeDocument/2006/relationships" r:dm="rId2" r:lo="rId3" r:qs="rId4" r:cs="rId5"/>
-          </a:graphicData>
-        </a:graphic>
-      </p:graphicFrame>
-    </p:spTree>
-    <p:extLst>
-      <p:ext uri="{BB962C8B-B14F-4D97-AF65-F5344CB8AC3E}">
-        <p14:creationId xmlns:p14="http://schemas.microsoft.com/office/powerpoint/2010/main" val="436893362"/>
-      </p:ext>
-    </p:extLst>
-  </p:cSld>
-  <p:clrMapOvr>
-    <a:masterClrMapping/>
-  </p:clrMapOvr>
-  <p:transition spd="med">
-    <p:push dir="u"/>
-  </p:transition>
-</p:sld>
-</file>
-
-<file path=ppt/slides/slide3.xml><?xml version="1.0" encoding="utf-8"?>
-<p:sld xmlns:a="http://schemas.openxmlformats.org/drawingml/2006/main" xmlns:r="http://schemas.openxmlformats.org/officeDocument/2006/relationships" xmlns:p="http://schemas.openxmlformats.org/presentationml/2006/main">
-  <p:cSld>
-    <p:bg>
-      <p:bgPr>
-        <a:solidFill>
-          <a:schemeClr val="bg2"/>
-        </a:solidFill>
-        <a:effectLst/>
-      </p:bgPr>
-    </p:bg>
-    <p:spTree>
-      <p:nvGrpSpPr>
-        <p:cNvPr id="1" name=""/>
-        <p:cNvGrpSpPr/>
-        <p:nvPr/>
-      </p:nvGrpSpPr>
-      <p:grpSpPr>
-        <a:xfrm>
-          <a:off x="0" y="0"/>
-          <a:ext cx="0" cy="0"/>
-          <a:chOff x="0" y="0"/>
-          <a:chExt cx="0" cy="0"/>
-        </a:xfrm>
-      </p:grpSpPr>
-      <p:sp>
-        <p:nvSpPr>
-          <p:cNvPr id="35" name="Rectangle 37">
-            <a:extLst>
-              <a:ext uri="{FF2B5EF4-FFF2-40B4-BE49-F238E27FC236}">
-                <a16:creationId xmlns:a16="http://schemas.microsoft.com/office/drawing/2014/main" id="{B383374D-9EA7-4E1A-B621-AC981791C8E8}"/>
-              </a:ext>
-              <a:ext uri="{C183D7F6-B498-43B3-948B-1728B52AA6E4}">
-                <adec:decorative xmlns:adec="http://schemas.microsoft.com/office/drawing/2017/decorative" val="1"/>
-              </a:ext>
-            </a:extLst>
-          </p:cNvPr>
-          <p:cNvSpPr>
-            <a:spLocks noGrp="1" noRot="1" noChangeAspect="1" noMove="1" noResize="1" noEditPoints="1" noAdjustHandles="1" noChangeArrowheads="1" noChangeShapeType="1" noTextEdit="1"/>
-          </p:cNvSpPr>
-          <p:nvPr>
-            <p:extLst>
-              <p:ext uri="{386F3935-93C4-4BCD-93E2-E3B085C9AB24}">
-                <p16:designElem xmlns:p16="http://schemas.microsoft.com/office/powerpoint/2015/main" val="1"/>
-              </p:ext>
-            </p:extLst>
-          </p:nvPr>
-        </p:nvSpPr>
-        <p:spPr>
-          <a:xfrm>
-            <a:off x="483" y="176109"/>
-            <a:ext cx="12188952" cy="1645919"/>
-          </a:xfrm>
-          <a:prstGeom prst="rect">
-            <a:avLst/>
-          </a:prstGeom>
-          <a:solidFill>
-            <a:schemeClr val="tx1"/>
-          </a:solidFill>
-          <a:ln>
-            <a:noFill/>
-          </a:ln>
-        </p:spPr>
-        <p:style>
-          <a:lnRef idx="2">
-            <a:schemeClr val="accent1">
-              <a:shade val="50000"/>
-            </a:schemeClr>
-          </a:lnRef>
-          <a:fillRef idx="1">
-            <a:schemeClr val="accent1"/>
-          </a:fillRef>
-          <a:effectRef idx="0">
-            <a:schemeClr val="accent1"/>
-          </a:effectRef>
-          <a:fontRef idx="minor">
-            <a:schemeClr val="lt1"/>
-          </a:fontRef>
-        </p:style>
-      </p:sp>
-      <p:sp>
-        <p:nvSpPr>
-          <p:cNvPr id="2" name="Title 1">
-            <a:extLst>
-              <a:ext uri="{FF2B5EF4-FFF2-40B4-BE49-F238E27FC236}">
-                <a16:creationId xmlns:a16="http://schemas.microsoft.com/office/drawing/2014/main" id="{73F8080A-BE41-489E-8E6E-DE2ED9EA09EA}"/>
-              </a:ext>
-            </a:extLst>
-          </p:cNvPr>
-          <p:cNvSpPr>
-            <a:spLocks noGrp="1"/>
-          </p:cNvSpPr>
-          <p:nvPr>
-            <p:ph type="title"/>
-          </p:nvPr>
-        </p:nvSpPr>
-        <p:spPr>
-          <a:xfrm>
-            <a:off x="1202919" y="284176"/>
-            <a:ext cx="9784080" cy="1508760"/>
-          </a:xfrm>
-        </p:spPr>
-        <p:txBody>
-          <a:bodyPr vert="horz" lIns="91440" tIns="45720" rIns="91440" bIns="45720" rtlCol="0" anchor="ctr">
-            <a:normAutofit/>
-          </a:bodyPr>
-          <a:lstStyle/>
-          <a:p>
-            <a:r>
-              <a:rPr lang="en-US"/>
-              <a:t>Introduction</a:t>
-            </a:r>
-          </a:p>
-        </p:txBody>
-      </p:sp>
-      <p:graphicFrame>
-        <p:nvGraphicFramePr>
-          <p:cNvPr id="33" name="Content Placeholder 2">
-            <a:extLst>
-              <a:ext uri="{FF2B5EF4-FFF2-40B4-BE49-F238E27FC236}">
-                <a16:creationId xmlns:a16="http://schemas.microsoft.com/office/drawing/2014/main" id="{2F813DEE-4D70-4B55-9F13-64FFBB376E7B}"/>
-              </a:ext>
-            </a:extLst>
-          </p:cNvPr>
-          <p:cNvGraphicFramePr>
-            <a:graphicFrameLocks noGrp="1"/>
-          </p:cNvGraphicFramePr>
-          <p:nvPr>
-            <p:ph idx="4294967295"/>
-            <p:extLst>
-              <p:ext uri="{D42A27DB-BD31-4B8C-83A1-F6EECF244321}">
-                <p14:modId xmlns:p14="http://schemas.microsoft.com/office/powerpoint/2010/main" val="662662325"/>
-              </p:ext>
-            </p:extLst>
-          </p:nvPr>
-        </p:nvGraphicFramePr>
-        <p:xfrm>
-          <a:off x="-2192678" y="1934679"/>
-          <a:ext cx="16561393" cy="4807492"/>
-        </p:xfrm>
-        <a:graphic>
-          <a:graphicData uri="http://schemas.openxmlformats.org/drawingml/2006/diagram">
-            <dgm:relIds xmlns:dgm="http://schemas.openxmlformats.org/drawingml/2006/diagram" xmlns:r="http://schemas.openxmlformats.org/officeDocument/2006/relationships" r:dm="rId2" r:lo="rId3" r:qs="rId4" r:cs="rId5"/>
-          </a:graphicData>
-        </a:graphic>
-      </p:graphicFrame>
-    </p:spTree>
-    <p:extLst>
-      <p:ext uri="{BB962C8B-B14F-4D97-AF65-F5344CB8AC3E}">
-        <p14:creationId xmlns:p14="http://schemas.microsoft.com/office/powerpoint/2010/main" val="379333498"/>
-      </p:ext>
-    </p:extLst>
-  </p:cSld>
-  <p:clrMapOvr>
-    <a:masterClrMapping/>
   </p:clrMapOvr>
   <p:transition spd="med">
     <p:push dir="u"/>
@@ -57337,7 +60548,7 @@
       </p:sp>
       <p:pic>
         <p:nvPicPr>
-          <p:cNvPr id="7" name="Picture 7" descr="A close up of a logo&#10;&#10;Description generated with very high confidence">
+          <p:cNvPr id="7" name="Picture 7">
             <a:extLst>
               <a:ext uri="{FF2B5EF4-FFF2-40B4-BE49-F238E27FC236}">
                 <a16:creationId xmlns:a16="http://schemas.microsoft.com/office/drawing/2014/main" id="{637E1154-2245-4340-ACC9-A4604B346BE9}"/>
@@ -57352,15 +60563,21 @@
           </p:nvPr>
         </p:nvPicPr>
         <p:blipFill>
-          <a:blip r:embed="rId2"/>
+          <a:blip r:embed="rId2">
+            <a:extLst>
+              <a:ext uri="{28A0092B-C50C-407E-A947-70E740481C1C}">
+                <a14:useLocalDpi xmlns:a14="http://schemas.microsoft.com/office/drawing/2010/main" val="0"/>
+              </a:ext>
+            </a:extLst>
+          </a:blip>
           <a:stretch>
             <a:fillRect/>
           </a:stretch>
         </p:blipFill>
         <p:spPr>
           <a:xfrm>
-            <a:off x="2590735" y="4772464"/>
-            <a:ext cx="7021878" cy="1290758"/>
+            <a:off x="3766446" y="4838330"/>
+            <a:ext cx="4652544" cy="831614"/>
           </a:xfrm>
           <a:prstGeom prst="rect">
             <a:avLst/>
